--- a/poster/poster_template.pptx
+++ b/poster/poster_template.pptx
@@ -7,7 +7,7 @@
   <p:sldIdLst>
     <p:sldId id="256" r:id="rId2"/>
   </p:sldIdLst>
-  <p:sldSz cx="30275213" cy="42811700"/>
+  <p:sldSz cx="42811700" cy="30275213"/>
   <p:notesSz cx="6858000" cy="9144000"/>
   <p:defaultTextStyle>
     <a:defPPr>
@@ -107,12 +107,12 @@
   <p:extLst>
     <p:ext uri="{EFAFB233-063F-42B5-8137-9DF3F51BA10A}">
       <p15:sldGuideLst xmlns:p15="http://schemas.microsoft.com/office/powerpoint/2012/main">
-        <p15:guide id="1" orient="horz" pos="13484">
+        <p15:guide id="1" orient="horz" pos="9536" userDrawn="1">
           <p15:clr>
             <a:srgbClr val="A4A3A4"/>
           </p15:clr>
         </p15:guide>
-        <p15:guide id="2" pos="9536">
+        <p15:guide id="2" pos="13485" userDrawn="1">
           <p15:clr>
             <a:srgbClr val="A4A3A4"/>
           </p15:clr>
@@ -160,8 +160,8 @@
         </p:nvSpPr>
         <p:spPr>
           <a:xfrm>
-            <a:off x="2270642" y="13299388"/>
-            <a:ext cx="25733931" cy="9176766"/>
+            <a:off x="3210881" y="9404949"/>
+            <a:ext cx="36389945" cy="6489547"/>
           </a:xfrm>
         </p:spPr>
         <p:txBody>
@@ -188,8 +188,8 @@
         </p:nvSpPr>
         <p:spPr>
           <a:xfrm>
-            <a:off x="4541283" y="24259963"/>
-            <a:ext cx="21192649" cy="10940768"/>
+            <a:off x="6421757" y="17155955"/>
+            <a:ext cx="29968190" cy="7736999"/>
           </a:xfrm>
         </p:spPr>
         <p:txBody>
@@ -205,7 +205,7 @@
                 </a:solidFill>
               </a:defRPr>
             </a:lvl1pPr>
-            <a:lvl2pPr marL="457200" indent="0" algn="ctr">
+            <a:lvl2pPr marL="323349" indent="0" algn="ctr">
               <a:buNone/>
               <a:defRPr>
                 <a:solidFill>
@@ -215,7 +215,7 @@
                 </a:solidFill>
               </a:defRPr>
             </a:lvl2pPr>
-            <a:lvl3pPr marL="914400" indent="0" algn="ctr">
+            <a:lvl3pPr marL="646697" indent="0" algn="ctr">
               <a:buNone/>
               <a:defRPr>
                 <a:solidFill>
@@ -225,7 +225,7 @@
                 </a:solidFill>
               </a:defRPr>
             </a:lvl3pPr>
-            <a:lvl4pPr marL="1371600" indent="0" algn="ctr">
+            <a:lvl4pPr marL="970046" indent="0" algn="ctr">
               <a:buNone/>
               <a:defRPr>
                 <a:solidFill>
@@ -235,7 +235,7 @@
                 </a:solidFill>
               </a:defRPr>
             </a:lvl4pPr>
-            <a:lvl5pPr marL="1828800" indent="0" algn="ctr">
+            <a:lvl5pPr marL="1293394" indent="0" algn="ctr">
               <a:buNone/>
               <a:defRPr>
                 <a:solidFill>
@@ -245,7 +245,7 @@
                 </a:solidFill>
               </a:defRPr>
             </a:lvl5pPr>
-            <a:lvl6pPr marL="2286000" indent="0" algn="ctr">
+            <a:lvl6pPr marL="1616743" indent="0" algn="ctr">
               <a:buNone/>
               <a:defRPr>
                 <a:solidFill>
@@ -255,7 +255,7 @@
                 </a:solidFill>
               </a:defRPr>
             </a:lvl6pPr>
-            <a:lvl7pPr marL="2743200" indent="0" algn="ctr">
+            <a:lvl7pPr marL="1940091" indent="0" algn="ctr">
               <a:buNone/>
               <a:defRPr>
                 <a:solidFill>
@@ -265,7 +265,7 @@
                 </a:solidFill>
               </a:defRPr>
             </a:lvl7pPr>
-            <a:lvl8pPr marL="3200400" indent="0" algn="ctr">
+            <a:lvl8pPr marL="2263440" indent="0" algn="ctr">
               <a:buNone/>
               <a:defRPr>
                 <a:solidFill>
@@ -275,7 +275,7 @@
                 </a:solidFill>
               </a:defRPr>
             </a:lvl8pPr>
-            <a:lvl9pPr marL="3657600" indent="0" algn="ctr">
+            <a:lvl9pPr marL="2586788" indent="0" algn="ctr">
               <a:buNone/>
               <a:defRPr>
                 <a:solidFill>
@@ -312,7 +312,7 @@
           <a:p>
             <a:fld id="{0B7A2DEA-69B7-D343-870B-04A176525892}" type="datetimeFigureOut">
               <a:rPr lang="de-DE" smtClean="0"/>
-              <a:t>09.01.18</a:t>
+              <a:t>16.01.18</a:t>
             </a:fld>
             <a:endParaRPr lang="en-US"/>
           </a:p>
@@ -482,7 +482,7 @@
           <a:p>
             <a:fld id="{0B7A2DEA-69B7-D343-870B-04A176525892}" type="datetimeFigureOut">
               <a:rPr lang="de-DE" smtClean="0"/>
-              <a:t>09.01.18</a:t>
+              <a:t>16.01.18</a:t>
             </a:fld>
             <a:endParaRPr lang="en-US"/>
           </a:p>
@@ -572,8 +572,8 @@
         </p:nvSpPr>
         <p:spPr>
           <a:xfrm>
-            <a:off x="16462145" y="2289241"/>
-            <a:ext cx="5108944" cy="48698309"/>
+            <a:off x="23278859" y="1618887"/>
+            <a:ext cx="7224477" cy="34438055"/>
           </a:xfrm>
         </p:spPr>
         <p:txBody>
@@ -600,8 +600,8 @@
         </p:nvSpPr>
         <p:spPr>
           <a:xfrm>
-            <a:off x="1135323" y="2289241"/>
-            <a:ext cx="14822242" cy="48698309"/>
+            <a:off x="1605442" y="1618887"/>
+            <a:ext cx="20959898" cy="34438055"/>
           </a:xfrm>
         </p:spPr>
         <p:txBody>
@@ -662,7 +662,7 @@
           <a:p>
             <a:fld id="{0B7A2DEA-69B7-D343-870B-04A176525892}" type="datetimeFigureOut">
               <a:rPr lang="de-DE" smtClean="0"/>
-              <a:t>09.01.18</a:t>
+              <a:t>16.01.18</a:t>
             </a:fld>
             <a:endParaRPr lang="en-US"/>
           </a:p>
@@ -832,7 +832,7 @@
           <a:p>
             <a:fld id="{0B7A2DEA-69B7-D343-870B-04A176525892}" type="datetimeFigureOut">
               <a:rPr lang="de-DE" smtClean="0"/>
-              <a:t>09.01.18</a:t>
+              <a:t>16.01.18</a:t>
             </a:fld>
             <a:endParaRPr lang="en-US"/>
           </a:p>
@@ -922,15 +922,15 @@
         </p:nvSpPr>
         <p:spPr>
           <a:xfrm>
-            <a:off x="2391535" y="27510483"/>
-            <a:ext cx="25733931" cy="8502879"/>
+            <a:off x="3381834" y="19454629"/>
+            <a:ext cx="36389945" cy="6012993"/>
           </a:xfrm>
         </p:spPr>
         <p:txBody>
           <a:bodyPr anchor="t"/>
           <a:lstStyle>
             <a:lvl1pPr algn="l">
-              <a:defRPr sz="4000" b="1" cap="all"/>
+              <a:defRPr sz="2829" b="1" cap="all"/>
             </a:lvl1pPr>
           </a:lstStyle>
           <a:p>
@@ -954,8 +954,8 @@
         </p:nvSpPr>
         <p:spPr>
           <a:xfrm>
-            <a:off x="2391535" y="18145435"/>
-            <a:ext cx="25733931" cy="9365055"/>
+            <a:off x="3381834" y="12831934"/>
+            <a:ext cx="36389945" cy="6622700"/>
           </a:xfrm>
         </p:spPr>
         <p:txBody>
@@ -963,7 +963,7 @@
           <a:lstStyle>
             <a:lvl1pPr marL="0" indent="0">
               <a:buNone/>
-              <a:defRPr sz="2000">
+              <a:defRPr sz="1414">
                 <a:solidFill>
                   <a:schemeClr val="tx1">
                     <a:tint val="75000"/>
@@ -971,9 +971,9 @@
                 </a:solidFill>
               </a:defRPr>
             </a:lvl1pPr>
-            <a:lvl2pPr marL="457200" indent="0">
-              <a:buNone/>
-              <a:defRPr sz="1800">
+            <a:lvl2pPr marL="323349" indent="0">
+              <a:buNone/>
+              <a:defRPr sz="1273">
                 <a:solidFill>
                   <a:schemeClr val="tx1">
                     <a:tint val="75000"/>
@@ -981,9 +981,9 @@
                 </a:solidFill>
               </a:defRPr>
             </a:lvl2pPr>
-            <a:lvl3pPr marL="914400" indent="0">
-              <a:buNone/>
-              <a:defRPr sz="1600">
+            <a:lvl3pPr marL="646697" indent="0">
+              <a:buNone/>
+              <a:defRPr sz="1132">
                 <a:solidFill>
                   <a:schemeClr val="tx1">
                     <a:tint val="75000"/>
@@ -991,9 +991,9 @@
                 </a:solidFill>
               </a:defRPr>
             </a:lvl3pPr>
-            <a:lvl4pPr marL="1371600" indent="0">
-              <a:buNone/>
-              <a:defRPr sz="1400">
+            <a:lvl4pPr marL="970046" indent="0">
+              <a:buNone/>
+              <a:defRPr sz="990">
                 <a:solidFill>
                   <a:schemeClr val="tx1">
                     <a:tint val="75000"/>
@@ -1001,9 +1001,9 @@
                 </a:solidFill>
               </a:defRPr>
             </a:lvl4pPr>
-            <a:lvl5pPr marL="1828800" indent="0">
-              <a:buNone/>
-              <a:defRPr sz="1400">
+            <a:lvl5pPr marL="1293394" indent="0">
+              <a:buNone/>
+              <a:defRPr sz="990">
                 <a:solidFill>
                   <a:schemeClr val="tx1">
                     <a:tint val="75000"/>
@@ -1011,9 +1011,9 @@
                 </a:solidFill>
               </a:defRPr>
             </a:lvl5pPr>
-            <a:lvl6pPr marL="2286000" indent="0">
-              <a:buNone/>
-              <a:defRPr sz="1400">
+            <a:lvl6pPr marL="1616743" indent="0">
+              <a:buNone/>
+              <a:defRPr sz="990">
                 <a:solidFill>
                   <a:schemeClr val="tx1">
                     <a:tint val="75000"/>
@@ -1021,9 +1021,9 @@
                 </a:solidFill>
               </a:defRPr>
             </a:lvl6pPr>
-            <a:lvl7pPr marL="2743200" indent="0">
-              <a:buNone/>
-              <a:defRPr sz="1400">
+            <a:lvl7pPr marL="1940091" indent="0">
+              <a:buNone/>
+              <a:defRPr sz="990">
                 <a:solidFill>
                   <a:schemeClr val="tx1">
                     <a:tint val="75000"/>
@@ -1031,9 +1031,9 @@
                 </a:solidFill>
               </a:defRPr>
             </a:lvl7pPr>
-            <a:lvl8pPr marL="3200400" indent="0">
-              <a:buNone/>
-              <a:defRPr sz="1400">
+            <a:lvl8pPr marL="2263440" indent="0">
+              <a:buNone/>
+              <a:defRPr sz="990">
                 <a:solidFill>
                   <a:schemeClr val="tx1">
                     <a:tint val="75000"/>
@@ -1041,9 +1041,9 @@
                 </a:solidFill>
               </a:defRPr>
             </a:lvl8pPr>
-            <a:lvl9pPr marL="3657600" indent="0">
-              <a:buNone/>
-              <a:defRPr sz="1400">
+            <a:lvl9pPr marL="2586788" indent="0">
+              <a:buNone/>
+              <a:defRPr sz="990">
                 <a:solidFill>
                   <a:schemeClr val="tx1">
                     <a:tint val="75000"/>
@@ -1078,7 +1078,7 @@
           <a:p>
             <a:fld id="{0B7A2DEA-69B7-D343-870B-04A176525892}" type="datetimeFigureOut">
               <a:rPr lang="de-DE" smtClean="0"/>
-              <a:t>09.01.18</a:t>
+              <a:t>16.01.18</a:t>
             </a:fld>
             <a:endParaRPr lang="en-US"/>
           </a:p>
@@ -1191,39 +1191,39 @@
         </p:nvSpPr>
         <p:spPr>
           <a:xfrm>
-            <a:off x="1135324" y="13319202"/>
-            <a:ext cx="9965591" cy="37668355"/>
+            <a:off x="1605446" y="9418960"/>
+            <a:ext cx="14092185" cy="26637986"/>
           </a:xfrm>
         </p:spPr>
         <p:txBody>
           <a:bodyPr/>
           <a:lstStyle>
             <a:lvl1pPr>
-              <a:defRPr sz="2800"/>
+              <a:defRPr sz="1980"/>
             </a:lvl1pPr>
             <a:lvl2pPr>
-              <a:defRPr sz="2400"/>
+              <a:defRPr sz="1697"/>
             </a:lvl2pPr>
             <a:lvl3pPr>
-              <a:defRPr sz="2000"/>
+              <a:defRPr sz="1414"/>
             </a:lvl3pPr>
             <a:lvl4pPr>
-              <a:defRPr sz="1800"/>
+              <a:defRPr sz="1273"/>
             </a:lvl4pPr>
             <a:lvl5pPr>
-              <a:defRPr sz="1800"/>
+              <a:defRPr sz="1273"/>
             </a:lvl5pPr>
             <a:lvl6pPr>
-              <a:defRPr sz="1800"/>
+              <a:defRPr sz="1273"/>
             </a:lvl6pPr>
             <a:lvl7pPr>
-              <a:defRPr sz="1800"/>
+              <a:defRPr sz="1273"/>
             </a:lvl7pPr>
             <a:lvl8pPr>
-              <a:defRPr sz="1800"/>
+              <a:defRPr sz="1273"/>
             </a:lvl8pPr>
             <a:lvl9pPr>
-              <a:defRPr sz="1800"/>
+              <a:defRPr sz="1273"/>
             </a:lvl9pPr>
           </a:lstStyle>
           <a:p>
@@ -1276,39 +1276,39 @@
         </p:nvSpPr>
         <p:spPr>
           <a:xfrm>
-            <a:off x="11605501" y="13319202"/>
-            <a:ext cx="9965591" cy="37668355"/>
+            <a:off x="16411157" y="9418960"/>
+            <a:ext cx="14092185" cy="26637986"/>
           </a:xfrm>
         </p:spPr>
         <p:txBody>
           <a:bodyPr/>
           <a:lstStyle>
             <a:lvl1pPr>
-              <a:defRPr sz="2800"/>
+              <a:defRPr sz="1980"/>
             </a:lvl1pPr>
             <a:lvl2pPr>
-              <a:defRPr sz="2400"/>
+              <a:defRPr sz="1697"/>
             </a:lvl2pPr>
             <a:lvl3pPr>
-              <a:defRPr sz="2000"/>
+              <a:defRPr sz="1414"/>
             </a:lvl3pPr>
             <a:lvl4pPr>
-              <a:defRPr sz="1800"/>
+              <a:defRPr sz="1273"/>
             </a:lvl4pPr>
             <a:lvl5pPr>
-              <a:defRPr sz="1800"/>
+              <a:defRPr sz="1273"/>
             </a:lvl5pPr>
             <a:lvl6pPr>
-              <a:defRPr sz="1800"/>
+              <a:defRPr sz="1273"/>
             </a:lvl6pPr>
             <a:lvl7pPr>
-              <a:defRPr sz="1800"/>
+              <a:defRPr sz="1273"/>
             </a:lvl7pPr>
             <a:lvl8pPr>
-              <a:defRPr sz="1800"/>
+              <a:defRPr sz="1273"/>
             </a:lvl8pPr>
             <a:lvl9pPr>
-              <a:defRPr sz="1800"/>
+              <a:defRPr sz="1273"/>
             </a:lvl9pPr>
           </a:lstStyle>
           <a:p>
@@ -1366,7 +1366,7 @@
           <a:p>
             <a:fld id="{0B7A2DEA-69B7-D343-870B-04A176525892}" type="datetimeFigureOut">
               <a:rPr lang="de-DE" smtClean="0"/>
-              <a:t>09.01.18</a:t>
+              <a:t>16.01.18</a:t>
             </a:fld>
             <a:endParaRPr lang="en-US"/>
           </a:p>
@@ -1456,8 +1456,8 @@
         </p:nvSpPr>
         <p:spPr>
           <a:xfrm>
-            <a:off x="1513761" y="1714453"/>
-            <a:ext cx="27247692" cy="7135283"/>
+            <a:off x="2140586" y="1212412"/>
+            <a:ext cx="38530530" cy="5045869"/>
           </a:xfrm>
         </p:spPr>
         <p:txBody>
@@ -1488,8 +1488,8 @@
         </p:nvSpPr>
         <p:spPr>
           <a:xfrm>
-            <a:off x="1513763" y="9583083"/>
-            <a:ext cx="13376810" cy="3993774"/>
+            <a:off x="2140588" y="6776884"/>
+            <a:ext cx="18915936" cy="2824283"/>
           </a:xfrm>
         </p:spPr>
         <p:txBody>
@@ -1497,39 +1497,39 @@
           <a:lstStyle>
             <a:lvl1pPr marL="0" indent="0">
               <a:buNone/>
-              <a:defRPr sz="2400" b="1"/>
+              <a:defRPr sz="1697" b="1"/>
             </a:lvl1pPr>
-            <a:lvl2pPr marL="457200" indent="0">
-              <a:buNone/>
-              <a:defRPr sz="2000" b="1"/>
+            <a:lvl2pPr marL="323349" indent="0">
+              <a:buNone/>
+              <a:defRPr sz="1414" b="1"/>
             </a:lvl2pPr>
-            <a:lvl3pPr marL="914400" indent="0">
-              <a:buNone/>
-              <a:defRPr sz="1800" b="1"/>
+            <a:lvl3pPr marL="646697" indent="0">
+              <a:buNone/>
+              <a:defRPr sz="1273" b="1"/>
             </a:lvl3pPr>
-            <a:lvl4pPr marL="1371600" indent="0">
-              <a:buNone/>
-              <a:defRPr sz="1600" b="1"/>
+            <a:lvl4pPr marL="970046" indent="0">
+              <a:buNone/>
+              <a:defRPr sz="1132" b="1"/>
             </a:lvl4pPr>
-            <a:lvl5pPr marL="1828800" indent="0">
-              <a:buNone/>
-              <a:defRPr sz="1600" b="1"/>
+            <a:lvl5pPr marL="1293394" indent="0">
+              <a:buNone/>
+              <a:defRPr sz="1132" b="1"/>
             </a:lvl5pPr>
-            <a:lvl6pPr marL="2286000" indent="0">
-              <a:buNone/>
-              <a:defRPr sz="1600" b="1"/>
+            <a:lvl6pPr marL="1616743" indent="0">
+              <a:buNone/>
+              <a:defRPr sz="1132" b="1"/>
             </a:lvl6pPr>
-            <a:lvl7pPr marL="2743200" indent="0">
-              <a:buNone/>
-              <a:defRPr sz="1600" b="1"/>
+            <a:lvl7pPr marL="1940091" indent="0">
+              <a:buNone/>
+              <a:defRPr sz="1132" b="1"/>
             </a:lvl7pPr>
-            <a:lvl8pPr marL="3200400" indent="0">
-              <a:buNone/>
-              <a:defRPr sz="1600" b="1"/>
+            <a:lvl8pPr marL="2263440" indent="0">
+              <a:buNone/>
+              <a:defRPr sz="1132" b="1"/>
             </a:lvl8pPr>
-            <a:lvl9pPr marL="3657600" indent="0">
-              <a:buNone/>
-              <a:defRPr sz="1600" b="1"/>
+            <a:lvl9pPr marL="2586788" indent="0">
+              <a:buNone/>
+              <a:defRPr sz="1132" b="1"/>
             </a:lvl9pPr>
           </a:lstStyle>
           <a:p>
@@ -1553,39 +1553,39 @@
         </p:nvSpPr>
         <p:spPr>
           <a:xfrm>
-            <a:off x="1513763" y="13576857"/>
-            <a:ext cx="13376810" cy="24666281"/>
+            <a:off x="2140588" y="9601166"/>
+            <a:ext cx="18915936" cy="17443290"/>
           </a:xfrm>
         </p:spPr>
         <p:txBody>
           <a:bodyPr/>
           <a:lstStyle>
             <a:lvl1pPr>
-              <a:defRPr sz="2400"/>
+              <a:defRPr sz="1697"/>
             </a:lvl1pPr>
             <a:lvl2pPr>
-              <a:defRPr sz="2000"/>
+              <a:defRPr sz="1414"/>
             </a:lvl2pPr>
             <a:lvl3pPr>
-              <a:defRPr sz="1800"/>
+              <a:defRPr sz="1273"/>
             </a:lvl3pPr>
             <a:lvl4pPr>
-              <a:defRPr sz="1600"/>
+              <a:defRPr sz="1132"/>
             </a:lvl4pPr>
             <a:lvl5pPr>
-              <a:defRPr sz="1600"/>
+              <a:defRPr sz="1132"/>
             </a:lvl5pPr>
             <a:lvl6pPr>
-              <a:defRPr sz="1600"/>
+              <a:defRPr sz="1132"/>
             </a:lvl6pPr>
             <a:lvl7pPr>
-              <a:defRPr sz="1600"/>
+              <a:defRPr sz="1132"/>
             </a:lvl7pPr>
             <a:lvl8pPr>
-              <a:defRPr sz="1600"/>
+              <a:defRPr sz="1132"/>
             </a:lvl8pPr>
             <a:lvl9pPr>
-              <a:defRPr sz="1600"/>
+              <a:defRPr sz="1132"/>
             </a:lvl9pPr>
           </a:lstStyle>
           <a:p>
@@ -1638,8 +1638,8 @@
         </p:nvSpPr>
         <p:spPr>
           <a:xfrm>
-            <a:off x="15379391" y="9583083"/>
-            <a:ext cx="13382064" cy="3993774"/>
+            <a:off x="21747755" y="6776884"/>
+            <a:ext cx="18923365" cy="2824283"/>
           </a:xfrm>
         </p:spPr>
         <p:txBody>
@@ -1647,39 +1647,39 @@
           <a:lstStyle>
             <a:lvl1pPr marL="0" indent="0">
               <a:buNone/>
-              <a:defRPr sz="2400" b="1"/>
+              <a:defRPr sz="1697" b="1"/>
             </a:lvl1pPr>
-            <a:lvl2pPr marL="457200" indent="0">
-              <a:buNone/>
-              <a:defRPr sz="2000" b="1"/>
+            <a:lvl2pPr marL="323349" indent="0">
+              <a:buNone/>
+              <a:defRPr sz="1414" b="1"/>
             </a:lvl2pPr>
-            <a:lvl3pPr marL="914400" indent="0">
-              <a:buNone/>
-              <a:defRPr sz="1800" b="1"/>
+            <a:lvl3pPr marL="646697" indent="0">
+              <a:buNone/>
+              <a:defRPr sz="1273" b="1"/>
             </a:lvl3pPr>
-            <a:lvl4pPr marL="1371600" indent="0">
-              <a:buNone/>
-              <a:defRPr sz="1600" b="1"/>
+            <a:lvl4pPr marL="970046" indent="0">
+              <a:buNone/>
+              <a:defRPr sz="1132" b="1"/>
             </a:lvl4pPr>
-            <a:lvl5pPr marL="1828800" indent="0">
-              <a:buNone/>
-              <a:defRPr sz="1600" b="1"/>
+            <a:lvl5pPr marL="1293394" indent="0">
+              <a:buNone/>
+              <a:defRPr sz="1132" b="1"/>
             </a:lvl5pPr>
-            <a:lvl6pPr marL="2286000" indent="0">
-              <a:buNone/>
-              <a:defRPr sz="1600" b="1"/>
+            <a:lvl6pPr marL="1616743" indent="0">
+              <a:buNone/>
+              <a:defRPr sz="1132" b="1"/>
             </a:lvl6pPr>
-            <a:lvl7pPr marL="2743200" indent="0">
-              <a:buNone/>
-              <a:defRPr sz="1600" b="1"/>
+            <a:lvl7pPr marL="1940091" indent="0">
+              <a:buNone/>
+              <a:defRPr sz="1132" b="1"/>
             </a:lvl7pPr>
-            <a:lvl8pPr marL="3200400" indent="0">
-              <a:buNone/>
-              <a:defRPr sz="1600" b="1"/>
+            <a:lvl8pPr marL="2263440" indent="0">
+              <a:buNone/>
+              <a:defRPr sz="1132" b="1"/>
             </a:lvl8pPr>
-            <a:lvl9pPr marL="3657600" indent="0">
-              <a:buNone/>
-              <a:defRPr sz="1600" b="1"/>
+            <a:lvl9pPr marL="2586788" indent="0">
+              <a:buNone/>
+              <a:defRPr sz="1132" b="1"/>
             </a:lvl9pPr>
           </a:lstStyle>
           <a:p>
@@ -1703,39 +1703,39 @@
         </p:nvSpPr>
         <p:spPr>
           <a:xfrm>
-            <a:off x="15379391" y="13576857"/>
-            <a:ext cx="13382064" cy="24666281"/>
+            <a:off x="21747755" y="9601166"/>
+            <a:ext cx="18923365" cy="17443290"/>
           </a:xfrm>
         </p:spPr>
         <p:txBody>
           <a:bodyPr/>
           <a:lstStyle>
             <a:lvl1pPr>
-              <a:defRPr sz="2400"/>
+              <a:defRPr sz="1697"/>
             </a:lvl1pPr>
             <a:lvl2pPr>
-              <a:defRPr sz="2000"/>
+              <a:defRPr sz="1414"/>
             </a:lvl2pPr>
             <a:lvl3pPr>
-              <a:defRPr sz="1800"/>
+              <a:defRPr sz="1273"/>
             </a:lvl3pPr>
             <a:lvl4pPr>
-              <a:defRPr sz="1600"/>
+              <a:defRPr sz="1132"/>
             </a:lvl4pPr>
             <a:lvl5pPr>
-              <a:defRPr sz="1600"/>
+              <a:defRPr sz="1132"/>
             </a:lvl5pPr>
             <a:lvl6pPr>
-              <a:defRPr sz="1600"/>
+              <a:defRPr sz="1132"/>
             </a:lvl6pPr>
             <a:lvl7pPr>
-              <a:defRPr sz="1600"/>
+              <a:defRPr sz="1132"/>
             </a:lvl7pPr>
             <a:lvl8pPr>
-              <a:defRPr sz="1600"/>
+              <a:defRPr sz="1132"/>
             </a:lvl8pPr>
             <a:lvl9pPr>
-              <a:defRPr sz="1600"/>
+              <a:defRPr sz="1132"/>
             </a:lvl9pPr>
           </a:lstStyle>
           <a:p>
@@ -1793,7 +1793,7 @@
           <a:p>
             <a:fld id="{0B7A2DEA-69B7-D343-870B-04A176525892}" type="datetimeFigureOut">
               <a:rPr lang="de-DE" smtClean="0"/>
-              <a:t>09.01.18</a:t>
+              <a:t>16.01.18</a:t>
             </a:fld>
             <a:endParaRPr lang="en-US"/>
           </a:p>
@@ -1911,7 +1911,7 @@
           <a:p>
             <a:fld id="{0B7A2DEA-69B7-D343-870B-04A176525892}" type="datetimeFigureOut">
               <a:rPr lang="de-DE" smtClean="0"/>
-              <a:t>09.01.18</a:t>
+              <a:t>16.01.18</a:t>
             </a:fld>
             <a:endParaRPr lang="en-US"/>
           </a:p>
@@ -2006,7 +2006,7 @@
           <a:p>
             <a:fld id="{0B7A2DEA-69B7-D343-870B-04A176525892}" type="datetimeFigureOut">
               <a:rPr lang="de-DE" smtClean="0"/>
-              <a:t>09.01.18</a:t>
+              <a:t>16.01.18</a:t>
             </a:fld>
             <a:endParaRPr lang="en-US"/>
           </a:p>
@@ -2096,15 +2096,15 @@
         </p:nvSpPr>
         <p:spPr>
           <a:xfrm>
-            <a:off x="1513763" y="1704541"/>
-            <a:ext cx="9960338" cy="7254205"/>
+            <a:off x="2140589" y="1205404"/>
+            <a:ext cx="14084756" cy="5129967"/>
           </a:xfrm>
         </p:spPr>
         <p:txBody>
           <a:bodyPr anchor="b"/>
           <a:lstStyle>
             <a:lvl1pPr algn="l">
-              <a:defRPr sz="2000" b="1"/>
+              <a:defRPr sz="1414" b="1"/>
             </a:lvl1pPr>
           </a:lstStyle>
           <a:p>
@@ -2128,39 +2128,39 @@
         </p:nvSpPr>
         <p:spPr>
           <a:xfrm>
-            <a:off x="11836768" y="1704549"/>
-            <a:ext cx="16924687" cy="36538601"/>
+            <a:off x="16738187" y="1205410"/>
+            <a:ext cx="23932932" cy="25839056"/>
           </a:xfrm>
         </p:spPr>
         <p:txBody>
           <a:bodyPr/>
           <a:lstStyle>
             <a:lvl1pPr>
-              <a:defRPr sz="3200"/>
+              <a:defRPr sz="2263"/>
             </a:lvl1pPr>
             <a:lvl2pPr>
-              <a:defRPr sz="2800"/>
+              <a:defRPr sz="1980"/>
             </a:lvl2pPr>
             <a:lvl3pPr>
-              <a:defRPr sz="2400"/>
+              <a:defRPr sz="1697"/>
             </a:lvl3pPr>
             <a:lvl4pPr>
-              <a:defRPr sz="2000"/>
+              <a:defRPr sz="1414"/>
             </a:lvl4pPr>
             <a:lvl5pPr>
-              <a:defRPr sz="2000"/>
+              <a:defRPr sz="1414"/>
             </a:lvl5pPr>
             <a:lvl6pPr>
-              <a:defRPr sz="2000"/>
+              <a:defRPr sz="1414"/>
             </a:lvl6pPr>
             <a:lvl7pPr>
-              <a:defRPr sz="2000"/>
+              <a:defRPr sz="1414"/>
             </a:lvl7pPr>
             <a:lvl8pPr>
-              <a:defRPr sz="2000"/>
+              <a:defRPr sz="1414"/>
             </a:lvl8pPr>
             <a:lvl9pPr>
-              <a:defRPr sz="2000"/>
+              <a:defRPr sz="1414"/>
             </a:lvl9pPr>
           </a:lstStyle>
           <a:p>
@@ -2213,8 +2213,8 @@
         </p:nvSpPr>
         <p:spPr>
           <a:xfrm>
-            <a:off x="1513763" y="8958753"/>
-            <a:ext cx="9960338" cy="29284397"/>
+            <a:off x="2140589" y="6335375"/>
+            <a:ext cx="14084756" cy="20709090"/>
           </a:xfrm>
         </p:spPr>
         <p:txBody>
@@ -2222,39 +2222,39 @@
           <a:lstStyle>
             <a:lvl1pPr marL="0" indent="0">
               <a:buNone/>
-              <a:defRPr sz="1400"/>
+              <a:defRPr sz="990"/>
             </a:lvl1pPr>
-            <a:lvl2pPr marL="457200" indent="0">
-              <a:buNone/>
-              <a:defRPr sz="1200"/>
+            <a:lvl2pPr marL="323349" indent="0">
+              <a:buNone/>
+              <a:defRPr sz="849"/>
             </a:lvl2pPr>
-            <a:lvl3pPr marL="914400" indent="0">
-              <a:buNone/>
-              <a:defRPr sz="1000"/>
+            <a:lvl3pPr marL="646697" indent="0">
+              <a:buNone/>
+              <a:defRPr sz="707"/>
             </a:lvl3pPr>
-            <a:lvl4pPr marL="1371600" indent="0">
-              <a:buNone/>
-              <a:defRPr sz="900"/>
+            <a:lvl4pPr marL="970046" indent="0">
+              <a:buNone/>
+              <a:defRPr sz="636"/>
             </a:lvl4pPr>
-            <a:lvl5pPr marL="1828800" indent="0">
-              <a:buNone/>
-              <a:defRPr sz="900"/>
+            <a:lvl5pPr marL="1293394" indent="0">
+              <a:buNone/>
+              <a:defRPr sz="636"/>
             </a:lvl5pPr>
-            <a:lvl6pPr marL="2286000" indent="0">
-              <a:buNone/>
-              <a:defRPr sz="900"/>
+            <a:lvl6pPr marL="1616743" indent="0">
+              <a:buNone/>
+              <a:defRPr sz="636"/>
             </a:lvl6pPr>
-            <a:lvl7pPr marL="2743200" indent="0">
-              <a:buNone/>
-              <a:defRPr sz="900"/>
+            <a:lvl7pPr marL="1940091" indent="0">
+              <a:buNone/>
+              <a:defRPr sz="636"/>
             </a:lvl7pPr>
-            <a:lvl8pPr marL="3200400" indent="0">
-              <a:buNone/>
-              <a:defRPr sz="900"/>
+            <a:lvl8pPr marL="2263440" indent="0">
+              <a:buNone/>
+              <a:defRPr sz="636"/>
             </a:lvl8pPr>
-            <a:lvl9pPr marL="3657600" indent="0">
-              <a:buNone/>
-              <a:defRPr sz="900"/>
+            <a:lvl9pPr marL="2586788" indent="0">
+              <a:buNone/>
+              <a:defRPr sz="636"/>
             </a:lvl9pPr>
           </a:lstStyle>
           <a:p>
@@ -2283,7 +2283,7 @@
           <a:p>
             <a:fld id="{0B7A2DEA-69B7-D343-870B-04A176525892}" type="datetimeFigureOut">
               <a:rPr lang="de-DE" smtClean="0"/>
-              <a:t>09.01.18</a:t>
+              <a:t>16.01.18</a:t>
             </a:fld>
             <a:endParaRPr lang="en-US"/>
           </a:p>
@@ -2373,15 +2373,15 @@
         </p:nvSpPr>
         <p:spPr>
           <a:xfrm>
-            <a:off x="5934154" y="29968197"/>
-            <a:ext cx="18165128" cy="3537916"/>
+            <a:off x="8391393" y="21192654"/>
+            <a:ext cx="25687020" cy="2501913"/>
           </a:xfrm>
         </p:spPr>
         <p:txBody>
           <a:bodyPr anchor="b"/>
           <a:lstStyle>
             <a:lvl1pPr algn="l">
-              <a:defRPr sz="2000" b="1"/>
+              <a:defRPr sz="1414" b="1"/>
             </a:lvl1pPr>
           </a:lstStyle>
           <a:p>
@@ -2405,8 +2405,8 @@
         </p:nvSpPr>
         <p:spPr>
           <a:xfrm>
-            <a:off x="5934154" y="3825303"/>
-            <a:ext cx="18165128" cy="25687020"/>
+            <a:off x="8391393" y="2705145"/>
+            <a:ext cx="25687020" cy="18165128"/>
           </a:xfrm>
         </p:spPr>
         <p:txBody>
@@ -2414,39 +2414,39 @@
           <a:lstStyle>
             <a:lvl1pPr marL="0" indent="0">
               <a:buNone/>
-              <a:defRPr sz="3200"/>
+              <a:defRPr sz="2263"/>
             </a:lvl1pPr>
-            <a:lvl2pPr marL="457200" indent="0">
-              <a:buNone/>
-              <a:defRPr sz="2800"/>
+            <a:lvl2pPr marL="323349" indent="0">
+              <a:buNone/>
+              <a:defRPr sz="1980"/>
             </a:lvl2pPr>
-            <a:lvl3pPr marL="914400" indent="0">
-              <a:buNone/>
-              <a:defRPr sz="2400"/>
+            <a:lvl3pPr marL="646697" indent="0">
+              <a:buNone/>
+              <a:defRPr sz="1697"/>
             </a:lvl3pPr>
-            <a:lvl4pPr marL="1371600" indent="0">
-              <a:buNone/>
-              <a:defRPr sz="2000"/>
+            <a:lvl4pPr marL="970046" indent="0">
+              <a:buNone/>
+              <a:defRPr sz="1414"/>
             </a:lvl4pPr>
-            <a:lvl5pPr marL="1828800" indent="0">
-              <a:buNone/>
-              <a:defRPr sz="2000"/>
+            <a:lvl5pPr marL="1293394" indent="0">
+              <a:buNone/>
+              <a:defRPr sz="1414"/>
             </a:lvl5pPr>
-            <a:lvl6pPr marL="2286000" indent="0">
-              <a:buNone/>
-              <a:defRPr sz="2000"/>
+            <a:lvl6pPr marL="1616743" indent="0">
+              <a:buNone/>
+              <a:defRPr sz="1414"/>
             </a:lvl6pPr>
-            <a:lvl7pPr marL="2743200" indent="0">
-              <a:buNone/>
-              <a:defRPr sz="2000"/>
+            <a:lvl7pPr marL="1940091" indent="0">
+              <a:buNone/>
+              <a:defRPr sz="1414"/>
             </a:lvl7pPr>
-            <a:lvl8pPr marL="3200400" indent="0">
-              <a:buNone/>
-              <a:defRPr sz="2000"/>
+            <a:lvl8pPr marL="2263440" indent="0">
+              <a:buNone/>
+              <a:defRPr sz="1414"/>
             </a:lvl8pPr>
-            <a:lvl9pPr marL="3657600" indent="0">
-              <a:buNone/>
-              <a:defRPr sz="2000"/>
+            <a:lvl9pPr marL="2586788" indent="0">
+              <a:buNone/>
+              <a:defRPr sz="1414"/>
             </a:lvl9pPr>
           </a:lstStyle>
           <a:p>
@@ -2466,8 +2466,8 @@
         </p:nvSpPr>
         <p:spPr>
           <a:xfrm>
-            <a:off x="5934154" y="33506113"/>
-            <a:ext cx="18165128" cy="5024424"/>
+            <a:off x="8391393" y="23694567"/>
+            <a:ext cx="25687020" cy="3553129"/>
           </a:xfrm>
         </p:spPr>
         <p:txBody>
@@ -2475,39 +2475,39 @@
           <a:lstStyle>
             <a:lvl1pPr marL="0" indent="0">
               <a:buNone/>
-              <a:defRPr sz="1400"/>
+              <a:defRPr sz="990"/>
             </a:lvl1pPr>
-            <a:lvl2pPr marL="457200" indent="0">
-              <a:buNone/>
-              <a:defRPr sz="1200"/>
+            <a:lvl2pPr marL="323349" indent="0">
+              <a:buNone/>
+              <a:defRPr sz="849"/>
             </a:lvl2pPr>
-            <a:lvl3pPr marL="914400" indent="0">
-              <a:buNone/>
-              <a:defRPr sz="1000"/>
+            <a:lvl3pPr marL="646697" indent="0">
+              <a:buNone/>
+              <a:defRPr sz="707"/>
             </a:lvl3pPr>
-            <a:lvl4pPr marL="1371600" indent="0">
-              <a:buNone/>
-              <a:defRPr sz="900"/>
+            <a:lvl4pPr marL="970046" indent="0">
+              <a:buNone/>
+              <a:defRPr sz="636"/>
             </a:lvl4pPr>
-            <a:lvl5pPr marL="1828800" indent="0">
-              <a:buNone/>
-              <a:defRPr sz="900"/>
+            <a:lvl5pPr marL="1293394" indent="0">
+              <a:buNone/>
+              <a:defRPr sz="636"/>
             </a:lvl5pPr>
-            <a:lvl6pPr marL="2286000" indent="0">
-              <a:buNone/>
-              <a:defRPr sz="900"/>
+            <a:lvl6pPr marL="1616743" indent="0">
+              <a:buNone/>
+              <a:defRPr sz="636"/>
             </a:lvl6pPr>
-            <a:lvl7pPr marL="2743200" indent="0">
-              <a:buNone/>
-              <a:defRPr sz="900"/>
+            <a:lvl7pPr marL="1940091" indent="0">
+              <a:buNone/>
+              <a:defRPr sz="636"/>
             </a:lvl7pPr>
-            <a:lvl8pPr marL="3200400" indent="0">
-              <a:buNone/>
-              <a:defRPr sz="900"/>
+            <a:lvl8pPr marL="2263440" indent="0">
+              <a:buNone/>
+              <a:defRPr sz="636"/>
             </a:lvl8pPr>
-            <a:lvl9pPr marL="3657600" indent="0">
-              <a:buNone/>
-              <a:defRPr sz="900"/>
+            <a:lvl9pPr marL="2586788" indent="0">
+              <a:buNone/>
+              <a:defRPr sz="636"/>
             </a:lvl9pPr>
           </a:lstStyle>
           <a:p>
@@ -2536,7 +2536,7 @@
           <a:p>
             <a:fld id="{0B7A2DEA-69B7-D343-870B-04A176525892}" type="datetimeFigureOut">
               <a:rPr lang="de-DE" smtClean="0"/>
-              <a:t>09.01.18</a:t>
+              <a:t>16.01.18</a:t>
             </a:fld>
             <a:endParaRPr lang="en-US"/>
           </a:p>
@@ -2631,8 +2631,8 @@
         </p:nvSpPr>
         <p:spPr>
           <a:xfrm>
-            <a:off x="1513761" y="1714453"/>
-            <a:ext cx="27247692" cy="7135283"/>
+            <a:off x="2140586" y="1212412"/>
+            <a:ext cx="38530530" cy="5045869"/>
           </a:xfrm>
           <a:prstGeom prst="rect">
             <a:avLst/>
@@ -2664,8 +2664,8 @@
         </p:nvSpPr>
         <p:spPr>
           <a:xfrm>
-            <a:off x="1513761" y="9989408"/>
-            <a:ext cx="27247692" cy="28253742"/>
+            <a:off x="2140586" y="7064225"/>
+            <a:ext cx="38530530" cy="19980240"/>
           </a:xfrm>
           <a:prstGeom prst="rect">
             <a:avLst/>
@@ -2726,8 +2726,8 @@
         </p:nvSpPr>
         <p:spPr>
           <a:xfrm>
-            <a:off x="1513761" y="39680114"/>
-            <a:ext cx="7064216" cy="2279325"/>
+            <a:off x="2140586" y="28060645"/>
+            <a:ext cx="9989396" cy="1611874"/>
           </a:xfrm>
           <a:prstGeom prst="rect">
             <a:avLst/>
@@ -2737,7 +2737,7 @@
           <a:bodyPr vert="horz" lIns="91440" tIns="45720" rIns="91440" bIns="45720" rtlCol="0" anchor="ctr"/>
           <a:lstStyle>
             <a:lvl1pPr algn="l">
-              <a:defRPr sz="1200">
+              <a:defRPr sz="849">
                 <a:solidFill>
                   <a:schemeClr val="tx1">
                     <a:tint val="75000"/>
@@ -2749,7 +2749,7 @@
           <a:p>
             <a:fld id="{0B7A2DEA-69B7-D343-870B-04A176525892}" type="datetimeFigureOut">
               <a:rPr lang="de-DE" smtClean="0"/>
-              <a:t>09.01.18</a:t>
+              <a:t>16.01.18</a:t>
             </a:fld>
             <a:endParaRPr lang="en-US"/>
           </a:p>
@@ -2767,8 +2767,8 @@
         </p:nvSpPr>
         <p:spPr>
           <a:xfrm>
-            <a:off x="10344032" y="39680114"/>
-            <a:ext cx="9587151" cy="2279325"/>
+            <a:off x="14627334" y="28060645"/>
+            <a:ext cx="13557039" cy="1611874"/>
           </a:xfrm>
           <a:prstGeom prst="rect">
             <a:avLst/>
@@ -2778,7 +2778,7 @@
           <a:bodyPr vert="horz" lIns="91440" tIns="45720" rIns="91440" bIns="45720" rtlCol="0" anchor="ctr"/>
           <a:lstStyle>
             <a:lvl1pPr algn="ctr">
-              <a:defRPr sz="1200">
+              <a:defRPr sz="849">
                 <a:solidFill>
                   <a:schemeClr val="tx1">
                     <a:tint val="75000"/>
@@ -2804,8 +2804,8 @@
         </p:nvSpPr>
         <p:spPr>
           <a:xfrm>
-            <a:off x="21697236" y="39680114"/>
-            <a:ext cx="7064216" cy="2279325"/>
+            <a:off x="30681718" y="28060645"/>
+            <a:ext cx="9989396" cy="1611874"/>
           </a:xfrm>
           <a:prstGeom prst="rect">
             <a:avLst/>
@@ -2815,7 +2815,7 @@
           <a:bodyPr vert="horz" lIns="91440" tIns="45720" rIns="91440" bIns="45720" rtlCol="0" anchor="ctr"/>
           <a:lstStyle>
             <a:lvl1pPr algn="r">
-              <a:defRPr sz="1200">
+              <a:defRPr sz="849">
                 <a:solidFill>
                   <a:schemeClr val="tx1">
                     <a:tint val="75000"/>
@@ -2856,12 +2856,12 @@
   </p:sldLayoutIdLst>
   <p:txStyles>
     <p:titleStyle>
-      <a:lvl1pPr algn="ctr" defTabSz="457200" rtl="0" eaLnBrk="1" latinLnBrk="0" hangingPunct="1">
+      <a:lvl1pPr algn="ctr" defTabSz="323349" rtl="0" eaLnBrk="1" latinLnBrk="0" hangingPunct="1">
         <a:spcBef>
           <a:spcPct val="0"/>
         </a:spcBef>
         <a:buNone/>
-        <a:defRPr sz="4400" kern="1200">
+        <a:defRPr sz="3112" kern="1200">
           <a:solidFill>
             <a:schemeClr val="tx1"/>
           </a:solidFill>
@@ -2872,13 +2872,13 @@
       </a:lvl1pPr>
     </p:titleStyle>
     <p:bodyStyle>
-      <a:lvl1pPr marL="342900" indent="-342900" algn="l" defTabSz="457200" rtl="0" eaLnBrk="1" latinLnBrk="0" hangingPunct="1">
+      <a:lvl1pPr marL="242512" indent="-242512" algn="l" defTabSz="323349" rtl="0" eaLnBrk="1" latinLnBrk="0" hangingPunct="1">
         <a:spcBef>
           <a:spcPct val="20000"/>
         </a:spcBef>
         <a:buFont typeface="Arial"/>
         <a:buChar char="•"/>
-        <a:defRPr sz="3200" kern="1200">
+        <a:defRPr sz="2263" kern="1200">
           <a:solidFill>
             <a:schemeClr val="tx1"/>
           </a:solidFill>
@@ -2887,13 +2887,13 @@
           <a:cs typeface="+mn-cs"/>
         </a:defRPr>
       </a:lvl1pPr>
-      <a:lvl2pPr marL="742950" indent="-285750" algn="l" defTabSz="457200" rtl="0" eaLnBrk="1" latinLnBrk="0" hangingPunct="1">
+      <a:lvl2pPr marL="525442" indent="-202093" algn="l" defTabSz="323349" rtl="0" eaLnBrk="1" latinLnBrk="0" hangingPunct="1">
         <a:spcBef>
           <a:spcPct val="20000"/>
         </a:spcBef>
         <a:buFont typeface="Arial"/>
         <a:buChar char="–"/>
-        <a:defRPr sz="2800" kern="1200">
+        <a:defRPr sz="1980" kern="1200">
           <a:solidFill>
             <a:schemeClr val="tx1"/>
           </a:solidFill>
@@ -2902,13 +2902,13 @@
           <a:cs typeface="+mn-cs"/>
         </a:defRPr>
       </a:lvl2pPr>
-      <a:lvl3pPr marL="1143000" indent="-228600" algn="l" defTabSz="457200" rtl="0" eaLnBrk="1" latinLnBrk="0" hangingPunct="1">
+      <a:lvl3pPr marL="808371" indent="-161674" algn="l" defTabSz="323349" rtl="0" eaLnBrk="1" latinLnBrk="0" hangingPunct="1">
         <a:spcBef>
           <a:spcPct val="20000"/>
         </a:spcBef>
         <a:buFont typeface="Arial"/>
         <a:buChar char="•"/>
-        <a:defRPr sz="2400" kern="1200">
+        <a:defRPr sz="1697" kern="1200">
           <a:solidFill>
             <a:schemeClr val="tx1"/>
           </a:solidFill>
@@ -2917,13 +2917,13 @@
           <a:cs typeface="+mn-cs"/>
         </a:defRPr>
       </a:lvl3pPr>
-      <a:lvl4pPr marL="1600200" indent="-228600" algn="l" defTabSz="457200" rtl="0" eaLnBrk="1" latinLnBrk="0" hangingPunct="1">
+      <a:lvl4pPr marL="1131720" indent="-161674" algn="l" defTabSz="323349" rtl="0" eaLnBrk="1" latinLnBrk="0" hangingPunct="1">
         <a:spcBef>
           <a:spcPct val="20000"/>
         </a:spcBef>
         <a:buFont typeface="Arial"/>
         <a:buChar char="–"/>
-        <a:defRPr sz="2000" kern="1200">
+        <a:defRPr sz="1414" kern="1200">
           <a:solidFill>
             <a:schemeClr val="tx1"/>
           </a:solidFill>
@@ -2932,13 +2932,13 @@
           <a:cs typeface="+mn-cs"/>
         </a:defRPr>
       </a:lvl4pPr>
-      <a:lvl5pPr marL="2057400" indent="-228600" algn="l" defTabSz="457200" rtl="0" eaLnBrk="1" latinLnBrk="0" hangingPunct="1">
+      <a:lvl5pPr marL="1455068" indent="-161674" algn="l" defTabSz="323349" rtl="0" eaLnBrk="1" latinLnBrk="0" hangingPunct="1">
         <a:spcBef>
           <a:spcPct val="20000"/>
         </a:spcBef>
         <a:buFont typeface="Arial"/>
         <a:buChar char="»"/>
-        <a:defRPr sz="2000" kern="1200">
+        <a:defRPr sz="1414" kern="1200">
           <a:solidFill>
             <a:schemeClr val="tx1"/>
           </a:solidFill>
@@ -2947,13 +2947,13 @@
           <a:cs typeface="+mn-cs"/>
         </a:defRPr>
       </a:lvl5pPr>
-      <a:lvl6pPr marL="2514600" indent="-228600" algn="l" defTabSz="457200" rtl="0" eaLnBrk="1" latinLnBrk="0" hangingPunct="1">
+      <a:lvl6pPr marL="1778417" indent="-161674" algn="l" defTabSz="323349" rtl="0" eaLnBrk="1" latinLnBrk="0" hangingPunct="1">
         <a:spcBef>
           <a:spcPct val="20000"/>
         </a:spcBef>
         <a:buFont typeface="Arial"/>
         <a:buChar char="•"/>
-        <a:defRPr sz="2000" kern="1200">
+        <a:defRPr sz="1414" kern="1200">
           <a:solidFill>
             <a:schemeClr val="tx1"/>
           </a:solidFill>
@@ -2962,13 +2962,13 @@
           <a:cs typeface="+mn-cs"/>
         </a:defRPr>
       </a:lvl6pPr>
-      <a:lvl7pPr marL="2971800" indent="-228600" algn="l" defTabSz="457200" rtl="0" eaLnBrk="1" latinLnBrk="0" hangingPunct="1">
+      <a:lvl7pPr marL="2101765" indent="-161674" algn="l" defTabSz="323349" rtl="0" eaLnBrk="1" latinLnBrk="0" hangingPunct="1">
         <a:spcBef>
           <a:spcPct val="20000"/>
         </a:spcBef>
         <a:buFont typeface="Arial"/>
         <a:buChar char="•"/>
-        <a:defRPr sz="2000" kern="1200">
+        <a:defRPr sz="1414" kern="1200">
           <a:solidFill>
             <a:schemeClr val="tx1"/>
           </a:solidFill>
@@ -2977,13 +2977,13 @@
           <a:cs typeface="+mn-cs"/>
         </a:defRPr>
       </a:lvl7pPr>
-      <a:lvl8pPr marL="3429000" indent="-228600" algn="l" defTabSz="457200" rtl="0" eaLnBrk="1" latinLnBrk="0" hangingPunct="1">
+      <a:lvl8pPr marL="2425114" indent="-161674" algn="l" defTabSz="323349" rtl="0" eaLnBrk="1" latinLnBrk="0" hangingPunct="1">
         <a:spcBef>
           <a:spcPct val="20000"/>
         </a:spcBef>
         <a:buFont typeface="Arial"/>
         <a:buChar char="•"/>
-        <a:defRPr sz="2000" kern="1200">
+        <a:defRPr sz="1414" kern="1200">
           <a:solidFill>
             <a:schemeClr val="tx1"/>
           </a:solidFill>
@@ -2992,13 +2992,13 @@
           <a:cs typeface="+mn-cs"/>
         </a:defRPr>
       </a:lvl8pPr>
-      <a:lvl9pPr marL="3886200" indent="-228600" algn="l" defTabSz="457200" rtl="0" eaLnBrk="1" latinLnBrk="0" hangingPunct="1">
+      <a:lvl9pPr marL="2748462" indent="-161674" algn="l" defTabSz="323349" rtl="0" eaLnBrk="1" latinLnBrk="0" hangingPunct="1">
         <a:spcBef>
           <a:spcPct val="20000"/>
         </a:spcBef>
         <a:buFont typeface="Arial"/>
         <a:buChar char="•"/>
-        <a:defRPr sz="2000" kern="1200">
+        <a:defRPr sz="1414" kern="1200">
           <a:solidFill>
             <a:schemeClr val="tx1"/>
           </a:solidFill>
@@ -3012,8 +3012,8 @@
       <a:defPPr>
         <a:defRPr lang="de-DE"/>
       </a:defPPr>
-      <a:lvl1pPr marL="0" algn="l" defTabSz="457200" rtl="0" eaLnBrk="1" latinLnBrk="0" hangingPunct="1">
-        <a:defRPr sz="1800" kern="1200">
+      <a:lvl1pPr marL="0" algn="l" defTabSz="323349" rtl="0" eaLnBrk="1" latinLnBrk="0" hangingPunct="1">
+        <a:defRPr sz="1273" kern="1200">
           <a:solidFill>
             <a:schemeClr val="tx1"/>
           </a:solidFill>
@@ -3022,8 +3022,8 @@
           <a:cs typeface="+mn-cs"/>
         </a:defRPr>
       </a:lvl1pPr>
-      <a:lvl2pPr marL="457200" algn="l" defTabSz="457200" rtl="0" eaLnBrk="1" latinLnBrk="0" hangingPunct="1">
-        <a:defRPr sz="1800" kern="1200">
+      <a:lvl2pPr marL="323349" algn="l" defTabSz="323349" rtl="0" eaLnBrk="1" latinLnBrk="0" hangingPunct="1">
+        <a:defRPr sz="1273" kern="1200">
           <a:solidFill>
             <a:schemeClr val="tx1"/>
           </a:solidFill>
@@ -3032,8 +3032,8 @@
           <a:cs typeface="+mn-cs"/>
         </a:defRPr>
       </a:lvl2pPr>
-      <a:lvl3pPr marL="914400" algn="l" defTabSz="457200" rtl="0" eaLnBrk="1" latinLnBrk="0" hangingPunct="1">
-        <a:defRPr sz="1800" kern="1200">
+      <a:lvl3pPr marL="646697" algn="l" defTabSz="323349" rtl="0" eaLnBrk="1" latinLnBrk="0" hangingPunct="1">
+        <a:defRPr sz="1273" kern="1200">
           <a:solidFill>
             <a:schemeClr val="tx1"/>
           </a:solidFill>
@@ -3042,8 +3042,8 @@
           <a:cs typeface="+mn-cs"/>
         </a:defRPr>
       </a:lvl3pPr>
-      <a:lvl4pPr marL="1371600" algn="l" defTabSz="457200" rtl="0" eaLnBrk="1" latinLnBrk="0" hangingPunct="1">
-        <a:defRPr sz="1800" kern="1200">
+      <a:lvl4pPr marL="970046" algn="l" defTabSz="323349" rtl="0" eaLnBrk="1" latinLnBrk="0" hangingPunct="1">
+        <a:defRPr sz="1273" kern="1200">
           <a:solidFill>
             <a:schemeClr val="tx1"/>
           </a:solidFill>
@@ -3052,8 +3052,8 @@
           <a:cs typeface="+mn-cs"/>
         </a:defRPr>
       </a:lvl4pPr>
-      <a:lvl5pPr marL="1828800" algn="l" defTabSz="457200" rtl="0" eaLnBrk="1" latinLnBrk="0" hangingPunct="1">
-        <a:defRPr sz="1800" kern="1200">
+      <a:lvl5pPr marL="1293394" algn="l" defTabSz="323349" rtl="0" eaLnBrk="1" latinLnBrk="0" hangingPunct="1">
+        <a:defRPr sz="1273" kern="1200">
           <a:solidFill>
             <a:schemeClr val="tx1"/>
           </a:solidFill>
@@ -3062,8 +3062,8 @@
           <a:cs typeface="+mn-cs"/>
         </a:defRPr>
       </a:lvl5pPr>
-      <a:lvl6pPr marL="2286000" algn="l" defTabSz="457200" rtl="0" eaLnBrk="1" latinLnBrk="0" hangingPunct="1">
-        <a:defRPr sz="1800" kern="1200">
+      <a:lvl6pPr marL="1616743" algn="l" defTabSz="323349" rtl="0" eaLnBrk="1" latinLnBrk="0" hangingPunct="1">
+        <a:defRPr sz="1273" kern="1200">
           <a:solidFill>
             <a:schemeClr val="tx1"/>
           </a:solidFill>
@@ -3072,8 +3072,8 @@
           <a:cs typeface="+mn-cs"/>
         </a:defRPr>
       </a:lvl6pPr>
-      <a:lvl7pPr marL="2743200" algn="l" defTabSz="457200" rtl="0" eaLnBrk="1" latinLnBrk="0" hangingPunct="1">
-        <a:defRPr sz="1800" kern="1200">
+      <a:lvl7pPr marL="1940091" algn="l" defTabSz="323349" rtl="0" eaLnBrk="1" latinLnBrk="0" hangingPunct="1">
+        <a:defRPr sz="1273" kern="1200">
           <a:solidFill>
             <a:schemeClr val="tx1"/>
           </a:solidFill>
@@ -3082,8 +3082,8 @@
           <a:cs typeface="+mn-cs"/>
         </a:defRPr>
       </a:lvl7pPr>
-      <a:lvl8pPr marL="3200400" algn="l" defTabSz="457200" rtl="0" eaLnBrk="1" latinLnBrk="0" hangingPunct="1">
-        <a:defRPr sz="1800" kern="1200">
+      <a:lvl8pPr marL="2263440" algn="l" defTabSz="323349" rtl="0" eaLnBrk="1" latinLnBrk="0" hangingPunct="1">
+        <a:defRPr sz="1273" kern="1200">
           <a:solidFill>
             <a:schemeClr val="tx1"/>
           </a:solidFill>
@@ -3092,8 +3092,8 @@
           <a:cs typeface="+mn-cs"/>
         </a:defRPr>
       </a:lvl8pPr>
-      <a:lvl9pPr marL="3657600" algn="l" defTabSz="457200" rtl="0" eaLnBrk="1" latinLnBrk="0" hangingPunct="1">
-        <a:defRPr sz="1800" kern="1200">
+      <a:lvl9pPr marL="2586788" algn="l" defTabSz="323349" rtl="0" eaLnBrk="1" latinLnBrk="0" hangingPunct="1">
+        <a:defRPr sz="1273" kern="1200">
           <a:solidFill>
             <a:schemeClr val="tx1"/>
           </a:solidFill>
@@ -3145,8 +3145,8 @@
         </p:nvSpPr>
         <p:spPr bwMode="auto">
           <a:xfrm>
-            <a:off x="317367" y="34145072"/>
-            <a:ext cx="29214887" cy="914804"/>
+            <a:off x="10925400" y="24146420"/>
+            <a:ext cx="20659934" cy="646923"/>
           </a:xfrm>
           <a:prstGeom prst="rect">
             <a:avLst/>
@@ -3182,11 +3182,11 @@
           <a:effectLst/>
         </p:spPr>
         <p:txBody>
-          <a:bodyPr wrap="none" lIns="137160" tIns="68580" rIns="137160" bIns="68580" anchor="ctr"/>
-          <a:lstStyle/>
-          <a:p>
-            <a:pPr algn="just" defTabSz="3762375"/>
-            <a:endParaRPr lang="en-US" dirty="0">
+          <a:bodyPr wrap="none" lIns="96996" tIns="48498" rIns="96996" bIns="48498" anchor="ctr"/>
+          <a:lstStyle/>
+          <a:p>
+            <a:pPr algn="just" defTabSz="2660888"/>
+            <a:endParaRPr lang="en-US" sz="1273" dirty="0">
               <a:solidFill>
                 <a:schemeClr val="accent1"/>
               </a:solidFill>
@@ -3206,8 +3206,8 @@
         </p:nvSpPr>
         <p:spPr>
           <a:xfrm>
-            <a:off x="314489" y="712168"/>
-            <a:ext cx="29217765" cy="7204075"/>
+            <a:off x="0" y="0"/>
+            <a:ext cx="42811700" cy="5598141"/>
           </a:xfrm>
           <a:prstGeom prst="rect">
             <a:avLst/>
@@ -3243,7 +3243,7 @@
           <a:effectLst/>
         </p:spPr>
         <p:txBody>
-          <a:bodyPr vert="horz" lIns="91440" tIns="45720" rIns="91440" bIns="45720" rtlCol="0" anchor="ctr">
+          <a:bodyPr vert="horz" lIns="64664" tIns="32332" rIns="64664" bIns="32332" rtlCol="0" anchor="ctr">
             <a:normAutofit/>
           </a:bodyPr>
           <a:lstStyle>
@@ -3264,7 +3264,7 @@
           </a:lstStyle>
           <a:p>
             <a:r>
-              <a:rPr lang="de-DE" sz="8800" b="1" dirty="0" smtClean="0">
+              <a:rPr lang="de-DE" sz="6223" b="1" dirty="0">
                 <a:solidFill>
                   <a:schemeClr val="bg1"/>
                 </a:solidFill>
@@ -3272,14 +3272,14 @@
               <a:t>SEM </a:t>
             </a:r>
             <a:r>
-              <a:rPr lang="de-DE" sz="8800" b="1" dirty="0" err="1" smtClean="0">
+              <a:rPr lang="de-DE" sz="6223" b="1" dirty="0" err="1">
                 <a:solidFill>
                   <a:schemeClr val="bg1"/>
                 </a:solidFill>
               </a:rPr>
               <a:t>Algorithm</a:t>
             </a:r>
-            <a:endParaRPr lang="en-GB" sz="8500" b="1" dirty="0">
+            <a:endParaRPr lang="en-GB" sz="6012" b="1" dirty="0">
               <a:solidFill>
                 <a:schemeClr val="bg1"/>
               </a:solidFill>
@@ -3294,27 +3294,17 @@
               </a:spcBef>
             </a:pPr>
             <a:r>
-              <a:rPr lang="en-US" sz="5500" b="1" dirty="0" smtClean="0">
+              <a:rPr lang="en-US" sz="3890" b="1" dirty="0">
                 <a:solidFill>
                   <a:srgbClr val="95B3D7"/>
                 </a:solidFill>
                 <a:latin typeface="Arial" panose="020B0604020202020204" pitchFamily="34" charset="0"/>
                 <a:cs typeface="Arial" panose="020B0604020202020204" pitchFamily="34" charset="0"/>
               </a:rPr>
-              <a:t>Munch, </a:t>
-            </a:r>
-            <a:r>
-              <a:rPr lang="en-US" sz="5500" b="1" dirty="0" smtClean="0">
-                <a:solidFill>
-                  <a:srgbClr val="95B3D7"/>
-                </a:solidFill>
-                <a:latin typeface="Arial" panose="020B0604020202020204" pitchFamily="34" charset="0"/>
-                <a:cs typeface="Arial" panose="020B0604020202020204" pitchFamily="34" charset="0"/>
-              </a:rPr>
-              <a:t>J., </a:t>
-            </a:r>
-            <a:r>
-              <a:rPr lang="en-US" sz="5500" b="1" dirty="0" err="1" smtClean="0">
+              <a:t>Munch, J., </a:t>
+            </a:r>
+            <a:r>
+              <a:rPr lang="en-US" sz="3890" b="1" dirty="0" err="1">
                 <a:solidFill>
                   <a:srgbClr val="95B3D7"/>
                 </a:solidFill>
@@ -3324,7 +3314,7 @@
               <a:t>Schreck</a:t>
             </a:r>
             <a:r>
-              <a:rPr lang="en-US" sz="5500" b="1" dirty="0" smtClean="0">
+              <a:rPr lang="en-US" sz="3890" b="1" dirty="0">
                 <a:solidFill>
                   <a:srgbClr val="95B3D7"/>
                 </a:solidFill>
@@ -3334,7 +3324,7 @@
               <a:t>, F., </a:t>
             </a:r>
             <a:r>
-              <a:rPr lang="en-US" sz="5500" b="1" dirty="0" err="1" smtClean="0">
+              <a:rPr lang="en-US" sz="3890" b="1" dirty="0" err="1">
                 <a:solidFill>
                   <a:srgbClr val="95B3D7"/>
                 </a:solidFill>
@@ -3344,7 +3334,7 @@
               <a:t>Höft</a:t>
             </a:r>
             <a:r>
-              <a:rPr lang="en-US" sz="5500" b="1" dirty="0" smtClean="0">
+              <a:rPr lang="en-US" sz="3890" b="1" dirty="0">
                 <a:solidFill>
                   <a:srgbClr val="95B3D7"/>
                 </a:solidFill>
@@ -3353,7 +3343,7 @@
               </a:rPr>
               <a:t>, N.</a:t>
             </a:r>
-            <a:endParaRPr lang="en-AU" sz="5500" b="1" dirty="0">
+            <a:endParaRPr lang="en-AU" sz="3890" b="1" dirty="0">
               <a:solidFill>
                 <a:srgbClr val="95B3D7"/>
               </a:solidFill>
@@ -3368,7 +3358,7 @@
               </a:spcBef>
             </a:pPr>
             <a:r>
-              <a:rPr lang="en-AU" sz="5500" b="1" dirty="0" smtClean="0">
+              <a:rPr lang="en-AU" sz="3890" b="1" dirty="0">
                 <a:solidFill>
                   <a:srgbClr val="FFFFFF"/>
                 </a:solidFill>
@@ -3385,7 +3375,7 @@
               </a:spcBef>
             </a:pPr>
             <a:r>
-              <a:rPr lang="en-US" sz="5500" b="1" dirty="0" smtClean="0">
+              <a:rPr lang="en-US" sz="3890" b="1" dirty="0">
                 <a:solidFill>
                   <a:srgbClr val="FFFFFF"/>
                 </a:solidFill>
@@ -3402,7 +3392,7 @@
               </a:spcBef>
             </a:pPr>
             <a:r>
-              <a:rPr lang="en-US" sz="5500" b="1" dirty="0" smtClean="0">
+              <a:rPr lang="en-US" sz="3890" b="1" dirty="0">
                 <a:solidFill>
                   <a:srgbClr val="FFFFFF"/>
                 </a:solidFill>
@@ -3424,8 +3414,8 @@
         </p:nvSpPr>
         <p:spPr bwMode="auto">
           <a:xfrm>
-            <a:off x="314489" y="16747020"/>
-            <a:ext cx="29217766" cy="1184593"/>
+            <a:off x="10420" y="11843015"/>
+            <a:ext cx="42801279" cy="1007111"/>
           </a:xfrm>
           <a:prstGeom prst="rect">
             <a:avLst/>
@@ -3461,11 +3451,11 @@
           <a:effectLst/>
         </p:spPr>
         <p:txBody>
-          <a:bodyPr wrap="none" lIns="137160" tIns="68580" rIns="137160" bIns="68580" anchor="ctr"/>
-          <a:lstStyle/>
-          <a:p>
-            <a:pPr algn="just" defTabSz="3762375"/>
-            <a:endParaRPr lang="en-US" dirty="0">
+          <a:bodyPr wrap="none" lIns="96996" tIns="48498" rIns="96996" bIns="48498" anchor="ctr"/>
+          <a:lstStyle/>
+          <a:p>
+            <a:pPr algn="just" defTabSz="2660888"/>
+            <a:endParaRPr lang="en-US" sz="1273" dirty="0">
               <a:solidFill>
                 <a:schemeClr val="accent1"/>
               </a:solidFill>
@@ -3483,8 +3473,8 @@
         </p:nvSpPr>
         <p:spPr>
           <a:xfrm>
-            <a:off x="507901" y="16921539"/>
-            <a:ext cx="13164151" cy="861774"/>
+            <a:off x="11060141" y="11966430"/>
+            <a:ext cx="9309312" cy="636649"/>
           </a:xfrm>
           <a:prstGeom prst="rect">
             <a:avLst/>
@@ -3503,7 +3493,7 @@
           <a:p>
             <a:pPr algn="just"/>
             <a:r>
-              <a:rPr lang="en-US" sz="5000" b="1" dirty="0">
+              <a:rPr lang="en-US" sz="3537" b="1" dirty="0">
                 <a:solidFill>
                   <a:srgbClr val="DCE6F2"/>
                 </a:solidFill>
@@ -3513,7 +3503,7 @@
               <a:t>3. </a:t>
             </a:r>
             <a:r>
-              <a:rPr lang="en-US" sz="5000" b="1" dirty="0" smtClean="0">
+              <a:rPr lang="en-US" sz="3537" b="1" dirty="0">
                 <a:solidFill>
                   <a:srgbClr val="DCE6F2"/>
                 </a:solidFill>
@@ -3522,7 +3512,7 @@
               </a:rPr>
               <a:t>Results</a:t>
             </a:r>
-            <a:endParaRPr lang="en-US" sz="4000" dirty="0">
+            <a:endParaRPr lang="en-US" sz="2829" dirty="0">
               <a:solidFill>
                 <a:srgbClr val="000000"/>
               </a:solidFill>
@@ -3542,8 +3532,8 @@
         </p:nvSpPr>
         <p:spPr bwMode="auto">
           <a:xfrm>
-            <a:off x="368025" y="8272589"/>
-            <a:ext cx="14418128" cy="964800"/>
+            <a:off x="0" y="5850139"/>
+            <a:ext cx="21157313" cy="827153"/>
           </a:xfrm>
           <a:prstGeom prst="rect">
             <a:avLst/>
@@ -3579,11 +3569,11 @@
           <a:effectLst/>
         </p:spPr>
         <p:txBody>
-          <a:bodyPr wrap="none" lIns="137160" tIns="68580" rIns="137160" bIns="68580" anchor="ctr"/>
-          <a:lstStyle/>
-          <a:p>
-            <a:pPr algn="just" defTabSz="3762375"/>
-            <a:endParaRPr lang="en-US" dirty="0">
+          <a:bodyPr wrap="none" lIns="96996" tIns="48498" rIns="96996" bIns="48498" anchor="ctr"/>
+          <a:lstStyle/>
+          <a:p>
+            <a:pPr algn="just" defTabSz="2660888"/>
+            <a:endParaRPr lang="en-US" sz="1273" dirty="0">
               <a:solidFill>
                 <a:schemeClr val="accent1"/>
               </a:solidFill>
@@ -3601,8 +3591,8 @@
         </p:nvSpPr>
         <p:spPr>
           <a:xfrm>
-            <a:off x="592577" y="41397914"/>
-            <a:ext cx="28939678" cy="307777"/>
+            <a:off x="11120021" y="29275423"/>
+            <a:ext cx="20465314" cy="244682"/>
           </a:xfrm>
           <a:prstGeom prst="rect">
             <a:avLst/>
@@ -3618,7 +3608,7 @@
           <a:p>
             <a:pPr marL="0" lvl="2" algn="just"/>
             <a:r>
-              <a:rPr lang="en-US" sz="1400" b="1" dirty="0">
+              <a:rPr lang="en-US" sz="990" b="1" dirty="0">
                 <a:latin typeface="Arial" charset="0"/>
                 <a:ea typeface="Arial" charset="0"/>
                 <a:cs typeface="Arial" charset="0"/>
@@ -3626,14 +3616,14 @@
               <a:t>References</a:t>
             </a:r>
             <a:r>
-              <a:rPr lang="en-US" sz="1400" dirty="0" smtClean="0">
+              <a:rPr lang="en-US" sz="990" dirty="0">
                 <a:latin typeface="Arial" charset="0"/>
                 <a:ea typeface="Arial" charset="0"/>
                 <a:cs typeface="Arial" charset="0"/>
               </a:rPr>
               <a:t>:</a:t>
             </a:r>
-            <a:endParaRPr lang="de-DE" sz="1400" dirty="0">
+            <a:endParaRPr lang="de-DE" sz="990" dirty="0">
               <a:latin typeface="Arial" charset="0"/>
               <a:ea typeface="Arial" charset="0"/>
               <a:cs typeface="Arial" charset="0"/>
@@ -3651,8 +3641,8 @@
         </p:nvSpPr>
         <p:spPr bwMode="auto">
           <a:xfrm>
-            <a:off x="15011525" y="8281227"/>
-            <a:ext cx="14520729" cy="965128"/>
+            <a:off x="21316690" y="5856247"/>
+            <a:ext cx="21495009" cy="846243"/>
           </a:xfrm>
           <a:prstGeom prst="rect">
             <a:avLst/>
@@ -3688,11 +3678,11 @@
           <a:effectLst/>
         </p:spPr>
         <p:txBody>
-          <a:bodyPr wrap="none" lIns="137160" tIns="68580" rIns="137160" bIns="68580" anchor="ctr"/>
-          <a:lstStyle/>
-          <a:p>
-            <a:pPr algn="just" defTabSz="3762375"/>
-            <a:endParaRPr lang="en-US" dirty="0">
+          <a:bodyPr wrap="none" lIns="96996" tIns="48498" rIns="96996" bIns="48498" anchor="ctr"/>
+          <a:lstStyle/>
+          <a:p>
+            <a:pPr algn="just" defTabSz="2660888"/>
+            <a:endParaRPr lang="en-US" sz="1273" dirty="0">
               <a:solidFill>
                 <a:schemeClr val="accent1"/>
               </a:solidFill>
@@ -3710,8 +3700,8 @@
         </p:nvSpPr>
         <p:spPr>
           <a:xfrm>
-            <a:off x="14919597" y="9442253"/>
-            <a:ext cx="13962893" cy="6898093"/>
+            <a:off x="21251681" y="6677292"/>
+            <a:ext cx="9874159" cy="4878135"/>
           </a:xfrm>
           <a:prstGeom prst="rect">
             <a:avLst/>
@@ -3725,11 +3715,11 @@
           </a:bodyPr>
           <a:lstStyle/>
           <a:p>
-            <a:pPr marL="571500" indent="-381000" algn="just">
+            <a:pPr marL="404185" indent="-269457" algn="just">
               <a:buFont typeface="Arial" charset="0"/>
               <a:buChar char="•"/>
             </a:pPr>
-            <a:endParaRPr lang="de-DE" sz="3000" dirty="0">
+            <a:endParaRPr lang="de-DE" sz="2122" dirty="0">
               <a:latin typeface="Arial" charset="0"/>
               <a:ea typeface="Arial" charset="0"/>
               <a:cs typeface="Arial" charset="0"/>
@@ -3745,8 +3735,8 @@
         </p:nvSpPr>
         <p:spPr>
           <a:xfrm>
-            <a:off x="15247610" y="8347873"/>
-            <a:ext cx="13634880" cy="861774"/>
+            <a:off x="21483642" y="6006734"/>
+            <a:ext cx="21328057" cy="636649"/>
           </a:xfrm>
           <a:prstGeom prst="rect">
             <a:avLst/>
@@ -3764,7 +3754,7 @@
           <a:p>
             <a:pPr algn="just"/>
             <a:r>
-              <a:rPr lang="en-US" sz="5000" b="1" dirty="0">
+              <a:rPr lang="en-US" sz="3537" b="1" dirty="0">
                 <a:solidFill>
                   <a:srgbClr val="DCE6F2"/>
                 </a:solidFill>
@@ -3774,7 +3764,7 @@
               <a:t>2. </a:t>
             </a:r>
             <a:r>
-              <a:rPr lang="en-US" sz="5000" b="1" dirty="0" smtClean="0">
+              <a:rPr lang="en-US" sz="3537" b="1" dirty="0">
                 <a:solidFill>
                   <a:srgbClr val="DCE6F2"/>
                 </a:solidFill>
@@ -3783,7 +3773,7 @@
               </a:rPr>
               <a:t>Methods</a:t>
             </a:r>
-            <a:endParaRPr lang="en-US" sz="4000" dirty="0">
+            <a:endParaRPr lang="en-US" sz="2829" dirty="0">
               <a:solidFill>
                 <a:srgbClr val="000000"/>
               </a:solidFill>
@@ -3801,8 +3791,8 @@
         </p:nvSpPr>
         <p:spPr>
           <a:xfrm>
-            <a:off x="15011527" y="8272589"/>
-            <a:ext cx="14520728" cy="8203685"/>
+            <a:off x="21316690" y="5850139"/>
+            <a:ext cx="21495009" cy="5801412"/>
           </a:xfrm>
           <a:prstGeom prst="rect">
             <a:avLst/>
@@ -3834,7 +3824,7 @@
           <a:lstStyle/>
           <a:p>
             <a:pPr algn="just"/>
-            <a:endParaRPr lang="en-US" dirty="0">
+            <a:endParaRPr lang="en-US" sz="1273" dirty="0">
               <a:latin typeface="Arial" panose="020B0604020202020204" pitchFamily="34" charset="0"/>
               <a:cs typeface="Arial" panose="020B0604020202020204" pitchFamily="34" charset="0"/>
             </a:endParaRPr>
@@ -3849,8 +3839,8 @@
         </p:nvSpPr>
         <p:spPr>
           <a:xfrm>
-            <a:off x="317368" y="8223657"/>
-            <a:ext cx="14468784" cy="8252617"/>
+            <a:off x="1" y="5815536"/>
+            <a:ext cx="21157312" cy="5836015"/>
           </a:xfrm>
           <a:prstGeom prst="rect">
             <a:avLst/>
@@ -3882,7 +3872,7 @@
           <a:lstStyle/>
           <a:p>
             <a:pPr algn="just"/>
-            <a:endParaRPr lang="en-US" dirty="0">
+            <a:endParaRPr lang="en-US" sz="1273" dirty="0">
               <a:latin typeface="Arial" panose="020B0604020202020204" pitchFamily="34" charset="0"/>
               <a:cs typeface="Arial" panose="020B0604020202020204" pitchFamily="34" charset="0"/>
             </a:endParaRPr>
@@ -3897,8 +3887,8 @@
         </p:nvSpPr>
         <p:spPr>
           <a:xfrm>
-            <a:off x="437580" y="8337513"/>
-            <a:ext cx="14399229" cy="861774"/>
+            <a:off x="10420" y="5908820"/>
+            <a:ext cx="10182724" cy="636649"/>
           </a:xfrm>
           <a:prstGeom prst="rect">
             <a:avLst/>
@@ -3916,7 +3906,7 @@
           <a:p>
             <a:pPr algn="just"/>
             <a:r>
-              <a:rPr lang="en-US" sz="5000" b="1" dirty="0">
+              <a:rPr lang="en-US" sz="3537" b="1" dirty="0">
                 <a:solidFill>
                   <a:srgbClr val="DCE6F2"/>
                 </a:solidFill>
@@ -3926,7 +3916,7 @@
               <a:t>1. </a:t>
             </a:r>
             <a:r>
-              <a:rPr lang="en-US" sz="5000" b="1" dirty="0" smtClean="0">
+              <a:rPr lang="en-US" sz="3537" b="1" dirty="0">
                 <a:solidFill>
                   <a:srgbClr val="DCE6F2"/>
                 </a:solidFill>
@@ -3935,7 +3925,7 @@
               </a:rPr>
               <a:t>Theory</a:t>
             </a:r>
-            <a:endParaRPr lang="en-US" sz="4000" dirty="0">
+            <a:endParaRPr lang="en-US" sz="2829" dirty="0">
               <a:solidFill>
                 <a:srgbClr val="000000"/>
               </a:solidFill>
@@ -3955,8 +3945,8 @@
         </p:nvSpPr>
         <p:spPr>
           <a:xfrm>
-            <a:off x="21481062" y="18324941"/>
-            <a:ext cx="7875189" cy="4586331"/>
+            <a:off x="25891762" y="12958876"/>
+            <a:ext cx="5569109" cy="3243322"/>
           </a:xfrm>
           <a:prstGeom prst="rect">
             <a:avLst/>
@@ -3982,10 +3972,10 @@
             </a:lvl1pPr>
           </a:lstStyle>
           <a:p>
-            <a:endParaRPr lang="de-DE" sz="3000" dirty="0" smtClean="0"/>
-          </a:p>
-          <a:p>
-            <a:endParaRPr lang="de-DE" sz="3000" dirty="0"/>
+            <a:endParaRPr lang="de-DE" sz="2122" dirty="0"/>
+          </a:p>
+          <a:p>
+            <a:endParaRPr lang="de-DE" sz="2122" dirty="0"/>
           </a:p>
         </p:txBody>
       </p:sp>
@@ -3999,8 +3989,8 @@
         </p:nvSpPr>
         <p:spPr>
           <a:xfrm>
-            <a:off x="10509518" y="31244840"/>
-            <a:ext cx="9435493" cy="4891488"/>
+            <a:off x="18132999" y="22095459"/>
+            <a:ext cx="6672511" cy="3459121"/>
           </a:xfrm>
           <a:prstGeom prst="rect">
             <a:avLst/>
@@ -4014,11 +4004,11 @@
           </a:bodyPr>
           <a:lstStyle/>
           <a:p>
-            <a:pPr marL="412750" indent="-222250" algn="just">
+            <a:pPr marL="291912" indent="-157184" algn="just">
               <a:buFont typeface="Arial" charset="0"/>
               <a:buChar char="•"/>
             </a:pPr>
-            <a:endParaRPr lang="de-DE" sz="3600" dirty="0">
+            <a:endParaRPr lang="de-DE" sz="2546" dirty="0">
               <a:latin typeface="Arial" charset="0"/>
               <a:ea typeface="Arial" charset="0"/>
               <a:cs typeface="Arial" charset="0"/>
@@ -4034,8 +4024,8 @@
         </p:nvSpPr>
         <p:spPr>
           <a:xfrm>
-            <a:off x="20203327" y="31244840"/>
-            <a:ext cx="8980971" cy="5064912"/>
+            <a:off x="24988185" y="22095459"/>
+            <a:ext cx="6351086" cy="3581761"/>
           </a:xfrm>
           <a:prstGeom prst="rect">
             <a:avLst/>
@@ -4049,22 +4039,22 @@
           </a:bodyPr>
           <a:lstStyle/>
           <a:p>
-            <a:pPr marL="647700" indent="-457200" algn="just">
+            <a:pPr marL="458077" indent="-323349" algn="just">
               <a:buFont typeface="Arial" charset="0"/>
               <a:buChar char="•"/>
             </a:pPr>
-            <a:endParaRPr lang="de-DE" sz="3000" dirty="0" smtClean="0">
+            <a:endParaRPr lang="de-DE" sz="2122" dirty="0">
               <a:latin typeface="Arial" charset="0"/>
               <a:ea typeface="Arial" charset="0"/>
               <a:cs typeface="Arial" charset="0"/>
             </a:endParaRPr>
           </a:p>
           <a:p>
-            <a:pPr marL="412750" indent="-222250" algn="just">
+            <a:pPr marL="291912" indent="-157184" algn="just">
               <a:buFont typeface="Arial" panose="020B0604020202020204" pitchFamily="34" charset="0"/>
               <a:buChar char="•"/>
             </a:pPr>
-            <a:endParaRPr lang="de-DE" sz="3000" dirty="0">
+            <a:endParaRPr lang="de-DE" sz="2122" dirty="0">
               <a:latin typeface="Arial" charset="0"/>
               <a:ea typeface="Arial" charset="0"/>
               <a:cs typeface="Arial" charset="0"/>
@@ -4080,8 +4070,8 @@
         </p:nvSpPr>
         <p:spPr>
           <a:xfrm>
-            <a:off x="291396" y="16672172"/>
-            <a:ext cx="29214887" cy="18501569"/>
+            <a:off x="10420" y="11790085"/>
+            <a:ext cx="42801280" cy="13083782"/>
           </a:xfrm>
           <a:prstGeom prst="rect">
             <a:avLst/>
@@ -4113,7 +4103,7 @@
           <a:lstStyle/>
           <a:p>
             <a:pPr algn="just"/>
-            <a:endParaRPr lang="en-US">
+            <a:endParaRPr lang="en-US" sz="1273">
               <a:latin typeface="Arial" panose="020B0604020202020204" pitchFamily="34" charset="0"/>
               <a:cs typeface="Arial" panose="020B0604020202020204" pitchFamily="34" charset="0"/>
             </a:endParaRPr>
@@ -4128,8 +4118,8 @@
         </p:nvSpPr>
         <p:spPr>
           <a:xfrm>
-            <a:off x="14871309" y="35281487"/>
-            <a:ext cx="14387482" cy="5695364"/>
+            <a:off x="21217532" y="24950060"/>
+            <a:ext cx="10174417" cy="4027599"/>
           </a:xfrm>
           <a:prstGeom prst="rect">
             <a:avLst/>
@@ -4143,19 +4133,19 @@
           </a:bodyPr>
           <a:lstStyle/>
           <a:p>
-            <a:pPr marL="158750" algn="just"/>
-            <a:endParaRPr lang="de-DE" sz="3000" dirty="0" smtClean="0">
+            <a:pPr marL="112274" algn="just"/>
+            <a:endParaRPr lang="de-DE" sz="2122" dirty="0">
               <a:latin typeface="Arial" charset="0"/>
               <a:ea typeface="Arial" charset="0"/>
               <a:cs typeface="Arial" charset="0"/>
             </a:endParaRPr>
           </a:p>
           <a:p>
-            <a:pPr marL="571500" indent="-412750" algn="just">
+            <a:pPr marL="404185" indent="-291912" algn="just">
               <a:buFont typeface="Arial" charset="0"/>
               <a:buChar char="•"/>
             </a:pPr>
-            <a:endParaRPr lang="en-US" sz="3000" dirty="0">
+            <a:endParaRPr lang="en-US" sz="2122" dirty="0">
               <a:latin typeface="Arial" charset="0"/>
               <a:ea typeface="Arial" charset="0"/>
               <a:cs typeface="Arial" charset="0"/>
@@ -4171,8 +4161,8 @@
         </p:nvCxnSpPr>
         <p:spPr>
           <a:xfrm>
-            <a:off x="14699248" y="35059876"/>
-            <a:ext cx="58935" cy="6186234"/>
+            <a:off x="21095856" y="24793344"/>
+            <a:ext cx="41677" cy="4374728"/>
           </a:xfrm>
           <a:prstGeom prst="line">
             <a:avLst/>
@@ -4203,8 +4193,8 @@
         </p:nvSpPr>
         <p:spPr>
           <a:xfrm>
-            <a:off x="317367" y="34108406"/>
-            <a:ext cx="29214887" cy="7137705"/>
+            <a:off x="10925400" y="24120492"/>
+            <a:ext cx="20659934" cy="5047581"/>
           </a:xfrm>
           <a:prstGeom prst="rect">
             <a:avLst/>
@@ -4236,7 +4226,7 @@
           <a:lstStyle/>
           <a:p>
             <a:pPr algn="just"/>
-            <a:endParaRPr lang="en-US">
+            <a:endParaRPr lang="en-US" sz="1273">
               <a:latin typeface="Arial" panose="020B0604020202020204" pitchFamily="34" charset="0"/>
               <a:cs typeface="Arial" panose="020B0604020202020204" pitchFamily="34" charset="0"/>
             </a:endParaRPr>
@@ -4253,8 +4243,8 @@
         </p:nvSpPr>
         <p:spPr>
           <a:xfrm>
-            <a:off x="467335" y="31244840"/>
-            <a:ext cx="9480848" cy="4575438"/>
+            <a:off x="11031454" y="22095459"/>
+            <a:ext cx="6704585" cy="3235619"/>
           </a:xfrm>
           <a:prstGeom prst="rect">
             <a:avLst/>
@@ -4280,31 +4270,31 @@
             </a:lvl1pPr>
           </a:lstStyle>
           <a:p>
-            <a:pPr marL="158750" indent="0">
+            <a:pPr marL="112274" indent="0">
               <a:buNone/>
             </a:pPr>
-            <a:endParaRPr lang="de-DE" sz="3000" dirty="0" smtClean="0"/>
-          </a:p>
-          <a:p>
-            <a:pPr marL="158750" indent="0">
+            <a:endParaRPr lang="de-DE" sz="2122" dirty="0"/>
+          </a:p>
+          <a:p>
+            <a:pPr marL="112274" indent="0">
               <a:buNone/>
             </a:pPr>
-            <a:endParaRPr lang="de-DE" sz="3000" dirty="0" smtClean="0"/>
-          </a:p>
-          <a:p>
-            <a:pPr marL="158750" indent="0">
+            <a:endParaRPr lang="de-DE" sz="2122" dirty="0"/>
+          </a:p>
+          <a:p>
+            <a:pPr marL="112274" indent="0">
               <a:buNone/>
             </a:pPr>
-            <a:endParaRPr lang="de-DE" sz="3000" dirty="0" smtClean="0"/>
-          </a:p>
-          <a:p>
-            <a:pPr marL="158750" indent="0">
+            <a:endParaRPr lang="de-DE" sz="2122" dirty="0"/>
+          </a:p>
+          <a:p>
+            <a:pPr marL="112274" indent="0">
               <a:buNone/>
             </a:pPr>
-            <a:endParaRPr lang="de-DE" sz="3000" dirty="0" smtClean="0"/>
-          </a:p>
-          <a:p>
-            <a:endParaRPr lang="de-DE" sz="3000" dirty="0"/>
+            <a:endParaRPr lang="de-DE" sz="2122" dirty="0"/>
+          </a:p>
+          <a:p>
+            <a:endParaRPr lang="de-DE" sz="2122" dirty="0"/>
           </a:p>
         </p:txBody>
       </p:sp>
@@ -4316,8 +4306,8 @@
         </p:nvSpPr>
         <p:spPr>
           <a:xfrm>
-            <a:off x="507901" y="34197326"/>
-            <a:ext cx="28112819" cy="861774"/>
+            <a:off x="11060141" y="24183373"/>
+            <a:ext cx="19880583" cy="636649"/>
           </a:xfrm>
           <a:prstGeom prst="rect">
             <a:avLst/>
@@ -4333,7 +4323,7 @@
           <a:p>
             <a:pPr algn="just"/>
             <a:r>
-              <a:rPr lang="en-US" sz="5000" b="1" dirty="0" smtClean="0">
+              <a:rPr lang="en-US" sz="3537" b="1" dirty="0">
                 <a:solidFill>
                   <a:srgbClr val="DCE6F2"/>
                 </a:solidFill>
@@ -4342,7 +4332,7 @@
               </a:rPr>
               <a:t>Discussion</a:t>
             </a:r>
-            <a:endParaRPr lang="en-US" sz="5000" b="1" dirty="0">
+            <a:endParaRPr lang="en-US" sz="3537" b="1" dirty="0">
               <a:solidFill>
                 <a:srgbClr val="DCE6F2"/>
               </a:solidFill>
@@ -4360,8 +4350,8 @@
         </p:nvCxnSpPr>
         <p:spPr>
           <a:xfrm flipV="1">
-            <a:off x="277115" y="24673171"/>
-            <a:ext cx="29217766" cy="68917"/>
+            <a:off x="10420" y="17496898"/>
+            <a:ext cx="42801279" cy="1"/>
           </a:xfrm>
           <a:prstGeom prst="line">
             <a:avLst/>
@@ -4391,8 +4381,8 @@
         </p:nvSpPr>
         <p:spPr>
           <a:xfrm>
-            <a:off x="15071997" y="9275897"/>
-            <a:ext cx="14460257" cy="7216850"/>
+            <a:off x="21359454" y="6756335"/>
+            <a:ext cx="21452246" cy="5103550"/>
           </a:xfrm>
           <a:prstGeom prst="rect">
             <a:avLst/>
@@ -4406,22 +4396,22 @@
           </a:bodyPr>
           <a:lstStyle/>
           <a:p>
-            <a:pPr marL="571500" indent="-381000" algn="just">
+            <a:pPr marL="404185" indent="-269457" algn="just">
               <a:buFont typeface="Arial" charset="0"/>
               <a:buChar char="•"/>
             </a:pPr>
-            <a:endParaRPr lang="de-DE" sz="3000" dirty="0" smtClean="0">
+            <a:endParaRPr lang="de-DE" sz="2122" dirty="0">
               <a:latin typeface="Times New Roman" charset="0"/>
               <a:ea typeface="Times New Roman" charset="0"/>
               <a:cs typeface="Times New Roman" charset="0"/>
             </a:endParaRPr>
           </a:p>
           <a:p>
-            <a:pPr marL="571500" indent="-381000" algn="just">
+            <a:pPr marL="404185" indent="-269457" algn="just">
               <a:buFont typeface="Arial" charset="0"/>
               <a:buChar char="•"/>
             </a:pPr>
-            <a:endParaRPr lang="de-DE" sz="3000" dirty="0">
+            <a:endParaRPr lang="de-DE" sz="2122" dirty="0">
               <a:latin typeface="Times New Roman" charset="0"/>
               <a:ea typeface="Times New Roman" charset="0"/>
               <a:cs typeface="Times New Roman" charset="0"/>
@@ -4437,8 +4427,8 @@
         </p:nvSpPr>
         <p:spPr>
           <a:xfrm>
-            <a:off x="238246" y="9339939"/>
-            <a:ext cx="14390158" cy="7557605"/>
+            <a:off x="10193144" y="11337257"/>
+            <a:ext cx="10176309" cy="5344523"/>
           </a:xfrm>
           <a:prstGeom prst="rect">
             <a:avLst/>
@@ -4452,11 +4442,11 @@
           </a:bodyPr>
           <a:lstStyle/>
           <a:p>
-            <a:pPr marL="571500" indent="-381000" algn="just">
+            <a:pPr marL="404185" indent="-269457" algn="just">
               <a:buFont typeface="Arial" charset="0"/>
               <a:buChar char="•"/>
             </a:pPr>
-            <a:endParaRPr lang="sv-SE" sz="2800" dirty="0">
+            <a:endParaRPr lang="sv-SE" sz="1980" dirty="0">
               <a:solidFill>
                 <a:srgbClr val="FF0000"/>
               </a:solidFill>
@@ -4475,8 +4465,8 @@
         </p:nvCxnSpPr>
         <p:spPr>
           <a:xfrm>
-            <a:off x="14611821" y="24742088"/>
-            <a:ext cx="33165" cy="9298130"/>
+            <a:off x="21034030" y="17496898"/>
+            <a:ext cx="23453" cy="6575372"/>
           </a:xfrm>
           <a:prstGeom prst="line">
             <a:avLst/>
@@ -4521,8 +4511,8 @@
         </p:blipFill>
         <p:spPr>
           <a:xfrm>
-            <a:off x="619337" y="3198217"/>
-            <a:ext cx="6860795" cy="1959138"/>
+            <a:off x="775745" y="2261687"/>
+            <a:ext cx="4851758" cy="1385446"/>
           </a:xfrm>
           <a:prstGeom prst="rect">
             <a:avLst/>
@@ -4551,8 +4541,8 @@
         </p:blipFill>
         <p:spPr>
           <a:xfrm>
-            <a:off x="23184732" y="1788593"/>
-            <a:ext cx="5080000" cy="5080000"/>
+            <a:off x="38475748" y="1158194"/>
+            <a:ext cx="3592431" cy="3592431"/>
           </a:xfrm>
           <a:prstGeom prst="rect">
             <a:avLst/>
@@ -4567,8 +4557,8 @@
         </p:nvSpPr>
         <p:spPr>
           <a:xfrm>
-            <a:off x="198640" y="35189625"/>
-            <a:ext cx="14387482" cy="5695364"/>
+            <a:off x="10841439" y="24885098"/>
+            <a:ext cx="10174417" cy="4027599"/>
           </a:xfrm>
           <a:prstGeom prst="rect">
             <a:avLst/>
@@ -4582,19 +4572,19 @@
           </a:bodyPr>
           <a:lstStyle/>
           <a:p>
-            <a:pPr marL="158750" algn="just"/>
-            <a:endParaRPr lang="de-DE" sz="3000" dirty="0" smtClean="0">
+            <a:pPr marL="112274" algn="just"/>
+            <a:endParaRPr lang="de-DE" sz="2122" dirty="0">
               <a:latin typeface="Arial" charset="0"/>
               <a:ea typeface="Arial" charset="0"/>
               <a:cs typeface="Arial" charset="0"/>
             </a:endParaRPr>
           </a:p>
           <a:p>
-            <a:pPr marL="571500" indent="-412750" algn="just">
+            <a:pPr marL="404185" indent="-291912" algn="just">
               <a:buFont typeface="Arial" charset="0"/>
               <a:buChar char="•"/>
             </a:pPr>
-            <a:endParaRPr lang="en-US" sz="3000" dirty="0">
+            <a:endParaRPr lang="en-US" sz="2122" dirty="0">
               <a:latin typeface="Arial" charset="0"/>
               <a:ea typeface="Arial" charset="0"/>
               <a:cs typeface="Arial" charset="0"/>

--- a/poster/poster_template.pptx
+++ b/poster/poster_template.pptx
@@ -106,7 +106,7 @@
   </p:defaultTextStyle>
   <p:extLst>
     <p:ext uri="{EFAFB233-063F-42B5-8137-9DF3F51BA10A}">
-      <p15:sldGuideLst xmlns:p15="http://schemas.microsoft.com/office/powerpoint/2012/main">
+      <p15:sldGuideLst xmlns:p15="http://schemas.microsoft.com/office/powerpoint/2012/main" xmlns="">
         <p15:guide id="1" orient="horz" pos="9536" userDrawn="1">
           <p15:clr>
             <a:srgbClr val="A4A3A4"/>
@@ -312,7 +312,7 @@
           <a:p>
             <a:fld id="{0B7A2DEA-69B7-D343-870B-04A176525892}" type="datetimeFigureOut">
               <a:rPr lang="de-DE" smtClean="0"/>
-              <a:t>16.01.18</a:t>
+              <a:t>18.01.2018</a:t>
             </a:fld>
             <a:endParaRPr lang="en-US"/>
           </a:p>
@@ -482,7 +482,7 @@
           <a:p>
             <a:fld id="{0B7A2DEA-69B7-D343-870B-04A176525892}" type="datetimeFigureOut">
               <a:rPr lang="de-DE" smtClean="0"/>
-              <a:t>16.01.18</a:t>
+              <a:t>18.01.2018</a:t>
             </a:fld>
             <a:endParaRPr lang="en-US"/>
           </a:p>
@@ -662,7 +662,7 @@
           <a:p>
             <a:fld id="{0B7A2DEA-69B7-D343-870B-04A176525892}" type="datetimeFigureOut">
               <a:rPr lang="de-DE" smtClean="0"/>
-              <a:t>16.01.18</a:t>
+              <a:t>18.01.2018</a:t>
             </a:fld>
             <a:endParaRPr lang="en-US"/>
           </a:p>
@@ -832,7 +832,7 @@
           <a:p>
             <a:fld id="{0B7A2DEA-69B7-D343-870B-04A176525892}" type="datetimeFigureOut">
               <a:rPr lang="de-DE" smtClean="0"/>
-              <a:t>16.01.18</a:t>
+              <a:t>18.01.2018</a:t>
             </a:fld>
             <a:endParaRPr lang="en-US"/>
           </a:p>
@@ -1078,7 +1078,7 @@
           <a:p>
             <a:fld id="{0B7A2DEA-69B7-D343-870B-04A176525892}" type="datetimeFigureOut">
               <a:rPr lang="de-DE" smtClean="0"/>
-              <a:t>16.01.18</a:t>
+              <a:t>18.01.2018</a:t>
             </a:fld>
             <a:endParaRPr lang="en-US"/>
           </a:p>
@@ -1366,7 +1366,7 @@
           <a:p>
             <a:fld id="{0B7A2DEA-69B7-D343-870B-04A176525892}" type="datetimeFigureOut">
               <a:rPr lang="de-DE" smtClean="0"/>
-              <a:t>16.01.18</a:t>
+              <a:t>18.01.2018</a:t>
             </a:fld>
             <a:endParaRPr lang="en-US"/>
           </a:p>
@@ -1793,7 +1793,7 @@
           <a:p>
             <a:fld id="{0B7A2DEA-69B7-D343-870B-04A176525892}" type="datetimeFigureOut">
               <a:rPr lang="de-DE" smtClean="0"/>
-              <a:t>16.01.18</a:t>
+              <a:t>18.01.2018</a:t>
             </a:fld>
             <a:endParaRPr lang="en-US"/>
           </a:p>
@@ -1911,7 +1911,7 @@
           <a:p>
             <a:fld id="{0B7A2DEA-69B7-D343-870B-04A176525892}" type="datetimeFigureOut">
               <a:rPr lang="de-DE" smtClean="0"/>
-              <a:t>16.01.18</a:t>
+              <a:t>18.01.2018</a:t>
             </a:fld>
             <a:endParaRPr lang="en-US"/>
           </a:p>
@@ -2006,7 +2006,7 @@
           <a:p>
             <a:fld id="{0B7A2DEA-69B7-D343-870B-04A176525892}" type="datetimeFigureOut">
               <a:rPr lang="de-DE" smtClean="0"/>
-              <a:t>16.01.18</a:t>
+              <a:t>18.01.2018</a:t>
             </a:fld>
             <a:endParaRPr lang="en-US"/>
           </a:p>
@@ -2283,7 +2283,7 @@
           <a:p>
             <a:fld id="{0B7A2DEA-69B7-D343-870B-04A176525892}" type="datetimeFigureOut">
               <a:rPr lang="de-DE" smtClean="0"/>
-              <a:t>16.01.18</a:t>
+              <a:t>18.01.2018</a:t>
             </a:fld>
             <a:endParaRPr lang="en-US"/>
           </a:p>
@@ -2536,7 +2536,7 @@
           <a:p>
             <a:fld id="{0B7A2DEA-69B7-D343-870B-04A176525892}" type="datetimeFigureOut">
               <a:rPr lang="de-DE" smtClean="0"/>
-              <a:t>16.01.18</a:t>
+              <a:t>18.01.2018</a:t>
             </a:fld>
             <a:endParaRPr lang="en-US"/>
           </a:p>
@@ -2749,7 +2749,7 @@
           <a:p>
             <a:fld id="{0B7A2DEA-69B7-D343-870B-04A176525892}" type="datetimeFigureOut">
               <a:rPr lang="de-DE" smtClean="0"/>
-              <a:t>16.01.18</a:t>
+              <a:t>18.01.2018</a:t>
             </a:fld>
             <a:endParaRPr lang="en-US"/>
           </a:p>
@@ -3137,7 +3137,7 @@
       </p:grpSpPr>
       <p:sp>
         <p:nvSpPr>
-          <p:cNvPr id="69" name="Rectangle 163"/>
+          <p:cNvPr id="103" name="Rectangle 163"/>
           <p:cNvSpPr>
             <a:spLocks noChangeArrowheads="1"/>
           </p:cNvSpPr>
@@ -3145,8 +3145,8 @@
         </p:nvSpPr>
         <p:spPr bwMode="auto">
           <a:xfrm>
-            <a:off x="10925400" y="24146420"/>
-            <a:ext cx="20659934" cy="646923"/>
+            <a:off x="32178494" y="5850139"/>
+            <a:ext cx="9344944" cy="827153"/>
           </a:xfrm>
           <a:prstGeom prst="rect">
             <a:avLst/>
@@ -3192,6 +3192,174 @@
               </a:solidFill>
               <a:latin typeface="Arial" panose="020B0604020202020204" pitchFamily="34" charset="0"/>
               <a:cs typeface="Arial" panose="020B0604020202020204" pitchFamily="34" charset="0"/>
+            </a:endParaRPr>
+          </a:p>
+        </p:txBody>
+      </p:sp>
+      <p:sp>
+        <p:nvSpPr>
+          <p:cNvPr id="101" name="Rectangle 163"/>
+          <p:cNvSpPr>
+            <a:spLocks noChangeArrowheads="1"/>
+          </p:cNvSpPr>
+          <p:nvPr/>
+        </p:nvSpPr>
+        <p:spPr bwMode="auto">
+          <a:xfrm>
+            <a:off x="21876104" y="5850139"/>
+            <a:ext cx="9344944" cy="827153"/>
+          </a:xfrm>
+          <a:prstGeom prst="rect">
+            <a:avLst/>
+          </a:prstGeom>
+          <a:gradFill>
+            <a:gsLst>
+              <a:gs pos="0">
+                <a:schemeClr val="tx2">
+                  <a:lumMod val="50000"/>
+                </a:schemeClr>
+              </a:gs>
+              <a:gs pos="50000">
+                <a:schemeClr val="tx2">
+                  <a:lumMod val="75000"/>
+                </a:schemeClr>
+              </a:gs>
+              <a:gs pos="100000">
+                <a:schemeClr val="tx2">
+                  <a:lumMod val="50000"/>
+                </a:schemeClr>
+              </a:gs>
+            </a:gsLst>
+            <a:lin ang="5400000" scaled="1"/>
+          </a:gradFill>
+          <a:ln w="9525">
+            <a:solidFill>
+              <a:schemeClr val="tx1"/>
+            </a:solidFill>
+            <a:miter lim="800000"/>
+            <a:headEnd/>
+            <a:tailEnd/>
+          </a:ln>
+          <a:effectLst/>
+        </p:spPr>
+        <p:txBody>
+          <a:bodyPr wrap="none" lIns="96996" tIns="48498" rIns="96996" bIns="48498" anchor="ctr"/>
+          <a:lstStyle/>
+          <a:p>
+            <a:pPr algn="just" defTabSz="2660888"/>
+            <a:endParaRPr lang="en-US" sz="1273" dirty="0">
+              <a:solidFill>
+                <a:schemeClr val="accent1"/>
+              </a:solidFill>
+              <a:latin typeface="Arial" panose="020B0604020202020204" pitchFamily="34" charset="0"/>
+              <a:cs typeface="Arial" panose="020B0604020202020204" pitchFamily="34" charset="0"/>
+            </a:endParaRPr>
+          </a:p>
+        </p:txBody>
+      </p:sp>
+      <p:sp>
+        <p:nvSpPr>
+          <p:cNvPr id="99" name="Rectangle 163"/>
+          <p:cNvSpPr>
+            <a:spLocks noChangeArrowheads="1"/>
+          </p:cNvSpPr>
+          <p:nvPr/>
+        </p:nvSpPr>
+        <p:spPr bwMode="auto">
+          <a:xfrm>
+            <a:off x="11532519" y="5850139"/>
+            <a:ext cx="9344944" cy="827153"/>
+          </a:xfrm>
+          <a:prstGeom prst="rect">
+            <a:avLst/>
+          </a:prstGeom>
+          <a:gradFill>
+            <a:gsLst>
+              <a:gs pos="0">
+                <a:schemeClr val="tx2">
+                  <a:lumMod val="50000"/>
+                </a:schemeClr>
+              </a:gs>
+              <a:gs pos="50000">
+                <a:schemeClr val="tx2">
+                  <a:lumMod val="75000"/>
+                </a:schemeClr>
+              </a:gs>
+              <a:gs pos="100000">
+                <a:schemeClr val="tx2">
+                  <a:lumMod val="50000"/>
+                </a:schemeClr>
+              </a:gs>
+            </a:gsLst>
+            <a:lin ang="5400000" scaled="1"/>
+          </a:gradFill>
+          <a:ln w="9525">
+            <a:solidFill>
+              <a:schemeClr val="tx1"/>
+            </a:solidFill>
+            <a:miter lim="800000"/>
+            <a:headEnd/>
+            <a:tailEnd/>
+          </a:ln>
+          <a:effectLst/>
+        </p:spPr>
+        <p:txBody>
+          <a:bodyPr wrap="none" lIns="96996" tIns="48498" rIns="96996" bIns="48498" anchor="ctr"/>
+          <a:lstStyle/>
+          <a:p>
+            <a:pPr algn="just" defTabSz="2660888"/>
+            <a:endParaRPr lang="en-US" sz="1273" dirty="0">
+              <a:solidFill>
+                <a:schemeClr val="accent1"/>
+              </a:solidFill>
+              <a:latin typeface="Arial" panose="020B0604020202020204" pitchFamily="34" charset="0"/>
+              <a:cs typeface="Arial" panose="020B0604020202020204" pitchFamily="34" charset="0"/>
+            </a:endParaRPr>
+          </a:p>
+        </p:txBody>
+      </p:sp>
+      <p:sp>
+        <p:nvSpPr>
+          <p:cNvPr id="28" name="Textfeld 27"/>
+          <p:cNvSpPr txBox="1"/>
+          <p:nvPr/>
+        </p:nvSpPr>
+        <p:spPr>
+          <a:xfrm>
+            <a:off x="21359454" y="5815536"/>
+            <a:ext cx="10704740" cy="4099989"/>
+          </a:xfrm>
+          <a:prstGeom prst="rect">
+            <a:avLst/>
+          </a:prstGeom>
+          <a:noFill/>
+          <a:effectLst/>
+        </p:spPr>
+        <p:txBody>
+          <a:bodyPr wrap="square" rtlCol="0">
+            <a:noAutofit/>
+          </a:bodyPr>
+          <a:lstStyle/>
+          <a:p>
+            <a:pPr marL="404185" indent="-269457" algn="just">
+              <a:buFont typeface="Arial" charset="0"/>
+              <a:buChar char="•"/>
+            </a:pPr>
+            <a:endParaRPr lang="de-DE" sz="2122" dirty="0">
+              <a:latin typeface="Times New Roman" charset="0"/>
+              <a:ea typeface="Times New Roman" charset="0"/>
+              <a:cs typeface="Times New Roman" charset="0"/>
+            </a:endParaRPr>
+          </a:p>
+          <a:p>
+            <a:pPr marL="404185" indent="-269457" algn="just">
+              <a:buFont typeface="Arial" charset="0"/>
+              <a:buChar char="•"/>
+            </a:pPr>
+            <a:endParaRPr lang="de-DE" sz="2122" dirty="0">
+              <a:latin typeface="Times New Roman" charset="0"/>
+              <a:ea typeface="Times New Roman" charset="0"/>
+              <a:cs typeface="Times New Roman" charset="0"/>
             </a:endParaRPr>
           </a:p>
         </p:txBody>
@@ -3406,7 +3574,54 @@
       </p:sp>
       <p:sp>
         <p:nvSpPr>
-          <p:cNvPr id="74" name="Rectangle 163"/>
+          <p:cNvPr id="68" name="Textfeld 67"/>
+          <p:cNvSpPr txBox="1"/>
+          <p:nvPr/>
+        </p:nvSpPr>
+        <p:spPr>
+          <a:xfrm>
+            <a:off x="11060141" y="11966430"/>
+            <a:ext cx="9309312" cy="636649"/>
+          </a:xfrm>
+          <a:prstGeom prst="rect">
+            <a:avLst/>
+          </a:prstGeom>
+          <a:noFill/>
+          <a:ln w="12700" cmpd="sng">
+            <a:noFill/>
+          </a:ln>
+          <a:effectLst/>
+        </p:spPr>
+        <p:txBody>
+          <a:bodyPr wrap="square" rtlCol="0">
+            <a:spAutoFit/>
+          </a:bodyPr>
+          <a:lstStyle/>
+          <a:p>
+            <a:pPr algn="just"/>
+            <a:r>
+              <a:rPr lang="en-US" sz="3537" b="1" dirty="0">
+                <a:solidFill>
+                  <a:srgbClr val="DCE6F2"/>
+                </a:solidFill>
+                <a:latin typeface="Arial" panose="020B0604020202020204" pitchFamily="34" charset="0"/>
+                <a:cs typeface="Arial" panose="020B0604020202020204" pitchFamily="34" charset="0"/>
+              </a:rPr>
+              <a:t>3. Results</a:t>
+            </a:r>
+            <a:endParaRPr lang="en-US" sz="2829" dirty="0">
+              <a:solidFill>
+                <a:srgbClr val="000000"/>
+              </a:solidFill>
+              <a:latin typeface="Arial" panose="020B0604020202020204" pitchFamily="34" charset="0"/>
+              <a:cs typeface="Arial" panose="020B0604020202020204" pitchFamily="34" charset="0"/>
+            </a:endParaRPr>
+          </a:p>
+        </p:txBody>
+      </p:sp>
+      <p:sp>
+        <p:nvSpPr>
+          <p:cNvPr id="71" name="Rectangle 163"/>
           <p:cNvSpPr>
             <a:spLocks noChangeArrowheads="1"/>
           </p:cNvSpPr>
@@ -3414,8 +3629,8 @@
         </p:nvSpPr>
         <p:spPr bwMode="auto">
           <a:xfrm>
-            <a:off x="10420" y="11843015"/>
-            <a:ext cx="42801279" cy="1007111"/>
+            <a:off x="1233714" y="5850139"/>
+            <a:ext cx="9344944" cy="827153"/>
           </a:xfrm>
           <a:prstGeom prst="rect">
             <a:avLst/>
@@ -3467,233 +3682,6 @@
       </p:sp>
       <p:sp>
         <p:nvSpPr>
-          <p:cNvPr id="68" name="Textfeld 67"/>
-          <p:cNvSpPr txBox="1"/>
-          <p:nvPr/>
-        </p:nvSpPr>
-        <p:spPr>
-          <a:xfrm>
-            <a:off x="11060141" y="11966430"/>
-            <a:ext cx="9309312" cy="636649"/>
-          </a:xfrm>
-          <a:prstGeom prst="rect">
-            <a:avLst/>
-          </a:prstGeom>
-          <a:noFill/>
-          <a:ln w="12700" cmpd="sng">
-            <a:noFill/>
-          </a:ln>
-          <a:effectLst/>
-        </p:spPr>
-        <p:txBody>
-          <a:bodyPr wrap="square" rtlCol="0">
-            <a:spAutoFit/>
-          </a:bodyPr>
-          <a:lstStyle/>
-          <a:p>
-            <a:pPr algn="just"/>
-            <a:r>
-              <a:rPr lang="en-US" sz="3537" b="1" dirty="0">
-                <a:solidFill>
-                  <a:srgbClr val="DCE6F2"/>
-                </a:solidFill>
-                <a:latin typeface="Arial" panose="020B0604020202020204" pitchFamily="34" charset="0"/>
-                <a:cs typeface="Arial" panose="020B0604020202020204" pitchFamily="34" charset="0"/>
-              </a:rPr>
-              <a:t>3. </a:t>
-            </a:r>
-            <a:r>
-              <a:rPr lang="en-US" sz="3537" b="1" dirty="0">
-                <a:solidFill>
-                  <a:srgbClr val="DCE6F2"/>
-                </a:solidFill>
-                <a:latin typeface="Arial" panose="020B0604020202020204" pitchFamily="34" charset="0"/>
-                <a:cs typeface="Arial" panose="020B0604020202020204" pitchFamily="34" charset="0"/>
-              </a:rPr>
-              <a:t>Results</a:t>
-            </a:r>
-            <a:endParaRPr lang="en-US" sz="2829" dirty="0">
-              <a:solidFill>
-                <a:srgbClr val="000000"/>
-              </a:solidFill>
-              <a:latin typeface="Arial" panose="020B0604020202020204" pitchFamily="34" charset="0"/>
-              <a:cs typeface="Arial" panose="020B0604020202020204" pitchFamily="34" charset="0"/>
-            </a:endParaRPr>
-          </a:p>
-        </p:txBody>
-      </p:sp>
-      <p:sp>
-        <p:nvSpPr>
-          <p:cNvPr id="71" name="Rectangle 163"/>
-          <p:cNvSpPr>
-            <a:spLocks noChangeArrowheads="1"/>
-          </p:cNvSpPr>
-          <p:nvPr/>
-        </p:nvSpPr>
-        <p:spPr bwMode="auto">
-          <a:xfrm>
-            <a:off x="0" y="5850139"/>
-            <a:ext cx="21157313" cy="827153"/>
-          </a:xfrm>
-          <a:prstGeom prst="rect">
-            <a:avLst/>
-          </a:prstGeom>
-          <a:gradFill>
-            <a:gsLst>
-              <a:gs pos="0">
-                <a:schemeClr val="tx2">
-                  <a:lumMod val="50000"/>
-                </a:schemeClr>
-              </a:gs>
-              <a:gs pos="50000">
-                <a:schemeClr val="tx2">
-                  <a:lumMod val="75000"/>
-                </a:schemeClr>
-              </a:gs>
-              <a:gs pos="100000">
-                <a:schemeClr val="tx2">
-                  <a:lumMod val="50000"/>
-                </a:schemeClr>
-              </a:gs>
-            </a:gsLst>
-            <a:lin ang="5400000" scaled="1"/>
-          </a:gradFill>
-          <a:ln w="9525">
-            <a:solidFill>
-              <a:schemeClr val="tx1"/>
-            </a:solidFill>
-            <a:miter lim="800000"/>
-            <a:headEnd/>
-            <a:tailEnd/>
-          </a:ln>
-          <a:effectLst/>
-        </p:spPr>
-        <p:txBody>
-          <a:bodyPr wrap="none" lIns="96996" tIns="48498" rIns="96996" bIns="48498" anchor="ctr"/>
-          <a:lstStyle/>
-          <a:p>
-            <a:pPr algn="just" defTabSz="2660888"/>
-            <a:endParaRPr lang="en-US" sz="1273" dirty="0">
-              <a:solidFill>
-                <a:schemeClr val="accent1"/>
-              </a:solidFill>
-              <a:latin typeface="Arial" panose="020B0604020202020204" pitchFamily="34" charset="0"/>
-              <a:cs typeface="Arial" panose="020B0604020202020204" pitchFamily="34" charset="0"/>
-            </a:endParaRPr>
-          </a:p>
-        </p:txBody>
-      </p:sp>
-      <p:sp>
-        <p:nvSpPr>
-          <p:cNvPr id="75" name="Textfeld 74"/>
-          <p:cNvSpPr txBox="1"/>
-          <p:nvPr/>
-        </p:nvSpPr>
-        <p:spPr>
-          <a:xfrm>
-            <a:off x="11120021" y="29275423"/>
-            <a:ext cx="20465314" cy="244682"/>
-          </a:xfrm>
-          <a:prstGeom prst="rect">
-            <a:avLst/>
-          </a:prstGeom>
-          <a:noFill/>
-          <a:effectLst/>
-        </p:spPr>
-        <p:txBody>
-          <a:bodyPr wrap="square" rtlCol="0">
-            <a:spAutoFit/>
-          </a:bodyPr>
-          <a:lstStyle/>
-          <a:p>
-            <a:pPr marL="0" lvl="2" algn="just"/>
-            <a:r>
-              <a:rPr lang="en-US" sz="990" b="1" dirty="0">
-                <a:latin typeface="Arial" charset="0"/>
-                <a:ea typeface="Arial" charset="0"/>
-                <a:cs typeface="Arial" charset="0"/>
-              </a:rPr>
-              <a:t>References</a:t>
-            </a:r>
-            <a:r>
-              <a:rPr lang="en-US" sz="990" dirty="0">
-                <a:latin typeface="Arial" charset="0"/>
-                <a:ea typeface="Arial" charset="0"/>
-                <a:cs typeface="Arial" charset="0"/>
-              </a:rPr>
-              <a:t>:</a:t>
-            </a:r>
-            <a:endParaRPr lang="de-DE" sz="990" dirty="0">
-              <a:latin typeface="Arial" charset="0"/>
-              <a:ea typeface="Arial" charset="0"/>
-              <a:cs typeface="Arial" charset="0"/>
-            </a:endParaRPr>
-          </a:p>
-        </p:txBody>
-      </p:sp>
-      <p:sp>
-        <p:nvSpPr>
-          <p:cNvPr id="60" name="Rectangle 163"/>
-          <p:cNvSpPr>
-            <a:spLocks noChangeArrowheads="1"/>
-          </p:cNvSpPr>
-          <p:nvPr/>
-        </p:nvSpPr>
-        <p:spPr bwMode="auto">
-          <a:xfrm>
-            <a:off x="21316690" y="5856247"/>
-            <a:ext cx="21495009" cy="846243"/>
-          </a:xfrm>
-          <a:prstGeom prst="rect">
-            <a:avLst/>
-          </a:prstGeom>
-          <a:gradFill>
-            <a:gsLst>
-              <a:gs pos="0">
-                <a:schemeClr val="tx2">
-                  <a:lumMod val="50000"/>
-                </a:schemeClr>
-              </a:gs>
-              <a:gs pos="50000">
-                <a:schemeClr val="tx2">
-                  <a:lumMod val="75000"/>
-                </a:schemeClr>
-              </a:gs>
-              <a:gs pos="100000">
-                <a:schemeClr val="tx2">
-                  <a:lumMod val="50000"/>
-                </a:schemeClr>
-              </a:gs>
-            </a:gsLst>
-            <a:lin ang="5400000" scaled="1"/>
-          </a:gradFill>
-          <a:ln w="9525">
-            <a:solidFill>
-              <a:schemeClr val="tx1"/>
-            </a:solidFill>
-            <a:miter lim="800000"/>
-            <a:headEnd/>
-            <a:tailEnd/>
-          </a:ln>
-          <a:effectLst/>
-        </p:spPr>
-        <p:txBody>
-          <a:bodyPr wrap="none" lIns="96996" tIns="48498" rIns="96996" bIns="48498" anchor="ctr"/>
-          <a:lstStyle/>
-          <a:p>
-            <a:pPr algn="just" defTabSz="2660888"/>
-            <a:endParaRPr lang="en-US" sz="1273" dirty="0">
-              <a:solidFill>
-                <a:schemeClr val="accent1"/>
-              </a:solidFill>
-              <a:latin typeface="Arial" panose="020B0604020202020204" pitchFamily="34" charset="0"/>
-              <a:cs typeface="Arial" panose="020B0604020202020204" pitchFamily="34" charset="0"/>
-            </a:endParaRPr>
-          </a:p>
-        </p:txBody>
-      </p:sp>
-      <p:sp>
-        <p:nvSpPr>
           <p:cNvPr id="8" name="Textfeld 7"/>
           <p:cNvSpPr txBox="1"/>
           <p:nvPr/>
@@ -3729,70 +3717,14 @@
       </p:sp>
       <p:sp>
         <p:nvSpPr>
-          <p:cNvPr id="61" name="Textfeld 60"/>
-          <p:cNvSpPr txBox="1"/>
+          <p:cNvPr id="33" name="Rechteck 32"/>
+          <p:cNvSpPr/>
           <p:nvPr/>
         </p:nvSpPr>
         <p:spPr>
           <a:xfrm>
-            <a:off x="21483642" y="6006734"/>
-            <a:ext cx="21328057" cy="636649"/>
-          </a:xfrm>
-          <a:prstGeom prst="rect">
-            <a:avLst/>
-          </a:prstGeom>
-          <a:noFill/>
-          <a:ln w="12700" cmpd="sng">
-            <a:noFill/>
-          </a:ln>
-        </p:spPr>
-        <p:txBody>
-          <a:bodyPr wrap="square" rtlCol="0">
-            <a:spAutoFit/>
-          </a:bodyPr>
-          <a:lstStyle/>
-          <a:p>
-            <a:pPr algn="just"/>
-            <a:r>
-              <a:rPr lang="en-US" sz="3537" b="1" dirty="0">
-                <a:solidFill>
-                  <a:srgbClr val="DCE6F2"/>
-                </a:solidFill>
-                <a:latin typeface="Arial" panose="020B0604020202020204" pitchFamily="34" charset="0"/>
-                <a:cs typeface="Arial" panose="020B0604020202020204" pitchFamily="34" charset="0"/>
-              </a:rPr>
-              <a:t>2. </a:t>
-            </a:r>
-            <a:r>
-              <a:rPr lang="en-US" sz="3537" b="1" dirty="0">
-                <a:solidFill>
-                  <a:srgbClr val="DCE6F2"/>
-                </a:solidFill>
-                <a:latin typeface="Arial" panose="020B0604020202020204" pitchFamily="34" charset="0"/>
-                <a:cs typeface="Arial" panose="020B0604020202020204" pitchFamily="34" charset="0"/>
-              </a:rPr>
-              <a:t>Methods</a:t>
-            </a:r>
-            <a:endParaRPr lang="en-US" sz="2829" dirty="0">
-              <a:solidFill>
-                <a:srgbClr val="000000"/>
-              </a:solidFill>
-              <a:latin typeface="Arial" panose="020B0604020202020204" pitchFamily="34" charset="0"/>
-              <a:cs typeface="Arial" panose="020B0604020202020204" pitchFamily="34" charset="0"/>
-            </a:endParaRPr>
-          </a:p>
-        </p:txBody>
-      </p:sp>
-      <p:sp>
-        <p:nvSpPr>
-          <p:cNvPr id="55" name="Rechteck 54"/>
-          <p:cNvSpPr/>
-          <p:nvPr/>
-        </p:nvSpPr>
-        <p:spPr>
-          <a:xfrm>
-            <a:off x="21316690" y="5850139"/>
-            <a:ext cx="21495009" cy="5801412"/>
+            <a:off x="1233713" y="5815536"/>
+            <a:ext cx="9344943" cy="5836015"/>
           </a:xfrm>
           <a:prstGeom prst="rect">
             <a:avLst/>
@@ -3833,62 +3765,14 @@
       </p:sp>
       <p:sp>
         <p:nvSpPr>
-          <p:cNvPr id="33" name="Rechteck 32"/>
-          <p:cNvSpPr/>
-          <p:nvPr/>
-        </p:nvSpPr>
-        <p:spPr>
-          <a:xfrm>
-            <a:off x="1" y="5815536"/>
-            <a:ext cx="21157312" cy="5836015"/>
-          </a:xfrm>
-          <a:prstGeom prst="rect">
-            <a:avLst/>
-          </a:prstGeom>
-          <a:noFill/>
-          <a:ln w="76200" cmpd="sng">
-            <a:solidFill>
-              <a:srgbClr val="4F81BD"/>
-            </a:solidFill>
-          </a:ln>
-          <a:effectLst/>
-        </p:spPr>
-        <p:style>
-          <a:lnRef idx="1">
-            <a:schemeClr val="accent1"/>
-          </a:lnRef>
-          <a:fillRef idx="3">
-            <a:schemeClr val="accent1"/>
-          </a:fillRef>
-          <a:effectRef idx="2">
-            <a:schemeClr val="accent1"/>
-          </a:effectRef>
-          <a:fontRef idx="minor">
-            <a:schemeClr val="lt1"/>
-          </a:fontRef>
-        </p:style>
-        <p:txBody>
-          <a:bodyPr rtlCol="0" anchor="ctr"/>
-          <a:lstStyle/>
-          <a:p>
-            <a:pPr algn="just"/>
-            <a:endParaRPr lang="en-US" sz="1273" dirty="0">
-              <a:latin typeface="Arial" panose="020B0604020202020204" pitchFamily="34" charset="0"/>
-              <a:cs typeface="Arial" panose="020B0604020202020204" pitchFamily="34" charset="0"/>
-            </a:endParaRPr>
-          </a:p>
-        </p:txBody>
-      </p:sp>
-      <p:sp>
-        <p:nvSpPr>
           <p:cNvPr id="46" name="Textfeld 45"/>
           <p:cNvSpPr txBox="1"/>
           <p:nvPr/>
         </p:nvSpPr>
         <p:spPr>
           <a:xfrm>
-            <a:off x="10420" y="5908820"/>
-            <a:ext cx="10182724" cy="636649"/>
+            <a:off x="1233714" y="5908821"/>
+            <a:ext cx="8959430" cy="636648"/>
           </a:xfrm>
           <a:prstGeom prst="rect">
             <a:avLst/>
@@ -3916,14 +3800,14 @@
               <a:t>1. </a:t>
             </a:r>
             <a:r>
-              <a:rPr lang="en-US" sz="3537" b="1" dirty="0">
+              <a:rPr lang="en-US" sz="3537" b="1" dirty="0" smtClean="0">
                 <a:solidFill>
                   <a:srgbClr val="DCE6F2"/>
                 </a:solidFill>
                 <a:latin typeface="Arial" panose="020B0604020202020204" pitchFamily="34" charset="0"/>
                 <a:cs typeface="Arial" panose="020B0604020202020204" pitchFamily="34" charset="0"/>
               </a:rPr>
-              <a:t>Theory</a:t>
+              <a:t>Motivation</a:t>
             </a:r>
             <a:endParaRPr lang="en-US" sz="2829" dirty="0">
               <a:solidFill>
@@ -4018,100 +3902,6 @@
       </p:sp>
       <p:sp>
         <p:nvSpPr>
-          <p:cNvPr id="50" name="Textfeld 49"/>
-          <p:cNvSpPr txBox="1"/>
-          <p:nvPr/>
-        </p:nvSpPr>
-        <p:spPr>
-          <a:xfrm>
-            <a:off x="24988185" y="22095459"/>
-            <a:ext cx="6351086" cy="3581761"/>
-          </a:xfrm>
-          <a:prstGeom prst="rect">
-            <a:avLst/>
-          </a:prstGeom>
-          <a:noFill/>
-          <a:effectLst/>
-        </p:spPr>
-        <p:txBody>
-          <a:bodyPr wrap="square" rtlCol="0">
-            <a:noAutofit/>
-          </a:bodyPr>
-          <a:lstStyle/>
-          <a:p>
-            <a:pPr marL="458077" indent="-323349" algn="just">
-              <a:buFont typeface="Arial" charset="0"/>
-              <a:buChar char="•"/>
-            </a:pPr>
-            <a:endParaRPr lang="de-DE" sz="2122" dirty="0">
-              <a:latin typeface="Arial" charset="0"/>
-              <a:ea typeface="Arial" charset="0"/>
-              <a:cs typeface="Arial" charset="0"/>
-            </a:endParaRPr>
-          </a:p>
-          <a:p>
-            <a:pPr marL="291912" indent="-157184" algn="just">
-              <a:buFont typeface="Arial" panose="020B0604020202020204" pitchFamily="34" charset="0"/>
-              <a:buChar char="•"/>
-            </a:pPr>
-            <a:endParaRPr lang="de-DE" sz="2122" dirty="0">
-              <a:latin typeface="Arial" charset="0"/>
-              <a:ea typeface="Arial" charset="0"/>
-              <a:cs typeface="Arial" charset="0"/>
-            </a:endParaRPr>
-          </a:p>
-        </p:txBody>
-      </p:sp>
-      <p:sp>
-        <p:nvSpPr>
-          <p:cNvPr id="67" name="Rechteck 66"/>
-          <p:cNvSpPr/>
-          <p:nvPr/>
-        </p:nvSpPr>
-        <p:spPr>
-          <a:xfrm>
-            <a:off x="10420" y="11790085"/>
-            <a:ext cx="42801280" cy="13083782"/>
-          </a:xfrm>
-          <a:prstGeom prst="rect">
-            <a:avLst/>
-          </a:prstGeom>
-          <a:noFill/>
-          <a:ln w="76200" cmpd="sng">
-            <a:solidFill>
-              <a:srgbClr val="4F81BD"/>
-            </a:solidFill>
-          </a:ln>
-          <a:effectLst/>
-        </p:spPr>
-        <p:style>
-          <a:lnRef idx="1">
-            <a:schemeClr val="accent1"/>
-          </a:lnRef>
-          <a:fillRef idx="3">
-            <a:schemeClr val="accent1"/>
-          </a:fillRef>
-          <a:effectRef idx="2">
-            <a:schemeClr val="accent1"/>
-          </a:effectRef>
-          <a:fontRef idx="minor">
-            <a:schemeClr val="lt1"/>
-          </a:fontRef>
-        </p:style>
-        <p:txBody>
-          <a:bodyPr rtlCol="0" anchor="ctr"/>
-          <a:lstStyle/>
-          <a:p>
-            <a:pPr algn="just"/>
-            <a:endParaRPr lang="en-US" sz="1273">
-              <a:latin typeface="Arial" panose="020B0604020202020204" pitchFamily="34" charset="0"/>
-              <a:cs typeface="Arial" panose="020B0604020202020204" pitchFamily="34" charset="0"/>
-            </a:endParaRPr>
-          </a:p>
-        </p:txBody>
-      </p:sp>
-      <p:sp>
-        <p:nvSpPr>
           <p:cNvPr id="45" name="Textfeld 44"/>
           <p:cNvSpPr txBox="1"/>
           <p:nvPr/>
@@ -4153,342 +3943,6 @@
           </a:p>
         </p:txBody>
       </p:sp>
-      <p:cxnSp>
-        <p:nvCxnSpPr>
-          <p:cNvPr id="42" name="Gerade Verbindung 40"/>
-          <p:cNvCxnSpPr/>
-          <p:nvPr/>
-        </p:nvCxnSpPr>
-        <p:spPr>
-          <a:xfrm>
-            <a:off x="21095856" y="24793344"/>
-            <a:ext cx="41677" cy="4374728"/>
-          </a:xfrm>
-          <a:prstGeom prst="line">
-            <a:avLst/>
-          </a:prstGeom>
-          <a:ln w="63500"/>
-          <a:effectLst/>
-        </p:spPr>
-        <p:style>
-          <a:lnRef idx="2">
-            <a:schemeClr val="accent1"/>
-          </a:lnRef>
-          <a:fillRef idx="0">
-            <a:schemeClr val="accent1"/>
-          </a:fillRef>
-          <a:effectRef idx="1">
-            <a:schemeClr val="accent1"/>
-          </a:effectRef>
-          <a:fontRef idx="minor">
-            <a:schemeClr val="tx1"/>
-          </a:fontRef>
-        </p:style>
-      </p:cxnSp>
-      <p:sp>
-        <p:nvSpPr>
-          <p:cNvPr id="35" name="Rechteck 34"/>
-          <p:cNvSpPr/>
-          <p:nvPr/>
-        </p:nvSpPr>
-        <p:spPr>
-          <a:xfrm>
-            <a:off x="10925400" y="24120492"/>
-            <a:ext cx="20659934" cy="5047581"/>
-          </a:xfrm>
-          <a:prstGeom prst="rect">
-            <a:avLst/>
-          </a:prstGeom>
-          <a:noFill/>
-          <a:ln w="76200" cmpd="sng">
-            <a:solidFill>
-              <a:srgbClr val="4F81BD"/>
-            </a:solidFill>
-          </a:ln>
-          <a:effectLst/>
-        </p:spPr>
-        <p:style>
-          <a:lnRef idx="1">
-            <a:schemeClr val="accent1"/>
-          </a:lnRef>
-          <a:fillRef idx="3">
-            <a:schemeClr val="accent1"/>
-          </a:fillRef>
-          <a:effectRef idx="2">
-            <a:schemeClr val="accent1"/>
-          </a:effectRef>
-          <a:fontRef idx="minor">
-            <a:schemeClr val="lt1"/>
-          </a:fontRef>
-        </p:style>
-        <p:txBody>
-          <a:bodyPr rtlCol="0" anchor="ctr"/>
-          <a:lstStyle/>
-          <a:p>
-            <a:pPr algn="just"/>
-            <a:endParaRPr lang="en-US" sz="1273">
-              <a:latin typeface="Arial" panose="020B0604020202020204" pitchFamily="34" charset="0"/>
-              <a:cs typeface="Arial" panose="020B0604020202020204" pitchFamily="34" charset="0"/>
-            </a:endParaRPr>
-          </a:p>
-        </p:txBody>
-      </p:sp>
-      <p:sp>
-        <p:nvSpPr>
-          <p:cNvPr id="54" name="Textfeld 53"/>
-          <p:cNvSpPr txBox="1">
-            <a:spLocks/>
-          </p:cNvSpPr>
-          <p:nvPr/>
-        </p:nvSpPr>
-        <p:spPr>
-          <a:xfrm>
-            <a:off x="11031454" y="22095459"/>
-            <a:ext cx="6704585" cy="3235619"/>
-          </a:xfrm>
-          <a:prstGeom prst="rect">
-            <a:avLst/>
-          </a:prstGeom>
-          <a:noFill/>
-          <a:effectLst/>
-        </p:spPr>
-        <p:txBody>
-          <a:bodyPr wrap="square" rtlCol="0">
-            <a:noAutofit/>
-          </a:bodyPr>
-          <a:lstStyle>
-            <a:defPPr>
-              <a:defRPr lang="de-DE"/>
-            </a:defPPr>
-            <a:lvl1pPr marL="412750" indent="-254000" algn="just">
-              <a:buFont typeface="Arial" charset="0"/>
-              <a:buChar char="•"/>
-              <a:defRPr sz="3500">
-                <a:latin typeface="Arial" panose="020B0604020202020204" pitchFamily="34" charset="0"/>
-                <a:cs typeface="Arial" panose="020B0604020202020204" pitchFamily="34" charset="0"/>
-              </a:defRPr>
-            </a:lvl1pPr>
-          </a:lstStyle>
-          <a:p>
-            <a:pPr marL="112274" indent="0">
-              <a:buNone/>
-            </a:pPr>
-            <a:endParaRPr lang="de-DE" sz="2122" dirty="0"/>
-          </a:p>
-          <a:p>
-            <a:pPr marL="112274" indent="0">
-              <a:buNone/>
-            </a:pPr>
-            <a:endParaRPr lang="de-DE" sz="2122" dirty="0"/>
-          </a:p>
-          <a:p>
-            <a:pPr marL="112274" indent="0">
-              <a:buNone/>
-            </a:pPr>
-            <a:endParaRPr lang="de-DE" sz="2122" dirty="0"/>
-          </a:p>
-          <a:p>
-            <a:pPr marL="112274" indent="0">
-              <a:buNone/>
-            </a:pPr>
-            <a:endParaRPr lang="de-DE" sz="2122" dirty="0"/>
-          </a:p>
-          <a:p>
-            <a:endParaRPr lang="de-DE" sz="2122" dirty="0"/>
-          </a:p>
-        </p:txBody>
-      </p:sp>
-      <p:sp>
-        <p:nvSpPr>
-          <p:cNvPr id="36" name="Textfeld 35"/>
-          <p:cNvSpPr txBox="1"/>
-          <p:nvPr/>
-        </p:nvSpPr>
-        <p:spPr>
-          <a:xfrm>
-            <a:off x="11060141" y="24183373"/>
-            <a:ext cx="19880583" cy="636649"/>
-          </a:xfrm>
-          <a:prstGeom prst="rect">
-            <a:avLst/>
-          </a:prstGeom>
-          <a:noFill/>
-          <a:effectLst/>
-        </p:spPr>
-        <p:txBody>
-          <a:bodyPr wrap="square" rtlCol="0">
-            <a:spAutoFit/>
-          </a:bodyPr>
-          <a:lstStyle/>
-          <a:p>
-            <a:pPr algn="just"/>
-            <a:r>
-              <a:rPr lang="en-US" sz="3537" b="1" dirty="0">
-                <a:solidFill>
-                  <a:srgbClr val="DCE6F2"/>
-                </a:solidFill>
-                <a:latin typeface="Arial" panose="020B0604020202020204" pitchFamily="34" charset="0"/>
-                <a:cs typeface="Arial" panose="020B0604020202020204" pitchFamily="34" charset="0"/>
-              </a:rPr>
-              <a:t>Discussion</a:t>
-            </a:r>
-            <a:endParaRPr lang="en-US" sz="3537" b="1" dirty="0">
-              <a:solidFill>
-                <a:srgbClr val="DCE6F2"/>
-              </a:solidFill>
-              <a:latin typeface="Arial" panose="020B0604020202020204" pitchFamily="34" charset="0"/>
-              <a:cs typeface="Arial" panose="020B0604020202020204" pitchFamily="34" charset="0"/>
-            </a:endParaRPr>
-          </a:p>
-        </p:txBody>
-      </p:sp>
-      <p:cxnSp>
-        <p:nvCxnSpPr>
-          <p:cNvPr id="16" name="Gerade Verbindung 15"/>
-          <p:cNvCxnSpPr/>
-          <p:nvPr/>
-        </p:nvCxnSpPr>
-        <p:spPr>
-          <a:xfrm flipV="1">
-            <a:off x="10420" y="17496898"/>
-            <a:ext cx="42801279" cy="1"/>
-          </a:xfrm>
-          <a:prstGeom prst="line">
-            <a:avLst/>
-          </a:prstGeom>
-          <a:ln w="38100"/>
-        </p:spPr>
-        <p:style>
-          <a:lnRef idx="2">
-            <a:schemeClr val="accent1"/>
-          </a:lnRef>
-          <a:fillRef idx="0">
-            <a:schemeClr val="accent1"/>
-          </a:fillRef>
-          <a:effectRef idx="1">
-            <a:schemeClr val="accent1"/>
-          </a:effectRef>
-          <a:fontRef idx="minor">
-            <a:schemeClr val="tx1"/>
-          </a:fontRef>
-        </p:style>
-      </p:cxnSp>
-      <p:sp>
-        <p:nvSpPr>
-          <p:cNvPr id="28" name="Textfeld 27"/>
-          <p:cNvSpPr txBox="1"/>
-          <p:nvPr/>
-        </p:nvSpPr>
-        <p:spPr>
-          <a:xfrm>
-            <a:off x="21359454" y="6756335"/>
-            <a:ext cx="21452246" cy="5103550"/>
-          </a:xfrm>
-          <a:prstGeom prst="rect">
-            <a:avLst/>
-          </a:prstGeom>
-          <a:noFill/>
-          <a:effectLst/>
-        </p:spPr>
-        <p:txBody>
-          <a:bodyPr wrap="square" rtlCol="0">
-            <a:noAutofit/>
-          </a:bodyPr>
-          <a:lstStyle/>
-          <a:p>
-            <a:pPr marL="404185" indent="-269457" algn="just">
-              <a:buFont typeface="Arial" charset="0"/>
-              <a:buChar char="•"/>
-            </a:pPr>
-            <a:endParaRPr lang="de-DE" sz="2122" dirty="0">
-              <a:latin typeface="Times New Roman" charset="0"/>
-              <a:ea typeface="Times New Roman" charset="0"/>
-              <a:cs typeface="Times New Roman" charset="0"/>
-            </a:endParaRPr>
-          </a:p>
-          <a:p>
-            <a:pPr marL="404185" indent="-269457" algn="just">
-              <a:buFont typeface="Arial" charset="0"/>
-              <a:buChar char="•"/>
-            </a:pPr>
-            <a:endParaRPr lang="de-DE" sz="2122" dirty="0">
-              <a:latin typeface="Times New Roman" charset="0"/>
-              <a:ea typeface="Times New Roman" charset="0"/>
-              <a:cs typeface="Times New Roman" charset="0"/>
-            </a:endParaRPr>
-          </a:p>
-        </p:txBody>
-      </p:sp>
-      <p:sp>
-        <p:nvSpPr>
-          <p:cNvPr id="30" name="Textfeld 29"/>
-          <p:cNvSpPr txBox="1"/>
-          <p:nvPr/>
-        </p:nvSpPr>
-        <p:spPr>
-          <a:xfrm>
-            <a:off x="10193144" y="11337257"/>
-            <a:ext cx="10176309" cy="5344523"/>
-          </a:xfrm>
-          <a:prstGeom prst="rect">
-            <a:avLst/>
-          </a:prstGeom>
-          <a:noFill/>
-          <a:effectLst/>
-        </p:spPr>
-        <p:txBody>
-          <a:bodyPr wrap="square" rtlCol="0">
-            <a:noAutofit/>
-          </a:bodyPr>
-          <a:lstStyle/>
-          <a:p>
-            <a:pPr marL="404185" indent="-269457" algn="just">
-              <a:buFont typeface="Arial" charset="0"/>
-              <a:buChar char="•"/>
-            </a:pPr>
-            <a:endParaRPr lang="sv-SE" sz="1980" dirty="0">
-              <a:solidFill>
-                <a:srgbClr val="FF0000"/>
-              </a:solidFill>
-              <a:latin typeface="Times New Roman" charset="0"/>
-              <a:ea typeface="Times New Roman" charset="0"/>
-              <a:cs typeface="Times New Roman" charset="0"/>
-            </a:endParaRPr>
-          </a:p>
-        </p:txBody>
-      </p:sp>
-      <p:cxnSp>
-        <p:nvCxnSpPr>
-          <p:cNvPr id="37" name="Gerade Verbindung 40"/>
-          <p:cNvCxnSpPr/>
-          <p:nvPr/>
-        </p:nvCxnSpPr>
-        <p:spPr>
-          <a:xfrm>
-            <a:off x="21034030" y="17496898"/>
-            <a:ext cx="23453" cy="6575372"/>
-          </a:xfrm>
-          <a:prstGeom prst="line">
-            <a:avLst/>
-          </a:prstGeom>
-          <a:ln w="63500"/>
-          <a:effectLst/>
-        </p:spPr>
-        <p:style>
-          <a:lnRef idx="2">
-            <a:schemeClr val="accent1"/>
-          </a:lnRef>
-          <a:fillRef idx="0">
-            <a:schemeClr val="accent1"/>
-          </a:fillRef>
-          <a:effectRef idx="1">
-            <a:schemeClr val="accent1"/>
-          </a:effectRef>
-          <a:fontRef idx="minor">
-            <a:schemeClr val="tx1"/>
-          </a:fontRef>
-        </p:style>
-      </p:cxnSp>
       <p:pic>
         <p:nvPicPr>
           <p:cNvPr id="9" name="Bild 8"/>
@@ -4551,44 +4005,2678 @@
       </p:pic>
       <p:sp>
         <p:nvSpPr>
-          <p:cNvPr id="43" name="Textfeld 42"/>
-          <p:cNvSpPr txBox="1"/>
+          <p:cNvPr id="59" name="Rectangle 163"/>
+          <p:cNvSpPr>
+            <a:spLocks noChangeArrowheads="1"/>
+          </p:cNvSpPr>
+          <p:nvPr/>
+        </p:nvSpPr>
+        <p:spPr bwMode="auto">
+          <a:xfrm>
+            <a:off x="11532520" y="15332641"/>
+            <a:ext cx="9344944" cy="869557"/>
+          </a:xfrm>
+          <a:prstGeom prst="rect">
+            <a:avLst/>
+          </a:prstGeom>
+          <a:gradFill>
+            <a:gsLst>
+              <a:gs pos="0">
+                <a:schemeClr val="tx2">
+                  <a:lumMod val="50000"/>
+                </a:schemeClr>
+              </a:gs>
+              <a:gs pos="50000">
+                <a:schemeClr val="tx2">
+                  <a:lumMod val="75000"/>
+                </a:schemeClr>
+              </a:gs>
+              <a:gs pos="100000">
+                <a:schemeClr val="tx2">
+                  <a:lumMod val="50000"/>
+                </a:schemeClr>
+              </a:gs>
+            </a:gsLst>
+            <a:lin ang="5400000" scaled="1"/>
+          </a:gradFill>
+          <a:ln w="9525">
+            <a:solidFill>
+              <a:schemeClr val="tx1"/>
+            </a:solidFill>
+            <a:miter lim="800000"/>
+            <a:headEnd/>
+            <a:tailEnd/>
+          </a:ln>
+          <a:effectLst/>
+        </p:spPr>
+        <p:txBody>
+          <a:bodyPr wrap="none" lIns="96996" tIns="48498" rIns="96996" bIns="48498" anchor="ctr"/>
+          <a:lstStyle/>
+          <a:p>
+            <a:pPr algn="just" defTabSz="2660888"/>
+            <a:endParaRPr lang="en-US" sz="1273" dirty="0">
+              <a:solidFill>
+                <a:schemeClr val="accent1"/>
+              </a:solidFill>
+              <a:latin typeface="Arial" panose="020B0604020202020204" pitchFamily="34" charset="0"/>
+              <a:cs typeface="Arial" panose="020B0604020202020204" pitchFamily="34" charset="0"/>
+            </a:endParaRPr>
+          </a:p>
+        </p:txBody>
+      </p:sp>
+      <p:sp>
+        <p:nvSpPr>
+          <p:cNvPr id="62" name="Rectangle 163"/>
+          <p:cNvSpPr>
+            <a:spLocks noChangeArrowheads="1"/>
+          </p:cNvSpPr>
+          <p:nvPr/>
+        </p:nvSpPr>
+        <p:spPr bwMode="auto">
+          <a:xfrm>
+            <a:off x="1233714" y="15332641"/>
+            <a:ext cx="9323484" cy="869557"/>
+          </a:xfrm>
+          <a:prstGeom prst="rect">
+            <a:avLst/>
+          </a:prstGeom>
+          <a:gradFill>
+            <a:gsLst>
+              <a:gs pos="0">
+                <a:schemeClr val="tx2">
+                  <a:lumMod val="50000"/>
+                </a:schemeClr>
+              </a:gs>
+              <a:gs pos="50000">
+                <a:schemeClr val="tx2">
+                  <a:lumMod val="75000"/>
+                </a:schemeClr>
+              </a:gs>
+              <a:gs pos="100000">
+                <a:schemeClr val="tx2">
+                  <a:lumMod val="50000"/>
+                </a:schemeClr>
+              </a:gs>
+            </a:gsLst>
+            <a:lin ang="5400000" scaled="1"/>
+          </a:gradFill>
+          <a:ln w="9525">
+            <a:solidFill>
+              <a:schemeClr val="tx1"/>
+            </a:solidFill>
+            <a:miter lim="800000"/>
+            <a:headEnd/>
+            <a:tailEnd/>
+          </a:ln>
+          <a:effectLst/>
+        </p:spPr>
+        <p:txBody>
+          <a:bodyPr wrap="none" lIns="96996" tIns="48498" rIns="96996" bIns="48498" anchor="ctr"/>
+          <a:lstStyle/>
+          <a:p>
+            <a:pPr algn="just" defTabSz="2660888"/>
+            <a:endParaRPr lang="en-US" sz="1273" dirty="0">
+              <a:solidFill>
+                <a:schemeClr val="accent1"/>
+              </a:solidFill>
+              <a:latin typeface="Arial" panose="020B0604020202020204" pitchFamily="34" charset="0"/>
+              <a:cs typeface="Arial" panose="020B0604020202020204" pitchFamily="34" charset="0"/>
+            </a:endParaRPr>
+          </a:p>
+        </p:txBody>
+      </p:sp>
+      <p:sp>
+        <p:nvSpPr>
+          <p:cNvPr id="63" name="Rechteck 62"/>
+          <p:cNvSpPr/>
           <p:nvPr/>
         </p:nvSpPr>
         <p:spPr>
           <a:xfrm>
-            <a:off x="10841439" y="24885098"/>
-            <a:ext cx="10174417" cy="4027599"/>
+            <a:off x="1233713" y="15298038"/>
+            <a:ext cx="9323483" cy="10256542"/>
           </a:xfrm>
           <a:prstGeom prst="rect">
             <a:avLst/>
           </a:prstGeom>
           <a:noFill/>
+          <a:ln w="76200" cmpd="sng">
+            <a:solidFill>
+              <a:srgbClr val="4F81BD"/>
+            </a:solidFill>
+          </a:ln>
           <a:effectLst/>
         </p:spPr>
+        <p:style>
+          <a:lnRef idx="1">
+            <a:schemeClr val="accent1"/>
+          </a:lnRef>
+          <a:fillRef idx="3">
+            <a:schemeClr val="accent1"/>
+          </a:fillRef>
+          <a:effectRef idx="2">
+            <a:schemeClr val="accent1"/>
+          </a:effectRef>
+          <a:fontRef idx="minor">
+            <a:schemeClr val="lt1"/>
+          </a:fontRef>
+        </p:style>
+        <p:txBody>
+          <a:bodyPr rtlCol="0" anchor="ctr"/>
+          <a:lstStyle/>
+          <a:p>
+            <a:pPr algn="just"/>
+            <a:endParaRPr lang="en-US" sz="1273" dirty="0">
+              <a:latin typeface="Arial" panose="020B0604020202020204" pitchFamily="34" charset="0"/>
+              <a:cs typeface="Arial" panose="020B0604020202020204" pitchFamily="34" charset="0"/>
+            </a:endParaRPr>
+          </a:p>
+        </p:txBody>
+      </p:sp>
+      <p:sp>
+        <p:nvSpPr>
+          <p:cNvPr id="64" name="Textfeld 63"/>
+          <p:cNvSpPr txBox="1"/>
+          <p:nvPr/>
+        </p:nvSpPr>
+        <p:spPr>
+          <a:xfrm>
+            <a:off x="1233714" y="15391322"/>
+            <a:ext cx="8937970" cy="636649"/>
+          </a:xfrm>
+          <a:prstGeom prst="rect">
+            <a:avLst/>
+          </a:prstGeom>
+          <a:noFill/>
+          <a:ln w="12700" cmpd="sng">
+            <a:noFill/>
+          </a:ln>
+        </p:spPr>
         <p:txBody>
           <a:bodyPr wrap="square" rtlCol="0">
-            <a:noAutofit/>
+            <a:spAutoFit/>
           </a:bodyPr>
           <a:lstStyle/>
           <a:p>
-            <a:pPr marL="112274" algn="just"/>
-            <a:endParaRPr lang="de-DE" sz="2122" dirty="0">
-              <a:latin typeface="Arial" charset="0"/>
-              <a:ea typeface="Arial" charset="0"/>
-              <a:cs typeface="Arial" charset="0"/>
+            <a:pPr algn="just"/>
+            <a:r>
+              <a:rPr lang="en-US" sz="3537" b="1" dirty="0" smtClean="0">
+                <a:solidFill>
+                  <a:srgbClr val="DCE6F2"/>
+                </a:solidFill>
+                <a:latin typeface="Arial" panose="020B0604020202020204" pitchFamily="34" charset="0"/>
+                <a:cs typeface="Arial" panose="020B0604020202020204" pitchFamily="34" charset="0"/>
+              </a:rPr>
+              <a:t>2. EM algorithm</a:t>
+            </a:r>
+            <a:endParaRPr lang="en-US" sz="2829" dirty="0">
+              <a:solidFill>
+                <a:srgbClr val="000000"/>
+              </a:solidFill>
+              <a:latin typeface="Arial" panose="020B0604020202020204" pitchFamily="34" charset="0"/>
+              <a:cs typeface="Arial" panose="020B0604020202020204" pitchFamily="34" charset="0"/>
             </a:endParaRPr>
           </a:p>
-          <a:p>
-            <a:pPr marL="404185" indent="-291912" algn="just">
-              <a:buFont typeface="Arial" charset="0"/>
+        </p:txBody>
+      </p:sp>
+      <p:sp>
+        <p:nvSpPr>
+          <p:cNvPr id="65" name="Rechteck 64"/>
+          <p:cNvSpPr/>
+          <p:nvPr/>
+        </p:nvSpPr>
+        <p:spPr>
+          <a:xfrm>
+            <a:off x="11532518" y="15298038"/>
+            <a:ext cx="9344945" cy="13010262"/>
+          </a:xfrm>
+          <a:prstGeom prst="rect">
+            <a:avLst/>
+          </a:prstGeom>
+          <a:noFill/>
+          <a:ln w="76200" cmpd="sng">
+            <a:solidFill>
+              <a:srgbClr val="4F81BD"/>
+            </a:solidFill>
+          </a:ln>
+          <a:effectLst/>
+        </p:spPr>
+        <p:style>
+          <a:lnRef idx="1">
+            <a:schemeClr val="accent1"/>
+          </a:lnRef>
+          <a:fillRef idx="3">
+            <a:schemeClr val="accent1"/>
+          </a:fillRef>
+          <a:effectRef idx="2">
+            <a:schemeClr val="accent1"/>
+          </a:effectRef>
+          <a:fontRef idx="minor">
+            <a:schemeClr val="lt1"/>
+          </a:fontRef>
+        </p:style>
+        <p:txBody>
+          <a:bodyPr rtlCol="0" anchor="ctr"/>
+          <a:lstStyle/>
+          <a:p>
+            <a:pPr algn="just"/>
+            <a:endParaRPr lang="en-US" sz="1273" dirty="0">
+              <a:latin typeface="Arial" panose="020B0604020202020204" pitchFamily="34" charset="0"/>
+              <a:cs typeface="Arial" panose="020B0604020202020204" pitchFamily="34" charset="0"/>
+            </a:endParaRPr>
+          </a:p>
+        </p:txBody>
+      </p:sp>
+      <p:sp>
+        <p:nvSpPr>
+          <p:cNvPr id="66" name="Rectangle 163"/>
+          <p:cNvSpPr>
+            <a:spLocks noChangeArrowheads="1"/>
+          </p:cNvSpPr>
+          <p:nvPr/>
+        </p:nvSpPr>
+        <p:spPr bwMode="auto">
+          <a:xfrm>
+            <a:off x="32178496" y="22506888"/>
+            <a:ext cx="9344944" cy="848980"/>
+          </a:xfrm>
+          <a:prstGeom prst="rect">
+            <a:avLst/>
+          </a:prstGeom>
+          <a:gradFill>
+            <a:gsLst>
+              <a:gs pos="0">
+                <a:schemeClr val="tx2">
+                  <a:lumMod val="50000"/>
+                </a:schemeClr>
+              </a:gs>
+              <a:gs pos="50000">
+                <a:schemeClr val="tx2">
+                  <a:lumMod val="75000"/>
+                </a:schemeClr>
+              </a:gs>
+              <a:gs pos="100000">
+                <a:schemeClr val="tx2">
+                  <a:lumMod val="50000"/>
+                </a:schemeClr>
+              </a:gs>
+            </a:gsLst>
+            <a:lin ang="5400000" scaled="1"/>
+          </a:gradFill>
+          <a:ln w="9525">
+            <a:solidFill>
+              <a:schemeClr val="tx1"/>
+            </a:solidFill>
+            <a:miter lim="800000"/>
+            <a:headEnd/>
+            <a:tailEnd/>
+          </a:ln>
+          <a:effectLst/>
+        </p:spPr>
+        <p:txBody>
+          <a:bodyPr wrap="none" lIns="96996" tIns="48498" rIns="96996" bIns="48498" anchor="ctr"/>
+          <a:lstStyle/>
+          <a:p>
+            <a:pPr algn="just" defTabSz="2660888"/>
+            <a:endParaRPr lang="en-US" sz="1273" dirty="0">
+              <a:solidFill>
+                <a:schemeClr val="accent1"/>
+              </a:solidFill>
+              <a:latin typeface="Arial" panose="020B0604020202020204" pitchFamily="34" charset="0"/>
+              <a:cs typeface="Arial" panose="020B0604020202020204" pitchFamily="34" charset="0"/>
+            </a:endParaRPr>
+          </a:p>
+        </p:txBody>
+      </p:sp>
+      <p:sp>
+        <p:nvSpPr>
+          <p:cNvPr id="76" name="Rechteck 75"/>
+          <p:cNvSpPr/>
+          <p:nvPr/>
+        </p:nvSpPr>
+        <p:spPr>
+          <a:xfrm>
+            <a:off x="32178495" y="22472285"/>
+            <a:ext cx="9344944" cy="5836015"/>
+          </a:xfrm>
+          <a:prstGeom prst="rect">
+            <a:avLst/>
+          </a:prstGeom>
+          <a:noFill/>
+          <a:ln w="76200" cmpd="sng">
+            <a:solidFill>
+              <a:srgbClr val="4F81BD"/>
+            </a:solidFill>
+          </a:ln>
+          <a:effectLst/>
+        </p:spPr>
+        <p:style>
+          <a:lnRef idx="1">
+            <a:schemeClr val="accent1"/>
+          </a:lnRef>
+          <a:fillRef idx="3">
+            <a:schemeClr val="accent1"/>
+          </a:fillRef>
+          <a:effectRef idx="2">
+            <a:schemeClr val="accent1"/>
+          </a:effectRef>
+          <a:fontRef idx="minor">
+            <a:schemeClr val="lt1"/>
+          </a:fontRef>
+        </p:style>
+        <p:txBody>
+          <a:bodyPr rtlCol="0" anchor="ctr"/>
+          <a:lstStyle/>
+          <a:p>
+            <a:pPr algn="just"/>
+            <a:endParaRPr lang="en-US" sz="1273" dirty="0">
+              <a:latin typeface="Arial" panose="020B0604020202020204" pitchFamily="34" charset="0"/>
+              <a:cs typeface="Arial" panose="020B0604020202020204" pitchFamily="34" charset="0"/>
+            </a:endParaRPr>
+          </a:p>
+        </p:txBody>
+      </p:sp>
+      <p:sp>
+        <p:nvSpPr>
+          <p:cNvPr id="88" name="Textfeld 87"/>
+          <p:cNvSpPr txBox="1"/>
+          <p:nvPr/>
+        </p:nvSpPr>
+        <p:spPr>
+          <a:xfrm>
+            <a:off x="11532519" y="15427892"/>
+            <a:ext cx="9473359" cy="636649"/>
+          </a:xfrm>
+          <a:prstGeom prst="rect">
+            <a:avLst/>
+          </a:prstGeom>
+          <a:noFill/>
+          <a:ln w="12700" cmpd="sng">
+            <a:noFill/>
+          </a:ln>
+        </p:spPr>
+        <p:txBody>
+          <a:bodyPr wrap="square" rtlCol="0">
+            <a:spAutoFit/>
+          </a:bodyPr>
+          <a:lstStyle/>
+          <a:p>
+            <a:pPr algn="just"/>
+            <a:r>
+              <a:rPr lang="en-US" sz="3537" b="1" dirty="0" smtClean="0">
+                <a:solidFill>
+                  <a:srgbClr val="DCE6F2"/>
+                </a:solidFill>
+                <a:latin typeface="Arial" panose="020B0604020202020204" pitchFamily="34" charset="0"/>
+                <a:cs typeface="Arial" panose="020B0604020202020204" pitchFamily="34" charset="0"/>
+              </a:rPr>
+              <a:t>4. Simulation study</a:t>
+            </a:r>
+            <a:endParaRPr lang="en-US" sz="2829" dirty="0">
+              <a:solidFill>
+                <a:srgbClr val="000000"/>
+              </a:solidFill>
+              <a:latin typeface="Arial" panose="020B0604020202020204" pitchFamily="34" charset="0"/>
+              <a:cs typeface="Arial" panose="020B0604020202020204" pitchFamily="34" charset="0"/>
+            </a:endParaRPr>
+          </a:p>
+        </p:txBody>
+      </p:sp>
+      <p:sp>
+        <p:nvSpPr>
+          <p:cNvPr id="90" name="Textfeld 89"/>
+          <p:cNvSpPr txBox="1"/>
+          <p:nvPr/>
+        </p:nvSpPr>
+        <p:spPr>
+          <a:xfrm>
+            <a:off x="32178495" y="22581562"/>
+            <a:ext cx="10351485" cy="636649"/>
+          </a:xfrm>
+          <a:prstGeom prst="rect">
+            <a:avLst/>
+          </a:prstGeom>
+          <a:noFill/>
+          <a:ln w="12700" cmpd="sng">
+            <a:noFill/>
+          </a:ln>
+        </p:spPr>
+        <p:txBody>
+          <a:bodyPr wrap="square" rtlCol="0">
+            <a:spAutoFit/>
+          </a:bodyPr>
+          <a:lstStyle/>
+          <a:p>
+            <a:pPr algn="just"/>
+            <a:r>
+              <a:rPr lang="en-US" sz="3537" b="1" dirty="0" smtClean="0">
+                <a:solidFill>
+                  <a:srgbClr val="DCE6F2"/>
+                </a:solidFill>
+                <a:latin typeface="Arial" panose="020B0604020202020204" pitchFamily="34" charset="0"/>
+                <a:cs typeface="Arial" panose="020B0604020202020204" pitchFamily="34" charset="0"/>
+              </a:rPr>
+              <a:t>References</a:t>
+            </a:r>
+            <a:endParaRPr lang="en-US" sz="2829" dirty="0">
+              <a:solidFill>
+                <a:srgbClr val="000000"/>
+              </a:solidFill>
+              <a:latin typeface="Arial" panose="020B0604020202020204" pitchFamily="34" charset="0"/>
+              <a:cs typeface="Arial" panose="020B0604020202020204" pitchFamily="34" charset="0"/>
+            </a:endParaRPr>
+          </a:p>
+        </p:txBody>
+      </p:sp>
+      <p:sp>
+        <p:nvSpPr>
+          <p:cNvPr id="2" name="Textfeld 1"/>
+          <p:cNvSpPr txBox="1"/>
+          <p:nvPr/>
+        </p:nvSpPr>
+        <p:spPr>
+          <a:xfrm>
+            <a:off x="1233714" y="6697869"/>
+            <a:ext cx="9344942" cy="4431983"/>
+          </a:xfrm>
+          <a:prstGeom prst="rect">
+            <a:avLst/>
+          </a:prstGeom>
+          <a:noFill/>
+        </p:spPr>
+        <p:txBody>
+          <a:bodyPr wrap="square" rtlCol="0">
+            <a:spAutoFit/>
+          </a:bodyPr>
+          <a:lstStyle/>
+          <a:p>
+            <a:pPr marL="285750" indent="-285750">
+              <a:spcAft>
+                <a:spcPts val="1200"/>
+              </a:spcAft>
+              <a:buFont typeface="Arial" pitchFamily="34" charset="0"/>
               <a:buChar char="•"/>
             </a:pPr>
-            <a:endParaRPr lang="en-US" sz="2122" dirty="0">
-              <a:latin typeface="Arial" charset="0"/>
-              <a:ea typeface="Arial" charset="0"/>
-              <a:cs typeface="Arial" charset="0"/>
+            <a:r>
+              <a:rPr lang="en-GB" sz="3200" dirty="0" smtClean="0"/>
+              <a:t>No asymptotic variance-covariance matrix computed when running expectation maximization algorithm</a:t>
+            </a:r>
+            <a:r>
+              <a:rPr lang="en-GB" sz="3200" dirty="0"/>
+              <a:t> (EM)</a:t>
+            </a:r>
+            <a:r>
+              <a:rPr lang="en-GB" sz="3200" dirty="0" smtClean="0"/>
+              <a:t>. </a:t>
+            </a:r>
+          </a:p>
+          <a:p>
+            <a:pPr marL="285750" indent="-285750">
+              <a:spcAft>
+                <a:spcPts val="1200"/>
+              </a:spcAft>
+              <a:buFont typeface="Arial" pitchFamily="34" charset="0"/>
+              <a:buChar char="•"/>
+            </a:pPr>
+            <a:r>
+              <a:rPr lang="en-GB" sz="3200" dirty="0" smtClean="0"/>
+              <a:t>Such matrix is however needed for (asymptotically valid) inference</a:t>
+            </a:r>
+          </a:p>
+          <a:p>
+            <a:pPr marL="285750" indent="-285750">
+              <a:spcAft>
+                <a:spcPts val="1200"/>
+              </a:spcAft>
+              <a:buFont typeface="Arial" pitchFamily="34" charset="0"/>
+              <a:buChar char="•"/>
+            </a:pPr>
+            <a:r>
+              <a:rPr lang="en-GB" sz="3200" dirty="0" smtClean="0"/>
+              <a:t>Existing approaches not computationally problematic and not generically applicable</a:t>
+            </a:r>
+          </a:p>
+          <a:p>
+            <a:pPr marL="285750" indent="-285750">
+              <a:spcAft>
+                <a:spcPts val="1200"/>
+              </a:spcAft>
+              <a:buFont typeface="Arial" pitchFamily="34" charset="0"/>
+              <a:buChar char="•"/>
+            </a:pPr>
+            <a:endParaRPr lang="en-GB" sz="2800" dirty="0"/>
+          </a:p>
+        </p:txBody>
+      </p:sp>
+      <mc:AlternateContent xmlns:mc="http://schemas.openxmlformats.org/markup-compatibility/2006">
+        <mc:Choice xmlns:a14="http://schemas.microsoft.com/office/drawing/2010/main" Requires="a14">
+          <p:sp>
+            <p:nvSpPr>
+              <p:cNvPr id="91" name="Textfeld 90"/>
+              <p:cNvSpPr txBox="1"/>
+              <p:nvPr/>
+            </p:nvSpPr>
+            <p:spPr>
+              <a:xfrm>
+                <a:off x="1233714" y="16202198"/>
+                <a:ext cx="9344944" cy="9150197"/>
+              </a:xfrm>
+              <a:prstGeom prst="rect">
+                <a:avLst/>
+              </a:prstGeom>
+              <a:noFill/>
+            </p:spPr>
+            <p:txBody>
+              <a:bodyPr wrap="square" rtlCol="0">
+                <a:spAutoFit/>
+              </a:bodyPr>
+              <a:lstStyle/>
+              <a:p>
+                <a:pPr marL="285750" indent="-285750">
+                  <a:spcAft>
+                    <a:spcPts val="1200"/>
+                  </a:spcAft>
+                  <a:buFont typeface="Arial" pitchFamily="34" charset="0"/>
+                  <a:buChar char="•"/>
+                </a:pPr>
+                <a:r>
+                  <a:rPr lang="en-GB" sz="3200" dirty="0" smtClean="0"/>
+                  <a:t>Iterative technique to find the maximum likelihood parameters</a:t>
+                </a:r>
+              </a:p>
+              <a:p>
+                <a:pPr marL="285750" indent="-285750">
+                  <a:spcAft>
+                    <a:spcPts val="1200"/>
+                  </a:spcAft>
+                  <a:buFont typeface="Arial" pitchFamily="34" charset="0"/>
+                  <a:buChar char="•"/>
+                </a:pPr>
+                <a:r>
+                  <a:rPr lang="en-GB" sz="3200" dirty="0" smtClean="0"/>
+                  <a:t>Used in problems where the equations are not directly solvable, like in incomplete-data problems</a:t>
+                </a:r>
+              </a:p>
+              <a:p>
+                <a:pPr marL="285750" indent="-285750">
+                  <a:spcAft>
+                    <a:spcPts val="1200"/>
+                  </a:spcAft>
+                  <a:buFont typeface="Arial" pitchFamily="34" charset="0"/>
+                  <a:buChar char="•"/>
+                </a:pPr>
+                <a:r>
+                  <a:rPr lang="en-GB" sz="3200" dirty="0" smtClean="0"/>
+                  <a:t>EM algorithm consists of two steps, the expectation step and the maximization step</a:t>
+                </a:r>
+              </a:p>
+              <a:p>
+                <a:pPr marL="285750" indent="-285750">
+                  <a:spcAft>
+                    <a:spcPts val="1200"/>
+                  </a:spcAft>
+                  <a:buFont typeface="Arial" pitchFamily="34" charset="0"/>
+                  <a:buChar char="•"/>
+                </a:pPr>
+                <a:r>
+                  <a:rPr lang="en-GB" sz="3200" dirty="0" smtClean="0"/>
+                  <a:t>E-step calculates</a:t>
+                </a:r>
+              </a:p>
+              <a:p>
+                <a:pPr lvl="2">
+                  <a:spcAft>
+                    <a:spcPts val="1200"/>
+                  </a:spcAft>
+                </a:pPr>
+                <a14:m>
+                  <m:oMathPara xmlns:m="http://schemas.openxmlformats.org/officeDocument/2006/math">
+                    <m:oMathParaPr>
+                      <m:jc m:val="centerGroup"/>
+                    </m:oMathParaPr>
+                    <m:oMath xmlns:m="http://schemas.openxmlformats.org/officeDocument/2006/math">
+                      <m:r>
+                        <a:rPr lang="de-DE" sz="3200" b="0" i="1" smtClean="0">
+                          <a:latin typeface="Cambria Math"/>
+                        </a:rPr>
+                        <m:t>𝑄</m:t>
+                      </m:r>
+                      <m:d>
+                        <m:dPr>
+                          <m:ctrlPr>
+                            <a:rPr lang="de-DE" sz="3200" b="0" i="1" smtClean="0">
+                              <a:latin typeface="Cambria Math"/>
+                            </a:rPr>
+                          </m:ctrlPr>
+                        </m:dPr>
+                        <m:e>
+                          <m:r>
+                            <a:rPr lang="de-DE" sz="3200" b="0" i="1" smtClean="0">
+                              <a:latin typeface="Cambria Math"/>
+                              <a:ea typeface="Cambria Math"/>
+                            </a:rPr>
+                            <m:t>𝜃</m:t>
+                          </m:r>
+                        </m:e>
+                        <m:e>
+                          <m:sSup>
+                            <m:sSupPr>
+                              <m:ctrlPr>
+                                <a:rPr lang="de-DE" sz="3200" i="1" smtClean="0">
+                                  <a:latin typeface="Cambria Math"/>
+                                  <a:ea typeface="Cambria Math"/>
+                                </a:rPr>
+                              </m:ctrlPr>
+                            </m:sSupPr>
+                            <m:e>
+                              <m:r>
+                                <a:rPr lang="de-DE" sz="3200" i="1">
+                                  <a:latin typeface="Cambria Math"/>
+                                  <a:ea typeface="Cambria Math"/>
+                                </a:rPr>
+                                <m:t>𝜃</m:t>
+                              </m:r>
+                            </m:e>
+                            <m:sup>
+                              <m:r>
+                                <a:rPr lang="de-DE" sz="3200" b="0" i="1" smtClean="0">
+                                  <a:latin typeface="Cambria Math"/>
+                                  <a:ea typeface="Cambria Math"/>
+                                </a:rPr>
+                                <m:t>(</m:t>
+                              </m:r>
+                              <m:r>
+                                <a:rPr lang="de-DE" sz="3200" b="0" i="1" smtClean="0">
+                                  <a:latin typeface="Cambria Math"/>
+                                  <a:ea typeface="Cambria Math"/>
+                                </a:rPr>
+                                <m:t>𝑡</m:t>
+                              </m:r>
+                              <m:r>
+                                <a:rPr lang="de-DE" sz="3200" b="0" i="1" smtClean="0">
+                                  <a:latin typeface="Cambria Math"/>
+                                  <a:ea typeface="Cambria Math"/>
+                                </a:rPr>
+                                <m:t>)</m:t>
+                              </m:r>
+                            </m:sup>
+                          </m:sSup>
+                        </m:e>
+                      </m:d>
+                      <m:r>
+                        <a:rPr lang="de-DE" sz="3200" b="0" i="1" smtClean="0">
+                          <a:latin typeface="Cambria Math"/>
+                          <a:ea typeface="Cambria Math"/>
+                        </a:rPr>
+                        <m:t>=</m:t>
+                      </m:r>
+                      <m:sSub>
+                        <m:sSubPr>
+                          <m:ctrlPr>
+                            <a:rPr lang="de-DE" sz="3200" b="0" i="1" smtClean="0">
+                              <a:latin typeface="Cambria Math"/>
+                              <a:ea typeface="Cambria Math"/>
+                            </a:rPr>
+                          </m:ctrlPr>
+                        </m:sSubPr>
+                        <m:e>
+                          <m:r>
+                            <a:rPr lang="de-DE" sz="3200" b="0" i="1" smtClean="0">
+                              <a:latin typeface="Cambria Math"/>
+                              <a:ea typeface="Cambria Math"/>
+                            </a:rPr>
+                            <m:t>𝐸</m:t>
+                          </m:r>
+                        </m:e>
+                        <m:sub>
+                          <m:sSub>
+                            <m:sSubPr>
+                              <m:ctrlPr>
+                                <a:rPr lang="de-DE" sz="3200" b="0" i="1" smtClean="0">
+                                  <a:latin typeface="Cambria Math"/>
+                                  <a:ea typeface="Cambria Math"/>
+                                </a:rPr>
+                              </m:ctrlPr>
+                            </m:sSubPr>
+                            <m:e>
+                              <m:r>
+                                <a:rPr lang="de-DE" sz="3200" b="0" i="1" smtClean="0">
+                                  <a:latin typeface="Cambria Math"/>
+                                  <a:ea typeface="Cambria Math"/>
+                                </a:rPr>
+                                <m:t>𝑌</m:t>
+                              </m:r>
+                            </m:e>
+                            <m:sub>
+                              <m:r>
+                                <a:rPr lang="de-DE" sz="3200" b="0" i="1" smtClean="0">
+                                  <a:latin typeface="Cambria Math"/>
+                                  <a:ea typeface="Cambria Math"/>
+                                </a:rPr>
+                                <m:t>𝑚𝑖𝑠</m:t>
+                              </m:r>
+                            </m:sub>
+                          </m:sSub>
+                          <m:r>
+                            <a:rPr lang="de-DE" sz="3200" b="0" i="1" smtClean="0">
+                              <a:latin typeface="Cambria Math"/>
+                              <a:ea typeface="Cambria Math"/>
+                            </a:rPr>
+                            <m:t>|</m:t>
+                          </m:r>
+                          <m:sSub>
+                            <m:sSubPr>
+                              <m:ctrlPr>
+                                <a:rPr lang="de-DE" sz="3200" b="0" i="1" smtClean="0">
+                                  <a:latin typeface="Cambria Math"/>
+                                  <a:ea typeface="Cambria Math"/>
+                                </a:rPr>
+                              </m:ctrlPr>
+                            </m:sSubPr>
+                            <m:e>
+                              <m:r>
+                                <a:rPr lang="de-DE" sz="3200" b="0" i="1" smtClean="0">
+                                  <a:latin typeface="Cambria Math"/>
+                                  <a:ea typeface="Cambria Math"/>
+                                </a:rPr>
+                                <m:t>𝑌</m:t>
+                              </m:r>
+                            </m:e>
+                            <m:sub>
+                              <m:r>
+                                <a:rPr lang="de-DE" sz="3200" b="0" i="1" smtClean="0">
+                                  <a:latin typeface="Cambria Math"/>
+                                  <a:ea typeface="Cambria Math"/>
+                                </a:rPr>
+                                <m:t>𝑜𝑏𝑠</m:t>
+                              </m:r>
+                            </m:sub>
+                          </m:sSub>
+                          <m:r>
+                            <a:rPr lang="de-DE" sz="3200" b="0" i="1" smtClean="0">
+                              <a:latin typeface="Cambria Math"/>
+                              <a:ea typeface="Cambria Math"/>
+                            </a:rPr>
+                            <m:t>,</m:t>
+                          </m:r>
+                          <m:sSup>
+                            <m:sSupPr>
+                              <m:ctrlPr>
+                                <a:rPr lang="de-DE" sz="3200" b="0" i="1" smtClean="0">
+                                  <a:latin typeface="Cambria Math"/>
+                                  <a:ea typeface="Cambria Math"/>
+                                </a:rPr>
+                              </m:ctrlPr>
+                            </m:sSupPr>
+                            <m:e>
+                              <m:r>
+                                <a:rPr lang="de-DE" sz="3200" i="1">
+                                  <a:latin typeface="Cambria Math"/>
+                                  <a:ea typeface="Cambria Math"/>
+                                </a:rPr>
+                                <m:t>𝜃</m:t>
+                              </m:r>
+                            </m:e>
+                            <m:sup>
+                              <m:r>
+                                <a:rPr lang="de-DE" sz="3200" b="0" i="1" smtClean="0">
+                                  <a:latin typeface="Cambria Math"/>
+                                  <a:ea typeface="Cambria Math"/>
+                                </a:rPr>
+                                <m:t>(</m:t>
+                              </m:r>
+                              <m:r>
+                                <a:rPr lang="de-DE" sz="3200" b="0" i="1" smtClean="0">
+                                  <a:latin typeface="Cambria Math"/>
+                                  <a:ea typeface="Cambria Math"/>
+                                </a:rPr>
+                                <m:t>𝑡</m:t>
+                              </m:r>
+                              <m:r>
+                                <a:rPr lang="de-DE" sz="3200" b="0" i="1" smtClean="0">
+                                  <a:latin typeface="Cambria Math"/>
+                                  <a:ea typeface="Cambria Math"/>
+                                </a:rPr>
+                                <m:t>)</m:t>
+                              </m:r>
+                            </m:sup>
+                          </m:sSup>
+                        </m:sub>
+                      </m:sSub>
+                      <m:r>
+                        <a:rPr lang="de-DE" sz="3200" b="0" i="1" smtClean="0">
+                          <a:latin typeface="Cambria Math"/>
+                          <a:ea typeface="Cambria Math"/>
+                        </a:rPr>
+                        <m:t>[</m:t>
+                      </m:r>
+                      <m:r>
+                        <a:rPr lang="de-DE" sz="3200" b="0" i="1" smtClean="0">
+                          <a:latin typeface="Cambria Math"/>
+                          <a:ea typeface="Cambria Math"/>
+                        </a:rPr>
+                        <m:t>𝑙𝑜𝑔𝐿</m:t>
+                      </m:r>
+                      <m:r>
+                        <a:rPr lang="de-DE" sz="3200" b="0" i="1" smtClean="0">
+                          <a:latin typeface="Cambria Math"/>
+                          <a:ea typeface="Cambria Math"/>
+                        </a:rPr>
+                        <m:t>(</m:t>
+                      </m:r>
+                      <m:r>
+                        <a:rPr lang="de-DE" sz="3200" i="1">
+                          <a:latin typeface="Cambria Math"/>
+                          <a:ea typeface="Cambria Math"/>
+                        </a:rPr>
+                        <m:t>𝜃</m:t>
+                      </m:r>
+                      <m:r>
+                        <a:rPr lang="de-DE" sz="3200" b="0" i="1" smtClean="0">
+                          <a:latin typeface="Cambria Math"/>
+                          <a:ea typeface="Cambria Math"/>
+                        </a:rPr>
+                        <m:t>;</m:t>
+                      </m:r>
+                      <m:sSub>
+                        <m:sSubPr>
+                          <m:ctrlPr>
+                            <a:rPr lang="de-DE" sz="3200" b="0" i="1" smtClean="0">
+                              <a:latin typeface="Cambria Math"/>
+                              <a:ea typeface="Cambria Math"/>
+                            </a:rPr>
+                          </m:ctrlPr>
+                        </m:sSubPr>
+                        <m:e>
+                          <m:r>
+                            <a:rPr lang="de-DE" sz="3200" b="0" i="1" smtClean="0">
+                              <a:latin typeface="Cambria Math"/>
+                              <a:ea typeface="Cambria Math"/>
+                            </a:rPr>
+                            <m:t>𝑌</m:t>
+                          </m:r>
+                        </m:e>
+                        <m:sub>
+                          <m:r>
+                            <a:rPr lang="de-DE" sz="3200" b="0" i="1" smtClean="0">
+                              <a:latin typeface="Cambria Math"/>
+                              <a:ea typeface="Cambria Math"/>
+                            </a:rPr>
+                            <m:t>𝑜𝑏𝑠</m:t>
+                          </m:r>
+                        </m:sub>
+                      </m:sSub>
+                      <m:r>
+                        <a:rPr lang="de-DE" sz="3200" b="0" i="1" smtClean="0">
+                          <a:latin typeface="Cambria Math"/>
+                          <a:ea typeface="Cambria Math"/>
+                        </a:rPr>
+                        <m:t>,</m:t>
+                      </m:r>
+                      <m:sSub>
+                        <m:sSubPr>
+                          <m:ctrlPr>
+                            <a:rPr lang="de-DE" sz="3200" b="0" i="1" smtClean="0">
+                              <a:latin typeface="Cambria Math"/>
+                              <a:ea typeface="Cambria Math"/>
+                            </a:rPr>
+                          </m:ctrlPr>
+                        </m:sSubPr>
+                        <m:e>
+                          <m:r>
+                            <a:rPr lang="de-DE" sz="3200" b="0" i="1" smtClean="0">
+                              <a:latin typeface="Cambria Math"/>
+                              <a:ea typeface="Cambria Math"/>
+                            </a:rPr>
+                            <m:t>𝑌</m:t>
+                          </m:r>
+                        </m:e>
+                        <m:sub>
+                          <m:r>
+                            <a:rPr lang="de-DE" sz="3200" b="0" i="1" smtClean="0">
+                              <a:latin typeface="Cambria Math"/>
+                              <a:ea typeface="Cambria Math"/>
+                            </a:rPr>
+                            <m:t>𝑚𝑖𝑠</m:t>
+                          </m:r>
+                        </m:sub>
+                      </m:sSub>
+                      <m:r>
+                        <a:rPr lang="de-DE" sz="3200" b="0" i="1" smtClean="0">
+                          <a:latin typeface="Cambria Math"/>
+                          <a:ea typeface="Cambria Math"/>
+                        </a:rPr>
+                        <m:t>)]</m:t>
+                      </m:r>
+                    </m:oMath>
+                  </m:oMathPara>
+                </a14:m>
+                <a:endParaRPr lang="en-GB" sz="3200" dirty="0" smtClean="0"/>
+              </a:p>
+              <a:p>
+                <a:pPr marL="285750" indent="-285750">
+                  <a:spcAft>
+                    <a:spcPts val="1200"/>
+                  </a:spcAft>
+                  <a:buFont typeface="Arial" pitchFamily="34" charset="0"/>
+                  <a:buChar char="•"/>
+                </a:pPr>
+                <a:r>
+                  <a:rPr lang="en-GB" sz="3200" dirty="0" smtClean="0"/>
+                  <a:t>M-step</a:t>
+                </a:r>
+                <a:r>
+                  <a:rPr lang="en-GB" sz="3200" dirty="0"/>
+                  <a:t> </a:t>
+                </a:r>
+                <a:r>
+                  <a:rPr lang="en-GB" sz="3200" dirty="0" smtClean="0"/>
+                  <a:t>updates the parameter vector </a:t>
+                </a:r>
+                <a14:m>
+                  <m:oMath xmlns:m="http://schemas.openxmlformats.org/officeDocument/2006/math">
+                    <m:r>
+                      <a:rPr lang="de-DE" sz="3200" i="1">
+                        <a:latin typeface="Cambria Math"/>
+                        <a:ea typeface="Cambria Math"/>
+                      </a:rPr>
+                      <m:t>𝜃</m:t>
+                    </m:r>
+                  </m:oMath>
+                </a14:m>
+                <a:r>
+                  <a:rPr lang="en-GB" sz="3200" dirty="0" smtClean="0"/>
+                  <a:t> by</a:t>
+                </a:r>
+              </a:p>
+              <a:p>
+                <a:pPr>
+                  <a:spcAft>
+                    <a:spcPts val="1200"/>
+                  </a:spcAft>
+                </a:pPr>
+                <a14:m>
+                  <m:oMathPara xmlns:m="http://schemas.openxmlformats.org/officeDocument/2006/math">
+                    <m:oMathParaPr>
+                      <m:jc m:val="centerGroup"/>
+                    </m:oMathParaPr>
+                    <m:oMath xmlns:m="http://schemas.openxmlformats.org/officeDocument/2006/math">
+                      <m:func>
+                        <m:funcPr>
+                          <m:ctrlPr>
+                            <a:rPr lang="de-DE" sz="3200" i="1">
+                              <a:latin typeface="Cambria Math"/>
+                            </a:rPr>
+                          </m:ctrlPr>
+                        </m:funcPr>
+                        <m:fName>
+                          <m:sSup>
+                            <m:sSupPr>
+                              <m:ctrlPr>
+                                <a:rPr lang="de-DE" sz="3200" i="1">
+                                  <a:latin typeface="Cambria Math"/>
+                                </a:rPr>
+                              </m:ctrlPr>
+                            </m:sSupPr>
+                            <m:e>
+                              <m:r>
+                                <a:rPr lang="de-DE" sz="3200" i="1">
+                                  <a:latin typeface="Cambria Math"/>
+                                  <a:ea typeface="Cambria Math"/>
+                                </a:rPr>
+                                <m:t>𝜃</m:t>
+                              </m:r>
+                            </m:e>
+                            <m:sup>
+                              <m:r>
+                                <a:rPr lang="de-DE" sz="3200" i="1">
+                                  <a:latin typeface="Cambria Math"/>
+                                </a:rPr>
+                                <m:t>(</m:t>
+                              </m:r>
+                              <m:r>
+                                <a:rPr lang="de-DE" sz="3200" i="1">
+                                  <a:latin typeface="Cambria Math"/>
+                                </a:rPr>
+                                <m:t>𝑡</m:t>
+                              </m:r>
+                              <m:r>
+                                <a:rPr lang="de-DE" sz="3200" i="1">
+                                  <a:latin typeface="Cambria Math"/>
+                                </a:rPr>
+                                <m:t>+1)</m:t>
+                              </m:r>
+                            </m:sup>
+                          </m:sSup>
+                          <m:r>
+                            <a:rPr lang="de-DE" sz="3200" i="1">
+                              <a:latin typeface="Cambria Math"/>
+                            </a:rPr>
+                            <m:t>=</m:t>
+                          </m:r>
+                        </m:fName>
+                        <m:e>
+                          <m:r>
+                            <a:rPr lang="de-DE" sz="3200" i="1">
+                              <a:latin typeface="Cambria Math"/>
+                            </a:rPr>
+                            <m:t>𝑄</m:t>
+                          </m:r>
+                          <m:d>
+                            <m:dPr>
+                              <m:ctrlPr>
+                                <a:rPr lang="de-DE" sz="3200" i="1">
+                                  <a:latin typeface="Cambria Math"/>
+                                </a:rPr>
+                              </m:ctrlPr>
+                            </m:dPr>
+                            <m:e>
+                              <m:r>
+                                <a:rPr lang="de-DE" sz="3200" i="1">
+                                  <a:latin typeface="Cambria Math"/>
+                                  <a:ea typeface="Cambria Math"/>
+                                </a:rPr>
+                                <m:t>𝜃</m:t>
+                              </m:r>
+                            </m:e>
+                            <m:e>
+                              <m:sSup>
+                                <m:sSupPr>
+                                  <m:ctrlPr>
+                                    <a:rPr lang="de-DE" sz="3200" i="1">
+                                      <a:latin typeface="Cambria Math"/>
+                                      <a:ea typeface="Cambria Math"/>
+                                    </a:rPr>
+                                  </m:ctrlPr>
+                                </m:sSupPr>
+                                <m:e>
+                                  <m:r>
+                                    <a:rPr lang="de-DE" sz="3200" i="1">
+                                      <a:latin typeface="Cambria Math"/>
+                                      <a:ea typeface="Cambria Math"/>
+                                    </a:rPr>
+                                    <m:t>𝜃</m:t>
+                                  </m:r>
+                                </m:e>
+                                <m:sup>
+                                  <m:r>
+                                    <a:rPr lang="de-DE" sz="3200" i="1">
+                                      <a:latin typeface="Cambria Math"/>
+                                      <a:ea typeface="Cambria Math"/>
+                                    </a:rPr>
+                                    <m:t>(</m:t>
+                                  </m:r>
+                                  <m:r>
+                                    <a:rPr lang="de-DE" sz="3200" i="1">
+                                      <a:latin typeface="Cambria Math"/>
+                                      <a:ea typeface="Cambria Math"/>
+                                    </a:rPr>
+                                    <m:t>𝑡</m:t>
+                                  </m:r>
+                                  <m:r>
+                                    <a:rPr lang="de-DE" sz="3200" i="1">
+                                      <a:latin typeface="Cambria Math"/>
+                                      <a:ea typeface="Cambria Math"/>
+                                    </a:rPr>
+                                    <m:t>)</m:t>
+                                  </m:r>
+                                </m:sup>
+                              </m:sSup>
+                            </m:e>
+                          </m:d>
+                        </m:e>
+                      </m:func>
+                    </m:oMath>
+                  </m:oMathPara>
+                </a14:m>
+                <a:endParaRPr lang="en-GB" sz="3200" dirty="0" smtClean="0"/>
+              </a:p>
+              <a:p>
+                <a:pPr marL="285750" indent="-285750">
+                  <a:spcAft>
+                    <a:spcPts val="1200"/>
+                  </a:spcAft>
+                  <a:buFont typeface="Arial" pitchFamily="34" charset="0"/>
+                  <a:buChar char="•"/>
+                </a:pPr>
+                <a:r>
+                  <a:rPr lang="en-GB" sz="3200" dirty="0" smtClean="0"/>
+                  <a:t>Iteration between E-step and M-step until stopping criterion is met</a:t>
+                </a:r>
+              </a:p>
+              <a:p>
+                <a:pPr marL="285750" indent="-285750">
+                  <a:spcAft>
+                    <a:spcPts val="1200"/>
+                  </a:spcAft>
+                  <a:buFont typeface="Arial" pitchFamily="34" charset="0"/>
+                  <a:buChar char="•"/>
+                </a:pPr>
+                <a:r>
+                  <a:rPr lang="en-GB" sz="3200" dirty="0" smtClean="0"/>
+                  <a:t>ADVANTAGES EVTL. NOCH AUFLISTEN</a:t>
+                </a:r>
+              </a:p>
+              <a:p>
+                <a:pPr marL="285750" indent="-285750">
+                  <a:spcAft>
+                    <a:spcPts val="1200"/>
+                  </a:spcAft>
+                  <a:buFont typeface="Arial" pitchFamily="34" charset="0"/>
+                  <a:buChar char="•"/>
+                </a:pPr>
+                <a:endParaRPr lang="en-GB" sz="3200" dirty="0" smtClean="0"/>
+              </a:p>
+              <a:p>
+                <a:pPr marL="285750" indent="-285750">
+                  <a:spcAft>
+                    <a:spcPts val="1200"/>
+                  </a:spcAft>
+                  <a:buFont typeface="Arial" pitchFamily="34" charset="0"/>
+                  <a:buChar char="•"/>
+                </a:pPr>
+                <a:endParaRPr lang="en-GB" sz="2800" dirty="0"/>
+              </a:p>
+            </p:txBody>
+          </p:sp>
+        </mc:Choice>
+        <mc:Fallback>
+          <p:sp>
+            <p:nvSpPr>
+              <p:cNvPr id="91" name="Textfeld 90"/>
+              <p:cNvSpPr txBox="1">
+                <a:spLocks noRot="1" noChangeAspect="1" noMove="1" noResize="1" noEditPoints="1" noAdjustHandles="1" noChangeArrowheads="1" noChangeShapeType="1" noTextEdit="1"/>
+              </p:cNvSpPr>
+              <p:nvPr/>
+            </p:nvSpPr>
+            <p:spPr>
+              <a:xfrm>
+                <a:off x="1233714" y="16202198"/>
+                <a:ext cx="9344944" cy="9150197"/>
+              </a:xfrm>
+              <a:prstGeom prst="rect">
+                <a:avLst/>
+              </a:prstGeom>
+              <a:blipFill rotWithShape="1">
+                <a:blip r:embed="rId4"/>
+                <a:stretch>
+                  <a:fillRect l="-1435" t="-866"/>
+                </a:stretch>
+              </a:blipFill>
+            </p:spPr>
+            <p:txBody>
+              <a:bodyPr/>
+              <a:lstStyle/>
+              <a:p>
+                <a:r>
+                  <a:rPr lang="de-DE">
+                    <a:noFill/>
+                  </a:rPr>
+                  <a:t> </a:t>
+                </a:r>
+              </a:p>
+            </p:txBody>
+          </p:sp>
+        </mc:Fallback>
+      </mc:AlternateContent>
+      <p:sp>
+        <p:nvSpPr>
+          <p:cNvPr id="93" name="Rechteck 92"/>
+          <p:cNvSpPr/>
+          <p:nvPr/>
+        </p:nvSpPr>
+        <p:spPr>
+          <a:xfrm>
+            <a:off x="11532520" y="5815536"/>
+            <a:ext cx="9344943" cy="8865664"/>
+          </a:xfrm>
+          <a:prstGeom prst="rect">
+            <a:avLst/>
+          </a:prstGeom>
+          <a:noFill/>
+          <a:ln w="76200" cmpd="sng">
+            <a:solidFill>
+              <a:srgbClr val="4F81BD"/>
+            </a:solidFill>
+          </a:ln>
+          <a:effectLst/>
+        </p:spPr>
+        <p:style>
+          <a:lnRef idx="1">
+            <a:schemeClr val="accent1"/>
+          </a:lnRef>
+          <a:fillRef idx="3">
+            <a:schemeClr val="accent1"/>
+          </a:fillRef>
+          <a:effectRef idx="2">
+            <a:schemeClr val="accent1"/>
+          </a:effectRef>
+          <a:fontRef idx="minor">
+            <a:schemeClr val="lt1"/>
+          </a:fontRef>
+        </p:style>
+        <p:txBody>
+          <a:bodyPr rtlCol="0" anchor="ctr"/>
+          <a:lstStyle/>
+          <a:p>
+            <a:pPr algn="just"/>
+            <a:endParaRPr lang="en-US" sz="1273" dirty="0">
+              <a:latin typeface="Arial" panose="020B0604020202020204" pitchFamily="34" charset="0"/>
+              <a:cs typeface="Arial" panose="020B0604020202020204" pitchFamily="34" charset="0"/>
             </a:endParaRPr>
+          </a:p>
+        </p:txBody>
+      </p:sp>
+      <p:sp>
+        <p:nvSpPr>
+          <p:cNvPr id="95" name="Rechteck 94"/>
+          <p:cNvSpPr/>
+          <p:nvPr/>
+        </p:nvSpPr>
+        <p:spPr>
+          <a:xfrm>
+            <a:off x="32178497" y="5215458"/>
+            <a:ext cx="9344943" cy="14596542"/>
+          </a:xfrm>
+          <a:prstGeom prst="rect">
+            <a:avLst/>
+          </a:prstGeom>
+          <a:noFill/>
+          <a:ln w="76200" cmpd="sng">
+            <a:solidFill>
+              <a:srgbClr val="4F81BD"/>
+            </a:solidFill>
+          </a:ln>
+          <a:effectLst/>
+        </p:spPr>
+        <p:style>
+          <a:lnRef idx="1">
+            <a:schemeClr val="accent1"/>
+          </a:lnRef>
+          <a:fillRef idx="3">
+            <a:schemeClr val="accent1"/>
+          </a:fillRef>
+          <a:effectRef idx="2">
+            <a:schemeClr val="accent1"/>
+          </a:effectRef>
+          <a:fontRef idx="minor">
+            <a:schemeClr val="lt1"/>
+          </a:fontRef>
+        </p:style>
+        <p:txBody>
+          <a:bodyPr rtlCol="0" anchor="ctr"/>
+          <a:lstStyle/>
+          <a:p>
+            <a:pPr algn="just"/>
+            <a:endParaRPr lang="en-US" sz="1273" dirty="0">
+              <a:latin typeface="Arial" panose="020B0604020202020204" pitchFamily="34" charset="0"/>
+              <a:cs typeface="Arial" panose="020B0604020202020204" pitchFamily="34" charset="0"/>
+            </a:endParaRPr>
+          </a:p>
+        </p:txBody>
+      </p:sp>
+      <p:sp>
+        <p:nvSpPr>
+          <p:cNvPr id="97" name="Rechteck 96"/>
+          <p:cNvSpPr/>
+          <p:nvPr/>
+        </p:nvSpPr>
+        <p:spPr>
+          <a:xfrm>
+            <a:off x="21849227" y="5815531"/>
+            <a:ext cx="9344943" cy="19536863"/>
+          </a:xfrm>
+          <a:prstGeom prst="rect">
+            <a:avLst/>
+          </a:prstGeom>
+          <a:noFill/>
+          <a:ln w="76200" cmpd="sng">
+            <a:solidFill>
+              <a:srgbClr val="4F81BD"/>
+            </a:solidFill>
+          </a:ln>
+          <a:effectLst/>
+        </p:spPr>
+        <p:style>
+          <a:lnRef idx="1">
+            <a:schemeClr val="accent1"/>
+          </a:lnRef>
+          <a:fillRef idx="3">
+            <a:schemeClr val="accent1"/>
+          </a:fillRef>
+          <a:effectRef idx="2">
+            <a:schemeClr val="accent1"/>
+          </a:effectRef>
+          <a:fontRef idx="minor">
+            <a:schemeClr val="lt1"/>
+          </a:fontRef>
+        </p:style>
+        <p:txBody>
+          <a:bodyPr rtlCol="0" anchor="ctr"/>
+          <a:lstStyle/>
+          <a:p>
+            <a:pPr algn="just"/>
+            <a:endParaRPr lang="en-US" sz="1273" dirty="0">
+              <a:latin typeface="Arial" panose="020B0604020202020204" pitchFamily="34" charset="0"/>
+              <a:cs typeface="Arial" panose="020B0604020202020204" pitchFamily="34" charset="0"/>
+            </a:endParaRPr>
+          </a:p>
+        </p:txBody>
+      </p:sp>
+      <p:sp>
+        <p:nvSpPr>
+          <p:cNvPr id="100" name="Textfeld 99"/>
+          <p:cNvSpPr txBox="1"/>
+          <p:nvPr/>
+        </p:nvSpPr>
+        <p:spPr>
+          <a:xfrm>
+            <a:off x="11532519" y="5908821"/>
+            <a:ext cx="8959430" cy="636649"/>
+          </a:xfrm>
+          <a:prstGeom prst="rect">
+            <a:avLst/>
+          </a:prstGeom>
+          <a:noFill/>
+          <a:ln w="12700" cmpd="sng">
+            <a:noFill/>
+          </a:ln>
+        </p:spPr>
+        <p:txBody>
+          <a:bodyPr wrap="square" rtlCol="0">
+            <a:spAutoFit/>
+          </a:bodyPr>
+          <a:lstStyle/>
+          <a:p>
+            <a:pPr algn="just"/>
+            <a:r>
+              <a:rPr lang="en-US" sz="3537" b="1" dirty="0" smtClean="0">
+                <a:solidFill>
+                  <a:srgbClr val="DCE6F2"/>
+                </a:solidFill>
+                <a:latin typeface="Arial" panose="020B0604020202020204" pitchFamily="34" charset="0"/>
+                <a:cs typeface="Arial" panose="020B0604020202020204" pitchFamily="34" charset="0"/>
+              </a:rPr>
+              <a:t>3. Supplemented EM algorithm</a:t>
+            </a:r>
+            <a:endParaRPr lang="en-US" sz="2829" dirty="0">
+              <a:solidFill>
+                <a:srgbClr val="000000"/>
+              </a:solidFill>
+              <a:latin typeface="Arial" panose="020B0604020202020204" pitchFamily="34" charset="0"/>
+              <a:cs typeface="Arial" panose="020B0604020202020204" pitchFamily="34" charset="0"/>
+            </a:endParaRPr>
+          </a:p>
+        </p:txBody>
+      </p:sp>
+      <p:sp>
+        <p:nvSpPr>
+          <p:cNvPr id="102" name="Textfeld 101"/>
+          <p:cNvSpPr txBox="1"/>
+          <p:nvPr/>
+        </p:nvSpPr>
+        <p:spPr>
+          <a:xfrm>
+            <a:off x="21876104" y="5908821"/>
+            <a:ext cx="8959430" cy="636648"/>
+          </a:xfrm>
+          <a:prstGeom prst="rect">
+            <a:avLst/>
+          </a:prstGeom>
+          <a:noFill/>
+          <a:ln w="12700" cmpd="sng">
+            <a:noFill/>
+          </a:ln>
+        </p:spPr>
+        <p:txBody>
+          <a:bodyPr wrap="square" rtlCol="0">
+            <a:spAutoFit/>
+          </a:bodyPr>
+          <a:lstStyle/>
+          <a:p>
+            <a:pPr algn="just"/>
+            <a:r>
+              <a:rPr lang="en-US" sz="3537" b="1" dirty="0" smtClean="0">
+                <a:solidFill>
+                  <a:srgbClr val="DCE6F2"/>
+                </a:solidFill>
+                <a:latin typeface="Arial" panose="020B0604020202020204" pitchFamily="34" charset="0"/>
+                <a:cs typeface="Arial" panose="020B0604020202020204" pitchFamily="34" charset="0"/>
+              </a:rPr>
+              <a:t>5. Results</a:t>
+            </a:r>
+            <a:endParaRPr lang="en-US" sz="2829" dirty="0">
+              <a:solidFill>
+                <a:srgbClr val="000000"/>
+              </a:solidFill>
+              <a:latin typeface="Arial" panose="020B0604020202020204" pitchFamily="34" charset="0"/>
+              <a:cs typeface="Arial" panose="020B0604020202020204" pitchFamily="34" charset="0"/>
+            </a:endParaRPr>
+          </a:p>
+        </p:txBody>
+      </p:sp>
+      <p:sp>
+        <p:nvSpPr>
+          <p:cNvPr id="104" name="Textfeld 103"/>
+          <p:cNvSpPr txBox="1"/>
+          <p:nvPr/>
+        </p:nvSpPr>
+        <p:spPr>
+          <a:xfrm>
+            <a:off x="32178494" y="5908821"/>
+            <a:ext cx="8959430" cy="636648"/>
+          </a:xfrm>
+          <a:prstGeom prst="rect">
+            <a:avLst/>
+          </a:prstGeom>
+          <a:noFill/>
+          <a:ln w="12700" cmpd="sng">
+            <a:noFill/>
+          </a:ln>
+        </p:spPr>
+        <p:txBody>
+          <a:bodyPr wrap="square" rtlCol="0">
+            <a:spAutoFit/>
+          </a:bodyPr>
+          <a:lstStyle/>
+          <a:p>
+            <a:pPr algn="just"/>
+            <a:r>
+              <a:rPr lang="en-US" sz="3537" b="1" dirty="0" smtClean="0">
+                <a:solidFill>
+                  <a:srgbClr val="DCE6F2"/>
+                </a:solidFill>
+                <a:latin typeface="Arial" panose="020B0604020202020204" pitchFamily="34" charset="0"/>
+                <a:cs typeface="Arial" panose="020B0604020202020204" pitchFamily="34" charset="0"/>
+              </a:rPr>
+              <a:t>6. Discussion</a:t>
+            </a:r>
+            <a:endParaRPr lang="en-US" sz="2829" dirty="0">
+              <a:solidFill>
+                <a:srgbClr val="000000"/>
+              </a:solidFill>
+              <a:latin typeface="Arial" panose="020B0604020202020204" pitchFamily="34" charset="0"/>
+              <a:cs typeface="Arial" panose="020B0604020202020204" pitchFamily="34" charset="0"/>
+            </a:endParaRPr>
+          </a:p>
+        </p:txBody>
+      </p:sp>
+      <mc:AlternateContent xmlns:mc="http://schemas.openxmlformats.org/markup-compatibility/2006">
+        <mc:Choice xmlns:a14="http://schemas.microsoft.com/office/drawing/2010/main" Requires="a14">
+          <p:sp>
+            <p:nvSpPr>
+              <p:cNvPr id="105" name="Textfeld 104"/>
+              <p:cNvSpPr txBox="1"/>
+              <p:nvPr/>
+            </p:nvSpPr>
+            <p:spPr>
+              <a:xfrm>
+                <a:off x="11596727" y="6697869"/>
+                <a:ext cx="9344942" cy="8181535"/>
+              </a:xfrm>
+              <a:prstGeom prst="rect">
+                <a:avLst/>
+              </a:prstGeom>
+              <a:noFill/>
+            </p:spPr>
+            <p:txBody>
+              <a:bodyPr wrap="square" rtlCol="0">
+                <a:spAutoFit/>
+              </a:bodyPr>
+              <a:lstStyle/>
+              <a:p>
+                <a:pPr marL="285750" indent="-285750">
+                  <a:spcAft>
+                    <a:spcPts val="1200"/>
+                  </a:spcAft>
+                  <a:buFont typeface="Arial" pitchFamily="34" charset="0"/>
+                  <a:buChar char="•"/>
+                </a:pPr>
+                <a:r>
+                  <a:rPr lang="en-GB" sz="3200" dirty="0" smtClean="0"/>
+                  <a:t>Calculates numerically stable asymptotic variance-covariance matrix for parameters estimated by EM</a:t>
+                </a:r>
+              </a:p>
+              <a:p>
+                <a:pPr marL="285750" indent="-285750">
+                  <a:spcAft>
+                    <a:spcPts val="1200"/>
+                  </a:spcAft>
+                  <a:buFont typeface="Arial" pitchFamily="34" charset="0"/>
+                  <a:buChar char="•"/>
+                </a:pPr>
+                <a:r>
+                  <a:rPr lang="en-GB" sz="3200" dirty="0" smtClean="0"/>
+                  <a:t>Calculation of this matrix V is done in three steps</a:t>
+                </a:r>
+              </a:p>
+              <a:p>
+                <a:pPr marL="285750" indent="-285750">
+                  <a:spcAft>
+                    <a:spcPts val="1200"/>
+                  </a:spcAft>
+                  <a:buFont typeface="Arial" pitchFamily="34" charset="0"/>
+                  <a:buChar char="•"/>
+                </a:pPr>
+                <a:r>
+                  <a:rPr lang="en-GB" sz="3200" dirty="0" smtClean="0"/>
+                  <a:t>Step 1: Evaluation of adjusted information matrix </a:t>
+                </a:r>
+                <a14:m>
+                  <m:oMath xmlns:m="http://schemas.openxmlformats.org/officeDocument/2006/math">
+                    <m:sSub>
+                      <m:sSubPr>
+                        <m:ctrlPr>
+                          <a:rPr lang="en-GB" sz="3200" i="1" smtClean="0">
+                            <a:latin typeface="Cambria Math"/>
+                          </a:rPr>
+                        </m:ctrlPr>
+                      </m:sSubPr>
+                      <m:e>
+                        <m:r>
+                          <a:rPr lang="de-DE" sz="3200" b="0" i="1" smtClean="0">
+                            <a:latin typeface="Cambria Math"/>
+                          </a:rPr>
+                          <m:t>𝐼</m:t>
+                        </m:r>
+                      </m:e>
+                      <m:sub>
+                        <m:r>
+                          <a:rPr lang="de-DE" sz="3200" b="0" i="1" smtClean="0">
+                            <a:latin typeface="Cambria Math"/>
+                          </a:rPr>
+                          <m:t>𝑜𝑐</m:t>
+                        </m:r>
+                      </m:sub>
+                    </m:sSub>
+                  </m:oMath>
+                </a14:m>
+                <a:r>
+                  <a:rPr lang="en-GB" sz="3200" dirty="0" smtClean="0"/>
+                  <a:t>, which is obtained from the complete-data observed information matrix by</a:t>
+                </a:r>
+              </a:p>
+              <a:p>
+                <a:pPr algn="ctr">
+                  <a:spcAft>
+                    <a:spcPts val="1200"/>
+                  </a:spcAft>
+                </a:pPr>
+                <a:r>
+                  <a:rPr lang="en-GB" sz="3200" dirty="0" smtClean="0"/>
+                  <a:t> </a:t>
+                </a:r>
+                <a14:m>
+                  <m:oMath xmlns:m="http://schemas.openxmlformats.org/officeDocument/2006/math">
+                    <m:sSub>
+                      <m:sSubPr>
+                        <m:ctrlPr>
+                          <a:rPr lang="en-GB" sz="3200" i="1" dirty="0" smtClean="0">
+                            <a:latin typeface="Cambria Math"/>
+                          </a:rPr>
+                        </m:ctrlPr>
+                      </m:sSubPr>
+                      <m:e>
+                        <m:r>
+                          <a:rPr lang="de-DE" sz="3200" b="0" i="1" dirty="0" smtClean="0">
+                            <a:latin typeface="Cambria Math"/>
+                          </a:rPr>
+                          <m:t>𝐼</m:t>
+                        </m:r>
+                      </m:e>
+                      <m:sub>
+                        <m:r>
+                          <a:rPr lang="de-DE" sz="3200" b="0" i="1" dirty="0" smtClean="0">
+                            <a:latin typeface="Cambria Math"/>
+                          </a:rPr>
+                          <m:t>𝑜𝑐</m:t>
+                        </m:r>
+                      </m:sub>
+                    </m:sSub>
+                    <m:r>
+                      <a:rPr lang="en-GB" sz="3200" i="1" dirty="0">
+                        <a:latin typeface="Cambria Math"/>
+                      </a:rPr>
+                      <m:t>= </m:t>
+                    </m:r>
+                    <m:sSub>
+                      <m:sSubPr>
+                        <m:ctrlPr>
+                          <a:rPr lang="en-GB" sz="3200" i="1" dirty="0" smtClean="0">
+                            <a:latin typeface="Cambria Math"/>
+                          </a:rPr>
+                        </m:ctrlPr>
+                      </m:sSubPr>
+                      <m:e>
+                        <m:r>
+                          <a:rPr lang="de-DE" sz="3200" b="0" i="1" dirty="0" smtClean="0">
+                            <a:latin typeface="Cambria Math"/>
+                          </a:rPr>
+                          <m:t>𝐼</m:t>
+                        </m:r>
+                      </m:e>
+                      <m:sub>
+                        <m:r>
+                          <a:rPr lang="de-DE" sz="3200" b="0" i="1" dirty="0" smtClean="0">
+                            <a:latin typeface="Cambria Math"/>
+                          </a:rPr>
+                          <m:t>𝑜</m:t>
+                        </m:r>
+                      </m:sub>
+                    </m:sSub>
+                    <m:d>
+                      <m:dPr>
+                        <m:ctrlPr>
+                          <a:rPr lang="en-GB" sz="3200" i="1" dirty="0" smtClean="0">
+                            <a:latin typeface="Cambria Math"/>
+                          </a:rPr>
+                        </m:ctrlPr>
+                      </m:dPr>
+                      <m:e>
+                        <m:sSup>
+                          <m:sSupPr>
+                            <m:ctrlPr>
+                              <a:rPr lang="el-GR" sz="3200" i="1" dirty="0" smtClean="0">
+                                <a:latin typeface="Cambria Math"/>
+                                <a:ea typeface="Cambria Math"/>
+                              </a:rPr>
+                            </m:ctrlPr>
+                          </m:sSupPr>
+                          <m:e>
+                            <m:r>
+                              <a:rPr lang="el-GR" sz="3200" i="1" dirty="0">
+                                <a:latin typeface="Cambria Math"/>
+                                <a:ea typeface="Cambria Math"/>
+                              </a:rPr>
+                              <m:t>𝜃</m:t>
+                            </m:r>
+                          </m:e>
+                          <m:sup>
+                            <m:r>
+                              <a:rPr lang="de-DE" sz="3200" b="0" i="1" dirty="0" smtClean="0">
+                                <a:latin typeface="Cambria Math"/>
+                                <a:ea typeface="Cambria Math"/>
+                              </a:rPr>
+                              <m:t>∗</m:t>
+                            </m:r>
+                          </m:sup>
+                        </m:sSup>
+                      </m:e>
+                      <m:e>
+                        <m:sSup>
+                          <m:sSupPr>
+                            <m:ctrlPr>
+                              <a:rPr lang="el-GR" sz="3200" i="1" dirty="0" smtClean="0">
+                                <a:latin typeface="Cambria Math"/>
+                              </a:rPr>
+                            </m:ctrlPr>
+                          </m:sSupPr>
+                          <m:e>
+                            <m:r>
+                              <a:rPr lang="de-DE" sz="3200" b="0" i="1" dirty="0" smtClean="0">
+                                <a:latin typeface="Cambria Math"/>
+                              </a:rPr>
+                              <m:t>𝑆</m:t>
+                            </m:r>
+                          </m:e>
+                          <m:sup>
+                            <m:r>
+                              <a:rPr lang="de-DE" sz="3200" b="0" i="1" dirty="0" smtClean="0">
+                                <a:latin typeface="Cambria Math"/>
+                              </a:rPr>
+                              <m:t>∗</m:t>
+                            </m:r>
+                          </m:sup>
+                        </m:sSup>
+                        <m:d>
+                          <m:dPr>
+                            <m:ctrlPr>
+                              <a:rPr lang="en-GB" sz="3200" i="1" dirty="0" smtClean="0">
+                                <a:latin typeface="Cambria Math"/>
+                              </a:rPr>
+                            </m:ctrlPr>
+                          </m:dPr>
+                          <m:e>
+                            <m:sSub>
+                              <m:sSubPr>
+                                <m:ctrlPr>
+                                  <a:rPr lang="en-GB" sz="3200" i="1" dirty="0" smtClean="0">
+                                    <a:latin typeface="Cambria Math"/>
+                                  </a:rPr>
+                                </m:ctrlPr>
+                              </m:sSubPr>
+                              <m:e>
+                                <m:r>
+                                  <a:rPr lang="de-DE" sz="3200" b="0" i="1" dirty="0" smtClean="0">
+                                    <a:latin typeface="Cambria Math"/>
+                                  </a:rPr>
+                                  <m:t>𝑌</m:t>
+                                </m:r>
+                              </m:e>
+                              <m:sub>
+                                <m:r>
+                                  <a:rPr lang="de-DE" sz="3200" b="0" i="1" dirty="0" smtClean="0">
+                                    <a:latin typeface="Cambria Math"/>
+                                  </a:rPr>
+                                  <m:t>𝑜𝑏𝑠</m:t>
+                                </m:r>
+                              </m:sub>
+                            </m:sSub>
+                          </m:e>
+                        </m:d>
+                      </m:e>
+                    </m:d>
+                    <m:r>
+                      <a:rPr lang="de-DE" sz="3200" b="0" i="1" dirty="0" smtClean="0">
+                        <a:latin typeface="Cambria Math"/>
+                      </a:rPr>
+                      <m:t>,</m:t>
+                    </m:r>
+                    <m:r>
+                      <a:rPr lang="de-DE" sz="3200" i="1" dirty="0">
+                        <a:latin typeface="Cambria Math"/>
+                      </a:rPr>
+                      <m:t>𝑤h𝑒𝑟𝑒</m:t>
+                    </m:r>
+                    <m:r>
+                      <a:rPr lang="de-DE" sz="3200" b="0" i="1" dirty="0" smtClean="0">
+                        <a:latin typeface="Cambria Math"/>
+                      </a:rPr>
+                      <m:t> </m:t>
+                    </m:r>
+                    <m:sSup>
+                      <m:sSupPr>
+                        <m:ctrlPr>
+                          <a:rPr lang="de-DE" sz="3200" b="0" i="1" dirty="0" smtClean="0">
+                            <a:latin typeface="Cambria Math"/>
+                          </a:rPr>
+                        </m:ctrlPr>
+                      </m:sSupPr>
+                      <m:e>
+                        <m:r>
+                          <a:rPr lang="de-DE" sz="3200" b="0" i="1" dirty="0" smtClean="0">
+                            <a:latin typeface="Cambria Math"/>
+                          </a:rPr>
+                          <m:t>𝑆</m:t>
+                        </m:r>
+                      </m:e>
+                      <m:sup>
+                        <m:r>
+                          <a:rPr lang="de-DE" sz="3200" b="0" i="1" dirty="0" smtClean="0">
+                            <a:latin typeface="Cambria Math"/>
+                          </a:rPr>
+                          <m:t>∗</m:t>
+                        </m:r>
+                      </m:sup>
+                    </m:sSup>
+                    <m:r>
+                      <a:rPr lang="de-DE" sz="3200" b="0" i="1" dirty="0" smtClean="0">
+                        <a:latin typeface="Cambria Math"/>
+                      </a:rPr>
+                      <m:t>=</m:t>
+                    </m:r>
+                    <m:r>
+                      <a:rPr lang="de-DE" sz="3200" b="0" i="1" dirty="0" smtClean="0">
+                        <a:latin typeface="Cambria Math"/>
+                      </a:rPr>
+                      <m:t>𝐸</m:t>
+                    </m:r>
+                    <m:d>
+                      <m:dPr>
+                        <m:begChr m:val="["/>
+                        <m:endChr m:val="]"/>
+                        <m:ctrlPr>
+                          <a:rPr lang="de-DE" sz="3200" b="0" i="1" dirty="0" smtClean="0">
+                            <a:latin typeface="Cambria Math"/>
+                          </a:rPr>
+                        </m:ctrlPr>
+                      </m:dPr>
+                      <m:e>
+                        <m:r>
+                          <a:rPr lang="de-DE" sz="3200" b="0" i="1" dirty="0" smtClean="0">
+                            <a:latin typeface="Cambria Math"/>
+                          </a:rPr>
+                          <m:t>𝑆</m:t>
+                        </m:r>
+                        <m:d>
+                          <m:dPr>
+                            <m:ctrlPr>
+                              <a:rPr lang="de-DE" sz="3200" b="0" i="1" dirty="0" smtClean="0">
+                                <a:latin typeface="Cambria Math"/>
+                              </a:rPr>
+                            </m:ctrlPr>
+                          </m:dPr>
+                          <m:e>
+                            <m:r>
+                              <a:rPr lang="de-DE" sz="3200" b="0" i="1" dirty="0" smtClean="0">
+                                <a:latin typeface="Cambria Math"/>
+                              </a:rPr>
+                              <m:t>𝑌</m:t>
+                            </m:r>
+                          </m:e>
+                        </m:d>
+                        <m:r>
+                          <a:rPr lang="de-DE" sz="3200" b="0" i="1" dirty="0" smtClean="0">
+                            <a:latin typeface="Cambria Math"/>
+                          </a:rPr>
+                          <m:t>|</m:t>
+                        </m:r>
+                        <m:sSub>
+                          <m:sSubPr>
+                            <m:ctrlPr>
+                              <a:rPr lang="de-DE" sz="3200" b="0" i="1" dirty="0" smtClean="0">
+                                <a:latin typeface="Cambria Math"/>
+                              </a:rPr>
+                            </m:ctrlPr>
+                          </m:sSubPr>
+                          <m:e>
+                            <m:r>
+                              <a:rPr lang="de-DE" sz="3200" b="0" i="1" dirty="0" smtClean="0">
+                                <a:latin typeface="Cambria Math"/>
+                              </a:rPr>
+                              <m:t>𝑌</m:t>
+                            </m:r>
+                          </m:e>
+                          <m:sub>
+                            <m:r>
+                              <a:rPr lang="de-DE" sz="3200" b="0" i="1" dirty="0" smtClean="0">
+                                <a:latin typeface="Cambria Math"/>
+                              </a:rPr>
+                              <m:t>𝑜𝑏𝑠</m:t>
+                            </m:r>
+                          </m:sub>
+                        </m:sSub>
+                        <m:r>
+                          <a:rPr lang="de-DE" sz="3200" b="0" i="1" dirty="0" smtClean="0">
+                            <a:latin typeface="Cambria Math"/>
+                          </a:rPr>
+                          <m:t>,</m:t>
+                        </m:r>
+                        <m:r>
+                          <a:rPr lang="el-GR" sz="3200" i="1" dirty="0" smtClean="0">
+                            <a:latin typeface="Cambria Math"/>
+                            <a:ea typeface="Cambria Math"/>
+                          </a:rPr>
+                          <m:t>𝜃</m:t>
+                        </m:r>
+                      </m:e>
+                    </m:d>
+                  </m:oMath>
+                </a14:m>
+                <a:endParaRPr lang="en-GB" sz="3200" dirty="0" smtClean="0"/>
+              </a:p>
+              <a:p>
+                <a:pPr marL="285750" indent="-285750">
+                  <a:spcAft>
+                    <a:spcPts val="1200"/>
+                  </a:spcAft>
+                  <a:buFont typeface="Arial" pitchFamily="34" charset="0"/>
+                  <a:buChar char="•"/>
+                </a:pPr>
+                <a:r>
+                  <a:rPr lang="en-GB" sz="3200" dirty="0" smtClean="0"/>
+                  <a:t>Step 2: Calculation of elements in rate-of-convergence matrix DM by</a:t>
+                </a:r>
+              </a:p>
+              <a:p>
+                <a:pPr algn="ctr">
+                  <a:spcAft>
+                    <a:spcPts val="1200"/>
+                  </a:spcAft>
+                </a:pPr>
+                <a14:m>
+                  <m:oMath xmlns:m="http://schemas.openxmlformats.org/officeDocument/2006/math">
+                    <m:sSub>
+                      <m:sSubPr>
+                        <m:ctrlPr>
+                          <a:rPr lang="en-GB" sz="3200" i="1" smtClean="0">
+                            <a:latin typeface="Cambria Math"/>
+                          </a:rPr>
+                        </m:ctrlPr>
+                      </m:sSubPr>
+                      <m:e>
+                        <m:r>
+                          <a:rPr lang="de-DE" sz="3200" b="0" i="1" smtClean="0">
+                            <a:latin typeface="Cambria Math"/>
+                          </a:rPr>
+                          <m:t>𝑟</m:t>
+                        </m:r>
+                      </m:e>
+                      <m:sub>
+                        <m:r>
+                          <a:rPr lang="de-DE" sz="3200" b="0" i="1" smtClean="0">
+                            <a:latin typeface="Cambria Math"/>
+                          </a:rPr>
+                          <m:t>𝑖𝑗</m:t>
+                        </m:r>
+                      </m:sub>
+                    </m:sSub>
+                    <m:r>
+                      <a:rPr lang="de-DE" sz="3200" b="0" i="1" smtClean="0">
+                        <a:latin typeface="Cambria Math"/>
+                      </a:rPr>
+                      <m:t>=</m:t>
+                    </m:r>
+                    <m:func>
+                      <m:funcPr>
+                        <m:ctrlPr>
+                          <a:rPr lang="de-DE" sz="3200" b="0" i="1" smtClean="0">
+                            <a:latin typeface="Cambria Math"/>
+                          </a:rPr>
+                        </m:ctrlPr>
+                      </m:funcPr>
+                      <m:fName>
+                        <m:limLow>
+                          <m:limLowPr>
+                            <m:ctrlPr>
+                              <a:rPr lang="de-DE" sz="3200" b="0" i="1" smtClean="0">
+                                <a:latin typeface="Cambria Math"/>
+                              </a:rPr>
+                            </m:ctrlPr>
+                          </m:limLowPr>
+                          <m:e>
+                            <m:r>
+                              <m:rPr>
+                                <m:sty m:val="p"/>
+                              </m:rPr>
+                              <a:rPr lang="de-DE" sz="3200" b="0" i="0" smtClean="0">
+                                <a:latin typeface="Cambria Math"/>
+                              </a:rPr>
+                              <m:t>lim</m:t>
+                            </m:r>
+                          </m:e>
+                          <m:lim>
+                            <m:r>
+                              <a:rPr lang="de-DE" sz="3200" b="0" i="1" smtClean="0">
+                                <a:latin typeface="Cambria Math"/>
+                              </a:rPr>
+                              <m:t>𝑡</m:t>
+                            </m:r>
+                            <m:r>
+                              <a:rPr lang="de-DE" sz="3200" b="0" i="1" smtClean="0">
+                                <a:latin typeface="Cambria Math"/>
+                                <a:ea typeface="Cambria Math"/>
+                              </a:rPr>
+                              <m:t>→∞</m:t>
+                            </m:r>
+                          </m:lim>
+                        </m:limLow>
+                      </m:fName>
+                      <m:e>
+                        <m:sSub>
+                          <m:sSubPr>
+                            <m:ctrlPr>
+                              <a:rPr lang="de-DE" sz="3200" b="0" i="1" smtClean="0">
+                                <a:latin typeface="Cambria Math"/>
+                              </a:rPr>
+                            </m:ctrlPr>
+                          </m:sSubPr>
+                          <m:e>
+                            <m:r>
+                              <a:rPr lang="de-DE" sz="3200" b="0" i="1" smtClean="0">
+                                <a:latin typeface="Cambria Math"/>
+                              </a:rPr>
+                              <m:t>𝑟</m:t>
+                            </m:r>
+                          </m:e>
+                          <m:sub>
+                            <m:r>
+                              <a:rPr lang="de-DE" sz="3200" b="0" i="1" smtClean="0">
+                                <a:latin typeface="Cambria Math"/>
+                              </a:rPr>
+                              <m:t>𝑖𝑗</m:t>
+                            </m:r>
+                          </m:sub>
+                        </m:sSub>
+                      </m:e>
+                    </m:func>
+                  </m:oMath>
+                </a14:m>
+                <a:r>
+                  <a:rPr lang="en-GB" sz="3200" dirty="0" smtClean="0"/>
+                  <a:t>(t) = </a:t>
+                </a:r>
+                <a14:m>
+                  <m:oMath xmlns:m="http://schemas.openxmlformats.org/officeDocument/2006/math">
+                    <m:f>
+                      <m:fPr>
+                        <m:ctrlPr>
+                          <a:rPr lang="en-GB" sz="3200" i="1" smtClean="0">
+                            <a:latin typeface="Cambria Math"/>
+                          </a:rPr>
+                        </m:ctrlPr>
+                      </m:fPr>
+                      <m:num>
+                        <m:r>
+                          <a:rPr lang="de-DE" sz="3200" b="0" i="1" smtClean="0">
+                            <a:latin typeface="Cambria Math"/>
+                          </a:rPr>
+                          <m:t>[</m:t>
+                        </m:r>
+                        <m:sSubSup>
+                          <m:sSubSupPr>
+                            <m:ctrlPr>
+                              <a:rPr lang="de-DE" sz="3200" b="0" i="1" smtClean="0">
+                                <a:latin typeface="Cambria Math"/>
+                              </a:rPr>
+                            </m:ctrlPr>
+                          </m:sSubSupPr>
+                          <m:e>
+                            <m:r>
+                              <a:rPr lang="el-GR" sz="3200" i="1" dirty="0">
+                                <a:latin typeface="Cambria Math"/>
+                                <a:ea typeface="Cambria Math"/>
+                              </a:rPr>
+                              <m:t>𝜃</m:t>
+                            </m:r>
+                          </m:e>
+                          <m:sub>
+                            <m:r>
+                              <a:rPr lang="de-DE" sz="3200" b="0" i="1" smtClean="0">
+                                <a:latin typeface="Cambria Math"/>
+                              </a:rPr>
+                              <m:t>𝑗</m:t>
+                            </m:r>
+                          </m:sub>
+                          <m:sup/>
+                        </m:sSubSup>
+                        <m:r>
+                          <a:rPr lang="de-DE" sz="3200" b="0" i="1" smtClean="0">
+                            <a:latin typeface="Cambria Math"/>
+                          </a:rPr>
+                          <m:t> </m:t>
+                        </m:r>
+                        <m:d>
+                          <m:dPr>
+                            <m:ctrlPr>
+                              <a:rPr lang="de-DE" sz="3200" b="0" i="1" baseline="14000" smtClean="0">
+                                <a:latin typeface="Cambria Math"/>
+                              </a:rPr>
+                            </m:ctrlPr>
+                          </m:dPr>
+                          <m:e>
+                            <m:r>
+                              <a:rPr lang="de-DE" sz="3200" b="0" i="1" baseline="14000" smtClean="0">
+                                <a:latin typeface="Cambria Math"/>
+                              </a:rPr>
+                              <m:t>𝑡</m:t>
+                            </m:r>
+                            <m:r>
+                              <a:rPr lang="de-DE" sz="3200" b="0" i="1" baseline="8000" smtClean="0">
+                                <a:latin typeface="Cambria Math"/>
+                              </a:rPr>
+                              <m:t>+</m:t>
+                            </m:r>
+                            <m:r>
+                              <a:rPr lang="de-DE" sz="3200" b="0" i="1" baseline="14000" smtClean="0">
+                                <a:latin typeface="Cambria Math"/>
+                              </a:rPr>
+                              <m:t>1</m:t>
+                            </m:r>
+                          </m:e>
+                        </m:d>
+                        <m:r>
+                          <a:rPr lang="de-DE" sz="3200" b="0" i="1" smtClean="0">
+                            <a:latin typeface="Cambria Math"/>
+                          </a:rPr>
+                          <m:t> </m:t>
+                        </m:r>
+                        <m:d>
+                          <m:dPr>
+                            <m:ctrlPr>
+                              <a:rPr lang="de-DE" sz="3200" b="0" i="1" smtClean="0">
+                                <a:latin typeface="Cambria Math"/>
+                              </a:rPr>
+                            </m:ctrlPr>
+                          </m:dPr>
+                          <m:e>
+                            <m:r>
+                              <a:rPr lang="de-DE" sz="3200" b="0" i="1" smtClean="0">
+                                <a:latin typeface="Cambria Math"/>
+                              </a:rPr>
+                              <m:t>𝑖</m:t>
+                            </m:r>
+                          </m:e>
+                        </m:d>
+                        <m:r>
+                          <a:rPr lang="de-DE" sz="3200" b="0" i="1" smtClean="0">
+                            <a:latin typeface="Cambria Math"/>
+                          </a:rPr>
+                          <m:t>−</m:t>
+                        </m:r>
+                        <m:sSub>
+                          <m:sSubPr>
+                            <m:ctrlPr>
+                              <a:rPr lang="de-DE" sz="3200" b="0" i="1" smtClean="0">
+                                <a:latin typeface="Cambria Math"/>
+                              </a:rPr>
+                            </m:ctrlPr>
+                          </m:sSubPr>
+                          <m:e>
+                            <m:r>
+                              <a:rPr lang="el-GR" sz="3200" i="1" dirty="0">
+                                <a:latin typeface="Cambria Math"/>
+                                <a:ea typeface="Cambria Math"/>
+                              </a:rPr>
+                              <m:t>𝜃</m:t>
+                            </m:r>
+                          </m:e>
+                          <m:sub>
+                            <m:r>
+                              <a:rPr lang="de-DE" sz="3200" b="0" i="1" smtClean="0">
+                                <a:latin typeface="Cambria Math"/>
+                              </a:rPr>
+                              <m:t>𝑗</m:t>
+                            </m:r>
+                          </m:sub>
+                        </m:sSub>
+                        <m:r>
+                          <a:rPr lang="de-DE" sz="3200" b="0" i="1" baseline="14000" smtClean="0">
+                            <a:latin typeface="Cambria Math"/>
+                          </a:rPr>
+                          <m:t>∗</m:t>
+                        </m:r>
+                        <m:r>
+                          <a:rPr lang="de-DE" sz="3200" b="0" i="1" smtClean="0">
+                            <a:latin typeface="Cambria Math"/>
+                          </a:rPr>
+                          <m:t>]</m:t>
+                        </m:r>
+                      </m:num>
+                      <m:den>
+                        <m:r>
+                          <a:rPr lang="de-DE" sz="3200" b="0" i="1" smtClean="0">
+                            <a:latin typeface="Cambria Math"/>
+                          </a:rPr>
+                          <m:t>[</m:t>
+                        </m:r>
+                        <m:sSub>
+                          <m:sSubPr>
+                            <m:ctrlPr>
+                              <a:rPr lang="de-DE" sz="3200" b="0" i="1" smtClean="0">
+                                <a:latin typeface="Cambria Math"/>
+                              </a:rPr>
+                            </m:ctrlPr>
+                          </m:sSubPr>
+                          <m:e>
+                            <m:r>
+                              <a:rPr lang="el-GR" sz="3200" i="1" dirty="0">
+                                <a:latin typeface="Cambria Math"/>
+                                <a:ea typeface="Cambria Math"/>
+                              </a:rPr>
+                              <m:t>𝜃</m:t>
+                            </m:r>
+                          </m:e>
+                          <m:sub>
+                            <m:r>
+                              <a:rPr lang="de-DE" sz="3200" b="0" i="1" smtClean="0">
+                                <a:latin typeface="Cambria Math"/>
+                              </a:rPr>
+                              <m:t>𝑖</m:t>
+                            </m:r>
+                          </m:sub>
+                        </m:sSub>
+                        <m:r>
+                          <a:rPr lang="de-DE" sz="3200" b="0" i="1" smtClean="0">
+                            <a:latin typeface="Cambria Math"/>
+                          </a:rPr>
+                          <m:t> </m:t>
+                        </m:r>
+                        <m:d>
+                          <m:dPr>
+                            <m:ctrlPr>
+                              <a:rPr lang="de-DE" sz="3200" b="0" i="1" baseline="14000" smtClean="0">
+                                <a:latin typeface="Cambria Math"/>
+                              </a:rPr>
+                            </m:ctrlPr>
+                          </m:dPr>
+                          <m:e>
+                            <m:r>
+                              <a:rPr lang="de-DE" sz="3200" b="0" i="1" baseline="14000" smtClean="0">
+                                <a:latin typeface="Cambria Math"/>
+                              </a:rPr>
+                              <m:t>𝑡</m:t>
+                            </m:r>
+                          </m:e>
+                        </m:d>
+                        <m:r>
+                          <a:rPr lang="de-DE" sz="3200" b="0" i="1" smtClean="0">
+                            <a:latin typeface="Cambria Math"/>
+                          </a:rPr>
+                          <m:t> − </m:t>
+                        </m:r>
+                        <m:sSub>
+                          <m:sSubPr>
+                            <m:ctrlPr>
+                              <a:rPr lang="de-DE" sz="3200" b="0" i="1" smtClean="0">
+                                <a:latin typeface="Cambria Math"/>
+                              </a:rPr>
+                            </m:ctrlPr>
+                          </m:sSubPr>
+                          <m:e>
+                            <m:r>
+                              <a:rPr lang="el-GR" sz="3200" i="1" dirty="0">
+                                <a:latin typeface="Cambria Math"/>
+                                <a:ea typeface="Cambria Math"/>
+                              </a:rPr>
+                              <m:t>𝜃</m:t>
+                            </m:r>
+                          </m:e>
+                          <m:sub>
+                            <m:r>
+                              <a:rPr lang="de-DE" sz="3200" b="0" i="1" smtClean="0">
+                                <a:latin typeface="Cambria Math"/>
+                              </a:rPr>
+                              <m:t>𝑖</m:t>
+                            </m:r>
+                          </m:sub>
+                        </m:sSub>
+                        <m:r>
+                          <a:rPr lang="de-DE" sz="3200" b="0" i="1" baseline="14000" smtClean="0">
+                            <a:latin typeface="Cambria Math"/>
+                          </a:rPr>
+                          <m:t>∗</m:t>
+                        </m:r>
+                        <m:r>
+                          <a:rPr lang="de-DE" sz="3200" b="0" i="1" smtClean="0">
+                            <a:latin typeface="Cambria Math"/>
+                          </a:rPr>
+                          <m:t>]</m:t>
+                        </m:r>
+                      </m:den>
+                    </m:f>
+                  </m:oMath>
+                </a14:m>
+                <a:r>
+                  <a:rPr lang="en-GB" sz="3200" dirty="0" smtClean="0"/>
+                  <a:t> for j = 1,…d</a:t>
+                </a:r>
+              </a:p>
+              <a:p>
+                <a:pPr marL="285750" indent="-285750">
+                  <a:spcAft>
+                    <a:spcPts val="1200"/>
+                  </a:spcAft>
+                  <a:buFont typeface="Arial" pitchFamily="34" charset="0"/>
+                  <a:buChar char="•"/>
+                </a:pPr>
+                <a:r>
+                  <a:rPr lang="en-GB" sz="3200" dirty="0" smtClean="0"/>
+                  <a:t>Step 3: Evaluation of </a:t>
+                </a:r>
+              </a:p>
+              <a:p>
+                <a:pPr algn="ctr">
+                  <a:spcAft>
+                    <a:spcPts val="1200"/>
+                  </a:spcAft>
+                </a:pPr>
+                <a14:m>
+                  <m:oMath xmlns:m="http://schemas.openxmlformats.org/officeDocument/2006/math">
+                    <m:r>
+                      <a:rPr lang="de-DE" sz="3200" b="0" i="1" smtClean="0">
+                        <a:latin typeface="Cambria Math"/>
+                      </a:rPr>
+                      <m:t>𝑉</m:t>
+                    </m:r>
+                    <m:r>
+                      <a:rPr lang="de-DE" sz="3200" b="0" i="1" smtClean="0">
+                        <a:latin typeface="Cambria Math"/>
+                      </a:rPr>
+                      <m:t>= </m:t>
+                    </m:r>
+                    <m:sSup>
+                      <m:sSupPr>
+                        <m:ctrlPr>
+                          <a:rPr lang="de-DE" sz="3200" b="0" i="1" smtClean="0">
+                            <a:latin typeface="Cambria Math"/>
+                          </a:rPr>
+                        </m:ctrlPr>
+                      </m:sSupPr>
+                      <m:e>
+                        <m:sSub>
+                          <m:sSubPr>
+                            <m:ctrlPr>
+                              <a:rPr lang="en-GB" sz="3200" i="1" dirty="0">
+                                <a:latin typeface="Cambria Math"/>
+                              </a:rPr>
+                            </m:ctrlPr>
+                          </m:sSubPr>
+                          <m:e>
+                            <m:r>
+                              <a:rPr lang="de-DE" sz="3200" i="1" dirty="0">
+                                <a:latin typeface="Cambria Math"/>
+                              </a:rPr>
+                              <m:t>𝐼</m:t>
+                            </m:r>
+                          </m:e>
+                          <m:sub>
+                            <m:r>
+                              <a:rPr lang="de-DE" sz="3200" i="1" dirty="0">
+                                <a:latin typeface="Cambria Math"/>
+                              </a:rPr>
+                              <m:t>𝑜𝑐</m:t>
+                            </m:r>
+                          </m:sub>
+                        </m:sSub>
+                      </m:e>
+                      <m:sup>
+                        <m:r>
+                          <a:rPr lang="de-DE" sz="3200" b="0" i="1" smtClean="0">
+                            <a:latin typeface="Cambria Math"/>
+                          </a:rPr>
+                          <m:t>−1</m:t>
+                        </m:r>
+                      </m:sup>
+                    </m:sSup>
+                  </m:oMath>
+                </a14:m>
+                <a:r>
+                  <a:rPr lang="en-GB" sz="3200" dirty="0" smtClean="0"/>
+                  <a:t> + </a:t>
+                </a:r>
+                <a14:m>
+                  <m:oMath xmlns:m="http://schemas.openxmlformats.org/officeDocument/2006/math">
+                    <m:r>
+                      <a:rPr lang="en-GB" sz="3200" i="1" smtClean="0">
+                        <a:latin typeface="Cambria Math"/>
+                        <a:ea typeface="Cambria Math"/>
+                      </a:rPr>
+                      <m:t>∆</m:t>
+                    </m:r>
+                    <m:r>
+                      <a:rPr lang="de-DE" sz="3200" b="0" i="1" smtClean="0">
+                        <a:latin typeface="Cambria Math"/>
+                        <a:ea typeface="Cambria Math"/>
+                      </a:rPr>
+                      <m:t>𝑉</m:t>
+                    </m:r>
+                    <m:r>
+                      <a:rPr lang="de-DE" sz="3200" b="0" i="1" smtClean="0">
+                        <a:latin typeface="Cambria Math"/>
+                        <a:ea typeface="Cambria Math"/>
+                      </a:rPr>
+                      <m:t>, </m:t>
+                    </m:r>
+                    <m:r>
+                      <a:rPr lang="de-DE" sz="3200" b="0" i="1" smtClean="0">
+                        <a:latin typeface="Cambria Math"/>
+                        <a:ea typeface="Cambria Math"/>
+                      </a:rPr>
+                      <m:t>𝑤h𝑒𝑟𝑒</m:t>
+                    </m:r>
+                    <m:r>
+                      <a:rPr lang="de-DE" sz="3200" b="0" i="1" smtClean="0">
+                        <a:latin typeface="Cambria Math"/>
+                        <a:ea typeface="Cambria Math"/>
+                      </a:rPr>
+                      <m:t> ∆</m:t>
+                    </m:r>
+                    <m:r>
+                      <a:rPr lang="de-DE" sz="3200" i="1">
+                        <a:latin typeface="Cambria Math"/>
+                        <a:ea typeface="Cambria Math"/>
+                      </a:rPr>
+                      <m:t>𝑉</m:t>
+                    </m:r>
+                  </m:oMath>
+                </a14:m>
+                <a:r>
+                  <a:rPr lang="en-GB" sz="3200" dirty="0" smtClean="0"/>
+                  <a:t> = = </a:t>
+                </a:r>
+                <a14:m>
+                  <m:oMath xmlns:m="http://schemas.openxmlformats.org/officeDocument/2006/math">
+                    <m:sSup>
+                      <m:sSupPr>
+                        <m:ctrlPr>
+                          <a:rPr lang="de-DE" sz="3200" i="1">
+                            <a:latin typeface="Cambria Math"/>
+                          </a:rPr>
+                        </m:ctrlPr>
+                      </m:sSupPr>
+                      <m:e>
+                        <m:sSub>
+                          <m:sSubPr>
+                            <m:ctrlPr>
+                              <a:rPr lang="en-GB" sz="3200" i="1" dirty="0">
+                                <a:latin typeface="Cambria Math"/>
+                              </a:rPr>
+                            </m:ctrlPr>
+                          </m:sSubPr>
+                          <m:e>
+                            <m:r>
+                              <a:rPr lang="de-DE" sz="3200" i="1" dirty="0">
+                                <a:latin typeface="Cambria Math"/>
+                              </a:rPr>
+                              <m:t>𝐼</m:t>
+                            </m:r>
+                          </m:e>
+                          <m:sub>
+                            <m:r>
+                              <a:rPr lang="de-DE" sz="3200" i="1" dirty="0">
+                                <a:latin typeface="Cambria Math"/>
+                              </a:rPr>
+                              <m:t>𝑜𝑐</m:t>
+                            </m:r>
+                          </m:sub>
+                        </m:sSub>
+                      </m:e>
+                      <m:sup>
+                        <m:r>
+                          <a:rPr lang="de-DE" sz="3200" i="1">
+                            <a:latin typeface="Cambria Math"/>
+                          </a:rPr>
+                          <m:t>−1</m:t>
+                        </m:r>
+                      </m:sup>
+                    </m:sSup>
+                  </m:oMath>
+                </a14:m>
+                <a:r>
+                  <a:rPr lang="en-GB" sz="3200" dirty="0" smtClean="0"/>
+                  <a:t>DM</a:t>
+                </a:r>
+                <a14:m>
+                  <m:oMath xmlns:m="http://schemas.openxmlformats.org/officeDocument/2006/math">
+                    <m:sSup>
+                      <m:sSupPr>
+                        <m:ctrlPr>
+                          <a:rPr lang="en-GB" sz="3200" i="1" smtClean="0">
+                            <a:latin typeface="Cambria Math"/>
+                          </a:rPr>
+                        </m:ctrlPr>
+                      </m:sSupPr>
+                      <m:e>
+                        <m:r>
+                          <m:rPr>
+                            <m:nor/>
+                          </m:rPr>
+                          <a:rPr lang="en-GB" sz="3200" dirty="0"/>
+                          <m:t>(</m:t>
+                        </m:r>
+                        <m:r>
+                          <m:rPr>
+                            <m:nor/>
+                          </m:rPr>
+                          <a:rPr lang="en-GB" sz="3200" dirty="0"/>
+                          <m:t>I</m:t>
+                        </m:r>
+                        <m:r>
+                          <m:rPr>
+                            <m:nor/>
+                          </m:rPr>
+                          <a:rPr lang="en-GB" sz="3200" dirty="0"/>
+                          <m:t> - </m:t>
+                        </m:r>
+                        <m:r>
+                          <m:rPr>
+                            <m:nor/>
+                          </m:rPr>
+                          <a:rPr lang="en-GB" sz="3200" dirty="0"/>
+                          <m:t>DM</m:t>
+                        </m:r>
+                        <m:r>
+                          <m:rPr>
+                            <m:nor/>
+                          </m:rPr>
+                          <a:rPr lang="en-GB" sz="3200" dirty="0"/>
+                          <m:t>)</m:t>
+                        </m:r>
+                      </m:e>
+                      <m:sup>
+                        <m:r>
+                          <a:rPr lang="de-DE" sz="3200" b="0" i="1" smtClean="0">
+                            <a:latin typeface="Cambria Math"/>
+                          </a:rPr>
+                          <m:t>−1</m:t>
+                        </m:r>
+                      </m:sup>
+                    </m:sSup>
+                  </m:oMath>
+                </a14:m>
+                <a:endParaRPr lang="en-GB" sz="3200" dirty="0" smtClean="0"/>
+              </a:p>
+              <a:p>
+                <a:pPr marL="285750" indent="-285750">
+                  <a:spcAft>
+                    <a:spcPts val="1200"/>
+                  </a:spcAft>
+                  <a:buFont typeface="Arial" pitchFamily="34" charset="0"/>
+                  <a:buChar char="•"/>
+                </a:pPr>
+                <a:endParaRPr lang="en-GB" sz="2800" dirty="0"/>
+              </a:p>
+            </p:txBody>
+          </p:sp>
+        </mc:Choice>
+        <mc:Fallback>
+          <p:sp>
+            <p:nvSpPr>
+              <p:cNvPr id="105" name="Textfeld 104"/>
+              <p:cNvSpPr txBox="1">
+                <a:spLocks noRot="1" noChangeAspect="1" noMove="1" noResize="1" noEditPoints="1" noAdjustHandles="1" noChangeArrowheads="1" noChangeShapeType="1" noTextEdit="1"/>
+              </p:cNvSpPr>
+              <p:nvPr/>
+            </p:nvSpPr>
+            <p:spPr>
+              <a:xfrm>
+                <a:off x="11596727" y="6697869"/>
+                <a:ext cx="9344942" cy="8181535"/>
+              </a:xfrm>
+              <a:prstGeom prst="rect">
+                <a:avLst/>
+              </a:prstGeom>
+              <a:blipFill rotWithShape="1">
+                <a:blip r:embed="rId5"/>
+                <a:stretch>
+                  <a:fillRect l="-1435" t="-969" r="-1631"/>
+                </a:stretch>
+              </a:blipFill>
+            </p:spPr>
+            <p:txBody>
+              <a:bodyPr/>
+              <a:lstStyle/>
+              <a:p>
+                <a:r>
+                  <a:rPr lang="de-DE">
+                    <a:noFill/>
+                  </a:rPr>
+                  <a:t> </a:t>
+                </a:r>
+              </a:p>
+            </p:txBody>
+          </p:sp>
+        </mc:Fallback>
+      </mc:AlternateContent>
+      <p:sp>
+        <p:nvSpPr>
+          <p:cNvPr id="106" name="Textfeld 105"/>
+          <p:cNvSpPr txBox="1"/>
+          <p:nvPr/>
+        </p:nvSpPr>
+        <p:spPr>
+          <a:xfrm>
+            <a:off x="32178498" y="6709187"/>
+            <a:ext cx="9344942" cy="1969770"/>
+          </a:xfrm>
+          <a:prstGeom prst="rect">
+            <a:avLst/>
+          </a:prstGeom>
+          <a:noFill/>
+        </p:spPr>
+        <p:txBody>
+          <a:bodyPr wrap="square" rtlCol="0">
+            <a:spAutoFit/>
+          </a:bodyPr>
+          <a:lstStyle/>
+          <a:p>
+            <a:pPr marL="285750" indent="-285750">
+              <a:spcAft>
+                <a:spcPts val="1200"/>
+              </a:spcAft>
+              <a:buFont typeface="Arial" pitchFamily="34" charset="0"/>
+              <a:buChar char="•"/>
+            </a:pPr>
+            <a:r>
+              <a:rPr lang="en-GB" sz="2800" dirty="0" smtClean="0"/>
+              <a:t>SEM is established in which open-source or commercial program?</a:t>
+            </a:r>
+          </a:p>
+          <a:p>
+            <a:pPr marL="285750" indent="-285750">
+              <a:spcAft>
+                <a:spcPts val="1200"/>
+              </a:spcAft>
+              <a:buFont typeface="Arial" pitchFamily="34" charset="0"/>
+              <a:buChar char="•"/>
+            </a:pPr>
+            <a:r>
+              <a:rPr lang="en-GB" sz="2800" dirty="0" smtClean="0"/>
+              <a:t>Since 1996, has SEM established or are there better methods?</a:t>
+            </a:r>
+            <a:endParaRPr lang="en-GB" sz="3200" dirty="0" smtClean="0"/>
+          </a:p>
+        </p:txBody>
+      </p:sp>
+      <p:sp>
+        <p:nvSpPr>
+          <p:cNvPr id="107" name="Textfeld 106"/>
+          <p:cNvSpPr txBox="1"/>
+          <p:nvPr/>
+        </p:nvSpPr>
+        <p:spPr>
+          <a:xfrm>
+            <a:off x="32178498" y="23375263"/>
+            <a:ext cx="9344942" cy="523220"/>
+          </a:xfrm>
+          <a:prstGeom prst="rect">
+            <a:avLst/>
+          </a:prstGeom>
+          <a:noFill/>
+        </p:spPr>
+        <p:txBody>
+          <a:bodyPr wrap="square" rtlCol="0">
+            <a:spAutoFit/>
+          </a:bodyPr>
+          <a:lstStyle/>
+          <a:p>
+            <a:pPr marL="285750" indent="-285750">
+              <a:spcAft>
+                <a:spcPts val="1200"/>
+              </a:spcAft>
+              <a:buFont typeface="Arial" pitchFamily="34" charset="0"/>
+              <a:buChar char="•"/>
+            </a:pPr>
+            <a:r>
+              <a:rPr lang="en-GB" sz="2800" dirty="0" err="1" smtClean="0"/>
+              <a:t>Meng</a:t>
+            </a:r>
+            <a:r>
+              <a:rPr lang="en-GB" sz="2800" dirty="0" smtClean="0"/>
+              <a:t> &amp; Rubin, 1996</a:t>
+            </a:r>
+            <a:endParaRPr lang="en-GB" sz="3200" dirty="0" smtClean="0"/>
           </a:p>
         </p:txBody>
       </p:sp>
@@ -4602,6 +6690,13 @@
   <p:clrMapOvr>
     <a:masterClrMapping/>
   </p:clrMapOvr>
+  <p:timing>
+    <p:tnLst>
+      <p:par>
+        <p:cTn id="1" dur="indefinite" restart="never" nodeType="tmRoot"/>
+      </p:par>
+    </p:tnLst>
+  </p:timing>
 </p:sld>
 </file>
 

--- a/poster/poster_template.pptx
+++ b/poster/poster_template.pptx
@@ -106,7 +106,7 @@
   </p:defaultTextStyle>
   <p:extLst>
     <p:ext uri="{EFAFB233-063F-42B5-8137-9DF3F51BA10A}">
-      <p15:sldGuideLst xmlns:p15="http://schemas.microsoft.com/office/powerpoint/2012/main" xmlns="">
+      <p15:sldGuideLst xmlns:p15="http://schemas.microsoft.com/office/powerpoint/2012/main">
         <p15:guide id="1" orient="horz" pos="9536" userDrawn="1">
           <p15:clr>
             <a:srgbClr val="A4A3A4"/>
@@ -312,7 +312,7 @@
           <a:p>
             <a:fld id="{0B7A2DEA-69B7-D343-870B-04A176525892}" type="datetimeFigureOut">
               <a:rPr lang="de-DE" smtClean="0"/>
-              <a:t>18.01.2018</a:t>
+              <a:t>21.01.18</a:t>
             </a:fld>
             <a:endParaRPr lang="en-US"/>
           </a:p>
@@ -482,7 +482,7 @@
           <a:p>
             <a:fld id="{0B7A2DEA-69B7-D343-870B-04A176525892}" type="datetimeFigureOut">
               <a:rPr lang="de-DE" smtClean="0"/>
-              <a:t>18.01.2018</a:t>
+              <a:t>21.01.18</a:t>
             </a:fld>
             <a:endParaRPr lang="en-US"/>
           </a:p>
@@ -662,7 +662,7 @@
           <a:p>
             <a:fld id="{0B7A2DEA-69B7-D343-870B-04A176525892}" type="datetimeFigureOut">
               <a:rPr lang="de-DE" smtClean="0"/>
-              <a:t>18.01.2018</a:t>
+              <a:t>21.01.18</a:t>
             </a:fld>
             <a:endParaRPr lang="en-US"/>
           </a:p>
@@ -832,7 +832,7 @@
           <a:p>
             <a:fld id="{0B7A2DEA-69B7-D343-870B-04A176525892}" type="datetimeFigureOut">
               <a:rPr lang="de-DE" smtClean="0"/>
-              <a:t>18.01.2018</a:t>
+              <a:t>21.01.18</a:t>
             </a:fld>
             <a:endParaRPr lang="en-US"/>
           </a:p>
@@ -1078,7 +1078,7 @@
           <a:p>
             <a:fld id="{0B7A2DEA-69B7-D343-870B-04A176525892}" type="datetimeFigureOut">
               <a:rPr lang="de-DE" smtClean="0"/>
-              <a:t>18.01.2018</a:t>
+              <a:t>21.01.18</a:t>
             </a:fld>
             <a:endParaRPr lang="en-US"/>
           </a:p>
@@ -1366,7 +1366,7 @@
           <a:p>
             <a:fld id="{0B7A2DEA-69B7-D343-870B-04A176525892}" type="datetimeFigureOut">
               <a:rPr lang="de-DE" smtClean="0"/>
-              <a:t>18.01.2018</a:t>
+              <a:t>21.01.18</a:t>
             </a:fld>
             <a:endParaRPr lang="en-US"/>
           </a:p>
@@ -1793,7 +1793,7 @@
           <a:p>
             <a:fld id="{0B7A2DEA-69B7-D343-870B-04A176525892}" type="datetimeFigureOut">
               <a:rPr lang="de-DE" smtClean="0"/>
-              <a:t>18.01.2018</a:t>
+              <a:t>21.01.18</a:t>
             </a:fld>
             <a:endParaRPr lang="en-US"/>
           </a:p>
@@ -1911,7 +1911,7 @@
           <a:p>
             <a:fld id="{0B7A2DEA-69B7-D343-870B-04A176525892}" type="datetimeFigureOut">
               <a:rPr lang="de-DE" smtClean="0"/>
-              <a:t>18.01.2018</a:t>
+              <a:t>21.01.18</a:t>
             </a:fld>
             <a:endParaRPr lang="en-US"/>
           </a:p>
@@ -2006,7 +2006,7 @@
           <a:p>
             <a:fld id="{0B7A2DEA-69B7-D343-870B-04A176525892}" type="datetimeFigureOut">
               <a:rPr lang="de-DE" smtClean="0"/>
-              <a:t>18.01.2018</a:t>
+              <a:t>21.01.18</a:t>
             </a:fld>
             <a:endParaRPr lang="en-US"/>
           </a:p>
@@ -2283,7 +2283,7 @@
           <a:p>
             <a:fld id="{0B7A2DEA-69B7-D343-870B-04A176525892}" type="datetimeFigureOut">
               <a:rPr lang="de-DE" smtClean="0"/>
-              <a:t>18.01.2018</a:t>
+              <a:t>21.01.18</a:t>
             </a:fld>
             <a:endParaRPr lang="en-US"/>
           </a:p>
@@ -2536,7 +2536,7 @@
           <a:p>
             <a:fld id="{0B7A2DEA-69B7-D343-870B-04A176525892}" type="datetimeFigureOut">
               <a:rPr lang="de-DE" smtClean="0"/>
-              <a:t>18.01.2018</a:t>
+              <a:t>21.01.18</a:t>
             </a:fld>
             <a:endParaRPr lang="en-US"/>
           </a:p>
@@ -2749,7 +2749,7 @@
           <a:p>
             <a:fld id="{0B7A2DEA-69B7-D343-870B-04A176525892}" type="datetimeFigureOut">
               <a:rPr lang="de-DE" smtClean="0"/>
-              <a:t>18.01.2018</a:t>
+              <a:t>21.01.18</a:t>
             </a:fld>
             <a:endParaRPr lang="en-US"/>
           </a:p>
@@ -3113,10 +3113,7 @@
     <p:bg>
       <p:bgPr>
         <a:solidFill>
-          <a:schemeClr val="accent1">
-            <a:lumMod val="20000"/>
-            <a:lumOff val="80000"/>
-          </a:schemeClr>
+          <a:schemeClr val="bg1"/>
         </a:solidFill>
         <a:effectLst/>
       </p:bgPr>
@@ -3574,53 +3571,6 @@
       </p:sp>
       <p:sp>
         <p:nvSpPr>
-          <p:cNvPr id="68" name="Textfeld 67"/>
-          <p:cNvSpPr txBox="1"/>
-          <p:nvPr/>
-        </p:nvSpPr>
-        <p:spPr>
-          <a:xfrm>
-            <a:off x="11060141" y="11966430"/>
-            <a:ext cx="9309312" cy="636649"/>
-          </a:xfrm>
-          <a:prstGeom prst="rect">
-            <a:avLst/>
-          </a:prstGeom>
-          <a:noFill/>
-          <a:ln w="12700" cmpd="sng">
-            <a:noFill/>
-          </a:ln>
-          <a:effectLst/>
-        </p:spPr>
-        <p:txBody>
-          <a:bodyPr wrap="square" rtlCol="0">
-            <a:spAutoFit/>
-          </a:bodyPr>
-          <a:lstStyle/>
-          <a:p>
-            <a:pPr algn="just"/>
-            <a:r>
-              <a:rPr lang="en-US" sz="3537" b="1" dirty="0">
-                <a:solidFill>
-                  <a:srgbClr val="DCE6F2"/>
-                </a:solidFill>
-                <a:latin typeface="Arial" panose="020B0604020202020204" pitchFamily="34" charset="0"/>
-                <a:cs typeface="Arial" panose="020B0604020202020204" pitchFamily="34" charset="0"/>
-              </a:rPr>
-              <a:t>3. Results</a:t>
-            </a:r>
-            <a:endParaRPr lang="en-US" sz="2829" dirty="0">
-              <a:solidFill>
-                <a:srgbClr val="000000"/>
-              </a:solidFill>
-              <a:latin typeface="Arial" panose="020B0604020202020204" pitchFamily="34" charset="0"/>
-              <a:cs typeface="Arial" panose="020B0604020202020204" pitchFamily="34" charset="0"/>
-            </a:endParaRPr>
-          </a:p>
-        </p:txBody>
-      </p:sp>
-      <p:sp>
-        <p:nvSpPr>
           <p:cNvPr id="71" name="Rectangle 163"/>
           <p:cNvSpPr>
             <a:spLocks noChangeArrowheads="1"/>
@@ -3688,8 +3638,8 @@
         </p:nvSpPr>
         <p:spPr>
           <a:xfrm>
-            <a:off x="21251681" y="6677292"/>
-            <a:ext cx="9874159" cy="4878135"/>
+            <a:off x="21939515" y="6703317"/>
+            <a:ext cx="9254655" cy="4878135"/>
           </a:xfrm>
           <a:prstGeom prst="rect">
             <a:avLst/>
@@ -3703,14 +3653,31 @@
           </a:bodyPr>
           <a:lstStyle/>
           <a:p>
-            <a:pPr marL="404185" indent="-269457" algn="just">
-              <a:buFont typeface="Arial" charset="0"/>
-              <a:buChar char="•"/>
+            <a:pPr>
+              <a:spcAft>
+                <a:spcPts val="1200"/>
+              </a:spcAft>
             </a:pPr>
-            <a:endParaRPr lang="de-DE" sz="2122" dirty="0">
-              <a:latin typeface="Arial" charset="0"/>
-              <a:ea typeface="Arial" charset="0"/>
-              <a:cs typeface="Arial" charset="0"/>
+            <a:r>
+              <a:rPr lang="en-GB" sz="3200" dirty="0">
+                <a:solidFill>
+                  <a:srgbClr val="FF0000"/>
+                </a:solidFill>
+              </a:rPr>
+              <a:t>Note that V is not </a:t>
+            </a:r>
+            <a:r>
+              <a:rPr lang="en-GB" sz="3200" dirty="0" smtClean="0">
+                <a:solidFill>
+                  <a:srgbClr val="FF0000"/>
+                </a:solidFill>
+              </a:rPr>
+              <a:t>necessarily symmetric, due to numerical inaccuracies</a:t>
+            </a:r>
+            <a:endParaRPr lang="en-GB" sz="3200" dirty="0">
+              <a:solidFill>
+                <a:srgbClr val="FF0000"/>
+              </a:solidFill>
             </a:endParaRPr>
           </a:p>
         </p:txBody>
@@ -3893,49 +3860,6 @@
               <a:buChar char="•"/>
             </a:pPr>
             <a:endParaRPr lang="de-DE" sz="2546" dirty="0">
-              <a:latin typeface="Arial" charset="0"/>
-              <a:ea typeface="Arial" charset="0"/>
-              <a:cs typeface="Arial" charset="0"/>
-            </a:endParaRPr>
-          </a:p>
-        </p:txBody>
-      </p:sp>
-      <p:sp>
-        <p:nvSpPr>
-          <p:cNvPr id="45" name="Textfeld 44"/>
-          <p:cNvSpPr txBox="1"/>
-          <p:nvPr/>
-        </p:nvSpPr>
-        <p:spPr>
-          <a:xfrm>
-            <a:off x="21217532" y="24950060"/>
-            <a:ext cx="10174417" cy="4027599"/>
-          </a:xfrm>
-          <a:prstGeom prst="rect">
-            <a:avLst/>
-          </a:prstGeom>
-          <a:noFill/>
-          <a:effectLst/>
-        </p:spPr>
-        <p:txBody>
-          <a:bodyPr wrap="square" rtlCol="0">
-            <a:noAutofit/>
-          </a:bodyPr>
-          <a:lstStyle/>
-          <a:p>
-            <a:pPr marL="112274" algn="just"/>
-            <a:endParaRPr lang="de-DE" sz="2122" dirty="0">
-              <a:latin typeface="Arial" charset="0"/>
-              <a:ea typeface="Arial" charset="0"/>
-              <a:cs typeface="Arial" charset="0"/>
-            </a:endParaRPr>
-          </a:p>
-          <a:p>
-            <a:pPr marL="404185" indent="-291912" algn="just">
-              <a:buFont typeface="Arial" charset="0"/>
-              <a:buChar char="•"/>
-            </a:pPr>
-            <a:endParaRPr lang="en-US" sz="2122" dirty="0">
               <a:latin typeface="Arial" charset="0"/>
               <a:ea typeface="Arial" charset="0"/>
               <a:cs typeface="Arial" charset="0"/>
@@ -4134,7 +4058,7 @@
         <p:spPr>
           <a:xfrm>
             <a:off x="1233713" y="15298038"/>
-            <a:ext cx="9323483" cy="10256542"/>
+            <a:ext cx="9323483" cy="13920232"/>
           </a:xfrm>
           <a:prstGeom prst="rect">
             <a:avLst/>
@@ -4477,7 +4401,7 @@
         <p:spPr>
           <a:xfrm>
             <a:off x="1233714" y="6697869"/>
-            <a:ext cx="9344942" cy="4431983"/>
+            <a:ext cx="9344942" cy="5570756"/>
           </a:xfrm>
           <a:prstGeom prst="rect">
             <a:avLst/>
@@ -4499,15 +4423,7 @@
             </a:pPr>
             <a:r>
               <a:rPr lang="en-GB" sz="3200" dirty="0" smtClean="0"/>
-              <a:t>No asymptotic variance-covariance matrix computed when running expectation maximization algorithm</a:t>
-            </a:r>
-            <a:r>
-              <a:rPr lang="en-GB" sz="3200" dirty="0"/>
-              <a:t> (EM)</a:t>
-            </a:r>
-            <a:r>
-              <a:rPr lang="en-GB" sz="3200" dirty="0" smtClean="0"/>
-              <a:t>. </a:t>
+              <a:t>Expectation-Maximization (EM) is one of the most popular tools to obtain Maximum Likelihood (ML) estimates in incomplete data problems</a:t>
             </a:r>
           </a:p>
           <a:p>
@@ -4520,7 +4436,37 @@
             </a:pPr>
             <a:r>
               <a:rPr lang="en-GB" sz="3200" dirty="0" smtClean="0"/>
-              <a:t>Such matrix is however needed for (asymptotically valid) inference</a:t>
+              <a:t>Problem: EM algorithm does not provide an asymptotic </a:t>
+            </a:r>
+            <a:r>
+              <a:rPr lang="en-GB" sz="3200" dirty="0" smtClean="0"/>
+              <a:t>variance-covariance matrix </a:t>
+            </a:r>
+            <a:endParaRPr lang="en-GB" sz="3200" dirty="0" smtClean="0"/>
+          </a:p>
+          <a:p>
+            <a:pPr marL="285750" indent="-285750">
+              <a:spcAft>
+                <a:spcPts val="1200"/>
+              </a:spcAft>
+              <a:buFont typeface="Arial" pitchFamily="34" charset="0"/>
+              <a:buChar char="•"/>
+            </a:pPr>
+            <a:r>
+              <a:rPr lang="en-GB" sz="3200" dirty="0" smtClean="0"/>
+              <a:t>However, this matrix </a:t>
+            </a:r>
+            <a:r>
+              <a:rPr lang="en-GB" sz="3200" dirty="0" smtClean="0"/>
+              <a:t>needed for </a:t>
+            </a:r>
+            <a:r>
+              <a:rPr lang="en-GB" sz="3200" dirty="0" smtClean="0"/>
+              <a:t>asymptotically valid </a:t>
+            </a:r>
+            <a:r>
+              <a:rPr lang="en-GB" sz="3200" dirty="0" smtClean="0"/>
+              <a:t>inference</a:t>
             </a:r>
           </a:p>
           <a:p>
@@ -4558,8 +4504,8 @@
             </p:nvSpPr>
             <p:spPr>
               <a:xfrm>
-                <a:off x="1233714" y="16202198"/>
-                <a:ext cx="9344944" cy="9150197"/>
+                <a:off x="1366939" y="16140288"/>
+                <a:ext cx="9344944" cy="13582180"/>
               </a:xfrm>
               <a:prstGeom prst="rect">
                 <a:avLst/>
@@ -4580,9 +4526,18 @@
                   <a:buChar char="•"/>
                 </a:pPr>
                 <a:r>
-                  <a:rPr lang="en-GB" sz="3200" dirty="0" smtClean="0"/>
-                  <a:t>Iterative technique to find the maximum likelihood parameters</a:t>
-                </a:r>
+                  <a:rPr lang="en-GB" sz="3200" dirty="0" smtClean="0">
+                    <a:solidFill>
+                      <a:srgbClr val="FF0000"/>
+                    </a:solidFill>
+                  </a:rPr>
+                  <a:t>Iterative technique to find ML estimates</a:t>
+                </a:r>
+                <a:endParaRPr lang="en-GB" sz="3200" dirty="0" smtClean="0">
+                  <a:solidFill>
+                    <a:srgbClr val="FF0000"/>
+                  </a:solidFill>
+                </a:endParaRPr>
               </a:p>
               <a:p>
                 <a:pPr marL="285750" indent="-285750">
@@ -4593,7 +4548,11 @@
                   <a:buChar char="•"/>
                 </a:pPr>
                 <a:r>
-                  <a:rPr lang="en-GB" sz="3200" dirty="0" smtClean="0"/>
+                  <a:rPr lang="en-GB" sz="3200" dirty="0" smtClean="0">
+                    <a:solidFill>
+                      <a:srgbClr val="FF0000"/>
+                    </a:solidFill>
+                  </a:rPr>
                   <a:t>Used in problems where the equations are not directly solvable, like in incomplete-data problems</a:t>
                 </a:r>
               </a:p>
@@ -4606,7 +4565,11 @@
                   <a:buChar char="•"/>
                 </a:pPr>
                 <a:r>
-                  <a:rPr lang="en-GB" sz="3200" dirty="0" smtClean="0"/>
+                  <a:rPr lang="en-GB" sz="3200" dirty="0" smtClean="0">
+                    <a:solidFill>
+                      <a:srgbClr val="FF0000"/>
+                    </a:solidFill>
+                  </a:rPr>
                   <a:t>EM algorithm consists of two steps, the expectation step and the maximization step</a:t>
                 </a:r>
               </a:p>
@@ -4619,12 +4582,140 @@
                   <a:buChar char="•"/>
                 </a:pPr>
                 <a:r>
-                  <a:rPr lang="en-GB" sz="3200" dirty="0" smtClean="0"/>
-                  <a:t>E-step calculates</a:t>
+                  <a:rPr lang="en-GB" sz="3200" b="1" dirty="0" smtClean="0"/>
+                  <a:t>UNTIL </a:t>
+                </a:r>
+                <a14:m>
+                  <m:oMath xmlns:m="http://schemas.openxmlformats.org/officeDocument/2006/math">
+                    <m:r>
+                      <a:rPr lang="en-GB" sz="3200" b="1" i="1" smtClean="0">
+                        <a:latin typeface="Cambria Math" charset="0"/>
+                        <a:ea typeface="Cambria Math" charset="0"/>
+                        <a:cs typeface="Cambria Math" charset="0"/>
+                      </a:rPr>
+                      <m:t>𝚫</m:t>
+                    </m:r>
+                    <m:r>
+                      <a:rPr lang="de-DE" sz="3200" i="1">
+                        <a:latin typeface="Cambria Math"/>
+                        <a:ea typeface="Cambria Math"/>
+                      </a:rPr>
+                      <m:t>𝜃</m:t>
+                    </m:r>
+                  </m:oMath>
+                </a14:m>
+                <a:r>
+                  <a:rPr lang="en-GB" sz="3200" b="1" dirty="0" smtClean="0"/>
+                  <a:t> &gt; </a:t>
+                </a:r>
+                <a14:m>
+                  <m:oMath xmlns:m="http://schemas.openxmlformats.org/officeDocument/2006/math">
+                    <m:r>
+                      <a:rPr lang="en-GB" sz="3200" b="1" i="1" smtClean="0">
+                        <a:latin typeface="Cambria Math" charset="0"/>
+                        <a:ea typeface="Cambria Math" charset="0"/>
+                        <a:cs typeface="Cambria Math" charset="0"/>
+                      </a:rPr>
+                      <m:t>𝜺</m:t>
+                    </m:r>
+                  </m:oMath>
+                </a14:m>
+                <a:r>
+                  <a:rPr lang="en-GB" sz="3200" b="1" dirty="0" smtClean="0"/>
+                  <a:t> REPEAT:</a:t>
                 </a:r>
               </a:p>
               <a:p>
-                <a:pPr lvl="2">
+                <a:pPr marL="285750" indent="-285750">
+                  <a:spcAft>
+                    <a:spcPts val="1200"/>
+                  </a:spcAft>
+                  <a:buFont typeface="Arial" pitchFamily="34" charset="0"/>
+                  <a:buChar char="•"/>
+                </a:pPr>
+                <a:r>
+                  <a:rPr lang="en-GB" sz="3200" b="1" dirty="0" smtClean="0"/>
+                  <a:t>E-step:</a:t>
+                </a:r>
+              </a:p>
+              <a:p>
+                <a:pPr>
+                  <a:spcAft>
+                    <a:spcPts val="1200"/>
+                  </a:spcAft>
+                </a:pPr>
+                <a:r>
+                  <a:rPr lang="en-GB" sz="3200" dirty="0" smtClean="0"/>
+                  <a:t>	Find expected complete-data log-likelihood if </a:t>
+                </a:r>
+                <a14:m>
+                  <m:oMath xmlns:m="http://schemas.openxmlformats.org/officeDocument/2006/math">
+                    <m:sSup>
+                      <m:sSupPr>
+                        <m:ctrlPr>
+                          <a:rPr lang="de-DE" sz="3200" i="1">
+                            <a:latin typeface="Cambria Math" charset="0"/>
+                            <a:ea typeface="Cambria Math"/>
+                          </a:rPr>
+                        </m:ctrlPr>
+                      </m:sSupPr>
+                      <m:e>
+                        <m:r>
+                          <a:rPr lang="de-DE" sz="3200" i="1">
+                            <a:latin typeface="Cambria Math"/>
+                            <a:ea typeface="Cambria Math"/>
+                          </a:rPr>
+                          <m:t>𝜃</m:t>
+                        </m:r>
+                      </m:e>
+                      <m:sup>
+                        <m:r>
+                          <a:rPr lang="de-DE" sz="3200" i="1">
+                            <a:latin typeface="Cambria Math"/>
+                            <a:ea typeface="Cambria Math"/>
+                          </a:rPr>
+                          <m:t>(</m:t>
+                        </m:r>
+                        <m:r>
+                          <a:rPr lang="de-DE" sz="3200" i="1">
+                            <a:latin typeface="Cambria Math"/>
+                            <a:ea typeface="Cambria Math"/>
+                          </a:rPr>
+                          <m:t>𝑡</m:t>
+                        </m:r>
+                        <m:r>
+                          <a:rPr lang="de-DE" sz="3200" i="1">
+                            <a:latin typeface="Cambria Math"/>
+                            <a:ea typeface="Cambria Math"/>
+                          </a:rPr>
+                          <m:t>)</m:t>
+                        </m:r>
+                      </m:sup>
+                    </m:sSup>
+                  </m:oMath>
+                </a14:m>
+                <a:r>
+                  <a:rPr lang="en-GB" sz="3200" dirty="0" smtClean="0"/>
+                  <a:t> 	were the true parameter </a:t>
+                </a:r>
+                <a14:m>
+                  <m:oMath xmlns:m="http://schemas.openxmlformats.org/officeDocument/2006/math">
+                    <m:r>
+                      <a:rPr lang="de-DE" sz="3200" i="1">
+                        <a:latin typeface="Cambria Math"/>
+                        <a:ea typeface="Cambria Math"/>
+                      </a:rPr>
+                      <m:t>𝜃</m:t>
+                    </m:r>
+                  </m:oMath>
+                </a14:m>
+                <a:endParaRPr lang="de-DE" sz="3200" i="1" dirty="0" smtClean="0">
+                  <a:latin typeface="Cambria Math"/>
+                  <a:ea typeface="Cambria Math"/>
+                </a:endParaRPr>
+              </a:p>
+              <a:p>
+                <a:pPr>
                   <a:spcAft>
                     <a:spcPts val="1200"/>
                   </a:spcAft>
@@ -4645,7 +4736,7 @@
                         <m:dPr>
                           <m:ctrlPr>
                             <a:rPr lang="de-DE" sz="3200" b="0" i="1" smtClean="0">
-                              <a:latin typeface="Cambria Math"/>
+                              <a:latin typeface="Cambria Math" charset="0"/>
                             </a:rPr>
                           </m:ctrlPr>
                         </m:dPr>
@@ -4663,7 +4754,7 @@
                             <m:sSupPr>
                               <m:ctrlPr>
                                 <a:rPr lang="de-DE" sz="3200" i="1" smtClean="0">
-                                  <a:latin typeface="Cambria Math"/>
+                                  <a:latin typeface="Cambria Math" charset="0"/>
                                   <a:ea typeface="Cambria Math"/>
                                 </a:rPr>
                               </m:ctrlPr>
@@ -4714,7 +4805,7 @@
                         <m:sSubPr>
                           <m:ctrlPr>
                             <a:rPr lang="de-DE" sz="3200" b="0" i="1" smtClean="0">
-                              <a:latin typeface="Cambria Math"/>
+                              <a:latin typeface="Cambria Math" charset="0"/>
                               <a:ea typeface="Cambria Math"/>
                             </a:rPr>
                           </m:ctrlPr>
@@ -4733,7 +4824,7 @@
                             <m:sSubPr>
                               <m:ctrlPr>
                                 <a:rPr lang="de-DE" sz="3200" b="0" i="1" smtClean="0">
-                                  <a:latin typeface="Cambria Math"/>
+                                  <a:latin typeface="Cambria Math" charset="0"/>
                                   <a:ea typeface="Cambria Math"/>
                                 </a:rPr>
                               </m:ctrlPr>
@@ -4768,7 +4859,7 @@
                             <m:sSubPr>
                               <m:ctrlPr>
                                 <a:rPr lang="de-DE" sz="3200" b="0" i="1" smtClean="0">
-                                  <a:latin typeface="Cambria Math"/>
+                                  <a:latin typeface="Cambria Math" charset="0"/>
                                   <a:ea typeface="Cambria Math"/>
                                 </a:rPr>
                               </m:ctrlPr>
@@ -4803,7 +4894,7 @@
                             <m:sSupPr>
                               <m:ctrlPr>
                                 <a:rPr lang="de-DE" sz="3200" b="0" i="1" smtClean="0">
-                                  <a:latin typeface="Cambria Math"/>
+                                  <a:latin typeface="Cambria Math" charset="0"/>
                                   <a:ea typeface="Cambria Math"/>
                                 </a:rPr>
                               </m:ctrlPr>
@@ -4882,7 +4973,7 @@
                         <m:sSubPr>
                           <m:ctrlPr>
                             <a:rPr lang="de-DE" sz="3200" b="0" i="1" smtClean="0">
-                              <a:latin typeface="Cambria Math"/>
+                              <a:latin typeface="Cambria Math" charset="0"/>
                               <a:ea typeface="Cambria Math"/>
                             </a:rPr>
                           </m:ctrlPr>
@@ -4917,7 +5008,7 @@
                         <m:sSubPr>
                           <m:ctrlPr>
                             <a:rPr lang="de-DE" sz="3200" b="0" i="1" smtClean="0">
-                              <a:latin typeface="Cambria Math"/>
+                              <a:latin typeface="Cambria Math" charset="0"/>
                               <a:ea typeface="Cambria Math"/>
                             </a:rPr>
                           </m:ctrlPr>
@@ -4961,174 +5052,6 @@
                   <a:buFont typeface="Arial" pitchFamily="34" charset="0"/>
                   <a:buChar char="•"/>
                 </a:pPr>
-                <a:r>
-                  <a:rPr lang="en-GB" sz="3200" dirty="0" smtClean="0"/>
-                  <a:t>M-step</a:t>
-                </a:r>
-                <a:r>
-                  <a:rPr lang="en-GB" sz="3200" dirty="0"/>
-                  <a:t> </a:t>
-                </a:r>
-                <a:r>
-                  <a:rPr lang="en-GB" sz="3200" dirty="0" smtClean="0"/>
-                  <a:t>updates the parameter vector </a:t>
-                </a:r>
-                <a14:m>
-                  <m:oMath xmlns:m="http://schemas.openxmlformats.org/officeDocument/2006/math">
-                    <m:r>
-                      <a:rPr lang="de-DE" sz="3200" i="1">
-                        <a:latin typeface="Cambria Math"/>
-                        <a:ea typeface="Cambria Math"/>
-                      </a:rPr>
-                      <m:t>𝜃</m:t>
-                    </m:r>
-                  </m:oMath>
-                </a14:m>
-                <a:r>
-                  <a:rPr lang="en-GB" sz="3200" dirty="0" smtClean="0"/>
-                  <a:t> by</a:t>
-                </a:r>
-              </a:p>
-              <a:p>
-                <a:pPr>
-                  <a:spcAft>
-                    <a:spcPts val="1200"/>
-                  </a:spcAft>
-                </a:pPr>
-                <a14:m>
-                  <m:oMathPara xmlns:m="http://schemas.openxmlformats.org/officeDocument/2006/math">
-                    <m:oMathParaPr>
-                      <m:jc m:val="centerGroup"/>
-                    </m:oMathParaPr>
-                    <m:oMath xmlns:m="http://schemas.openxmlformats.org/officeDocument/2006/math">
-                      <m:func>
-                        <m:funcPr>
-                          <m:ctrlPr>
-                            <a:rPr lang="de-DE" sz="3200" i="1">
-                              <a:latin typeface="Cambria Math"/>
-                            </a:rPr>
-                          </m:ctrlPr>
-                        </m:funcPr>
-                        <m:fName>
-                          <m:sSup>
-                            <m:sSupPr>
-                              <m:ctrlPr>
-                                <a:rPr lang="de-DE" sz="3200" i="1">
-                                  <a:latin typeface="Cambria Math"/>
-                                </a:rPr>
-                              </m:ctrlPr>
-                            </m:sSupPr>
-                            <m:e>
-                              <m:r>
-                                <a:rPr lang="de-DE" sz="3200" i="1">
-                                  <a:latin typeface="Cambria Math"/>
-                                  <a:ea typeface="Cambria Math"/>
-                                </a:rPr>
-                                <m:t>𝜃</m:t>
-                              </m:r>
-                            </m:e>
-                            <m:sup>
-                              <m:r>
-                                <a:rPr lang="de-DE" sz="3200" i="1">
-                                  <a:latin typeface="Cambria Math"/>
-                                </a:rPr>
-                                <m:t>(</m:t>
-                              </m:r>
-                              <m:r>
-                                <a:rPr lang="de-DE" sz="3200" i="1">
-                                  <a:latin typeface="Cambria Math"/>
-                                </a:rPr>
-                                <m:t>𝑡</m:t>
-                              </m:r>
-                              <m:r>
-                                <a:rPr lang="de-DE" sz="3200" i="1">
-                                  <a:latin typeface="Cambria Math"/>
-                                </a:rPr>
-                                <m:t>+1)</m:t>
-                              </m:r>
-                            </m:sup>
-                          </m:sSup>
-                          <m:r>
-                            <a:rPr lang="de-DE" sz="3200" i="1">
-                              <a:latin typeface="Cambria Math"/>
-                            </a:rPr>
-                            <m:t>=</m:t>
-                          </m:r>
-                        </m:fName>
-                        <m:e>
-                          <m:r>
-                            <a:rPr lang="de-DE" sz="3200" i="1">
-                              <a:latin typeface="Cambria Math"/>
-                            </a:rPr>
-                            <m:t>𝑄</m:t>
-                          </m:r>
-                          <m:d>
-                            <m:dPr>
-                              <m:ctrlPr>
-                                <a:rPr lang="de-DE" sz="3200" i="1">
-                                  <a:latin typeface="Cambria Math"/>
-                                </a:rPr>
-                              </m:ctrlPr>
-                            </m:dPr>
-                            <m:e>
-                              <m:r>
-                                <a:rPr lang="de-DE" sz="3200" i="1">
-                                  <a:latin typeface="Cambria Math"/>
-                                  <a:ea typeface="Cambria Math"/>
-                                </a:rPr>
-                                <m:t>𝜃</m:t>
-                              </m:r>
-                            </m:e>
-                            <m:e>
-                              <m:sSup>
-                                <m:sSupPr>
-                                  <m:ctrlPr>
-                                    <a:rPr lang="de-DE" sz="3200" i="1">
-                                      <a:latin typeface="Cambria Math"/>
-                                      <a:ea typeface="Cambria Math"/>
-                                    </a:rPr>
-                                  </m:ctrlPr>
-                                </m:sSupPr>
-                                <m:e>
-                                  <m:r>
-                                    <a:rPr lang="de-DE" sz="3200" i="1">
-                                      <a:latin typeface="Cambria Math"/>
-                                      <a:ea typeface="Cambria Math"/>
-                                    </a:rPr>
-                                    <m:t>𝜃</m:t>
-                                  </m:r>
-                                </m:e>
-                                <m:sup>
-                                  <m:r>
-                                    <a:rPr lang="de-DE" sz="3200" i="1">
-                                      <a:latin typeface="Cambria Math"/>
-                                      <a:ea typeface="Cambria Math"/>
-                                    </a:rPr>
-                                    <m:t>(</m:t>
-                                  </m:r>
-                                  <m:r>
-                                    <a:rPr lang="de-DE" sz="3200" i="1">
-                                      <a:latin typeface="Cambria Math"/>
-                                      <a:ea typeface="Cambria Math"/>
-                                    </a:rPr>
-                                    <m:t>𝑡</m:t>
-                                  </m:r>
-                                  <m:r>
-                                    <a:rPr lang="de-DE" sz="3200" i="1">
-                                      <a:latin typeface="Cambria Math"/>
-                                      <a:ea typeface="Cambria Math"/>
-                                    </a:rPr>
-                                    <m:t>)</m:t>
-                                  </m:r>
-                                </m:sup>
-                              </m:sSup>
-                            </m:e>
-                          </m:d>
-                        </m:e>
-                      </m:func>
-                    </m:oMath>
-                  </m:oMathPara>
-                </a14:m>
                 <a:endParaRPr lang="en-GB" sz="3200" dirty="0" smtClean="0"/>
               </a:p>
               <a:p>
@@ -5140,9 +5063,423 @@
                   <a:buChar char="•"/>
                 </a:pPr>
                 <a:r>
+                  <a:rPr lang="en-GB" sz="3200" b="1" dirty="0" smtClean="0"/>
+                  <a:t>M-step: </a:t>
+                </a:r>
+              </a:p>
+              <a:p>
+                <a:pPr>
+                  <a:spcAft>
+                    <a:spcPts val="1200"/>
+                  </a:spcAft>
+                </a:pPr>
+                <a:r>
+                  <a:rPr lang="en-GB" sz="3200" b="1" dirty="0"/>
+                  <a:t>	</a:t>
+                </a:r>
+                <a:r>
+                  <a:rPr lang="de-DE" sz="3200" dirty="0" smtClean="0"/>
+                  <a:t>Update </a:t>
+                </a:r>
+                <a14:m>
+                  <m:oMath xmlns:m="http://schemas.openxmlformats.org/officeDocument/2006/math">
+                    <m:sSup>
+                      <m:sSupPr>
+                        <m:ctrlPr>
+                          <a:rPr lang="de-DE" sz="3200" i="1">
+                            <a:latin typeface="Cambria Math" charset="0"/>
+                            <a:ea typeface="Cambria Math"/>
+                          </a:rPr>
+                        </m:ctrlPr>
+                      </m:sSupPr>
+                      <m:e>
+                        <m:r>
+                          <a:rPr lang="de-DE" sz="3200" i="1">
+                            <a:latin typeface="Cambria Math"/>
+                            <a:ea typeface="Cambria Math"/>
+                          </a:rPr>
+                          <m:t>𝜃</m:t>
+                        </m:r>
+                      </m:e>
+                      <m:sup>
+                        <m:r>
+                          <a:rPr lang="de-DE" sz="3200" i="1">
+                            <a:latin typeface="Cambria Math"/>
+                            <a:ea typeface="Cambria Math"/>
+                          </a:rPr>
+                          <m:t>(</m:t>
+                        </m:r>
+                        <m:r>
+                          <a:rPr lang="de-DE" sz="3200" i="1">
+                            <a:latin typeface="Cambria Math"/>
+                            <a:ea typeface="Cambria Math"/>
+                          </a:rPr>
+                          <m:t>𝑡</m:t>
+                        </m:r>
+                        <m:r>
+                          <a:rPr lang="de-DE" sz="3200" i="1">
+                            <a:latin typeface="Cambria Math"/>
+                            <a:ea typeface="Cambria Math"/>
+                          </a:rPr>
+                          <m:t>)</m:t>
+                        </m:r>
+                      </m:sup>
+                    </m:sSup>
+                  </m:oMath>
+                </a14:m>
+                <a:r>
                   <a:rPr lang="en-GB" sz="3200" dirty="0" smtClean="0"/>
-                  <a:t>Iteration between E-step and M-step until stopping criterion is met</a:t>
-                </a:r>
+                  <a:t> by the value that maximizes the 				expected log-likelihood</a:t>
+                </a:r>
+                <a:endParaRPr lang="en-GB" sz="3200" dirty="0"/>
+              </a:p>
+              <a:p>
+                <a:pPr>
+                  <a:spcAft>
+                    <a:spcPts val="1200"/>
+                  </a:spcAft>
+                </a:pPr>
+                <a:r>
+                  <a:rPr lang="en-GB" sz="3200" dirty="0" smtClean="0"/>
+                  <a:t>	</a:t>
+                </a:r>
+                <a14:m>
+                  <m:oMath xmlns:m="http://schemas.openxmlformats.org/officeDocument/2006/math">
+                    <m:func>
+                      <m:funcPr>
+                        <m:ctrlPr>
+                          <a:rPr lang="de-DE" sz="3200" i="1" smtClean="0">
+                            <a:solidFill>
+                              <a:srgbClr val="FF0000"/>
+                            </a:solidFill>
+                            <a:latin typeface="Cambria Math" charset="0"/>
+                          </a:rPr>
+                        </m:ctrlPr>
+                      </m:funcPr>
+                      <m:fName>
+                        <m:sSup>
+                          <m:sSupPr>
+                            <m:ctrlPr>
+                              <a:rPr lang="de-DE" sz="3200" i="1">
+                                <a:solidFill>
+                                  <a:srgbClr val="FF0000"/>
+                                </a:solidFill>
+                                <a:latin typeface="Cambria Math" charset="0"/>
+                              </a:rPr>
+                            </m:ctrlPr>
+                          </m:sSupPr>
+                          <m:e>
+                            <m:r>
+                              <a:rPr lang="de-DE" sz="3200" i="1">
+                                <a:solidFill>
+                                  <a:srgbClr val="FF0000"/>
+                                </a:solidFill>
+                                <a:latin typeface="Cambria Math"/>
+                                <a:ea typeface="Cambria Math"/>
+                              </a:rPr>
+                              <m:t>𝜃</m:t>
+                            </m:r>
+                          </m:e>
+                          <m:sup>
+                            <m:r>
+                              <a:rPr lang="de-DE" sz="3200" i="1">
+                                <a:solidFill>
+                                  <a:srgbClr val="FF0000"/>
+                                </a:solidFill>
+                                <a:latin typeface="Cambria Math"/>
+                              </a:rPr>
+                              <m:t>(</m:t>
+                            </m:r>
+                            <m:r>
+                              <a:rPr lang="de-DE" sz="3200" i="1">
+                                <a:solidFill>
+                                  <a:srgbClr val="FF0000"/>
+                                </a:solidFill>
+                                <a:latin typeface="Cambria Math"/>
+                              </a:rPr>
+                              <m:t>𝑡</m:t>
+                            </m:r>
+                            <m:r>
+                              <a:rPr lang="de-DE" sz="3200" i="1">
+                                <a:solidFill>
+                                  <a:srgbClr val="FF0000"/>
+                                </a:solidFill>
+                                <a:latin typeface="Cambria Math"/>
+                              </a:rPr>
+                              <m:t>+1)</m:t>
+                            </m:r>
+                          </m:sup>
+                        </m:sSup>
+                        <m:r>
+                          <a:rPr lang="de-DE" sz="3200" i="1">
+                            <a:solidFill>
+                              <a:srgbClr val="FF0000"/>
+                            </a:solidFill>
+                            <a:latin typeface="Cambria Math"/>
+                          </a:rPr>
+                          <m:t>=</m:t>
+                        </m:r>
+                      </m:fName>
+                      <m:e>
+                        <m:r>
+                          <a:rPr lang="de-DE" sz="3200" i="1">
+                            <a:solidFill>
+                              <a:srgbClr val="FF0000"/>
+                            </a:solidFill>
+                            <a:latin typeface="Cambria Math"/>
+                          </a:rPr>
+                          <m:t>𝑄</m:t>
+                        </m:r>
+                        <m:d>
+                          <m:dPr>
+                            <m:ctrlPr>
+                              <a:rPr lang="de-DE" sz="3200" i="1">
+                                <a:solidFill>
+                                  <a:srgbClr val="FF0000"/>
+                                </a:solidFill>
+                                <a:latin typeface="Cambria Math" charset="0"/>
+                              </a:rPr>
+                            </m:ctrlPr>
+                          </m:dPr>
+                          <m:e>
+                            <m:r>
+                              <a:rPr lang="de-DE" sz="3200" i="1">
+                                <a:solidFill>
+                                  <a:srgbClr val="FF0000"/>
+                                </a:solidFill>
+                                <a:latin typeface="Cambria Math"/>
+                                <a:ea typeface="Cambria Math"/>
+                              </a:rPr>
+                              <m:t>𝜃</m:t>
+                            </m:r>
+                          </m:e>
+                          <m:e>
+                            <m:sSup>
+                              <m:sSupPr>
+                                <m:ctrlPr>
+                                  <a:rPr lang="de-DE" sz="3200" i="1">
+                                    <a:solidFill>
+                                      <a:srgbClr val="FF0000"/>
+                                    </a:solidFill>
+                                    <a:latin typeface="Cambria Math" charset="0"/>
+                                    <a:ea typeface="Cambria Math"/>
+                                  </a:rPr>
+                                </m:ctrlPr>
+                              </m:sSupPr>
+                              <m:e>
+                                <m:r>
+                                  <a:rPr lang="de-DE" sz="3200" i="1">
+                                    <a:solidFill>
+                                      <a:srgbClr val="FF0000"/>
+                                    </a:solidFill>
+                                    <a:latin typeface="Cambria Math"/>
+                                    <a:ea typeface="Cambria Math"/>
+                                  </a:rPr>
+                                  <m:t>𝜃</m:t>
+                                </m:r>
+                              </m:e>
+                              <m:sup>
+                                <m:r>
+                                  <a:rPr lang="de-DE" sz="3200" i="1">
+                                    <a:solidFill>
+                                      <a:srgbClr val="FF0000"/>
+                                    </a:solidFill>
+                                    <a:latin typeface="Cambria Math"/>
+                                    <a:ea typeface="Cambria Math"/>
+                                  </a:rPr>
+                                  <m:t>(</m:t>
+                                </m:r>
+                                <m:r>
+                                  <a:rPr lang="de-DE" sz="3200" i="1">
+                                    <a:solidFill>
+                                      <a:srgbClr val="FF0000"/>
+                                    </a:solidFill>
+                                    <a:latin typeface="Cambria Math"/>
+                                    <a:ea typeface="Cambria Math"/>
+                                  </a:rPr>
+                                  <m:t>𝑡</m:t>
+                                </m:r>
+                                <m:r>
+                                  <a:rPr lang="de-DE" sz="3200" i="1">
+                                    <a:solidFill>
+                                      <a:srgbClr val="FF0000"/>
+                                    </a:solidFill>
+                                    <a:latin typeface="Cambria Math"/>
+                                    <a:ea typeface="Cambria Math"/>
+                                  </a:rPr>
+                                  <m:t>)</m:t>
+                                </m:r>
+                              </m:sup>
+                            </m:sSup>
+                          </m:e>
+                        </m:d>
+                      </m:e>
+                    </m:func>
+                  </m:oMath>
+                </a14:m>
+                <a:r>
+                  <a:rPr lang="en-GB" sz="3200" dirty="0" smtClean="0"/>
+                  <a:t> TODO: </a:t>
+                </a:r>
+                <a:r>
+                  <a:rPr lang="en-GB" sz="3200" dirty="0" err="1" smtClean="0"/>
+                  <a:t>Formel</a:t>
+                </a:r>
+                <a:r>
+                  <a:rPr lang="en-GB" sz="3200" dirty="0" smtClean="0"/>
+                  <a:t> </a:t>
+                </a:r>
+                <a:r>
+                  <a:rPr lang="en-GB" sz="3200" dirty="0" err="1" smtClean="0"/>
+                  <a:t>überprüfen</a:t>
+                </a:r>
+                <a:endParaRPr lang="en-GB" sz="3200" dirty="0" smtClean="0"/>
+              </a:p>
+              <a:p>
+                <a:pPr>
+                  <a:spcAft>
+                    <a:spcPts val="1200"/>
+                  </a:spcAft>
+                </a:pPr>
+                <a:r>
+                  <a:rPr lang="en-GB" sz="3200" dirty="0"/>
+                  <a:t>	</a:t>
+                </a:r>
+                <a:r>
+                  <a:rPr lang="en-GB" sz="3200" dirty="0">
+                    <a:ea typeface="Cambria Math" charset="0"/>
+                    <a:cs typeface="Cambria Math" charset="0"/>
+                  </a:rPr>
+                  <a:t> </a:t>
+                </a:r>
+                <a14:m>
+                  <m:oMath xmlns:m="http://schemas.openxmlformats.org/officeDocument/2006/math">
+                    <m:r>
+                      <a:rPr lang="en-GB" sz="3200" b="0" i="1">
+                        <a:latin typeface="Cambria Math" charset="0"/>
+                        <a:ea typeface="Cambria Math" charset="0"/>
+                        <a:cs typeface="Cambria Math" charset="0"/>
+                      </a:rPr>
+                      <m:t>𝛥</m:t>
+                    </m:r>
+                    <m:r>
+                      <a:rPr lang="de-DE" sz="3200" b="0" i="1">
+                        <a:latin typeface="Cambria Math"/>
+                        <a:ea typeface="Cambria Math"/>
+                      </a:rPr>
+                      <m:t>𝜃</m:t>
+                    </m:r>
+                  </m:oMath>
+                </a14:m>
+                <a:r>
+                  <a:rPr lang="en-GB" sz="3200" dirty="0" smtClean="0"/>
+                  <a:t> = </a:t>
+                </a:r>
+                <a14:m>
+                  <m:oMath xmlns:m="http://schemas.openxmlformats.org/officeDocument/2006/math">
+                    <m:sSup>
+                      <m:sSupPr>
+                        <m:ctrlPr>
+                          <a:rPr lang="de-DE" sz="3200" i="1">
+                            <a:latin typeface="Cambria Math" charset="0"/>
+                          </a:rPr>
+                        </m:ctrlPr>
+                      </m:sSupPr>
+                      <m:e>
+                        <m:r>
+                          <a:rPr lang="de-DE" sz="3200" b="0" i="1">
+                            <a:latin typeface="Cambria Math"/>
+                            <a:ea typeface="Cambria Math"/>
+                          </a:rPr>
+                          <m:t>𝜃</m:t>
+                        </m:r>
+                      </m:e>
+                      <m:sup>
+                        <m:r>
+                          <a:rPr lang="de-DE" sz="3200" b="0" i="1">
+                            <a:latin typeface="Cambria Math"/>
+                          </a:rPr>
+                          <m:t>(</m:t>
+                        </m:r>
+                        <m:r>
+                          <a:rPr lang="de-DE" sz="3200" b="0" i="1">
+                            <a:latin typeface="Cambria Math"/>
+                          </a:rPr>
+                          <m:t>𝑡</m:t>
+                        </m:r>
+                        <m:r>
+                          <a:rPr lang="de-DE" sz="3200" b="0" i="1">
+                            <a:latin typeface="Cambria Math"/>
+                          </a:rPr>
+                          <m:t>+1)</m:t>
+                        </m:r>
+                      </m:sup>
+                    </m:sSup>
+                  </m:oMath>
+                </a14:m>
+                <a:r>
+                  <a:rPr lang="en-GB" sz="3200" dirty="0" smtClean="0"/>
+                  <a:t> - </a:t>
+                </a:r>
+                <a14:m>
+                  <m:oMath xmlns:m="http://schemas.openxmlformats.org/officeDocument/2006/math">
+                    <m:sSup>
+                      <m:sSupPr>
+                        <m:ctrlPr>
+                          <a:rPr lang="de-DE" sz="3200" i="1">
+                            <a:latin typeface="Cambria Math" charset="0"/>
+                            <a:ea typeface="Cambria Math"/>
+                          </a:rPr>
+                        </m:ctrlPr>
+                      </m:sSupPr>
+                      <m:e>
+                        <m:r>
+                          <a:rPr lang="de-DE" sz="3200" b="0" i="1">
+                            <a:latin typeface="Cambria Math"/>
+                            <a:ea typeface="Cambria Math"/>
+                          </a:rPr>
+                          <m:t>𝜃</m:t>
+                        </m:r>
+                      </m:e>
+                      <m:sup>
+                        <m:r>
+                          <a:rPr lang="de-DE" sz="3200" b="0" i="1">
+                            <a:latin typeface="Cambria Math"/>
+                            <a:ea typeface="Cambria Math"/>
+                          </a:rPr>
+                          <m:t>(</m:t>
+                        </m:r>
+                        <m:r>
+                          <a:rPr lang="de-DE" sz="3200" b="0" i="1">
+                            <a:latin typeface="Cambria Math"/>
+                            <a:ea typeface="Cambria Math"/>
+                          </a:rPr>
+                          <m:t>𝑡</m:t>
+                        </m:r>
+                        <m:r>
+                          <a:rPr lang="de-DE" sz="3200" b="0" i="1">
+                            <a:latin typeface="Cambria Math"/>
+                            <a:ea typeface="Cambria Math"/>
+                          </a:rPr>
+                          <m:t>)</m:t>
+                        </m:r>
+                      </m:sup>
+                    </m:sSup>
+                  </m:oMath>
+                </a14:m>
+                <a:endParaRPr lang="en-GB" sz="3200" dirty="0" smtClean="0"/>
+              </a:p>
+              <a:p>
+                <a:pPr>
+                  <a:spcAft>
+                    <a:spcPts val="1200"/>
+                  </a:spcAft>
+                </a:pPr>
+                <a:r>
+                  <a:rPr lang="en-GB" sz="3200" dirty="0"/>
+                  <a:t>	</a:t>
+                </a:r>
+                <a:endParaRPr lang="en-GB" sz="3200" dirty="0" smtClean="0"/>
               </a:p>
               <a:p>
                 <a:pPr marL="285750" indent="-285750">
@@ -5152,10 +5489,7 @@
                   <a:buFont typeface="Arial" pitchFamily="34" charset="0"/>
                   <a:buChar char="•"/>
                 </a:pPr>
-                <a:r>
-                  <a:rPr lang="en-GB" sz="3200" dirty="0" smtClean="0"/>
-                  <a:t>ADVANTAGES EVTL. NOCH AUFLISTEN</a:t>
-                </a:r>
+                <a:endParaRPr lang="en-GB" sz="3200" dirty="0" smtClean="0"/>
               </a:p>
               <a:p>
                 <a:pPr marL="285750" indent="-285750">
@@ -5165,6 +5499,35 @@
                   <a:buFont typeface="Arial" pitchFamily="34" charset="0"/>
                   <a:buChar char="•"/>
                 </a:pPr>
+                <a:r>
+                  <a:rPr lang="en-GB" sz="3200" dirty="0" smtClean="0"/>
+                  <a:t>TODO: ADVANTAGES </a:t>
+                </a:r>
+                <a:r>
+                  <a:rPr lang="en-GB" sz="3200" dirty="0" smtClean="0"/>
+                  <a:t>EVTL. NOCH </a:t>
+                </a:r>
+                <a:r>
+                  <a:rPr lang="en-GB" sz="3200" dirty="0" smtClean="0"/>
+                  <a:t>AUFLISTEN</a:t>
+                </a:r>
+              </a:p>
+              <a:p>
+                <a:pPr marL="285750" indent="-285750">
+                  <a:spcAft>
+                    <a:spcPts val="1200"/>
+                  </a:spcAft>
+                  <a:buFont typeface="Arial" pitchFamily="34" charset="0"/>
+                  <a:buChar char="•"/>
+                </a:pPr>
+                <a:r>
+                  <a:rPr lang="en-GB" sz="3200" dirty="0" smtClean="0"/>
+                  <a:t>EM algorithm may only converge to a local optimum depending on the startin</a:t>
+                </a:r>
+                <a:r>
+                  <a:rPr lang="en-GB" sz="3200" dirty="0" smtClean="0"/>
+                  <a:t>g values</a:t>
+                </a:r>
                 <a:endParaRPr lang="en-GB" sz="3200" dirty="0" smtClean="0"/>
               </a:p>
               <a:p>
@@ -5191,16 +5554,16 @@
             </p:nvSpPr>
             <p:spPr>
               <a:xfrm>
-                <a:off x="1233714" y="16202198"/>
-                <a:ext cx="9344944" cy="9150197"/>
+                <a:off x="1366939" y="16140288"/>
+                <a:ext cx="9344944" cy="13582180"/>
               </a:xfrm>
               <a:prstGeom prst="rect">
                 <a:avLst/>
               </a:prstGeom>
-              <a:blipFill rotWithShape="1">
+              <a:blipFill rotWithShape="0">
                 <a:blip r:embed="rId4"/>
                 <a:stretch>
-                  <a:fillRect l="-1435" t="-866"/>
+                  <a:fillRect l="-1500" t="-583"/>
                 </a:stretch>
               </a:blipFill>
             </p:spPr>
@@ -5275,7 +5638,7 @@
         </p:nvSpPr>
         <p:spPr>
           <a:xfrm>
-            <a:off x="32178497" y="5215458"/>
+            <a:off x="32178495" y="5828213"/>
             <a:ext cx="9344943" cy="14596542"/>
           </a:xfrm>
           <a:prstGeom prst="rect">
@@ -5397,7 +5760,17 @@
                 <a:latin typeface="Arial" panose="020B0604020202020204" pitchFamily="34" charset="0"/>
                 <a:cs typeface="Arial" panose="020B0604020202020204" pitchFamily="34" charset="0"/>
               </a:rPr>
-              <a:t>3. Supplemented EM algorithm</a:t>
+              <a:t>3. Supplemented EM </a:t>
+            </a:r>
+            <a:r>
+              <a:rPr lang="en-US" sz="3537" b="1" dirty="0" smtClean="0">
+                <a:solidFill>
+                  <a:srgbClr val="DCE6F2"/>
+                </a:solidFill>
+                <a:latin typeface="Arial" panose="020B0604020202020204" pitchFamily="34" charset="0"/>
+                <a:cs typeface="Arial" panose="020B0604020202020204" pitchFamily="34" charset="0"/>
+              </a:rPr>
+              <a:t>algorithm (SEM)</a:t>
             </a:r>
             <a:endParaRPr lang="en-US" sz="2829" dirty="0">
               <a:solidFill>
@@ -5512,7 +5885,7 @@
             <p:spPr>
               <a:xfrm>
                 <a:off x="11596727" y="6697869"/>
-                <a:ext cx="9344942" cy="8181535"/>
+                <a:ext cx="9344942" cy="9263305"/>
               </a:xfrm>
               <a:prstGeom prst="rect">
                 <a:avLst/>
@@ -5534,7 +5907,11 @@
                 </a:pPr>
                 <a:r>
                   <a:rPr lang="en-GB" sz="3200" dirty="0" smtClean="0"/>
-                  <a:t>Calculates numerically stable asymptotic variance-covariance matrix for parameters estimated by EM</a:t>
+                  <a:t>Calculates numerically stable asymptotic variance-covariance matrix for ML estimates obtained </a:t>
+                </a:r>
+                <a:r>
+                  <a:rPr lang="en-GB" sz="3200" dirty="0" smtClean="0"/>
+                  <a:t>by EM</a:t>
                 </a:r>
               </a:p>
               <a:p>
@@ -5559,8 +5936,12 @@
                   <a:buChar char="•"/>
                 </a:pPr>
                 <a:r>
+                  <a:rPr lang="en-GB" sz="3200" b="1" dirty="0" smtClean="0"/>
+                  <a:t>Step 1: </a:t>
+                </a:r>
+                <a:r>
                   <a:rPr lang="en-GB" sz="3200" dirty="0" smtClean="0"/>
-                  <a:t>Step 1: Evaluation of adjusted information matrix </a:t>
+                  <a:t>Evaluation of adjusted information matrix </a:t>
                 </a:r>
                 <a14:m>
                   <m:oMath xmlns:m="http://schemas.openxmlformats.org/officeDocument/2006/math">
@@ -5568,7 +5949,7 @@
                       <m:sSubPr>
                         <m:ctrlPr>
                           <a:rPr lang="en-GB" sz="3200" i="1" smtClean="0">
-                            <a:latin typeface="Cambria Math"/>
+                            <a:latin typeface="Cambria Math" charset="0"/>
                           </a:rPr>
                         </m:ctrlPr>
                       </m:sSubPr>
@@ -5612,7 +5993,7 @@
                       <m:sSubPr>
                         <m:ctrlPr>
                           <a:rPr lang="en-GB" sz="3200" i="1" dirty="0" smtClean="0">
-                            <a:latin typeface="Cambria Math"/>
+                            <a:latin typeface="Cambria Math" charset="0"/>
                           </a:rPr>
                         </m:ctrlPr>
                       </m:sSubPr>
@@ -5643,7 +6024,7 @@
                       <m:sSubPr>
                         <m:ctrlPr>
                           <a:rPr lang="en-GB" sz="3200" i="1" dirty="0" smtClean="0">
-                            <a:latin typeface="Cambria Math"/>
+                            <a:latin typeface="Cambria Math" charset="0"/>
                           </a:rPr>
                         </m:ctrlPr>
                       </m:sSubPr>
@@ -5668,7 +6049,7 @@
                       <m:dPr>
                         <m:ctrlPr>
                           <a:rPr lang="en-GB" sz="3200" i="1" dirty="0" smtClean="0">
-                            <a:latin typeface="Cambria Math"/>
+                            <a:latin typeface="Cambria Math" charset="0"/>
                           </a:rPr>
                         </m:ctrlPr>
                       </m:dPr>
@@ -5677,7 +6058,7 @@
                           <m:sSupPr>
                             <m:ctrlPr>
                               <a:rPr lang="el-GR" sz="3200" i="1" dirty="0" smtClean="0">
-                                <a:latin typeface="Cambria Math"/>
+                                <a:latin typeface="Cambria Math" charset="0"/>
                                 <a:ea typeface="Cambria Math"/>
                               </a:rPr>
                             </m:ctrlPr>
@@ -5707,7 +6088,7 @@
                           <m:sSupPr>
                             <m:ctrlPr>
                               <a:rPr lang="el-GR" sz="3200" i="1" dirty="0" smtClean="0">
-                                <a:latin typeface="Cambria Math"/>
+                                <a:latin typeface="Cambria Math" charset="0"/>
                               </a:rPr>
                             </m:ctrlPr>
                           </m:sSupPr>
@@ -5732,7 +6113,7 @@
                           <m:dPr>
                             <m:ctrlPr>
                               <a:rPr lang="en-GB" sz="3200" i="1" dirty="0" smtClean="0">
-                                <a:latin typeface="Cambria Math"/>
+                                <a:latin typeface="Cambria Math" charset="0"/>
                               </a:rPr>
                             </m:ctrlPr>
                           </m:dPr>
@@ -5741,7 +6122,7 @@
                               <m:sSubPr>
                                 <m:ctrlPr>
                                   <a:rPr lang="en-GB" sz="3200" i="1" dirty="0" smtClean="0">
-                                    <a:latin typeface="Cambria Math"/>
+                                    <a:latin typeface="Cambria Math" charset="0"/>
                                   </a:rPr>
                                 </m:ctrlPr>
                               </m:sSubPr>
@@ -5788,7 +6169,7 @@
                       <m:sSupPr>
                         <m:ctrlPr>
                           <a:rPr lang="de-DE" sz="3200" b="0" i="1" dirty="0" smtClean="0">
-                            <a:latin typeface="Cambria Math"/>
+                            <a:latin typeface="Cambria Math" charset="0"/>
                           </a:rPr>
                         </m:ctrlPr>
                       </m:sSupPr>
@@ -5827,7 +6208,7 @@
                         <m:endChr m:val="]"/>
                         <m:ctrlPr>
                           <a:rPr lang="de-DE" sz="3200" b="0" i="1" dirty="0" smtClean="0">
-                            <a:latin typeface="Cambria Math"/>
+                            <a:latin typeface="Cambria Math" charset="0"/>
                           </a:rPr>
                         </m:ctrlPr>
                       </m:dPr>
@@ -5842,7 +6223,7 @@
                           <m:dPr>
                             <m:ctrlPr>
                               <a:rPr lang="de-DE" sz="3200" b="0" i="1" dirty="0" smtClean="0">
-                                <a:latin typeface="Cambria Math"/>
+                                <a:latin typeface="Cambria Math" charset="0"/>
                               </a:rPr>
                             </m:ctrlPr>
                           </m:dPr>
@@ -5865,7 +6246,7 @@
                           <m:sSubPr>
                             <m:ctrlPr>
                               <a:rPr lang="de-DE" sz="3200" b="0" i="1" dirty="0" smtClean="0">
-                                <a:latin typeface="Cambria Math"/>
+                                <a:latin typeface="Cambria Math" charset="0"/>
                               </a:rPr>
                             </m:ctrlPr>
                           </m:sSubPr>
@@ -5914,9 +6295,58 @@
                   <a:buChar char="•"/>
                 </a:pPr>
                 <a:r>
+                  <a:rPr lang="en-GB" sz="3200" b="1" dirty="0" smtClean="0"/>
+                  <a:t>Step 2:</a:t>
+                </a:r>
+                <a:r>
                   <a:rPr lang="en-GB" sz="3200" dirty="0" smtClean="0"/>
-                  <a:t>Step 2: Calculation of elements in rate-of-convergence matrix DM by</a:t>
-                </a:r>
+                  <a:t> Calculation of elements in rate-of-convergence matrix DM </a:t>
+                </a:r>
+                <a:r>
+                  <a:rPr lang="en-GB" sz="3200" dirty="0" smtClean="0"/>
+                  <a:t>by (TODO: </a:t>
+                </a:r>
+                <a:r>
+                  <a:rPr lang="en-GB" sz="3200" dirty="0" err="1" smtClean="0"/>
+                  <a:t>evtl</a:t>
+                </a:r>
+                <a:r>
+                  <a:rPr lang="en-GB" sz="3200" dirty="0" smtClean="0"/>
+                  <a:t>. </a:t>
+                </a:r>
+                <a:r>
+                  <a:rPr lang="en-GB" sz="3200" dirty="0" err="1" smtClean="0"/>
+                  <a:t>Eher</a:t>
+                </a:r>
+                <a:r>
+                  <a:rPr lang="en-GB" sz="3200" dirty="0" smtClean="0"/>
+                  <a:t> </a:t>
+                </a:r>
+                <a:r>
+                  <a:rPr lang="en-GB" sz="3200" dirty="0" err="1" smtClean="0"/>
+                  <a:t>als</a:t>
+                </a:r>
+                <a:r>
+                  <a:rPr lang="en-GB" sz="3200" dirty="0" smtClean="0"/>
+                  <a:t> Pseudo-code </a:t>
+                </a:r>
+                <a:r>
+                  <a:rPr lang="en-GB" sz="3200" dirty="0" err="1" smtClean="0"/>
+                  <a:t>statt</a:t>
+                </a:r>
+                <a:r>
+                  <a:rPr lang="en-GB" sz="3200" dirty="0" smtClean="0"/>
+                  <a:t> </a:t>
+                </a:r>
+                <a:r>
+                  <a:rPr lang="en-GB" sz="3200" dirty="0" err="1" smtClean="0"/>
+                  <a:t>theoretische</a:t>
+                </a:r>
+                <a:r>
+                  <a:rPr lang="en-GB" sz="3200" dirty="0" smtClean="0"/>
+                  <a:t> Version)</a:t>
+                </a:r>
+                <a:endParaRPr lang="en-GB" sz="3200" dirty="0" smtClean="0"/>
               </a:p>
               <a:p>
                 <a:pPr algn="ctr">
@@ -5930,7 +6360,7 @@
                       <m:sSubPr>
                         <m:ctrlPr>
                           <a:rPr lang="en-GB" sz="3200" i="1" smtClean="0">
-                            <a:latin typeface="Cambria Math"/>
+                            <a:latin typeface="Cambria Math" charset="0"/>
                           </a:rPr>
                         </m:ctrlPr>
                       </m:sSubPr>
@@ -5961,7 +6391,7 @@
                       <m:funcPr>
                         <m:ctrlPr>
                           <a:rPr lang="de-DE" sz="3200" b="0" i="1" smtClean="0">
-                            <a:latin typeface="Cambria Math"/>
+                            <a:latin typeface="Cambria Math" charset="0"/>
                           </a:rPr>
                         </m:ctrlPr>
                       </m:funcPr>
@@ -5970,7 +6400,7 @@
                           <m:limLowPr>
                             <m:ctrlPr>
                               <a:rPr lang="de-DE" sz="3200" b="0" i="1" smtClean="0">
-                                <a:latin typeface="Cambria Math"/>
+                                <a:latin typeface="Cambria Math" charset="0"/>
                               </a:rPr>
                             </m:ctrlPr>
                           </m:limLowPr>
@@ -6007,7 +6437,7 @@
                           <m:sSubPr>
                             <m:ctrlPr>
                               <a:rPr lang="de-DE" sz="3200" b="0" i="1" smtClean="0">
-                                <a:latin typeface="Cambria Math"/>
+                                <a:latin typeface="Cambria Math" charset="0"/>
                               </a:rPr>
                             </m:ctrlPr>
                           </m:sSubPr>
@@ -6042,7 +6472,7 @@
                       <m:fPr>
                         <m:ctrlPr>
                           <a:rPr lang="en-GB" sz="3200" i="1" smtClean="0">
-                            <a:latin typeface="Cambria Math"/>
+                            <a:latin typeface="Cambria Math" charset="0"/>
                           </a:rPr>
                         </m:ctrlPr>
                       </m:fPr>
@@ -6057,7 +6487,7 @@
                           <m:sSubSupPr>
                             <m:ctrlPr>
                               <a:rPr lang="de-DE" sz="3200" b="0" i="1" smtClean="0">
-                                <a:latin typeface="Cambria Math"/>
+                                <a:latin typeface="Cambria Math" charset="0"/>
                               </a:rPr>
                             </m:ctrlPr>
                           </m:sSubSupPr>
@@ -6078,7 +6508,37 @@
                               <m:t>𝑗</m:t>
                             </m:r>
                           </m:sub>
-                          <m:sup/>
+                          <m:sup>
+                            <m:d>
+                              <m:dPr>
+                                <m:ctrlPr>
+                                  <a:rPr lang="de-DE" sz="3200" i="1" baseline="14000">
+                                    <a:latin typeface="Cambria Math" charset="0"/>
+                                  </a:rPr>
+                                </m:ctrlPr>
+                              </m:dPr>
+                              <m:e>
+                                <m:r>
+                                  <a:rPr lang="de-DE" sz="3200" i="1" baseline="14000">
+                                    <a:latin typeface="Cambria Math"/>
+                                  </a:rPr>
+                                  <m:t>𝑡</m:t>
+                                </m:r>
+                                <m:r>
+                                  <a:rPr lang="de-DE" sz="3200" i="1" baseline="8000">
+                                    <a:latin typeface="Cambria Math"/>
+                                  </a:rPr>
+                                  <m:t>+</m:t>
+                                </m:r>
+                                <m:r>
+                                  <a:rPr lang="de-DE" sz="3200" i="1" baseline="14000">
+                                    <a:latin typeface="Cambria Math"/>
+                                  </a:rPr>
+                                  <m:t>1</m:t>
+                                </m:r>
+                              </m:e>
+                            </m:d>
+                          </m:sup>
                         </m:sSubSup>
                         <m:r>
                           <a:rPr lang="de-DE" sz="3200" b="0" i="1" smtClean="0">
@@ -6089,43 +6549,8 @@
                         <m:d>
                           <m:dPr>
                             <m:ctrlPr>
-                              <a:rPr lang="de-DE" sz="3200" b="0" i="1" baseline="14000" smtClean="0">
-                                <a:latin typeface="Cambria Math"/>
-                              </a:rPr>
-                            </m:ctrlPr>
-                          </m:dPr>
-                          <m:e>
-                            <m:r>
-                              <a:rPr lang="de-DE" sz="3200" b="0" i="1" baseline="14000" smtClean="0">
-                                <a:latin typeface="Cambria Math"/>
-                              </a:rPr>
-                              <m:t>𝑡</m:t>
-                            </m:r>
-                            <m:r>
-                              <a:rPr lang="de-DE" sz="3200" b="0" i="1" baseline="8000" smtClean="0">
-                                <a:latin typeface="Cambria Math"/>
-                              </a:rPr>
-                              <m:t>+</m:t>
-                            </m:r>
-                            <m:r>
-                              <a:rPr lang="de-DE" sz="3200" b="0" i="1" baseline="14000" smtClean="0">
-                                <a:latin typeface="Cambria Math"/>
-                              </a:rPr>
-                              <m:t>1</m:t>
-                            </m:r>
-                          </m:e>
-                        </m:d>
-                        <m:r>
-                          <a:rPr lang="de-DE" sz="3200" b="0" i="1" smtClean="0">
-                            <a:latin typeface="Cambria Math"/>
-                          </a:rPr>
-                          <m:t> </m:t>
-                        </m:r>
-                        <m:d>
-                          <m:dPr>
-                            <m:ctrlPr>
                               <a:rPr lang="de-DE" sz="3200" b="0" i="1" smtClean="0">
-                                <a:latin typeface="Cambria Math"/>
+                                <a:latin typeface="Cambria Math" charset="0"/>
                               </a:rPr>
                             </m:ctrlPr>
                           </m:dPr>
@@ -6148,7 +6573,7 @@
                           <m:sSubPr>
                             <m:ctrlPr>
                               <a:rPr lang="de-DE" sz="3200" b="0" i="1" smtClean="0">
-                                <a:latin typeface="Cambria Math"/>
+                                <a:latin typeface="Cambria Math" charset="0"/>
                               </a:rPr>
                             </m:ctrlPr>
                           </m:sSubPr>
@@ -6194,7 +6619,7 @@
                           <m:sSubPr>
                             <m:ctrlPr>
                               <a:rPr lang="de-DE" sz="3200" b="0" i="1" smtClean="0">
-                                <a:latin typeface="Cambria Math"/>
+                                <a:latin typeface="Cambria Math" charset="0"/>
                               </a:rPr>
                             </m:ctrlPr>
                           </m:sSubPr>
@@ -6226,7 +6651,7 @@
                           <m:dPr>
                             <m:ctrlPr>
                               <a:rPr lang="de-DE" sz="3200" b="0" i="1" baseline="14000" smtClean="0">
-                                <a:latin typeface="Cambria Math"/>
+                                <a:latin typeface="Cambria Math" charset="0"/>
                               </a:rPr>
                             </m:ctrlPr>
                           </m:dPr>
@@ -6249,7 +6674,7 @@
                           <m:sSubPr>
                             <m:ctrlPr>
                               <a:rPr lang="de-DE" sz="3200" b="0" i="1" smtClean="0">
-                                <a:latin typeface="Cambria Math"/>
+                                <a:latin typeface="Cambria Math" charset="0"/>
                               </a:rPr>
                             </m:ctrlPr>
                           </m:sSubPr>
@@ -6301,8 +6726,12 @@
                   <a:buChar char="•"/>
                 </a:pPr>
                 <a:r>
+                  <a:rPr lang="en-GB" sz="3200" b="1" dirty="0" smtClean="0"/>
+                  <a:t>Step 3:</a:t>
+                </a:r>
+                <a:r>
                   <a:rPr lang="en-GB" sz="3200" dirty="0" smtClean="0"/>
-                  <a:t>Step 3: Evaluation of </a:t>
+                  <a:t> Evaluation of </a:t>
                 </a:r>
               </a:p>
               <a:p>
@@ -6329,7 +6758,7 @@
                       <m:sSupPr>
                         <m:ctrlPr>
                           <a:rPr lang="de-DE" sz="3200" b="0" i="1" smtClean="0">
-                            <a:latin typeface="Cambria Math"/>
+                            <a:latin typeface="Cambria Math" charset="0"/>
                           </a:rPr>
                         </m:ctrlPr>
                       </m:sSupPr>
@@ -6338,7 +6767,7 @@
                           <m:sSubPr>
                             <m:ctrlPr>
                               <a:rPr lang="en-GB" sz="3200" i="1" dirty="0">
-                                <a:latin typeface="Cambria Math"/>
+                                <a:latin typeface="Cambria Math" charset="0"/>
                               </a:rPr>
                             </m:ctrlPr>
                           </m:sSubPr>
@@ -6431,7 +6860,7 @@
                       <m:sSupPr>
                         <m:ctrlPr>
                           <a:rPr lang="de-DE" sz="3200" i="1">
-                            <a:latin typeface="Cambria Math"/>
+                            <a:latin typeface="Cambria Math" charset="0"/>
                           </a:rPr>
                         </m:ctrlPr>
                       </m:sSupPr>
@@ -6440,7 +6869,7 @@
                           <m:sSubPr>
                             <m:ctrlPr>
                               <a:rPr lang="en-GB" sz="3200" i="1" dirty="0">
-                                <a:latin typeface="Cambria Math"/>
+                                <a:latin typeface="Cambria Math" charset="0"/>
                               </a:rPr>
                             </m:ctrlPr>
                           </m:sSubPr>
@@ -6483,7 +6912,7 @@
                       <m:sSupPr>
                         <m:ctrlPr>
                           <a:rPr lang="en-GB" sz="3200" i="1" smtClean="0">
-                            <a:latin typeface="Cambria Math"/>
+                            <a:latin typeface="Cambria Math" charset="0"/>
                           </a:rPr>
                         </m:ctrlPr>
                       </m:sSupPr>
@@ -6507,7 +6936,7 @@
                             <m:nor/>
                           </m:rPr>
                           <a:rPr lang="en-GB" sz="3200" dirty="0"/>
-                          <m:t> - </m:t>
+                          <m:t> − </m:t>
                         </m:r>
                         <m:r>
                           <m:rPr>
@@ -6535,15 +6964,48 @@
                     </m:sSup>
                   </m:oMath>
                 </a14:m>
-                <a:endParaRPr lang="en-GB" sz="3200" dirty="0" smtClean="0"/>
+                <a:endParaRPr lang="de-DE" sz="3200" b="0" dirty="0" smtClean="0"/>
               </a:p>
               <a:p>
-                <a:pPr marL="285750" indent="-285750">
+                <a:pPr>
                   <a:spcAft>
                     <a:spcPts val="1200"/>
                   </a:spcAft>
-                  <a:buFont typeface="Arial" pitchFamily="34" charset="0"/>
-                  <a:buChar char="•"/>
+                </a:pPr>
+                <a:r>
+                  <a:rPr lang="de-DE" sz="3200" dirty="0" smtClean="0"/>
+                  <a:t>NOTE: FOR SEM USE </a:t>
+                </a:r>
+                <a:r>
+                  <a:rPr lang="de-DE" sz="3200" dirty="0" err="1" smtClean="0"/>
+                  <a:t>sqrt</a:t>
+                </a:r>
+                <a:r>
+                  <a:rPr lang="de-DE" sz="3200" dirty="0" smtClean="0"/>
+                  <a:t>(</a:t>
+                </a:r>
+                <a14:m>
+                  <m:oMath xmlns:m="http://schemas.openxmlformats.org/officeDocument/2006/math">
+                    <m:r>
+                      <a:rPr lang="en-GB" sz="3200" b="1" i="1">
+                        <a:latin typeface="Cambria Math" charset="0"/>
+                        <a:ea typeface="Cambria Math" charset="0"/>
+                        <a:cs typeface="Cambria Math" charset="0"/>
+                      </a:rPr>
+                      <m:t>𝜺</m:t>
+                    </m:r>
+                  </m:oMath>
+                </a14:m>
+                <a:r>
+                  <a:rPr lang="de-DE" sz="3200" b="0" dirty="0" smtClean="0"/>
+                  <a:t>) AS STOPPING CRITERION</a:t>
+                </a:r>
+              </a:p>
+              <a:p>
+                <a:pPr>
+                  <a:spcAft>
+                    <a:spcPts val="1200"/>
+                  </a:spcAft>
                 </a:pPr>
                 <a:endParaRPr lang="en-GB" sz="2800" dirty="0"/>
               </a:p>
@@ -6562,15 +7024,15 @@
             <p:spPr>
               <a:xfrm>
                 <a:off x="11596727" y="6697869"/>
-                <a:ext cx="9344942" cy="8181535"/>
+                <a:ext cx="9344942" cy="9263305"/>
               </a:xfrm>
               <a:prstGeom prst="rect">
                 <a:avLst/>
               </a:prstGeom>
-              <a:blipFill rotWithShape="1">
+              <a:blipFill rotWithShape="0">
                 <a:blip r:embed="rId5"/>
                 <a:stretch>
-                  <a:fillRect l="-1435" t="-969" r="-1631"/>
+                  <a:fillRect l="-1631" t="-856" r="-1826"/>
                 </a:stretch>
               </a:blipFill>
             </p:spPr>
@@ -6633,9 +7095,17 @@
             </a:pPr>
             <a:r>
               <a:rPr lang="en-GB" sz="2800" dirty="0" smtClean="0"/>
-              <a:t>Since 1996, has SEM established or are there better methods?</a:t>
-            </a:r>
-            <a:endParaRPr lang="en-GB" sz="3200" dirty="0" smtClean="0"/>
+              <a:t>Since 1996, has SEM established or are there better </a:t>
+            </a:r>
+            <a:r>
+              <a:rPr lang="en-GB" sz="2800" smtClean="0"/>
+              <a:t>methods</a:t>
+            </a:r>
+            <a:r>
+              <a:rPr lang="en-GB" sz="2800" smtClean="0"/>
+              <a:t>?</a:t>
+            </a:r>
+            <a:endParaRPr lang="en-GB" sz="2800" dirty="0" smtClean="0"/>
           </a:p>
         </p:txBody>
       </p:sp>
@@ -6648,7 +7118,7 @@
         <p:spPr>
           <a:xfrm>
             <a:off x="32178498" y="23375263"/>
-            <a:ext cx="9344942" cy="523220"/>
+            <a:ext cx="9344942" cy="1384995"/>
           </a:xfrm>
           <a:prstGeom prst="rect">
             <a:avLst/>
@@ -6661,25 +7131,2617 @@
           </a:bodyPr>
           <a:lstStyle/>
           <a:p>
-            <a:pPr marL="285750" indent="-285750">
-              <a:spcAft>
-                <a:spcPts val="1200"/>
-              </a:spcAft>
-              <a:buFont typeface="Arial" pitchFamily="34" charset="0"/>
-              <a:buChar char="•"/>
-            </a:pPr>
-            <a:r>
-              <a:rPr lang="en-GB" sz="2800" dirty="0" err="1" smtClean="0"/>
-              <a:t>Meng</a:t>
-            </a:r>
-            <a:r>
-              <a:rPr lang="en-GB" sz="2800" dirty="0" smtClean="0"/>
-              <a:t> &amp; Rubin, 1996</a:t>
-            </a:r>
-            <a:endParaRPr lang="en-GB" sz="3200" dirty="0" smtClean="0"/>
+            <a:r>
+              <a:rPr lang="de-DE" sz="2800" dirty="0"/>
+              <a:t>Meng, X.-L. &amp; Rubin, D. B. (1991), ‘</a:t>
+            </a:r>
+            <a:r>
+              <a:rPr lang="de-DE" sz="2800" dirty="0" err="1"/>
+              <a:t>Using</a:t>
+            </a:r>
+            <a:r>
+              <a:rPr lang="de-DE" sz="2800" dirty="0"/>
+              <a:t> </a:t>
+            </a:r>
+            <a:r>
+              <a:rPr lang="de-DE" sz="2800" dirty="0" err="1"/>
+              <a:t>em</a:t>
+            </a:r>
+            <a:r>
+              <a:rPr lang="de-DE" sz="2800" dirty="0"/>
+              <a:t> </a:t>
+            </a:r>
+            <a:r>
+              <a:rPr lang="de-DE" sz="2800" dirty="0" err="1"/>
+              <a:t>to</a:t>
+            </a:r>
+            <a:r>
+              <a:rPr lang="de-DE" sz="2800" dirty="0"/>
+              <a:t> </a:t>
+            </a:r>
+            <a:r>
+              <a:rPr lang="de-DE" sz="2800" dirty="0" err="1"/>
+              <a:t>obtain</a:t>
+            </a:r>
+            <a:r>
+              <a:rPr lang="de-DE" sz="2800" dirty="0"/>
+              <a:t> </a:t>
+            </a:r>
+            <a:r>
+              <a:rPr lang="de-DE" sz="2800" dirty="0" err="1"/>
+              <a:t>asymptotic</a:t>
+            </a:r>
+            <a:r>
+              <a:rPr lang="de-DE" sz="2800" dirty="0"/>
+              <a:t> </a:t>
+            </a:r>
+            <a:r>
+              <a:rPr lang="de-DE" sz="2800" dirty="0" err="1"/>
+              <a:t>variance</a:t>
+            </a:r>
+            <a:r>
+              <a:rPr lang="de-DE" sz="2800" dirty="0"/>
+              <a:t>- </a:t>
+            </a:r>
+            <a:r>
+              <a:rPr lang="de-DE" sz="2800" dirty="0" err="1"/>
+              <a:t>covariance</a:t>
+            </a:r>
+            <a:r>
+              <a:rPr lang="de-DE" sz="2800" dirty="0"/>
+              <a:t> </a:t>
+            </a:r>
+            <a:r>
+              <a:rPr lang="de-DE" sz="2800" dirty="0" err="1"/>
+              <a:t>matrices</a:t>
+            </a:r>
+            <a:r>
+              <a:rPr lang="de-DE" sz="2800" dirty="0"/>
+              <a:t>: The </a:t>
+            </a:r>
+            <a:r>
+              <a:rPr lang="de-DE" sz="2800" dirty="0" err="1"/>
+              <a:t>sem</a:t>
+            </a:r>
+            <a:r>
+              <a:rPr lang="de-DE" sz="2800" dirty="0"/>
+              <a:t> </a:t>
+            </a:r>
+            <a:r>
+              <a:rPr lang="de-DE" sz="2800" dirty="0" err="1"/>
+              <a:t>algorithm</a:t>
+            </a:r>
+            <a:r>
+              <a:rPr lang="de-DE" sz="2800" dirty="0"/>
+              <a:t>’, Journal </a:t>
+            </a:r>
+            <a:r>
+              <a:rPr lang="de-DE" sz="2800" dirty="0" err="1"/>
+              <a:t>of</a:t>
+            </a:r>
+            <a:r>
+              <a:rPr lang="de-DE" sz="2800" dirty="0"/>
+              <a:t> </a:t>
+            </a:r>
+            <a:r>
+              <a:rPr lang="de-DE" sz="2800" dirty="0" err="1"/>
+              <a:t>the</a:t>
+            </a:r>
+            <a:r>
+              <a:rPr lang="de-DE" sz="2800" dirty="0"/>
+              <a:t> American Statistical </a:t>
+            </a:r>
+            <a:r>
+              <a:rPr lang="de-DE" sz="2800" dirty="0" err="1"/>
+              <a:t>Association</a:t>
+            </a:r>
+            <a:r>
+              <a:rPr lang="de-DE" sz="2800" dirty="0"/>
+              <a:t> 86(416), 899. </a:t>
+            </a:r>
+            <a:endParaRPr lang="de-DE" sz="2800" dirty="0"/>
           </a:p>
         </p:txBody>
       </p:sp>
+      <mc:AlternateContent xmlns:mc="http://schemas.openxmlformats.org/markup-compatibility/2006">
+        <mc:Choice xmlns:a14="http://schemas.microsoft.com/office/drawing/2010/main" Requires="a14">
+          <p:sp>
+            <p:nvSpPr>
+              <p:cNvPr id="5" name="Textfeld 4"/>
+              <p:cNvSpPr txBox="1"/>
+              <p:nvPr/>
+            </p:nvSpPr>
+            <p:spPr>
+              <a:xfrm>
+                <a:off x="11674696" y="16206123"/>
+                <a:ext cx="9190206" cy="6109749"/>
+              </a:xfrm>
+              <a:prstGeom prst="rect">
+                <a:avLst/>
+              </a:prstGeom>
+              <a:noFill/>
+            </p:spPr>
+            <p:txBody>
+              <a:bodyPr wrap="square" rtlCol="0">
+                <a:spAutoFit/>
+              </a:bodyPr>
+              <a:lstStyle/>
+              <a:p>
+                <a:r>
+                  <a:rPr lang="de-DE" sz="3200" dirty="0" smtClean="0"/>
+                  <a:t>Data was </a:t>
+                </a:r>
+                <a:r>
+                  <a:rPr lang="de-DE" sz="3200" dirty="0" err="1" smtClean="0"/>
+                  <a:t>drawn</a:t>
+                </a:r>
+                <a:r>
+                  <a:rPr lang="de-DE" sz="3200" dirty="0" smtClean="0"/>
+                  <a:t> </a:t>
+                </a:r>
+                <a:r>
+                  <a:rPr lang="de-DE" sz="3200" dirty="0" err="1" smtClean="0"/>
+                  <a:t>randomly</a:t>
+                </a:r>
+                <a:r>
+                  <a:rPr lang="de-DE" sz="3200" dirty="0" smtClean="0"/>
+                  <a:t> </a:t>
+                </a:r>
+                <a:r>
+                  <a:rPr lang="de-DE" sz="3200" dirty="0" err="1" smtClean="0"/>
+                  <a:t>from</a:t>
+                </a:r>
+                <a:r>
+                  <a:rPr lang="de-DE" sz="3200" dirty="0" smtClean="0"/>
+                  <a:t> </a:t>
+                </a:r>
+                <a:r>
+                  <a:rPr lang="de-DE" sz="3200" dirty="0" err="1" smtClean="0"/>
+                  <a:t>the</a:t>
+                </a:r>
+                <a:r>
+                  <a:rPr lang="de-DE" sz="3200" dirty="0" smtClean="0"/>
+                  <a:t> </a:t>
+                </a:r>
+                <a:r>
+                  <a:rPr lang="de-DE" sz="3200" dirty="0" err="1" smtClean="0"/>
+                  <a:t>following</a:t>
+                </a:r>
+                <a:r>
+                  <a:rPr lang="de-DE" sz="3200" dirty="0" smtClean="0"/>
+                  <a:t> </a:t>
+                </a:r>
+                <a:r>
+                  <a:rPr lang="de-DE" sz="3200" dirty="0" err="1" smtClean="0"/>
+                  <a:t>distribution</a:t>
+                </a:r>
+                <a:r>
+                  <a:rPr lang="de-DE" sz="3200" dirty="0" smtClean="0"/>
+                  <a:t> (TODO: finale Werte eintragen):</a:t>
+                </a:r>
+              </a:p>
+              <a:p>
+                <a:r>
+                  <a:rPr lang="de-DE" sz="3200" dirty="0" smtClean="0"/>
+                  <a:t>X</a:t>
+                </a:r>
+                <a14:m>
+                  <m:oMath xmlns:m="http://schemas.openxmlformats.org/officeDocument/2006/math">
+                    <m:r>
+                      <a:rPr lang="en-US" sz="3200" i="1" smtClean="0">
+                        <a:latin typeface="Cambria Math" charset="0"/>
+                        <a:ea typeface="Cambria Math" charset="0"/>
+                        <a:cs typeface="Cambria Math" charset="0"/>
+                      </a:rPr>
+                      <m:t>~</m:t>
+                    </m:r>
+                    <m:r>
+                      <a:rPr lang="en-US" sz="3200" i="1" smtClean="0">
+                        <a:latin typeface="Cambria Math" charset="0"/>
+                        <a:ea typeface="Cambria Math" charset="0"/>
+                        <a:cs typeface="Cambria Math" charset="0"/>
+                      </a:rPr>
+                      <m:t>𝒩</m:t>
+                    </m:r>
+                    <m:d>
+                      <m:dPr>
+                        <m:ctrlPr>
+                          <a:rPr lang="mr-IN" sz="3200" b="0" i="1" smtClean="0">
+                            <a:latin typeface="Cambria Math" charset="0"/>
+                            <a:ea typeface="Cambria Math" charset="0"/>
+                            <a:cs typeface="Cambria Math" charset="0"/>
+                          </a:rPr>
+                        </m:ctrlPr>
+                      </m:dPr>
+                      <m:e>
+                        <m:d>
+                          <m:dPr>
+                            <m:ctrlPr>
+                              <a:rPr lang="mr-IN" sz="3200" i="1">
+                                <a:latin typeface="Cambria Math" charset="0"/>
+                                <a:ea typeface="Cambria Math" charset="0"/>
+                                <a:cs typeface="Cambria Math" charset="0"/>
+                              </a:rPr>
+                            </m:ctrlPr>
+                          </m:dPr>
+                          <m:e>
+                            <m:m>
+                              <m:mPr>
+                                <m:mcs>
+                                  <m:mc>
+                                    <m:mcPr>
+                                      <m:count m:val="1"/>
+                                      <m:mcJc m:val="center"/>
+                                    </m:mcPr>
+                                  </m:mc>
+                                </m:mcs>
+                                <m:ctrlPr>
+                                  <a:rPr lang="mr-IN" sz="3200" i="1">
+                                    <a:latin typeface="Cambria Math" charset="0"/>
+                                    <a:ea typeface="Cambria Math" charset="0"/>
+                                    <a:cs typeface="Cambria Math" charset="0"/>
+                                  </a:rPr>
+                                </m:ctrlPr>
+                              </m:mPr>
+                              <m:mr>
+                                <m:e>
+                                  <m:r>
+                                    <m:rPr>
+                                      <m:brk m:alnAt="7"/>
+                                    </m:rPr>
+                                    <a:rPr lang="de-DE" sz="3200" i="1">
+                                      <a:latin typeface="Cambria Math" charset="0"/>
+                                      <a:ea typeface="Cambria Math" charset="0"/>
+                                      <a:cs typeface="Cambria Math" charset="0"/>
+                                    </a:rPr>
+                                    <m:t>0</m:t>
+                                  </m:r>
+                                </m:e>
+                              </m:mr>
+                              <m:mr>
+                                <m:e>
+                                  <m:r>
+                                    <a:rPr lang="de-DE" sz="3200" i="1">
+                                      <a:latin typeface="Cambria Math" charset="0"/>
+                                      <a:ea typeface="Cambria Math" charset="0"/>
+                                      <a:cs typeface="Cambria Math" charset="0"/>
+                                    </a:rPr>
+                                    <m:t>0</m:t>
+                                  </m:r>
+                                </m:e>
+                              </m:mr>
+                              <m:mr>
+                                <m:e>
+                                  <m:r>
+                                    <a:rPr lang="de-DE" sz="3200" i="1">
+                                      <a:latin typeface="Cambria Math" charset="0"/>
+                                      <a:ea typeface="Cambria Math" charset="0"/>
+                                      <a:cs typeface="Cambria Math" charset="0"/>
+                                    </a:rPr>
+                                    <m:t>0</m:t>
+                                  </m:r>
+                                </m:e>
+                              </m:mr>
+                            </m:m>
+                          </m:e>
+                        </m:d>
+                        <m:r>
+                          <a:rPr lang="de-DE" sz="3200" i="1">
+                            <a:latin typeface="Cambria Math" charset="0"/>
+                            <a:ea typeface="Cambria Math" charset="0"/>
+                            <a:cs typeface="Cambria Math" charset="0"/>
+                          </a:rPr>
+                          <m:t>, </m:t>
+                        </m:r>
+                        <m:d>
+                          <m:dPr>
+                            <m:ctrlPr>
+                              <a:rPr lang="mr-IN" sz="3200" i="1">
+                                <a:latin typeface="Cambria Math" charset="0"/>
+                              </a:rPr>
+                            </m:ctrlPr>
+                          </m:dPr>
+                          <m:e>
+                            <m:m>
+                              <m:mPr>
+                                <m:mcs>
+                                  <m:mc>
+                                    <m:mcPr>
+                                      <m:count m:val="3"/>
+                                      <m:mcJc m:val="center"/>
+                                    </m:mcPr>
+                                  </m:mc>
+                                </m:mcs>
+                                <m:ctrlPr>
+                                  <a:rPr lang="uk-UA" sz="3200" i="1">
+                                    <a:latin typeface="Cambria Math" charset="0"/>
+                                  </a:rPr>
+                                </m:ctrlPr>
+                              </m:mPr>
+                              <m:mr>
+                                <m:e>
+                                  <m:r>
+                                    <m:rPr>
+                                      <m:brk m:alnAt="7"/>
+                                    </m:rPr>
+                                    <a:rPr lang="de-DE" sz="3200" i="1">
+                                      <a:latin typeface="Cambria Math" charset="0"/>
+                                    </a:rPr>
+                                    <m:t>1</m:t>
+                                  </m:r>
+                                </m:e>
+                                <m:e>
+                                  <m:r>
+                                    <a:rPr lang="de-DE" sz="3200" i="1">
+                                      <a:latin typeface="Cambria Math" charset="0"/>
+                                    </a:rPr>
+                                    <m:t>0</m:t>
+                                  </m:r>
+                                </m:e>
+                                <m:e>
+                                  <m:r>
+                                    <a:rPr lang="de-DE" sz="3200" i="1">
+                                      <a:latin typeface="Cambria Math" charset="0"/>
+                                    </a:rPr>
+                                    <m:t>0</m:t>
+                                  </m:r>
+                                </m:e>
+                              </m:mr>
+                              <m:mr>
+                                <m:e>
+                                  <m:r>
+                                    <a:rPr lang="de-DE" sz="3200" i="1">
+                                      <a:latin typeface="Cambria Math" charset="0"/>
+                                    </a:rPr>
+                                    <m:t>0</m:t>
+                                  </m:r>
+                                </m:e>
+                                <m:e>
+                                  <m:r>
+                                    <a:rPr lang="de-DE" sz="3200" i="1">
+                                      <a:latin typeface="Cambria Math" charset="0"/>
+                                    </a:rPr>
+                                    <m:t>1</m:t>
+                                  </m:r>
+                                </m:e>
+                                <m:e>
+                                  <m:r>
+                                    <a:rPr lang="de-DE" sz="3200" i="1">
+                                      <a:latin typeface="Cambria Math" charset="0"/>
+                                    </a:rPr>
+                                    <m:t>0</m:t>
+                                  </m:r>
+                                </m:e>
+                              </m:mr>
+                              <m:mr>
+                                <m:e>
+                                  <m:r>
+                                    <a:rPr lang="de-DE" sz="3200" i="1">
+                                      <a:latin typeface="Cambria Math" charset="0"/>
+                                    </a:rPr>
+                                    <m:t>0</m:t>
+                                  </m:r>
+                                </m:e>
+                                <m:e>
+                                  <m:r>
+                                    <a:rPr lang="de-DE" sz="3200" i="1">
+                                      <a:latin typeface="Cambria Math" charset="0"/>
+                                    </a:rPr>
+                                    <m:t>0</m:t>
+                                  </m:r>
+                                </m:e>
+                                <m:e>
+                                  <m:r>
+                                    <a:rPr lang="de-DE" sz="3200" i="1">
+                                      <a:latin typeface="Cambria Math" charset="0"/>
+                                    </a:rPr>
+                                    <m:t>1</m:t>
+                                  </m:r>
+                                </m:e>
+                              </m:mr>
+                            </m:m>
+                          </m:e>
+                        </m:d>
+                      </m:e>
+                    </m:d>
+                  </m:oMath>
+                </a14:m>
+                <a:endParaRPr lang="de-DE" sz="3200" b="0" dirty="0" smtClean="0">
+                  <a:ea typeface="Cambria Math" charset="0"/>
+                  <a:cs typeface="Cambria Math" charset="0"/>
+                </a:endParaRPr>
+              </a:p>
+              <a:p>
+                <a:endParaRPr lang="de-DE" sz="3200" b="0" dirty="0" smtClean="0">
+                  <a:ea typeface="Cambria Math" charset="0"/>
+                  <a:cs typeface="Cambria Math" charset="0"/>
+                </a:endParaRPr>
+              </a:p>
+              <a:p>
+                <a:r>
+                  <a:rPr lang="de-DE" sz="3200" dirty="0" err="1" smtClean="0"/>
+                  <a:t>For</a:t>
+                </a:r>
+                <a:r>
+                  <a:rPr lang="de-DE" sz="3200" dirty="0" smtClean="0"/>
+                  <a:t> </a:t>
+                </a:r>
+                <a:r>
+                  <a:rPr lang="de-DE" sz="3200" dirty="0" err="1" smtClean="0"/>
+                  <a:t>each</a:t>
+                </a:r>
+                <a:r>
+                  <a:rPr lang="de-DE" sz="3200" dirty="0" smtClean="0"/>
+                  <a:t> </a:t>
+                </a:r>
+                <a:r>
+                  <a:rPr lang="de-DE" sz="3200" dirty="0" err="1" smtClean="0"/>
+                  <a:t>of</a:t>
+                </a:r>
+                <a:r>
+                  <a:rPr lang="de-DE" sz="3200" dirty="0" smtClean="0"/>
+                  <a:t> </a:t>
+                </a:r>
+                <a:r>
+                  <a:rPr lang="de-DE" sz="3200" dirty="0" err="1" smtClean="0"/>
+                  <a:t>the</a:t>
+                </a:r>
+                <a:r>
+                  <a:rPr lang="de-DE" sz="3200" dirty="0" smtClean="0"/>
+                  <a:t> </a:t>
+                </a:r>
+                <a:r>
+                  <a:rPr lang="de-DE" sz="3200" dirty="0" err="1" smtClean="0"/>
+                  <a:t>following</a:t>
+                </a:r>
+                <a:r>
+                  <a:rPr lang="de-DE" sz="3200" dirty="0" smtClean="0"/>
+                  <a:t> </a:t>
+                </a:r>
+                <a:r>
+                  <a:rPr lang="de-DE" sz="3200" dirty="0" err="1" smtClean="0"/>
+                  <a:t>parameter</a:t>
+                </a:r>
+                <a:r>
+                  <a:rPr lang="de-DE" sz="3200" dirty="0" smtClean="0"/>
+                  <a:t> </a:t>
+                </a:r>
+                <a:r>
+                  <a:rPr lang="de-DE" sz="3200" dirty="0" err="1" smtClean="0"/>
+                  <a:t>combinations</a:t>
+                </a:r>
+                <a:r>
+                  <a:rPr lang="de-DE" sz="3200" dirty="0" smtClean="0"/>
+                  <a:t> </a:t>
+                </a:r>
+                <a:r>
+                  <a:rPr lang="de-DE" sz="3200" dirty="0" smtClean="0">
+                    <a:solidFill>
+                      <a:srgbClr val="FF0000"/>
+                    </a:solidFill>
+                  </a:rPr>
+                  <a:t>m = 100 </a:t>
+                </a:r>
+                <a:r>
+                  <a:rPr lang="de-DE" sz="3200" dirty="0" err="1" smtClean="0">
+                    <a:solidFill>
+                      <a:srgbClr val="FF0000"/>
+                    </a:solidFill>
+                  </a:rPr>
+                  <a:t>simulations</a:t>
+                </a:r>
+                <a:r>
+                  <a:rPr lang="de-DE" sz="3200" dirty="0" smtClean="0"/>
+                  <a:t> </a:t>
+                </a:r>
+                <a:r>
+                  <a:rPr lang="de-DE" sz="3200" dirty="0" err="1" smtClean="0"/>
+                  <a:t>with</a:t>
+                </a:r>
+                <a:r>
+                  <a:rPr lang="de-DE" sz="3200" dirty="0" smtClean="0"/>
+                  <a:t> different </a:t>
+                </a:r>
+                <a:r>
+                  <a:rPr lang="de-DE" sz="3200" dirty="0" err="1" smtClean="0"/>
+                  <a:t>starting</a:t>
+                </a:r>
+                <a:r>
+                  <a:rPr lang="de-DE" sz="3200" dirty="0" smtClean="0"/>
+                  <a:t> </a:t>
+                </a:r>
+                <a:r>
+                  <a:rPr lang="de-DE" sz="3200" dirty="0" err="1" smtClean="0"/>
+                  <a:t>values</a:t>
+                </a:r>
+                <a:r>
+                  <a:rPr lang="de-DE" sz="3200" dirty="0" smtClean="0"/>
+                  <a:t> </a:t>
+                </a:r>
+                <a:r>
+                  <a:rPr lang="de-DE" sz="3200" dirty="0" err="1" smtClean="0"/>
+                  <a:t>were</a:t>
+                </a:r>
+                <a:r>
+                  <a:rPr lang="de-DE" sz="3200" dirty="0" smtClean="0"/>
+                  <a:t> </a:t>
+                </a:r>
+                <a:r>
+                  <a:rPr lang="de-DE" sz="3200" dirty="0" err="1" smtClean="0"/>
+                  <a:t>run</a:t>
+                </a:r>
+                <a:r>
+                  <a:rPr lang="de-DE" sz="3200" dirty="0" smtClean="0"/>
+                  <a:t>:</a:t>
+                </a:r>
+              </a:p>
+              <a:p>
+                <a:endParaRPr lang="de-DE" sz="3200" dirty="0" smtClean="0"/>
+              </a:p>
+              <a:p>
+                <a:endParaRPr lang="de-DE" sz="3200" dirty="0"/>
+              </a:p>
+              <a:p>
+                <a:endParaRPr lang="de-DE" sz="3200" dirty="0"/>
+              </a:p>
+            </p:txBody>
+          </p:sp>
+        </mc:Choice>
+        <mc:Fallback>
+          <p:sp>
+            <p:nvSpPr>
+              <p:cNvPr id="5" name="Textfeld 4"/>
+              <p:cNvSpPr txBox="1">
+                <a:spLocks noRot="1" noChangeAspect="1" noMove="1" noResize="1" noEditPoints="1" noAdjustHandles="1" noChangeArrowheads="1" noChangeShapeType="1" noTextEdit="1"/>
+              </p:cNvSpPr>
+              <p:nvPr/>
+            </p:nvSpPr>
+            <p:spPr>
+              <a:xfrm>
+                <a:off x="11674696" y="16206123"/>
+                <a:ext cx="9190206" cy="6109749"/>
+              </a:xfrm>
+              <a:prstGeom prst="rect">
+                <a:avLst/>
+              </a:prstGeom>
+              <a:blipFill rotWithShape="0">
+                <a:blip r:embed="rId6"/>
+                <a:stretch>
+                  <a:fillRect l="-1658" t="-1296" r="-2321"/>
+                </a:stretch>
+              </a:blipFill>
+            </p:spPr>
+            <p:txBody>
+              <a:bodyPr/>
+              <a:lstStyle/>
+              <a:p>
+                <a:r>
+                  <a:rPr lang="de-DE">
+                    <a:noFill/>
+                  </a:rPr>
+                  <a:t> </a:t>
+                </a:r>
+              </a:p>
+            </p:txBody>
+          </p:sp>
+        </mc:Fallback>
+      </mc:AlternateContent>
+      <p:graphicFrame>
+        <p:nvGraphicFramePr>
+          <p:cNvPr id="14" name="Tabelle 13"/>
+          <p:cNvGraphicFramePr>
+            <a:graphicFrameLocks noGrp="1"/>
+          </p:cNvGraphicFramePr>
+          <p:nvPr>
+            <p:extLst>
+              <p:ext uri="{D42A27DB-BD31-4B8C-83A1-F6EECF244321}">
+                <p14:modId xmlns:p14="http://schemas.microsoft.com/office/powerpoint/2010/main" val="2096579210"/>
+              </p:ext>
+            </p:extLst>
+          </p:nvPr>
+        </p:nvGraphicFramePr>
+        <p:xfrm>
+          <a:off x="12076164" y="21492596"/>
+          <a:ext cx="8254096" cy="6385381"/>
+        </p:xfrm>
+        <a:graphic>
+          <a:graphicData uri="http://schemas.openxmlformats.org/drawingml/2006/table">
+            <a:tbl>
+              <a:tblPr firstRow="1" bandRow="1">
+                <a:tableStyleId>{5940675A-B579-460E-94D1-54222C63F5DA}</a:tableStyleId>
+              </a:tblPr>
+              <a:tblGrid>
+                <a:gridCol w="2063524"/>
+                <a:gridCol w="2063524"/>
+                <a:gridCol w="2063524"/>
+                <a:gridCol w="2063524"/>
+              </a:tblGrid>
+              <a:tr h="1360445">
+                <a:tc>
+                  <a:txBody>
+                    <a:bodyPr/>
+                    <a:lstStyle/>
+                    <a:p>
+                      <a:pPr algn="ctr"/>
+                      <a:endParaRPr lang="de-DE" sz="2600" dirty="0"/>
+                    </a:p>
+                  </a:txBody>
+                  <a:tcPr>
+                    <a:lnL w="12700" cap="flat" cmpd="sng" algn="ctr">
+                      <a:noFill/>
+                      <a:prstDash val="solid"/>
+                      <a:round/>
+                      <a:headEnd type="none" w="med" len="med"/>
+                      <a:tailEnd type="none" w="med" len="med"/>
+                    </a:lnL>
+                    <a:lnR w="12700" cap="flat" cmpd="sng" algn="ctr">
+                      <a:noFill/>
+                      <a:prstDash val="solid"/>
+                      <a:round/>
+                      <a:headEnd type="none" w="med" len="med"/>
+                      <a:tailEnd type="none" w="med" len="med"/>
+                    </a:lnR>
+                    <a:lnT w="12700" cap="flat" cmpd="sng" algn="ctr">
+                      <a:solidFill>
+                        <a:schemeClr val="tx1"/>
+                      </a:solidFill>
+                      <a:prstDash val="solid"/>
+                      <a:round/>
+                      <a:headEnd type="none" w="med" len="med"/>
+                      <a:tailEnd type="none" w="med" len="med"/>
+                    </a:lnT>
+                    <a:lnB w="12700" cap="flat" cmpd="sng" algn="ctr">
+                      <a:solidFill>
+                        <a:schemeClr val="tx1"/>
+                      </a:solidFill>
+                      <a:prstDash val="solid"/>
+                      <a:round/>
+                      <a:headEnd type="none" w="med" len="med"/>
+                      <a:tailEnd type="none" w="med" len="med"/>
+                    </a:lnB>
+                    <a:lnTlToBr w="12700" cmpd="sng">
+                      <a:noFill/>
+                      <a:prstDash val="solid"/>
+                    </a:lnTlToBr>
+                    <a:lnBlToTr w="12700" cmpd="sng">
+                      <a:noFill/>
+                      <a:prstDash val="solid"/>
+                    </a:lnBlToTr>
+                  </a:tcPr>
+                </a:tc>
+                <a:tc>
+                  <a:txBody>
+                    <a:bodyPr/>
+                    <a:lstStyle/>
+                    <a:p>
+                      <a:pPr algn="ctr"/>
+                      <a:r>
+                        <a:rPr lang="de-DE" sz="2600" dirty="0" err="1" smtClean="0"/>
+                        <a:t>Number</a:t>
+                      </a:r>
+                      <a:r>
+                        <a:rPr lang="de-DE" sz="2600" baseline="0" dirty="0" smtClean="0"/>
+                        <a:t> </a:t>
+                      </a:r>
+                      <a:r>
+                        <a:rPr lang="de-DE" sz="2600" baseline="0" dirty="0" err="1" smtClean="0"/>
+                        <a:t>of</a:t>
+                      </a:r>
+                      <a:r>
+                        <a:rPr lang="de-DE" sz="2600" baseline="0" dirty="0" smtClean="0"/>
+                        <a:t> </a:t>
+                      </a:r>
+                      <a:r>
+                        <a:rPr lang="de-DE" sz="2600" baseline="0" dirty="0" err="1" smtClean="0"/>
+                        <a:t>datapoints</a:t>
+                      </a:r>
+                      <a:r>
+                        <a:rPr lang="de-DE" sz="2600" baseline="0" dirty="0" smtClean="0"/>
+                        <a:t> (</a:t>
+                      </a:r>
+                      <a:r>
+                        <a:rPr lang="de-DE" sz="2600" baseline="0" dirty="0" err="1" smtClean="0"/>
+                        <a:t>n</a:t>
+                      </a:r>
+                      <a:r>
+                        <a:rPr lang="de-DE" sz="2600" baseline="0" dirty="0" smtClean="0"/>
+                        <a:t>)</a:t>
+                      </a:r>
+                      <a:endParaRPr lang="de-DE" sz="2600" dirty="0"/>
+                    </a:p>
+                  </a:txBody>
+                  <a:tcPr>
+                    <a:lnL w="12700" cap="flat" cmpd="sng" algn="ctr">
+                      <a:noFill/>
+                      <a:prstDash val="solid"/>
+                      <a:round/>
+                      <a:headEnd type="none" w="med" len="med"/>
+                      <a:tailEnd type="none" w="med" len="med"/>
+                    </a:lnL>
+                    <a:lnR w="12700" cap="flat" cmpd="sng" algn="ctr">
+                      <a:noFill/>
+                      <a:prstDash val="solid"/>
+                      <a:round/>
+                      <a:headEnd type="none" w="med" len="med"/>
+                      <a:tailEnd type="none" w="med" len="med"/>
+                    </a:lnR>
+                    <a:lnT w="12700" cap="flat" cmpd="sng" algn="ctr">
+                      <a:solidFill>
+                        <a:schemeClr val="tx1"/>
+                      </a:solidFill>
+                      <a:prstDash val="solid"/>
+                      <a:round/>
+                      <a:headEnd type="none" w="med" len="med"/>
+                      <a:tailEnd type="none" w="med" len="med"/>
+                    </a:lnT>
+                    <a:lnB w="12700" cap="flat" cmpd="sng" algn="ctr">
+                      <a:solidFill>
+                        <a:schemeClr val="tx1"/>
+                      </a:solidFill>
+                      <a:prstDash val="solid"/>
+                      <a:round/>
+                      <a:headEnd type="none" w="med" len="med"/>
+                      <a:tailEnd type="none" w="med" len="med"/>
+                    </a:lnB>
+                    <a:lnTlToBr w="12700" cmpd="sng">
+                      <a:noFill/>
+                      <a:prstDash val="solid"/>
+                    </a:lnTlToBr>
+                    <a:lnBlToTr w="12700" cmpd="sng">
+                      <a:noFill/>
+                      <a:prstDash val="solid"/>
+                    </a:lnBlToTr>
+                  </a:tcPr>
+                </a:tc>
+                <a:tc>
+                  <a:txBody>
+                    <a:bodyPr/>
+                    <a:lstStyle/>
+                    <a:p>
+                      <a:pPr algn="ctr"/>
+                      <a:r>
+                        <a:rPr lang="de-DE" sz="2600" dirty="0" err="1" smtClean="0"/>
+                        <a:t>Fraction</a:t>
+                      </a:r>
+                      <a:r>
+                        <a:rPr lang="de-DE" sz="2600" baseline="0" dirty="0" smtClean="0"/>
+                        <a:t> </a:t>
+                      </a:r>
+                      <a:r>
+                        <a:rPr lang="de-DE" sz="2600" baseline="0" dirty="0" err="1" smtClean="0"/>
+                        <a:t>of</a:t>
+                      </a:r>
+                      <a:r>
+                        <a:rPr lang="de-DE" sz="2600" baseline="0" dirty="0" smtClean="0"/>
+                        <a:t> </a:t>
+                      </a:r>
+                      <a:r>
+                        <a:rPr lang="de-DE" sz="2600" baseline="0" dirty="0" err="1" smtClean="0"/>
+                        <a:t>missing</a:t>
+                      </a:r>
+                      <a:r>
+                        <a:rPr lang="de-DE" sz="2600" baseline="0" dirty="0" smtClean="0"/>
+                        <a:t> </a:t>
+                      </a:r>
+                      <a:r>
+                        <a:rPr lang="de-DE" sz="2600" baseline="0" dirty="0" err="1" smtClean="0"/>
+                        <a:t>values</a:t>
+                      </a:r>
+                      <a:r>
+                        <a:rPr lang="de-DE" sz="2600" baseline="0" dirty="0" smtClean="0"/>
+                        <a:t> (p)</a:t>
+                      </a:r>
+                      <a:endParaRPr lang="de-DE" sz="2600" dirty="0"/>
+                    </a:p>
+                  </a:txBody>
+                  <a:tcPr>
+                    <a:lnL w="12700" cap="flat" cmpd="sng" algn="ctr">
+                      <a:noFill/>
+                      <a:prstDash val="solid"/>
+                      <a:round/>
+                      <a:headEnd type="none" w="med" len="med"/>
+                      <a:tailEnd type="none" w="med" len="med"/>
+                    </a:lnL>
+                    <a:lnR w="12700" cap="flat" cmpd="sng" algn="ctr">
+                      <a:noFill/>
+                      <a:prstDash val="solid"/>
+                      <a:round/>
+                      <a:headEnd type="none" w="med" len="med"/>
+                      <a:tailEnd type="none" w="med" len="med"/>
+                    </a:lnR>
+                    <a:lnT w="12700" cap="flat" cmpd="sng" algn="ctr">
+                      <a:solidFill>
+                        <a:schemeClr val="tx1"/>
+                      </a:solidFill>
+                      <a:prstDash val="solid"/>
+                      <a:round/>
+                      <a:headEnd type="none" w="med" len="med"/>
+                      <a:tailEnd type="none" w="med" len="med"/>
+                    </a:lnT>
+                    <a:lnB w="12700" cap="flat" cmpd="sng" algn="ctr">
+                      <a:solidFill>
+                        <a:schemeClr val="tx1"/>
+                      </a:solidFill>
+                      <a:prstDash val="solid"/>
+                      <a:round/>
+                      <a:headEnd type="none" w="med" len="med"/>
+                      <a:tailEnd type="none" w="med" len="med"/>
+                    </a:lnB>
+                    <a:lnTlToBr w="12700" cmpd="sng">
+                      <a:noFill/>
+                      <a:prstDash val="solid"/>
+                    </a:lnTlToBr>
+                    <a:lnBlToTr w="12700" cmpd="sng">
+                      <a:noFill/>
+                      <a:prstDash val="solid"/>
+                    </a:lnBlToTr>
+                  </a:tcPr>
+                </a:tc>
+                <a:tc>
+                  <a:txBody>
+                    <a:bodyPr/>
+                    <a:lstStyle/>
+                    <a:p>
+                      <a:pPr algn="ctr"/>
+                      <a:r>
+                        <a:rPr lang="de-DE" sz="2600" dirty="0" err="1" smtClean="0"/>
+                        <a:t>Missing</a:t>
+                      </a:r>
+                      <a:r>
+                        <a:rPr lang="de-DE" sz="2600" dirty="0" smtClean="0"/>
+                        <a:t> </a:t>
+                      </a:r>
+                      <a:r>
+                        <a:rPr lang="de-DE" sz="2600" dirty="0" err="1" smtClean="0"/>
+                        <a:t>value</a:t>
+                      </a:r>
+                      <a:r>
+                        <a:rPr lang="de-DE" sz="2600" baseline="0" dirty="0" smtClean="0"/>
+                        <a:t> </a:t>
+                      </a:r>
+                      <a:r>
+                        <a:rPr lang="de-DE" sz="2600" baseline="0" dirty="0" err="1" smtClean="0"/>
+                        <a:t>pattern</a:t>
+                      </a:r>
+                      <a:endParaRPr lang="de-DE" sz="2600" dirty="0"/>
+                    </a:p>
+                  </a:txBody>
+                  <a:tcPr>
+                    <a:lnL w="12700" cap="flat" cmpd="sng" algn="ctr">
+                      <a:noFill/>
+                      <a:prstDash val="solid"/>
+                      <a:round/>
+                      <a:headEnd type="none" w="med" len="med"/>
+                      <a:tailEnd type="none" w="med" len="med"/>
+                    </a:lnL>
+                    <a:lnR w="12700" cap="flat" cmpd="sng" algn="ctr">
+                      <a:noFill/>
+                      <a:prstDash val="solid"/>
+                      <a:round/>
+                      <a:headEnd type="none" w="med" len="med"/>
+                      <a:tailEnd type="none" w="med" len="med"/>
+                    </a:lnR>
+                    <a:lnT w="12700" cap="flat" cmpd="sng" algn="ctr">
+                      <a:solidFill>
+                        <a:schemeClr val="tx1"/>
+                      </a:solidFill>
+                      <a:prstDash val="solid"/>
+                      <a:round/>
+                      <a:headEnd type="none" w="med" len="med"/>
+                      <a:tailEnd type="none" w="med" len="med"/>
+                    </a:lnT>
+                    <a:lnB w="12700" cap="flat" cmpd="sng" algn="ctr">
+                      <a:solidFill>
+                        <a:schemeClr val="tx1"/>
+                      </a:solidFill>
+                      <a:prstDash val="solid"/>
+                      <a:round/>
+                      <a:headEnd type="none" w="med" len="med"/>
+                      <a:tailEnd type="none" w="med" len="med"/>
+                    </a:lnB>
+                    <a:lnTlToBr w="12700" cmpd="sng">
+                      <a:noFill/>
+                      <a:prstDash val="solid"/>
+                    </a:lnTlToBr>
+                    <a:lnBlToTr w="12700" cmpd="sng">
+                      <a:noFill/>
+                      <a:prstDash val="solid"/>
+                    </a:lnBlToTr>
+                  </a:tcPr>
+                </a:tc>
+              </a:tr>
+              <a:tr h="628117">
+                <a:tc>
+                  <a:txBody>
+                    <a:bodyPr/>
+                    <a:lstStyle/>
+                    <a:p>
+                      <a:pPr algn="ctr"/>
+                      <a:r>
+                        <a:rPr lang="de-DE" sz="2600" dirty="0" smtClean="0"/>
+                        <a:t>1</a:t>
+                      </a:r>
+                      <a:endParaRPr lang="de-DE" sz="2600" dirty="0"/>
+                    </a:p>
+                  </a:txBody>
+                  <a:tcPr>
+                    <a:lnL w="12700" cap="flat" cmpd="sng" algn="ctr">
+                      <a:noFill/>
+                      <a:prstDash val="solid"/>
+                      <a:round/>
+                      <a:headEnd type="none" w="med" len="med"/>
+                      <a:tailEnd type="none" w="med" len="med"/>
+                    </a:lnL>
+                    <a:lnR w="12700" cap="flat" cmpd="sng" algn="ctr">
+                      <a:noFill/>
+                      <a:prstDash val="solid"/>
+                      <a:round/>
+                      <a:headEnd type="none" w="med" len="med"/>
+                      <a:tailEnd type="none" w="med" len="med"/>
+                    </a:lnR>
+                    <a:lnT w="12700" cap="flat" cmpd="sng" algn="ctr">
+                      <a:solidFill>
+                        <a:schemeClr val="tx1"/>
+                      </a:solidFill>
+                      <a:prstDash val="solid"/>
+                      <a:round/>
+                      <a:headEnd type="none" w="med" len="med"/>
+                      <a:tailEnd type="none" w="med" len="med"/>
+                    </a:lnT>
+                    <a:lnB w="12700" cap="flat" cmpd="sng" algn="ctr">
+                      <a:noFill/>
+                      <a:prstDash val="solid"/>
+                      <a:round/>
+                      <a:headEnd type="none" w="med" len="med"/>
+                      <a:tailEnd type="none" w="med" len="med"/>
+                    </a:lnB>
+                    <a:lnTlToBr w="12700" cmpd="sng">
+                      <a:noFill/>
+                      <a:prstDash val="solid"/>
+                    </a:lnTlToBr>
+                    <a:lnBlToTr w="12700" cmpd="sng">
+                      <a:noFill/>
+                      <a:prstDash val="solid"/>
+                    </a:lnBlToTr>
+                  </a:tcPr>
+                </a:tc>
+                <a:tc>
+                  <a:txBody>
+                    <a:bodyPr/>
+                    <a:lstStyle/>
+                    <a:p>
+                      <a:pPr algn="ctr"/>
+                      <a:r>
+                        <a:rPr lang="de-DE" sz="2600" dirty="0" smtClean="0"/>
+                        <a:t>50</a:t>
+                      </a:r>
+                      <a:endParaRPr lang="de-DE" sz="2600" dirty="0"/>
+                    </a:p>
+                  </a:txBody>
+                  <a:tcPr>
+                    <a:lnL w="12700" cap="flat" cmpd="sng" algn="ctr">
+                      <a:noFill/>
+                      <a:prstDash val="solid"/>
+                      <a:round/>
+                      <a:headEnd type="none" w="med" len="med"/>
+                      <a:tailEnd type="none" w="med" len="med"/>
+                    </a:lnL>
+                    <a:lnR w="12700" cap="flat" cmpd="sng" algn="ctr">
+                      <a:noFill/>
+                      <a:prstDash val="solid"/>
+                      <a:round/>
+                      <a:headEnd type="none" w="med" len="med"/>
+                      <a:tailEnd type="none" w="med" len="med"/>
+                    </a:lnR>
+                    <a:lnT w="12700" cap="flat" cmpd="sng" algn="ctr">
+                      <a:solidFill>
+                        <a:schemeClr val="tx1"/>
+                      </a:solidFill>
+                      <a:prstDash val="solid"/>
+                      <a:round/>
+                      <a:headEnd type="none" w="med" len="med"/>
+                      <a:tailEnd type="none" w="med" len="med"/>
+                    </a:lnT>
+                    <a:lnB w="12700" cap="flat" cmpd="sng" algn="ctr">
+                      <a:noFill/>
+                      <a:prstDash val="solid"/>
+                      <a:round/>
+                      <a:headEnd type="none" w="med" len="med"/>
+                      <a:tailEnd type="none" w="med" len="med"/>
+                    </a:lnB>
+                    <a:lnTlToBr w="12700" cmpd="sng">
+                      <a:noFill/>
+                      <a:prstDash val="solid"/>
+                    </a:lnTlToBr>
+                    <a:lnBlToTr w="12700" cmpd="sng">
+                      <a:noFill/>
+                      <a:prstDash val="solid"/>
+                    </a:lnBlToTr>
+                  </a:tcPr>
+                </a:tc>
+                <a:tc>
+                  <a:txBody>
+                    <a:bodyPr/>
+                    <a:lstStyle/>
+                    <a:p>
+                      <a:pPr algn="ctr"/>
+                      <a:r>
+                        <a:rPr lang="de-DE" sz="2600" dirty="0" smtClean="0"/>
+                        <a:t>0.25</a:t>
+                      </a:r>
+                      <a:endParaRPr lang="de-DE" sz="2600" dirty="0"/>
+                    </a:p>
+                  </a:txBody>
+                  <a:tcPr>
+                    <a:lnL w="12700" cap="flat" cmpd="sng" algn="ctr">
+                      <a:noFill/>
+                      <a:prstDash val="solid"/>
+                      <a:round/>
+                      <a:headEnd type="none" w="med" len="med"/>
+                      <a:tailEnd type="none" w="med" len="med"/>
+                    </a:lnL>
+                    <a:lnR w="12700" cap="flat" cmpd="sng" algn="ctr">
+                      <a:noFill/>
+                      <a:prstDash val="solid"/>
+                      <a:round/>
+                      <a:headEnd type="none" w="med" len="med"/>
+                      <a:tailEnd type="none" w="med" len="med"/>
+                    </a:lnR>
+                    <a:lnT w="12700" cap="flat" cmpd="sng" algn="ctr">
+                      <a:solidFill>
+                        <a:schemeClr val="tx1"/>
+                      </a:solidFill>
+                      <a:prstDash val="solid"/>
+                      <a:round/>
+                      <a:headEnd type="none" w="med" len="med"/>
+                      <a:tailEnd type="none" w="med" len="med"/>
+                    </a:lnT>
+                    <a:lnB w="12700" cap="flat" cmpd="sng" algn="ctr">
+                      <a:noFill/>
+                      <a:prstDash val="solid"/>
+                      <a:round/>
+                      <a:headEnd type="none" w="med" len="med"/>
+                      <a:tailEnd type="none" w="med" len="med"/>
+                    </a:lnB>
+                    <a:lnTlToBr w="12700" cmpd="sng">
+                      <a:noFill/>
+                      <a:prstDash val="solid"/>
+                    </a:lnTlToBr>
+                    <a:lnBlToTr w="12700" cmpd="sng">
+                      <a:noFill/>
+                      <a:prstDash val="solid"/>
+                    </a:lnBlToTr>
+                  </a:tcPr>
+                </a:tc>
+                <a:tc>
+                  <a:txBody>
+                    <a:bodyPr/>
+                    <a:lstStyle/>
+                    <a:p>
+                      <a:pPr algn="ctr"/>
+                      <a:r>
+                        <a:rPr lang="de-DE" sz="2600" dirty="0" smtClean="0"/>
+                        <a:t>MCAR</a:t>
+                      </a:r>
+                      <a:endParaRPr lang="de-DE" sz="2600" dirty="0"/>
+                    </a:p>
+                  </a:txBody>
+                  <a:tcPr>
+                    <a:lnL w="12700" cap="flat" cmpd="sng" algn="ctr">
+                      <a:noFill/>
+                      <a:prstDash val="solid"/>
+                      <a:round/>
+                      <a:headEnd type="none" w="med" len="med"/>
+                      <a:tailEnd type="none" w="med" len="med"/>
+                    </a:lnL>
+                    <a:lnR w="12700" cap="flat" cmpd="sng" algn="ctr">
+                      <a:noFill/>
+                      <a:prstDash val="solid"/>
+                      <a:round/>
+                      <a:headEnd type="none" w="med" len="med"/>
+                      <a:tailEnd type="none" w="med" len="med"/>
+                    </a:lnR>
+                    <a:lnT w="12700" cap="flat" cmpd="sng" algn="ctr">
+                      <a:solidFill>
+                        <a:schemeClr val="tx1"/>
+                      </a:solidFill>
+                      <a:prstDash val="solid"/>
+                      <a:round/>
+                      <a:headEnd type="none" w="med" len="med"/>
+                      <a:tailEnd type="none" w="med" len="med"/>
+                    </a:lnT>
+                    <a:lnB w="12700" cap="flat" cmpd="sng" algn="ctr">
+                      <a:noFill/>
+                      <a:prstDash val="solid"/>
+                      <a:round/>
+                      <a:headEnd type="none" w="med" len="med"/>
+                      <a:tailEnd type="none" w="med" len="med"/>
+                    </a:lnB>
+                    <a:lnTlToBr w="12700" cmpd="sng">
+                      <a:noFill/>
+                      <a:prstDash val="solid"/>
+                    </a:lnTlToBr>
+                    <a:lnBlToTr w="12700" cmpd="sng">
+                      <a:noFill/>
+                      <a:prstDash val="solid"/>
+                    </a:lnBlToTr>
+                  </a:tcPr>
+                </a:tc>
+              </a:tr>
+              <a:tr h="628117">
+                <a:tc>
+                  <a:txBody>
+                    <a:bodyPr/>
+                    <a:lstStyle/>
+                    <a:p>
+                      <a:pPr algn="ctr"/>
+                      <a:r>
+                        <a:rPr lang="de-DE" sz="2600" dirty="0" smtClean="0"/>
+                        <a:t>2</a:t>
+                      </a:r>
+                      <a:endParaRPr lang="de-DE" sz="2600" dirty="0"/>
+                    </a:p>
+                  </a:txBody>
+                  <a:tcPr>
+                    <a:lnL w="12700" cap="flat" cmpd="sng" algn="ctr">
+                      <a:noFill/>
+                      <a:prstDash val="solid"/>
+                      <a:round/>
+                      <a:headEnd type="none" w="med" len="med"/>
+                      <a:tailEnd type="none" w="med" len="med"/>
+                    </a:lnL>
+                    <a:lnR w="12700" cap="flat" cmpd="sng" algn="ctr">
+                      <a:noFill/>
+                      <a:prstDash val="solid"/>
+                      <a:round/>
+                      <a:headEnd type="none" w="med" len="med"/>
+                      <a:tailEnd type="none" w="med" len="med"/>
+                    </a:lnR>
+                    <a:lnT w="12700" cap="flat" cmpd="sng" algn="ctr">
+                      <a:noFill/>
+                      <a:prstDash val="solid"/>
+                      <a:round/>
+                      <a:headEnd type="none" w="med" len="med"/>
+                      <a:tailEnd type="none" w="med" len="med"/>
+                    </a:lnT>
+                    <a:lnB w="12700" cap="flat" cmpd="sng" algn="ctr">
+                      <a:noFill/>
+                      <a:prstDash val="solid"/>
+                      <a:round/>
+                      <a:headEnd type="none" w="med" len="med"/>
+                      <a:tailEnd type="none" w="med" len="med"/>
+                    </a:lnB>
+                    <a:lnTlToBr w="12700" cmpd="sng">
+                      <a:noFill/>
+                      <a:prstDash val="solid"/>
+                    </a:lnTlToBr>
+                    <a:lnBlToTr w="12700" cmpd="sng">
+                      <a:noFill/>
+                      <a:prstDash val="solid"/>
+                    </a:lnBlToTr>
+                  </a:tcPr>
+                </a:tc>
+                <a:tc>
+                  <a:txBody>
+                    <a:bodyPr/>
+                    <a:lstStyle/>
+                    <a:p>
+                      <a:pPr algn="ctr"/>
+                      <a:r>
+                        <a:rPr lang="de-DE" sz="2600" dirty="0" smtClean="0"/>
+                        <a:t>500</a:t>
+                      </a:r>
+                      <a:endParaRPr lang="de-DE" sz="2600" dirty="0"/>
+                    </a:p>
+                  </a:txBody>
+                  <a:tcPr>
+                    <a:lnL w="12700" cap="flat" cmpd="sng" algn="ctr">
+                      <a:noFill/>
+                      <a:prstDash val="solid"/>
+                      <a:round/>
+                      <a:headEnd type="none" w="med" len="med"/>
+                      <a:tailEnd type="none" w="med" len="med"/>
+                    </a:lnL>
+                    <a:lnR w="12700" cap="flat" cmpd="sng" algn="ctr">
+                      <a:noFill/>
+                      <a:prstDash val="solid"/>
+                      <a:round/>
+                      <a:headEnd type="none" w="med" len="med"/>
+                      <a:tailEnd type="none" w="med" len="med"/>
+                    </a:lnR>
+                    <a:lnT w="12700" cap="flat" cmpd="sng" algn="ctr">
+                      <a:noFill/>
+                      <a:prstDash val="solid"/>
+                      <a:round/>
+                      <a:headEnd type="none" w="med" len="med"/>
+                      <a:tailEnd type="none" w="med" len="med"/>
+                    </a:lnT>
+                    <a:lnB w="12700" cap="flat" cmpd="sng" algn="ctr">
+                      <a:noFill/>
+                      <a:prstDash val="solid"/>
+                      <a:round/>
+                      <a:headEnd type="none" w="med" len="med"/>
+                      <a:tailEnd type="none" w="med" len="med"/>
+                    </a:lnB>
+                    <a:lnTlToBr w="12700" cmpd="sng">
+                      <a:noFill/>
+                      <a:prstDash val="solid"/>
+                    </a:lnTlToBr>
+                    <a:lnBlToTr w="12700" cmpd="sng">
+                      <a:noFill/>
+                      <a:prstDash val="solid"/>
+                    </a:lnBlToTr>
+                  </a:tcPr>
+                </a:tc>
+                <a:tc>
+                  <a:txBody>
+                    <a:bodyPr/>
+                    <a:lstStyle/>
+                    <a:p>
+                      <a:pPr algn="ctr"/>
+                      <a:r>
+                        <a:rPr lang="de-DE" sz="2600" dirty="0" smtClean="0"/>
+                        <a:t>0.25</a:t>
+                      </a:r>
+                      <a:endParaRPr lang="de-DE" sz="2600" dirty="0"/>
+                    </a:p>
+                  </a:txBody>
+                  <a:tcPr>
+                    <a:lnL w="12700" cap="flat" cmpd="sng" algn="ctr">
+                      <a:noFill/>
+                      <a:prstDash val="solid"/>
+                      <a:round/>
+                      <a:headEnd type="none" w="med" len="med"/>
+                      <a:tailEnd type="none" w="med" len="med"/>
+                    </a:lnL>
+                    <a:lnR w="12700" cap="flat" cmpd="sng" algn="ctr">
+                      <a:noFill/>
+                      <a:prstDash val="solid"/>
+                      <a:round/>
+                      <a:headEnd type="none" w="med" len="med"/>
+                      <a:tailEnd type="none" w="med" len="med"/>
+                    </a:lnR>
+                    <a:lnT w="12700" cap="flat" cmpd="sng" algn="ctr">
+                      <a:noFill/>
+                      <a:prstDash val="solid"/>
+                      <a:round/>
+                      <a:headEnd type="none" w="med" len="med"/>
+                      <a:tailEnd type="none" w="med" len="med"/>
+                    </a:lnT>
+                    <a:lnB w="12700" cap="flat" cmpd="sng" algn="ctr">
+                      <a:noFill/>
+                      <a:prstDash val="solid"/>
+                      <a:round/>
+                      <a:headEnd type="none" w="med" len="med"/>
+                      <a:tailEnd type="none" w="med" len="med"/>
+                    </a:lnB>
+                    <a:lnTlToBr w="12700" cmpd="sng">
+                      <a:noFill/>
+                      <a:prstDash val="solid"/>
+                    </a:lnTlToBr>
+                    <a:lnBlToTr w="12700" cmpd="sng">
+                      <a:noFill/>
+                      <a:prstDash val="solid"/>
+                    </a:lnBlToTr>
+                  </a:tcPr>
+                </a:tc>
+                <a:tc>
+                  <a:txBody>
+                    <a:bodyPr/>
+                    <a:lstStyle/>
+                    <a:p>
+                      <a:pPr algn="ctr"/>
+                      <a:r>
+                        <a:rPr lang="de-DE" sz="2600" dirty="0" smtClean="0"/>
+                        <a:t>MCAR</a:t>
+                      </a:r>
+                      <a:endParaRPr lang="de-DE" sz="2600" dirty="0"/>
+                    </a:p>
+                  </a:txBody>
+                  <a:tcPr>
+                    <a:lnL w="12700" cap="flat" cmpd="sng" algn="ctr">
+                      <a:noFill/>
+                      <a:prstDash val="solid"/>
+                      <a:round/>
+                      <a:headEnd type="none" w="med" len="med"/>
+                      <a:tailEnd type="none" w="med" len="med"/>
+                    </a:lnL>
+                    <a:lnR w="12700" cap="flat" cmpd="sng" algn="ctr">
+                      <a:noFill/>
+                      <a:prstDash val="solid"/>
+                      <a:round/>
+                      <a:headEnd type="none" w="med" len="med"/>
+                      <a:tailEnd type="none" w="med" len="med"/>
+                    </a:lnR>
+                    <a:lnT w="12700" cap="flat" cmpd="sng" algn="ctr">
+                      <a:noFill/>
+                      <a:prstDash val="solid"/>
+                      <a:round/>
+                      <a:headEnd type="none" w="med" len="med"/>
+                      <a:tailEnd type="none" w="med" len="med"/>
+                    </a:lnT>
+                    <a:lnB w="12700" cap="flat" cmpd="sng" algn="ctr">
+                      <a:noFill/>
+                      <a:prstDash val="solid"/>
+                      <a:round/>
+                      <a:headEnd type="none" w="med" len="med"/>
+                      <a:tailEnd type="none" w="med" len="med"/>
+                    </a:lnB>
+                    <a:lnTlToBr w="12700" cmpd="sng">
+                      <a:noFill/>
+                      <a:prstDash val="solid"/>
+                    </a:lnTlToBr>
+                    <a:lnBlToTr w="12700" cmpd="sng">
+                      <a:noFill/>
+                      <a:prstDash val="solid"/>
+                    </a:lnBlToTr>
+                  </a:tcPr>
+                </a:tc>
+              </a:tr>
+              <a:tr h="628117">
+                <a:tc>
+                  <a:txBody>
+                    <a:bodyPr/>
+                    <a:lstStyle/>
+                    <a:p>
+                      <a:pPr algn="ctr"/>
+                      <a:r>
+                        <a:rPr lang="de-DE" sz="2600" dirty="0" smtClean="0"/>
+                        <a:t>3</a:t>
+                      </a:r>
+                      <a:endParaRPr lang="de-DE" sz="2600" dirty="0"/>
+                    </a:p>
+                  </a:txBody>
+                  <a:tcPr>
+                    <a:lnL w="12700" cap="flat" cmpd="sng" algn="ctr">
+                      <a:noFill/>
+                      <a:prstDash val="solid"/>
+                      <a:round/>
+                      <a:headEnd type="none" w="med" len="med"/>
+                      <a:tailEnd type="none" w="med" len="med"/>
+                    </a:lnL>
+                    <a:lnR w="12700" cap="flat" cmpd="sng" algn="ctr">
+                      <a:noFill/>
+                      <a:prstDash val="solid"/>
+                      <a:round/>
+                      <a:headEnd type="none" w="med" len="med"/>
+                      <a:tailEnd type="none" w="med" len="med"/>
+                    </a:lnR>
+                    <a:lnT w="12700" cap="flat" cmpd="sng" algn="ctr">
+                      <a:noFill/>
+                      <a:prstDash val="solid"/>
+                      <a:round/>
+                      <a:headEnd type="none" w="med" len="med"/>
+                      <a:tailEnd type="none" w="med" len="med"/>
+                    </a:lnT>
+                    <a:lnB w="12700" cap="flat" cmpd="sng" algn="ctr">
+                      <a:noFill/>
+                      <a:prstDash val="solid"/>
+                      <a:round/>
+                      <a:headEnd type="none" w="med" len="med"/>
+                      <a:tailEnd type="none" w="med" len="med"/>
+                    </a:lnB>
+                    <a:lnTlToBr w="12700" cmpd="sng">
+                      <a:noFill/>
+                      <a:prstDash val="solid"/>
+                    </a:lnTlToBr>
+                    <a:lnBlToTr w="12700" cmpd="sng">
+                      <a:noFill/>
+                      <a:prstDash val="solid"/>
+                    </a:lnBlToTr>
+                  </a:tcPr>
+                </a:tc>
+                <a:tc>
+                  <a:txBody>
+                    <a:bodyPr/>
+                    <a:lstStyle/>
+                    <a:p>
+                      <a:pPr algn="ctr"/>
+                      <a:r>
+                        <a:rPr lang="de-DE" sz="2600" dirty="0" smtClean="0"/>
+                        <a:t>50</a:t>
+                      </a:r>
+                      <a:endParaRPr lang="de-DE" sz="2600" dirty="0"/>
+                    </a:p>
+                  </a:txBody>
+                  <a:tcPr>
+                    <a:lnL w="12700" cap="flat" cmpd="sng" algn="ctr">
+                      <a:noFill/>
+                      <a:prstDash val="solid"/>
+                      <a:round/>
+                      <a:headEnd type="none" w="med" len="med"/>
+                      <a:tailEnd type="none" w="med" len="med"/>
+                    </a:lnL>
+                    <a:lnR w="12700" cap="flat" cmpd="sng" algn="ctr">
+                      <a:noFill/>
+                      <a:prstDash val="solid"/>
+                      <a:round/>
+                      <a:headEnd type="none" w="med" len="med"/>
+                      <a:tailEnd type="none" w="med" len="med"/>
+                    </a:lnR>
+                    <a:lnT w="12700" cap="flat" cmpd="sng" algn="ctr">
+                      <a:noFill/>
+                      <a:prstDash val="solid"/>
+                      <a:round/>
+                      <a:headEnd type="none" w="med" len="med"/>
+                      <a:tailEnd type="none" w="med" len="med"/>
+                    </a:lnT>
+                    <a:lnB w="12700" cap="flat" cmpd="sng" algn="ctr">
+                      <a:noFill/>
+                      <a:prstDash val="solid"/>
+                      <a:round/>
+                      <a:headEnd type="none" w="med" len="med"/>
+                      <a:tailEnd type="none" w="med" len="med"/>
+                    </a:lnB>
+                    <a:lnTlToBr w="12700" cmpd="sng">
+                      <a:noFill/>
+                      <a:prstDash val="solid"/>
+                    </a:lnTlToBr>
+                    <a:lnBlToTr w="12700" cmpd="sng">
+                      <a:noFill/>
+                      <a:prstDash val="solid"/>
+                    </a:lnBlToTr>
+                  </a:tcPr>
+                </a:tc>
+                <a:tc>
+                  <a:txBody>
+                    <a:bodyPr/>
+                    <a:lstStyle/>
+                    <a:p>
+                      <a:pPr algn="ctr"/>
+                      <a:r>
+                        <a:rPr lang="de-DE" sz="2600" dirty="0" smtClean="0"/>
+                        <a:t>0.5</a:t>
+                      </a:r>
+                      <a:endParaRPr lang="de-DE" sz="2600" dirty="0"/>
+                    </a:p>
+                  </a:txBody>
+                  <a:tcPr>
+                    <a:lnL w="12700" cap="flat" cmpd="sng" algn="ctr">
+                      <a:noFill/>
+                      <a:prstDash val="solid"/>
+                      <a:round/>
+                      <a:headEnd type="none" w="med" len="med"/>
+                      <a:tailEnd type="none" w="med" len="med"/>
+                    </a:lnL>
+                    <a:lnR w="12700" cap="flat" cmpd="sng" algn="ctr">
+                      <a:noFill/>
+                      <a:prstDash val="solid"/>
+                      <a:round/>
+                      <a:headEnd type="none" w="med" len="med"/>
+                      <a:tailEnd type="none" w="med" len="med"/>
+                    </a:lnR>
+                    <a:lnT w="12700" cap="flat" cmpd="sng" algn="ctr">
+                      <a:noFill/>
+                      <a:prstDash val="solid"/>
+                      <a:round/>
+                      <a:headEnd type="none" w="med" len="med"/>
+                      <a:tailEnd type="none" w="med" len="med"/>
+                    </a:lnT>
+                    <a:lnB w="12700" cap="flat" cmpd="sng" algn="ctr">
+                      <a:noFill/>
+                      <a:prstDash val="solid"/>
+                      <a:round/>
+                      <a:headEnd type="none" w="med" len="med"/>
+                      <a:tailEnd type="none" w="med" len="med"/>
+                    </a:lnB>
+                    <a:lnTlToBr w="12700" cmpd="sng">
+                      <a:noFill/>
+                      <a:prstDash val="solid"/>
+                    </a:lnTlToBr>
+                    <a:lnBlToTr w="12700" cmpd="sng">
+                      <a:noFill/>
+                      <a:prstDash val="solid"/>
+                    </a:lnBlToTr>
+                  </a:tcPr>
+                </a:tc>
+                <a:tc>
+                  <a:txBody>
+                    <a:bodyPr/>
+                    <a:lstStyle/>
+                    <a:p>
+                      <a:pPr algn="ctr"/>
+                      <a:r>
+                        <a:rPr lang="de-DE" sz="2600" dirty="0" smtClean="0"/>
+                        <a:t>MCAR</a:t>
+                      </a:r>
+                      <a:endParaRPr lang="de-DE" sz="2600" dirty="0"/>
+                    </a:p>
+                  </a:txBody>
+                  <a:tcPr>
+                    <a:lnL w="12700" cap="flat" cmpd="sng" algn="ctr">
+                      <a:noFill/>
+                      <a:prstDash val="solid"/>
+                      <a:round/>
+                      <a:headEnd type="none" w="med" len="med"/>
+                      <a:tailEnd type="none" w="med" len="med"/>
+                    </a:lnL>
+                    <a:lnR w="12700" cap="flat" cmpd="sng" algn="ctr">
+                      <a:noFill/>
+                      <a:prstDash val="solid"/>
+                      <a:round/>
+                      <a:headEnd type="none" w="med" len="med"/>
+                      <a:tailEnd type="none" w="med" len="med"/>
+                    </a:lnR>
+                    <a:lnT w="12700" cap="flat" cmpd="sng" algn="ctr">
+                      <a:noFill/>
+                      <a:prstDash val="solid"/>
+                      <a:round/>
+                      <a:headEnd type="none" w="med" len="med"/>
+                      <a:tailEnd type="none" w="med" len="med"/>
+                    </a:lnT>
+                    <a:lnB w="12700" cap="flat" cmpd="sng" algn="ctr">
+                      <a:noFill/>
+                      <a:prstDash val="solid"/>
+                      <a:round/>
+                      <a:headEnd type="none" w="med" len="med"/>
+                      <a:tailEnd type="none" w="med" len="med"/>
+                    </a:lnB>
+                    <a:lnTlToBr w="12700" cmpd="sng">
+                      <a:noFill/>
+                      <a:prstDash val="solid"/>
+                    </a:lnTlToBr>
+                    <a:lnBlToTr w="12700" cmpd="sng">
+                      <a:noFill/>
+                      <a:prstDash val="solid"/>
+                    </a:lnBlToTr>
+                  </a:tcPr>
+                </a:tc>
+              </a:tr>
+              <a:tr h="628117">
+                <a:tc>
+                  <a:txBody>
+                    <a:bodyPr/>
+                    <a:lstStyle/>
+                    <a:p>
+                      <a:pPr algn="ctr"/>
+                      <a:r>
+                        <a:rPr lang="de-DE" sz="2600" dirty="0" smtClean="0"/>
+                        <a:t>4</a:t>
+                      </a:r>
+                      <a:endParaRPr lang="de-DE" sz="2600" dirty="0"/>
+                    </a:p>
+                  </a:txBody>
+                  <a:tcPr>
+                    <a:lnL w="12700" cap="flat" cmpd="sng" algn="ctr">
+                      <a:noFill/>
+                      <a:prstDash val="solid"/>
+                      <a:round/>
+                      <a:headEnd type="none" w="med" len="med"/>
+                      <a:tailEnd type="none" w="med" len="med"/>
+                    </a:lnL>
+                    <a:lnR w="12700" cap="flat" cmpd="sng" algn="ctr">
+                      <a:noFill/>
+                      <a:prstDash val="solid"/>
+                      <a:round/>
+                      <a:headEnd type="none" w="med" len="med"/>
+                      <a:tailEnd type="none" w="med" len="med"/>
+                    </a:lnR>
+                    <a:lnT w="12700" cap="flat" cmpd="sng" algn="ctr">
+                      <a:noFill/>
+                      <a:prstDash val="solid"/>
+                      <a:round/>
+                      <a:headEnd type="none" w="med" len="med"/>
+                      <a:tailEnd type="none" w="med" len="med"/>
+                    </a:lnT>
+                    <a:lnB w="12700" cap="flat" cmpd="sng" algn="ctr">
+                      <a:noFill/>
+                      <a:prstDash val="solid"/>
+                      <a:round/>
+                      <a:headEnd type="none" w="med" len="med"/>
+                      <a:tailEnd type="none" w="med" len="med"/>
+                    </a:lnB>
+                    <a:lnTlToBr w="12700" cmpd="sng">
+                      <a:noFill/>
+                      <a:prstDash val="solid"/>
+                    </a:lnTlToBr>
+                    <a:lnBlToTr w="12700" cmpd="sng">
+                      <a:noFill/>
+                      <a:prstDash val="solid"/>
+                    </a:lnBlToTr>
+                  </a:tcPr>
+                </a:tc>
+                <a:tc>
+                  <a:txBody>
+                    <a:bodyPr/>
+                    <a:lstStyle/>
+                    <a:p>
+                      <a:pPr algn="ctr"/>
+                      <a:r>
+                        <a:rPr lang="de-DE" sz="2600" dirty="0" smtClean="0"/>
+                        <a:t>500</a:t>
+                      </a:r>
+                      <a:endParaRPr lang="de-DE" sz="2600" dirty="0"/>
+                    </a:p>
+                  </a:txBody>
+                  <a:tcPr>
+                    <a:lnL w="12700" cap="flat" cmpd="sng" algn="ctr">
+                      <a:noFill/>
+                      <a:prstDash val="solid"/>
+                      <a:round/>
+                      <a:headEnd type="none" w="med" len="med"/>
+                      <a:tailEnd type="none" w="med" len="med"/>
+                    </a:lnL>
+                    <a:lnR w="12700" cap="flat" cmpd="sng" algn="ctr">
+                      <a:noFill/>
+                      <a:prstDash val="solid"/>
+                      <a:round/>
+                      <a:headEnd type="none" w="med" len="med"/>
+                      <a:tailEnd type="none" w="med" len="med"/>
+                    </a:lnR>
+                    <a:lnT w="12700" cap="flat" cmpd="sng" algn="ctr">
+                      <a:noFill/>
+                      <a:prstDash val="solid"/>
+                      <a:round/>
+                      <a:headEnd type="none" w="med" len="med"/>
+                      <a:tailEnd type="none" w="med" len="med"/>
+                    </a:lnT>
+                    <a:lnB w="12700" cap="flat" cmpd="sng" algn="ctr">
+                      <a:noFill/>
+                      <a:prstDash val="solid"/>
+                      <a:round/>
+                      <a:headEnd type="none" w="med" len="med"/>
+                      <a:tailEnd type="none" w="med" len="med"/>
+                    </a:lnB>
+                    <a:lnTlToBr w="12700" cmpd="sng">
+                      <a:noFill/>
+                      <a:prstDash val="solid"/>
+                    </a:lnTlToBr>
+                    <a:lnBlToTr w="12700" cmpd="sng">
+                      <a:noFill/>
+                      <a:prstDash val="solid"/>
+                    </a:lnBlToTr>
+                  </a:tcPr>
+                </a:tc>
+                <a:tc>
+                  <a:txBody>
+                    <a:bodyPr/>
+                    <a:lstStyle/>
+                    <a:p>
+                      <a:pPr algn="ctr"/>
+                      <a:r>
+                        <a:rPr lang="de-DE" sz="2600" dirty="0" smtClean="0"/>
+                        <a:t>0.5</a:t>
+                      </a:r>
+                      <a:endParaRPr lang="de-DE" sz="2600" dirty="0"/>
+                    </a:p>
+                  </a:txBody>
+                  <a:tcPr>
+                    <a:lnL w="12700" cap="flat" cmpd="sng" algn="ctr">
+                      <a:noFill/>
+                      <a:prstDash val="solid"/>
+                      <a:round/>
+                      <a:headEnd type="none" w="med" len="med"/>
+                      <a:tailEnd type="none" w="med" len="med"/>
+                    </a:lnL>
+                    <a:lnR w="12700" cap="flat" cmpd="sng" algn="ctr">
+                      <a:noFill/>
+                      <a:prstDash val="solid"/>
+                      <a:round/>
+                      <a:headEnd type="none" w="med" len="med"/>
+                      <a:tailEnd type="none" w="med" len="med"/>
+                    </a:lnR>
+                    <a:lnT w="12700" cap="flat" cmpd="sng" algn="ctr">
+                      <a:noFill/>
+                      <a:prstDash val="solid"/>
+                      <a:round/>
+                      <a:headEnd type="none" w="med" len="med"/>
+                      <a:tailEnd type="none" w="med" len="med"/>
+                    </a:lnT>
+                    <a:lnB w="12700" cap="flat" cmpd="sng" algn="ctr">
+                      <a:noFill/>
+                      <a:prstDash val="solid"/>
+                      <a:round/>
+                      <a:headEnd type="none" w="med" len="med"/>
+                      <a:tailEnd type="none" w="med" len="med"/>
+                    </a:lnB>
+                    <a:lnTlToBr w="12700" cmpd="sng">
+                      <a:noFill/>
+                      <a:prstDash val="solid"/>
+                    </a:lnTlToBr>
+                    <a:lnBlToTr w="12700" cmpd="sng">
+                      <a:noFill/>
+                      <a:prstDash val="solid"/>
+                    </a:lnBlToTr>
+                  </a:tcPr>
+                </a:tc>
+                <a:tc>
+                  <a:txBody>
+                    <a:bodyPr/>
+                    <a:lstStyle/>
+                    <a:p>
+                      <a:pPr algn="ctr"/>
+                      <a:r>
+                        <a:rPr lang="de-DE" sz="2600" dirty="0" smtClean="0"/>
+                        <a:t>MCAR</a:t>
+                      </a:r>
+                      <a:endParaRPr lang="de-DE" sz="2600" dirty="0"/>
+                    </a:p>
+                  </a:txBody>
+                  <a:tcPr>
+                    <a:lnL w="12700" cap="flat" cmpd="sng" algn="ctr">
+                      <a:noFill/>
+                      <a:prstDash val="solid"/>
+                      <a:round/>
+                      <a:headEnd type="none" w="med" len="med"/>
+                      <a:tailEnd type="none" w="med" len="med"/>
+                    </a:lnL>
+                    <a:lnR w="12700" cap="flat" cmpd="sng" algn="ctr">
+                      <a:noFill/>
+                      <a:prstDash val="solid"/>
+                      <a:round/>
+                      <a:headEnd type="none" w="med" len="med"/>
+                      <a:tailEnd type="none" w="med" len="med"/>
+                    </a:lnR>
+                    <a:lnT w="12700" cap="flat" cmpd="sng" algn="ctr">
+                      <a:noFill/>
+                      <a:prstDash val="solid"/>
+                      <a:round/>
+                      <a:headEnd type="none" w="med" len="med"/>
+                      <a:tailEnd type="none" w="med" len="med"/>
+                    </a:lnT>
+                    <a:lnB w="12700" cap="flat" cmpd="sng" algn="ctr">
+                      <a:noFill/>
+                      <a:prstDash val="solid"/>
+                      <a:round/>
+                      <a:headEnd type="none" w="med" len="med"/>
+                      <a:tailEnd type="none" w="med" len="med"/>
+                    </a:lnB>
+                    <a:lnTlToBr w="12700" cmpd="sng">
+                      <a:noFill/>
+                      <a:prstDash val="solid"/>
+                    </a:lnTlToBr>
+                    <a:lnBlToTr w="12700" cmpd="sng">
+                      <a:noFill/>
+                      <a:prstDash val="solid"/>
+                    </a:lnBlToTr>
+                  </a:tcPr>
+                </a:tc>
+              </a:tr>
+              <a:tr h="628117">
+                <a:tc>
+                  <a:txBody>
+                    <a:bodyPr/>
+                    <a:lstStyle/>
+                    <a:p>
+                      <a:pPr algn="ctr"/>
+                      <a:r>
+                        <a:rPr lang="de-DE" sz="2600" dirty="0" smtClean="0"/>
+                        <a:t>5</a:t>
+                      </a:r>
+                      <a:endParaRPr lang="de-DE" sz="2600" dirty="0"/>
+                    </a:p>
+                  </a:txBody>
+                  <a:tcPr>
+                    <a:lnL w="12700" cap="flat" cmpd="sng" algn="ctr">
+                      <a:noFill/>
+                      <a:prstDash val="solid"/>
+                      <a:round/>
+                      <a:headEnd type="none" w="med" len="med"/>
+                      <a:tailEnd type="none" w="med" len="med"/>
+                    </a:lnL>
+                    <a:lnR w="12700" cap="flat" cmpd="sng" algn="ctr">
+                      <a:noFill/>
+                      <a:prstDash val="solid"/>
+                      <a:round/>
+                      <a:headEnd type="none" w="med" len="med"/>
+                      <a:tailEnd type="none" w="med" len="med"/>
+                    </a:lnR>
+                    <a:lnT w="12700" cap="flat" cmpd="sng" algn="ctr">
+                      <a:noFill/>
+                      <a:prstDash val="solid"/>
+                      <a:round/>
+                      <a:headEnd type="none" w="med" len="med"/>
+                      <a:tailEnd type="none" w="med" len="med"/>
+                    </a:lnT>
+                    <a:lnB w="12700" cap="flat" cmpd="sng" algn="ctr">
+                      <a:noFill/>
+                      <a:prstDash val="solid"/>
+                      <a:round/>
+                      <a:headEnd type="none" w="med" len="med"/>
+                      <a:tailEnd type="none" w="med" len="med"/>
+                    </a:lnB>
+                    <a:lnTlToBr w="12700" cmpd="sng">
+                      <a:noFill/>
+                      <a:prstDash val="solid"/>
+                    </a:lnTlToBr>
+                    <a:lnBlToTr w="12700" cmpd="sng">
+                      <a:noFill/>
+                      <a:prstDash val="solid"/>
+                    </a:lnBlToTr>
+                  </a:tcPr>
+                </a:tc>
+                <a:tc>
+                  <a:txBody>
+                    <a:bodyPr/>
+                    <a:lstStyle/>
+                    <a:p>
+                      <a:pPr algn="ctr"/>
+                      <a:r>
+                        <a:rPr lang="de-DE" sz="2600" dirty="0" smtClean="0"/>
+                        <a:t>50</a:t>
+                      </a:r>
+                      <a:endParaRPr lang="de-DE" sz="2600" dirty="0"/>
+                    </a:p>
+                  </a:txBody>
+                  <a:tcPr>
+                    <a:lnL w="12700" cap="flat" cmpd="sng" algn="ctr">
+                      <a:noFill/>
+                      <a:prstDash val="solid"/>
+                      <a:round/>
+                      <a:headEnd type="none" w="med" len="med"/>
+                      <a:tailEnd type="none" w="med" len="med"/>
+                    </a:lnL>
+                    <a:lnR w="12700" cap="flat" cmpd="sng" algn="ctr">
+                      <a:noFill/>
+                      <a:prstDash val="solid"/>
+                      <a:round/>
+                      <a:headEnd type="none" w="med" len="med"/>
+                      <a:tailEnd type="none" w="med" len="med"/>
+                    </a:lnR>
+                    <a:lnT w="12700" cap="flat" cmpd="sng" algn="ctr">
+                      <a:noFill/>
+                      <a:prstDash val="solid"/>
+                      <a:round/>
+                      <a:headEnd type="none" w="med" len="med"/>
+                      <a:tailEnd type="none" w="med" len="med"/>
+                    </a:lnT>
+                    <a:lnB w="12700" cap="flat" cmpd="sng" algn="ctr">
+                      <a:noFill/>
+                      <a:prstDash val="solid"/>
+                      <a:round/>
+                      <a:headEnd type="none" w="med" len="med"/>
+                      <a:tailEnd type="none" w="med" len="med"/>
+                    </a:lnB>
+                    <a:lnTlToBr w="12700" cmpd="sng">
+                      <a:noFill/>
+                      <a:prstDash val="solid"/>
+                    </a:lnTlToBr>
+                    <a:lnBlToTr w="12700" cmpd="sng">
+                      <a:noFill/>
+                      <a:prstDash val="solid"/>
+                    </a:lnBlToTr>
+                  </a:tcPr>
+                </a:tc>
+                <a:tc>
+                  <a:txBody>
+                    <a:bodyPr/>
+                    <a:lstStyle/>
+                    <a:p>
+                      <a:pPr algn="ctr"/>
+                      <a:r>
+                        <a:rPr lang="de-DE" sz="2600" dirty="0" smtClean="0"/>
+                        <a:t>0.25</a:t>
+                      </a:r>
+                      <a:endParaRPr lang="de-DE" sz="2600" dirty="0"/>
+                    </a:p>
+                  </a:txBody>
+                  <a:tcPr>
+                    <a:lnL w="12700" cap="flat" cmpd="sng" algn="ctr">
+                      <a:noFill/>
+                      <a:prstDash val="solid"/>
+                      <a:round/>
+                      <a:headEnd type="none" w="med" len="med"/>
+                      <a:tailEnd type="none" w="med" len="med"/>
+                    </a:lnL>
+                    <a:lnR w="12700" cap="flat" cmpd="sng" algn="ctr">
+                      <a:noFill/>
+                      <a:prstDash val="solid"/>
+                      <a:round/>
+                      <a:headEnd type="none" w="med" len="med"/>
+                      <a:tailEnd type="none" w="med" len="med"/>
+                    </a:lnR>
+                    <a:lnT w="12700" cap="flat" cmpd="sng" algn="ctr">
+                      <a:noFill/>
+                      <a:prstDash val="solid"/>
+                      <a:round/>
+                      <a:headEnd type="none" w="med" len="med"/>
+                      <a:tailEnd type="none" w="med" len="med"/>
+                    </a:lnT>
+                    <a:lnB w="12700" cap="flat" cmpd="sng" algn="ctr">
+                      <a:noFill/>
+                      <a:prstDash val="solid"/>
+                      <a:round/>
+                      <a:headEnd type="none" w="med" len="med"/>
+                      <a:tailEnd type="none" w="med" len="med"/>
+                    </a:lnB>
+                    <a:lnTlToBr w="12700" cmpd="sng">
+                      <a:noFill/>
+                      <a:prstDash val="solid"/>
+                    </a:lnTlToBr>
+                    <a:lnBlToTr w="12700" cmpd="sng">
+                      <a:noFill/>
+                      <a:prstDash val="solid"/>
+                    </a:lnBlToTr>
+                  </a:tcPr>
+                </a:tc>
+                <a:tc>
+                  <a:txBody>
+                    <a:bodyPr/>
+                    <a:lstStyle/>
+                    <a:p>
+                      <a:pPr algn="ctr"/>
+                      <a:r>
+                        <a:rPr lang="de-DE" sz="2600" dirty="0" smtClean="0"/>
+                        <a:t>MAR</a:t>
+                      </a:r>
+                      <a:endParaRPr lang="de-DE" sz="2600" dirty="0"/>
+                    </a:p>
+                  </a:txBody>
+                  <a:tcPr>
+                    <a:lnL w="12700" cap="flat" cmpd="sng" algn="ctr">
+                      <a:noFill/>
+                      <a:prstDash val="solid"/>
+                      <a:round/>
+                      <a:headEnd type="none" w="med" len="med"/>
+                      <a:tailEnd type="none" w="med" len="med"/>
+                    </a:lnL>
+                    <a:lnR w="12700" cap="flat" cmpd="sng" algn="ctr">
+                      <a:noFill/>
+                      <a:prstDash val="solid"/>
+                      <a:round/>
+                      <a:headEnd type="none" w="med" len="med"/>
+                      <a:tailEnd type="none" w="med" len="med"/>
+                    </a:lnR>
+                    <a:lnT w="12700" cap="flat" cmpd="sng" algn="ctr">
+                      <a:noFill/>
+                      <a:prstDash val="solid"/>
+                      <a:round/>
+                      <a:headEnd type="none" w="med" len="med"/>
+                      <a:tailEnd type="none" w="med" len="med"/>
+                    </a:lnT>
+                    <a:lnB w="12700" cap="flat" cmpd="sng" algn="ctr">
+                      <a:noFill/>
+                      <a:prstDash val="solid"/>
+                      <a:round/>
+                      <a:headEnd type="none" w="med" len="med"/>
+                      <a:tailEnd type="none" w="med" len="med"/>
+                    </a:lnB>
+                    <a:lnTlToBr w="12700" cmpd="sng">
+                      <a:noFill/>
+                      <a:prstDash val="solid"/>
+                    </a:lnTlToBr>
+                    <a:lnBlToTr w="12700" cmpd="sng">
+                      <a:noFill/>
+                      <a:prstDash val="solid"/>
+                    </a:lnBlToTr>
+                  </a:tcPr>
+                </a:tc>
+              </a:tr>
+              <a:tr h="628117">
+                <a:tc>
+                  <a:txBody>
+                    <a:bodyPr/>
+                    <a:lstStyle/>
+                    <a:p>
+                      <a:pPr algn="ctr"/>
+                      <a:r>
+                        <a:rPr lang="de-DE" sz="2600" dirty="0" smtClean="0"/>
+                        <a:t>6</a:t>
+                      </a:r>
+                      <a:endParaRPr lang="de-DE" sz="2600" dirty="0"/>
+                    </a:p>
+                  </a:txBody>
+                  <a:tcPr>
+                    <a:lnL w="12700" cap="flat" cmpd="sng" algn="ctr">
+                      <a:noFill/>
+                      <a:prstDash val="solid"/>
+                      <a:round/>
+                      <a:headEnd type="none" w="med" len="med"/>
+                      <a:tailEnd type="none" w="med" len="med"/>
+                    </a:lnL>
+                    <a:lnR w="12700" cap="flat" cmpd="sng" algn="ctr">
+                      <a:noFill/>
+                      <a:prstDash val="solid"/>
+                      <a:round/>
+                      <a:headEnd type="none" w="med" len="med"/>
+                      <a:tailEnd type="none" w="med" len="med"/>
+                    </a:lnR>
+                    <a:lnT w="12700" cap="flat" cmpd="sng" algn="ctr">
+                      <a:noFill/>
+                      <a:prstDash val="solid"/>
+                      <a:round/>
+                      <a:headEnd type="none" w="med" len="med"/>
+                      <a:tailEnd type="none" w="med" len="med"/>
+                    </a:lnT>
+                    <a:lnB w="12700" cap="flat" cmpd="sng" algn="ctr">
+                      <a:noFill/>
+                      <a:prstDash val="solid"/>
+                      <a:round/>
+                      <a:headEnd type="none" w="med" len="med"/>
+                      <a:tailEnd type="none" w="med" len="med"/>
+                    </a:lnB>
+                    <a:lnTlToBr w="12700" cmpd="sng">
+                      <a:noFill/>
+                      <a:prstDash val="solid"/>
+                    </a:lnTlToBr>
+                    <a:lnBlToTr w="12700" cmpd="sng">
+                      <a:noFill/>
+                      <a:prstDash val="solid"/>
+                    </a:lnBlToTr>
+                  </a:tcPr>
+                </a:tc>
+                <a:tc>
+                  <a:txBody>
+                    <a:bodyPr/>
+                    <a:lstStyle/>
+                    <a:p>
+                      <a:pPr algn="ctr"/>
+                      <a:r>
+                        <a:rPr lang="de-DE" sz="2600" dirty="0" smtClean="0"/>
+                        <a:t>500</a:t>
+                      </a:r>
+                      <a:endParaRPr lang="de-DE" sz="2600" dirty="0"/>
+                    </a:p>
+                  </a:txBody>
+                  <a:tcPr>
+                    <a:lnL w="12700" cap="flat" cmpd="sng" algn="ctr">
+                      <a:noFill/>
+                      <a:prstDash val="solid"/>
+                      <a:round/>
+                      <a:headEnd type="none" w="med" len="med"/>
+                      <a:tailEnd type="none" w="med" len="med"/>
+                    </a:lnL>
+                    <a:lnR w="12700" cap="flat" cmpd="sng" algn="ctr">
+                      <a:noFill/>
+                      <a:prstDash val="solid"/>
+                      <a:round/>
+                      <a:headEnd type="none" w="med" len="med"/>
+                      <a:tailEnd type="none" w="med" len="med"/>
+                    </a:lnR>
+                    <a:lnT w="12700" cap="flat" cmpd="sng" algn="ctr">
+                      <a:noFill/>
+                      <a:prstDash val="solid"/>
+                      <a:round/>
+                      <a:headEnd type="none" w="med" len="med"/>
+                      <a:tailEnd type="none" w="med" len="med"/>
+                    </a:lnT>
+                    <a:lnB w="12700" cap="flat" cmpd="sng" algn="ctr">
+                      <a:noFill/>
+                      <a:prstDash val="solid"/>
+                      <a:round/>
+                      <a:headEnd type="none" w="med" len="med"/>
+                      <a:tailEnd type="none" w="med" len="med"/>
+                    </a:lnB>
+                    <a:lnTlToBr w="12700" cmpd="sng">
+                      <a:noFill/>
+                      <a:prstDash val="solid"/>
+                    </a:lnTlToBr>
+                    <a:lnBlToTr w="12700" cmpd="sng">
+                      <a:noFill/>
+                      <a:prstDash val="solid"/>
+                    </a:lnBlToTr>
+                  </a:tcPr>
+                </a:tc>
+                <a:tc>
+                  <a:txBody>
+                    <a:bodyPr/>
+                    <a:lstStyle/>
+                    <a:p>
+                      <a:pPr algn="ctr"/>
+                      <a:r>
+                        <a:rPr lang="de-DE" sz="2600" dirty="0" smtClean="0"/>
+                        <a:t>0.25</a:t>
+                      </a:r>
+                      <a:endParaRPr lang="de-DE" sz="2600" dirty="0"/>
+                    </a:p>
+                  </a:txBody>
+                  <a:tcPr>
+                    <a:lnL w="12700" cap="flat" cmpd="sng" algn="ctr">
+                      <a:noFill/>
+                      <a:prstDash val="solid"/>
+                      <a:round/>
+                      <a:headEnd type="none" w="med" len="med"/>
+                      <a:tailEnd type="none" w="med" len="med"/>
+                    </a:lnL>
+                    <a:lnR w="12700" cap="flat" cmpd="sng" algn="ctr">
+                      <a:noFill/>
+                      <a:prstDash val="solid"/>
+                      <a:round/>
+                      <a:headEnd type="none" w="med" len="med"/>
+                      <a:tailEnd type="none" w="med" len="med"/>
+                    </a:lnR>
+                    <a:lnT w="12700" cap="flat" cmpd="sng" algn="ctr">
+                      <a:noFill/>
+                      <a:prstDash val="solid"/>
+                      <a:round/>
+                      <a:headEnd type="none" w="med" len="med"/>
+                      <a:tailEnd type="none" w="med" len="med"/>
+                    </a:lnT>
+                    <a:lnB w="12700" cap="flat" cmpd="sng" algn="ctr">
+                      <a:noFill/>
+                      <a:prstDash val="solid"/>
+                      <a:round/>
+                      <a:headEnd type="none" w="med" len="med"/>
+                      <a:tailEnd type="none" w="med" len="med"/>
+                    </a:lnB>
+                    <a:lnTlToBr w="12700" cmpd="sng">
+                      <a:noFill/>
+                      <a:prstDash val="solid"/>
+                    </a:lnTlToBr>
+                    <a:lnBlToTr w="12700" cmpd="sng">
+                      <a:noFill/>
+                      <a:prstDash val="solid"/>
+                    </a:lnBlToTr>
+                  </a:tcPr>
+                </a:tc>
+                <a:tc>
+                  <a:txBody>
+                    <a:bodyPr/>
+                    <a:lstStyle/>
+                    <a:p>
+                      <a:pPr algn="ctr"/>
+                      <a:r>
+                        <a:rPr lang="de-DE" sz="2600" dirty="0" smtClean="0"/>
+                        <a:t>MAR</a:t>
+                      </a:r>
+                      <a:endParaRPr lang="de-DE" sz="2600" dirty="0"/>
+                    </a:p>
+                  </a:txBody>
+                  <a:tcPr>
+                    <a:lnL w="12700" cap="flat" cmpd="sng" algn="ctr">
+                      <a:noFill/>
+                      <a:prstDash val="solid"/>
+                      <a:round/>
+                      <a:headEnd type="none" w="med" len="med"/>
+                      <a:tailEnd type="none" w="med" len="med"/>
+                    </a:lnL>
+                    <a:lnR w="12700" cap="flat" cmpd="sng" algn="ctr">
+                      <a:noFill/>
+                      <a:prstDash val="solid"/>
+                      <a:round/>
+                      <a:headEnd type="none" w="med" len="med"/>
+                      <a:tailEnd type="none" w="med" len="med"/>
+                    </a:lnR>
+                    <a:lnT w="12700" cap="flat" cmpd="sng" algn="ctr">
+                      <a:noFill/>
+                      <a:prstDash val="solid"/>
+                      <a:round/>
+                      <a:headEnd type="none" w="med" len="med"/>
+                      <a:tailEnd type="none" w="med" len="med"/>
+                    </a:lnT>
+                    <a:lnB w="12700" cap="flat" cmpd="sng" algn="ctr">
+                      <a:noFill/>
+                      <a:prstDash val="solid"/>
+                      <a:round/>
+                      <a:headEnd type="none" w="med" len="med"/>
+                      <a:tailEnd type="none" w="med" len="med"/>
+                    </a:lnB>
+                    <a:lnTlToBr w="12700" cmpd="sng">
+                      <a:noFill/>
+                      <a:prstDash val="solid"/>
+                    </a:lnTlToBr>
+                    <a:lnBlToTr w="12700" cmpd="sng">
+                      <a:noFill/>
+                      <a:prstDash val="solid"/>
+                    </a:lnBlToTr>
+                  </a:tcPr>
+                </a:tc>
+              </a:tr>
+              <a:tr h="628117">
+                <a:tc>
+                  <a:txBody>
+                    <a:bodyPr/>
+                    <a:lstStyle/>
+                    <a:p>
+                      <a:pPr algn="ctr"/>
+                      <a:r>
+                        <a:rPr lang="de-DE" sz="2600" dirty="0" smtClean="0"/>
+                        <a:t>7</a:t>
+                      </a:r>
+                      <a:endParaRPr lang="de-DE" sz="2600" dirty="0"/>
+                    </a:p>
+                  </a:txBody>
+                  <a:tcPr>
+                    <a:lnL w="12700" cap="flat" cmpd="sng" algn="ctr">
+                      <a:noFill/>
+                      <a:prstDash val="solid"/>
+                      <a:round/>
+                      <a:headEnd type="none" w="med" len="med"/>
+                      <a:tailEnd type="none" w="med" len="med"/>
+                    </a:lnL>
+                    <a:lnR w="12700" cap="flat" cmpd="sng" algn="ctr">
+                      <a:noFill/>
+                      <a:prstDash val="solid"/>
+                      <a:round/>
+                      <a:headEnd type="none" w="med" len="med"/>
+                      <a:tailEnd type="none" w="med" len="med"/>
+                    </a:lnR>
+                    <a:lnT w="12700" cap="flat" cmpd="sng" algn="ctr">
+                      <a:noFill/>
+                      <a:prstDash val="solid"/>
+                      <a:round/>
+                      <a:headEnd type="none" w="med" len="med"/>
+                      <a:tailEnd type="none" w="med" len="med"/>
+                    </a:lnT>
+                    <a:lnB w="12700" cap="flat" cmpd="sng" algn="ctr">
+                      <a:noFill/>
+                      <a:prstDash val="solid"/>
+                      <a:round/>
+                      <a:headEnd type="none" w="med" len="med"/>
+                      <a:tailEnd type="none" w="med" len="med"/>
+                    </a:lnB>
+                    <a:lnTlToBr w="12700" cmpd="sng">
+                      <a:noFill/>
+                      <a:prstDash val="solid"/>
+                    </a:lnTlToBr>
+                    <a:lnBlToTr w="12700" cmpd="sng">
+                      <a:noFill/>
+                      <a:prstDash val="solid"/>
+                    </a:lnBlToTr>
+                  </a:tcPr>
+                </a:tc>
+                <a:tc>
+                  <a:txBody>
+                    <a:bodyPr/>
+                    <a:lstStyle/>
+                    <a:p>
+                      <a:pPr algn="ctr"/>
+                      <a:r>
+                        <a:rPr lang="de-DE" sz="2600" dirty="0" smtClean="0"/>
+                        <a:t>50</a:t>
+                      </a:r>
+                      <a:endParaRPr lang="de-DE" sz="2600" dirty="0"/>
+                    </a:p>
+                  </a:txBody>
+                  <a:tcPr>
+                    <a:lnL w="12700" cap="flat" cmpd="sng" algn="ctr">
+                      <a:noFill/>
+                      <a:prstDash val="solid"/>
+                      <a:round/>
+                      <a:headEnd type="none" w="med" len="med"/>
+                      <a:tailEnd type="none" w="med" len="med"/>
+                    </a:lnL>
+                    <a:lnR w="12700" cap="flat" cmpd="sng" algn="ctr">
+                      <a:noFill/>
+                      <a:prstDash val="solid"/>
+                      <a:round/>
+                      <a:headEnd type="none" w="med" len="med"/>
+                      <a:tailEnd type="none" w="med" len="med"/>
+                    </a:lnR>
+                    <a:lnT w="12700" cap="flat" cmpd="sng" algn="ctr">
+                      <a:noFill/>
+                      <a:prstDash val="solid"/>
+                      <a:round/>
+                      <a:headEnd type="none" w="med" len="med"/>
+                      <a:tailEnd type="none" w="med" len="med"/>
+                    </a:lnT>
+                    <a:lnB w="12700" cap="flat" cmpd="sng" algn="ctr">
+                      <a:noFill/>
+                      <a:prstDash val="solid"/>
+                      <a:round/>
+                      <a:headEnd type="none" w="med" len="med"/>
+                      <a:tailEnd type="none" w="med" len="med"/>
+                    </a:lnB>
+                    <a:lnTlToBr w="12700" cmpd="sng">
+                      <a:noFill/>
+                      <a:prstDash val="solid"/>
+                    </a:lnTlToBr>
+                    <a:lnBlToTr w="12700" cmpd="sng">
+                      <a:noFill/>
+                      <a:prstDash val="solid"/>
+                    </a:lnBlToTr>
+                  </a:tcPr>
+                </a:tc>
+                <a:tc>
+                  <a:txBody>
+                    <a:bodyPr/>
+                    <a:lstStyle/>
+                    <a:p>
+                      <a:pPr algn="ctr"/>
+                      <a:r>
+                        <a:rPr lang="de-DE" sz="2600" dirty="0" smtClean="0"/>
+                        <a:t>0.5</a:t>
+                      </a:r>
+                      <a:endParaRPr lang="de-DE" sz="2600" dirty="0"/>
+                    </a:p>
+                  </a:txBody>
+                  <a:tcPr>
+                    <a:lnL w="12700" cap="flat" cmpd="sng" algn="ctr">
+                      <a:noFill/>
+                      <a:prstDash val="solid"/>
+                      <a:round/>
+                      <a:headEnd type="none" w="med" len="med"/>
+                      <a:tailEnd type="none" w="med" len="med"/>
+                    </a:lnL>
+                    <a:lnR w="12700" cap="flat" cmpd="sng" algn="ctr">
+                      <a:noFill/>
+                      <a:prstDash val="solid"/>
+                      <a:round/>
+                      <a:headEnd type="none" w="med" len="med"/>
+                      <a:tailEnd type="none" w="med" len="med"/>
+                    </a:lnR>
+                    <a:lnT w="12700" cap="flat" cmpd="sng" algn="ctr">
+                      <a:noFill/>
+                      <a:prstDash val="solid"/>
+                      <a:round/>
+                      <a:headEnd type="none" w="med" len="med"/>
+                      <a:tailEnd type="none" w="med" len="med"/>
+                    </a:lnT>
+                    <a:lnB w="12700" cap="flat" cmpd="sng" algn="ctr">
+                      <a:noFill/>
+                      <a:prstDash val="solid"/>
+                      <a:round/>
+                      <a:headEnd type="none" w="med" len="med"/>
+                      <a:tailEnd type="none" w="med" len="med"/>
+                    </a:lnB>
+                    <a:lnTlToBr w="12700" cmpd="sng">
+                      <a:noFill/>
+                      <a:prstDash val="solid"/>
+                    </a:lnTlToBr>
+                    <a:lnBlToTr w="12700" cmpd="sng">
+                      <a:noFill/>
+                      <a:prstDash val="solid"/>
+                    </a:lnBlToTr>
+                  </a:tcPr>
+                </a:tc>
+                <a:tc>
+                  <a:txBody>
+                    <a:bodyPr/>
+                    <a:lstStyle/>
+                    <a:p>
+                      <a:pPr algn="ctr"/>
+                      <a:r>
+                        <a:rPr lang="de-DE" sz="2600" dirty="0" smtClean="0"/>
+                        <a:t>MAR</a:t>
+                      </a:r>
+                      <a:endParaRPr lang="de-DE" sz="2600" dirty="0"/>
+                    </a:p>
+                  </a:txBody>
+                  <a:tcPr>
+                    <a:lnL w="12700" cap="flat" cmpd="sng" algn="ctr">
+                      <a:noFill/>
+                      <a:prstDash val="solid"/>
+                      <a:round/>
+                      <a:headEnd type="none" w="med" len="med"/>
+                      <a:tailEnd type="none" w="med" len="med"/>
+                    </a:lnL>
+                    <a:lnR w="12700" cap="flat" cmpd="sng" algn="ctr">
+                      <a:noFill/>
+                      <a:prstDash val="solid"/>
+                      <a:round/>
+                      <a:headEnd type="none" w="med" len="med"/>
+                      <a:tailEnd type="none" w="med" len="med"/>
+                    </a:lnR>
+                    <a:lnT w="12700" cap="flat" cmpd="sng" algn="ctr">
+                      <a:noFill/>
+                      <a:prstDash val="solid"/>
+                      <a:round/>
+                      <a:headEnd type="none" w="med" len="med"/>
+                      <a:tailEnd type="none" w="med" len="med"/>
+                    </a:lnT>
+                    <a:lnB w="12700" cap="flat" cmpd="sng" algn="ctr">
+                      <a:noFill/>
+                      <a:prstDash val="solid"/>
+                      <a:round/>
+                      <a:headEnd type="none" w="med" len="med"/>
+                      <a:tailEnd type="none" w="med" len="med"/>
+                    </a:lnB>
+                    <a:lnTlToBr w="12700" cmpd="sng">
+                      <a:noFill/>
+                      <a:prstDash val="solid"/>
+                    </a:lnTlToBr>
+                    <a:lnBlToTr w="12700" cmpd="sng">
+                      <a:noFill/>
+                      <a:prstDash val="solid"/>
+                    </a:lnBlToTr>
+                  </a:tcPr>
+                </a:tc>
+              </a:tr>
+              <a:tr h="628117">
+                <a:tc>
+                  <a:txBody>
+                    <a:bodyPr/>
+                    <a:lstStyle/>
+                    <a:p>
+                      <a:pPr algn="ctr"/>
+                      <a:r>
+                        <a:rPr lang="de-DE" sz="2600" dirty="0" smtClean="0"/>
+                        <a:t>8</a:t>
+                      </a:r>
+                      <a:endParaRPr lang="de-DE" sz="2600" dirty="0"/>
+                    </a:p>
+                  </a:txBody>
+                  <a:tcPr>
+                    <a:lnL w="12700" cap="flat" cmpd="sng" algn="ctr">
+                      <a:noFill/>
+                      <a:prstDash val="solid"/>
+                      <a:round/>
+                      <a:headEnd type="none" w="med" len="med"/>
+                      <a:tailEnd type="none" w="med" len="med"/>
+                    </a:lnL>
+                    <a:lnR w="12700" cap="flat" cmpd="sng" algn="ctr">
+                      <a:noFill/>
+                      <a:prstDash val="solid"/>
+                      <a:round/>
+                      <a:headEnd type="none" w="med" len="med"/>
+                      <a:tailEnd type="none" w="med" len="med"/>
+                    </a:lnR>
+                    <a:lnT w="12700" cap="flat" cmpd="sng" algn="ctr">
+                      <a:noFill/>
+                      <a:prstDash val="solid"/>
+                      <a:round/>
+                      <a:headEnd type="none" w="med" len="med"/>
+                      <a:tailEnd type="none" w="med" len="med"/>
+                    </a:lnT>
+                    <a:lnB w="12700" cap="flat" cmpd="sng" algn="ctr">
+                      <a:noFill/>
+                      <a:prstDash val="solid"/>
+                      <a:round/>
+                      <a:headEnd type="none" w="med" len="med"/>
+                      <a:tailEnd type="none" w="med" len="med"/>
+                    </a:lnB>
+                    <a:lnTlToBr w="12700" cmpd="sng">
+                      <a:noFill/>
+                      <a:prstDash val="solid"/>
+                    </a:lnTlToBr>
+                    <a:lnBlToTr w="12700" cmpd="sng">
+                      <a:noFill/>
+                      <a:prstDash val="solid"/>
+                    </a:lnBlToTr>
+                  </a:tcPr>
+                </a:tc>
+                <a:tc>
+                  <a:txBody>
+                    <a:bodyPr/>
+                    <a:lstStyle/>
+                    <a:p>
+                      <a:pPr algn="ctr"/>
+                      <a:r>
+                        <a:rPr lang="de-DE" sz="2600" dirty="0" smtClean="0"/>
+                        <a:t>500</a:t>
+                      </a:r>
+                      <a:endParaRPr lang="de-DE" sz="2600" dirty="0"/>
+                    </a:p>
+                  </a:txBody>
+                  <a:tcPr>
+                    <a:lnL w="12700" cap="flat" cmpd="sng" algn="ctr">
+                      <a:noFill/>
+                      <a:prstDash val="solid"/>
+                      <a:round/>
+                      <a:headEnd type="none" w="med" len="med"/>
+                      <a:tailEnd type="none" w="med" len="med"/>
+                    </a:lnL>
+                    <a:lnR w="12700" cap="flat" cmpd="sng" algn="ctr">
+                      <a:noFill/>
+                      <a:prstDash val="solid"/>
+                      <a:round/>
+                      <a:headEnd type="none" w="med" len="med"/>
+                      <a:tailEnd type="none" w="med" len="med"/>
+                    </a:lnR>
+                    <a:lnT w="12700" cap="flat" cmpd="sng" algn="ctr">
+                      <a:noFill/>
+                      <a:prstDash val="solid"/>
+                      <a:round/>
+                      <a:headEnd type="none" w="med" len="med"/>
+                      <a:tailEnd type="none" w="med" len="med"/>
+                    </a:lnT>
+                    <a:lnB w="12700" cap="flat" cmpd="sng" algn="ctr">
+                      <a:noFill/>
+                      <a:prstDash val="solid"/>
+                      <a:round/>
+                      <a:headEnd type="none" w="med" len="med"/>
+                      <a:tailEnd type="none" w="med" len="med"/>
+                    </a:lnB>
+                    <a:lnTlToBr w="12700" cmpd="sng">
+                      <a:noFill/>
+                      <a:prstDash val="solid"/>
+                    </a:lnTlToBr>
+                    <a:lnBlToTr w="12700" cmpd="sng">
+                      <a:noFill/>
+                      <a:prstDash val="solid"/>
+                    </a:lnBlToTr>
+                  </a:tcPr>
+                </a:tc>
+                <a:tc>
+                  <a:txBody>
+                    <a:bodyPr/>
+                    <a:lstStyle/>
+                    <a:p>
+                      <a:pPr algn="ctr"/>
+                      <a:r>
+                        <a:rPr lang="de-DE" sz="2600" dirty="0" smtClean="0"/>
+                        <a:t>0.5</a:t>
+                      </a:r>
+                      <a:endParaRPr lang="de-DE" sz="2600" dirty="0"/>
+                    </a:p>
+                  </a:txBody>
+                  <a:tcPr>
+                    <a:lnL w="12700" cap="flat" cmpd="sng" algn="ctr">
+                      <a:noFill/>
+                      <a:prstDash val="solid"/>
+                      <a:round/>
+                      <a:headEnd type="none" w="med" len="med"/>
+                      <a:tailEnd type="none" w="med" len="med"/>
+                    </a:lnL>
+                    <a:lnR w="12700" cap="flat" cmpd="sng" algn="ctr">
+                      <a:noFill/>
+                      <a:prstDash val="solid"/>
+                      <a:round/>
+                      <a:headEnd type="none" w="med" len="med"/>
+                      <a:tailEnd type="none" w="med" len="med"/>
+                    </a:lnR>
+                    <a:lnT w="12700" cap="flat" cmpd="sng" algn="ctr">
+                      <a:noFill/>
+                      <a:prstDash val="solid"/>
+                      <a:round/>
+                      <a:headEnd type="none" w="med" len="med"/>
+                      <a:tailEnd type="none" w="med" len="med"/>
+                    </a:lnT>
+                    <a:lnB w="12700" cap="flat" cmpd="sng" algn="ctr">
+                      <a:noFill/>
+                      <a:prstDash val="solid"/>
+                      <a:round/>
+                      <a:headEnd type="none" w="med" len="med"/>
+                      <a:tailEnd type="none" w="med" len="med"/>
+                    </a:lnB>
+                    <a:lnTlToBr w="12700" cmpd="sng">
+                      <a:noFill/>
+                      <a:prstDash val="solid"/>
+                    </a:lnTlToBr>
+                    <a:lnBlToTr w="12700" cmpd="sng">
+                      <a:noFill/>
+                      <a:prstDash val="solid"/>
+                    </a:lnBlToTr>
+                  </a:tcPr>
+                </a:tc>
+                <a:tc>
+                  <a:txBody>
+                    <a:bodyPr/>
+                    <a:lstStyle/>
+                    <a:p>
+                      <a:pPr algn="ctr"/>
+                      <a:r>
+                        <a:rPr lang="de-DE" sz="2600" dirty="0" smtClean="0"/>
+                        <a:t>MAR</a:t>
+                      </a:r>
+                      <a:endParaRPr lang="de-DE" sz="2600" dirty="0"/>
+                    </a:p>
+                  </a:txBody>
+                  <a:tcPr>
+                    <a:lnL w="12700" cap="flat" cmpd="sng" algn="ctr">
+                      <a:noFill/>
+                      <a:prstDash val="solid"/>
+                      <a:round/>
+                      <a:headEnd type="none" w="med" len="med"/>
+                      <a:tailEnd type="none" w="med" len="med"/>
+                    </a:lnL>
+                    <a:lnR w="12700" cap="flat" cmpd="sng" algn="ctr">
+                      <a:noFill/>
+                      <a:prstDash val="solid"/>
+                      <a:round/>
+                      <a:headEnd type="none" w="med" len="med"/>
+                      <a:tailEnd type="none" w="med" len="med"/>
+                    </a:lnR>
+                    <a:lnT w="12700" cap="flat" cmpd="sng" algn="ctr">
+                      <a:noFill/>
+                      <a:prstDash val="solid"/>
+                      <a:round/>
+                      <a:headEnd type="none" w="med" len="med"/>
+                      <a:tailEnd type="none" w="med" len="med"/>
+                    </a:lnT>
+                    <a:lnB w="12700" cap="flat" cmpd="sng" algn="ctr">
+                      <a:noFill/>
+                      <a:prstDash val="solid"/>
+                      <a:round/>
+                      <a:headEnd type="none" w="med" len="med"/>
+                      <a:tailEnd type="none" w="med" len="med"/>
+                    </a:lnB>
+                    <a:lnTlToBr w="12700" cmpd="sng">
+                      <a:noFill/>
+                      <a:prstDash val="solid"/>
+                    </a:lnTlToBr>
+                    <a:lnBlToTr w="12700" cmpd="sng">
+                      <a:noFill/>
+                      <a:prstDash val="solid"/>
+                    </a:lnBlToTr>
+                  </a:tcPr>
+                </a:tc>
+              </a:tr>
+            </a:tbl>
+          </a:graphicData>
+        </a:graphic>
+      </p:graphicFrame>
     </p:spTree>
     <p:extLst>
       <p:ext uri="{BB962C8B-B14F-4D97-AF65-F5344CB8AC3E}">

--- a/poster/poster_template.pptx
+++ b/poster/poster_template.pptx
@@ -131,6 +131,10 @@
 </p:cmAuthorLst>
 </file>
 
+<file path=ppt/revisionInfo.xml><?xml version="1.0" encoding="utf-8"?>
+<p1510:revInfo xmlns:a="http://schemas.openxmlformats.org/drawingml/2006/main" xmlns:r="http://schemas.openxmlformats.org/officeDocument/2006/relationships" xmlns:p1510="http://schemas.microsoft.com/office/powerpoint/2015/10/main"/>
+</file>
+
 <file path=ppt/slideLayouts/slideLayout1.xml><?xml version="1.0" encoding="utf-8"?>
 <p:sldLayout xmlns:a="http://schemas.openxmlformats.org/drawingml/2006/main" xmlns:r="http://schemas.openxmlformats.org/officeDocument/2006/relationships" xmlns:p="http://schemas.openxmlformats.org/presentationml/2006/main" type="title" preserve="1">
   <p:cSld name="Titelfolie">
@@ -312,7 +316,7 @@
           <a:p>
             <a:fld id="{0B7A2DEA-69B7-D343-870B-04A176525892}" type="datetimeFigureOut">
               <a:rPr lang="de-DE" smtClean="0"/>
-              <a:t>21.01.18</a:t>
+              <a:t>23.01.2018</a:t>
             </a:fld>
             <a:endParaRPr lang="en-US"/>
           </a:p>
@@ -354,7 +358,7 @@
           <a:p>
             <a:fld id="{ECCF8E15-CB41-DD4C-B915-60DE08A81F34}" type="slidenum">
               <a:rPr lang="en-US" smtClean="0"/>
-              <a:t>‹Nr.›</a:t>
+              <a:t>‹#›</a:t>
             </a:fld>
             <a:endParaRPr lang="en-US"/>
           </a:p>
@@ -482,7 +486,7 @@
           <a:p>
             <a:fld id="{0B7A2DEA-69B7-D343-870B-04A176525892}" type="datetimeFigureOut">
               <a:rPr lang="de-DE" smtClean="0"/>
-              <a:t>21.01.18</a:t>
+              <a:t>23.01.2018</a:t>
             </a:fld>
             <a:endParaRPr lang="en-US"/>
           </a:p>
@@ -524,7 +528,7 @@
           <a:p>
             <a:fld id="{ECCF8E15-CB41-DD4C-B915-60DE08A81F34}" type="slidenum">
               <a:rPr lang="en-US" smtClean="0"/>
-              <a:t>‹Nr.›</a:t>
+              <a:t>‹#›</a:t>
             </a:fld>
             <a:endParaRPr lang="en-US"/>
           </a:p>
@@ -662,7 +666,7 @@
           <a:p>
             <a:fld id="{0B7A2DEA-69B7-D343-870B-04A176525892}" type="datetimeFigureOut">
               <a:rPr lang="de-DE" smtClean="0"/>
-              <a:t>21.01.18</a:t>
+              <a:t>23.01.2018</a:t>
             </a:fld>
             <a:endParaRPr lang="en-US"/>
           </a:p>
@@ -704,7 +708,7 @@
           <a:p>
             <a:fld id="{ECCF8E15-CB41-DD4C-B915-60DE08A81F34}" type="slidenum">
               <a:rPr lang="en-US" smtClean="0"/>
-              <a:t>‹Nr.›</a:t>
+              <a:t>‹#›</a:t>
             </a:fld>
             <a:endParaRPr lang="en-US"/>
           </a:p>
@@ -832,7 +836,7 @@
           <a:p>
             <a:fld id="{0B7A2DEA-69B7-D343-870B-04A176525892}" type="datetimeFigureOut">
               <a:rPr lang="de-DE" smtClean="0"/>
-              <a:t>21.01.18</a:t>
+              <a:t>23.01.2018</a:t>
             </a:fld>
             <a:endParaRPr lang="en-US"/>
           </a:p>
@@ -874,7 +878,7 @@
           <a:p>
             <a:fld id="{ECCF8E15-CB41-DD4C-B915-60DE08A81F34}" type="slidenum">
               <a:rPr lang="en-US" smtClean="0"/>
-              <a:t>‹Nr.›</a:t>
+              <a:t>‹#›</a:t>
             </a:fld>
             <a:endParaRPr lang="en-US"/>
           </a:p>
@@ -1078,7 +1082,7 @@
           <a:p>
             <a:fld id="{0B7A2DEA-69B7-D343-870B-04A176525892}" type="datetimeFigureOut">
               <a:rPr lang="de-DE" smtClean="0"/>
-              <a:t>21.01.18</a:t>
+              <a:t>23.01.2018</a:t>
             </a:fld>
             <a:endParaRPr lang="en-US"/>
           </a:p>
@@ -1120,7 +1124,7 @@
           <a:p>
             <a:fld id="{ECCF8E15-CB41-DD4C-B915-60DE08A81F34}" type="slidenum">
               <a:rPr lang="en-US" smtClean="0"/>
-              <a:t>‹Nr.›</a:t>
+              <a:t>‹#›</a:t>
             </a:fld>
             <a:endParaRPr lang="en-US"/>
           </a:p>
@@ -1366,7 +1370,7 @@
           <a:p>
             <a:fld id="{0B7A2DEA-69B7-D343-870B-04A176525892}" type="datetimeFigureOut">
               <a:rPr lang="de-DE" smtClean="0"/>
-              <a:t>21.01.18</a:t>
+              <a:t>23.01.2018</a:t>
             </a:fld>
             <a:endParaRPr lang="en-US"/>
           </a:p>
@@ -1408,7 +1412,7 @@
           <a:p>
             <a:fld id="{ECCF8E15-CB41-DD4C-B915-60DE08A81F34}" type="slidenum">
               <a:rPr lang="en-US" smtClean="0"/>
-              <a:t>‹Nr.›</a:t>
+              <a:t>‹#›</a:t>
             </a:fld>
             <a:endParaRPr lang="en-US"/>
           </a:p>
@@ -1793,7 +1797,7 @@
           <a:p>
             <a:fld id="{0B7A2DEA-69B7-D343-870B-04A176525892}" type="datetimeFigureOut">
               <a:rPr lang="de-DE" smtClean="0"/>
-              <a:t>21.01.18</a:t>
+              <a:t>23.01.2018</a:t>
             </a:fld>
             <a:endParaRPr lang="en-US"/>
           </a:p>
@@ -1835,7 +1839,7 @@
           <a:p>
             <a:fld id="{ECCF8E15-CB41-DD4C-B915-60DE08A81F34}" type="slidenum">
               <a:rPr lang="en-US" smtClean="0"/>
-              <a:t>‹Nr.›</a:t>
+              <a:t>‹#›</a:t>
             </a:fld>
             <a:endParaRPr lang="en-US"/>
           </a:p>
@@ -1911,7 +1915,7 @@
           <a:p>
             <a:fld id="{0B7A2DEA-69B7-D343-870B-04A176525892}" type="datetimeFigureOut">
               <a:rPr lang="de-DE" smtClean="0"/>
-              <a:t>21.01.18</a:t>
+              <a:t>23.01.2018</a:t>
             </a:fld>
             <a:endParaRPr lang="en-US"/>
           </a:p>
@@ -1953,7 +1957,7 @@
           <a:p>
             <a:fld id="{ECCF8E15-CB41-DD4C-B915-60DE08A81F34}" type="slidenum">
               <a:rPr lang="en-US" smtClean="0"/>
-              <a:t>‹Nr.›</a:t>
+              <a:t>‹#›</a:t>
             </a:fld>
             <a:endParaRPr lang="en-US"/>
           </a:p>
@@ -2006,7 +2010,7 @@
           <a:p>
             <a:fld id="{0B7A2DEA-69B7-D343-870B-04A176525892}" type="datetimeFigureOut">
               <a:rPr lang="de-DE" smtClean="0"/>
-              <a:t>21.01.18</a:t>
+              <a:t>23.01.2018</a:t>
             </a:fld>
             <a:endParaRPr lang="en-US"/>
           </a:p>
@@ -2048,7 +2052,7 @@
           <a:p>
             <a:fld id="{ECCF8E15-CB41-DD4C-B915-60DE08A81F34}" type="slidenum">
               <a:rPr lang="en-US" smtClean="0"/>
-              <a:t>‹Nr.›</a:t>
+              <a:t>‹#›</a:t>
             </a:fld>
             <a:endParaRPr lang="en-US"/>
           </a:p>
@@ -2283,7 +2287,7 @@
           <a:p>
             <a:fld id="{0B7A2DEA-69B7-D343-870B-04A176525892}" type="datetimeFigureOut">
               <a:rPr lang="de-DE" smtClean="0"/>
-              <a:t>21.01.18</a:t>
+              <a:t>23.01.2018</a:t>
             </a:fld>
             <a:endParaRPr lang="en-US"/>
           </a:p>
@@ -2325,7 +2329,7 @@
           <a:p>
             <a:fld id="{ECCF8E15-CB41-DD4C-B915-60DE08A81F34}" type="slidenum">
               <a:rPr lang="en-US" smtClean="0"/>
-              <a:t>‹Nr.›</a:t>
+              <a:t>‹#›</a:t>
             </a:fld>
             <a:endParaRPr lang="en-US"/>
           </a:p>
@@ -2536,7 +2540,7 @@
           <a:p>
             <a:fld id="{0B7A2DEA-69B7-D343-870B-04A176525892}" type="datetimeFigureOut">
               <a:rPr lang="de-DE" smtClean="0"/>
-              <a:t>21.01.18</a:t>
+              <a:t>23.01.2018</a:t>
             </a:fld>
             <a:endParaRPr lang="en-US"/>
           </a:p>
@@ -2578,7 +2582,7 @@
           <a:p>
             <a:fld id="{ECCF8E15-CB41-DD4C-B915-60DE08A81F34}" type="slidenum">
               <a:rPr lang="en-US" smtClean="0"/>
-              <a:t>‹Nr.›</a:t>
+              <a:t>‹#›</a:t>
             </a:fld>
             <a:endParaRPr lang="en-US"/>
           </a:p>
@@ -2749,7 +2753,7 @@
           <a:p>
             <a:fld id="{0B7A2DEA-69B7-D343-870B-04A176525892}" type="datetimeFigureOut">
               <a:rPr lang="de-DE" smtClean="0"/>
-              <a:t>21.01.18</a:t>
+              <a:t>23.01.2018</a:t>
             </a:fld>
             <a:endParaRPr lang="en-US"/>
           </a:p>
@@ -2827,7 +2831,7 @@
           <a:p>
             <a:fld id="{ECCF8E15-CB41-DD4C-B915-60DE08A81F34}" type="slidenum">
               <a:rPr lang="en-US" smtClean="0"/>
-              <a:t>‹Nr.›</a:t>
+              <a:t>‹#›</a:t>
             </a:fld>
             <a:endParaRPr lang="en-US"/>
           </a:p>
@@ -3664,21 +3668,8 @@
                   <a:srgbClr val="FF0000"/>
                 </a:solidFill>
               </a:rPr>
-              <a:t>Note that V is not </a:t>
-            </a:r>
-            <a:r>
-              <a:rPr lang="en-GB" sz="3200" dirty="0" smtClean="0">
-                <a:solidFill>
-                  <a:srgbClr val="FF0000"/>
-                </a:solidFill>
-              </a:rPr>
-              <a:t>necessarily symmetric, due to numerical inaccuracies</a:t>
-            </a:r>
-            <a:endParaRPr lang="en-GB" sz="3200" dirty="0">
-              <a:solidFill>
-                <a:srgbClr val="FF0000"/>
-              </a:solidFill>
-            </a:endParaRPr>
+              <a:t>Note that V is not necessarily symmetric, due to numerical inaccuracies</a:t>
+            </a:r>
           </a:p>
         </p:txBody>
       </p:sp>
@@ -3764,17 +3755,7 @@
                 <a:latin typeface="Arial" panose="020B0604020202020204" pitchFamily="34" charset="0"/>
                 <a:cs typeface="Arial" panose="020B0604020202020204" pitchFamily="34" charset="0"/>
               </a:rPr>
-              <a:t>1. </a:t>
-            </a:r>
-            <a:r>
-              <a:rPr lang="en-US" sz="3537" b="1" dirty="0" smtClean="0">
-                <a:solidFill>
-                  <a:srgbClr val="DCE6F2"/>
-                </a:solidFill>
-                <a:latin typeface="Arial" panose="020B0604020202020204" pitchFamily="34" charset="0"/>
-                <a:cs typeface="Arial" panose="020B0604020202020204" pitchFamily="34" charset="0"/>
-              </a:rPr>
-              <a:t>Motivation</a:t>
+              <a:t>1. Motivation</a:t>
             </a:r>
             <a:endParaRPr lang="en-US" sz="2829" dirty="0">
               <a:solidFill>
@@ -4124,7 +4105,7 @@
           <a:p>
             <a:pPr algn="just"/>
             <a:r>
-              <a:rPr lang="en-US" sz="3537" b="1" dirty="0" smtClean="0">
+              <a:rPr lang="en-US" sz="3537" b="1" dirty="0">
                 <a:solidFill>
                   <a:srgbClr val="DCE6F2"/>
                 </a:solidFill>
@@ -4327,7 +4308,7 @@
           <a:p>
             <a:pPr algn="just"/>
             <a:r>
-              <a:rPr lang="en-US" sz="3537" b="1" dirty="0" smtClean="0">
+              <a:rPr lang="en-US" sz="3537" b="1" dirty="0">
                 <a:solidFill>
                   <a:srgbClr val="DCE6F2"/>
                 </a:solidFill>
@@ -4373,7 +4354,7 @@
           <a:p>
             <a:pPr algn="just"/>
             <a:r>
-              <a:rPr lang="en-US" sz="3537" b="1" dirty="0" smtClean="0">
+              <a:rPr lang="en-US" sz="3537" b="1" dirty="0">
                 <a:solidFill>
                   <a:srgbClr val="DCE6F2"/>
                 </a:solidFill>
@@ -4422,7 +4403,7 @@
               <a:buChar char="•"/>
             </a:pPr>
             <a:r>
-              <a:rPr lang="en-GB" sz="3200" dirty="0" smtClean="0"/>
+              <a:rPr lang="en-GB" sz="3200" dirty="0"/>
               <a:t>Expectation-Maximization (EM) is one of the most popular tools to obtain Maximum Likelihood (ML) estimates in incomplete data problems</a:t>
             </a:r>
           </a:p>
@@ -4435,14 +4416,9 @@
               <a:buChar char="•"/>
             </a:pPr>
             <a:r>
-              <a:rPr lang="en-GB" sz="3200" dirty="0" smtClean="0"/>
-              <a:t>Problem: EM algorithm does not provide an asymptotic </a:t>
-            </a:r>
-            <a:r>
-              <a:rPr lang="en-GB" sz="3200" dirty="0" smtClean="0"/>
-              <a:t>variance-covariance matrix </a:t>
-            </a:r>
-            <a:endParaRPr lang="en-GB" sz="3200" dirty="0" smtClean="0"/>
+              <a:rPr lang="en-GB" sz="3200" dirty="0"/>
+              <a:t>Problem: EM algorithm does not provide an asymptotic variance-covariance matrix </a:t>
+            </a:r>
           </a:p>
           <a:p>
             <a:pPr marL="285750" indent="-285750">
@@ -4453,20 +4429,8 @@
               <a:buChar char="•"/>
             </a:pPr>
             <a:r>
-              <a:rPr lang="en-GB" sz="3200" dirty="0" smtClean="0"/>
-              <a:t>However, this matrix </a:t>
-            </a:r>
-            <a:r>
-              <a:rPr lang="en-GB" sz="3200" dirty="0" smtClean="0"/>
-              <a:t>needed for </a:t>
-            </a:r>
-            <a:r>
-              <a:rPr lang="en-GB" sz="3200" dirty="0" smtClean="0"/>
-              <a:t>asymptotically valid </a:t>
-            </a:r>
-            <a:r>
-              <a:rPr lang="en-GB" sz="3200" dirty="0" smtClean="0"/>
-              <a:t>inference</a:t>
+              <a:rPr lang="en-GB" sz="3200" dirty="0"/>
+              <a:t>This matrix is needed for asymptotically valid inference</a:t>
             </a:r>
           </a:p>
           <a:p>
@@ -4478,7 +4442,7 @@
               <a:buChar char="•"/>
             </a:pPr>
             <a:r>
-              <a:rPr lang="en-GB" sz="3200" dirty="0" smtClean="0"/>
+              <a:rPr lang="en-GB" sz="3200" dirty="0"/>
               <a:t>Existing approaches not computationally problematic and not generically applicable</a:t>
             </a:r>
           </a:p>
@@ -4505,7 +4469,7 @@
             <p:spPr>
               <a:xfrm>
                 <a:off x="1366939" y="16140288"/>
-                <a:ext cx="9344944" cy="13582180"/>
+                <a:ext cx="9344944" cy="10011972"/>
               </a:xfrm>
               <a:prstGeom prst="rect">
                 <a:avLst/>
@@ -4525,19 +4489,7 @@
                   <a:buFont typeface="Arial" pitchFamily="34" charset="0"/>
                   <a:buChar char="•"/>
                 </a:pPr>
-                <a:r>
-                  <a:rPr lang="en-GB" sz="3200" dirty="0" smtClean="0">
-                    <a:solidFill>
-                      <a:srgbClr val="FF0000"/>
-                    </a:solidFill>
-                  </a:rPr>
-                  <a:t>Iterative technique to find ML estimates</a:t>
-                </a:r>
-                <a:endParaRPr lang="en-GB" sz="3200" dirty="0" smtClean="0">
-                  <a:solidFill>
-                    <a:srgbClr val="FF0000"/>
-                  </a:solidFill>
-                </a:endParaRPr>
+                <a:endParaRPr lang="en-GB" sz="3200" b="1" dirty="0"/>
               </a:p>
               <a:p>
                 <a:pPr marL="285750" indent="-285750">
@@ -4548,41 +4500,7 @@
                   <a:buChar char="•"/>
                 </a:pPr>
                 <a:r>
-                  <a:rPr lang="en-GB" sz="3200" dirty="0" smtClean="0">
-                    <a:solidFill>
-                      <a:srgbClr val="FF0000"/>
-                    </a:solidFill>
-                  </a:rPr>
-                  <a:t>Used in problems where the equations are not directly solvable, like in incomplete-data problems</a:t>
-                </a:r>
-              </a:p>
-              <a:p>
-                <a:pPr marL="285750" indent="-285750">
-                  <a:spcAft>
-                    <a:spcPts val="1200"/>
-                  </a:spcAft>
-                  <a:buFont typeface="Arial" pitchFamily="34" charset="0"/>
-                  <a:buChar char="•"/>
-                </a:pPr>
-                <a:r>
-                  <a:rPr lang="en-GB" sz="3200" dirty="0" smtClean="0">
-                    <a:solidFill>
-                      <a:srgbClr val="FF0000"/>
-                    </a:solidFill>
-                  </a:rPr>
-                  <a:t>EM algorithm consists of two steps, the expectation step and the maximization step</a:t>
-                </a:r>
-              </a:p>
-              <a:p>
-                <a:pPr marL="285750" indent="-285750">
-                  <a:spcAft>
-                    <a:spcPts val="1200"/>
-                  </a:spcAft>
-                  <a:buFont typeface="Arial" pitchFamily="34" charset="0"/>
-                  <a:buChar char="•"/>
-                </a:pPr>
-                <a:r>
-                  <a:rPr lang="en-GB" sz="3200" b="1" dirty="0" smtClean="0"/>
+                  <a:rPr lang="en-GB" sz="3200" b="1" dirty="0"/>
                   <a:t>UNTIL </a:t>
                 </a:r>
                 <a14:m>
@@ -4605,7 +4523,7 @@
                   </m:oMath>
                 </a14:m>
                 <a:r>
-                  <a:rPr lang="en-GB" sz="3200" b="1" dirty="0" smtClean="0"/>
+                  <a:rPr lang="en-GB" sz="3200" b="1" dirty="0"/>
                   <a:t> &gt; </a:t>
                 </a:r>
                 <a14:m>
@@ -4621,7 +4539,7 @@
                   </m:oMath>
                 </a14:m>
                 <a:r>
-                  <a:rPr lang="en-GB" sz="3200" b="1" dirty="0" smtClean="0"/>
+                  <a:rPr lang="en-GB" sz="3200" b="1" dirty="0"/>
                   <a:t> REPEAT:</a:t>
                 </a:r>
               </a:p>
@@ -4634,7 +4552,7 @@
                   <a:buChar char="•"/>
                 </a:pPr>
                 <a:r>
-                  <a:rPr lang="en-GB" sz="3200" b="1" dirty="0" smtClean="0"/>
+                  <a:rPr lang="en-GB" sz="3200" b="1" dirty="0"/>
                   <a:t>E-step:</a:t>
                 </a:r>
               </a:p>
@@ -4645,7 +4563,7 @@
                   </a:spcAft>
                 </a:pPr>
                 <a:r>
-                  <a:rPr lang="en-GB" sz="3200" dirty="0" smtClean="0"/>
+                  <a:rPr lang="en-GB" sz="3200" dirty="0"/>
                   <a:t>	Find expected complete-data log-likelihood if </a:t>
                 </a:r>
                 <a14:m>
@@ -4654,7 +4572,7 @@
                       <m:sSupPr>
                         <m:ctrlPr>
                           <a:rPr lang="de-DE" sz="3200" i="1">
-                            <a:latin typeface="Cambria Math" charset="0"/>
+                            <a:latin typeface="Cambria Math" panose="02040503050406030204" pitchFamily="18" charset="0"/>
                             <a:ea typeface="Cambria Math"/>
                           </a:rPr>
                         </m:ctrlPr>
@@ -4695,7 +4613,7 @@
                   </m:oMath>
                 </a14:m>
                 <a:r>
-                  <a:rPr lang="en-GB" sz="3200" dirty="0" smtClean="0"/>
+                  <a:rPr lang="en-GB" sz="3200" dirty="0"/>
                   <a:t> 	were the true parameter </a:t>
                 </a:r>
                 <a14:m>
@@ -4709,7 +4627,7 @@
                     </m:r>
                   </m:oMath>
                 </a14:m>
-                <a:endParaRPr lang="de-DE" sz="3200" i="1" dirty="0" smtClean="0">
+                <a:endParaRPr lang="de-DE" sz="3200" i="1" dirty="0">
                   <a:latin typeface="Cambria Math"/>
                   <a:ea typeface="Cambria Math"/>
                 </a:endParaRPr>
@@ -4736,7 +4654,7 @@
                         <m:dPr>
                           <m:ctrlPr>
                             <a:rPr lang="de-DE" sz="3200" b="0" i="1" smtClean="0">
-                              <a:latin typeface="Cambria Math" charset="0"/>
+                              <a:latin typeface="Cambria Math" panose="02040503050406030204" pitchFamily="18" charset="0"/>
                             </a:rPr>
                           </m:ctrlPr>
                         </m:dPr>
@@ -4754,7 +4672,7 @@
                             <m:sSupPr>
                               <m:ctrlPr>
                                 <a:rPr lang="de-DE" sz="3200" i="1" smtClean="0">
-                                  <a:latin typeface="Cambria Math" charset="0"/>
+                                  <a:latin typeface="Cambria Math" panose="02040503050406030204" pitchFamily="18" charset="0"/>
                                   <a:ea typeface="Cambria Math"/>
                                 </a:rPr>
                               </m:ctrlPr>
@@ -4805,7 +4723,7 @@
                         <m:sSubPr>
                           <m:ctrlPr>
                             <a:rPr lang="de-DE" sz="3200" b="0" i="1" smtClean="0">
-                              <a:latin typeface="Cambria Math" charset="0"/>
+                              <a:latin typeface="Cambria Math" panose="02040503050406030204" pitchFamily="18" charset="0"/>
                               <a:ea typeface="Cambria Math"/>
                             </a:rPr>
                           </m:ctrlPr>
@@ -4824,7 +4742,7 @@
                             <m:sSubPr>
                               <m:ctrlPr>
                                 <a:rPr lang="de-DE" sz="3200" b="0" i="1" smtClean="0">
-                                  <a:latin typeface="Cambria Math" charset="0"/>
+                                  <a:latin typeface="Cambria Math" panose="02040503050406030204" pitchFamily="18" charset="0"/>
                                   <a:ea typeface="Cambria Math"/>
                                 </a:rPr>
                               </m:ctrlPr>
@@ -4859,7 +4777,7 @@
                             <m:sSubPr>
                               <m:ctrlPr>
                                 <a:rPr lang="de-DE" sz="3200" b="0" i="1" smtClean="0">
-                                  <a:latin typeface="Cambria Math" charset="0"/>
+                                  <a:latin typeface="Cambria Math" panose="02040503050406030204" pitchFamily="18" charset="0"/>
                                   <a:ea typeface="Cambria Math"/>
                                 </a:rPr>
                               </m:ctrlPr>
@@ -4894,7 +4812,7 @@
                             <m:sSupPr>
                               <m:ctrlPr>
                                 <a:rPr lang="de-DE" sz="3200" b="0" i="1" smtClean="0">
-                                  <a:latin typeface="Cambria Math" charset="0"/>
+                                  <a:latin typeface="Cambria Math" panose="02040503050406030204" pitchFamily="18" charset="0"/>
                                   <a:ea typeface="Cambria Math"/>
                                 </a:rPr>
                               </m:ctrlPr>
@@ -4973,7 +4891,7 @@
                         <m:sSubPr>
                           <m:ctrlPr>
                             <a:rPr lang="de-DE" sz="3200" b="0" i="1" smtClean="0">
-                              <a:latin typeface="Cambria Math" charset="0"/>
+                              <a:latin typeface="Cambria Math" panose="02040503050406030204" pitchFamily="18" charset="0"/>
                               <a:ea typeface="Cambria Math"/>
                             </a:rPr>
                           </m:ctrlPr>
@@ -5008,7 +4926,7 @@
                         <m:sSubPr>
                           <m:ctrlPr>
                             <a:rPr lang="de-DE" sz="3200" b="0" i="1" smtClean="0">
-                              <a:latin typeface="Cambria Math" charset="0"/>
+                              <a:latin typeface="Cambria Math" panose="02040503050406030204" pitchFamily="18" charset="0"/>
                               <a:ea typeface="Cambria Math"/>
                             </a:rPr>
                           </m:ctrlPr>
@@ -5042,7 +4960,7 @@
                     </m:oMath>
                   </m:oMathPara>
                 </a14:m>
-                <a:endParaRPr lang="en-GB" sz="3200" dirty="0" smtClean="0"/>
+                <a:endParaRPr lang="en-GB" sz="3200" dirty="0"/>
               </a:p>
               <a:p>
                 <a:pPr marL="285750" indent="-285750">
@@ -5052,7 +4970,7 @@
                   <a:buFont typeface="Arial" pitchFamily="34" charset="0"/>
                   <a:buChar char="•"/>
                 </a:pPr>
-                <a:endParaRPr lang="en-GB" sz="3200" dirty="0" smtClean="0"/>
+                <a:endParaRPr lang="en-GB" sz="3200" dirty="0"/>
               </a:p>
               <a:p>
                 <a:pPr marL="285750" indent="-285750">
@@ -5063,7 +4981,7 @@
                   <a:buChar char="•"/>
                 </a:pPr>
                 <a:r>
-                  <a:rPr lang="en-GB" sz="3200" b="1" dirty="0" smtClean="0"/>
+                  <a:rPr lang="en-GB" sz="3200" b="1" dirty="0"/>
                   <a:t>M-step: </a:t>
                 </a:r>
               </a:p>
@@ -5078,7 +4996,7 @@
                   <a:t>	</a:t>
                 </a:r>
                 <a:r>
-                  <a:rPr lang="de-DE" sz="3200" dirty="0" smtClean="0"/>
+                  <a:rPr lang="de-DE" sz="3200" dirty="0"/>
                   <a:t>Update </a:t>
                 </a:r>
                 <a14:m>
@@ -5087,7 +5005,7 @@
                       <m:sSupPr>
                         <m:ctrlPr>
                           <a:rPr lang="de-DE" sz="3200" i="1">
-                            <a:latin typeface="Cambria Math" charset="0"/>
+                            <a:latin typeface="Cambria Math" panose="02040503050406030204" pitchFamily="18" charset="0"/>
                             <a:ea typeface="Cambria Math"/>
                           </a:rPr>
                         </m:ctrlPr>
@@ -5128,10 +5046,9 @@
                   </m:oMath>
                 </a14:m>
                 <a:r>
-                  <a:rPr lang="en-GB" sz="3200" dirty="0" smtClean="0"/>
+                  <a:rPr lang="en-GB" sz="3200" dirty="0"/>
                   <a:t> by the value that maximizes the 				expected log-likelihood</a:t>
                 </a:r>
-                <a:endParaRPr lang="en-GB" sz="3200" dirty="0"/>
               </a:p>
               <a:p>
                 <a:pPr>
@@ -5140,7 +5057,7 @@
                   </a:spcAft>
                 </a:pPr>
                 <a:r>
-                  <a:rPr lang="en-GB" sz="3200" dirty="0" smtClean="0"/>
+                  <a:rPr lang="en-GB" sz="3200" dirty="0"/>
                   <a:t>	</a:t>
                 </a:r>
                 <a14:m>
@@ -5152,7 +5069,7 @@
                             <a:solidFill>
                               <a:srgbClr val="FF0000"/>
                             </a:solidFill>
-                            <a:latin typeface="Cambria Math" charset="0"/>
+                            <a:latin typeface="Cambria Math" panose="02040503050406030204" pitchFamily="18" charset="0"/>
                           </a:rPr>
                         </m:ctrlPr>
                       </m:funcPr>
@@ -5164,7 +5081,7 @@
                                 <a:solidFill>
                                   <a:srgbClr val="FF0000"/>
                                 </a:solidFill>
-                                <a:latin typeface="Cambria Math" charset="0"/>
+                                <a:latin typeface="Cambria Math" panose="02040503050406030204" pitchFamily="18" charset="0"/>
                               </a:rPr>
                             </m:ctrlPr>
                           </m:sSupPr>
@@ -5237,7 +5154,7 @@
                                 <a:solidFill>
                                   <a:srgbClr val="FF0000"/>
                                 </a:solidFill>
-                                <a:latin typeface="Cambria Math" charset="0"/>
+                                <a:latin typeface="Cambria Math" panose="02040503050406030204" pitchFamily="18" charset="0"/>
                               </a:rPr>
                             </m:ctrlPr>
                           </m:dPr>
@@ -5261,7 +5178,7 @@
                                     <a:solidFill>
                                       <a:srgbClr val="FF0000"/>
                                     </a:solidFill>
-                                    <a:latin typeface="Cambria Math" charset="0"/>
+                                    <a:latin typeface="Cambria Math" panose="02040503050406030204" pitchFamily="18" charset="0"/>
                                     <a:ea typeface="Cambria Math"/>
                                   </a:rPr>
                                 </m:ctrlPr>
@@ -5318,22 +5235,22 @@
                   </m:oMath>
                 </a14:m>
                 <a:r>
-                  <a:rPr lang="en-GB" sz="3200" dirty="0" smtClean="0"/>
+                  <a:rPr lang="en-GB" sz="3200" dirty="0"/>
                   <a:t> TODO: </a:t>
                 </a:r>
                 <a:r>
-                  <a:rPr lang="en-GB" sz="3200" dirty="0" err="1" smtClean="0"/>
+                  <a:rPr lang="en-GB" sz="3200" dirty="0" err="1"/>
                   <a:t>Formel</a:t>
                 </a:r>
                 <a:r>
-                  <a:rPr lang="en-GB" sz="3200" dirty="0" smtClean="0"/>
+                  <a:rPr lang="en-GB" sz="3200" dirty="0"/>
                   <a:t> </a:t>
                 </a:r>
                 <a:r>
-                  <a:rPr lang="en-GB" sz="3200" dirty="0" err="1" smtClean="0"/>
+                  <a:rPr lang="en-GB" sz="3200" dirty="0" err="1"/>
                   <a:t>überprüfen</a:t>
                 </a:r>
-                <a:endParaRPr lang="en-GB" sz="3200" dirty="0" smtClean="0"/>
+                <a:endParaRPr lang="en-GB" sz="3200" dirty="0"/>
               </a:p>
               <a:p>
                 <a:pPr>
@@ -5372,7 +5289,7 @@
                   </m:oMath>
                 </a14:m>
                 <a:r>
-                  <a:rPr lang="en-GB" sz="3200" dirty="0" smtClean="0"/>
+                  <a:rPr lang="en-GB" sz="3200" dirty="0"/>
                   <a:t> = </a:t>
                 </a:r>
                 <a14:m>
@@ -5381,7 +5298,7 @@
                       <m:sSupPr>
                         <m:ctrlPr>
                           <a:rPr lang="de-DE" sz="3200" i="1">
-                            <a:latin typeface="Cambria Math" charset="0"/>
+                            <a:latin typeface="Cambria Math" panose="02040503050406030204" pitchFamily="18" charset="0"/>
                           </a:rPr>
                         </m:ctrlPr>
                       </m:sSupPr>
@@ -5418,7 +5335,7 @@
                   </m:oMath>
                 </a14:m>
                 <a:r>
-                  <a:rPr lang="en-GB" sz="3200" dirty="0" smtClean="0"/>
+                  <a:rPr lang="en-GB" sz="3200" dirty="0"/>
                   <a:t> - </a:t>
                 </a:r>
                 <a14:m>
@@ -5427,7 +5344,7 @@
                       <m:sSupPr>
                         <m:ctrlPr>
                           <a:rPr lang="de-DE" sz="3200" i="1">
-                            <a:latin typeface="Cambria Math" charset="0"/>
+                            <a:latin typeface="Cambria Math" panose="02040503050406030204" pitchFamily="18" charset="0"/>
                             <a:ea typeface="Cambria Math"/>
                           </a:rPr>
                         </m:ctrlPr>
@@ -5467,7 +5384,7 @@
                     </m:sSup>
                   </m:oMath>
                 </a14:m>
-                <a:endParaRPr lang="en-GB" sz="3200" dirty="0" smtClean="0"/>
+                <a:endParaRPr lang="en-GB" sz="3200" dirty="0"/>
               </a:p>
               <a:p>
                 <a:pPr>
@@ -5479,17 +5396,6 @@
                   <a:rPr lang="en-GB" sz="3200" dirty="0"/>
                   <a:t>	</a:t>
                 </a:r>
-                <a:endParaRPr lang="en-GB" sz="3200" dirty="0" smtClean="0"/>
-              </a:p>
-              <a:p>
-                <a:pPr marL="285750" indent="-285750">
-                  <a:spcAft>
-                    <a:spcPts val="1200"/>
-                  </a:spcAft>
-                  <a:buFont typeface="Arial" pitchFamily="34" charset="0"/>
-                  <a:buChar char="•"/>
-                </a:pPr>
-                <a:endParaRPr lang="en-GB" sz="3200" dirty="0" smtClean="0"/>
               </a:p>
               <a:p>
                 <a:pPr marL="285750" indent="-285750">
@@ -5500,35 +5406,9 @@
                   <a:buChar char="•"/>
                 </a:pPr>
                 <a:r>
-                  <a:rPr lang="en-GB" sz="3200" dirty="0" smtClean="0"/>
-                  <a:t>TODO: ADVANTAGES </a:t>
+                  <a:rPr lang="en-GB" sz="3200" dirty="0"/>
+                  <a:t>EM algorithm may only converge to a local optimum depending on the starting values</a:t>
                 </a:r>
-                <a:r>
-                  <a:rPr lang="en-GB" sz="3200" dirty="0" smtClean="0"/>
-                  <a:t>EVTL. NOCH </a:t>
-                </a:r>
-                <a:r>
-                  <a:rPr lang="en-GB" sz="3200" dirty="0" smtClean="0"/>
-                  <a:t>AUFLISTEN</a:t>
-                </a:r>
-              </a:p>
-              <a:p>
-                <a:pPr marL="285750" indent="-285750">
-                  <a:spcAft>
-                    <a:spcPts val="1200"/>
-                  </a:spcAft>
-                  <a:buFont typeface="Arial" pitchFamily="34" charset="0"/>
-                  <a:buChar char="•"/>
-                </a:pPr>
-                <a:r>
-                  <a:rPr lang="en-GB" sz="3200" dirty="0" smtClean="0"/>
-                  <a:t>EM algorithm may only converge to a local optimum depending on the startin</a:t>
-                </a:r>
-                <a:r>
-                  <a:rPr lang="en-GB" sz="3200" dirty="0" smtClean="0"/>
-                  <a:t>g values</a:t>
-                </a:r>
-                <a:endParaRPr lang="en-GB" sz="3200" dirty="0" smtClean="0"/>
               </a:p>
               <a:p>
                 <a:pPr marL="285750" indent="-285750">
@@ -5555,15 +5435,15 @@
             <p:spPr>
               <a:xfrm>
                 <a:off x="1366939" y="16140288"/>
-                <a:ext cx="9344944" cy="13582180"/>
+                <a:ext cx="9344944" cy="10011972"/>
               </a:xfrm>
               <a:prstGeom prst="rect">
                 <a:avLst/>
               </a:prstGeom>
-              <a:blipFill rotWithShape="0">
+              <a:blipFill>
                 <a:blip r:embed="rId4"/>
                 <a:stretch>
-                  <a:fillRect l="-1500" t="-583"/>
+                  <a:fillRect l="-1500"/>
                 </a:stretch>
               </a:blipFill>
             </p:spPr>
@@ -5753,24 +5633,14 @@
           <a:p>
             <a:pPr algn="just"/>
             <a:r>
-              <a:rPr lang="en-US" sz="3537" b="1" dirty="0" smtClean="0">
+              <a:rPr lang="en-US" sz="3537" b="1" dirty="0">
                 <a:solidFill>
                   <a:srgbClr val="DCE6F2"/>
                 </a:solidFill>
                 <a:latin typeface="Arial" panose="020B0604020202020204" pitchFamily="34" charset="0"/>
                 <a:cs typeface="Arial" panose="020B0604020202020204" pitchFamily="34" charset="0"/>
               </a:rPr>
-              <a:t>3. Supplemented EM </a:t>
-            </a:r>
-            <a:r>
-              <a:rPr lang="en-US" sz="3537" b="1" dirty="0" smtClean="0">
-                <a:solidFill>
-                  <a:srgbClr val="DCE6F2"/>
-                </a:solidFill>
-                <a:latin typeface="Arial" panose="020B0604020202020204" pitchFamily="34" charset="0"/>
-                <a:cs typeface="Arial" panose="020B0604020202020204" pitchFamily="34" charset="0"/>
-              </a:rPr>
-              <a:t>algorithm (SEM)</a:t>
+              <a:t>3. Supplemented EM algorithm (SEM)</a:t>
             </a:r>
             <a:endParaRPr lang="en-US" sz="2829" dirty="0">
               <a:solidFill>
@@ -5809,7 +5679,7 @@
           <a:p>
             <a:pPr algn="just"/>
             <a:r>
-              <a:rPr lang="en-US" sz="3537" b="1" dirty="0" smtClean="0">
+              <a:rPr lang="en-US" sz="3537" b="1" dirty="0">
                 <a:solidFill>
                   <a:srgbClr val="DCE6F2"/>
                 </a:solidFill>
@@ -5855,7 +5725,7 @@
           <a:p>
             <a:pPr algn="just"/>
             <a:r>
-              <a:rPr lang="en-US" sz="3537" b="1" dirty="0" smtClean="0">
+              <a:rPr lang="en-US" sz="3537" b="1" dirty="0">
                 <a:solidFill>
                   <a:srgbClr val="DCE6F2"/>
                 </a:solidFill>
@@ -5885,7 +5755,7 @@
             <p:spPr>
               <a:xfrm>
                 <a:off x="11596727" y="6697869"/>
-                <a:ext cx="9344942" cy="9263305"/>
+                <a:ext cx="9344942" cy="8267648"/>
               </a:xfrm>
               <a:prstGeom prst="rect">
                 <a:avLst/>
@@ -5906,12 +5776,8 @@
                   <a:buChar char="•"/>
                 </a:pPr>
                 <a:r>
-                  <a:rPr lang="en-GB" sz="3200" dirty="0" smtClean="0"/>
-                  <a:t>Calculates numerically stable asymptotic variance-covariance matrix for ML estimates obtained </a:t>
-                </a:r>
-                <a:r>
-                  <a:rPr lang="en-GB" sz="3200" dirty="0" smtClean="0"/>
-                  <a:t>by EM</a:t>
+                  <a:rPr lang="en-GB" sz="3200" dirty="0"/>
+                  <a:t>Calculates numerically stable asymptotic variance-covariance matrix for ML estimates obtained by EM</a:t>
                 </a:r>
               </a:p>
               <a:p>
@@ -5923,7 +5789,7 @@
                   <a:buChar char="•"/>
                 </a:pPr>
                 <a:r>
-                  <a:rPr lang="en-GB" sz="3200" dirty="0" smtClean="0"/>
+                  <a:rPr lang="en-GB" sz="3200" dirty="0"/>
                   <a:t>Calculation of this matrix V is done in three steps</a:t>
                 </a:r>
               </a:p>
@@ -5936,11 +5802,11 @@
                   <a:buChar char="•"/>
                 </a:pPr>
                 <a:r>
-                  <a:rPr lang="en-GB" sz="3200" b="1" dirty="0" smtClean="0"/>
+                  <a:rPr lang="en-GB" sz="3200" b="1" dirty="0"/>
                   <a:t>Step 1: </a:t>
                 </a:r>
                 <a:r>
-                  <a:rPr lang="en-GB" sz="3200" dirty="0" smtClean="0"/>
+                  <a:rPr lang="en-GB" sz="3200" dirty="0"/>
                   <a:t>Evaluation of adjusted information matrix </a:t>
                 </a:r>
                 <a14:m>
@@ -5949,7 +5815,7 @@
                       <m:sSubPr>
                         <m:ctrlPr>
                           <a:rPr lang="en-GB" sz="3200" i="1" smtClean="0">
-                            <a:latin typeface="Cambria Math" charset="0"/>
+                            <a:latin typeface="Cambria Math" panose="02040503050406030204" pitchFamily="18" charset="0"/>
                           </a:rPr>
                         </m:ctrlPr>
                       </m:sSubPr>
@@ -5970,321 +5836,327 @@
                         </m:r>
                       </m:sub>
                     </m:sSub>
+                    <m:r>
+                      <a:rPr lang="de-DE" sz="3200" b="0" i="0" smtClean="0">
+                        <a:latin typeface="Cambria Math" panose="02040503050406030204" pitchFamily="18" charset="0"/>
+                      </a:rPr>
+                      <m:t>  </m:t>
+                    </m:r>
                   </m:oMath>
                 </a14:m>
-                <a:r>
-                  <a:rPr lang="en-GB" sz="3200" dirty="0" smtClean="0"/>
-                  <a:t>, which is obtained from the complete-data observed information matrix by</a:t>
-                </a:r>
+                <a:endParaRPr lang="de-DE" sz="3200" b="0" i="0" dirty="0">
+                  <a:latin typeface="Cambria Math" panose="02040503050406030204" pitchFamily="18" charset="0"/>
+                </a:endParaRPr>
               </a:p>
               <a:p>
-                <a:pPr algn="ctr">
+                <a:pPr>
                   <a:spcAft>
                     <a:spcPts val="1200"/>
                   </a:spcAft>
                 </a:pPr>
-                <a:r>
-                  <a:rPr lang="en-GB" sz="3200" dirty="0" smtClean="0"/>
-                  <a:t> </a:t>
-                </a:r>
                 <a14:m>
-                  <m:oMath xmlns:m="http://schemas.openxmlformats.org/officeDocument/2006/math">
-                    <m:sSub>
-                      <m:sSubPr>
-                        <m:ctrlPr>
-                          <a:rPr lang="en-GB" sz="3200" i="1" dirty="0" smtClean="0">
-                            <a:latin typeface="Cambria Math" charset="0"/>
-                          </a:rPr>
-                        </m:ctrlPr>
-                      </m:sSubPr>
-                      <m:e>
-                        <m:r>
-                          <a:rPr lang="de-DE" sz="3200" b="0" i="1" dirty="0" smtClean="0">
-                            <a:latin typeface="Cambria Math"/>
-                          </a:rPr>
-                          <m:t>𝐼</m:t>
-                        </m:r>
-                      </m:e>
-                      <m:sub>
-                        <m:r>
-                          <a:rPr lang="de-DE" sz="3200" b="0" i="1" dirty="0" smtClean="0">
-                            <a:latin typeface="Cambria Math"/>
-                          </a:rPr>
-                          <m:t>𝑜𝑐</m:t>
-                        </m:r>
-                      </m:sub>
-                    </m:sSub>
-                    <m:r>
-                      <a:rPr lang="en-GB" sz="3200" i="1" dirty="0">
-                        <a:latin typeface="Cambria Math"/>
-                      </a:rPr>
-                      <m:t>= </m:t>
-                    </m:r>
-                    <m:sSub>
-                      <m:sSubPr>
-                        <m:ctrlPr>
-                          <a:rPr lang="en-GB" sz="3200" i="1" dirty="0" smtClean="0">
-                            <a:latin typeface="Cambria Math" charset="0"/>
-                          </a:rPr>
-                        </m:ctrlPr>
-                      </m:sSubPr>
-                      <m:e>
-                        <m:r>
-                          <a:rPr lang="de-DE" sz="3200" b="0" i="1" dirty="0" smtClean="0">
-                            <a:latin typeface="Cambria Math"/>
-                          </a:rPr>
-                          <m:t>𝐼</m:t>
-                        </m:r>
-                      </m:e>
-                      <m:sub>
-                        <m:r>
-                          <a:rPr lang="de-DE" sz="3200" b="0" i="1" dirty="0" smtClean="0">
-                            <a:latin typeface="Cambria Math"/>
-                          </a:rPr>
-                          <m:t>𝑜</m:t>
-                        </m:r>
-                      </m:sub>
-                    </m:sSub>
-                    <m:d>
-                      <m:dPr>
-                        <m:ctrlPr>
-                          <a:rPr lang="en-GB" sz="3200" i="1" dirty="0" smtClean="0">
-                            <a:latin typeface="Cambria Math" charset="0"/>
-                          </a:rPr>
-                        </m:ctrlPr>
-                      </m:dPr>
-                      <m:e>
-                        <m:sSup>
-                          <m:sSupPr>
-                            <m:ctrlPr>
-                              <a:rPr lang="el-GR" sz="3200" i="1" dirty="0" smtClean="0">
-                                <a:latin typeface="Cambria Math" charset="0"/>
-                                <a:ea typeface="Cambria Math"/>
-                              </a:rPr>
-                            </m:ctrlPr>
-                          </m:sSupPr>
-                          <m:e>
-                            <m:r>
-                              <a:rPr lang="el-GR" sz="3200" i="1" dirty="0">
-                                <a:latin typeface="Cambria Math"/>
-                                <a:ea typeface="Cambria Math"/>
-                              </a:rPr>
-                              <m:t>𝜃</m:t>
-                            </m:r>
-                          </m:e>
-                          <m:sup>
-                            <m:r>
-                              <a:rPr lang="de-DE" sz="3200" b="0" i="1" dirty="0" smtClean="0">
-                                <a:latin typeface="Cambria Math"/>
-                                <a:ea typeface="Cambria Math"/>
-                              </a:rPr>
-                              <m:t>∗</m:t>
-                            </m:r>
-                          </m:sup>
-                        </m:sSup>
-                      </m:e>
-                      <m:e>
-                        <m:sSup>
-                          <m:sSupPr>
-                            <m:ctrlPr>
-                              <a:rPr lang="el-GR" sz="3200" i="1" dirty="0" smtClean="0">
-                                <a:latin typeface="Cambria Math" charset="0"/>
-                              </a:rPr>
-                            </m:ctrlPr>
-                          </m:sSupPr>
-                          <m:e>
-                            <m:r>
-                              <a:rPr lang="de-DE" sz="3200" b="0" i="1" dirty="0" smtClean="0">
-                                <a:latin typeface="Cambria Math"/>
-                              </a:rPr>
-                              <m:t>𝑆</m:t>
-                            </m:r>
-                          </m:e>
-                          <m:sup>
-                            <m:r>
-                              <a:rPr lang="de-DE" sz="3200" b="0" i="1" dirty="0" smtClean="0">
-                                <a:latin typeface="Cambria Math"/>
-                              </a:rPr>
-                              <m:t>∗</m:t>
-                            </m:r>
-                          </m:sup>
-                        </m:sSup>
-                        <m:d>
-                          <m:dPr>
-                            <m:ctrlPr>
-                              <a:rPr lang="en-GB" sz="3200" i="1" dirty="0" smtClean="0">
-                                <a:latin typeface="Cambria Math" charset="0"/>
-                              </a:rPr>
-                            </m:ctrlPr>
-                          </m:dPr>
-                          <m:e>
-                            <m:sSub>
-                              <m:sSubPr>
-                                <m:ctrlPr>
-                                  <a:rPr lang="en-GB" sz="3200" i="1" dirty="0" smtClean="0">
-                                    <a:latin typeface="Cambria Math" charset="0"/>
-                                  </a:rPr>
-                                </m:ctrlPr>
-                              </m:sSubPr>
-                              <m:e>
-                                <m:r>
-                                  <a:rPr lang="de-DE" sz="3200" b="0" i="1" dirty="0" smtClean="0">
-                                    <a:latin typeface="Cambria Math"/>
-                                  </a:rPr>
-                                  <m:t>𝑌</m:t>
-                                </m:r>
-                              </m:e>
-                              <m:sub>
-                                <m:r>
-                                  <a:rPr lang="de-DE" sz="3200" b="0" i="1" dirty="0" smtClean="0">
-                                    <a:latin typeface="Cambria Math"/>
-                                  </a:rPr>
-                                  <m:t>𝑜𝑏𝑠</m:t>
-                                </m:r>
-                              </m:sub>
-                            </m:sSub>
-                          </m:e>
-                        </m:d>
-                      </m:e>
-                    </m:d>
-                    <m:r>
-                      <a:rPr lang="de-DE" sz="3200" b="0" i="1" dirty="0" smtClean="0">
-                        <a:latin typeface="Cambria Math"/>
-                      </a:rPr>
-                      <m:t>,</m:t>
-                    </m:r>
-                    <m:r>
-                      <a:rPr lang="de-DE" sz="3200" i="1" dirty="0">
-                        <a:latin typeface="Cambria Math"/>
-                      </a:rPr>
-                      <m:t>𝑤h𝑒𝑟𝑒</m:t>
-                    </m:r>
-                    <m:r>
-                      <a:rPr lang="de-DE" sz="3200" b="0" i="1" dirty="0" smtClean="0">
-                        <a:latin typeface="Cambria Math"/>
-                      </a:rPr>
-                      <m:t> </m:t>
-                    </m:r>
-                    <m:sSup>
-                      <m:sSupPr>
-                        <m:ctrlPr>
-                          <a:rPr lang="de-DE" sz="3200" b="0" i="1" dirty="0" smtClean="0">
-                            <a:latin typeface="Cambria Math" charset="0"/>
-                          </a:rPr>
-                        </m:ctrlPr>
-                      </m:sSupPr>
-                      <m:e>
-                        <m:r>
-                          <a:rPr lang="de-DE" sz="3200" b="0" i="1" dirty="0" smtClean="0">
-                            <a:latin typeface="Cambria Math"/>
-                          </a:rPr>
-                          <m:t>𝑆</m:t>
-                        </m:r>
-                      </m:e>
-                      <m:sup>
-                        <m:r>
-                          <a:rPr lang="de-DE" sz="3200" b="0" i="1" dirty="0" smtClean="0">
-                            <a:latin typeface="Cambria Math"/>
-                          </a:rPr>
-                          <m:t>∗</m:t>
-                        </m:r>
-                      </m:sup>
-                    </m:sSup>
-                    <m:r>
-                      <a:rPr lang="de-DE" sz="3200" b="0" i="1" dirty="0" smtClean="0">
-                        <a:latin typeface="Cambria Math"/>
-                      </a:rPr>
-                      <m:t>=</m:t>
-                    </m:r>
-                    <m:r>
-                      <a:rPr lang="de-DE" sz="3200" b="0" i="1" dirty="0" smtClean="0">
-                        <a:latin typeface="Cambria Math"/>
-                      </a:rPr>
-                      <m:t>𝐸</m:t>
-                    </m:r>
-                    <m:d>
-                      <m:dPr>
-                        <m:begChr m:val="["/>
-                        <m:endChr m:val="]"/>
-                        <m:ctrlPr>
-                          <a:rPr lang="de-DE" sz="3200" b="0" i="1" dirty="0" smtClean="0">
-                            <a:latin typeface="Cambria Math" charset="0"/>
-                          </a:rPr>
-                        </m:ctrlPr>
-                      </m:dPr>
-                      <m:e>
-                        <m:r>
-                          <a:rPr lang="de-DE" sz="3200" b="0" i="1" dirty="0" smtClean="0">
-                            <a:latin typeface="Cambria Math"/>
-                          </a:rPr>
-                          <m:t>𝑆</m:t>
-                        </m:r>
-                        <m:d>
-                          <m:dPr>
-                            <m:ctrlPr>
-                              <a:rPr lang="de-DE" sz="3200" b="0" i="1" dirty="0" smtClean="0">
-                                <a:latin typeface="Cambria Math" charset="0"/>
-                              </a:rPr>
-                            </m:ctrlPr>
-                          </m:dPr>
-                          <m:e>
-                            <m:r>
-                              <a:rPr lang="de-DE" sz="3200" b="0" i="1" dirty="0" smtClean="0">
-                                <a:latin typeface="Cambria Math"/>
-                              </a:rPr>
-                              <m:t>𝑌</m:t>
-                            </m:r>
-                          </m:e>
-                        </m:d>
-                        <m:r>
-                          <a:rPr lang="de-DE" sz="3200" b="0" i="1" dirty="0" smtClean="0">
-                            <a:latin typeface="Cambria Math"/>
-                          </a:rPr>
-                          <m:t>|</m:t>
-                        </m:r>
-                        <m:sSub>
-                          <m:sSubPr>
-                            <m:ctrlPr>
-                              <a:rPr lang="de-DE" sz="3200" b="0" i="1" dirty="0" smtClean="0">
-                                <a:latin typeface="Cambria Math" charset="0"/>
-                              </a:rPr>
-                            </m:ctrlPr>
-                          </m:sSubPr>
-                          <m:e>
-                            <m:r>
-                              <a:rPr lang="de-DE" sz="3200" b="0" i="1" dirty="0" smtClean="0">
-                                <a:latin typeface="Cambria Math"/>
-                              </a:rPr>
-                              <m:t>𝑌</m:t>
-                            </m:r>
-                          </m:e>
-                          <m:sub>
-                            <m:r>
-                              <a:rPr lang="de-DE" sz="3200" b="0" i="1" dirty="0" smtClean="0">
-                                <a:latin typeface="Cambria Math"/>
-                              </a:rPr>
-                              <m:t>𝑜𝑏𝑠</m:t>
-                            </m:r>
-                          </m:sub>
-                        </m:sSub>
-                        <m:r>
-                          <a:rPr lang="de-DE" sz="3200" b="0" i="1" dirty="0" smtClean="0">
-                            <a:latin typeface="Cambria Math"/>
-                          </a:rPr>
-                          <m:t>,</m:t>
-                        </m:r>
-                        <m:r>
-                          <a:rPr lang="el-GR" sz="3200" i="1" dirty="0" smtClean="0">
-                            <a:latin typeface="Cambria Math"/>
-                            <a:ea typeface="Cambria Math"/>
-                          </a:rPr>
-                          <m:t>𝜃</m:t>
-                        </m:r>
-                      </m:e>
-                    </m:d>
-                  </m:oMath>
+                  <m:oMathPara xmlns:m="http://schemas.openxmlformats.org/officeDocument/2006/math">
+                    <m:oMathParaPr>
+                      <m:jc m:val="centerGroup"/>
+                    </m:oMathParaPr>
+                    <m:oMath xmlns:m="http://schemas.openxmlformats.org/officeDocument/2006/math">
+                      <m:sSub>
+                        <m:sSubPr>
+                          <m:ctrlPr>
+                            <a:rPr lang="en-GB" sz="3200" i="1" dirty="0" smtClean="0">
+                              <a:latin typeface="Cambria Math" panose="02040503050406030204" pitchFamily="18" charset="0"/>
+                            </a:rPr>
+                          </m:ctrlPr>
+                        </m:sSubPr>
+                        <m:e>
+                          <m:r>
+                            <a:rPr lang="de-DE" sz="3200" b="0" i="1" dirty="0" smtClean="0">
+                              <a:latin typeface="Cambria Math"/>
+                            </a:rPr>
+                            <m:t>𝐼</m:t>
+                          </m:r>
+                        </m:e>
+                        <m:sub>
+                          <m:r>
+                            <a:rPr lang="de-DE" sz="3200" b="0" i="1" dirty="0" smtClean="0">
+                              <a:latin typeface="Cambria Math"/>
+                            </a:rPr>
+                            <m:t>𝑜𝑐</m:t>
+                          </m:r>
+                        </m:sub>
+                      </m:sSub>
+                      <m:r>
+                        <a:rPr lang="en-GB" sz="3200" i="1" dirty="0">
+                          <a:latin typeface="Cambria Math"/>
+                        </a:rPr>
+                        <m:t>= </m:t>
+                      </m:r>
+                      <m:sSub>
+                        <m:sSubPr>
+                          <m:ctrlPr>
+                            <a:rPr lang="en-GB" sz="3200" i="1" dirty="0" smtClean="0">
+                              <a:latin typeface="Cambria Math" panose="02040503050406030204" pitchFamily="18" charset="0"/>
+                            </a:rPr>
+                          </m:ctrlPr>
+                        </m:sSubPr>
+                        <m:e>
+                          <m:r>
+                            <a:rPr lang="de-DE" sz="3200" b="0" i="1" dirty="0" smtClean="0">
+                              <a:latin typeface="Cambria Math"/>
+                            </a:rPr>
+                            <m:t>𝐼</m:t>
+                          </m:r>
+                        </m:e>
+                        <m:sub>
+                          <m:r>
+                            <a:rPr lang="de-DE" sz="3200" b="0" i="1" dirty="0" smtClean="0">
+                              <a:latin typeface="Cambria Math"/>
+                            </a:rPr>
+                            <m:t>𝑜</m:t>
+                          </m:r>
+                        </m:sub>
+                      </m:sSub>
+                      <m:d>
+                        <m:dPr>
+                          <m:ctrlPr>
+                            <a:rPr lang="en-GB" sz="3200" i="1" dirty="0" smtClean="0">
+                              <a:latin typeface="Cambria Math" panose="02040503050406030204" pitchFamily="18" charset="0"/>
+                            </a:rPr>
+                          </m:ctrlPr>
+                        </m:dPr>
+                        <m:e>
+                          <m:sSup>
+                            <m:sSupPr>
+                              <m:ctrlPr>
+                                <a:rPr lang="el-GR" sz="3200" i="1" dirty="0" smtClean="0">
+                                  <a:latin typeface="Cambria Math" panose="02040503050406030204" pitchFamily="18" charset="0"/>
+                                  <a:ea typeface="Cambria Math"/>
+                                </a:rPr>
+                              </m:ctrlPr>
+                            </m:sSupPr>
+                            <m:e>
+                              <m:r>
+                                <a:rPr lang="el-GR" sz="3200" i="1" dirty="0">
+                                  <a:latin typeface="Cambria Math"/>
+                                  <a:ea typeface="Cambria Math"/>
+                                </a:rPr>
+                                <m:t>𝜃</m:t>
+                              </m:r>
+                            </m:e>
+                            <m:sup>
+                              <m:r>
+                                <a:rPr lang="de-DE" sz="3200" b="0" i="1" dirty="0" smtClean="0">
+                                  <a:latin typeface="Cambria Math"/>
+                                  <a:ea typeface="Cambria Math"/>
+                                </a:rPr>
+                                <m:t>∗</m:t>
+                              </m:r>
+                            </m:sup>
+                          </m:sSup>
+                        </m:e>
+                        <m:e>
+                          <m:sSup>
+                            <m:sSupPr>
+                              <m:ctrlPr>
+                                <a:rPr lang="el-GR" sz="3200" i="1" dirty="0" smtClean="0">
+                                  <a:latin typeface="Cambria Math" panose="02040503050406030204" pitchFamily="18" charset="0"/>
+                                </a:rPr>
+                              </m:ctrlPr>
+                            </m:sSupPr>
+                            <m:e>
+                              <m:r>
+                                <a:rPr lang="de-DE" sz="3200" b="0" i="1" dirty="0" smtClean="0">
+                                  <a:latin typeface="Cambria Math"/>
+                                </a:rPr>
+                                <m:t>𝑆</m:t>
+                              </m:r>
+                            </m:e>
+                            <m:sup>
+                              <m:r>
+                                <a:rPr lang="de-DE" sz="3200" b="0" i="1" dirty="0" smtClean="0">
+                                  <a:latin typeface="Cambria Math"/>
+                                </a:rPr>
+                                <m:t>∗</m:t>
+                              </m:r>
+                            </m:sup>
+                          </m:sSup>
+                          <m:d>
+                            <m:dPr>
+                              <m:ctrlPr>
+                                <a:rPr lang="en-GB" sz="3200" i="1" dirty="0" smtClean="0">
+                                  <a:latin typeface="Cambria Math" panose="02040503050406030204" pitchFamily="18" charset="0"/>
+                                </a:rPr>
+                              </m:ctrlPr>
+                            </m:dPr>
+                            <m:e>
+                              <m:sSub>
+                                <m:sSubPr>
+                                  <m:ctrlPr>
+                                    <a:rPr lang="en-GB" sz="3200" i="1" dirty="0" smtClean="0">
+                                      <a:latin typeface="Cambria Math" panose="02040503050406030204" pitchFamily="18" charset="0"/>
+                                    </a:rPr>
+                                  </m:ctrlPr>
+                                </m:sSubPr>
+                                <m:e>
+                                  <m:r>
+                                    <a:rPr lang="de-DE" sz="3200" b="0" i="1" dirty="0" smtClean="0">
+                                      <a:latin typeface="Cambria Math"/>
+                                    </a:rPr>
+                                    <m:t>𝑌</m:t>
+                                  </m:r>
+                                </m:e>
+                                <m:sub>
+                                  <m:r>
+                                    <a:rPr lang="de-DE" sz="3200" b="0" i="1" dirty="0" smtClean="0">
+                                      <a:latin typeface="Cambria Math"/>
+                                    </a:rPr>
+                                    <m:t>𝑜𝑏𝑠</m:t>
+                                  </m:r>
+                                </m:sub>
+                              </m:sSub>
+                            </m:e>
+                          </m:d>
+                        </m:e>
+                      </m:d>
+                      <m:r>
+                        <a:rPr lang="de-DE" sz="3200" b="0" i="1" dirty="0" smtClean="0">
+                          <a:latin typeface="Cambria Math"/>
+                        </a:rPr>
+                        <m:t>,</m:t>
+                      </m:r>
+                      <m:r>
+                        <a:rPr lang="de-DE" sz="3200" i="1" dirty="0">
+                          <a:latin typeface="Cambria Math"/>
+                        </a:rPr>
+                        <m:t>𝑤h𝑒𝑟𝑒</m:t>
+                      </m:r>
+                      <m:r>
+                        <a:rPr lang="de-DE" sz="3200" b="0" i="1" dirty="0" smtClean="0">
+                          <a:latin typeface="Cambria Math"/>
+                        </a:rPr>
+                        <m:t> </m:t>
+                      </m:r>
+                      <m:sSup>
+                        <m:sSupPr>
+                          <m:ctrlPr>
+                            <a:rPr lang="de-DE" sz="3200" b="0" i="1" dirty="0" smtClean="0">
+                              <a:latin typeface="Cambria Math" panose="02040503050406030204" pitchFamily="18" charset="0"/>
+                            </a:rPr>
+                          </m:ctrlPr>
+                        </m:sSupPr>
+                        <m:e>
+                          <m:r>
+                            <a:rPr lang="de-DE" sz="3200" b="0" i="1" dirty="0" smtClean="0">
+                              <a:latin typeface="Cambria Math"/>
+                            </a:rPr>
+                            <m:t>𝑆</m:t>
+                          </m:r>
+                        </m:e>
+                        <m:sup>
+                          <m:r>
+                            <a:rPr lang="de-DE" sz="3200" b="0" i="1" dirty="0" smtClean="0">
+                              <a:latin typeface="Cambria Math"/>
+                            </a:rPr>
+                            <m:t>∗</m:t>
+                          </m:r>
+                        </m:sup>
+                      </m:sSup>
+                      <m:r>
+                        <a:rPr lang="de-DE" sz="3200" b="0" i="1" dirty="0" smtClean="0">
+                          <a:latin typeface="Cambria Math"/>
+                        </a:rPr>
+                        <m:t>=</m:t>
+                      </m:r>
+                      <m:r>
+                        <a:rPr lang="de-DE" sz="3200" b="0" i="1" dirty="0" smtClean="0">
+                          <a:latin typeface="Cambria Math"/>
+                        </a:rPr>
+                        <m:t>𝐸</m:t>
+                      </m:r>
+                      <m:d>
+                        <m:dPr>
+                          <m:begChr m:val="["/>
+                          <m:endChr m:val="]"/>
+                          <m:ctrlPr>
+                            <a:rPr lang="de-DE" sz="3200" b="0" i="1" dirty="0" smtClean="0">
+                              <a:latin typeface="Cambria Math" panose="02040503050406030204" pitchFamily="18" charset="0"/>
+                            </a:rPr>
+                          </m:ctrlPr>
+                        </m:dPr>
+                        <m:e>
+                          <m:r>
+                            <a:rPr lang="de-DE" sz="3200" b="0" i="1" dirty="0" smtClean="0">
+                              <a:latin typeface="Cambria Math"/>
+                            </a:rPr>
+                            <m:t>𝑆</m:t>
+                          </m:r>
+                          <m:d>
+                            <m:dPr>
+                              <m:ctrlPr>
+                                <a:rPr lang="de-DE" sz="3200" b="0" i="1" dirty="0" smtClean="0">
+                                  <a:latin typeface="Cambria Math" panose="02040503050406030204" pitchFamily="18" charset="0"/>
+                                </a:rPr>
+                              </m:ctrlPr>
+                            </m:dPr>
+                            <m:e>
+                              <m:r>
+                                <a:rPr lang="de-DE" sz="3200" b="0" i="1" dirty="0" smtClean="0">
+                                  <a:latin typeface="Cambria Math"/>
+                                </a:rPr>
+                                <m:t>𝑌</m:t>
+                              </m:r>
+                            </m:e>
+                          </m:d>
+                          <m:r>
+                            <a:rPr lang="de-DE" sz="3200" b="0" i="1" dirty="0" smtClean="0">
+                              <a:latin typeface="Cambria Math"/>
+                            </a:rPr>
+                            <m:t>|</m:t>
+                          </m:r>
+                          <m:sSub>
+                            <m:sSubPr>
+                              <m:ctrlPr>
+                                <a:rPr lang="de-DE" sz="3200" b="0" i="1" dirty="0" smtClean="0">
+                                  <a:latin typeface="Cambria Math" panose="02040503050406030204" pitchFamily="18" charset="0"/>
+                                </a:rPr>
+                              </m:ctrlPr>
+                            </m:sSubPr>
+                            <m:e>
+                              <m:r>
+                                <a:rPr lang="de-DE" sz="3200" b="0" i="1" dirty="0" smtClean="0">
+                                  <a:latin typeface="Cambria Math"/>
+                                </a:rPr>
+                                <m:t>𝑌</m:t>
+                              </m:r>
+                            </m:e>
+                            <m:sub>
+                              <m:r>
+                                <a:rPr lang="de-DE" sz="3200" b="0" i="1" dirty="0" smtClean="0">
+                                  <a:latin typeface="Cambria Math"/>
+                                </a:rPr>
+                                <m:t>𝑜𝑏𝑠</m:t>
+                              </m:r>
+                            </m:sub>
+                          </m:sSub>
+                          <m:r>
+                            <a:rPr lang="de-DE" sz="3200" b="0" i="1" dirty="0" smtClean="0">
+                              <a:latin typeface="Cambria Math"/>
+                            </a:rPr>
+                            <m:t>,</m:t>
+                          </m:r>
+                          <m:r>
+                            <a:rPr lang="el-GR" sz="3200" i="1" dirty="0" smtClean="0">
+                              <a:latin typeface="Cambria Math"/>
+                              <a:ea typeface="Cambria Math"/>
+                            </a:rPr>
+                            <m:t>𝜃</m:t>
+                          </m:r>
+                        </m:e>
+                      </m:d>
+                    </m:oMath>
+                  </m:oMathPara>
                 </a14:m>
-                <a:endParaRPr lang="en-GB" sz="3200" dirty="0" smtClean="0"/>
+                <a:endParaRPr lang="en-GB" sz="3200" dirty="0"/>
               </a:p>
               <a:p>
                 <a:pPr marL="285750" indent="-285750">
@@ -6295,58 +6167,53 @@
                   <a:buChar char="•"/>
                 </a:pPr>
                 <a:r>
-                  <a:rPr lang="en-GB" sz="3200" b="1" dirty="0" smtClean="0"/>
+                  <a:rPr lang="en-GB" sz="3200" b="1" dirty="0"/>
                   <a:t>Step 2:</a:t>
                 </a:r>
                 <a:r>
-                  <a:rPr lang="en-GB" sz="3200" dirty="0" smtClean="0"/>
-                  <a:t> Calculation of elements in rate-of-convergence matrix DM </a:t>
+                  <a:rPr lang="en-GB" sz="3200" dirty="0"/>
+                  <a:t> Calculation of elements in rate-of-convergence matrix DM by (TODO: </a:t>
                 </a:r>
                 <a:r>
-                  <a:rPr lang="en-GB" sz="3200" dirty="0" smtClean="0"/>
-                  <a:t>by (TODO: </a:t>
-                </a:r>
-                <a:r>
-                  <a:rPr lang="en-GB" sz="3200" dirty="0" err="1" smtClean="0"/>
+                  <a:rPr lang="en-GB" sz="3200" dirty="0" err="1"/>
                   <a:t>evtl</a:t>
                 </a:r>
                 <a:r>
-                  <a:rPr lang="en-GB" sz="3200" dirty="0" smtClean="0"/>
+                  <a:rPr lang="en-GB" sz="3200" dirty="0"/>
                   <a:t>. </a:t>
                 </a:r>
                 <a:r>
-                  <a:rPr lang="en-GB" sz="3200" dirty="0" err="1" smtClean="0"/>
+                  <a:rPr lang="en-GB" sz="3200" dirty="0" err="1"/>
                   <a:t>Eher</a:t>
                 </a:r>
                 <a:r>
-                  <a:rPr lang="en-GB" sz="3200" dirty="0" smtClean="0"/>
+                  <a:rPr lang="en-GB" sz="3200" dirty="0"/>
                   <a:t> </a:t>
                 </a:r>
                 <a:r>
-                  <a:rPr lang="en-GB" sz="3200" dirty="0" err="1" smtClean="0"/>
+                  <a:rPr lang="en-GB" sz="3200" dirty="0" err="1"/>
                   <a:t>als</a:t>
                 </a:r>
                 <a:r>
-                  <a:rPr lang="en-GB" sz="3200" dirty="0" smtClean="0"/>
+                  <a:rPr lang="en-GB" sz="3200" dirty="0"/>
                   <a:t> Pseudo-code </a:t>
                 </a:r>
                 <a:r>
-                  <a:rPr lang="en-GB" sz="3200" dirty="0" err="1" smtClean="0"/>
+                  <a:rPr lang="en-GB" sz="3200" dirty="0" err="1"/>
                   <a:t>statt</a:t>
                 </a:r>
                 <a:r>
-                  <a:rPr lang="en-GB" sz="3200" dirty="0" smtClean="0"/>
+                  <a:rPr lang="en-GB" sz="3200" dirty="0"/>
                   <a:t> </a:t>
                 </a:r>
                 <a:r>
-                  <a:rPr lang="en-GB" sz="3200" dirty="0" err="1" smtClean="0"/>
+                  <a:rPr lang="en-GB" sz="3200" dirty="0" err="1"/>
                   <a:t>theoretische</a:t>
                 </a:r>
                 <a:r>
-                  <a:rPr lang="en-GB" sz="3200" dirty="0" smtClean="0"/>
+                  <a:rPr lang="en-GB" sz="3200" dirty="0"/>
                   <a:t> Version)</a:t>
                 </a:r>
-                <a:endParaRPr lang="en-GB" sz="3200" dirty="0" smtClean="0"/>
               </a:p>
               <a:p>
                 <a:pPr algn="ctr">
@@ -6360,7 +6227,7 @@
                       <m:sSubPr>
                         <m:ctrlPr>
                           <a:rPr lang="en-GB" sz="3200" i="1" smtClean="0">
-                            <a:latin typeface="Cambria Math" charset="0"/>
+                            <a:latin typeface="Cambria Math" panose="02040503050406030204" pitchFamily="18" charset="0"/>
                           </a:rPr>
                         </m:ctrlPr>
                       </m:sSubPr>
@@ -6391,7 +6258,7 @@
                       <m:funcPr>
                         <m:ctrlPr>
                           <a:rPr lang="de-DE" sz="3200" b="0" i="1" smtClean="0">
-                            <a:latin typeface="Cambria Math" charset="0"/>
+                            <a:latin typeface="Cambria Math" panose="02040503050406030204" pitchFamily="18" charset="0"/>
                           </a:rPr>
                         </m:ctrlPr>
                       </m:funcPr>
@@ -6400,7 +6267,7 @@
                           <m:limLowPr>
                             <m:ctrlPr>
                               <a:rPr lang="de-DE" sz="3200" b="0" i="1" smtClean="0">
-                                <a:latin typeface="Cambria Math" charset="0"/>
+                                <a:latin typeface="Cambria Math" panose="02040503050406030204" pitchFamily="18" charset="0"/>
                               </a:rPr>
                             </m:ctrlPr>
                           </m:limLowPr>
@@ -6437,7 +6304,7 @@
                           <m:sSubPr>
                             <m:ctrlPr>
                               <a:rPr lang="de-DE" sz="3200" b="0" i="1" smtClean="0">
-                                <a:latin typeface="Cambria Math" charset="0"/>
+                                <a:latin typeface="Cambria Math" panose="02040503050406030204" pitchFamily="18" charset="0"/>
                               </a:rPr>
                             </m:ctrlPr>
                           </m:sSubPr>
@@ -6463,7 +6330,7 @@
                   </m:oMath>
                 </a14:m>
                 <a:r>
-                  <a:rPr lang="en-GB" sz="3200" dirty="0" smtClean="0"/>
+                  <a:rPr lang="en-GB" sz="3200" dirty="0"/>
                   <a:t>(t) = </a:t>
                 </a:r>
                 <a14:m>
@@ -6472,7 +6339,7 @@
                       <m:fPr>
                         <m:ctrlPr>
                           <a:rPr lang="en-GB" sz="3200" i="1" smtClean="0">
-                            <a:latin typeface="Cambria Math" charset="0"/>
+                            <a:latin typeface="Cambria Math" panose="02040503050406030204" pitchFamily="18" charset="0"/>
                           </a:rPr>
                         </m:ctrlPr>
                       </m:fPr>
@@ -6487,7 +6354,7 @@
                           <m:sSubSupPr>
                             <m:ctrlPr>
                               <a:rPr lang="de-DE" sz="3200" b="0" i="1" smtClean="0">
-                                <a:latin typeface="Cambria Math" charset="0"/>
+                                <a:latin typeface="Cambria Math" panose="02040503050406030204" pitchFamily="18" charset="0"/>
                               </a:rPr>
                             </m:ctrlPr>
                           </m:sSubSupPr>
@@ -6513,7 +6380,7 @@
                               <m:dPr>
                                 <m:ctrlPr>
                                   <a:rPr lang="de-DE" sz="3200" i="1" baseline="14000">
-                                    <a:latin typeface="Cambria Math" charset="0"/>
+                                    <a:latin typeface="Cambria Math" panose="02040503050406030204" pitchFamily="18" charset="0"/>
                                   </a:rPr>
                                 </m:ctrlPr>
                               </m:dPr>
@@ -6550,7 +6417,7 @@
                           <m:dPr>
                             <m:ctrlPr>
                               <a:rPr lang="de-DE" sz="3200" b="0" i="1" smtClean="0">
-                                <a:latin typeface="Cambria Math" charset="0"/>
+                                <a:latin typeface="Cambria Math" panose="02040503050406030204" pitchFamily="18" charset="0"/>
                               </a:rPr>
                             </m:ctrlPr>
                           </m:dPr>
@@ -6573,7 +6440,7 @@
                           <m:sSubPr>
                             <m:ctrlPr>
                               <a:rPr lang="de-DE" sz="3200" b="0" i="1" smtClean="0">
-                                <a:latin typeface="Cambria Math" charset="0"/>
+                                <a:latin typeface="Cambria Math" panose="02040503050406030204" pitchFamily="18" charset="0"/>
                               </a:rPr>
                             </m:ctrlPr>
                           </m:sSubPr>
@@ -6619,7 +6486,7 @@
                           <m:sSubPr>
                             <m:ctrlPr>
                               <a:rPr lang="de-DE" sz="3200" b="0" i="1" smtClean="0">
-                                <a:latin typeface="Cambria Math" charset="0"/>
+                                <a:latin typeface="Cambria Math" panose="02040503050406030204" pitchFamily="18" charset="0"/>
                               </a:rPr>
                             </m:ctrlPr>
                           </m:sSubPr>
@@ -6651,7 +6518,7 @@
                           <m:dPr>
                             <m:ctrlPr>
                               <a:rPr lang="de-DE" sz="3200" b="0" i="1" baseline="14000" smtClean="0">
-                                <a:latin typeface="Cambria Math" charset="0"/>
+                                <a:latin typeface="Cambria Math" panose="02040503050406030204" pitchFamily="18" charset="0"/>
                               </a:rPr>
                             </m:ctrlPr>
                           </m:dPr>
@@ -6674,7 +6541,7 @@
                           <m:sSubPr>
                             <m:ctrlPr>
                               <a:rPr lang="de-DE" sz="3200" b="0" i="1" smtClean="0">
-                                <a:latin typeface="Cambria Math" charset="0"/>
+                                <a:latin typeface="Cambria Math" panose="02040503050406030204" pitchFamily="18" charset="0"/>
                               </a:rPr>
                             </m:ctrlPr>
                           </m:sSubPr>
@@ -6713,7 +6580,7 @@
                   </m:oMath>
                 </a14:m>
                 <a:r>
-                  <a:rPr lang="en-GB" sz="3200" dirty="0" smtClean="0"/>
+                  <a:rPr lang="en-GB" sz="3200" dirty="0"/>
                   <a:t> for j = 1,…d</a:t>
                 </a:r>
               </a:p>
@@ -6726,11 +6593,11 @@
                   <a:buChar char="•"/>
                 </a:pPr>
                 <a:r>
-                  <a:rPr lang="en-GB" sz="3200" b="1" dirty="0" smtClean="0"/>
+                  <a:rPr lang="en-GB" sz="3200" b="1" dirty="0"/>
                   <a:t>Step 3:</a:t>
                 </a:r>
                 <a:r>
-                  <a:rPr lang="en-GB" sz="3200" dirty="0" smtClean="0"/>
+                  <a:rPr lang="en-GB" sz="3200" dirty="0"/>
                   <a:t> Evaluation of </a:t>
                 </a:r>
               </a:p>
@@ -6758,7 +6625,7 @@
                       <m:sSupPr>
                         <m:ctrlPr>
                           <a:rPr lang="de-DE" sz="3200" b="0" i="1" smtClean="0">
-                            <a:latin typeface="Cambria Math" charset="0"/>
+                            <a:latin typeface="Cambria Math" panose="02040503050406030204" pitchFamily="18" charset="0"/>
                           </a:rPr>
                         </m:ctrlPr>
                       </m:sSupPr>
@@ -6767,7 +6634,7 @@
                           <m:sSubPr>
                             <m:ctrlPr>
                               <a:rPr lang="en-GB" sz="3200" i="1" dirty="0">
-                                <a:latin typeface="Cambria Math" charset="0"/>
+                                <a:latin typeface="Cambria Math" panose="02040503050406030204" pitchFamily="18" charset="0"/>
                               </a:rPr>
                             </m:ctrlPr>
                           </m:sSubPr>
@@ -6801,7 +6668,7 @@
                   </m:oMath>
                 </a14:m>
                 <a:r>
-                  <a:rPr lang="en-GB" sz="3200" dirty="0" smtClean="0"/>
+                  <a:rPr lang="en-GB" sz="3200" dirty="0"/>
                   <a:t> + </a:t>
                 </a:r>
                 <a14:m>
@@ -6851,7 +6718,7 @@
                   </m:oMath>
                 </a14:m>
                 <a:r>
-                  <a:rPr lang="en-GB" sz="3200" dirty="0" smtClean="0"/>
+                  <a:rPr lang="en-GB" sz="3200" dirty="0"/>
                   <a:t> = = </a:t>
                 </a:r>
                 <a14:m>
@@ -6860,7 +6727,7 @@
                       <m:sSupPr>
                         <m:ctrlPr>
                           <a:rPr lang="de-DE" sz="3200" i="1">
-                            <a:latin typeface="Cambria Math" charset="0"/>
+                            <a:latin typeface="Cambria Math" panose="02040503050406030204" pitchFamily="18" charset="0"/>
                           </a:rPr>
                         </m:ctrlPr>
                       </m:sSupPr>
@@ -6869,7 +6736,7 @@
                           <m:sSubPr>
                             <m:ctrlPr>
                               <a:rPr lang="en-GB" sz="3200" i="1" dirty="0">
-                                <a:latin typeface="Cambria Math" charset="0"/>
+                                <a:latin typeface="Cambria Math" panose="02040503050406030204" pitchFamily="18" charset="0"/>
                               </a:rPr>
                             </m:ctrlPr>
                           </m:sSubPr>
@@ -6903,7 +6770,7 @@
                   </m:oMath>
                 </a14:m>
                 <a:r>
-                  <a:rPr lang="en-GB" sz="3200" dirty="0" smtClean="0"/>
+                  <a:rPr lang="en-GB" sz="3200" dirty="0"/>
                   <a:t>DM</a:t>
                 </a:r>
                 <a14:m>
@@ -6912,7 +6779,7 @@
                       <m:sSupPr>
                         <m:ctrlPr>
                           <a:rPr lang="en-GB" sz="3200" i="1" smtClean="0">
-                            <a:latin typeface="Cambria Math" charset="0"/>
+                            <a:latin typeface="Cambria Math" panose="02040503050406030204" pitchFamily="18" charset="0"/>
                           </a:rPr>
                         </m:ctrlPr>
                       </m:sSupPr>
@@ -6964,7 +6831,7 @@
                     </m:sSup>
                   </m:oMath>
                 </a14:m>
-                <a:endParaRPr lang="de-DE" sz="3200" b="0" dirty="0" smtClean="0"/>
+                <a:endParaRPr lang="de-DE" sz="3200" b="0" dirty="0"/>
               </a:p>
               <a:p>
                 <a:pPr>
@@ -6973,15 +6840,15 @@
                   </a:spcAft>
                 </a:pPr>
                 <a:r>
-                  <a:rPr lang="de-DE" sz="3200" dirty="0" smtClean="0"/>
+                  <a:rPr lang="de-DE" sz="3200" dirty="0"/>
                   <a:t>NOTE: FOR SEM USE </a:t>
                 </a:r>
                 <a:r>
-                  <a:rPr lang="de-DE" sz="3200" dirty="0" err="1" smtClean="0"/>
+                  <a:rPr lang="de-DE" sz="3200" dirty="0" err="1"/>
                   <a:t>sqrt</a:t>
                 </a:r>
                 <a:r>
-                  <a:rPr lang="de-DE" sz="3200" dirty="0" smtClean="0"/>
+                  <a:rPr lang="de-DE" sz="3200" dirty="0"/>
                   <a:t>(</a:t>
                 </a:r>
                 <a14:m>
@@ -6997,7 +6864,7 @@
                   </m:oMath>
                 </a14:m>
                 <a:r>
-                  <a:rPr lang="de-DE" sz="3200" b="0" dirty="0" smtClean="0"/>
+                  <a:rPr lang="de-DE" sz="3200" b="0" dirty="0"/>
                   <a:t>) AS STOPPING CRITERION</a:t>
                 </a:r>
               </a:p>
@@ -7024,15 +6891,15 @@
             <p:spPr>
               <a:xfrm>
                 <a:off x="11596727" y="6697869"/>
-                <a:ext cx="9344942" cy="9263305"/>
+                <a:ext cx="9344942" cy="8267648"/>
               </a:xfrm>
               <a:prstGeom prst="rect">
                 <a:avLst/>
               </a:prstGeom>
-              <a:blipFill rotWithShape="0">
+              <a:blipFill>
                 <a:blip r:embed="rId5"/>
                 <a:stretch>
-                  <a:fillRect l="-1631" t="-856" r="-1826"/>
+                  <a:fillRect l="-1631" t="-959"/>
                 </a:stretch>
               </a:blipFill>
             </p:spPr>
@@ -7081,7 +6948,7 @@
               <a:buChar char="•"/>
             </a:pPr>
             <a:r>
-              <a:rPr lang="en-GB" sz="2800" dirty="0" smtClean="0"/>
+              <a:rPr lang="en-GB" sz="2800" dirty="0"/>
               <a:t>SEM is established in which open-source or commercial program?</a:t>
             </a:r>
           </a:p>
@@ -7094,18 +6961,14 @@
               <a:buChar char="•"/>
             </a:pPr>
             <a:r>
-              <a:rPr lang="en-GB" sz="2800" dirty="0" smtClean="0"/>
+              <a:rPr lang="en-GB" sz="2800" dirty="0"/>
               <a:t>Since 1996, has SEM established or are there better </a:t>
             </a:r>
             <a:r>
-              <a:rPr lang="en-GB" sz="2800" smtClean="0"/>
-              <a:t>methods</a:t>
-            </a:r>
-            <a:r>
-              <a:rPr lang="en-GB" sz="2800" smtClean="0"/>
-              <a:t>?</a:t>
-            </a:r>
-            <a:endParaRPr lang="en-GB" sz="2800" dirty="0" smtClean="0"/>
+              <a:rPr lang="en-GB" sz="2800"/>
+              <a:t>methods?</a:t>
+            </a:r>
+            <a:endParaRPr lang="en-GB" sz="2800" dirty="0"/>
           </a:p>
         </p:txBody>
       </p:sp>
@@ -7239,12 +7102,11 @@
               <a:rPr lang="de-DE" sz="2800" dirty="0"/>
               <a:t> 86(416), 899. </a:t>
             </a:r>
-            <a:endParaRPr lang="de-DE" sz="2800" dirty="0"/>
           </a:p>
         </p:txBody>
       </p:sp>
-      <mc:AlternateContent xmlns:mc="http://schemas.openxmlformats.org/markup-compatibility/2006">
-        <mc:Choice xmlns:a14="http://schemas.microsoft.com/office/drawing/2010/main" Requires="a14">
+      <mc:AlternateContent xmlns:mc="http://schemas.openxmlformats.org/markup-compatibility/2006" xmlns:a14="http://schemas.microsoft.com/office/drawing/2010/main">
+        <mc:Choice Requires="a14">
           <p:sp>
             <p:nvSpPr>
               <p:cNvPr id="5" name="Textfeld 4"/>
@@ -7268,61 +7130,61 @@
               <a:lstStyle/>
               <a:p>
                 <a:r>
-                  <a:rPr lang="de-DE" sz="3200" dirty="0" smtClean="0"/>
+                  <a:rPr lang="de-DE" sz="3200" dirty="0"/>
                   <a:t>Data was </a:t>
                 </a:r>
                 <a:r>
-                  <a:rPr lang="de-DE" sz="3200" dirty="0" err="1" smtClean="0"/>
+                  <a:rPr lang="de-DE" sz="3200" dirty="0" err="1"/>
                   <a:t>drawn</a:t>
                 </a:r>
                 <a:r>
-                  <a:rPr lang="de-DE" sz="3200" dirty="0" smtClean="0"/>
+                  <a:rPr lang="de-DE" sz="3200" dirty="0"/>
                   <a:t> </a:t>
                 </a:r>
                 <a:r>
-                  <a:rPr lang="de-DE" sz="3200" dirty="0" err="1" smtClean="0"/>
+                  <a:rPr lang="de-DE" sz="3200" dirty="0" err="1"/>
                   <a:t>randomly</a:t>
                 </a:r>
                 <a:r>
-                  <a:rPr lang="de-DE" sz="3200" dirty="0" smtClean="0"/>
+                  <a:rPr lang="de-DE" sz="3200" dirty="0"/>
                   <a:t> </a:t>
                 </a:r>
                 <a:r>
-                  <a:rPr lang="de-DE" sz="3200" dirty="0" err="1" smtClean="0"/>
+                  <a:rPr lang="de-DE" sz="3200" dirty="0" err="1"/>
                   <a:t>from</a:t>
                 </a:r>
                 <a:r>
-                  <a:rPr lang="de-DE" sz="3200" dirty="0" smtClean="0"/>
+                  <a:rPr lang="de-DE" sz="3200" dirty="0"/>
                   <a:t> </a:t>
                 </a:r>
                 <a:r>
-                  <a:rPr lang="de-DE" sz="3200" dirty="0" err="1" smtClean="0"/>
+                  <a:rPr lang="de-DE" sz="3200" dirty="0" err="1"/>
                   <a:t>the</a:t>
                 </a:r>
                 <a:r>
-                  <a:rPr lang="de-DE" sz="3200" dirty="0" smtClean="0"/>
+                  <a:rPr lang="de-DE" sz="3200" dirty="0"/>
                   <a:t> </a:t>
                 </a:r>
                 <a:r>
-                  <a:rPr lang="de-DE" sz="3200" dirty="0" err="1" smtClean="0"/>
+                  <a:rPr lang="de-DE" sz="3200" dirty="0" err="1"/>
                   <a:t>following</a:t>
                 </a:r>
                 <a:r>
-                  <a:rPr lang="de-DE" sz="3200" dirty="0" smtClean="0"/>
+                  <a:rPr lang="de-DE" sz="3200" dirty="0"/>
                   <a:t> </a:t>
                 </a:r>
                 <a:r>
-                  <a:rPr lang="de-DE" sz="3200" dirty="0" err="1" smtClean="0"/>
+                  <a:rPr lang="de-DE" sz="3200" dirty="0" err="1"/>
                   <a:t>distribution</a:t>
                 </a:r>
                 <a:r>
-                  <a:rPr lang="de-DE" sz="3200" dirty="0" smtClean="0"/>
+                  <a:rPr lang="de-DE" sz="3200" dirty="0"/>
                   <a:t> (TODO: finale Werte eintragen):</a:t>
                 </a:r>
               </a:p>
               <a:p>
                 <a:r>
-                  <a:rPr lang="de-DE" sz="3200" dirty="0" smtClean="0"/>
+                  <a:rPr lang="de-DE" sz="3200" dirty="0"/>
                   <a:t>X</a:t>
                 </a:r>
                 <a14:m>
@@ -7347,7 +7209,7 @@
                       <m:dPr>
                         <m:ctrlPr>
                           <a:rPr lang="mr-IN" sz="3200" b="0" i="1" smtClean="0">
-                            <a:latin typeface="Cambria Math" charset="0"/>
+                            <a:latin typeface="Cambria Math" panose="02040503050406030204" pitchFamily="18" charset="0"/>
                             <a:ea typeface="Cambria Math" charset="0"/>
                             <a:cs typeface="Cambria Math" charset="0"/>
                           </a:rPr>
@@ -7358,7 +7220,7 @@
                           <m:dPr>
                             <m:ctrlPr>
                               <a:rPr lang="mr-IN" sz="3200" i="1">
-                                <a:latin typeface="Cambria Math" charset="0"/>
+                                <a:latin typeface="Cambria Math" panose="02040503050406030204" pitchFamily="18" charset="0"/>
                                 <a:ea typeface="Cambria Math" charset="0"/>
                                 <a:cs typeface="Cambria Math" charset="0"/>
                               </a:rPr>
@@ -7377,7 +7239,7 @@
                                 </m:mcs>
                                 <m:ctrlPr>
                                   <a:rPr lang="mr-IN" sz="3200" i="1">
-                                    <a:latin typeface="Cambria Math" charset="0"/>
+                                    <a:latin typeface="Cambria Math" panose="02040503050406030204" pitchFamily="18" charset="0"/>
                                     <a:ea typeface="Cambria Math" charset="0"/>
                                     <a:cs typeface="Cambria Math" charset="0"/>
                                   </a:rPr>
@@ -7437,7 +7299,7 @@
                           <m:dPr>
                             <m:ctrlPr>
                               <a:rPr lang="mr-IN" sz="3200" i="1">
-                                <a:latin typeface="Cambria Math" charset="0"/>
+                                <a:latin typeface="Cambria Math" panose="02040503050406030204" pitchFamily="18" charset="0"/>
                               </a:rPr>
                             </m:ctrlPr>
                           </m:dPr>
@@ -7454,7 +7316,7 @@
                                 </m:mcs>
                                 <m:ctrlPr>
                                   <a:rPr lang="uk-UA" sz="3200" i="1">
-                                    <a:latin typeface="Cambria Math" charset="0"/>
+                                    <a:latin typeface="Cambria Math" panose="02040503050406030204" pitchFamily="18" charset="0"/>
                                   </a:rPr>
                                 </m:ctrlPr>
                               </m:mPr>
@@ -7546,76 +7408,76 @@
                     </m:d>
                   </m:oMath>
                 </a14:m>
-                <a:endParaRPr lang="de-DE" sz="3200" b="0" dirty="0" smtClean="0">
+                <a:endParaRPr lang="de-DE" sz="3200" b="0" dirty="0">
                   <a:ea typeface="Cambria Math" charset="0"/>
                   <a:cs typeface="Cambria Math" charset="0"/>
                 </a:endParaRPr>
               </a:p>
               <a:p>
-                <a:endParaRPr lang="de-DE" sz="3200" b="0" dirty="0" smtClean="0">
+                <a:endParaRPr lang="de-DE" sz="3200" b="0" dirty="0">
                   <a:ea typeface="Cambria Math" charset="0"/>
                   <a:cs typeface="Cambria Math" charset="0"/>
                 </a:endParaRPr>
               </a:p>
               <a:p>
                 <a:r>
-                  <a:rPr lang="de-DE" sz="3200" dirty="0" err="1" smtClean="0"/>
+                  <a:rPr lang="de-DE" sz="3200" dirty="0" err="1"/>
                   <a:t>For</a:t>
                 </a:r>
                 <a:r>
-                  <a:rPr lang="de-DE" sz="3200" dirty="0" smtClean="0"/>
+                  <a:rPr lang="de-DE" sz="3200" dirty="0"/>
                   <a:t> </a:t>
                 </a:r>
                 <a:r>
-                  <a:rPr lang="de-DE" sz="3200" dirty="0" err="1" smtClean="0"/>
+                  <a:rPr lang="de-DE" sz="3200" dirty="0" err="1"/>
                   <a:t>each</a:t>
                 </a:r>
                 <a:r>
-                  <a:rPr lang="de-DE" sz="3200" dirty="0" smtClean="0"/>
+                  <a:rPr lang="de-DE" sz="3200" dirty="0"/>
                   <a:t> </a:t>
                 </a:r>
                 <a:r>
-                  <a:rPr lang="de-DE" sz="3200" dirty="0" err="1" smtClean="0"/>
+                  <a:rPr lang="de-DE" sz="3200" dirty="0" err="1"/>
                   <a:t>of</a:t>
                 </a:r>
                 <a:r>
-                  <a:rPr lang="de-DE" sz="3200" dirty="0" smtClean="0"/>
+                  <a:rPr lang="de-DE" sz="3200" dirty="0"/>
                   <a:t> </a:t>
                 </a:r>
                 <a:r>
-                  <a:rPr lang="de-DE" sz="3200" dirty="0" err="1" smtClean="0"/>
+                  <a:rPr lang="de-DE" sz="3200" dirty="0" err="1"/>
                   <a:t>the</a:t>
                 </a:r>
                 <a:r>
-                  <a:rPr lang="de-DE" sz="3200" dirty="0" smtClean="0"/>
+                  <a:rPr lang="de-DE" sz="3200" dirty="0"/>
                   <a:t> </a:t>
                 </a:r>
                 <a:r>
-                  <a:rPr lang="de-DE" sz="3200" dirty="0" err="1" smtClean="0"/>
+                  <a:rPr lang="de-DE" sz="3200" dirty="0" err="1"/>
                   <a:t>following</a:t>
                 </a:r>
                 <a:r>
-                  <a:rPr lang="de-DE" sz="3200" dirty="0" smtClean="0"/>
+                  <a:rPr lang="de-DE" sz="3200" dirty="0"/>
                   <a:t> </a:t>
                 </a:r>
                 <a:r>
-                  <a:rPr lang="de-DE" sz="3200" dirty="0" err="1" smtClean="0"/>
+                  <a:rPr lang="de-DE" sz="3200" dirty="0" err="1"/>
                   <a:t>parameter</a:t>
                 </a:r>
                 <a:r>
-                  <a:rPr lang="de-DE" sz="3200" dirty="0" smtClean="0"/>
+                  <a:rPr lang="de-DE" sz="3200" dirty="0"/>
                   <a:t> </a:t>
                 </a:r>
                 <a:r>
-                  <a:rPr lang="de-DE" sz="3200" dirty="0" err="1" smtClean="0"/>
+                  <a:rPr lang="de-DE" sz="3200" dirty="0" err="1"/>
                   <a:t>combinations</a:t>
                 </a:r>
                 <a:r>
-                  <a:rPr lang="de-DE" sz="3200" dirty="0" smtClean="0"/>
+                  <a:rPr lang="de-DE" sz="3200" dirty="0"/>
                   <a:t> </a:t>
                 </a:r>
                 <a:r>
-                  <a:rPr lang="de-DE" sz="3200" dirty="0" smtClean="0">
+                  <a:rPr lang="de-DE" sz="3200" dirty="0">
                     <a:solidFill>
                       <a:srgbClr val="FF0000"/>
                     </a:solidFill>
@@ -7623,7 +7485,7 @@
                   <a:t>m = 100 </a:t>
                 </a:r>
                 <a:r>
-                  <a:rPr lang="de-DE" sz="3200" dirty="0" err="1" smtClean="0">
+                  <a:rPr lang="de-DE" sz="3200" dirty="0" err="1">
                     <a:solidFill>
                       <a:srgbClr val="FF0000"/>
                     </a:solidFill>
@@ -7631,52 +7493,52 @@
                   <a:t>simulations</a:t>
                 </a:r>
                 <a:r>
-                  <a:rPr lang="de-DE" sz="3200" dirty="0" smtClean="0"/>
+                  <a:rPr lang="de-DE" sz="3200" dirty="0"/>
                   <a:t> </a:t>
                 </a:r>
                 <a:r>
-                  <a:rPr lang="de-DE" sz="3200" dirty="0" err="1" smtClean="0"/>
+                  <a:rPr lang="de-DE" sz="3200" dirty="0" err="1"/>
                   <a:t>with</a:t>
                 </a:r>
                 <a:r>
-                  <a:rPr lang="de-DE" sz="3200" dirty="0" smtClean="0"/>
+                  <a:rPr lang="de-DE" sz="3200" dirty="0"/>
                   <a:t> different </a:t>
                 </a:r>
                 <a:r>
-                  <a:rPr lang="de-DE" sz="3200" dirty="0" err="1" smtClean="0"/>
+                  <a:rPr lang="de-DE" sz="3200" dirty="0" err="1"/>
                   <a:t>starting</a:t>
                 </a:r>
                 <a:r>
-                  <a:rPr lang="de-DE" sz="3200" dirty="0" smtClean="0"/>
+                  <a:rPr lang="de-DE" sz="3200" dirty="0"/>
                   <a:t> </a:t>
                 </a:r>
                 <a:r>
-                  <a:rPr lang="de-DE" sz="3200" dirty="0" err="1" smtClean="0"/>
+                  <a:rPr lang="de-DE" sz="3200" dirty="0" err="1"/>
                   <a:t>values</a:t>
                 </a:r>
                 <a:r>
-                  <a:rPr lang="de-DE" sz="3200" dirty="0" smtClean="0"/>
+                  <a:rPr lang="de-DE" sz="3200" dirty="0"/>
                   <a:t> </a:t>
                 </a:r>
                 <a:r>
-                  <a:rPr lang="de-DE" sz="3200" dirty="0" err="1" smtClean="0"/>
+                  <a:rPr lang="de-DE" sz="3200" dirty="0" err="1"/>
                   <a:t>were</a:t>
                 </a:r>
                 <a:r>
-                  <a:rPr lang="de-DE" sz="3200" dirty="0" smtClean="0"/>
+                  <a:rPr lang="de-DE" sz="3200" dirty="0"/>
                   <a:t> </a:t>
                 </a:r>
                 <a:r>
-                  <a:rPr lang="de-DE" sz="3200" dirty="0" err="1" smtClean="0"/>
+                  <a:rPr lang="de-DE" sz="3200" dirty="0" err="1"/>
                   <a:t>run</a:t>
                 </a:r>
                 <a:r>
-                  <a:rPr lang="de-DE" sz="3200" dirty="0" smtClean="0"/>
+                  <a:rPr lang="de-DE" sz="3200" dirty="0"/>
                   <a:t>:</a:t>
                 </a:r>
               </a:p>
               <a:p>
-                <a:endParaRPr lang="de-DE" sz="3200" dirty="0" smtClean="0"/>
+                <a:endParaRPr lang="de-DE" sz="3200" dirty="0"/>
               </a:p>
               <a:p>
                 <a:endParaRPr lang="de-DE" sz="3200" dirty="0"/>
@@ -7687,7 +7549,7 @@
             </p:txBody>
           </p:sp>
         </mc:Choice>
-        <mc:Fallback>
+        <mc:Fallback xmlns="">
           <p:sp>
             <p:nvSpPr>
               <p:cNvPr id="5" name="Textfeld 4"/>
@@ -7751,10 +7613,34 @@
                 <a:tableStyleId>{5940675A-B579-460E-94D1-54222C63F5DA}</a:tableStyleId>
               </a:tblPr>
               <a:tblGrid>
-                <a:gridCol w="2063524"/>
-                <a:gridCol w="2063524"/>
-                <a:gridCol w="2063524"/>
-                <a:gridCol w="2063524"/>
+                <a:gridCol w="2063524">
+                  <a:extLst>
+                    <a:ext uri="{9D8B030D-6E8A-4147-A177-3AD203B41FA5}">
+                      <a16:colId xmlns:a16="http://schemas.microsoft.com/office/drawing/2014/main" val="20000"/>
+                    </a:ext>
+                  </a:extLst>
+                </a:gridCol>
+                <a:gridCol w="2063524">
+                  <a:extLst>
+                    <a:ext uri="{9D8B030D-6E8A-4147-A177-3AD203B41FA5}">
+                      <a16:colId xmlns:a16="http://schemas.microsoft.com/office/drawing/2014/main" val="20001"/>
+                    </a:ext>
+                  </a:extLst>
+                </a:gridCol>
+                <a:gridCol w="2063524">
+                  <a:extLst>
+                    <a:ext uri="{9D8B030D-6E8A-4147-A177-3AD203B41FA5}">
+                      <a16:colId xmlns:a16="http://schemas.microsoft.com/office/drawing/2014/main" val="20002"/>
+                    </a:ext>
+                  </a:extLst>
+                </a:gridCol>
+                <a:gridCol w="2063524">
+                  <a:extLst>
+                    <a:ext uri="{9D8B030D-6E8A-4147-A177-3AD203B41FA5}">
+                      <a16:colId xmlns:a16="http://schemas.microsoft.com/office/drawing/2014/main" val="20003"/>
+                    </a:ext>
+                  </a:extLst>
+                </a:gridCol>
               </a:tblGrid>
               <a:tr h="1360445">
                 <a:tc>
@@ -7816,35 +7702,35 @@
                     <a:p>
                       <a:pPr algn="ctr"/>
                       <a:r>
-                        <a:rPr lang="de-DE" sz="2600" dirty="0" err="1" smtClean="0"/>
+                        <a:rPr lang="de-DE" sz="2600" dirty="0" err="1"/>
                         <a:t>Number</a:t>
                       </a:r>
                       <a:r>
-                        <a:rPr lang="de-DE" sz="2600" baseline="0" dirty="0" smtClean="0"/>
+                        <a:rPr lang="de-DE" sz="2600" baseline="0" dirty="0"/>
                         <a:t> </a:t>
                       </a:r>
                       <a:r>
-                        <a:rPr lang="de-DE" sz="2600" baseline="0" dirty="0" err="1" smtClean="0"/>
+                        <a:rPr lang="de-DE" sz="2600" baseline="0" dirty="0" err="1"/>
                         <a:t>of</a:t>
                       </a:r>
                       <a:r>
-                        <a:rPr lang="de-DE" sz="2600" baseline="0" dirty="0" smtClean="0"/>
+                        <a:rPr lang="de-DE" sz="2600" baseline="0" dirty="0"/>
                         <a:t> </a:t>
                       </a:r>
                       <a:r>
-                        <a:rPr lang="de-DE" sz="2600" baseline="0" dirty="0" err="1" smtClean="0"/>
+                        <a:rPr lang="de-DE" sz="2600" baseline="0" dirty="0" err="1"/>
                         <a:t>datapoints</a:t>
                       </a:r>
                       <a:r>
-                        <a:rPr lang="de-DE" sz="2600" baseline="0" dirty="0" smtClean="0"/>
+                        <a:rPr lang="de-DE" sz="2600" baseline="0" dirty="0"/>
                         <a:t> (</a:t>
                       </a:r>
                       <a:r>
-                        <a:rPr lang="de-DE" sz="2600" baseline="0" dirty="0" err="1" smtClean="0"/>
+                        <a:rPr lang="de-DE" sz="2600" baseline="0" dirty="0" err="1"/>
                         <a:t>n</a:t>
                       </a:r>
                       <a:r>
-                        <a:rPr lang="de-DE" sz="2600" baseline="0" dirty="0" smtClean="0"/>
+                        <a:rPr lang="de-DE" sz="2600" baseline="0" dirty="0"/>
                         <a:t>)</a:t>
                       </a:r>
                       <a:endParaRPr lang="de-DE" sz="2600" dirty="0"/>
@@ -7900,35 +7786,35 @@
                     <a:p>
                       <a:pPr algn="ctr"/>
                       <a:r>
-                        <a:rPr lang="de-DE" sz="2600" dirty="0" err="1" smtClean="0"/>
+                        <a:rPr lang="de-DE" sz="2600" dirty="0" err="1"/>
                         <a:t>Fraction</a:t>
                       </a:r>
                       <a:r>
-                        <a:rPr lang="de-DE" sz="2600" baseline="0" dirty="0" smtClean="0"/>
+                        <a:rPr lang="de-DE" sz="2600" baseline="0" dirty="0"/>
                         <a:t> </a:t>
                       </a:r>
                       <a:r>
-                        <a:rPr lang="de-DE" sz="2600" baseline="0" dirty="0" err="1" smtClean="0"/>
+                        <a:rPr lang="de-DE" sz="2600" baseline="0" dirty="0" err="1"/>
                         <a:t>of</a:t>
                       </a:r>
                       <a:r>
-                        <a:rPr lang="de-DE" sz="2600" baseline="0" dirty="0" smtClean="0"/>
+                        <a:rPr lang="de-DE" sz="2600" baseline="0" dirty="0"/>
                         <a:t> </a:t>
                       </a:r>
                       <a:r>
-                        <a:rPr lang="de-DE" sz="2600" baseline="0" dirty="0" err="1" smtClean="0"/>
+                        <a:rPr lang="de-DE" sz="2600" baseline="0" dirty="0" err="1"/>
                         <a:t>missing</a:t>
                       </a:r>
                       <a:r>
-                        <a:rPr lang="de-DE" sz="2600" baseline="0" dirty="0" smtClean="0"/>
+                        <a:rPr lang="de-DE" sz="2600" baseline="0" dirty="0"/>
                         <a:t> </a:t>
                       </a:r>
                       <a:r>
-                        <a:rPr lang="de-DE" sz="2600" baseline="0" dirty="0" err="1" smtClean="0"/>
+                        <a:rPr lang="de-DE" sz="2600" baseline="0" dirty="0" err="1"/>
                         <a:t>values</a:t>
                       </a:r>
                       <a:r>
-                        <a:rPr lang="de-DE" sz="2600" baseline="0" dirty="0" smtClean="0"/>
+                        <a:rPr lang="de-DE" sz="2600" baseline="0" dirty="0"/>
                         <a:t> (p)</a:t>
                       </a:r>
                       <a:endParaRPr lang="de-DE" sz="2600" dirty="0"/>
@@ -7984,23 +7870,23 @@
                     <a:p>
                       <a:pPr algn="ctr"/>
                       <a:r>
-                        <a:rPr lang="de-DE" sz="2600" dirty="0" err="1" smtClean="0"/>
+                        <a:rPr lang="de-DE" sz="2600" dirty="0" err="1"/>
                         <a:t>Missing</a:t>
                       </a:r>
                       <a:r>
-                        <a:rPr lang="de-DE" sz="2600" dirty="0" smtClean="0"/>
+                        <a:rPr lang="de-DE" sz="2600" dirty="0"/>
                         <a:t> </a:t>
                       </a:r>
                       <a:r>
-                        <a:rPr lang="de-DE" sz="2600" dirty="0" err="1" smtClean="0"/>
+                        <a:rPr lang="de-DE" sz="2600" dirty="0" err="1"/>
                         <a:t>value</a:t>
                       </a:r>
                       <a:r>
-                        <a:rPr lang="de-DE" sz="2600" baseline="0" dirty="0" smtClean="0"/>
+                        <a:rPr lang="de-DE" sz="2600" baseline="0" dirty="0"/>
                         <a:t> </a:t>
                       </a:r>
                       <a:r>
-                        <a:rPr lang="de-DE" sz="2600" baseline="0" dirty="0" err="1" smtClean="0"/>
+                        <a:rPr lang="de-DE" sz="2600" baseline="0" dirty="0" err="1"/>
                         <a:t>pattern</a:t>
                       </a:r>
                       <a:endParaRPr lang="de-DE" sz="2600" dirty="0"/>
@@ -8049,6 +7935,11 @@
                     </a:lnBlToTr>
                   </a:tcPr>
                 </a:tc>
+                <a:extLst>
+                  <a:ext uri="{0D108BD9-81ED-4DB2-BD59-A6C34878D82A}">
+                    <a16:rowId xmlns:a16="http://schemas.microsoft.com/office/drawing/2014/main" val="10000"/>
+                  </a:ext>
+                </a:extLst>
               </a:tr>
               <a:tr h="628117">
                 <a:tc>
@@ -8058,10 +7949,9 @@
                     <a:p>
                       <a:pPr algn="ctr"/>
                       <a:r>
-                        <a:rPr lang="de-DE" sz="2600" dirty="0" smtClean="0"/>
+                        <a:rPr lang="de-DE" sz="2600" dirty="0"/>
                         <a:t>1</a:t>
                       </a:r>
-                      <a:endParaRPr lang="de-DE" sz="2600" dirty="0"/>
                     </a:p>
                   </a:txBody>
                   <a:tcPr>
@@ -8112,10 +8002,9 @@
                     <a:p>
                       <a:pPr algn="ctr"/>
                       <a:r>
-                        <a:rPr lang="de-DE" sz="2600" dirty="0" smtClean="0"/>
+                        <a:rPr lang="de-DE" sz="2600" dirty="0"/>
                         <a:t>50</a:t>
                       </a:r>
-                      <a:endParaRPr lang="de-DE" sz="2600" dirty="0"/>
                     </a:p>
                   </a:txBody>
                   <a:tcPr>
@@ -8166,10 +8055,9 @@
                     <a:p>
                       <a:pPr algn="ctr"/>
                       <a:r>
-                        <a:rPr lang="de-DE" sz="2600" dirty="0" smtClean="0"/>
+                        <a:rPr lang="de-DE" sz="2600" dirty="0"/>
                         <a:t>0.25</a:t>
                       </a:r>
-                      <a:endParaRPr lang="de-DE" sz="2600" dirty="0"/>
                     </a:p>
                   </a:txBody>
                   <a:tcPr>
@@ -8220,10 +8108,9 @@
                     <a:p>
                       <a:pPr algn="ctr"/>
                       <a:r>
-                        <a:rPr lang="de-DE" sz="2600" dirty="0" smtClean="0"/>
+                        <a:rPr lang="de-DE" sz="2600" dirty="0"/>
                         <a:t>MCAR</a:t>
                       </a:r>
-                      <a:endParaRPr lang="de-DE" sz="2600" dirty="0"/>
                     </a:p>
                   </a:txBody>
                   <a:tcPr>
@@ -8267,6 +8154,11 @@
                     </a:lnBlToTr>
                   </a:tcPr>
                 </a:tc>
+                <a:extLst>
+                  <a:ext uri="{0D108BD9-81ED-4DB2-BD59-A6C34878D82A}">
+                    <a16:rowId xmlns:a16="http://schemas.microsoft.com/office/drawing/2014/main" val="10001"/>
+                  </a:ext>
+                </a:extLst>
               </a:tr>
               <a:tr h="628117">
                 <a:tc>
@@ -8276,10 +8168,9 @@
                     <a:p>
                       <a:pPr algn="ctr"/>
                       <a:r>
-                        <a:rPr lang="de-DE" sz="2600" dirty="0" smtClean="0"/>
+                        <a:rPr lang="de-DE" sz="2600" dirty="0"/>
                         <a:t>2</a:t>
                       </a:r>
-                      <a:endParaRPr lang="de-DE" sz="2600" dirty="0"/>
                     </a:p>
                   </a:txBody>
                   <a:tcPr>
@@ -8328,10 +8219,9 @@
                     <a:p>
                       <a:pPr algn="ctr"/>
                       <a:r>
-                        <a:rPr lang="de-DE" sz="2600" dirty="0" smtClean="0"/>
+                        <a:rPr lang="de-DE" sz="2600" dirty="0"/>
                         <a:t>500</a:t>
                       </a:r>
-                      <a:endParaRPr lang="de-DE" sz="2600" dirty="0"/>
                     </a:p>
                   </a:txBody>
                   <a:tcPr>
@@ -8380,10 +8270,9 @@
                     <a:p>
                       <a:pPr algn="ctr"/>
                       <a:r>
-                        <a:rPr lang="de-DE" sz="2600" dirty="0" smtClean="0"/>
+                        <a:rPr lang="de-DE" sz="2600" dirty="0"/>
                         <a:t>0.25</a:t>
                       </a:r>
-                      <a:endParaRPr lang="de-DE" sz="2600" dirty="0"/>
                     </a:p>
                   </a:txBody>
                   <a:tcPr>
@@ -8432,10 +8321,9 @@
                     <a:p>
                       <a:pPr algn="ctr"/>
                       <a:r>
-                        <a:rPr lang="de-DE" sz="2600" dirty="0" smtClean="0"/>
+                        <a:rPr lang="de-DE" sz="2600" dirty="0"/>
                         <a:t>MCAR</a:t>
                       </a:r>
-                      <a:endParaRPr lang="de-DE" sz="2600" dirty="0"/>
                     </a:p>
                   </a:txBody>
                   <a:tcPr>
@@ -8477,6 +8365,11 @@
                     </a:lnBlToTr>
                   </a:tcPr>
                 </a:tc>
+                <a:extLst>
+                  <a:ext uri="{0D108BD9-81ED-4DB2-BD59-A6C34878D82A}">
+                    <a16:rowId xmlns:a16="http://schemas.microsoft.com/office/drawing/2014/main" val="10002"/>
+                  </a:ext>
+                </a:extLst>
               </a:tr>
               <a:tr h="628117">
                 <a:tc>
@@ -8486,10 +8379,9 @@
                     <a:p>
                       <a:pPr algn="ctr"/>
                       <a:r>
-                        <a:rPr lang="de-DE" sz="2600" dirty="0" smtClean="0"/>
+                        <a:rPr lang="de-DE" sz="2600" dirty="0"/>
                         <a:t>3</a:t>
                       </a:r>
-                      <a:endParaRPr lang="de-DE" sz="2600" dirty="0"/>
                     </a:p>
                   </a:txBody>
                   <a:tcPr>
@@ -8538,10 +8430,9 @@
                     <a:p>
                       <a:pPr algn="ctr"/>
                       <a:r>
-                        <a:rPr lang="de-DE" sz="2600" dirty="0" smtClean="0"/>
+                        <a:rPr lang="de-DE" sz="2600" dirty="0"/>
                         <a:t>50</a:t>
                       </a:r>
-                      <a:endParaRPr lang="de-DE" sz="2600" dirty="0"/>
                     </a:p>
                   </a:txBody>
                   <a:tcPr>
@@ -8590,10 +8481,9 @@
                     <a:p>
                       <a:pPr algn="ctr"/>
                       <a:r>
-                        <a:rPr lang="de-DE" sz="2600" dirty="0" smtClean="0"/>
+                        <a:rPr lang="de-DE" sz="2600" dirty="0"/>
                         <a:t>0.5</a:t>
                       </a:r>
-                      <a:endParaRPr lang="de-DE" sz="2600" dirty="0"/>
                     </a:p>
                   </a:txBody>
                   <a:tcPr>
@@ -8642,10 +8532,9 @@
                     <a:p>
                       <a:pPr algn="ctr"/>
                       <a:r>
-                        <a:rPr lang="de-DE" sz="2600" dirty="0" smtClean="0"/>
+                        <a:rPr lang="de-DE" sz="2600" dirty="0"/>
                         <a:t>MCAR</a:t>
                       </a:r>
-                      <a:endParaRPr lang="de-DE" sz="2600" dirty="0"/>
                     </a:p>
                   </a:txBody>
                   <a:tcPr>
@@ -8687,6 +8576,11 @@
                     </a:lnBlToTr>
                   </a:tcPr>
                 </a:tc>
+                <a:extLst>
+                  <a:ext uri="{0D108BD9-81ED-4DB2-BD59-A6C34878D82A}">
+                    <a16:rowId xmlns:a16="http://schemas.microsoft.com/office/drawing/2014/main" val="10003"/>
+                  </a:ext>
+                </a:extLst>
               </a:tr>
               <a:tr h="628117">
                 <a:tc>
@@ -8696,10 +8590,9 @@
                     <a:p>
                       <a:pPr algn="ctr"/>
                       <a:r>
-                        <a:rPr lang="de-DE" sz="2600" dirty="0" smtClean="0"/>
+                        <a:rPr lang="de-DE" sz="2600" dirty="0"/>
                         <a:t>4</a:t>
                       </a:r>
-                      <a:endParaRPr lang="de-DE" sz="2600" dirty="0"/>
                     </a:p>
                   </a:txBody>
                   <a:tcPr>
@@ -8748,10 +8641,9 @@
                     <a:p>
                       <a:pPr algn="ctr"/>
                       <a:r>
-                        <a:rPr lang="de-DE" sz="2600" dirty="0" smtClean="0"/>
+                        <a:rPr lang="de-DE" sz="2600" dirty="0"/>
                         <a:t>500</a:t>
                       </a:r>
-                      <a:endParaRPr lang="de-DE" sz="2600" dirty="0"/>
                     </a:p>
                   </a:txBody>
                   <a:tcPr>
@@ -8800,10 +8692,9 @@
                     <a:p>
                       <a:pPr algn="ctr"/>
                       <a:r>
-                        <a:rPr lang="de-DE" sz="2600" dirty="0" smtClean="0"/>
+                        <a:rPr lang="de-DE" sz="2600" dirty="0"/>
                         <a:t>0.5</a:t>
                       </a:r>
-                      <a:endParaRPr lang="de-DE" sz="2600" dirty="0"/>
                     </a:p>
                   </a:txBody>
                   <a:tcPr>
@@ -8852,10 +8743,9 @@
                     <a:p>
                       <a:pPr algn="ctr"/>
                       <a:r>
-                        <a:rPr lang="de-DE" sz="2600" dirty="0" smtClean="0"/>
+                        <a:rPr lang="de-DE" sz="2600" dirty="0"/>
                         <a:t>MCAR</a:t>
                       </a:r>
-                      <a:endParaRPr lang="de-DE" sz="2600" dirty="0"/>
                     </a:p>
                   </a:txBody>
                   <a:tcPr>
@@ -8897,6 +8787,11 @@
                     </a:lnBlToTr>
                   </a:tcPr>
                 </a:tc>
+                <a:extLst>
+                  <a:ext uri="{0D108BD9-81ED-4DB2-BD59-A6C34878D82A}">
+                    <a16:rowId xmlns:a16="http://schemas.microsoft.com/office/drawing/2014/main" val="10004"/>
+                  </a:ext>
+                </a:extLst>
               </a:tr>
               <a:tr h="628117">
                 <a:tc>
@@ -8906,10 +8801,9 @@
                     <a:p>
                       <a:pPr algn="ctr"/>
                       <a:r>
-                        <a:rPr lang="de-DE" sz="2600" dirty="0" smtClean="0"/>
+                        <a:rPr lang="de-DE" sz="2600" dirty="0"/>
                         <a:t>5</a:t>
                       </a:r>
-                      <a:endParaRPr lang="de-DE" sz="2600" dirty="0"/>
                     </a:p>
                   </a:txBody>
                   <a:tcPr>
@@ -8958,10 +8852,9 @@
                     <a:p>
                       <a:pPr algn="ctr"/>
                       <a:r>
-                        <a:rPr lang="de-DE" sz="2600" dirty="0" smtClean="0"/>
+                        <a:rPr lang="de-DE" sz="2600" dirty="0"/>
                         <a:t>50</a:t>
                       </a:r>
-                      <a:endParaRPr lang="de-DE" sz="2600" dirty="0"/>
                     </a:p>
                   </a:txBody>
                   <a:tcPr>
@@ -9010,10 +8903,9 @@
                     <a:p>
                       <a:pPr algn="ctr"/>
                       <a:r>
-                        <a:rPr lang="de-DE" sz="2600" dirty="0" smtClean="0"/>
+                        <a:rPr lang="de-DE" sz="2600" dirty="0"/>
                         <a:t>0.25</a:t>
                       </a:r>
-                      <a:endParaRPr lang="de-DE" sz="2600" dirty="0"/>
                     </a:p>
                   </a:txBody>
                   <a:tcPr>
@@ -9062,10 +8954,9 @@
                     <a:p>
                       <a:pPr algn="ctr"/>
                       <a:r>
-                        <a:rPr lang="de-DE" sz="2600" dirty="0" smtClean="0"/>
+                        <a:rPr lang="de-DE" sz="2600" dirty="0"/>
                         <a:t>MAR</a:t>
                       </a:r>
-                      <a:endParaRPr lang="de-DE" sz="2600" dirty="0"/>
                     </a:p>
                   </a:txBody>
                   <a:tcPr>
@@ -9107,6 +8998,11 @@
                     </a:lnBlToTr>
                   </a:tcPr>
                 </a:tc>
+                <a:extLst>
+                  <a:ext uri="{0D108BD9-81ED-4DB2-BD59-A6C34878D82A}">
+                    <a16:rowId xmlns:a16="http://schemas.microsoft.com/office/drawing/2014/main" val="10005"/>
+                  </a:ext>
+                </a:extLst>
               </a:tr>
               <a:tr h="628117">
                 <a:tc>
@@ -9116,10 +9012,9 @@
                     <a:p>
                       <a:pPr algn="ctr"/>
                       <a:r>
-                        <a:rPr lang="de-DE" sz="2600" dirty="0" smtClean="0"/>
+                        <a:rPr lang="de-DE" sz="2600" dirty="0"/>
                         <a:t>6</a:t>
                       </a:r>
-                      <a:endParaRPr lang="de-DE" sz="2600" dirty="0"/>
                     </a:p>
                   </a:txBody>
                   <a:tcPr>
@@ -9168,10 +9063,9 @@
                     <a:p>
                       <a:pPr algn="ctr"/>
                       <a:r>
-                        <a:rPr lang="de-DE" sz="2600" dirty="0" smtClean="0"/>
+                        <a:rPr lang="de-DE" sz="2600" dirty="0"/>
                         <a:t>500</a:t>
                       </a:r>
-                      <a:endParaRPr lang="de-DE" sz="2600" dirty="0"/>
                     </a:p>
                   </a:txBody>
                   <a:tcPr>
@@ -9220,10 +9114,9 @@
                     <a:p>
                       <a:pPr algn="ctr"/>
                       <a:r>
-                        <a:rPr lang="de-DE" sz="2600" dirty="0" smtClean="0"/>
+                        <a:rPr lang="de-DE" sz="2600" dirty="0"/>
                         <a:t>0.25</a:t>
                       </a:r>
-                      <a:endParaRPr lang="de-DE" sz="2600" dirty="0"/>
                     </a:p>
                   </a:txBody>
                   <a:tcPr>
@@ -9272,10 +9165,9 @@
                     <a:p>
                       <a:pPr algn="ctr"/>
                       <a:r>
-                        <a:rPr lang="de-DE" sz="2600" dirty="0" smtClean="0"/>
+                        <a:rPr lang="de-DE" sz="2600" dirty="0"/>
                         <a:t>MAR</a:t>
                       </a:r>
-                      <a:endParaRPr lang="de-DE" sz="2600" dirty="0"/>
                     </a:p>
                   </a:txBody>
                   <a:tcPr>
@@ -9317,6 +9209,11 @@
                     </a:lnBlToTr>
                   </a:tcPr>
                 </a:tc>
+                <a:extLst>
+                  <a:ext uri="{0D108BD9-81ED-4DB2-BD59-A6C34878D82A}">
+                    <a16:rowId xmlns:a16="http://schemas.microsoft.com/office/drawing/2014/main" val="10006"/>
+                  </a:ext>
+                </a:extLst>
               </a:tr>
               <a:tr h="628117">
                 <a:tc>
@@ -9326,10 +9223,9 @@
                     <a:p>
                       <a:pPr algn="ctr"/>
                       <a:r>
-                        <a:rPr lang="de-DE" sz="2600" dirty="0" smtClean="0"/>
+                        <a:rPr lang="de-DE" sz="2600" dirty="0"/>
                         <a:t>7</a:t>
                       </a:r>
-                      <a:endParaRPr lang="de-DE" sz="2600" dirty="0"/>
                     </a:p>
                   </a:txBody>
                   <a:tcPr>
@@ -9378,10 +9274,9 @@
                     <a:p>
                       <a:pPr algn="ctr"/>
                       <a:r>
-                        <a:rPr lang="de-DE" sz="2600" dirty="0" smtClean="0"/>
+                        <a:rPr lang="de-DE" sz="2600" dirty="0"/>
                         <a:t>50</a:t>
                       </a:r>
-                      <a:endParaRPr lang="de-DE" sz="2600" dirty="0"/>
                     </a:p>
                   </a:txBody>
                   <a:tcPr>
@@ -9430,10 +9325,9 @@
                     <a:p>
                       <a:pPr algn="ctr"/>
                       <a:r>
-                        <a:rPr lang="de-DE" sz="2600" dirty="0" smtClean="0"/>
+                        <a:rPr lang="de-DE" sz="2600" dirty="0"/>
                         <a:t>0.5</a:t>
                       </a:r>
-                      <a:endParaRPr lang="de-DE" sz="2600" dirty="0"/>
                     </a:p>
                   </a:txBody>
                   <a:tcPr>
@@ -9482,10 +9376,9 @@
                     <a:p>
                       <a:pPr algn="ctr"/>
                       <a:r>
-                        <a:rPr lang="de-DE" sz="2600" dirty="0" smtClean="0"/>
+                        <a:rPr lang="de-DE" sz="2600" dirty="0"/>
                         <a:t>MAR</a:t>
                       </a:r>
-                      <a:endParaRPr lang="de-DE" sz="2600" dirty="0"/>
                     </a:p>
                   </a:txBody>
                   <a:tcPr>
@@ -9527,6 +9420,11 @@
                     </a:lnBlToTr>
                   </a:tcPr>
                 </a:tc>
+                <a:extLst>
+                  <a:ext uri="{0D108BD9-81ED-4DB2-BD59-A6C34878D82A}">
+                    <a16:rowId xmlns:a16="http://schemas.microsoft.com/office/drawing/2014/main" val="10007"/>
+                  </a:ext>
+                </a:extLst>
               </a:tr>
               <a:tr h="628117">
                 <a:tc>
@@ -9536,10 +9434,9 @@
                     <a:p>
                       <a:pPr algn="ctr"/>
                       <a:r>
-                        <a:rPr lang="de-DE" sz="2600" dirty="0" smtClean="0"/>
+                        <a:rPr lang="de-DE" sz="2600" dirty="0"/>
                         <a:t>8</a:t>
                       </a:r>
-                      <a:endParaRPr lang="de-DE" sz="2600" dirty="0"/>
                     </a:p>
                   </a:txBody>
                   <a:tcPr>
@@ -9588,10 +9485,9 @@
                     <a:p>
                       <a:pPr algn="ctr"/>
                       <a:r>
-                        <a:rPr lang="de-DE" sz="2600" dirty="0" smtClean="0"/>
+                        <a:rPr lang="de-DE" sz="2600" dirty="0"/>
                         <a:t>500</a:t>
                       </a:r>
-                      <a:endParaRPr lang="de-DE" sz="2600" dirty="0"/>
                     </a:p>
                   </a:txBody>
                   <a:tcPr>
@@ -9640,10 +9536,9 @@
                     <a:p>
                       <a:pPr algn="ctr"/>
                       <a:r>
-                        <a:rPr lang="de-DE" sz="2600" dirty="0" smtClean="0"/>
+                        <a:rPr lang="de-DE" sz="2600" dirty="0"/>
                         <a:t>0.5</a:t>
                       </a:r>
-                      <a:endParaRPr lang="de-DE" sz="2600" dirty="0"/>
                     </a:p>
                   </a:txBody>
                   <a:tcPr>
@@ -9692,10 +9587,9 @@
                     <a:p>
                       <a:pPr algn="ctr"/>
                       <a:r>
-                        <a:rPr lang="de-DE" sz="2600" dirty="0" smtClean="0"/>
+                        <a:rPr lang="de-DE" sz="2600" dirty="0"/>
                         <a:t>MAR</a:t>
                       </a:r>
-                      <a:endParaRPr lang="de-DE" sz="2600" dirty="0"/>
                     </a:p>
                   </a:txBody>
                   <a:tcPr>
@@ -9737,6 +9631,11 @@
                     </a:lnBlToTr>
                   </a:tcPr>
                 </a:tc>
+                <a:extLst>
+                  <a:ext uri="{0D108BD9-81ED-4DB2-BD59-A6C34878D82A}">
+                    <a16:rowId xmlns:a16="http://schemas.microsoft.com/office/drawing/2014/main" val="10008"/>
+                  </a:ext>
+                </a:extLst>
               </a:tr>
             </a:tbl>
           </a:graphicData>
@@ -9752,13 +9651,6 @@
   <p:clrMapOvr>
     <a:masterClrMapping/>
   </p:clrMapOvr>
-  <p:timing>
-    <p:tnLst>
-      <p:par>
-        <p:cTn id="1" dur="indefinite" restart="never" nodeType="tmRoot"/>
-      </p:par>
-    </p:tnLst>
-  </p:timing>
 </p:sld>
 </file>
 

--- a/poster/poster_template.pptx
+++ b/poster/poster_template.pptx
@@ -106,7 +106,7 @@
   </p:defaultTextStyle>
   <p:extLst>
     <p:ext uri="{EFAFB233-063F-42B5-8137-9DF3F51BA10A}">
-      <p15:sldGuideLst xmlns:p15="http://schemas.microsoft.com/office/powerpoint/2012/main">
+      <p15:sldGuideLst xmlns="" xmlns:p15="http://schemas.microsoft.com/office/powerpoint/2012/main">
         <p15:guide id="1" orient="horz" pos="9536" userDrawn="1">
           <p15:clr>
             <a:srgbClr val="A4A3A4"/>
@@ -316,7 +316,7 @@
           <a:p>
             <a:fld id="{0B7A2DEA-69B7-D343-870B-04A176525892}" type="datetimeFigureOut">
               <a:rPr lang="de-DE" smtClean="0"/>
-              <a:t>23.01.2018</a:t>
+              <a:t>26.01.2018</a:t>
             </a:fld>
             <a:endParaRPr lang="en-US"/>
           </a:p>
@@ -358,7 +358,7 @@
           <a:p>
             <a:fld id="{ECCF8E15-CB41-DD4C-B915-60DE08A81F34}" type="slidenum">
               <a:rPr lang="en-US" smtClean="0"/>
-              <a:t>‹#›</a:t>
+              <a:t>‹Nr.›</a:t>
             </a:fld>
             <a:endParaRPr lang="en-US"/>
           </a:p>
@@ -486,7 +486,7 @@
           <a:p>
             <a:fld id="{0B7A2DEA-69B7-D343-870B-04A176525892}" type="datetimeFigureOut">
               <a:rPr lang="de-DE" smtClean="0"/>
-              <a:t>23.01.2018</a:t>
+              <a:t>26.01.2018</a:t>
             </a:fld>
             <a:endParaRPr lang="en-US"/>
           </a:p>
@@ -528,7 +528,7 @@
           <a:p>
             <a:fld id="{ECCF8E15-CB41-DD4C-B915-60DE08A81F34}" type="slidenum">
               <a:rPr lang="en-US" smtClean="0"/>
-              <a:t>‹#›</a:t>
+              <a:t>‹Nr.›</a:t>
             </a:fld>
             <a:endParaRPr lang="en-US"/>
           </a:p>
@@ -666,7 +666,7 @@
           <a:p>
             <a:fld id="{0B7A2DEA-69B7-D343-870B-04A176525892}" type="datetimeFigureOut">
               <a:rPr lang="de-DE" smtClean="0"/>
-              <a:t>23.01.2018</a:t>
+              <a:t>26.01.2018</a:t>
             </a:fld>
             <a:endParaRPr lang="en-US"/>
           </a:p>
@@ -708,7 +708,7 @@
           <a:p>
             <a:fld id="{ECCF8E15-CB41-DD4C-B915-60DE08A81F34}" type="slidenum">
               <a:rPr lang="en-US" smtClean="0"/>
-              <a:t>‹#›</a:t>
+              <a:t>‹Nr.›</a:t>
             </a:fld>
             <a:endParaRPr lang="en-US"/>
           </a:p>
@@ -836,7 +836,7 @@
           <a:p>
             <a:fld id="{0B7A2DEA-69B7-D343-870B-04A176525892}" type="datetimeFigureOut">
               <a:rPr lang="de-DE" smtClean="0"/>
-              <a:t>23.01.2018</a:t>
+              <a:t>26.01.2018</a:t>
             </a:fld>
             <a:endParaRPr lang="en-US"/>
           </a:p>
@@ -878,7 +878,7 @@
           <a:p>
             <a:fld id="{ECCF8E15-CB41-DD4C-B915-60DE08A81F34}" type="slidenum">
               <a:rPr lang="en-US" smtClean="0"/>
-              <a:t>‹#›</a:t>
+              <a:t>‹Nr.›</a:t>
             </a:fld>
             <a:endParaRPr lang="en-US"/>
           </a:p>
@@ -1082,7 +1082,7 @@
           <a:p>
             <a:fld id="{0B7A2DEA-69B7-D343-870B-04A176525892}" type="datetimeFigureOut">
               <a:rPr lang="de-DE" smtClean="0"/>
-              <a:t>23.01.2018</a:t>
+              <a:t>26.01.2018</a:t>
             </a:fld>
             <a:endParaRPr lang="en-US"/>
           </a:p>
@@ -1124,7 +1124,7 @@
           <a:p>
             <a:fld id="{ECCF8E15-CB41-DD4C-B915-60DE08A81F34}" type="slidenum">
               <a:rPr lang="en-US" smtClean="0"/>
-              <a:t>‹#›</a:t>
+              <a:t>‹Nr.›</a:t>
             </a:fld>
             <a:endParaRPr lang="en-US"/>
           </a:p>
@@ -1370,7 +1370,7 @@
           <a:p>
             <a:fld id="{0B7A2DEA-69B7-D343-870B-04A176525892}" type="datetimeFigureOut">
               <a:rPr lang="de-DE" smtClean="0"/>
-              <a:t>23.01.2018</a:t>
+              <a:t>26.01.2018</a:t>
             </a:fld>
             <a:endParaRPr lang="en-US"/>
           </a:p>
@@ -1412,7 +1412,7 @@
           <a:p>
             <a:fld id="{ECCF8E15-CB41-DD4C-B915-60DE08A81F34}" type="slidenum">
               <a:rPr lang="en-US" smtClean="0"/>
-              <a:t>‹#›</a:t>
+              <a:t>‹Nr.›</a:t>
             </a:fld>
             <a:endParaRPr lang="en-US"/>
           </a:p>
@@ -1797,7 +1797,7 @@
           <a:p>
             <a:fld id="{0B7A2DEA-69B7-D343-870B-04A176525892}" type="datetimeFigureOut">
               <a:rPr lang="de-DE" smtClean="0"/>
-              <a:t>23.01.2018</a:t>
+              <a:t>26.01.2018</a:t>
             </a:fld>
             <a:endParaRPr lang="en-US"/>
           </a:p>
@@ -1839,7 +1839,7 @@
           <a:p>
             <a:fld id="{ECCF8E15-CB41-DD4C-B915-60DE08A81F34}" type="slidenum">
               <a:rPr lang="en-US" smtClean="0"/>
-              <a:t>‹#›</a:t>
+              <a:t>‹Nr.›</a:t>
             </a:fld>
             <a:endParaRPr lang="en-US"/>
           </a:p>
@@ -1915,7 +1915,7 @@
           <a:p>
             <a:fld id="{0B7A2DEA-69B7-D343-870B-04A176525892}" type="datetimeFigureOut">
               <a:rPr lang="de-DE" smtClean="0"/>
-              <a:t>23.01.2018</a:t>
+              <a:t>26.01.2018</a:t>
             </a:fld>
             <a:endParaRPr lang="en-US"/>
           </a:p>
@@ -1957,7 +1957,7 @@
           <a:p>
             <a:fld id="{ECCF8E15-CB41-DD4C-B915-60DE08A81F34}" type="slidenum">
               <a:rPr lang="en-US" smtClean="0"/>
-              <a:t>‹#›</a:t>
+              <a:t>‹Nr.›</a:t>
             </a:fld>
             <a:endParaRPr lang="en-US"/>
           </a:p>
@@ -2010,7 +2010,7 @@
           <a:p>
             <a:fld id="{0B7A2DEA-69B7-D343-870B-04A176525892}" type="datetimeFigureOut">
               <a:rPr lang="de-DE" smtClean="0"/>
-              <a:t>23.01.2018</a:t>
+              <a:t>26.01.2018</a:t>
             </a:fld>
             <a:endParaRPr lang="en-US"/>
           </a:p>
@@ -2052,7 +2052,7 @@
           <a:p>
             <a:fld id="{ECCF8E15-CB41-DD4C-B915-60DE08A81F34}" type="slidenum">
               <a:rPr lang="en-US" smtClean="0"/>
-              <a:t>‹#›</a:t>
+              <a:t>‹Nr.›</a:t>
             </a:fld>
             <a:endParaRPr lang="en-US"/>
           </a:p>
@@ -2287,7 +2287,7 @@
           <a:p>
             <a:fld id="{0B7A2DEA-69B7-D343-870B-04A176525892}" type="datetimeFigureOut">
               <a:rPr lang="de-DE" smtClean="0"/>
-              <a:t>23.01.2018</a:t>
+              <a:t>26.01.2018</a:t>
             </a:fld>
             <a:endParaRPr lang="en-US"/>
           </a:p>
@@ -2329,7 +2329,7 @@
           <a:p>
             <a:fld id="{ECCF8E15-CB41-DD4C-B915-60DE08A81F34}" type="slidenum">
               <a:rPr lang="en-US" smtClean="0"/>
-              <a:t>‹#›</a:t>
+              <a:t>‹Nr.›</a:t>
             </a:fld>
             <a:endParaRPr lang="en-US"/>
           </a:p>
@@ -2540,7 +2540,7 @@
           <a:p>
             <a:fld id="{0B7A2DEA-69B7-D343-870B-04A176525892}" type="datetimeFigureOut">
               <a:rPr lang="de-DE" smtClean="0"/>
-              <a:t>23.01.2018</a:t>
+              <a:t>26.01.2018</a:t>
             </a:fld>
             <a:endParaRPr lang="en-US"/>
           </a:p>
@@ -2582,7 +2582,7 @@
           <a:p>
             <a:fld id="{ECCF8E15-CB41-DD4C-B915-60DE08A81F34}" type="slidenum">
               <a:rPr lang="en-US" smtClean="0"/>
-              <a:t>‹#›</a:t>
+              <a:t>‹Nr.›</a:t>
             </a:fld>
             <a:endParaRPr lang="en-US"/>
           </a:p>
@@ -2753,7 +2753,7 @@
           <a:p>
             <a:fld id="{0B7A2DEA-69B7-D343-870B-04A176525892}" type="datetimeFigureOut">
               <a:rPr lang="de-DE" smtClean="0"/>
-              <a:t>23.01.2018</a:t>
+              <a:t>26.01.2018</a:t>
             </a:fld>
             <a:endParaRPr lang="en-US"/>
           </a:p>
@@ -2831,7 +2831,7 @@
           <a:p>
             <a:fld id="{ECCF8E15-CB41-DD4C-B915-60DE08A81F34}" type="slidenum">
               <a:rPr lang="en-US" smtClean="0"/>
-              <a:t>‹#›</a:t>
+              <a:t>‹Nr.›</a:t>
             </a:fld>
             <a:endParaRPr lang="en-US"/>
           </a:p>
@@ -3918,7 +3918,7 @@
         </p:nvSpPr>
         <p:spPr bwMode="auto">
           <a:xfrm>
-            <a:off x="11532520" y="15332641"/>
+            <a:off x="11520559" y="20838091"/>
             <a:ext cx="9344944" cy="869557"/>
           </a:xfrm>
           <a:prstGeom prst="rect">
@@ -4132,7 +4132,7 @@
         </p:nvSpPr>
         <p:spPr>
           <a:xfrm>
-            <a:off x="11532518" y="15298038"/>
+            <a:off x="11520557" y="20803488"/>
             <a:ext cx="9344945" cy="13010262"/>
           </a:xfrm>
           <a:prstGeom prst="rect">
@@ -4289,7 +4289,7 @@
         </p:nvSpPr>
         <p:spPr>
           <a:xfrm>
-            <a:off x="11532519" y="15427892"/>
+            <a:off x="11520558" y="20933342"/>
             <a:ext cx="9473359" cy="636649"/>
           </a:xfrm>
           <a:prstGeom prst="rect">
@@ -4404,7 +4404,7 @@
             </a:pPr>
             <a:r>
               <a:rPr lang="en-GB" sz="3200" dirty="0"/>
-              <a:t>Expectation-Maximization (EM) is one of the most popular tools to obtain Maximum Likelihood (ML) estimates in incomplete data problems</a:t>
+              <a:t>Expectation-Maximization (EM) is one of the most popular tools to obtain Maximum Likelihood estimates (ML) in incomplete data problems</a:t>
             </a:r>
           </a:p>
           <a:p>
@@ -4429,8 +4429,12 @@
               <a:buChar char="•"/>
             </a:pPr>
             <a:r>
+              <a:rPr lang="en-GB" sz="3200" dirty="0" smtClean="0"/>
+              <a:t>Such matrix </a:t>
+            </a:r>
+            <a:r>
               <a:rPr lang="en-GB" sz="3200" dirty="0"/>
-              <a:t>This matrix is needed for asymptotically valid inference</a:t>
+              <a:t>is needed for asymptotically valid inference</a:t>
             </a:r>
           </a:p>
           <a:p>
@@ -4443,7 +4447,15 @@
             </a:pPr>
             <a:r>
               <a:rPr lang="en-GB" sz="3200" dirty="0"/>
-              <a:t>Existing approaches not computationally problematic and not generically applicable</a:t>
+              <a:t>Existing approaches </a:t>
+            </a:r>
+            <a:r>
+              <a:rPr lang="en-GB" sz="3200" dirty="0" smtClean="0"/>
+              <a:t>computationally </a:t>
+            </a:r>
+            <a:r>
+              <a:rPr lang="en-GB" sz="3200" dirty="0"/>
+              <a:t>problematic and not generically applicable</a:t>
             </a:r>
           </a:p>
           <a:p>
@@ -4468,8 +4480,8 @@
             </p:nvSpPr>
             <p:spPr>
               <a:xfrm>
-                <a:off x="1366939" y="16140288"/>
-                <a:ext cx="9344944" cy="10011972"/>
+                <a:off x="1388401" y="16202198"/>
+                <a:ext cx="9190257" cy="9575635"/>
               </a:xfrm>
               <a:prstGeom prst="rect">
                 <a:avLst/>
@@ -4489,18 +4501,8 @@
                   <a:buFont typeface="Arial" pitchFamily="34" charset="0"/>
                   <a:buChar char="•"/>
                 </a:pPr>
-                <a:endParaRPr lang="en-GB" sz="3200" b="1" dirty="0"/>
-              </a:p>
-              <a:p>
-                <a:pPr marL="285750" indent="-285750">
-                  <a:spcAft>
-                    <a:spcPts val="1200"/>
-                  </a:spcAft>
-                  <a:buFont typeface="Arial" pitchFamily="34" charset="0"/>
-                  <a:buChar char="•"/>
-                </a:pPr>
-                <a:r>
-                  <a:rPr lang="en-GB" sz="3200" b="1" dirty="0"/>
+                <a:r>
+                  <a:rPr lang="en-GB" sz="3200" b="1" dirty="0" smtClean="0"/>
                   <a:t>UNTIL </a:t>
                 </a:r>
                 <a14:m>
@@ -4524,7 +4526,11 @@
                 </a14:m>
                 <a:r>
                   <a:rPr lang="en-GB" sz="3200" b="1" dirty="0"/>
-                  <a:t> &gt; </a:t>
+                  <a:t> </a:t>
+                </a:r>
+                <a:r>
+                  <a:rPr lang="en-GB" sz="3200" b="1" dirty="0" smtClean="0"/>
+                  <a:t>&lt; </a:t>
                 </a:r>
                 <a14:m>
                   <m:oMath xmlns:m="http://schemas.openxmlformats.org/officeDocument/2006/math">
@@ -4544,27 +4550,33 @@
                 </a:r>
               </a:p>
               <a:p>
-                <a:pPr marL="285750" indent="-285750">
-                  <a:spcAft>
-                    <a:spcPts val="1200"/>
-                  </a:spcAft>
-                  <a:buFont typeface="Arial" pitchFamily="34" charset="0"/>
-                  <a:buChar char="•"/>
-                </a:pPr>
-                <a:r>
-                  <a:rPr lang="en-GB" sz="3200" b="1" dirty="0"/>
-                  <a:t>E-step:</a:t>
-                </a:r>
-              </a:p>
-              <a:p>
-                <a:pPr>
+                <a:pPr lvl="1">
                   <a:spcAft>
                     <a:spcPts val="1200"/>
                   </a:spcAft>
                 </a:pPr>
                 <a:r>
+                  <a:rPr lang="en-GB" sz="3200" b="1" dirty="0"/>
+                  <a:t>E-step:</a:t>
+                </a:r>
+              </a:p>
+              <a:p>
+                <a:pPr lvl="1">
+                  <a:spcAft>
+                    <a:spcPts val="1200"/>
+                  </a:spcAft>
+                </a:pPr>
+                <a:r>
+                  <a:rPr lang="en-GB" sz="3200" dirty="0" smtClean="0"/>
+                  <a:t>Find </a:t>
+                </a:r>
+                <a:r>
                   <a:rPr lang="en-GB" sz="3200" dirty="0"/>
-                  <a:t>	Find expected complete-data log-likelihood if </a:t>
+                  <a:t>expected complete-data log-likelihood </a:t>
+                </a:r>
+                <a:r>
+                  <a:rPr lang="en-GB" sz="3200" dirty="0" smtClean="0"/>
+                  <a:t>and treat </a:t>
                 </a:r>
                 <a14:m>
                   <m:oMath xmlns:m="http://schemas.openxmlformats.org/officeDocument/2006/math">
@@ -4572,7 +4584,7 @@
                       <m:sSupPr>
                         <m:ctrlPr>
                           <a:rPr lang="de-DE" sz="3200" i="1">
-                            <a:latin typeface="Cambria Math" panose="02040503050406030204" pitchFamily="18" charset="0"/>
+                            <a:latin typeface="Cambria Math"/>
                             <a:ea typeface="Cambria Math"/>
                           </a:rPr>
                         </m:ctrlPr>
@@ -4614,7 +4626,15 @@
                 </a14:m>
                 <a:r>
                   <a:rPr lang="en-GB" sz="3200" dirty="0"/>
-                  <a:t> 	were the true parameter </a:t>
+                  <a:t> </a:t>
+                </a:r>
+                <a:r>
+                  <a:rPr lang="en-GB" sz="3200" dirty="0" smtClean="0"/>
+                  <a:t>as the </a:t>
+                </a:r>
+                <a:r>
+                  <a:rPr lang="en-GB" sz="3200" dirty="0"/>
+                  <a:t>true parameter </a:t>
                 </a:r>
                 <a14:m>
                   <m:oMath xmlns:m="http://schemas.openxmlformats.org/officeDocument/2006/math">
@@ -4633,7 +4653,7 @@
                 </a:endParaRPr>
               </a:p>
               <a:p>
-                <a:pPr>
+                <a:pPr lvl="1">
                   <a:spcAft>
                     <a:spcPts val="1200"/>
                   </a:spcAft>
@@ -4654,7 +4674,7 @@
                         <m:dPr>
                           <m:ctrlPr>
                             <a:rPr lang="de-DE" sz="3200" b="0" i="1" smtClean="0">
-                              <a:latin typeface="Cambria Math" panose="02040503050406030204" pitchFamily="18" charset="0"/>
+                              <a:latin typeface="Cambria Math"/>
                             </a:rPr>
                           </m:ctrlPr>
                         </m:dPr>
@@ -4672,7 +4692,7 @@
                             <m:sSupPr>
                               <m:ctrlPr>
                                 <a:rPr lang="de-DE" sz="3200" i="1" smtClean="0">
-                                  <a:latin typeface="Cambria Math" panose="02040503050406030204" pitchFamily="18" charset="0"/>
+                                  <a:latin typeface="Cambria Math"/>
                                   <a:ea typeface="Cambria Math"/>
                                 </a:rPr>
                               </m:ctrlPr>
@@ -4723,7 +4743,7 @@
                         <m:sSubPr>
                           <m:ctrlPr>
                             <a:rPr lang="de-DE" sz="3200" b="0" i="1" smtClean="0">
-                              <a:latin typeface="Cambria Math" panose="02040503050406030204" pitchFamily="18" charset="0"/>
+                              <a:latin typeface="Cambria Math"/>
                               <a:ea typeface="Cambria Math"/>
                             </a:rPr>
                           </m:ctrlPr>
@@ -4742,7 +4762,7 @@
                             <m:sSubPr>
                               <m:ctrlPr>
                                 <a:rPr lang="de-DE" sz="3200" b="0" i="1" smtClean="0">
-                                  <a:latin typeface="Cambria Math" panose="02040503050406030204" pitchFamily="18" charset="0"/>
+                                  <a:latin typeface="Cambria Math"/>
                                   <a:ea typeface="Cambria Math"/>
                                 </a:rPr>
                               </m:ctrlPr>
@@ -4777,7 +4797,7 @@
                             <m:sSubPr>
                               <m:ctrlPr>
                                 <a:rPr lang="de-DE" sz="3200" b="0" i="1" smtClean="0">
-                                  <a:latin typeface="Cambria Math" panose="02040503050406030204" pitchFamily="18" charset="0"/>
+                                  <a:latin typeface="Cambria Math"/>
                                   <a:ea typeface="Cambria Math"/>
                                 </a:rPr>
                               </m:ctrlPr>
@@ -4812,7 +4832,7 @@
                             <m:sSupPr>
                               <m:ctrlPr>
                                 <a:rPr lang="de-DE" sz="3200" b="0" i="1" smtClean="0">
-                                  <a:latin typeface="Cambria Math" panose="02040503050406030204" pitchFamily="18" charset="0"/>
+                                  <a:latin typeface="Cambria Math"/>
                                   <a:ea typeface="Cambria Math"/>
                                 </a:rPr>
                               </m:ctrlPr>
@@ -4891,7 +4911,7 @@
                         <m:sSubPr>
                           <m:ctrlPr>
                             <a:rPr lang="de-DE" sz="3200" b="0" i="1" smtClean="0">
-                              <a:latin typeface="Cambria Math" panose="02040503050406030204" pitchFamily="18" charset="0"/>
+                              <a:latin typeface="Cambria Math"/>
                               <a:ea typeface="Cambria Math"/>
                             </a:rPr>
                           </m:ctrlPr>
@@ -4926,7 +4946,7 @@
                         <m:sSubPr>
                           <m:ctrlPr>
                             <a:rPr lang="de-DE" sz="3200" b="0" i="1" smtClean="0">
-                              <a:latin typeface="Cambria Math" panose="02040503050406030204" pitchFamily="18" charset="0"/>
+                              <a:latin typeface="Cambria Math"/>
                               <a:ea typeface="Cambria Math"/>
                             </a:rPr>
                           </m:ctrlPr>
@@ -4963,26 +4983,18 @@
                 <a:endParaRPr lang="en-GB" sz="3200" dirty="0"/>
               </a:p>
               <a:p>
-                <a:pPr marL="285750" indent="-285750">
+                <a:pPr lvl="1">
                   <a:spcAft>
                     <a:spcPts val="1200"/>
                   </a:spcAft>
-                  <a:buFont typeface="Arial" pitchFamily="34" charset="0"/>
-                  <a:buChar char="•"/>
                 </a:pPr>
-                <a:endParaRPr lang="en-GB" sz="3200" dirty="0"/>
-              </a:p>
-              <a:p>
-                <a:pPr marL="285750" indent="-285750">
-                  <a:spcAft>
-                    <a:spcPts val="1200"/>
-                  </a:spcAft>
-                  <a:buFont typeface="Arial" pitchFamily="34" charset="0"/>
-                  <a:buChar char="•"/>
-                </a:pPr>
+                <a:r>
+                  <a:rPr lang="en-GB" sz="3200" b="1" dirty="0" smtClean="0"/>
+                  <a:t>M-step</a:t>
+                </a:r>
                 <a:r>
                   <a:rPr lang="en-GB" sz="3200" b="1" dirty="0"/>
-                  <a:t>M-step: </a:t>
+                  <a:t>: </a:t>
                 </a:r>
               </a:p>
               <a:p>
@@ -5005,7 +5017,7 @@
                       <m:sSupPr>
                         <m:ctrlPr>
                           <a:rPr lang="de-DE" sz="3200" i="1">
-                            <a:latin typeface="Cambria Math" panose="02040503050406030204" pitchFamily="18" charset="0"/>
+                            <a:latin typeface="Cambria Math"/>
                             <a:ea typeface="Cambria Math"/>
                           </a:rPr>
                         </m:ctrlPr>
@@ -5047,8 +5059,13 @@
                 </a14:m>
                 <a:r>
                   <a:rPr lang="en-GB" sz="3200" dirty="0"/>
-                  <a:t> by the value that maximizes the 				expected log-likelihood</a:t>
-                </a:r>
+                  <a:t> by the value that maximizes the 	</a:t>
+                </a:r>
+                <a:r>
+                  <a:rPr lang="en-GB" sz="3200" dirty="0" smtClean="0"/>
+                  <a:t>expected log-likelihood from the E-step</a:t>
+                </a:r>
+                <a:endParaRPr lang="en-GB" sz="3200" dirty="0"/>
               </a:p>
               <a:p>
                 <a:pPr>
@@ -5067,9 +5084,9 @@
                         <m:ctrlPr>
                           <a:rPr lang="de-DE" sz="3200" i="1" smtClean="0">
                             <a:solidFill>
-                              <a:srgbClr val="FF0000"/>
+                              <a:schemeClr val="tx1"/>
                             </a:solidFill>
-                            <a:latin typeface="Cambria Math" panose="02040503050406030204" pitchFamily="18" charset="0"/>
+                            <a:latin typeface="Cambria Math"/>
                           </a:rPr>
                         </m:ctrlPr>
                       </m:funcPr>
@@ -5079,9 +5096,9 @@
                             <m:ctrlPr>
                               <a:rPr lang="de-DE" sz="3200" i="1">
                                 <a:solidFill>
-                                  <a:srgbClr val="FF0000"/>
+                                  <a:schemeClr val="tx1"/>
                                 </a:solidFill>
-                                <a:latin typeface="Cambria Math" panose="02040503050406030204" pitchFamily="18" charset="0"/>
+                                <a:latin typeface="Cambria Math"/>
                               </a:rPr>
                             </m:ctrlPr>
                           </m:sSupPr>
@@ -5089,7 +5106,7 @@
                             <m:r>
                               <a:rPr lang="de-DE" sz="3200" i="1">
                                 <a:solidFill>
-                                  <a:srgbClr val="FF0000"/>
+                                  <a:schemeClr val="tx1"/>
                                 </a:solidFill>
                                 <a:latin typeface="Cambria Math"/>
                                 <a:ea typeface="Cambria Math"/>
@@ -5101,7 +5118,7 @@
                             <m:r>
                               <a:rPr lang="de-DE" sz="3200" i="1">
                                 <a:solidFill>
-                                  <a:srgbClr val="FF0000"/>
+                                  <a:schemeClr val="tx1"/>
                                 </a:solidFill>
                                 <a:latin typeface="Cambria Math"/>
                               </a:rPr>
@@ -5110,7 +5127,7 @@
                             <m:r>
                               <a:rPr lang="de-DE" sz="3200" i="1">
                                 <a:solidFill>
-                                  <a:srgbClr val="FF0000"/>
+                                  <a:schemeClr val="tx1"/>
                                 </a:solidFill>
                                 <a:latin typeface="Cambria Math"/>
                               </a:rPr>
@@ -5119,7 +5136,7 @@
                             <m:r>
                               <a:rPr lang="de-DE" sz="3200" i="1">
                                 <a:solidFill>
-                                  <a:srgbClr val="FF0000"/>
+                                  <a:schemeClr val="tx1"/>
                                 </a:solidFill>
                                 <a:latin typeface="Cambria Math"/>
                               </a:rPr>
@@ -5130,7 +5147,7 @@
                         <m:r>
                           <a:rPr lang="de-DE" sz="3200" i="1">
                             <a:solidFill>
-                              <a:srgbClr val="FF0000"/>
+                              <a:schemeClr val="tx1"/>
                             </a:solidFill>
                             <a:latin typeface="Cambria Math"/>
                           </a:rPr>
@@ -5138,56 +5155,95 @@
                         </m:r>
                       </m:fName>
                       <m:e>
-                        <m:r>
-                          <a:rPr lang="de-DE" sz="3200" i="1">
-                            <a:solidFill>
-                              <a:srgbClr val="FF0000"/>
-                            </a:solidFill>
-                            <a:latin typeface="Cambria Math"/>
-                          </a:rPr>
-                          <m:t>𝑄</m:t>
-                        </m:r>
-                        <m:d>
-                          <m:dPr>
+                        <m:func>
+                          <m:funcPr>
                             <m:ctrlPr>
-                              <a:rPr lang="de-DE" sz="3200" i="1">
+                              <a:rPr lang="de-DE" sz="3200" i="1" smtClean="0">
                                 <a:solidFill>
-                                  <a:srgbClr val="FF0000"/>
+                                  <a:schemeClr val="tx1"/>
                                 </a:solidFill>
-                                <a:latin typeface="Cambria Math" panose="02040503050406030204" pitchFamily="18" charset="0"/>
+                                <a:latin typeface="Cambria Math"/>
                               </a:rPr>
                             </m:ctrlPr>
-                          </m:dPr>
+                          </m:funcPr>
+                          <m:fName>
+                            <m:limLow>
+                              <m:limLowPr>
+                                <m:ctrlPr>
+                                  <a:rPr lang="de-DE" sz="3200" i="1" smtClean="0">
+                                    <a:solidFill>
+                                      <a:schemeClr val="tx1"/>
+                                    </a:solidFill>
+                                    <a:latin typeface="Cambria Math"/>
+                                  </a:rPr>
+                                </m:ctrlPr>
+                              </m:limLowPr>
+                              <m:e>
+                                <m:r>
+                                  <m:rPr>
+                                    <m:sty m:val="p"/>
+                                  </m:rPr>
+                                  <a:rPr lang="de-DE" sz="3200" b="0" i="0" smtClean="0">
+                                    <a:solidFill>
+                                      <a:schemeClr val="tx1"/>
+                                    </a:solidFill>
+                                    <a:latin typeface="Cambria Math"/>
+                                  </a:rPr>
+                                  <m:t>arg</m:t>
+                                </m:r>
+                                <m:r>
+                                  <m:rPr>
+                                    <m:sty m:val="p"/>
+                                  </m:rPr>
+                                  <a:rPr lang="de-DE" sz="3200" i="0" smtClean="0">
+                                    <a:solidFill>
+                                      <a:schemeClr val="tx1"/>
+                                    </a:solidFill>
+                                    <a:latin typeface="Cambria Math"/>
+                                  </a:rPr>
+                                  <m:t>max</m:t>
+                                </m:r>
+                              </m:e>
+                              <m:lim>
+                                <m:r>
+                                  <a:rPr lang="de-DE" sz="3200" i="1">
+                                    <a:solidFill>
+                                      <a:schemeClr val="tx1"/>
+                                    </a:solidFill>
+                                    <a:latin typeface="Cambria Math"/>
+                                    <a:ea typeface="Cambria Math"/>
+                                  </a:rPr>
+                                  <m:t>𝜃</m:t>
+                                </m:r>
+                              </m:lim>
+                            </m:limLow>
+                          </m:fName>
                           <m:e>
                             <m:r>
                               <a:rPr lang="de-DE" sz="3200" i="1">
                                 <a:solidFill>
-                                  <a:srgbClr val="FF0000"/>
+                                  <a:schemeClr val="tx1"/>
                                 </a:solidFill>
                                 <a:latin typeface="Cambria Math"/>
-                                <a:ea typeface="Cambria Math"/>
                               </a:rPr>
-                              <m:t>𝜃</m:t>
+                              <m:t>𝑄</m:t>
                             </m:r>
-                          </m:e>
-                          <m:e>
-                            <m:sSup>
-                              <m:sSupPr>
+                            <m:d>
+                              <m:dPr>
                                 <m:ctrlPr>
                                   <a:rPr lang="de-DE" sz="3200" i="1">
                                     <a:solidFill>
-                                      <a:srgbClr val="FF0000"/>
+                                      <a:schemeClr val="tx1"/>
                                     </a:solidFill>
-                                    <a:latin typeface="Cambria Math" panose="02040503050406030204" pitchFamily="18" charset="0"/>
-                                    <a:ea typeface="Cambria Math"/>
+                                    <a:latin typeface="Cambria Math"/>
                                   </a:rPr>
                                 </m:ctrlPr>
-                              </m:sSupPr>
+                              </m:dPr>
                               <m:e>
                                 <m:r>
                                   <a:rPr lang="de-DE" sz="3200" i="1">
                                     <a:solidFill>
-                                      <a:srgbClr val="FF0000"/>
+                                      <a:schemeClr val="tx1"/>
                                     </a:solidFill>
                                     <a:latin typeface="Cambria Math"/>
                                     <a:ea typeface="Cambria Math"/>
@@ -5195,60 +5251,99 @@
                                   <m:t>𝜃</m:t>
                                 </m:r>
                               </m:e>
-                              <m:sup>
-                                <m:r>
-                                  <a:rPr lang="de-DE" sz="3200" i="1">
-                                    <a:solidFill>
-                                      <a:srgbClr val="FF0000"/>
-                                    </a:solidFill>
-                                    <a:latin typeface="Cambria Math"/>
-                                    <a:ea typeface="Cambria Math"/>
-                                  </a:rPr>
-                                  <m:t>(</m:t>
-                                </m:r>
-                                <m:r>
-                                  <a:rPr lang="de-DE" sz="3200" i="1">
-                                    <a:solidFill>
-                                      <a:srgbClr val="FF0000"/>
-                                    </a:solidFill>
-                                    <a:latin typeface="Cambria Math"/>
-                                    <a:ea typeface="Cambria Math"/>
-                                  </a:rPr>
-                                  <m:t>𝑡</m:t>
-                                </m:r>
-                                <m:r>
-                                  <a:rPr lang="de-DE" sz="3200" i="1">
-                                    <a:solidFill>
-                                      <a:srgbClr val="FF0000"/>
-                                    </a:solidFill>
-                                    <a:latin typeface="Cambria Math"/>
-                                    <a:ea typeface="Cambria Math"/>
-                                  </a:rPr>
-                                  <m:t>)</m:t>
-                                </m:r>
-                              </m:sup>
-                            </m:sSup>
+                              <m:e>
+                                <m:sSup>
+                                  <m:sSupPr>
+                                    <m:ctrlPr>
+                                      <a:rPr lang="de-DE" sz="3200" i="1">
+                                        <a:solidFill>
+                                          <a:schemeClr val="tx1"/>
+                                        </a:solidFill>
+                                        <a:latin typeface="Cambria Math"/>
+                                        <a:ea typeface="Cambria Math"/>
+                                      </a:rPr>
+                                    </m:ctrlPr>
+                                  </m:sSupPr>
+                                  <m:e>
+                                    <m:r>
+                                      <a:rPr lang="de-DE" sz="3200" i="1">
+                                        <a:solidFill>
+                                          <a:schemeClr val="tx1"/>
+                                        </a:solidFill>
+                                        <a:latin typeface="Cambria Math"/>
+                                        <a:ea typeface="Cambria Math"/>
+                                      </a:rPr>
+                                      <m:t>𝜃</m:t>
+                                    </m:r>
+                                  </m:e>
+                                  <m:sup>
+                                    <m:r>
+                                      <a:rPr lang="de-DE" sz="3200" i="1">
+                                        <a:solidFill>
+                                          <a:schemeClr val="tx1"/>
+                                        </a:solidFill>
+                                        <a:latin typeface="Cambria Math"/>
+                                        <a:ea typeface="Cambria Math"/>
+                                      </a:rPr>
+                                      <m:t>(</m:t>
+                                    </m:r>
+                                    <m:r>
+                                      <a:rPr lang="de-DE" sz="3200" i="1">
+                                        <a:solidFill>
+                                          <a:schemeClr val="tx1"/>
+                                        </a:solidFill>
+                                        <a:latin typeface="Cambria Math"/>
+                                        <a:ea typeface="Cambria Math"/>
+                                      </a:rPr>
+                                      <m:t>𝑡</m:t>
+                                    </m:r>
+                                    <m:r>
+                                      <a:rPr lang="de-DE" sz="3200" i="1">
+                                        <a:solidFill>
+                                          <a:schemeClr val="tx1"/>
+                                        </a:solidFill>
+                                        <a:latin typeface="Cambria Math"/>
+                                        <a:ea typeface="Cambria Math"/>
+                                      </a:rPr>
+                                      <m:t>)</m:t>
+                                    </m:r>
+                                  </m:sup>
+                                </m:sSup>
+                              </m:e>
+                            </m:d>
                           </m:e>
-                        </m:d>
+                        </m:func>
                       </m:e>
                     </m:func>
                   </m:oMath>
                 </a14:m>
                 <a:r>
+                  <a:rPr lang="en-GB" sz="3200" dirty="0">
+                    <a:solidFill>
+                      <a:schemeClr val="tx1"/>
+                    </a:solidFill>
+                  </a:rPr>
+                  <a:t> </a:t>
+                </a:r>
+                <a:endParaRPr lang="en-GB" sz="3200" dirty="0" smtClean="0">
+                  <a:solidFill>
+                    <a:schemeClr val="tx1"/>
+                  </a:solidFill>
+                </a:endParaRPr>
+              </a:p>
+              <a:p>
+                <a:pPr>
+                  <a:spcAft>
+                    <a:spcPts val="1200"/>
+                  </a:spcAft>
+                </a:pPr>
+                <a:r>
                   <a:rPr lang="en-GB" sz="3200" dirty="0"/>
-                  <a:t> TODO: </a:t>
-                </a:r>
-                <a:r>
-                  <a:rPr lang="en-GB" sz="3200" dirty="0" err="1"/>
-                  <a:t>Formel</a:t>
-                </a:r>
-                <a:r>
-                  <a:rPr lang="en-GB" sz="3200" dirty="0"/>
-                  <a:t> </a:t>
-                </a:r>
-                <a:r>
-                  <a:rPr lang="en-GB" sz="3200" dirty="0" err="1"/>
-                  <a:t>überprüfen</a:t>
+                  <a:t>	</a:t>
+                </a:r>
+                <a:r>
+                  <a:rPr lang="en-GB" sz="3200" dirty="0" smtClean="0"/>
+                  <a:t>Calculate change in estimated parameter</a:t>
                 </a:r>
                 <a:endParaRPr lang="en-GB" sz="3200" dirty="0"/>
               </a:p>
@@ -5294,17 +5389,23 @@
                 </a:r>
                 <a14:m>
                   <m:oMath xmlns:m="http://schemas.openxmlformats.org/officeDocument/2006/math">
+                    <m:r>
+                      <a:rPr lang="de-DE" sz="3200" b="0" i="1" smtClean="0">
+                        <a:latin typeface="Cambria Math"/>
+                      </a:rPr>
+                      <m:t>|</m:t>
+                    </m:r>
                     <m:sSup>
                       <m:sSupPr>
                         <m:ctrlPr>
                           <a:rPr lang="de-DE" sz="3200" i="1">
-                            <a:latin typeface="Cambria Math" panose="02040503050406030204" pitchFamily="18" charset="0"/>
+                            <a:latin typeface="Cambria Math"/>
                           </a:rPr>
                         </m:ctrlPr>
                       </m:sSupPr>
                       <m:e>
                         <m:r>
-                          <a:rPr lang="de-DE" sz="3200" b="0" i="1">
+                          <a:rPr lang="de-DE" sz="3200" i="1">
                             <a:latin typeface="Cambria Math"/>
                             <a:ea typeface="Cambria Math"/>
                           </a:rPr>
@@ -5313,45 +5414,43 @@
                       </m:e>
                       <m:sup>
                         <m:r>
-                          <a:rPr lang="de-DE" sz="3200" b="0" i="1">
+                          <a:rPr lang="de-DE" sz="3200" i="1">
                             <a:latin typeface="Cambria Math"/>
                           </a:rPr>
                           <m:t>(</m:t>
                         </m:r>
                         <m:r>
-                          <a:rPr lang="de-DE" sz="3200" b="0" i="1">
+                          <a:rPr lang="de-DE" sz="3200" i="1">
                             <a:latin typeface="Cambria Math"/>
                           </a:rPr>
                           <m:t>𝑡</m:t>
                         </m:r>
                         <m:r>
-                          <a:rPr lang="de-DE" sz="3200" b="0" i="1">
+                          <a:rPr lang="de-DE" sz="3200" i="1">
                             <a:latin typeface="Cambria Math"/>
                           </a:rPr>
                           <m:t>+1)</m:t>
                         </m:r>
                       </m:sup>
                     </m:sSup>
-                  </m:oMath>
-                </a14:m>
-                <a:r>
-                  <a:rPr lang="en-GB" sz="3200" dirty="0"/>
-                  <a:t> - </a:t>
-                </a:r>
-                <a14:m>
-                  <m:oMath xmlns:m="http://schemas.openxmlformats.org/officeDocument/2006/math">
+                    <m:r>
+                      <a:rPr lang="de-DE" sz="3200" b="0" i="1" smtClean="0">
+                        <a:latin typeface="Cambria Math"/>
+                      </a:rPr>
+                      <m:t>−</m:t>
+                    </m:r>
                     <m:sSup>
                       <m:sSupPr>
                         <m:ctrlPr>
                           <a:rPr lang="de-DE" sz="3200" i="1">
-                            <a:latin typeface="Cambria Math" panose="02040503050406030204" pitchFamily="18" charset="0"/>
+                            <a:latin typeface="Cambria Math"/>
                             <a:ea typeface="Cambria Math"/>
                           </a:rPr>
                         </m:ctrlPr>
                       </m:sSupPr>
                       <m:e>
                         <m:r>
-                          <a:rPr lang="de-DE" sz="3200" b="0" i="1">
+                          <a:rPr lang="de-DE" sz="3200" i="1">
                             <a:latin typeface="Cambria Math"/>
                             <a:ea typeface="Cambria Math"/>
                           </a:rPr>
@@ -5360,21 +5459,21 @@
                       </m:e>
                       <m:sup>
                         <m:r>
-                          <a:rPr lang="de-DE" sz="3200" b="0" i="1">
+                          <a:rPr lang="de-DE" sz="3200" i="1">
                             <a:latin typeface="Cambria Math"/>
                             <a:ea typeface="Cambria Math"/>
                           </a:rPr>
                           <m:t>(</m:t>
                         </m:r>
                         <m:r>
-                          <a:rPr lang="de-DE" sz="3200" b="0" i="1">
+                          <a:rPr lang="de-DE" sz="3200" i="1">
                             <a:latin typeface="Cambria Math"/>
                             <a:ea typeface="Cambria Math"/>
                           </a:rPr>
                           <m:t>𝑡</m:t>
                         </m:r>
                         <m:r>
-                          <a:rPr lang="de-DE" sz="3200" b="0" i="1">
+                          <a:rPr lang="de-DE" sz="3200" i="1">
                             <a:latin typeface="Cambria Math"/>
                             <a:ea typeface="Cambria Math"/>
                           </a:rPr>
@@ -5382,6 +5481,12 @@
                         </m:r>
                       </m:sup>
                     </m:sSup>
+                    <m:r>
+                      <a:rPr lang="de-DE" sz="3200" b="0" i="1" smtClean="0">
+                        <a:latin typeface="Cambria Math"/>
+                      </a:rPr>
+                      <m:t>|</m:t>
+                    </m:r>
                   </m:oMath>
                 </a14:m>
                 <a:endParaRPr lang="en-GB" sz="3200" dirty="0"/>
@@ -5434,16 +5539,16 @@
             </p:nvSpPr>
             <p:spPr>
               <a:xfrm>
-                <a:off x="1366939" y="16140288"/>
-                <a:ext cx="9344944" cy="10011972"/>
+                <a:off x="1388401" y="16202198"/>
+                <a:ext cx="9190257" cy="9575635"/>
               </a:xfrm>
               <a:prstGeom prst="rect">
                 <a:avLst/>
               </a:prstGeom>
-              <a:blipFill>
+              <a:blipFill rotWithShape="1">
                 <a:blip r:embed="rId4"/>
                 <a:stretch>
-                  <a:fillRect l="-1500"/>
+                  <a:fillRect l="-1526" t="-764" r="-1593"/>
                 </a:stretch>
               </a:blipFill>
             </p:spPr>
@@ -5471,7 +5576,7 @@
         <p:spPr>
           <a:xfrm>
             <a:off x="11532520" y="5815536"/>
-            <a:ext cx="9344943" cy="8865664"/>
+            <a:ext cx="9344943" cy="11900964"/>
           </a:xfrm>
           <a:prstGeom prst="rect">
             <a:avLst/>
@@ -5754,8 +5859,8 @@
             </p:nvSpPr>
             <p:spPr>
               <a:xfrm>
-                <a:off x="11596727" y="6697869"/>
-                <a:ext cx="9344942" cy="8267648"/>
+                <a:off x="11532519" y="6697869"/>
+                <a:ext cx="9344946" cy="12979515"/>
               </a:xfrm>
               <a:prstGeom prst="rect">
                 <a:avLst/>
@@ -5776,7 +5881,7 @@
                   <a:buChar char="•"/>
                 </a:pPr>
                 <a:r>
-                  <a:rPr lang="en-GB" sz="3200" dirty="0"/>
+                  <a:rPr lang="en-GB" sz="3200" dirty="0" smtClean="0"/>
                   <a:t>Calculates numerically stable asymptotic variance-covariance matrix for ML estimates obtained by EM</a:t>
                 </a:r>
               </a:p>
@@ -5790,8 +5895,31 @@
                 </a:pPr>
                 <a:r>
                   <a:rPr lang="en-GB" sz="3200" dirty="0"/>
-                  <a:t>Calculation of this matrix V is done in three steps</a:t>
-                </a:r>
+                  <a:t>Calculation of this matrix </a:t>
+                </a:r>
+                <a14:m>
+                  <m:oMath xmlns:m="http://schemas.openxmlformats.org/officeDocument/2006/math">
+                    <m:r>
+                      <a:rPr lang="de-DE" sz="3200" b="0" i="1" smtClean="0">
+                        <a:latin typeface="Cambria Math"/>
+                      </a:rPr>
+                      <m:t>𝑉</m:t>
+                    </m:r>
+                  </m:oMath>
+                </a14:m>
+                <a:r>
+                  <a:rPr lang="en-GB" sz="3200" dirty="0" smtClean="0"/>
+                  <a:t> </a:t>
+                </a:r>
+                <a:r>
+                  <a:rPr lang="en-GB" sz="3200" dirty="0"/>
+                  <a:t>is done in three </a:t>
+                </a:r>
+                <a:r>
+                  <a:rPr lang="en-GB" sz="3200" dirty="0" smtClean="0"/>
+                  <a:t>steps:</a:t>
+                </a:r>
+                <a:endParaRPr lang="en-GB" sz="3200" dirty="0"/>
               </a:p>
               <a:p>
                 <a:pPr marL="285750" indent="-285750">
@@ -5802,12 +5930,23 @@
                   <a:buChar char="•"/>
                 </a:pPr>
                 <a:r>
-                  <a:rPr lang="en-GB" sz="3200" b="1" dirty="0"/>
+                  <a:rPr lang="en-GB" sz="3200" b="1" dirty="0" smtClean="0"/>
                   <a:t>Step 1: </a:t>
                 </a:r>
+              </a:p>
+              <a:p>
+                <a:pPr lvl="1">
+                  <a:spcAft>
+                    <a:spcPts val="1200"/>
+                  </a:spcAft>
+                </a:pPr>
+                <a:r>
+                  <a:rPr lang="en-GB" sz="3200" dirty="0" smtClean="0"/>
+                  <a:t>Evaluate adjusted </a:t>
+                </a:r>
                 <a:r>
                   <a:rPr lang="en-GB" sz="3200" dirty="0"/>
-                  <a:t>Evaluation of adjusted information matrix </a:t>
+                  <a:t>information matrix </a:t>
                 </a:r>
                 <a14:m>
                   <m:oMath xmlns:m="http://schemas.openxmlformats.org/officeDocument/2006/math">
@@ -5815,7 +5954,7 @@
                       <m:sSubPr>
                         <m:ctrlPr>
                           <a:rPr lang="en-GB" sz="3200" i="1" smtClean="0">
-                            <a:latin typeface="Cambria Math" panose="02040503050406030204" pitchFamily="18" charset="0"/>
+                            <a:latin typeface="Cambria Math"/>
                           </a:rPr>
                         </m:ctrlPr>
                       </m:sSubPr>
@@ -5836,20 +5975,14 @@
                         </m:r>
                       </m:sub>
                     </m:sSub>
-                    <m:r>
-                      <a:rPr lang="de-DE" sz="3200" b="0" i="0" smtClean="0">
-                        <a:latin typeface="Cambria Math" panose="02040503050406030204" pitchFamily="18" charset="0"/>
-                      </a:rPr>
-                      <m:t>  </m:t>
-                    </m:r>
                   </m:oMath>
                 </a14:m>
-                <a:endParaRPr lang="de-DE" sz="3200" b="0" i="0" dirty="0">
-                  <a:latin typeface="Cambria Math" panose="02040503050406030204" pitchFamily="18" charset="0"/>
+                <a:endParaRPr lang="de-DE" sz="3200" b="0" i="1" dirty="0" smtClean="0">
+                  <a:latin typeface="Cambria Math"/>
                 </a:endParaRPr>
               </a:p>
               <a:p>
-                <a:pPr>
+                <a:pPr lvl="1">
                   <a:spcAft>
                     <a:spcPts val="1200"/>
                   </a:spcAft>
@@ -5864,7 +5997,7 @@
                         <m:sSubPr>
                           <m:ctrlPr>
                             <a:rPr lang="en-GB" sz="3200" i="1" dirty="0" smtClean="0">
-                              <a:latin typeface="Cambria Math" panose="02040503050406030204" pitchFamily="18" charset="0"/>
+                              <a:latin typeface="Cambria Math"/>
                             </a:rPr>
                           </m:ctrlPr>
                         </m:sSubPr>
@@ -5895,7 +6028,7 @@
                         <m:sSubPr>
                           <m:ctrlPr>
                             <a:rPr lang="en-GB" sz="3200" i="1" dirty="0" smtClean="0">
-                              <a:latin typeface="Cambria Math" panose="02040503050406030204" pitchFamily="18" charset="0"/>
+                              <a:latin typeface="Cambria Math"/>
                             </a:rPr>
                           </m:ctrlPr>
                         </m:sSubPr>
@@ -5920,7 +6053,7 @@
                         <m:dPr>
                           <m:ctrlPr>
                             <a:rPr lang="en-GB" sz="3200" i="1" dirty="0" smtClean="0">
-                              <a:latin typeface="Cambria Math" panose="02040503050406030204" pitchFamily="18" charset="0"/>
+                              <a:latin typeface="Cambria Math"/>
                             </a:rPr>
                           </m:ctrlPr>
                         </m:dPr>
@@ -5929,7 +6062,7 @@
                             <m:sSupPr>
                               <m:ctrlPr>
                                 <a:rPr lang="el-GR" sz="3200" i="1" dirty="0" smtClean="0">
-                                  <a:latin typeface="Cambria Math" panose="02040503050406030204" pitchFamily="18" charset="0"/>
+                                  <a:latin typeface="Cambria Math"/>
                                   <a:ea typeface="Cambria Math"/>
                                 </a:rPr>
                               </m:ctrlPr>
@@ -5959,7 +6092,7 @@
                             <m:sSupPr>
                               <m:ctrlPr>
                                 <a:rPr lang="el-GR" sz="3200" i="1" dirty="0" smtClean="0">
-                                  <a:latin typeface="Cambria Math" panose="02040503050406030204" pitchFamily="18" charset="0"/>
+                                  <a:latin typeface="Cambria Math"/>
                                 </a:rPr>
                               </m:ctrlPr>
                             </m:sSupPr>
@@ -5984,7 +6117,7 @@
                             <m:dPr>
                               <m:ctrlPr>
                                 <a:rPr lang="en-GB" sz="3200" i="1" dirty="0" smtClean="0">
-                                  <a:latin typeface="Cambria Math" panose="02040503050406030204" pitchFamily="18" charset="0"/>
+                                  <a:latin typeface="Cambria Math"/>
                                 </a:rPr>
                               </m:ctrlPr>
                             </m:dPr>
@@ -5993,7 +6126,7 @@
                                 <m:sSubPr>
                                   <m:ctrlPr>
                                     <a:rPr lang="en-GB" sz="3200" i="1" dirty="0" smtClean="0">
-                                      <a:latin typeface="Cambria Math" panose="02040503050406030204" pitchFamily="18" charset="0"/>
+                                      <a:latin typeface="Cambria Math"/>
                                     </a:rPr>
                                   </m:ctrlPr>
                                 </m:sSubPr>
@@ -6040,7 +6173,7 @@
                         <m:sSupPr>
                           <m:ctrlPr>
                             <a:rPr lang="de-DE" sz="3200" b="0" i="1" dirty="0" smtClean="0">
-                              <a:latin typeface="Cambria Math" panose="02040503050406030204" pitchFamily="18" charset="0"/>
+                              <a:latin typeface="Cambria Math"/>
                             </a:rPr>
                           </m:ctrlPr>
                         </m:sSupPr>
@@ -6079,7 +6212,7 @@
                           <m:endChr m:val="]"/>
                           <m:ctrlPr>
                             <a:rPr lang="de-DE" sz="3200" b="0" i="1" dirty="0" smtClean="0">
-                              <a:latin typeface="Cambria Math" panose="02040503050406030204" pitchFamily="18" charset="0"/>
+                              <a:latin typeface="Cambria Math"/>
                             </a:rPr>
                           </m:ctrlPr>
                         </m:dPr>
@@ -6094,7 +6227,7 @@
                             <m:dPr>
                               <m:ctrlPr>
                                 <a:rPr lang="de-DE" sz="3200" b="0" i="1" dirty="0" smtClean="0">
-                                  <a:latin typeface="Cambria Math" panose="02040503050406030204" pitchFamily="18" charset="0"/>
+                                  <a:latin typeface="Cambria Math"/>
                                 </a:rPr>
                               </m:ctrlPr>
                             </m:dPr>
@@ -6117,7 +6250,7 @@
                             <m:sSubPr>
                               <m:ctrlPr>
                                 <a:rPr lang="de-DE" sz="3200" b="0" i="1" dirty="0" smtClean="0">
-                                  <a:latin typeface="Cambria Math" panose="02040503050406030204" pitchFamily="18" charset="0"/>
+                                  <a:latin typeface="Cambria Math"/>
                                 </a:rPr>
                               </m:ctrlPr>
                             </m:sSubPr>
@@ -6156,10 +6289,12 @@
                     </m:oMath>
                   </m:oMathPara>
                 </a14:m>
-                <a:endParaRPr lang="en-GB" sz="3200" dirty="0"/>
+                <a:endParaRPr lang="de-DE" sz="3200" dirty="0" smtClean="0">
+                  <a:ea typeface="Cambria Math"/>
+                </a:endParaRPr>
               </a:p>
               <a:p>
-                <a:pPr marL="285750" indent="-285750">
+                <a:pPr marL="457200" indent="-457200">
                   <a:spcAft>
                     <a:spcPts val="1200"/>
                   </a:spcAft>
@@ -6167,56 +6302,202 @@
                   <a:buChar char="•"/>
                 </a:pPr>
                 <a:r>
-                  <a:rPr lang="en-GB" sz="3200" b="1" dirty="0"/>
+                  <a:rPr lang="en-GB" sz="3200" b="1" dirty="0" smtClean="0"/>
                   <a:t>Step 2:</a:t>
                 </a:r>
                 <a:r>
-                  <a:rPr lang="en-GB" sz="3200" dirty="0"/>
-                  <a:t> Calculation of elements in rate-of-convergence matrix DM by (TODO: </a:t>
-                </a:r>
-                <a:r>
-                  <a:rPr lang="en-GB" sz="3200" dirty="0" err="1"/>
-                  <a:t>evtl</a:t>
-                </a:r>
-                <a:r>
-                  <a:rPr lang="en-GB" sz="3200" dirty="0"/>
-                  <a:t>. </a:t>
-                </a:r>
-                <a:r>
-                  <a:rPr lang="en-GB" sz="3200" dirty="0" err="1"/>
-                  <a:t>Eher</a:t>
-                </a:r>
-                <a:r>
-                  <a:rPr lang="en-GB" sz="3200" dirty="0"/>
+                  <a:rPr lang="en-GB" sz="3200" dirty="0" smtClean="0"/>
                   <a:t> </a:t>
-                </a:r>
-                <a:r>
-                  <a:rPr lang="en-GB" sz="3200" dirty="0" err="1"/>
-                  <a:t>als</a:t>
-                </a:r>
-                <a:r>
-                  <a:rPr lang="en-GB" sz="3200" dirty="0"/>
-                  <a:t> Pseudo-code </a:t>
-                </a:r>
-                <a:r>
-                  <a:rPr lang="en-GB" sz="3200" dirty="0" err="1"/>
-                  <a:t>statt</a:t>
-                </a:r>
-                <a:r>
-                  <a:rPr lang="en-GB" sz="3200" dirty="0"/>
-                  <a:t> </a:t>
-                </a:r>
-                <a:r>
-                  <a:rPr lang="en-GB" sz="3200" dirty="0" err="1"/>
-                  <a:t>theoretische</a:t>
-                </a:r>
-                <a:r>
-                  <a:rPr lang="en-GB" sz="3200" dirty="0"/>
-                  <a:t> Version)</a:t>
                 </a:r>
               </a:p>
               <a:p>
-                <a:pPr algn="ctr">
+                <a:pPr lvl="1">
+                  <a:spcAft>
+                    <a:spcPts val="1200"/>
+                  </a:spcAft>
+                </a:pPr>
+                <a:r>
+                  <a:rPr lang="en-GB" sz="3200" b="1" dirty="0" smtClean="0">
+                    <a:solidFill>
+                      <a:schemeClr val="tx1"/>
+                    </a:solidFill>
+                  </a:rPr>
+                  <a:t>UNTIL </a:t>
+                </a:r>
+                <a14:m>
+                  <m:oMath xmlns:m="http://schemas.openxmlformats.org/officeDocument/2006/math">
+                    <m:r>
+                      <a:rPr lang="de-DE" sz="3200" b="1" i="1" smtClean="0">
+                        <a:solidFill>
+                          <a:schemeClr val="tx1"/>
+                        </a:solidFill>
+                        <a:latin typeface="Cambria Math"/>
+                        <a:ea typeface="Cambria Math"/>
+                      </a:rPr>
+                      <m:t>∆</m:t>
+                    </m:r>
+                    <m:sSub>
+                      <m:sSubPr>
+                        <m:ctrlPr>
+                          <a:rPr lang="de-DE" sz="3200" b="1" i="1" smtClean="0">
+                            <a:solidFill>
+                              <a:schemeClr val="tx1"/>
+                            </a:solidFill>
+                            <a:latin typeface="Cambria Math"/>
+                            <a:ea typeface="Cambria Math"/>
+                          </a:rPr>
+                        </m:ctrlPr>
+                      </m:sSubPr>
+                      <m:e>
+                        <m:r>
+                          <a:rPr lang="de-DE" sz="3200" b="1" i="1" smtClean="0">
+                            <a:solidFill>
+                              <a:schemeClr val="tx1"/>
+                            </a:solidFill>
+                            <a:latin typeface="Cambria Math"/>
+                            <a:ea typeface="Cambria Math"/>
+                          </a:rPr>
+                          <m:t>𝒓</m:t>
+                        </m:r>
+                      </m:e>
+                      <m:sub>
+                        <m:r>
+                          <a:rPr lang="de-DE" sz="3200" b="1" i="1" smtClean="0">
+                            <a:solidFill>
+                              <a:schemeClr val="tx1"/>
+                            </a:solidFill>
+                            <a:latin typeface="Cambria Math"/>
+                            <a:ea typeface="Cambria Math"/>
+                          </a:rPr>
+                          <m:t>𝒊𝒋</m:t>
+                        </m:r>
+                      </m:sub>
+                    </m:sSub>
+                    <m:r>
+                      <a:rPr lang="de-DE" sz="3200" b="1" i="1" smtClean="0">
+                        <a:solidFill>
+                          <a:schemeClr val="tx1"/>
+                        </a:solidFill>
+                        <a:latin typeface="Cambria Math"/>
+                        <a:ea typeface="Cambria Math"/>
+                      </a:rPr>
+                      <m:t> </m:t>
+                    </m:r>
+                  </m:oMath>
+                </a14:m>
+                <a:r>
+                  <a:rPr lang="en-GB" sz="3200" b="1" dirty="0"/>
+                  <a:t>&lt; </a:t>
+                </a:r>
+                <a14:m>
+                  <m:oMath xmlns:m="http://schemas.openxmlformats.org/officeDocument/2006/math">
+                    <m:rad>
+                      <m:radPr>
+                        <m:degHide m:val="on"/>
+                        <m:ctrlPr>
+                          <a:rPr lang="de-DE" sz="3200" b="1" i="1">
+                            <a:latin typeface="Cambria Math"/>
+                          </a:rPr>
+                        </m:ctrlPr>
+                      </m:radPr>
+                      <m:deg/>
+                      <m:e>
+                        <m:r>
+                          <a:rPr lang="en-GB" sz="3200" b="1" i="1">
+                            <a:latin typeface="Cambria Math" charset="0"/>
+                            <a:ea typeface="Cambria Math" charset="0"/>
+                            <a:cs typeface="Cambria Math" charset="0"/>
+                          </a:rPr>
+                          <m:t>𝜺</m:t>
+                        </m:r>
+                      </m:e>
+                    </m:rad>
+                    <m:r>
+                      <a:rPr lang="de-DE" sz="3200" b="1" i="1" smtClean="0">
+                        <a:latin typeface="Cambria Math"/>
+                        <a:ea typeface="Cambria Math" charset="0"/>
+                        <a:cs typeface="Cambria Math" charset="0"/>
+                      </a:rPr>
+                      <m:t> </m:t>
+                    </m:r>
+                    <m:r>
+                      <a:rPr lang="de-DE" sz="3200" b="1" i="1">
+                        <a:latin typeface="Cambria Math"/>
+                        <a:ea typeface="Cambria Math"/>
+                      </a:rPr>
+                      <m:t>∀</m:t>
+                    </m:r>
+                    <m:r>
+                      <a:rPr lang="de-DE" sz="3200" b="1" i="1" smtClean="0">
+                        <a:latin typeface="Cambria Math"/>
+                        <a:ea typeface="Cambria Math"/>
+                      </a:rPr>
+                      <m:t>𝒊</m:t>
+                    </m:r>
+                    <m:r>
+                      <a:rPr lang="de-DE" sz="3200" b="1" i="1">
+                        <a:latin typeface="Cambria Math"/>
+                        <a:ea typeface="Cambria Math"/>
+                      </a:rPr>
+                      <m:t>∀</m:t>
+                    </m:r>
+                    <m:r>
+                      <a:rPr lang="de-DE" sz="3200" b="1" i="1">
+                        <a:latin typeface="Cambria Math"/>
+                        <a:ea typeface="Cambria Math"/>
+                      </a:rPr>
+                      <m:t>𝒋</m:t>
+                    </m:r>
+                  </m:oMath>
+                </a14:m>
+                <a:r>
+                  <a:rPr lang="de-DE" sz="3200" b="1" dirty="0" smtClean="0"/>
+                  <a:t> REPEAT FOR EACH </a:t>
+                </a:r>
+                <a14:m>
+                  <m:oMath xmlns:m="http://schemas.openxmlformats.org/officeDocument/2006/math">
+                    <m:r>
+                      <a:rPr lang="de-DE" sz="3200" b="1" i="1" smtClean="0">
+                        <a:latin typeface="Cambria Math"/>
+                        <a:ea typeface="Cambria Math"/>
+                      </a:rPr>
+                      <m:t>𝒕</m:t>
+                    </m:r>
+                  </m:oMath>
+                </a14:m>
+                <a:r>
+                  <a:rPr lang="de-DE" sz="3200" b="1" dirty="0" smtClean="0"/>
+                  <a:t>:</a:t>
+                </a:r>
+              </a:p>
+              <a:p>
+                <a:pPr lvl="2">
+                  <a:spcAft>
+                    <a:spcPts val="1200"/>
+                  </a:spcAft>
+                </a:pPr>
+                <a:r>
+                  <a:rPr lang="en-GB" sz="3200" dirty="0" smtClean="0"/>
+                  <a:t>Calculate elements </a:t>
+                </a:r>
+                <a:r>
+                  <a:rPr lang="en-GB" sz="3200" dirty="0"/>
+                  <a:t>in rate-of-convergence matrix </a:t>
+                </a:r>
+                <a14:m>
+                  <m:oMath xmlns:m="http://schemas.openxmlformats.org/officeDocument/2006/math">
+                    <m:r>
+                      <a:rPr lang="de-DE" sz="3200" i="1">
+                        <a:latin typeface="Cambria Math"/>
+                      </a:rPr>
+                      <m:t>𝐷𝑀</m:t>
+                    </m:r>
+                  </m:oMath>
+                </a14:m>
+                <a:endParaRPr lang="en-GB" sz="3200" dirty="0"/>
+              </a:p>
+              <a:p>
+                <a:pPr lvl="2">
                   <a:spcAft>
                     <a:spcPts val="1200"/>
                   </a:spcAft>
@@ -6227,7 +6508,7 @@
                       <m:sSubPr>
                         <m:ctrlPr>
                           <a:rPr lang="en-GB" sz="3200" i="1" smtClean="0">
-                            <a:latin typeface="Cambria Math" panose="02040503050406030204" pitchFamily="18" charset="0"/>
+                            <a:latin typeface="Cambria Math"/>
                           </a:rPr>
                         </m:ctrlPr>
                       </m:sSubPr>
@@ -6249,89 +6530,28 @@
                       </m:sub>
                     </m:sSub>
                     <m:r>
-                      <a:rPr lang="de-DE" sz="3200" b="0" i="1" smtClean="0">
+                      <a:rPr lang="de-DE" sz="3200" b="0" i="1" baseline="30000" smtClean="0">
                         <a:latin typeface="Cambria Math"/>
                       </a:rPr>
-                      <m:t>=</m:t>
+                      <m:t>(</m:t>
                     </m:r>
-                    <m:func>
-                      <m:funcPr>
-                        <m:ctrlPr>
-                          <a:rPr lang="de-DE" sz="3200" b="0" i="1" smtClean="0">
-                            <a:latin typeface="Cambria Math" panose="02040503050406030204" pitchFamily="18" charset="0"/>
-                          </a:rPr>
-                        </m:ctrlPr>
-                      </m:funcPr>
-                      <m:fName>
-                        <m:limLow>
-                          <m:limLowPr>
-                            <m:ctrlPr>
-                              <a:rPr lang="de-DE" sz="3200" b="0" i="1" smtClean="0">
-                                <a:latin typeface="Cambria Math" panose="02040503050406030204" pitchFamily="18" charset="0"/>
-                              </a:rPr>
-                            </m:ctrlPr>
-                          </m:limLowPr>
-                          <m:e>
-                            <m:r>
-                              <m:rPr>
-                                <m:sty m:val="p"/>
-                              </m:rPr>
-                              <a:rPr lang="de-DE" sz="3200" b="0" i="0" smtClean="0">
-                                <a:latin typeface="Cambria Math"/>
-                              </a:rPr>
-                              <m:t>lim</m:t>
-                            </m:r>
-                          </m:e>
-                          <m:lim>
-                            <m:r>
-                              <a:rPr lang="de-DE" sz="3200" b="0" i="1" smtClean="0">
-                                <a:latin typeface="Cambria Math"/>
-                              </a:rPr>
-                              <m:t>𝑡</m:t>
-                            </m:r>
-                            <m:r>
-                              <a:rPr lang="de-DE" sz="3200" b="0" i="1" smtClean="0">
-                                <a:latin typeface="Cambria Math"/>
-                                <a:ea typeface="Cambria Math"/>
-                              </a:rPr>
-                              <m:t>→∞</m:t>
-                            </m:r>
-                          </m:lim>
-                        </m:limLow>
-                      </m:fName>
-                      <m:e>
-                        <m:sSub>
-                          <m:sSubPr>
-                            <m:ctrlPr>
-                              <a:rPr lang="de-DE" sz="3200" b="0" i="1" smtClean="0">
-                                <a:latin typeface="Cambria Math" panose="02040503050406030204" pitchFamily="18" charset="0"/>
-                              </a:rPr>
-                            </m:ctrlPr>
-                          </m:sSubPr>
-                          <m:e>
-                            <m:r>
-                              <a:rPr lang="de-DE" sz="3200" b="0" i="1" smtClean="0">
-                                <a:latin typeface="Cambria Math"/>
-                              </a:rPr>
-                              <m:t>𝑟</m:t>
-                            </m:r>
-                          </m:e>
-                          <m:sub>
-                            <m:r>
-                              <a:rPr lang="de-DE" sz="3200" b="0" i="1" smtClean="0">
-                                <a:latin typeface="Cambria Math"/>
-                              </a:rPr>
-                              <m:t>𝑖𝑗</m:t>
-                            </m:r>
-                          </m:sub>
-                        </m:sSub>
-                      </m:e>
-                    </m:func>
+                    <m:r>
+                      <a:rPr lang="de-DE" sz="3200" b="0" i="1" baseline="50000" smtClean="0">
+                        <a:latin typeface="Cambria Math"/>
+                      </a:rPr>
+                      <m:t>𝑡</m:t>
+                    </m:r>
+                    <m:r>
+                      <a:rPr lang="de-DE" sz="3200" b="0" i="1" baseline="30000" smtClean="0">
+                        <a:latin typeface="Cambria Math"/>
+                      </a:rPr>
+                      <m:t>)</m:t>
+                    </m:r>
                   </m:oMath>
                 </a14:m>
                 <a:r>
-                  <a:rPr lang="en-GB" sz="3200" dirty="0"/>
-                  <a:t>(t) = </a:t>
+                  <a:rPr lang="en-GB" sz="3200" dirty="0" smtClean="0"/>
+                  <a:t>= </a:t>
                 </a:r>
                 <a14:m>
                   <m:oMath xmlns:m="http://schemas.openxmlformats.org/officeDocument/2006/math">
@@ -6339,7 +6559,7 @@
                       <m:fPr>
                         <m:ctrlPr>
                           <a:rPr lang="en-GB" sz="3200" i="1" smtClean="0">
-                            <a:latin typeface="Cambria Math" panose="02040503050406030204" pitchFamily="18" charset="0"/>
+                            <a:latin typeface="Cambria Math"/>
                           </a:rPr>
                         </m:ctrlPr>
                       </m:fPr>
@@ -6354,7 +6574,7 @@
                           <m:sSubSupPr>
                             <m:ctrlPr>
                               <a:rPr lang="de-DE" sz="3200" b="0" i="1" smtClean="0">
-                                <a:latin typeface="Cambria Math" panose="02040503050406030204" pitchFamily="18" charset="0"/>
+                                <a:latin typeface="Cambria Math"/>
                               </a:rPr>
                             </m:ctrlPr>
                           </m:sSubSupPr>
@@ -6380,7 +6600,7 @@
                               <m:dPr>
                                 <m:ctrlPr>
                                   <a:rPr lang="de-DE" sz="3200" i="1" baseline="14000">
-                                    <a:latin typeface="Cambria Math" panose="02040503050406030204" pitchFamily="18" charset="0"/>
+                                    <a:latin typeface="Cambria Math"/>
                                   </a:rPr>
                                 </m:ctrlPr>
                               </m:dPr>
@@ -6407,17 +6627,11 @@
                             </m:d>
                           </m:sup>
                         </m:sSubSup>
-                        <m:r>
-                          <a:rPr lang="de-DE" sz="3200" b="0" i="1" smtClean="0">
-                            <a:latin typeface="Cambria Math"/>
-                          </a:rPr>
-                          <m:t> </m:t>
-                        </m:r>
                         <m:d>
                           <m:dPr>
                             <m:ctrlPr>
                               <a:rPr lang="de-DE" sz="3200" b="0" i="1" smtClean="0">
-                                <a:latin typeface="Cambria Math" panose="02040503050406030204" pitchFamily="18" charset="0"/>
+                                <a:latin typeface="Cambria Math"/>
                               </a:rPr>
                             </m:ctrlPr>
                           </m:dPr>
@@ -6440,7 +6654,7 @@
                           <m:sSubPr>
                             <m:ctrlPr>
                               <a:rPr lang="de-DE" sz="3200" b="0" i="1" smtClean="0">
-                                <a:latin typeface="Cambria Math" panose="02040503050406030204" pitchFamily="18" charset="0"/>
+                                <a:latin typeface="Cambria Math"/>
                               </a:rPr>
                             </m:ctrlPr>
                           </m:sSubPr>
@@ -6486,7 +6700,7 @@
                           <m:sSubPr>
                             <m:ctrlPr>
                               <a:rPr lang="de-DE" sz="3200" b="0" i="1" smtClean="0">
-                                <a:latin typeface="Cambria Math" panose="02040503050406030204" pitchFamily="18" charset="0"/>
+                                <a:latin typeface="Cambria Math"/>
                               </a:rPr>
                             </m:ctrlPr>
                           </m:sSubPr>
@@ -6508,17 +6722,11 @@
                             </m:r>
                           </m:sub>
                         </m:sSub>
-                        <m:r>
-                          <a:rPr lang="de-DE" sz="3200" b="0" i="1" smtClean="0">
-                            <a:latin typeface="Cambria Math"/>
-                          </a:rPr>
-                          <m:t> </m:t>
-                        </m:r>
                         <m:d>
                           <m:dPr>
                             <m:ctrlPr>
                               <a:rPr lang="de-DE" sz="3200" b="0" i="1" baseline="14000" smtClean="0">
-                                <a:latin typeface="Cambria Math" panose="02040503050406030204" pitchFamily="18" charset="0"/>
+                                <a:latin typeface="Cambria Math"/>
                               </a:rPr>
                             </m:ctrlPr>
                           </m:dPr>
@@ -6541,7 +6749,7 @@
                           <m:sSubPr>
                             <m:ctrlPr>
                               <a:rPr lang="de-DE" sz="3200" b="0" i="1" smtClean="0">
-                                <a:latin typeface="Cambria Math" panose="02040503050406030204" pitchFamily="18" charset="0"/>
+                                <a:latin typeface="Cambria Math"/>
                               </a:rPr>
                             </m:ctrlPr>
                           </m:sSubPr>
@@ -6581,11 +6789,543 @@
                 </a14:m>
                 <a:r>
                   <a:rPr lang="en-GB" sz="3200" dirty="0"/>
-                  <a:t> for j = 1,…d</a:t>
+                  <a:t> for j = 1,…</a:t>
+                </a:r>
+                <a:r>
+                  <a:rPr lang="en-GB" sz="3200" dirty="0" smtClean="0"/>
+                  <a:t>d</a:t>
                 </a:r>
               </a:p>
               <a:p>
-                <a:pPr marL="285750" indent="-285750">
+                <a:pPr lvl="2">
+                  <a:spcAft>
+                    <a:spcPts val="1200"/>
+                  </a:spcAft>
+                </a:pPr>
+                <a:r>
+                  <a:rPr lang="en-GB" sz="3200" dirty="0" smtClean="0"/>
+                  <a:t>Calculate change in </a:t>
+                </a:r>
+                <a14:m>
+                  <m:oMath xmlns:m="http://schemas.openxmlformats.org/officeDocument/2006/math">
+                    <m:sSub>
+                      <m:sSubPr>
+                        <m:ctrlPr>
+                          <a:rPr lang="en-GB" sz="3200" i="1">
+                            <a:latin typeface="Cambria Math"/>
+                          </a:rPr>
+                        </m:ctrlPr>
+                      </m:sSubPr>
+                      <m:e>
+                        <m:r>
+                          <a:rPr lang="de-DE" sz="3200" i="1">
+                            <a:latin typeface="Cambria Math"/>
+                          </a:rPr>
+                          <m:t>𝑟</m:t>
+                        </m:r>
+                      </m:e>
+                      <m:sub>
+                        <m:r>
+                          <a:rPr lang="de-DE" sz="3200" i="1">
+                            <a:latin typeface="Cambria Math"/>
+                          </a:rPr>
+                          <m:t>𝑖𝑗</m:t>
+                        </m:r>
+                      </m:sub>
+                    </m:sSub>
+                    <m:r>
+                      <a:rPr lang="de-DE" sz="3200" i="1">
+                        <a:latin typeface="Cambria Math"/>
+                      </a:rPr>
+                      <m:t>(</m:t>
+                    </m:r>
+                    <m:r>
+                      <a:rPr lang="de-DE" sz="3200" i="1">
+                        <a:latin typeface="Cambria Math"/>
+                      </a:rPr>
+                      <m:t>𝑡</m:t>
+                    </m:r>
+                    <m:r>
+                      <a:rPr lang="de-DE" sz="3200" i="1">
+                        <a:latin typeface="Cambria Math"/>
+                      </a:rPr>
+                      <m:t>)</m:t>
+                    </m:r>
+                  </m:oMath>
+                </a14:m>
+                <a:r>
+                  <a:rPr lang="en-GB" sz="3200" dirty="0" smtClean="0"/>
+                  <a:t> </a:t>
+                </a:r>
+                <a14:m>
+                  <m:oMath xmlns:m="http://schemas.openxmlformats.org/officeDocument/2006/math">
+                    <m:r>
+                      <a:rPr lang="de-DE" sz="3200" b="0" i="1">
+                        <a:latin typeface="Cambria Math"/>
+                        <a:ea typeface="Cambria Math"/>
+                      </a:rPr>
+                      <m:t>∀</m:t>
+                    </m:r>
+                    <m:r>
+                      <a:rPr lang="de-DE" sz="3200" b="0" i="1" smtClean="0">
+                        <a:latin typeface="Cambria Math"/>
+                        <a:ea typeface="Cambria Math"/>
+                      </a:rPr>
+                      <m:t>𝑖</m:t>
+                    </m:r>
+                    <m:r>
+                      <a:rPr lang="de-DE" sz="3200" i="1">
+                        <a:latin typeface="Cambria Math"/>
+                        <a:ea typeface="Cambria Math"/>
+                      </a:rPr>
+                      <m:t>∀</m:t>
+                    </m:r>
+                    <m:r>
+                      <a:rPr lang="de-DE" sz="3200" i="1">
+                        <a:latin typeface="Cambria Math"/>
+                        <a:ea typeface="Cambria Math"/>
+                      </a:rPr>
+                      <m:t>𝑗</m:t>
+                    </m:r>
+                  </m:oMath>
+                </a14:m>
+                <a:endParaRPr lang="en-GB" sz="3200" dirty="0" smtClean="0"/>
+              </a:p>
+              <a:p>
+                <a:pPr lvl="2">
+                  <a:spcAft>
+                    <a:spcPts val="1200"/>
+                  </a:spcAft>
+                </a:pPr>
+                <a14:m>
+                  <m:oMath xmlns:m="http://schemas.openxmlformats.org/officeDocument/2006/math">
+                    <m:r>
+                      <a:rPr lang="en-GB" sz="3200" i="1">
+                        <a:latin typeface="Cambria Math" charset="0"/>
+                        <a:ea typeface="Cambria Math" charset="0"/>
+                        <a:cs typeface="Cambria Math" charset="0"/>
+                      </a:rPr>
+                      <m:t>𝛥</m:t>
+                    </m:r>
+                    <m:sSub>
+                      <m:sSubPr>
+                        <m:ctrlPr>
+                          <a:rPr lang="en-GB" sz="3200" i="1" smtClean="0">
+                            <a:latin typeface="Cambria Math"/>
+                            <a:ea typeface="Cambria Math" charset="0"/>
+                          </a:rPr>
+                        </m:ctrlPr>
+                      </m:sSubPr>
+                      <m:e>
+                        <m:r>
+                          <a:rPr lang="de-DE" sz="3200" b="0" i="1" smtClean="0">
+                            <a:latin typeface="Cambria Math"/>
+                            <a:ea typeface="Cambria Math" charset="0"/>
+                          </a:rPr>
+                          <m:t>𝑟</m:t>
+                        </m:r>
+                      </m:e>
+                      <m:sub>
+                        <m:r>
+                          <a:rPr lang="de-DE" sz="3200" b="0" i="1" smtClean="0">
+                            <a:latin typeface="Cambria Math"/>
+                            <a:ea typeface="Cambria Math" charset="0"/>
+                          </a:rPr>
+                          <m:t>𝑖𝑗</m:t>
+                        </m:r>
+                      </m:sub>
+                    </m:sSub>
+                  </m:oMath>
+                </a14:m>
+                <a:r>
+                  <a:rPr lang="en-GB" sz="3200" dirty="0"/>
+                  <a:t> = </a:t>
+                </a:r>
+                <a14:m>
+                  <m:oMath xmlns:m="http://schemas.openxmlformats.org/officeDocument/2006/math">
+                    <m:d>
+                      <m:dPr>
+                        <m:begChr m:val="|"/>
+                        <m:endChr m:val="|"/>
+                        <m:ctrlPr>
+                          <a:rPr lang="de-DE" sz="3200" i="1">
+                            <a:latin typeface="Cambria Math"/>
+                          </a:rPr>
+                        </m:ctrlPr>
+                      </m:dPr>
+                      <m:e>
+                        <m:sSub>
+                          <m:sSubPr>
+                            <m:ctrlPr>
+                              <a:rPr lang="en-GB" sz="3200" i="1">
+                                <a:latin typeface="Cambria Math"/>
+                              </a:rPr>
+                            </m:ctrlPr>
+                          </m:sSubPr>
+                          <m:e>
+                            <m:r>
+                              <a:rPr lang="de-DE" sz="3200" i="1">
+                                <a:latin typeface="Cambria Math"/>
+                              </a:rPr>
+                              <m:t>𝑟</m:t>
+                            </m:r>
+                          </m:e>
+                          <m:sub>
+                            <m:r>
+                              <a:rPr lang="de-DE" sz="3200" i="1">
+                                <a:latin typeface="Cambria Math"/>
+                              </a:rPr>
+                              <m:t>𝑖𝑗</m:t>
+                            </m:r>
+                          </m:sub>
+                        </m:sSub>
+                        <m:r>
+                          <a:rPr lang="de-DE" sz="3200" i="1" baseline="30000">
+                            <a:latin typeface="Cambria Math"/>
+                          </a:rPr>
+                          <m:t>(</m:t>
+                        </m:r>
+                        <m:r>
+                          <a:rPr lang="de-DE" sz="3200" i="1" baseline="50000">
+                            <a:latin typeface="Cambria Math"/>
+                          </a:rPr>
+                          <m:t>𝑡</m:t>
+                        </m:r>
+                        <m:r>
+                          <a:rPr lang="de-DE" sz="3200" i="1" baseline="30000">
+                            <a:latin typeface="Cambria Math"/>
+                          </a:rPr>
+                          <m:t>)</m:t>
+                        </m:r>
+                        <m:r>
+                          <a:rPr lang="de-DE" sz="3200" i="1">
+                            <a:latin typeface="Cambria Math"/>
+                          </a:rPr>
+                          <m:t>−</m:t>
+                        </m:r>
+                        <m:sSub>
+                          <m:sSubPr>
+                            <m:ctrlPr>
+                              <a:rPr lang="en-GB" sz="3200" i="1">
+                                <a:latin typeface="Cambria Math"/>
+                              </a:rPr>
+                            </m:ctrlPr>
+                          </m:sSubPr>
+                          <m:e>
+                            <m:r>
+                              <a:rPr lang="de-DE" sz="3200" i="1">
+                                <a:latin typeface="Cambria Math"/>
+                              </a:rPr>
+                              <m:t>𝑟</m:t>
+                            </m:r>
+                          </m:e>
+                          <m:sub>
+                            <m:r>
+                              <a:rPr lang="de-DE" sz="3200" i="1">
+                                <a:latin typeface="Cambria Math"/>
+                              </a:rPr>
+                              <m:t>𝑖𝑗</m:t>
+                            </m:r>
+                          </m:sub>
+                        </m:sSub>
+                        <m:r>
+                          <a:rPr lang="de-DE" sz="3200" i="1" baseline="30000">
+                            <a:latin typeface="Cambria Math"/>
+                          </a:rPr>
+                          <m:t>(</m:t>
+                        </m:r>
+                        <m:r>
+                          <a:rPr lang="de-DE" sz="3200" i="1" baseline="50000">
+                            <a:latin typeface="Cambria Math"/>
+                          </a:rPr>
+                          <m:t>𝑡</m:t>
+                        </m:r>
+                        <m:r>
+                          <a:rPr lang="de-DE" sz="3200" b="0" i="1" baseline="26000" smtClean="0">
+                            <a:latin typeface="Cambria Math"/>
+                          </a:rPr>
+                          <m:t>−</m:t>
+                        </m:r>
+                        <m:r>
+                          <a:rPr lang="de-DE" sz="3200" b="0" i="1" baseline="50000" smtClean="0">
+                            <a:latin typeface="Cambria Math"/>
+                          </a:rPr>
+                          <m:t>1</m:t>
+                        </m:r>
+                        <m:r>
+                          <a:rPr lang="de-DE" sz="3200" i="1" baseline="30000">
+                            <a:latin typeface="Cambria Math"/>
+                          </a:rPr>
+                          <m:t>)</m:t>
+                        </m:r>
+                      </m:e>
+                    </m:d>
+                  </m:oMath>
+                </a14:m>
+                <a:r>
+                  <a:rPr lang="de-DE" sz="3200" b="0" dirty="0" smtClean="0"/>
+                  <a:t> </a:t>
+                </a:r>
+              </a:p>
+              <a:p>
+                <a:pPr lvl="2">
+                  <a:spcAft>
+                    <a:spcPts val="1200"/>
+                  </a:spcAft>
+                </a:pPr>
+                <a:r>
+                  <a:rPr lang="de-DE" sz="3200" dirty="0" err="1" smtClean="0"/>
+                  <a:t>Build</a:t>
+                </a:r>
+                <a:r>
+                  <a:rPr lang="de-DE" sz="3200" dirty="0" smtClean="0"/>
+                  <a:t> </a:t>
+                </a:r>
+                <a:r>
+                  <a:rPr lang="de-DE" sz="3200" dirty="0" err="1" smtClean="0"/>
+                  <a:t>matrix</a:t>
+                </a:r>
+                <a:r>
+                  <a:rPr lang="de-DE" sz="3200" dirty="0" smtClean="0"/>
+                  <a:t> </a:t>
+                </a:r>
+                <a14:m>
+                  <m:oMath xmlns:m="http://schemas.openxmlformats.org/officeDocument/2006/math">
+                    <m:r>
+                      <a:rPr lang="de-DE" sz="3200" b="0" i="1" smtClean="0">
+                        <a:latin typeface="Cambria Math"/>
+                      </a:rPr>
+                      <m:t>𝐷𝑀</m:t>
+                    </m:r>
+                  </m:oMath>
+                </a14:m>
+                <a:endParaRPr lang="de-DE" sz="3200" b="0" dirty="0" smtClean="0"/>
+              </a:p>
+              <a:p>
+                <a:pPr lvl="2">
+                  <a:spcAft>
+                    <a:spcPts val="1200"/>
+                  </a:spcAft>
+                </a:pPr>
+                <a14:m>
+                  <m:oMathPara xmlns:m="http://schemas.openxmlformats.org/officeDocument/2006/math">
+                    <m:oMathParaPr>
+                      <m:jc m:val="centerGroup"/>
+                    </m:oMathParaPr>
+                    <m:oMath xmlns:m="http://schemas.openxmlformats.org/officeDocument/2006/math">
+                      <m:r>
+                        <a:rPr lang="de-DE" sz="3200" b="0" i="1" smtClean="0">
+                          <a:latin typeface="Cambria Math"/>
+                        </a:rPr>
+                        <m:t>𝐷𝑀</m:t>
+                      </m:r>
+                      <m:r>
+                        <a:rPr lang="de-DE" sz="3200" b="0" i="1" smtClean="0">
+                          <a:latin typeface="Cambria Math"/>
+                        </a:rPr>
+                        <m:t>= </m:t>
+                      </m:r>
+                      <m:d>
+                        <m:dPr>
+                          <m:ctrlPr>
+                            <a:rPr lang="de-DE" sz="3200" b="0" i="1" smtClean="0">
+                              <a:latin typeface="Cambria Math"/>
+                            </a:rPr>
+                          </m:ctrlPr>
+                        </m:dPr>
+                        <m:e>
+                          <m:m>
+                            <m:mPr>
+                              <m:mcs>
+                                <m:mc>
+                                  <m:mcPr>
+                                    <m:count m:val="3"/>
+                                    <m:mcJc m:val="center"/>
+                                  </m:mcPr>
+                                </m:mc>
+                              </m:mcs>
+                              <m:ctrlPr>
+                                <a:rPr lang="de-DE" sz="3200" b="0" i="1" smtClean="0">
+                                  <a:latin typeface="Cambria Math"/>
+                                </a:rPr>
+                              </m:ctrlPr>
+                            </m:mPr>
+                            <m:mr>
+                              <m:e>
+                                <m:sSub>
+                                  <m:sSubPr>
+                                    <m:ctrlPr>
+                                      <a:rPr lang="de-DE" sz="3200" b="0" i="1" smtClean="0">
+                                        <a:latin typeface="Cambria Math"/>
+                                      </a:rPr>
+                                    </m:ctrlPr>
+                                  </m:sSubPr>
+                                  <m:e>
+                                    <m:r>
+                                      <a:rPr lang="de-DE" sz="3200" b="0" i="1" smtClean="0">
+                                        <a:latin typeface="Cambria Math"/>
+                                      </a:rPr>
+                                      <m:t>𝑟</m:t>
+                                    </m:r>
+                                  </m:e>
+                                  <m:sub>
+                                    <m:r>
+                                      <a:rPr lang="de-DE" sz="3200" b="0" i="1" smtClean="0">
+                                        <a:latin typeface="Cambria Math"/>
+                                      </a:rPr>
+                                      <m:t>11</m:t>
+                                    </m:r>
+                                  </m:sub>
+                                </m:sSub>
+                              </m:e>
+                              <m:e>
+                                <m:r>
+                                  <a:rPr lang="de-DE" sz="3200" b="0" i="1" smtClean="0">
+                                    <a:latin typeface="Cambria Math"/>
+                                  </a:rPr>
+                                  <m:t>⋯</m:t>
+                                </m:r>
+                              </m:e>
+                              <m:e>
+                                <m:sSub>
+                                  <m:sSubPr>
+                                    <m:ctrlPr>
+                                      <a:rPr lang="de-DE" sz="3200" b="0" i="1" smtClean="0">
+                                        <a:latin typeface="Cambria Math"/>
+                                      </a:rPr>
+                                    </m:ctrlPr>
+                                  </m:sSubPr>
+                                  <m:e>
+                                    <m:r>
+                                      <a:rPr lang="de-DE" sz="3200" b="0" i="1" smtClean="0">
+                                        <a:latin typeface="Cambria Math"/>
+                                      </a:rPr>
+                                      <m:t>𝑟</m:t>
+                                    </m:r>
+                                  </m:e>
+                                  <m:sub>
+                                    <m:r>
+                                      <a:rPr lang="de-DE" sz="3200" b="0" i="1" smtClean="0">
+                                        <a:latin typeface="Cambria Math"/>
+                                      </a:rPr>
+                                      <m:t>1</m:t>
+                                    </m:r>
+                                    <m:r>
+                                      <a:rPr lang="de-DE" sz="3200" b="0" i="1" smtClean="0">
+                                        <a:latin typeface="Cambria Math"/>
+                                      </a:rPr>
+                                      <m:t>𝑗</m:t>
+                                    </m:r>
+                                  </m:sub>
+                                </m:sSub>
+                              </m:e>
+                            </m:mr>
+                            <m:mr>
+                              <m:e>
+                                <m:r>
+                                  <a:rPr lang="de-DE" sz="3200" b="0" i="1" smtClean="0">
+                                    <a:latin typeface="Cambria Math"/>
+                                  </a:rPr>
+                                  <m:t>⋮</m:t>
+                                </m:r>
+                              </m:e>
+                              <m:e>
+                                <m:r>
+                                  <a:rPr lang="de-DE" sz="3200" b="0" i="1" smtClean="0">
+                                    <a:latin typeface="Cambria Math"/>
+                                  </a:rPr>
+                                  <m:t>⋱</m:t>
+                                </m:r>
+                              </m:e>
+                              <m:e>
+                                <m:r>
+                                  <a:rPr lang="de-DE" sz="3200" b="0" i="1" smtClean="0">
+                                    <a:latin typeface="Cambria Math"/>
+                                  </a:rPr>
+                                  <m:t>⋮</m:t>
+                                </m:r>
+                              </m:e>
+                            </m:mr>
+                            <m:mr>
+                              <m:e>
+                                <m:sSub>
+                                  <m:sSubPr>
+                                    <m:ctrlPr>
+                                      <a:rPr lang="de-DE" sz="3200" b="0" i="1" smtClean="0">
+                                        <a:latin typeface="Cambria Math"/>
+                                      </a:rPr>
+                                    </m:ctrlPr>
+                                  </m:sSubPr>
+                                  <m:e>
+                                    <m:r>
+                                      <a:rPr lang="de-DE" sz="3200" b="0" i="1" smtClean="0">
+                                        <a:latin typeface="Cambria Math"/>
+                                      </a:rPr>
+                                      <m:t>𝑟</m:t>
+                                    </m:r>
+                                  </m:e>
+                                  <m:sub>
+                                    <m:r>
+                                      <a:rPr lang="de-DE" sz="3200" b="0" i="1" smtClean="0">
+                                        <a:latin typeface="Cambria Math"/>
+                                      </a:rPr>
+                                      <m:t>𝑖</m:t>
+                                    </m:r>
+                                    <m:r>
+                                      <a:rPr lang="de-DE" sz="3200" b="0" i="1" smtClean="0">
+                                        <a:latin typeface="Cambria Math"/>
+                                      </a:rPr>
+                                      <m:t>1</m:t>
+                                    </m:r>
+                                  </m:sub>
+                                </m:sSub>
+                              </m:e>
+                              <m:e>
+                                <m:r>
+                                  <a:rPr lang="de-DE" sz="3200" b="0" i="1" smtClean="0">
+                                    <a:latin typeface="Cambria Math"/>
+                                  </a:rPr>
+                                  <m:t>⋯</m:t>
+                                </m:r>
+                              </m:e>
+                              <m:e>
+                                <m:sSub>
+                                  <m:sSubPr>
+                                    <m:ctrlPr>
+                                      <a:rPr lang="de-DE" sz="3200" b="0" i="1" smtClean="0">
+                                        <a:latin typeface="Cambria Math"/>
+                                      </a:rPr>
+                                    </m:ctrlPr>
+                                  </m:sSubPr>
+                                  <m:e>
+                                    <m:r>
+                                      <a:rPr lang="de-DE" sz="3200" b="0" i="1" smtClean="0">
+                                        <a:latin typeface="Cambria Math"/>
+                                      </a:rPr>
+                                      <m:t>𝑟</m:t>
+                                    </m:r>
+                                  </m:e>
+                                  <m:sub>
+                                    <m:r>
+                                      <a:rPr lang="de-DE" sz="3200" b="0" i="1" smtClean="0">
+                                        <a:latin typeface="Cambria Math"/>
+                                      </a:rPr>
+                                      <m:t>𝑖𝑗</m:t>
+                                    </m:r>
+                                  </m:sub>
+                                </m:sSub>
+                              </m:e>
+                            </m:mr>
+                          </m:m>
+                        </m:e>
+                      </m:d>
+                    </m:oMath>
+                  </m:oMathPara>
+                </a14:m>
+                <a:endParaRPr lang="de-DE" sz="3200" b="0" dirty="0" smtClean="0"/>
+              </a:p>
+              <a:p>
+                <a:pPr marL="457200" indent="-457200">
                   <a:spcAft>
                     <a:spcPts val="1200"/>
                   </a:spcAft>
@@ -6593,16 +7333,27 @@
                   <a:buChar char="•"/>
                 </a:pPr>
                 <a:r>
-                  <a:rPr lang="en-GB" sz="3200" b="1" dirty="0"/>
+                  <a:rPr lang="en-GB" sz="3200" b="1" dirty="0" smtClean="0"/>
                   <a:t>Step 3:</a:t>
                 </a:r>
                 <a:r>
-                  <a:rPr lang="en-GB" sz="3200" dirty="0"/>
-                  <a:t> Evaluation of </a:t>
+                  <a:rPr lang="en-GB" sz="3200" dirty="0" smtClean="0"/>
+                  <a:t> </a:t>
                 </a:r>
               </a:p>
               <a:p>
-                <a:pPr algn="ctr">
+                <a:pPr lvl="1">
+                  <a:spcAft>
+                    <a:spcPts val="1200"/>
+                  </a:spcAft>
+                </a:pPr>
+                <a:r>
+                  <a:rPr lang="en-GB" sz="3200" dirty="0" smtClean="0"/>
+                  <a:t>Calculate asymptotic variance-covariance matrix</a:t>
+                </a:r>
+              </a:p>
+              <a:p>
+                <a:pPr lvl="1">
                   <a:spcAft>
                     <a:spcPts val="1200"/>
                   </a:spcAft>
@@ -6625,7 +7376,7 @@
                       <m:sSupPr>
                         <m:ctrlPr>
                           <a:rPr lang="de-DE" sz="3200" b="0" i="1" smtClean="0">
-                            <a:latin typeface="Cambria Math" panose="02040503050406030204" pitchFamily="18" charset="0"/>
+                            <a:latin typeface="Cambria Math"/>
                           </a:rPr>
                         </m:ctrlPr>
                       </m:sSupPr>
@@ -6634,7 +7385,7 @@
                           <m:sSubPr>
                             <m:ctrlPr>
                               <a:rPr lang="en-GB" sz="3200" i="1" dirty="0">
-                                <a:latin typeface="Cambria Math" panose="02040503050406030204" pitchFamily="18" charset="0"/>
+                                <a:latin typeface="Cambria Math"/>
                               </a:rPr>
                             </m:ctrlPr>
                           </m:sSubPr>
@@ -6727,7 +7478,7 @@
                       <m:sSupPr>
                         <m:ctrlPr>
                           <a:rPr lang="de-DE" sz="3200" i="1">
-                            <a:latin typeface="Cambria Math" panose="02040503050406030204" pitchFamily="18" charset="0"/>
+                            <a:latin typeface="Cambria Math"/>
                           </a:rPr>
                         </m:ctrlPr>
                       </m:sSupPr>
@@ -6736,7 +7487,7 @@
                           <m:sSubPr>
                             <m:ctrlPr>
                               <a:rPr lang="en-GB" sz="3200" i="1" dirty="0">
-                                <a:latin typeface="Cambria Math" panose="02040503050406030204" pitchFamily="18" charset="0"/>
+                                <a:latin typeface="Cambria Math"/>
                               </a:rPr>
                             </m:ctrlPr>
                           </m:sSubPr>
@@ -6779,7 +7530,7 @@
                       <m:sSupPr>
                         <m:ctrlPr>
                           <a:rPr lang="en-GB" sz="3200" i="1" smtClean="0">
-                            <a:latin typeface="Cambria Math" panose="02040503050406030204" pitchFamily="18" charset="0"/>
+                            <a:latin typeface="Cambria Math"/>
                           </a:rPr>
                         </m:ctrlPr>
                       </m:sSupPr>
@@ -6833,49 +7584,6 @@
                 </a14:m>
                 <a:endParaRPr lang="de-DE" sz="3200" b="0" dirty="0"/>
               </a:p>
-              <a:p>
-                <a:pPr>
-                  <a:spcAft>
-                    <a:spcPts val="1200"/>
-                  </a:spcAft>
-                </a:pPr>
-                <a:r>
-                  <a:rPr lang="de-DE" sz="3200" dirty="0"/>
-                  <a:t>NOTE: FOR SEM USE </a:t>
-                </a:r>
-                <a:r>
-                  <a:rPr lang="de-DE" sz="3200" dirty="0" err="1"/>
-                  <a:t>sqrt</a:t>
-                </a:r>
-                <a:r>
-                  <a:rPr lang="de-DE" sz="3200" dirty="0"/>
-                  <a:t>(</a:t>
-                </a:r>
-                <a14:m>
-                  <m:oMath xmlns:m="http://schemas.openxmlformats.org/officeDocument/2006/math">
-                    <m:r>
-                      <a:rPr lang="en-GB" sz="3200" b="1" i="1">
-                        <a:latin typeface="Cambria Math" charset="0"/>
-                        <a:ea typeface="Cambria Math" charset="0"/>
-                        <a:cs typeface="Cambria Math" charset="0"/>
-                      </a:rPr>
-                      <m:t>𝜺</m:t>
-                    </m:r>
-                  </m:oMath>
-                </a14:m>
-                <a:r>
-                  <a:rPr lang="de-DE" sz="3200" b="0" dirty="0"/>
-                  <a:t>) AS STOPPING CRITERION</a:t>
-                </a:r>
-              </a:p>
-              <a:p>
-                <a:pPr>
-                  <a:spcAft>
-                    <a:spcPts val="1200"/>
-                  </a:spcAft>
-                </a:pPr>
-                <a:endParaRPr lang="en-GB" sz="2800" dirty="0"/>
-              </a:p>
             </p:txBody>
           </p:sp>
         </mc:Choice>
@@ -6890,16 +7598,16 @@
             </p:nvSpPr>
             <p:spPr>
               <a:xfrm>
-                <a:off x="11596727" y="6697869"/>
-                <a:ext cx="9344942" cy="8267648"/>
+                <a:off x="11532519" y="6697869"/>
+                <a:ext cx="9344946" cy="12979515"/>
               </a:xfrm>
               <a:prstGeom prst="rect">
                 <a:avLst/>
               </a:prstGeom>
-              <a:blipFill>
+              <a:blipFill rotWithShape="1">
                 <a:blip r:embed="rId5"/>
                 <a:stretch>
-                  <a:fillRect l="-1631" t="-959"/>
+                  <a:fillRect l="-1500" t="-611" r="-1174" b="-658"/>
                 </a:stretch>
               </a:blipFill>
             </p:spPr>
@@ -7105,8 +7813,8 @@
           </a:p>
         </p:txBody>
       </p:sp>
-      <mc:AlternateContent xmlns:mc="http://schemas.openxmlformats.org/markup-compatibility/2006" xmlns:a14="http://schemas.microsoft.com/office/drawing/2010/main">
-        <mc:Choice Requires="a14">
+      <mc:AlternateContent xmlns:mc="http://schemas.openxmlformats.org/markup-compatibility/2006">
+        <mc:Choice xmlns:a14="http://schemas.microsoft.com/office/drawing/2010/main" Requires="a14">
           <p:sp>
             <p:nvSpPr>
               <p:cNvPr id="5" name="Textfeld 4"/>
@@ -7115,8 +7823,8 @@
             </p:nvSpPr>
             <p:spPr>
               <a:xfrm>
-                <a:off x="11674696" y="16206123"/>
-                <a:ext cx="9190206" cy="6109749"/>
+                <a:off x="11662735" y="21711573"/>
+                <a:ext cx="9190206" cy="5797164"/>
               </a:xfrm>
               <a:prstGeom prst="rect">
                 <a:avLst/>
@@ -7129,284 +7837,314 @@
               </a:bodyPr>
               <a:lstStyle/>
               <a:p>
-                <a:r>
-                  <a:rPr lang="de-DE" sz="3200" dirty="0"/>
-                  <a:t>Data was </a:t>
-                </a:r>
-                <a:r>
-                  <a:rPr lang="de-DE" sz="3200" dirty="0" err="1"/>
-                  <a:t>drawn</a:t>
+                <a:pPr marL="457200" indent="-457200">
+                  <a:buFont typeface="Arial" pitchFamily="34" charset="0"/>
+                  <a:buChar char="•"/>
+                </a:pPr>
+                <a:r>
+                  <a:rPr lang="de-DE" sz="3200" dirty="0" smtClean="0"/>
+                  <a:t>Data </a:t>
+                </a:r>
+                <a:r>
+                  <a:rPr lang="de-DE" sz="3200" dirty="0" err="1" smtClean="0"/>
+                  <a:t>simulation</a:t>
+                </a:r>
+                <a:r>
+                  <a:rPr lang="de-DE" sz="3200" dirty="0" smtClean="0"/>
+                  <a:t> </a:t>
+                </a:r>
+                <a:r>
+                  <a:rPr lang="de-DE" sz="3200" dirty="0" err="1" smtClean="0"/>
+                  <a:t>by</a:t>
+                </a:r>
+                <a:r>
+                  <a:rPr lang="de-DE" sz="3200" dirty="0" smtClean="0"/>
+                  <a:t> </a:t>
+                </a:r>
+                <a:r>
+                  <a:rPr lang="de-DE" sz="3200" dirty="0" err="1" smtClean="0"/>
+                  <a:t>random</a:t>
+                </a:r>
+                <a:r>
+                  <a:rPr lang="de-DE" sz="3200" dirty="0" smtClean="0"/>
+                  <a:t> </a:t>
+                </a:r>
+                <a:r>
+                  <a:rPr lang="de-DE" sz="3200" dirty="0" err="1" smtClean="0"/>
+                  <a:t>draw</a:t>
+                </a:r>
+                <a:r>
+                  <a:rPr lang="de-DE" sz="3200" dirty="0" smtClean="0"/>
+                  <a:t> </a:t>
+                </a:r>
+                <a:r>
+                  <a:rPr lang="de-DE" sz="3200" dirty="0" err="1" smtClean="0"/>
+                  <a:t>from</a:t>
                 </a:r>
                 <a:r>
                   <a:rPr lang="de-DE" sz="3200" dirty="0"/>
                   <a:t> </a:t>
                 </a:r>
                 <a:r>
-                  <a:rPr lang="de-DE" sz="3200" dirty="0" err="1"/>
-                  <a:t>randomly</a:t>
-                </a:r>
-                <a:r>
-                  <a:rPr lang="de-DE" sz="3200" dirty="0"/>
-                  <a:t> </a:t>
-                </a:r>
-                <a:r>
-                  <a:rPr lang="de-DE" sz="3200" dirty="0" err="1"/>
-                  <a:t>from</a:t>
-                </a:r>
-                <a:r>
-                  <a:rPr lang="de-DE" sz="3200" dirty="0"/>
-                  <a:t> </a:t>
-                </a:r>
-                <a:r>
-                  <a:rPr lang="de-DE" sz="3200" dirty="0" err="1"/>
-                  <a:t>the</a:t>
-                </a:r>
-                <a:r>
-                  <a:rPr lang="de-DE" sz="3200" dirty="0"/>
-                  <a:t> </a:t>
-                </a:r>
-                <a:r>
-                  <a:rPr lang="de-DE" sz="3200" dirty="0" err="1"/>
-                  <a:t>following</a:t>
-                </a:r>
-                <a:r>
-                  <a:rPr lang="de-DE" sz="3200" dirty="0"/>
-                  <a:t> </a:t>
-                </a:r>
-                <a:r>
-                  <a:rPr lang="de-DE" sz="3200" dirty="0" err="1"/>
+                  <a:rPr lang="de-DE" sz="3200" dirty="0" err="1" smtClean="0"/>
+                  <a:t>bivariate</a:t>
+                </a:r>
+                <a:r>
+                  <a:rPr lang="de-DE" sz="3200" dirty="0" smtClean="0"/>
+                  <a:t> normal </a:t>
+                </a:r>
+                <a:r>
+                  <a:rPr lang="de-DE" sz="3200" dirty="0" err="1" smtClean="0"/>
                   <a:t>distribution</a:t>
                 </a:r>
                 <a:r>
-                  <a:rPr lang="de-DE" sz="3200" dirty="0"/>
-                  <a:t> (TODO: finale Werte eintragen):</a:t>
-                </a:r>
+                  <a:rPr lang="de-DE" sz="3200" dirty="0" smtClean="0"/>
+                  <a:t>:</a:t>
+                </a:r>
+                <a:endParaRPr lang="de-DE" sz="3200" b="0" i="0" dirty="0" smtClean="0">
+                  <a:latin typeface="Cambria Math"/>
+                  <a:ea typeface="Cambria Math" charset="0"/>
+                  <a:cs typeface="Cambria Math" charset="0"/>
+                </a:endParaRPr>
               </a:p>
               <a:p>
-                <a:r>
-                  <a:rPr lang="de-DE" sz="3200" dirty="0"/>
-                  <a:t>X</a:t>
-                </a:r>
+                <a:pPr/>
                 <a14:m>
-                  <m:oMath xmlns:m="http://schemas.openxmlformats.org/officeDocument/2006/math">
-                    <m:r>
-                      <a:rPr lang="en-US" sz="3200" i="1" smtClean="0">
-                        <a:latin typeface="Cambria Math" charset="0"/>
-                        <a:ea typeface="Cambria Math" charset="0"/>
-                        <a:cs typeface="Cambria Math" charset="0"/>
-                      </a:rPr>
-                      <m:t>~</m:t>
-                    </m:r>
-                    <m:r>
-                      <a:rPr lang="en-US" sz="3200" i="1" smtClean="0">
-                        <a:latin typeface="Cambria Math" charset="0"/>
-                        <a:ea typeface="Cambria Math" charset="0"/>
-                        <a:cs typeface="Cambria Math" charset="0"/>
-                      </a:rPr>
-                      <m:t>𝒩</m:t>
-                    </m:r>
-                    <m:d>
-                      <m:dPr>
-                        <m:ctrlPr>
-                          <a:rPr lang="mr-IN" sz="3200" b="0" i="1" smtClean="0">
-                            <a:latin typeface="Cambria Math" panose="02040503050406030204" pitchFamily="18" charset="0"/>
-                            <a:ea typeface="Cambria Math" charset="0"/>
-                            <a:cs typeface="Cambria Math" charset="0"/>
-                          </a:rPr>
-                        </m:ctrlPr>
-                      </m:dPr>
-                      <m:e>
-                        <m:d>
-                          <m:dPr>
-                            <m:ctrlPr>
-                              <a:rPr lang="mr-IN" sz="3200" i="1">
-                                <a:latin typeface="Cambria Math" panose="02040503050406030204" pitchFamily="18" charset="0"/>
-                                <a:ea typeface="Cambria Math" charset="0"/>
-                                <a:cs typeface="Cambria Math" charset="0"/>
-                              </a:rPr>
-                            </m:ctrlPr>
-                          </m:dPr>
-                          <m:e>
-                            <m:m>
-                              <m:mPr>
-                                <m:mcs>
-                                  <m:mc>
-                                    <m:mcPr>
-                                      <m:count m:val="1"/>
-                                      <m:mcJc m:val="center"/>
-                                    </m:mcPr>
-                                  </m:mc>
-                                </m:mcs>
-                                <m:ctrlPr>
-                                  <a:rPr lang="mr-IN" sz="3200" i="1">
-                                    <a:latin typeface="Cambria Math" panose="02040503050406030204" pitchFamily="18" charset="0"/>
-                                    <a:ea typeface="Cambria Math" charset="0"/>
-                                    <a:cs typeface="Cambria Math" charset="0"/>
-                                  </a:rPr>
-                                </m:ctrlPr>
-                              </m:mPr>
-                              <m:mr>
-                                <m:e>
+                  <m:oMathPara xmlns:m="http://schemas.openxmlformats.org/officeDocument/2006/math">
+                    <m:oMathParaPr>
+                      <m:jc m:val="centerGroup"/>
+                    </m:oMathParaPr>
+                    <m:oMath xmlns:m="http://schemas.openxmlformats.org/officeDocument/2006/math">
+                      <m:r>
+                        <m:rPr>
+                          <m:sty m:val="p"/>
+                        </m:rPr>
+                        <a:rPr lang="de-DE" sz="3200" b="0" i="0" smtClean="0">
+                          <a:latin typeface="Cambria Math"/>
+                          <a:ea typeface="Cambria Math" charset="0"/>
+                          <a:cs typeface="Cambria Math" charset="0"/>
+                        </a:rPr>
+                        <m:t>Y</m:t>
+                      </m:r>
+                      <m:r>
+                        <a:rPr lang="de-DE" sz="3200" b="0" i="0" smtClean="0">
+                          <a:latin typeface="Cambria Math"/>
+                          <a:ea typeface="Cambria Math" charset="0"/>
+                          <a:cs typeface="Cambria Math" charset="0"/>
+                        </a:rPr>
+                        <m:t>= </m:t>
+                      </m:r>
+                      <m:d>
+                        <m:dPr>
+                          <m:ctrlPr>
+                            <a:rPr lang="de-DE" sz="3200" b="0" i="1" smtClean="0">
+                              <a:latin typeface="Cambria Math"/>
+                              <a:ea typeface="Cambria Math" charset="0"/>
+                            </a:rPr>
+                          </m:ctrlPr>
+                        </m:dPr>
+                        <m:e>
+                          <m:f>
+                            <m:fPr>
+                              <m:type m:val="noBar"/>
+                              <m:ctrlPr>
+                                <a:rPr lang="de-DE" sz="3200" b="0" i="1" smtClean="0">
+                                  <a:latin typeface="Cambria Math"/>
+                                  <a:ea typeface="Cambria Math" charset="0"/>
+                                </a:rPr>
+                              </m:ctrlPr>
+                            </m:fPr>
+                            <m:num>
+                              <m:r>
+                                <a:rPr lang="de-DE" sz="3200" b="0" i="1" smtClean="0">
+                                  <a:latin typeface="Cambria Math"/>
+                                  <a:ea typeface="Cambria Math" charset="0"/>
+                                </a:rPr>
+                                <m:t>𝑌</m:t>
+                              </m:r>
+                              <m:r>
+                                <a:rPr lang="de-DE" sz="3200" b="0" i="1" baseline="-25000" smtClean="0">
+                                  <a:latin typeface="Cambria Math"/>
+                                  <a:ea typeface="Cambria Math" charset="0"/>
+                                </a:rPr>
+                                <m:t>1</m:t>
+                              </m:r>
+                            </m:num>
+                            <m:den>
+                              <m:r>
+                                <a:rPr lang="de-DE" sz="3200" b="0" i="1" smtClean="0">
+                                  <a:latin typeface="Cambria Math"/>
+                                  <a:ea typeface="Cambria Math" charset="0"/>
+                                </a:rPr>
+                                <m:t>𝑌</m:t>
+                              </m:r>
+                              <m:r>
+                                <a:rPr lang="de-DE" sz="3200" b="0" i="1" baseline="-25000" smtClean="0">
+                                  <a:latin typeface="Cambria Math"/>
+                                  <a:ea typeface="Cambria Math" charset="0"/>
+                                </a:rPr>
+                                <m:t>2</m:t>
+                              </m:r>
+                            </m:den>
+                          </m:f>
+                        </m:e>
+                      </m:d>
+                      <m:r>
+                        <a:rPr lang="en-US" sz="3200" i="1" smtClean="0">
+                          <a:latin typeface="Cambria Math" charset="0"/>
+                          <a:ea typeface="Cambria Math" charset="0"/>
+                          <a:cs typeface="Cambria Math" charset="0"/>
+                        </a:rPr>
+                        <m:t>~</m:t>
+                      </m:r>
+                      <m:r>
+                        <a:rPr lang="en-US" sz="3200" i="1" smtClean="0">
+                          <a:latin typeface="Cambria Math" charset="0"/>
+                          <a:ea typeface="Cambria Math" charset="0"/>
+                          <a:cs typeface="Cambria Math" charset="0"/>
+                        </a:rPr>
+                        <m:t>𝒩</m:t>
+                      </m:r>
+                      <m:d>
+                        <m:dPr>
+                          <m:ctrlPr>
+                            <a:rPr lang="mr-IN" sz="3200" b="0" i="1" smtClean="0">
+                              <a:latin typeface="Cambria Math"/>
+                              <a:ea typeface="Cambria Math" charset="0"/>
+                              <a:cs typeface="Cambria Math" charset="0"/>
+                            </a:rPr>
+                          </m:ctrlPr>
+                        </m:dPr>
+                        <m:e>
+                          <m:d>
+                            <m:dPr>
+                              <m:ctrlPr>
+                                <a:rPr lang="mr-IN" sz="3200" b="0" i="1" smtClean="0">
+                                  <a:latin typeface="Cambria Math"/>
+                                  <a:ea typeface="Cambria Math" charset="0"/>
+                                </a:rPr>
+                              </m:ctrlPr>
+                            </m:dPr>
+                            <m:e>
+                              <m:f>
+                                <m:fPr>
+                                  <m:type m:val="noBar"/>
+                                  <m:ctrlPr>
+                                    <a:rPr lang="mr-IN" sz="3200" b="0" i="1" smtClean="0">
+                                      <a:latin typeface="Cambria Math"/>
+                                      <a:ea typeface="Cambria Math" charset="0"/>
+                                    </a:rPr>
+                                  </m:ctrlPr>
+                                </m:fPr>
+                                <m:num>
                                   <m:r>
-                                    <m:rPr>
-                                      <m:brk m:alnAt="7"/>
-                                    </m:rPr>
-                                    <a:rPr lang="de-DE" sz="3200" i="1">
-                                      <a:latin typeface="Cambria Math" charset="0"/>
+                                    <a:rPr lang="de-DE" sz="3200" b="0" i="1" smtClean="0">
+                                      <a:latin typeface="Cambria Math"/>
                                       <a:ea typeface="Cambria Math" charset="0"/>
-                                      <a:cs typeface="Cambria Math" charset="0"/>
                                     </a:rPr>
                                     <m:t>0</m:t>
                                   </m:r>
-                                </m:e>
-                              </m:mr>
-                              <m:mr>
-                                <m:e>
+                                </m:num>
+                                <m:den>
                                   <m:r>
-                                    <a:rPr lang="de-DE" sz="3200" i="1">
-                                      <a:latin typeface="Cambria Math" charset="0"/>
+                                    <a:rPr lang="de-DE" sz="3200" b="0" i="1" smtClean="0">
+                                      <a:latin typeface="Cambria Math"/>
                                       <a:ea typeface="Cambria Math" charset="0"/>
-                                      <a:cs typeface="Cambria Math" charset="0"/>
                                     </a:rPr>
                                     <m:t>0</m:t>
                                   </m:r>
-                                </m:e>
-                              </m:mr>
-                              <m:mr>
-                                <m:e>
+                                </m:den>
+                              </m:f>
+                            </m:e>
+                          </m:d>
+                          <m:r>
+                            <a:rPr lang="de-DE" sz="3200" b="0" i="1" smtClean="0">
+                              <a:latin typeface="Cambria Math"/>
+                              <a:ea typeface="Cambria Math" charset="0"/>
+                            </a:rPr>
+                            <m:t>,</m:t>
+                          </m:r>
+                          <m:d>
+                            <m:dPr>
+                              <m:ctrlPr>
+                                <a:rPr lang="de-DE" sz="3200" b="0" i="1" smtClean="0">
+                                  <a:latin typeface="Cambria Math"/>
+                                  <a:ea typeface="Cambria Math" charset="0"/>
+                                </a:rPr>
+                              </m:ctrlPr>
+                            </m:dPr>
+                            <m:e>
+                              <m:f>
+                                <m:fPr>
+                                  <m:type m:val="noBar"/>
+                                  <m:ctrlPr>
+                                    <a:rPr lang="de-DE" sz="3200" b="0" i="1" smtClean="0">
+                                      <a:latin typeface="Cambria Math"/>
+                                      <a:ea typeface="Cambria Math" charset="0"/>
+                                    </a:rPr>
+                                  </m:ctrlPr>
+                                </m:fPr>
+                                <m:num>
                                   <m:r>
-                                    <a:rPr lang="de-DE" sz="3200" i="1">
-                                      <a:latin typeface="Cambria Math" charset="0"/>
+                                    <a:rPr lang="de-DE" sz="3200" b="0" i="1" smtClean="0">
+                                      <a:latin typeface="Cambria Math"/>
                                       <a:ea typeface="Cambria Math" charset="0"/>
-                                      <a:cs typeface="Cambria Math" charset="0"/>
+                                    </a:rPr>
+                                    <m:t>1</m:t>
+                                  </m:r>
+                                </m:num>
+                                <m:den>
+                                  <m:r>
+                                    <a:rPr lang="de-DE" sz="3200" b="0" i="1" smtClean="0">
+                                      <a:latin typeface="Cambria Math"/>
+                                      <a:ea typeface="Cambria Math" charset="0"/>
+                                    </a:rPr>
+                                    <m:t>0 </m:t>
+                                  </m:r>
+                                </m:den>
+                              </m:f>
+                              <m:r>
+                                <a:rPr lang="de-DE" sz="3200" b="0" i="1" smtClean="0">
+                                  <a:latin typeface="Cambria Math"/>
+                                  <a:ea typeface="Cambria Math" charset="0"/>
+                                </a:rPr>
+                                <m:t>  </m:t>
+                              </m:r>
+                              <m:f>
+                                <m:fPr>
+                                  <m:type m:val="noBar"/>
+                                  <m:ctrlPr>
+                                    <a:rPr lang="de-DE" sz="3200" b="0" i="1" smtClean="0">
+                                      <a:latin typeface="Cambria Math"/>
+                                      <a:ea typeface="Cambria Math" charset="0"/>
+                                    </a:rPr>
+                                  </m:ctrlPr>
+                                </m:fPr>
+                                <m:num>
+                                  <m:r>
+                                    <a:rPr lang="de-DE" sz="3200" b="0" i="1" smtClean="0">
+                                      <a:latin typeface="Cambria Math"/>
+                                      <a:ea typeface="Cambria Math" charset="0"/>
                                     </a:rPr>
                                     <m:t>0</m:t>
                                   </m:r>
-                                </m:e>
-                              </m:mr>
-                            </m:m>
-                          </m:e>
-                        </m:d>
-                        <m:r>
-                          <a:rPr lang="de-DE" sz="3200" i="1">
-                            <a:latin typeface="Cambria Math" charset="0"/>
-                            <a:ea typeface="Cambria Math" charset="0"/>
-                            <a:cs typeface="Cambria Math" charset="0"/>
-                          </a:rPr>
-                          <m:t>, </m:t>
-                        </m:r>
-                        <m:d>
-                          <m:dPr>
-                            <m:ctrlPr>
-                              <a:rPr lang="mr-IN" sz="3200" i="1">
-                                <a:latin typeface="Cambria Math" panose="02040503050406030204" pitchFamily="18" charset="0"/>
-                              </a:rPr>
-                            </m:ctrlPr>
-                          </m:dPr>
-                          <m:e>
-                            <m:m>
-                              <m:mPr>
-                                <m:mcs>
-                                  <m:mc>
-                                    <m:mcPr>
-                                      <m:count m:val="3"/>
-                                      <m:mcJc m:val="center"/>
-                                    </m:mcPr>
-                                  </m:mc>
-                                </m:mcs>
-                                <m:ctrlPr>
-                                  <a:rPr lang="uk-UA" sz="3200" i="1">
-                                    <a:latin typeface="Cambria Math" panose="02040503050406030204" pitchFamily="18" charset="0"/>
-                                  </a:rPr>
-                                </m:ctrlPr>
-                              </m:mPr>
-                              <m:mr>
-                                <m:e>
+                                </m:num>
+                                <m:den>
                                   <m:r>
-                                    <m:rPr>
-                                      <m:brk m:alnAt="7"/>
-                                    </m:rPr>
-                                    <a:rPr lang="de-DE" sz="3200" i="1">
-                                      <a:latin typeface="Cambria Math" charset="0"/>
+                                    <a:rPr lang="de-DE" sz="3200" b="0" i="1" smtClean="0">
+                                      <a:latin typeface="Cambria Math"/>
+                                      <a:ea typeface="Cambria Math" charset="0"/>
                                     </a:rPr>
                                     <m:t>1</m:t>
                                   </m:r>
-                                </m:e>
-                                <m:e>
-                                  <m:r>
-                                    <a:rPr lang="de-DE" sz="3200" i="1">
-                                      <a:latin typeface="Cambria Math" charset="0"/>
-                                    </a:rPr>
-                                    <m:t>0</m:t>
-                                  </m:r>
-                                </m:e>
-                                <m:e>
-                                  <m:r>
-                                    <a:rPr lang="de-DE" sz="3200" i="1">
-                                      <a:latin typeface="Cambria Math" charset="0"/>
-                                    </a:rPr>
-                                    <m:t>0</m:t>
-                                  </m:r>
-                                </m:e>
-                              </m:mr>
-                              <m:mr>
-                                <m:e>
-                                  <m:r>
-                                    <a:rPr lang="de-DE" sz="3200" i="1">
-                                      <a:latin typeface="Cambria Math" charset="0"/>
-                                    </a:rPr>
-                                    <m:t>0</m:t>
-                                  </m:r>
-                                </m:e>
-                                <m:e>
-                                  <m:r>
-                                    <a:rPr lang="de-DE" sz="3200" i="1">
-                                      <a:latin typeface="Cambria Math" charset="0"/>
-                                    </a:rPr>
-                                    <m:t>1</m:t>
-                                  </m:r>
-                                </m:e>
-                                <m:e>
-                                  <m:r>
-                                    <a:rPr lang="de-DE" sz="3200" i="1">
-                                      <a:latin typeface="Cambria Math" charset="0"/>
-                                    </a:rPr>
-                                    <m:t>0</m:t>
-                                  </m:r>
-                                </m:e>
-                              </m:mr>
-                              <m:mr>
-                                <m:e>
-                                  <m:r>
-                                    <a:rPr lang="de-DE" sz="3200" i="1">
-                                      <a:latin typeface="Cambria Math" charset="0"/>
-                                    </a:rPr>
-                                    <m:t>0</m:t>
-                                  </m:r>
-                                </m:e>
-                                <m:e>
-                                  <m:r>
-                                    <a:rPr lang="de-DE" sz="3200" i="1">
-                                      <a:latin typeface="Cambria Math" charset="0"/>
-                                    </a:rPr>
-                                    <m:t>0</m:t>
-                                  </m:r>
-                                </m:e>
-                                <m:e>
-                                  <m:r>
-                                    <a:rPr lang="de-DE" sz="3200" i="1">
-                                      <a:latin typeface="Cambria Math" charset="0"/>
-                                    </a:rPr>
-                                    <m:t>1</m:t>
-                                  </m:r>
-                                </m:e>
-                              </m:mr>
-                            </m:m>
-                          </m:e>
-                        </m:d>
-                      </m:e>
-                    </m:d>
-                  </m:oMath>
+                                </m:den>
+                              </m:f>
+                            </m:e>
+                          </m:d>
+                        </m:e>
+                      </m:d>
+                    </m:oMath>
+                  </m:oMathPara>
                 </a14:m>
                 <a:endParaRPr lang="de-DE" sz="3200" b="0" dirty="0">
                   <a:ea typeface="Cambria Math" charset="0"/>
@@ -7414,130 +8152,254 @@
                 </a:endParaRPr>
               </a:p>
               <a:p>
-                <a:endParaRPr lang="de-DE" sz="3200" b="0" dirty="0">
-                  <a:ea typeface="Cambria Math" charset="0"/>
-                  <a:cs typeface="Cambria Math" charset="0"/>
-                </a:endParaRPr>
+                <a:pPr marL="457200" indent="-457200">
+                  <a:buFont typeface="Arial" pitchFamily="34" charset="0"/>
+                  <a:buChar char="•"/>
+                </a:pPr>
+                <a:r>
+                  <a:rPr lang="de-DE" sz="3200" dirty="0" smtClean="0">
+                    <a:ea typeface="Cambria Math" charset="0"/>
+                    <a:cs typeface="Cambria Math" charset="0"/>
+                  </a:rPr>
+                  <a:t>MNAR </a:t>
+                </a:r>
+                <a:r>
+                  <a:rPr lang="de-DE" sz="3200" dirty="0" err="1" smtClean="0">
+                    <a:ea typeface="Cambria Math" charset="0"/>
+                    <a:cs typeface="Cambria Math" charset="0"/>
+                  </a:rPr>
+                  <a:t>pattern</a:t>
+                </a:r>
+                <a:r>
+                  <a:rPr lang="de-DE" sz="3200" dirty="0" smtClean="0">
+                    <a:ea typeface="Cambria Math" charset="0"/>
+                    <a:cs typeface="Cambria Math" charset="0"/>
+                  </a:rPr>
+                  <a:t> </a:t>
+                </a:r>
+                <a:r>
+                  <a:rPr lang="de-DE" sz="3200" dirty="0" err="1" smtClean="0">
+                    <a:ea typeface="Cambria Math" charset="0"/>
+                    <a:cs typeface="Cambria Math" charset="0"/>
+                  </a:rPr>
+                  <a:t>of</a:t>
+                </a:r>
+                <a:r>
+                  <a:rPr lang="de-DE" sz="3200" dirty="0" smtClean="0">
+                    <a:ea typeface="Cambria Math" charset="0"/>
+                    <a:cs typeface="Cambria Math" charset="0"/>
+                  </a:rPr>
+                  <a:t> </a:t>
+                </a:r>
+                <a:r>
+                  <a:rPr lang="de-DE" sz="3200" dirty="0" err="1" smtClean="0">
+                    <a:ea typeface="Cambria Math" charset="0"/>
+                    <a:cs typeface="Cambria Math" charset="0"/>
+                  </a:rPr>
+                  <a:t>missing</a:t>
+                </a:r>
+                <a:r>
+                  <a:rPr lang="de-DE" sz="3200" dirty="0" smtClean="0">
+                    <a:ea typeface="Cambria Math" charset="0"/>
+                    <a:cs typeface="Cambria Math" charset="0"/>
+                  </a:rPr>
+                  <a:t> </a:t>
+                </a:r>
+                <a:r>
+                  <a:rPr lang="de-DE" sz="3200" dirty="0" err="1" smtClean="0">
+                    <a:ea typeface="Cambria Math" charset="0"/>
+                    <a:cs typeface="Cambria Math" charset="0"/>
+                  </a:rPr>
+                  <a:t>data</a:t>
+                </a:r>
+                <a:r>
+                  <a:rPr lang="de-DE" sz="3200" dirty="0" smtClean="0">
+                    <a:ea typeface="Cambria Math" charset="0"/>
+                    <a:cs typeface="Cambria Math" charset="0"/>
+                  </a:rPr>
+                  <a:t> in </a:t>
+                </a:r>
+                <a14:m>
+                  <m:oMath xmlns:m="http://schemas.openxmlformats.org/officeDocument/2006/math">
+                    <m:r>
+                      <a:rPr lang="de-DE" sz="3200" i="1">
+                        <a:latin typeface="Cambria Math"/>
+                        <a:ea typeface="Cambria Math" charset="0"/>
+                      </a:rPr>
+                      <m:t>𝑌</m:t>
+                    </m:r>
+                    <m:r>
+                      <a:rPr lang="de-DE" sz="3200" i="1" baseline="-25000">
+                        <a:latin typeface="Cambria Math"/>
+                        <a:ea typeface="Cambria Math" charset="0"/>
+                      </a:rPr>
+                      <m:t>2</m:t>
+                    </m:r>
+                  </m:oMath>
+                </a14:m>
+                <a:endParaRPr lang="de-DE" sz="3200" dirty="0" smtClean="0"/>
               </a:p>
               <a:p>
-                <a:r>
-                  <a:rPr lang="de-DE" sz="3200" dirty="0" err="1"/>
-                  <a:t>For</a:t>
+                <a:pPr marL="457200" indent="-457200">
+                  <a:buFont typeface="Arial" pitchFamily="34" charset="0"/>
+                  <a:buChar char="•"/>
+                </a:pPr>
+                <a:r>
+                  <a:rPr lang="de-DE" sz="3200" dirty="0" smtClean="0"/>
+                  <a:t>Variation </a:t>
+                </a:r>
+                <a:r>
+                  <a:rPr lang="de-DE" sz="3200" dirty="0" err="1" smtClean="0"/>
+                  <a:t>of</a:t>
                 </a:r>
                 <a:r>
                   <a:rPr lang="de-DE" sz="3200" dirty="0"/>
                   <a:t> </a:t>
                 </a:r>
                 <a:r>
-                  <a:rPr lang="de-DE" sz="3200" dirty="0" err="1"/>
-                  <a:t>each</a:t>
-                </a:r>
-                <a:r>
-                  <a:rPr lang="de-DE" sz="3200" dirty="0"/>
+                  <a:rPr lang="de-DE" sz="3200" dirty="0" err="1" smtClean="0"/>
+                  <a:t>number</a:t>
+                </a:r>
+                <a:r>
+                  <a:rPr lang="de-DE" sz="3200" dirty="0" smtClean="0"/>
                   <a:t> </a:t>
                 </a:r>
                 <a:r>
-                  <a:rPr lang="de-DE" sz="3200" dirty="0" err="1"/>
+                  <a:rPr lang="de-DE" sz="3200" dirty="0" err="1" smtClean="0"/>
                   <a:t>of</a:t>
                 </a:r>
                 <a:r>
-                  <a:rPr lang="de-DE" sz="3200" dirty="0"/>
+                  <a:rPr lang="de-DE" sz="3200" dirty="0" smtClean="0"/>
                   <a:t> </a:t>
                 </a:r>
                 <a:r>
-                  <a:rPr lang="de-DE" sz="3200" dirty="0" err="1"/>
-                  <a:t>the</a:t>
-                </a:r>
-                <a:r>
-                  <a:rPr lang="de-DE" sz="3200" dirty="0"/>
+                  <a:rPr lang="de-DE" sz="3200" dirty="0" err="1" smtClean="0"/>
+                  <a:t>datapoints</a:t>
+                </a:r>
+                <a:r>
+                  <a:rPr lang="de-DE" sz="3200" dirty="0" smtClean="0"/>
+                  <a:t> (</a:t>
+                </a:r>
+                <a14:m>
+                  <m:oMath xmlns:m="http://schemas.openxmlformats.org/officeDocument/2006/math">
+                    <m:r>
+                      <a:rPr lang="de-DE" sz="3200" b="0" i="1" smtClean="0">
+                        <a:latin typeface="Cambria Math"/>
+                      </a:rPr>
+                      <m:t>𝑛</m:t>
+                    </m:r>
+                  </m:oMath>
+                </a14:m>
+                <a:r>
+                  <a:rPr lang="de-DE" sz="3200" dirty="0" smtClean="0"/>
+                  <a:t>) </a:t>
+                </a:r>
+                <a:r>
+                  <a:rPr lang="de-DE" sz="3200" dirty="0" err="1" smtClean="0"/>
+                  <a:t>and</a:t>
+                </a:r>
+                <a:r>
+                  <a:rPr lang="de-DE" sz="3200" dirty="0" smtClean="0"/>
                   <a:t> </a:t>
                 </a:r>
                 <a:r>
-                  <a:rPr lang="de-DE" sz="3200" dirty="0" err="1"/>
-                  <a:t>following</a:t>
-                </a:r>
-                <a:r>
-                  <a:rPr lang="de-DE" sz="3200" dirty="0"/>
+                  <a:rPr lang="de-DE" sz="3200" dirty="0" err="1" smtClean="0"/>
+                  <a:t>fraction</a:t>
+                </a:r>
+                <a:r>
+                  <a:rPr lang="de-DE" sz="3200" dirty="0" smtClean="0"/>
                   <a:t> </a:t>
                 </a:r>
                 <a:r>
-                  <a:rPr lang="de-DE" sz="3200" dirty="0" err="1"/>
-                  <a:t>parameter</a:t>
-                </a:r>
-                <a:r>
-                  <a:rPr lang="de-DE" sz="3200" dirty="0"/>
+                  <a:rPr lang="de-DE" sz="3200" dirty="0" err="1" smtClean="0"/>
+                  <a:t>of</a:t>
+                </a:r>
+                <a:r>
+                  <a:rPr lang="de-DE" sz="3200" dirty="0" smtClean="0"/>
                   <a:t> </a:t>
                 </a:r>
                 <a:r>
-                  <a:rPr lang="de-DE" sz="3200" dirty="0" err="1"/>
-                  <a:t>combinations</a:t>
-                </a:r>
-                <a:r>
-                  <a:rPr lang="de-DE" sz="3200" dirty="0"/>
+                  <a:rPr lang="de-DE" sz="3200" dirty="0" err="1" smtClean="0"/>
+                  <a:t>missing</a:t>
+                </a:r>
+                <a:r>
+                  <a:rPr lang="de-DE" sz="3200" dirty="0" smtClean="0"/>
                   <a:t> </a:t>
                 </a:r>
                 <a:r>
-                  <a:rPr lang="de-DE" sz="3200" dirty="0">
-                    <a:solidFill>
-                      <a:srgbClr val="FF0000"/>
-                    </a:solidFill>
-                  </a:rPr>
-                  <a:t>m = 100 </a:t>
-                </a:r>
-                <a:r>
-                  <a:rPr lang="de-DE" sz="3200" dirty="0" err="1">
-                    <a:solidFill>
-                      <a:srgbClr val="FF0000"/>
-                    </a:solidFill>
-                  </a:rPr>
-                  <a:t>simulations</a:t>
-                </a:r>
-                <a:r>
-                  <a:rPr lang="de-DE" sz="3200" dirty="0"/>
-                  <a:t> </a:t>
-                </a:r>
-                <a:r>
-                  <a:rPr lang="de-DE" sz="3200" dirty="0" err="1"/>
-                  <a:t>with</a:t>
-                </a:r>
-                <a:r>
-                  <a:rPr lang="de-DE" sz="3200" dirty="0"/>
-                  <a:t> different </a:t>
-                </a:r>
-                <a:r>
-                  <a:rPr lang="de-DE" sz="3200" dirty="0" err="1"/>
-                  <a:t>starting</a:t>
-                </a:r>
-                <a:r>
-                  <a:rPr lang="de-DE" sz="3200" dirty="0"/>
-                  <a:t> </a:t>
-                </a:r>
-                <a:r>
-                  <a:rPr lang="de-DE" sz="3200" dirty="0" err="1"/>
+                  <a:rPr lang="de-DE" sz="3200" dirty="0" err="1" smtClean="0"/>
                   <a:t>values</a:t>
                 </a:r>
                 <a:r>
-                  <a:rPr lang="de-DE" sz="3200" dirty="0"/>
-                  <a:t> </a:t>
-                </a:r>
-                <a:r>
-                  <a:rPr lang="de-DE" sz="3200" dirty="0" err="1"/>
-                  <a:t>were</a:t>
-                </a:r>
-                <a:r>
-                  <a:rPr lang="de-DE" sz="3200" dirty="0"/>
-                  <a:t> </a:t>
-                </a:r>
-                <a:r>
-                  <a:rPr lang="de-DE" sz="3200" dirty="0" err="1"/>
-                  <a:t>run</a:t>
-                </a:r>
-                <a:r>
-                  <a:rPr lang="de-DE" sz="3200" dirty="0"/>
-                  <a:t>:</a:t>
+                  <a:rPr lang="de-DE" sz="3200" dirty="0" smtClean="0"/>
+                  <a:t> (</a:t>
+                </a:r>
+                <a14:m>
+                  <m:oMath xmlns:m="http://schemas.openxmlformats.org/officeDocument/2006/math">
+                    <m:r>
+                      <a:rPr lang="de-DE" sz="3200" b="0" i="1" smtClean="0">
+                        <a:latin typeface="Cambria Math"/>
+                      </a:rPr>
+                      <m:t>𝑝</m:t>
+                    </m:r>
+                  </m:oMath>
+                </a14:m>
+                <a:r>
+                  <a:rPr lang="de-DE" sz="3200" dirty="0" smtClean="0"/>
+                  <a:t>)</a:t>
                 </a:r>
               </a:p>
               <a:p>
+                <a:pPr marL="457200" indent="-457200">
+                  <a:buFont typeface="Arial" pitchFamily="34" charset="0"/>
+                  <a:buChar char="•"/>
+                </a:pPr>
+                <a:r>
+                  <a:rPr lang="de-DE" sz="3200" dirty="0" err="1" smtClean="0"/>
+                  <a:t>Running</a:t>
+                </a:r>
+                <a:r>
+                  <a:rPr lang="de-DE" sz="3200" dirty="0" smtClean="0"/>
+                  <a:t> </a:t>
+                </a:r>
+                <a:r>
+                  <a:rPr lang="de-DE" sz="3200" dirty="0" err="1" smtClean="0"/>
+                  <a:t>the</a:t>
+                </a:r>
+                <a:r>
+                  <a:rPr lang="de-DE" sz="3200" dirty="0" smtClean="0"/>
+                  <a:t> </a:t>
+                </a:r>
+                <a:r>
+                  <a:rPr lang="de-DE" sz="3200" dirty="0" err="1" smtClean="0"/>
+                  <a:t>simulation</a:t>
+                </a:r>
+                <a:r>
+                  <a:rPr lang="de-DE" sz="3200" dirty="0" smtClean="0"/>
+                  <a:t> </a:t>
+                </a:r>
+                <a:r>
+                  <a:rPr lang="de-DE" sz="3200" dirty="0" err="1" smtClean="0"/>
+                  <a:t>six</a:t>
+                </a:r>
+                <a:r>
+                  <a:rPr lang="de-DE" sz="3200" dirty="0" smtClean="0"/>
+                  <a:t> </a:t>
+                </a:r>
+                <a:r>
+                  <a:rPr lang="de-DE" sz="3200" dirty="0" err="1" smtClean="0"/>
+                  <a:t>times</a:t>
+                </a:r>
+                <a:r>
+                  <a:rPr lang="de-DE" sz="3200" dirty="0" smtClean="0"/>
+                  <a:t>:</a:t>
+                </a:r>
+              </a:p>
+              <a:p>
+                <a:pPr marL="457200" indent="-457200">
+                  <a:buFont typeface="Arial" pitchFamily="34" charset="0"/>
+                  <a:buChar char="•"/>
+                </a:pPr>
                 <a:endParaRPr lang="de-DE" sz="3200" dirty="0"/>
               </a:p>
               <a:p>
@@ -7549,7 +8411,7 @@
             </p:txBody>
           </p:sp>
         </mc:Choice>
-        <mc:Fallback xmlns="">
+        <mc:Fallback>
           <p:sp>
             <p:nvSpPr>
               <p:cNvPr id="5" name="Textfeld 4"/>
@@ -7560,16 +8422,16 @@
             </p:nvSpPr>
             <p:spPr>
               <a:xfrm>
-                <a:off x="11674696" y="16206123"/>
-                <a:ext cx="9190206" cy="6109749"/>
+                <a:off x="11662735" y="21711573"/>
+                <a:ext cx="9190206" cy="5797164"/>
               </a:xfrm>
               <a:prstGeom prst="rect">
                 <a:avLst/>
               </a:prstGeom>
-              <a:blipFill rotWithShape="0">
+              <a:blipFill rotWithShape="1">
                 <a:blip r:embed="rId6"/>
                 <a:stretch>
-                  <a:fillRect l="-1658" t="-1296" r="-2321"/>
+                  <a:fillRect l="-1459" t="-1367"/>
                 </a:stretch>
               </a:blipFill>
             </p:spPr>
@@ -7588,2059 +8450,2498 @@
           </p:sp>
         </mc:Fallback>
       </mc:AlternateContent>
-      <p:graphicFrame>
-        <p:nvGraphicFramePr>
-          <p:cNvPr id="14" name="Tabelle 13"/>
-          <p:cNvGraphicFramePr>
-            <a:graphicFrameLocks noGrp="1"/>
-          </p:cNvGraphicFramePr>
-          <p:nvPr>
-            <p:extLst>
-              <p:ext uri="{D42A27DB-BD31-4B8C-83A1-F6EECF244321}">
-                <p14:modId xmlns:p14="http://schemas.microsoft.com/office/powerpoint/2010/main" val="2096579210"/>
-              </p:ext>
-            </p:extLst>
-          </p:nvPr>
-        </p:nvGraphicFramePr>
-        <p:xfrm>
-          <a:off x="12076164" y="21492596"/>
-          <a:ext cx="8254096" cy="6385381"/>
-        </p:xfrm>
-        <a:graphic>
-          <a:graphicData uri="http://schemas.openxmlformats.org/drawingml/2006/table">
-            <a:tbl>
-              <a:tblPr firstRow="1" bandRow="1">
-                <a:tableStyleId>{5940675A-B579-460E-94D1-54222C63F5DA}</a:tableStyleId>
-              </a:tblPr>
-              <a:tblGrid>
-                <a:gridCol w="2063524">
-                  <a:extLst>
-                    <a:ext uri="{9D8B030D-6E8A-4147-A177-3AD203B41FA5}">
-                      <a16:colId xmlns:a16="http://schemas.microsoft.com/office/drawing/2014/main" val="20000"/>
-                    </a:ext>
-                  </a:extLst>
-                </a:gridCol>
-                <a:gridCol w="2063524">
-                  <a:extLst>
-                    <a:ext uri="{9D8B030D-6E8A-4147-A177-3AD203B41FA5}">
-                      <a16:colId xmlns:a16="http://schemas.microsoft.com/office/drawing/2014/main" val="20001"/>
-                    </a:ext>
-                  </a:extLst>
-                </a:gridCol>
-                <a:gridCol w="2063524">
-                  <a:extLst>
-                    <a:ext uri="{9D8B030D-6E8A-4147-A177-3AD203B41FA5}">
-                      <a16:colId xmlns:a16="http://schemas.microsoft.com/office/drawing/2014/main" val="20002"/>
-                    </a:ext>
-                  </a:extLst>
-                </a:gridCol>
-                <a:gridCol w="2063524">
-                  <a:extLst>
-                    <a:ext uri="{9D8B030D-6E8A-4147-A177-3AD203B41FA5}">
-                      <a16:colId xmlns:a16="http://schemas.microsoft.com/office/drawing/2014/main" val="20003"/>
-                    </a:ext>
-                  </a:extLst>
-                </a:gridCol>
-              </a:tblGrid>
-              <a:tr h="1360445">
-                <a:tc>
-                  <a:txBody>
-                    <a:bodyPr/>
-                    <a:lstStyle/>
-                    <a:p>
-                      <a:pPr algn="ctr"/>
-                      <a:endParaRPr lang="de-DE" sz="2600" dirty="0"/>
-                    </a:p>
-                  </a:txBody>
-                  <a:tcPr>
-                    <a:lnL w="12700" cap="flat" cmpd="sng" algn="ctr">
-                      <a:noFill/>
-                      <a:prstDash val="solid"/>
-                      <a:round/>
-                      <a:headEnd type="none" w="med" len="med"/>
-                      <a:tailEnd type="none" w="med" len="med"/>
-                    </a:lnL>
-                    <a:lnR w="12700" cap="flat" cmpd="sng" algn="ctr">
-                      <a:noFill/>
-                      <a:prstDash val="solid"/>
-                      <a:round/>
-                      <a:headEnd type="none" w="med" len="med"/>
-                      <a:tailEnd type="none" w="med" len="med"/>
-                    </a:lnR>
-                    <a:lnT w="12700" cap="flat" cmpd="sng" algn="ctr">
-                      <a:solidFill>
-                        <a:schemeClr val="tx1"/>
-                      </a:solidFill>
-                      <a:prstDash val="solid"/>
-                      <a:round/>
-                      <a:headEnd type="none" w="med" len="med"/>
-                      <a:tailEnd type="none" w="med" len="med"/>
-                    </a:lnT>
-                    <a:lnB w="12700" cap="flat" cmpd="sng" algn="ctr">
-                      <a:solidFill>
-                        <a:schemeClr val="tx1"/>
-                      </a:solidFill>
-                      <a:prstDash val="solid"/>
-                      <a:round/>
-                      <a:headEnd type="none" w="med" len="med"/>
-                      <a:tailEnd type="none" w="med" len="med"/>
-                    </a:lnB>
-                    <a:lnTlToBr w="12700" cmpd="sng">
-                      <a:noFill/>
-                      <a:prstDash val="solid"/>
-                    </a:lnTlToBr>
-                    <a:lnBlToTr w="12700" cmpd="sng">
-                      <a:noFill/>
-                      <a:prstDash val="solid"/>
-                    </a:lnBlToTr>
-                  </a:tcPr>
-                </a:tc>
-                <a:tc>
-                  <a:txBody>
-                    <a:bodyPr/>
-                    <a:lstStyle/>
-                    <a:p>
-                      <a:pPr algn="ctr"/>
-                      <a:r>
-                        <a:rPr lang="de-DE" sz="2600" dirty="0" err="1"/>
-                        <a:t>Number</a:t>
-                      </a:r>
-                      <a:r>
-                        <a:rPr lang="de-DE" sz="2600" baseline="0" dirty="0"/>
-                        <a:t> </a:t>
-                      </a:r>
-                      <a:r>
-                        <a:rPr lang="de-DE" sz="2600" baseline="0" dirty="0" err="1"/>
-                        <a:t>of</a:t>
-                      </a:r>
-                      <a:r>
-                        <a:rPr lang="de-DE" sz="2600" baseline="0" dirty="0"/>
-                        <a:t> </a:t>
-                      </a:r>
-                      <a:r>
-                        <a:rPr lang="de-DE" sz="2600" baseline="0" dirty="0" err="1"/>
-                        <a:t>datapoints</a:t>
-                      </a:r>
-                      <a:r>
-                        <a:rPr lang="de-DE" sz="2600" baseline="0" dirty="0"/>
-                        <a:t> (</a:t>
-                      </a:r>
-                      <a:r>
-                        <a:rPr lang="de-DE" sz="2600" baseline="0" dirty="0" err="1"/>
-                        <a:t>n</a:t>
-                      </a:r>
-                      <a:r>
-                        <a:rPr lang="de-DE" sz="2600" baseline="0" dirty="0"/>
-                        <a:t>)</a:t>
-                      </a:r>
-                      <a:endParaRPr lang="de-DE" sz="2600" dirty="0"/>
-                    </a:p>
-                  </a:txBody>
-                  <a:tcPr>
-                    <a:lnL w="12700" cap="flat" cmpd="sng" algn="ctr">
-                      <a:noFill/>
-                      <a:prstDash val="solid"/>
-                      <a:round/>
-                      <a:headEnd type="none" w="med" len="med"/>
-                      <a:tailEnd type="none" w="med" len="med"/>
-                    </a:lnL>
-                    <a:lnR w="12700" cap="flat" cmpd="sng" algn="ctr">
-                      <a:noFill/>
-                      <a:prstDash val="solid"/>
-                      <a:round/>
-                      <a:headEnd type="none" w="med" len="med"/>
-                      <a:tailEnd type="none" w="med" len="med"/>
-                    </a:lnR>
-                    <a:lnT w="12700" cap="flat" cmpd="sng" algn="ctr">
-                      <a:solidFill>
-                        <a:schemeClr val="tx1"/>
-                      </a:solidFill>
-                      <a:prstDash val="solid"/>
-                      <a:round/>
-                      <a:headEnd type="none" w="med" len="med"/>
-                      <a:tailEnd type="none" w="med" len="med"/>
-                    </a:lnT>
-                    <a:lnB w="12700" cap="flat" cmpd="sng" algn="ctr">
-                      <a:solidFill>
-                        <a:schemeClr val="tx1"/>
-                      </a:solidFill>
-                      <a:prstDash val="solid"/>
-                      <a:round/>
-                      <a:headEnd type="none" w="med" len="med"/>
-                      <a:tailEnd type="none" w="med" len="med"/>
-                    </a:lnB>
-                    <a:lnTlToBr w="12700" cmpd="sng">
-                      <a:noFill/>
-                      <a:prstDash val="solid"/>
-                    </a:lnTlToBr>
-                    <a:lnBlToTr w="12700" cmpd="sng">
-                      <a:noFill/>
-                      <a:prstDash val="solid"/>
-                    </a:lnBlToTr>
-                  </a:tcPr>
-                </a:tc>
-                <a:tc>
-                  <a:txBody>
-                    <a:bodyPr/>
-                    <a:lstStyle/>
-                    <a:p>
-                      <a:pPr algn="ctr"/>
-                      <a:r>
-                        <a:rPr lang="de-DE" sz="2600" dirty="0" err="1"/>
-                        <a:t>Fraction</a:t>
-                      </a:r>
-                      <a:r>
-                        <a:rPr lang="de-DE" sz="2600" baseline="0" dirty="0"/>
-                        <a:t> </a:t>
-                      </a:r>
-                      <a:r>
-                        <a:rPr lang="de-DE" sz="2600" baseline="0" dirty="0" err="1"/>
-                        <a:t>of</a:t>
-                      </a:r>
-                      <a:r>
-                        <a:rPr lang="de-DE" sz="2600" baseline="0" dirty="0"/>
-                        <a:t> </a:t>
-                      </a:r>
-                      <a:r>
-                        <a:rPr lang="de-DE" sz="2600" baseline="0" dirty="0" err="1"/>
-                        <a:t>missing</a:t>
-                      </a:r>
-                      <a:r>
-                        <a:rPr lang="de-DE" sz="2600" baseline="0" dirty="0"/>
-                        <a:t> </a:t>
-                      </a:r>
-                      <a:r>
-                        <a:rPr lang="de-DE" sz="2600" baseline="0" dirty="0" err="1"/>
-                        <a:t>values</a:t>
-                      </a:r>
-                      <a:r>
-                        <a:rPr lang="de-DE" sz="2600" baseline="0" dirty="0"/>
-                        <a:t> (p)</a:t>
-                      </a:r>
-                      <a:endParaRPr lang="de-DE" sz="2600" dirty="0"/>
-                    </a:p>
-                  </a:txBody>
-                  <a:tcPr>
-                    <a:lnL w="12700" cap="flat" cmpd="sng" algn="ctr">
-                      <a:noFill/>
-                      <a:prstDash val="solid"/>
-                      <a:round/>
-                      <a:headEnd type="none" w="med" len="med"/>
-                      <a:tailEnd type="none" w="med" len="med"/>
-                    </a:lnL>
-                    <a:lnR w="12700" cap="flat" cmpd="sng" algn="ctr">
-                      <a:noFill/>
-                      <a:prstDash val="solid"/>
-                      <a:round/>
-                      <a:headEnd type="none" w="med" len="med"/>
-                      <a:tailEnd type="none" w="med" len="med"/>
-                    </a:lnR>
-                    <a:lnT w="12700" cap="flat" cmpd="sng" algn="ctr">
-                      <a:solidFill>
-                        <a:schemeClr val="tx1"/>
-                      </a:solidFill>
-                      <a:prstDash val="solid"/>
-                      <a:round/>
-                      <a:headEnd type="none" w="med" len="med"/>
-                      <a:tailEnd type="none" w="med" len="med"/>
-                    </a:lnT>
-                    <a:lnB w="12700" cap="flat" cmpd="sng" algn="ctr">
-                      <a:solidFill>
-                        <a:schemeClr val="tx1"/>
-                      </a:solidFill>
-                      <a:prstDash val="solid"/>
-                      <a:round/>
-                      <a:headEnd type="none" w="med" len="med"/>
-                      <a:tailEnd type="none" w="med" len="med"/>
-                    </a:lnB>
-                    <a:lnTlToBr w="12700" cmpd="sng">
-                      <a:noFill/>
-                      <a:prstDash val="solid"/>
-                    </a:lnTlToBr>
-                    <a:lnBlToTr w="12700" cmpd="sng">
-                      <a:noFill/>
-                      <a:prstDash val="solid"/>
-                    </a:lnBlToTr>
-                  </a:tcPr>
-                </a:tc>
-                <a:tc>
-                  <a:txBody>
-                    <a:bodyPr/>
-                    <a:lstStyle/>
-                    <a:p>
-                      <a:pPr algn="ctr"/>
-                      <a:r>
-                        <a:rPr lang="de-DE" sz="2600" dirty="0" err="1"/>
-                        <a:t>Missing</a:t>
-                      </a:r>
-                      <a:r>
-                        <a:rPr lang="de-DE" sz="2600" dirty="0"/>
-                        <a:t> </a:t>
-                      </a:r>
-                      <a:r>
-                        <a:rPr lang="de-DE" sz="2600" dirty="0" err="1"/>
-                        <a:t>value</a:t>
-                      </a:r>
-                      <a:r>
-                        <a:rPr lang="de-DE" sz="2600" baseline="0" dirty="0"/>
-                        <a:t> </a:t>
-                      </a:r>
-                      <a:r>
-                        <a:rPr lang="de-DE" sz="2600" baseline="0" dirty="0" err="1"/>
-                        <a:t>pattern</a:t>
-                      </a:r>
-                      <a:endParaRPr lang="de-DE" sz="2600" dirty="0"/>
-                    </a:p>
-                  </a:txBody>
-                  <a:tcPr>
-                    <a:lnL w="12700" cap="flat" cmpd="sng" algn="ctr">
-                      <a:noFill/>
-                      <a:prstDash val="solid"/>
-                      <a:round/>
-                      <a:headEnd type="none" w="med" len="med"/>
-                      <a:tailEnd type="none" w="med" len="med"/>
-                    </a:lnL>
-                    <a:lnR w="12700" cap="flat" cmpd="sng" algn="ctr">
-                      <a:noFill/>
-                      <a:prstDash val="solid"/>
-                      <a:round/>
-                      <a:headEnd type="none" w="med" len="med"/>
-                      <a:tailEnd type="none" w="med" len="med"/>
-                    </a:lnR>
-                    <a:lnT w="12700" cap="flat" cmpd="sng" algn="ctr">
-                      <a:solidFill>
-                        <a:schemeClr val="tx1"/>
-                      </a:solidFill>
-                      <a:prstDash val="solid"/>
-                      <a:round/>
-                      <a:headEnd type="none" w="med" len="med"/>
-                      <a:tailEnd type="none" w="med" len="med"/>
-                    </a:lnT>
-                    <a:lnB w="12700" cap="flat" cmpd="sng" algn="ctr">
-                      <a:solidFill>
-                        <a:schemeClr val="tx1"/>
-                      </a:solidFill>
-                      <a:prstDash val="solid"/>
-                      <a:round/>
-                      <a:headEnd type="none" w="med" len="med"/>
-                      <a:tailEnd type="none" w="med" len="med"/>
-                    </a:lnB>
-                    <a:lnTlToBr w="12700" cmpd="sng">
-                      <a:noFill/>
-                      <a:prstDash val="solid"/>
-                    </a:lnTlToBr>
-                    <a:lnBlToTr w="12700" cmpd="sng">
-                      <a:noFill/>
-                      <a:prstDash val="solid"/>
-                    </a:lnBlToTr>
-                  </a:tcPr>
-                </a:tc>
-                <a:extLst>
-                  <a:ext uri="{0D108BD9-81ED-4DB2-BD59-A6C34878D82A}">
-                    <a16:rowId xmlns:a16="http://schemas.microsoft.com/office/drawing/2014/main" val="10000"/>
-                  </a:ext>
-                </a:extLst>
-              </a:tr>
-              <a:tr h="628117">
-                <a:tc>
-                  <a:txBody>
-                    <a:bodyPr/>
-                    <a:lstStyle/>
-                    <a:p>
-                      <a:pPr algn="ctr"/>
-                      <a:r>
-                        <a:rPr lang="de-DE" sz="2600" dirty="0"/>
-                        <a:t>1</a:t>
-                      </a:r>
-                    </a:p>
-                  </a:txBody>
-                  <a:tcPr>
-                    <a:lnL w="12700" cap="flat" cmpd="sng" algn="ctr">
-                      <a:noFill/>
-                      <a:prstDash val="solid"/>
-                      <a:round/>
-                      <a:headEnd type="none" w="med" len="med"/>
-                      <a:tailEnd type="none" w="med" len="med"/>
-                    </a:lnL>
-                    <a:lnR w="12700" cap="flat" cmpd="sng" algn="ctr">
-                      <a:noFill/>
-                      <a:prstDash val="solid"/>
-                      <a:round/>
-                      <a:headEnd type="none" w="med" len="med"/>
-                      <a:tailEnd type="none" w="med" len="med"/>
-                    </a:lnR>
-                    <a:lnT w="12700" cap="flat" cmpd="sng" algn="ctr">
-                      <a:solidFill>
-                        <a:schemeClr val="tx1"/>
-                      </a:solidFill>
-                      <a:prstDash val="solid"/>
-                      <a:round/>
-                      <a:headEnd type="none" w="med" len="med"/>
-                      <a:tailEnd type="none" w="med" len="med"/>
-                    </a:lnT>
-                    <a:lnB w="12700" cap="flat" cmpd="sng" algn="ctr">
-                      <a:noFill/>
-                      <a:prstDash val="solid"/>
-                      <a:round/>
-                      <a:headEnd type="none" w="med" len="med"/>
-                      <a:tailEnd type="none" w="med" len="med"/>
-                    </a:lnB>
-                    <a:lnTlToBr w="12700" cmpd="sng">
-                      <a:noFill/>
-                      <a:prstDash val="solid"/>
-                    </a:lnTlToBr>
-                    <a:lnBlToTr w="12700" cmpd="sng">
-                      <a:noFill/>
-                      <a:prstDash val="solid"/>
-                    </a:lnBlToTr>
-                  </a:tcPr>
-                </a:tc>
-                <a:tc>
-                  <a:txBody>
-                    <a:bodyPr/>
-                    <a:lstStyle/>
-                    <a:p>
-                      <a:pPr algn="ctr"/>
-                      <a:r>
-                        <a:rPr lang="de-DE" sz="2600" dirty="0"/>
-                        <a:t>50</a:t>
-                      </a:r>
-                    </a:p>
-                  </a:txBody>
-                  <a:tcPr>
-                    <a:lnL w="12700" cap="flat" cmpd="sng" algn="ctr">
-                      <a:noFill/>
-                      <a:prstDash val="solid"/>
-                      <a:round/>
-                      <a:headEnd type="none" w="med" len="med"/>
-                      <a:tailEnd type="none" w="med" len="med"/>
-                    </a:lnL>
-                    <a:lnR w="12700" cap="flat" cmpd="sng" algn="ctr">
-                      <a:noFill/>
-                      <a:prstDash val="solid"/>
-                      <a:round/>
-                      <a:headEnd type="none" w="med" len="med"/>
-                      <a:tailEnd type="none" w="med" len="med"/>
-                    </a:lnR>
-                    <a:lnT w="12700" cap="flat" cmpd="sng" algn="ctr">
-                      <a:solidFill>
-                        <a:schemeClr val="tx1"/>
-                      </a:solidFill>
-                      <a:prstDash val="solid"/>
-                      <a:round/>
-                      <a:headEnd type="none" w="med" len="med"/>
-                      <a:tailEnd type="none" w="med" len="med"/>
-                    </a:lnT>
-                    <a:lnB w="12700" cap="flat" cmpd="sng" algn="ctr">
-                      <a:noFill/>
-                      <a:prstDash val="solid"/>
-                      <a:round/>
-                      <a:headEnd type="none" w="med" len="med"/>
-                      <a:tailEnd type="none" w="med" len="med"/>
-                    </a:lnB>
-                    <a:lnTlToBr w="12700" cmpd="sng">
-                      <a:noFill/>
-                      <a:prstDash val="solid"/>
-                    </a:lnTlToBr>
-                    <a:lnBlToTr w="12700" cmpd="sng">
-                      <a:noFill/>
-                      <a:prstDash val="solid"/>
-                    </a:lnBlToTr>
-                  </a:tcPr>
-                </a:tc>
-                <a:tc>
-                  <a:txBody>
-                    <a:bodyPr/>
-                    <a:lstStyle/>
-                    <a:p>
-                      <a:pPr algn="ctr"/>
-                      <a:r>
-                        <a:rPr lang="de-DE" sz="2600" dirty="0"/>
-                        <a:t>0.25</a:t>
-                      </a:r>
-                    </a:p>
-                  </a:txBody>
-                  <a:tcPr>
-                    <a:lnL w="12700" cap="flat" cmpd="sng" algn="ctr">
-                      <a:noFill/>
-                      <a:prstDash val="solid"/>
-                      <a:round/>
-                      <a:headEnd type="none" w="med" len="med"/>
-                      <a:tailEnd type="none" w="med" len="med"/>
-                    </a:lnL>
-                    <a:lnR w="12700" cap="flat" cmpd="sng" algn="ctr">
-                      <a:noFill/>
-                      <a:prstDash val="solid"/>
-                      <a:round/>
-                      <a:headEnd type="none" w="med" len="med"/>
-                      <a:tailEnd type="none" w="med" len="med"/>
-                    </a:lnR>
-                    <a:lnT w="12700" cap="flat" cmpd="sng" algn="ctr">
-                      <a:solidFill>
-                        <a:schemeClr val="tx1"/>
-                      </a:solidFill>
-                      <a:prstDash val="solid"/>
-                      <a:round/>
-                      <a:headEnd type="none" w="med" len="med"/>
-                      <a:tailEnd type="none" w="med" len="med"/>
-                    </a:lnT>
-                    <a:lnB w="12700" cap="flat" cmpd="sng" algn="ctr">
-                      <a:noFill/>
-                      <a:prstDash val="solid"/>
-                      <a:round/>
-                      <a:headEnd type="none" w="med" len="med"/>
-                      <a:tailEnd type="none" w="med" len="med"/>
-                    </a:lnB>
-                    <a:lnTlToBr w="12700" cmpd="sng">
-                      <a:noFill/>
-                      <a:prstDash val="solid"/>
-                    </a:lnTlToBr>
-                    <a:lnBlToTr w="12700" cmpd="sng">
-                      <a:noFill/>
-                      <a:prstDash val="solid"/>
-                    </a:lnBlToTr>
-                  </a:tcPr>
-                </a:tc>
-                <a:tc>
-                  <a:txBody>
-                    <a:bodyPr/>
-                    <a:lstStyle/>
-                    <a:p>
-                      <a:pPr algn="ctr"/>
-                      <a:r>
-                        <a:rPr lang="de-DE" sz="2600" dirty="0"/>
-                        <a:t>MCAR</a:t>
-                      </a:r>
-                    </a:p>
-                  </a:txBody>
-                  <a:tcPr>
-                    <a:lnL w="12700" cap="flat" cmpd="sng" algn="ctr">
-                      <a:noFill/>
-                      <a:prstDash val="solid"/>
-                      <a:round/>
-                      <a:headEnd type="none" w="med" len="med"/>
-                      <a:tailEnd type="none" w="med" len="med"/>
-                    </a:lnL>
-                    <a:lnR w="12700" cap="flat" cmpd="sng" algn="ctr">
-                      <a:noFill/>
-                      <a:prstDash val="solid"/>
-                      <a:round/>
-                      <a:headEnd type="none" w="med" len="med"/>
-                      <a:tailEnd type="none" w="med" len="med"/>
-                    </a:lnR>
-                    <a:lnT w="12700" cap="flat" cmpd="sng" algn="ctr">
-                      <a:solidFill>
-                        <a:schemeClr val="tx1"/>
-                      </a:solidFill>
-                      <a:prstDash val="solid"/>
-                      <a:round/>
-                      <a:headEnd type="none" w="med" len="med"/>
-                      <a:tailEnd type="none" w="med" len="med"/>
-                    </a:lnT>
-                    <a:lnB w="12700" cap="flat" cmpd="sng" algn="ctr">
-                      <a:noFill/>
-                      <a:prstDash val="solid"/>
-                      <a:round/>
-                      <a:headEnd type="none" w="med" len="med"/>
-                      <a:tailEnd type="none" w="med" len="med"/>
-                    </a:lnB>
-                    <a:lnTlToBr w="12700" cmpd="sng">
-                      <a:noFill/>
-                      <a:prstDash val="solid"/>
-                    </a:lnTlToBr>
-                    <a:lnBlToTr w="12700" cmpd="sng">
-                      <a:noFill/>
-                      <a:prstDash val="solid"/>
-                    </a:lnBlToTr>
-                  </a:tcPr>
-                </a:tc>
-                <a:extLst>
-                  <a:ext uri="{0D108BD9-81ED-4DB2-BD59-A6C34878D82A}">
-                    <a16:rowId xmlns:a16="http://schemas.microsoft.com/office/drawing/2014/main" val="10001"/>
-                  </a:ext>
-                </a:extLst>
-              </a:tr>
-              <a:tr h="628117">
-                <a:tc>
-                  <a:txBody>
-                    <a:bodyPr/>
-                    <a:lstStyle/>
-                    <a:p>
-                      <a:pPr algn="ctr"/>
-                      <a:r>
-                        <a:rPr lang="de-DE" sz="2600" dirty="0"/>
-                        <a:t>2</a:t>
-                      </a:r>
-                    </a:p>
-                  </a:txBody>
-                  <a:tcPr>
-                    <a:lnL w="12700" cap="flat" cmpd="sng" algn="ctr">
-                      <a:noFill/>
-                      <a:prstDash val="solid"/>
-                      <a:round/>
-                      <a:headEnd type="none" w="med" len="med"/>
-                      <a:tailEnd type="none" w="med" len="med"/>
-                    </a:lnL>
-                    <a:lnR w="12700" cap="flat" cmpd="sng" algn="ctr">
-                      <a:noFill/>
-                      <a:prstDash val="solid"/>
-                      <a:round/>
-                      <a:headEnd type="none" w="med" len="med"/>
-                      <a:tailEnd type="none" w="med" len="med"/>
-                    </a:lnR>
-                    <a:lnT w="12700" cap="flat" cmpd="sng" algn="ctr">
-                      <a:noFill/>
-                      <a:prstDash val="solid"/>
-                      <a:round/>
-                      <a:headEnd type="none" w="med" len="med"/>
-                      <a:tailEnd type="none" w="med" len="med"/>
-                    </a:lnT>
-                    <a:lnB w="12700" cap="flat" cmpd="sng" algn="ctr">
-                      <a:noFill/>
-                      <a:prstDash val="solid"/>
-                      <a:round/>
-                      <a:headEnd type="none" w="med" len="med"/>
-                      <a:tailEnd type="none" w="med" len="med"/>
-                    </a:lnB>
-                    <a:lnTlToBr w="12700" cmpd="sng">
-                      <a:noFill/>
-                      <a:prstDash val="solid"/>
-                    </a:lnTlToBr>
-                    <a:lnBlToTr w="12700" cmpd="sng">
-                      <a:noFill/>
-                      <a:prstDash val="solid"/>
-                    </a:lnBlToTr>
-                  </a:tcPr>
-                </a:tc>
-                <a:tc>
-                  <a:txBody>
-                    <a:bodyPr/>
-                    <a:lstStyle/>
-                    <a:p>
-                      <a:pPr algn="ctr"/>
-                      <a:r>
-                        <a:rPr lang="de-DE" sz="2600" dirty="0"/>
-                        <a:t>500</a:t>
-                      </a:r>
-                    </a:p>
-                  </a:txBody>
-                  <a:tcPr>
-                    <a:lnL w="12700" cap="flat" cmpd="sng" algn="ctr">
-                      <a:noFill/>
-                      <a:prstDash val="solid"/>
-                      <a:round/>
-                      <a:headEnd type="none" w="med" len="med"/>
-                      <a:tailEnd type="none" w="med" len="med"/>
-                    </a:lnL>
-                    <a:lnR w="12700" cap="flat" cmpd="sng" algn="ctr">
-                      <a:noFill/>
-                      <a:prstDash val="solid"/>
-                      <a:round/>
-                      <a:headEnd type="none" w="med" len="med"/>
-                      <a:tailEnd type="none" w="med" len="med"/>
-                    </a:lnR>
-                    <a:lnT w="12700" cap="flat" cmpd="sng" algn="ctr">
-                      <a:noFill/>
-                      <a:prstDash val="solid"/>
-                      <a:round/>
-                      <a:headEnd type="none" w="med" len="med"/>
-                      <a:tailEnd type="none" w="med" len="med"/>
-                    </a:lnT>
-                    <a:lnB w="12700" cap="flat" cmpd="sng" algn="ctr">
-                      <a:noFill/>
-                      <a:prstDash val="solid"/>
-                      <a:round/>
-                      <a:headEnd type="none" w="med" len="med"/>
-                      <a:tailEnd type="none" w="med" len="med"/>
-                    </a:lnB>
-                    <a:lnTlToBr w="12700" cmpd="sng">
-                      <a:noFill/>
-                      <a:prstDash val="solid"/>
-                    </a:lnTlToBr>
-                    <a:lnBlToTr w="12700" cmpd="sng">
-                      <a:noFill/>
-                      <a:prstDash val="solid"/>
-                    </a:lnBlToTr>
-                  </a:tcPr>
-                </a:tc>
-                <a:tc>
-                  <a:txBody>
-                    <a:bodyPr/>
-                    <a:lstStyle/>
-                    <a:p>
-                      <a:pPr algn="ctr"/>
-                      <a:r>
-                        <a:rPr lang="de-DE" sz="2600" dirty="0"/>
-                        <a:t>0.25</a:t>
-                      </a:r>
-                    </a:p>
-                  </a:txBody>
-                  <a:tcPr>
-                    <a:lnL w="12700" cap="flat" cmpd="sng" algn="ctr">
-                      <a:noFill/>
-                      <a:prstDash val="solid"/>
-                      <a:round/>
-                      <a:headEnd type="none" w="med" len="med"/>
-                      <a:tailEnd type="none" w="med" len="med"/>
-                    </a:lnL>
-                    <a:lnR w="12700" cap="flat" cmpd="sng" algn="ctr">
-                      <a:noFill/>
-                      <a:prstDash val="solid"/>
-                      <a:round/>
-                      <a:headEnd type="none" w="med" len="med"/>
-                      <a:tailEnd type="none" w="med" len="med"/>
-                    </a:lnR>
-                    <a:lnT w="12700" cap="flat" cmpd="sng" algn="ctr">
-                      <a:noFill/>
-                      <a:prstDash val="solid"/>
-                      <a:round/>
-                      <a:headEnd type="none" w="med" len="med"/>
-                      <a:tailEnd type="none" w="med" len="med"/>
-                    </a:lnT>
-                    <a:lnB w="12700" cap="flat" cmpd="sng" algn="ctr">
-                      <a:noFill/>
-                      <a:prstDash val="solid"/>
-                      <a:round/>
-                      <a:headEnd type="none" w="med" len="med"/>
-                      <a:tailEnd type="none" w="med" len="med"/>
-                    </a:lnB>
-                    <a:lnTlToBr w="12700" cmpd="sng">
-                      <a:noFill/>
-                      <a:prstDash val="solid"/>
-                    </a:lnTlToBr>
-                    <a:lnBlToTr w="12700" cmpd="sng">
-                      <a:noFill/>
-                      <a:prstDash val="solid"/>
-                    </a:lnBlToTr>
-                  </a:tcPr>
-                </a:tc>
-                <a:tc>
-                  <a:txBody>
-                    <a:bodyPr/>
-                    <a:lstStyle/>
-                    <a:p>
-                      <a:pPr algn="ctr"/>
-                      <a:r>
-                        <a:rPr lang="de-DE" sz="2600" dirty="0"/>
-                        <a:t>MCAR</a:t>
-                      </a:r>
-                    </a:p>
-                  </a:txBody>
-                  <a:tcPr>
-                    <a:lnL w="12700" cap="flat" cmpd="sng" algn="ctr">
-                      <a:noFill/>
-                      <a:prstDash val="solid"/>
-                      <a:round/>
-                      <a:headEnd type="none" w="med" len="med"/>
-                      <a:tailEnd type="none" w="med" len="med"/>
-                    </a:lnL>
-                    <a:lnR w="12700" cap="flat" cmpd="sng" algn="ctr">
-                      <a:noFill/>
-                      <a:prstDash val="solid"/>
-                      <a:round/>
-                      <a:headEnd type="none" w="med" len="med"/>
-                      <a:tailEnd type="none" w="med" len="med"/>
-                    </a:lnR>
-                    <a:lnT w="12700" cap="flat" cmpd="sng" algn="ctr">
-                      <a:noFill/>
-                      <a:prstDash val="solid"/>
-                      <a:round/>
-                      <a:headEnd type="none" w="med" len="med"/>
-                      <a:tailEnd type="none" w="med" len="med"/>
-                    </a:lnT>
-                    <a:lnB w="12700" cap="flat" cmpd="sng" algn="ctr">
-                      <a:noFill/>
-                      <a:prstDash val="solid"/>
-                      <a:round/>
-                      <a:headEnd type="none" w="med" len="med"/>
-                      <a:tailEnd type="none" w="med" len="med"/>
-                    </a:lnB>
-                    <a:lnTlToBr w="12700" cmpd="sng">
-                      <a:noFill/>
-                      <a:prstDash val="solid"/>
-                    </a:lnTlToBr>
-                    <a:lnBlToTr w="12700" cmpd="sng">
-                      <a:noFill/>
-                      <a:prstDash val="solid"/>
-                    </a:lnBlToTr>
-                  </a:tcPr>
-                </a:tc>
-                <a:extLst>
-                  <a:ext uri="{0D108BD9-81ED-4DB2-BD59-A6C34878D82A}">
-                    <a16:rowId xmlns:a16="http://schemas.microsoft.com/office/drawing/2014/main" val="10002"/>
-                  </a:ext>
-                </a:extLst>
-              </a:tr>
-              <a:tr h="628117">
-                <a:tc>
-                  <a:txBody>
-                    <a:bodyPr/>
-                    <a:lstStyle/>
-                    <a:p>
-                      <a:pPr algn="ctr"/>
-                      <a:r>
-                        <a:rPr lang="de-DE" sz="2600" dirty="0"/>
-                        <a:t>3</a:t>
-                      </a:r>
-                    </a:p>
-                  </a:txBody>
-                  <a:tcPr>
-                    <a:lnL w="12700" cap="flat" cmpd="sng" algn="ctr">
-                      <a:noFill/>
-                      <a:prstDash val="solid"/>
-                      <a:round/>
-                      <a:headEnd type="none" w="med" len="med"/>
-                      <a:tailEnd type="none" w="med" len="med"/>
-                    </a:lnL>
-                    <a:lnR w="12700" cap="flat" cmpd="sng" algn="ctr">
-                      <a:noFill/>
-                      <a:prstDash val="solid"/>
-                      <a:round/>
-                      <a:headEnd type="none" w="med" len="med"/>
-                      <a:tailEnd type="none" w="med" len="med"/>
-                    </a:lnR>
-                    <a:lnT w="12700" cap="flat" cmpd="sng" algn="ctr">
-                      <a:noFill/>
-                      <a:prstDash val="solid"/>
-                      <a:round/>
-                      <a:headEnd type="none" w="med" len="med"/>
-                      <a:tailEnd type="none" w="med" len="med"/>
-                    </a:lnT>
-                    <a:lnB w="12700" cap="flat" cmpd="sng" algn="ctr">
-                      <a:noFill/>
-                      <a:prstDash val="solid"/>
-                      <a:round/>
-                      <a:headEnd type="none" w="med" len="med"/>
-                      <a:tailEnd type="none" w="med" len="med"/>
-                    </a:lnB>
-                    <a:lnTlToBr w="12700" cmpd="sng">
-                      <a:noFill/>
-                      <a:prstDash val="solid"/>
-                    </a:lnTlToBr>
-                    <a:lnBlToTr w="12700" cmpd="sng">
-                      <a:noFill/>
-                      <a:prstDash val="solid"/>
-                    </a:lnBlToTr>
-                  </a:tcPr>
-                </a:tc>
-                <a:tc>
-                  <a:txBody>
-                    <a:bodyPr/>
-                    <a:lstStyle/>
-                    <a:p>
-                      <a:pPr algn="ctr"/>
-                      <a:r>
-                        <a:rPr lang="de-DE" sz="2600" dirty="0"/>
-                        <a:t>50</a:t>
-                      </a:r>
-                    </a:p>
-                  </a:txBody>
-                  <a:tcPr>
-                    <a:lnL w="12700" cap="flat" cmpd="sng" algn="ctr">
-                      <a:noFill/>
-                      <a:prstDash val="solid"/>
-                      <a:round/>
-                      <a:headEnd type="none" w="med" len="med"/>
-                      <a:tailEnd type="none" w="med" len="med"/>
-                    </a:lnL>
-                    <a:lnR w="12700" cap="flat" cmpd="sng" algn="ctr">
-                      <a:noFill/>
-                      <a:prstDash val="solid"/>
-                      <a:round/>
-                      <a:headEnd type="none" w="med" len="med"/>
-                      <a:tailEnd type="none" w="med" len="med"/>
-                    </a:lnR>
-                    <a:lnT w="12700" cap="flat" cmpd="sng" algn="ctr">
-                      <a:noFill/>
-                      <a:prstDash val="solid"/>
-                      <a:round/>
-                      <a:headEnd type="none" w="med" len="med"/>
-                      <a:tailEnd type="none" w="med" len="med"/>
-                    </a:lnT>
-                    <a:lnB w="12700" cap="flat" cmpd="sng" algn="ctr">
-                      <a:noFill/>
-                      <a:prstDash val="solid"/>
-                      <a:round/>
-                      <a:headEnd type="none" w="med" len="med"/>
-                      <a:tailEnd type="none" w="med" len="med"/>
-                    </a:lnB>
-                    <a:lnTlToBr w="12700" cmpd="sng">
-                      <a:noFill/>
-                      <a:prstDash val="solid"/>
-                    </a:lnTlToBr>
-                    <a:lnBlToTr w="12700" cmpd="sng">
-                      <a:noFill/>
-                      <a:prstDash val="solid"/>
-                    </a:lnBlToTr>
-                  </a:tcPr>
-                </a:tc>
-                <a:tc>
-                  <a:txBody>
-                    <a:bodyPr/>
-                    <a:lstStyle/>
-                    <a:p>
-                      <a:pPr algn="ctr"/>
-                      <a:r>
-                        <a:rPr lang="de-DE" sz="2600" dirty="0"/>
-                        <a:t>0.5</a:t>
-                      </a:r>
-                    </a:p>
-                  </a:txBody>
-                  <a:tcPr>
-                    <a:lnL w="12700" cap="flat" cmpd="sng" algn="ctr">
-                      <a:noFill/>
-                      <a:prstDash val="solid"/>
-                      <a:round/>
-                      <a:headEnd type="none" w="med" len="med"/>
-                      <a:tailEnd type="none" w="med" len="med"/>
-                    </a:lnL>
-                    <a:lnR w="12700" cap="flat" cmpd="sng" algn="ctr">
-                      <a:noFill/>
-                      <a:prstDash val="solid"/>
-                      <a:round/>
-                      <a:headEnd type="none" w="med" len="med"/>
-                      <a:tailEnd type="none" w="med" len="med"/>
-                    </a:lnR>
-                    <a:lnT w="12700" cap="flat" cmpd="sng" algn="ctr">
-                      <a:noFill/>
-                      <a:prstDash val="solid"/>
-                      <a:round/>
-                      <a:headEnd type="none" w="med" len="med"/>
-                      <a:tailEnd type="none" w="med" len="med"/>
-                    </a:lnT>
-                    <a:lnB w="12700" cap="flat" cmpd="sng" algn="ctr">
-                      <a:noFill/>
-                      <a:prstDash val="solid"/>
-                      <a:round/>
-                      <a:headEnd type="none" w="med" len="med"/>
-                      <a:tailEnd type="none" w="med" len="med"/>
-                    </a:lnB>
-                    <a:lnTlToBr w="12700" cmpd="sng">
-                      <a:noFill/>
-                      <a:prstDash val="solid"/>
-                    </a:lnTlToBr>
-                    <a:lnBlToTr w="12700" cmpd="sng">
-                      <a:noFill/>
-                      <a:prstDash val="solid"/>
-                    </a:lnBlToTr>
-                  </a:tcPr>
-                </a:tc>
-                <a:tc>
-                  <a:txBody>
-                    <a:bodyPr/>
-                    <a:lstStyle/>
-                    <a:p>
-                      <a:pPr algn="ctr"/>
-                      <a:r>
-                        <a:rPr lang="de-DE" sz="2600" dirty="0"/>
-                        <a:t>MCAR</a:t>
-                      </a:r>
-                    </a:p>
-                  </a:txBody>
-                  <a:tcPr>
-                    <a:lnL w="12700" cap="flat" cmpd="sng" algn="ctr">
-                      <a:noFill/>
-                      <a:prstDash val="solid"/>
-                      <a:round/>
-                      <a:headEnd type="none" w="med" len="med"/>
-                      <a:tailEnd type="none" w="med" len="med"/>
-                    </a:lnL>
-                    <a:lnR w="12700" cap="flat" cmpd="sng" algn="ctr">
-                      <a:noFill/>
-                      <a:prstDash val="solid"/>
-                      <a:round/>
-                      <a:headEnd type="none" w="med" len="med"/>
-                      <a:tailEnd type="none" w="med" len="med"/>
-                    </a:lnR>
-                    <a:lnT w="12700" cap="flat" cmpd="sng" algn="ctr">
-                      <a:noFill/>
-                      <a:prstDash val="solid"/>
-                      <a:round/>
-                      <a:headEnd type="none" w="med" len="med"/>
-                      <a:tailEnd type="none" w="med" len="med"/>
-                    </a:lnT>
-                    <a:lnB w="12700" cap="flat" cmpd="sng" algn="ctr">
-                      <a:noFill/>
-                      <a:prstDash val="solid"/>
-                      <a:round/>
-                      <a:headEnd type="none" w="med" len="med"/>
-                      <a:tailEnd type="none" w="med" len="med"/>
-                    </a:lnB>
-                    <a:lnTlToBr w="12700" cmpd="sng">
-                      <a:noFill/>
-                      <a:prstDash val="solid"/>
-                    </a:lnTlToBr>
-                    <a:lnBlToTr w="12700" cmpd="sng">
-                      <a:noFill/>
-                      <a:prstDash val="solid"/>
-                    </a:lnBlToTr>
-                  </a:tcPr>
-                </a:tc>
-                <a:extLst>
-                  <a:ext uri="{0D108BD9-81ED-4DB2-BD59-A6C34878D82A}">
-                    <a16:rowId xmlns:a16="http://schemas.microsoft.com/office/drawing/2014/main" val="10003"/>
-                  </a:ext>
-                </a:extLst>
-              </a:tr>
-              <a:tr h="628117">
-                <a:tc>
-                  <a:txBody>
-                    <a:bodyPr/>
-                    <a:lstStyle/>
-                    <a:p>
-                      <a:pPr algn="ctr"/>
-                      <a:r>
-                        <a:rPr lang="de-DE" sz="2600" dirty="0"/>
-                        <a:t>4</a:t>
-                      </a:r>
-                    </a:p>
-                  </a:txBody>
-                  <a:tcPr>
-                    <a:lnL w="12700" cap="flat" cmpd="sng" algn="ctr">
-                      <a:noFill/>
-                      <a:prstDash val="solid"/>
-                      <a:round/>
-                      <a:headEnd type="none" w="med" len="med"/>
-                      <a:tailEnd type="none" w="med" len="med"/>
-                    </a:lnL>
-                    <a:lnR w="12700" cap="flat" cmpd="sng" algn="ctr">
-                      <a:noFill/>
-                      <a:prstDash val="solid"/>
-                      <a:round/>
-                      <a:headEnd type="none" w="med" len="med"/>
-                      <a:tailEnd type="none" w="med" len="med"/>
-                    </a:lnR>
-                    <a:lnT w="12700" cap="flat" cmpd="sng" algn="ctr">
-                      <a:noFill/>
-                      <a:prstDash val="solid"/>
-                      <a:round/>
-                      <a:headEnd type="none" w="med" len="med"/>
-                      <a:tailEnd type="none" w="med" len="med"/>
-                    </a:lnT>
-                    <a:lnB w="12700" cap="flat" cmpd="sng" algn="ctr">
-                      <a:noFill/>
-                      <a:prstDash val="solid"/>
-                      <a:round/>
-                      <a:headEnd type="none" w="med" len="med"/>
-                      <a:tailEnd type="none" w="med" len="med"/>
-                    </a:lnB>
-                    <a:lnTlToBr w="12700" cmpd="sng">
-                      <a:noFill/>
-                      <a:prstDash val="solid"/>
-                    </a:lnTlToBr>
-                    <a:lnBlToTr w="12700" cmpd="sng">
-                      <a:noFill/>
-                      <a:prstDash val="solid"/>
-                    </a:lnBlToTr>
-                  </a:tcPr>
-                </a:tc>
-                <a:tc>
-                  <a:txBody>
-                    <a:bodyPr/>
-                    <a:lstStyle/>
-                    <a:p>
-                      <a:pPr algn="ctr"/>
-                      <a:r>
-                        <a:rPr lang="de-DE" sz="2600" dirty="0"/>
-                        <a:t>500</a:t>
-                      </a:r>
-                    </a:p>
-                  </a:txBody>
-                  <a:tcPr>
-                    <a:lnL w="12700" cap="flat" cmpd="sng" algn="ctr">
-                      <a:noFill/>
-                      <a:prstDash val="solid"/>
-                      <a:round/>
-                      <a:headEnd type="none" w="med" len="med"/>
-                      <a:tailEnd type="none" w="med" len="med"/>
-                    </a:lnL>
-                    <a:lnR w="12700" cap="flat" cmpd="sng" algn="ctr">
-                      <a:noFill/>
-                      <a:prstDash val="solid"/>
-                      <a:round/>
-                      <a:headEnd type="none" w="med" len="med"/>
-                      <a:tailEnd type="none" w="med" len="med"/>
-                    </a:lnR>
-                    <a:lnT w="12700" cap="flat" cmpd="sng" algn="ctr">
-                      <a:noFill/>
-                      <a:prstDash val="solid"/>
-                      <a:round/>
-                      <a:headEnd type="none" w="med" len="med"/>
-                      <a:tailEnd type="none" w="med" len="med"/>
-                    </a:lnT>
-                    <a:lnB w="12700" cap="flat" cmpd="sng" algn="ctr">
-                      <a:noFill/>
-                      <a:prstDash val="solid"/>
-                      <a:round/>
-                      <a:headEnd type="none" w="med" len="med"/>
-                      <a:tailEnd type="none" w="med" len="med"/>
-                    </a:lnB>
-                    <a:lnTlToBr w="12700" cmpd="sng">
-                      <a:noFill/>
-                      <a:prstDash val="solid"/>
-                    </a:lnTlToBr>
-                    <a:lnBlToTr w="12700" cmpd="sng">
-                      <a:noFill/>
-                      <a:prstDash val="solid"/>
-                    </a:lnBlToTr>
-                  </a:tcPr>
-                </a:tc>
-                <a:tc>
-                  <a:txBody>
-                    <a:bodyPr/>
-                    <a:lstStyle/>
-                    <a:p>
-                      <a:pPr algn="ctr"/>
-                      <a:r>
-                        <a:rPr lang="de-DE" sz="2600" dirty="0"/>
-                        <a:t>0.5</a:t>
-                      </a:r>
-                    </a:p>
-                  </a:txBody>
-                  <a:tcPr>
-                    <a:lnL w="12700" cap="flat" cmpd="sng" algn="ctr">
-                      <a:noFill/>
-                      <a:prstDash val="solid"/>
-                      <a:round/>
-                      <a:headEnd type="none" w="med" len="med"/>
-                      <a:tailEnd type="none" w="med" len="med"/>
-                    </a:lnL>
-                    <a:lnR w="12700" cap="flat" cmpd="sng" algn="ctr">
-                      <a:noFill/>
-                      <a:prstDash val="solid"/>
-                      <a:round/>
-                      <a:headEnd type="none" w="med" len="med"/>
-                      <a:tailEnd type="none" w="med" len="med"/>
-                    </a:lnR>
-                    <a:lnT w="12700" cap="flat" cmpd="sng" algn="ctr">
-                      <a:noFill/>
-                      <a:prstDash val="solid"/>
-                      <a:round/>
-                      <a:headEnd type="none" w="med" len="med"/>
-                      <a:tailEnd type="none" w="med" len="med"/>
-                    </a:lnT>
-                    <a:lnB w="12700" cap="flat" cmpd="sng" algn="ctr">
-                      <a:noFill/>
-                      <a:prstDash val="solid"/>
-                      <a:round/>
-                      <a:headEnd type="none" w="med" len="med"/>
-                      <a:tailEnd type="none" w="med" len="med"/>
-                    </a:lnB>
-                    <a:lnTlToBr w="12700" cmpd="sng">
-                      <a:noFill/>
-                      <a:prstDash val="solid"/>
-                    </a:lnTlToBr>
-                    <a:lnBlToTr w="12700" cmpd="sng">
-                      <a:noFill/>
-                      <a:prstDash val="solid"/>
-                    </a:lnBlToTr>
-                  </a:tcPr>
-                </a:tc>
-                <a:tc>
-                  <a:txBody>
-                    <a:bodyPr/>
-                    <a:lstStyle/>
-                    <a:p>
-                      <a:pPr algn="ctr"/>
-                      <a:r>
-                        <a:rPr lang="de-DE" sz="2600" dirty="0"/>
-                        <a:t>MCAR</a:t>
-                      </a:r>
-                    </a:p>
-                  </a:txBody>
-                  <a:tcPr>
-                    <a:lnL w="12700" cap="flat" cmpd="sng" algn="ctr">
-                      <a:noFill/>
-                      <a:prstDash val="solid"/>
-                      <a:round/>
-                      <a:headEnd type="none" w="med" len="med"/>
-                      <a:tailEnd type="none" w="med" len="med"/>
-                    </a:lnL>
-                    <a:lnR w="12700" cap="flat" cmpd="sng" algn="ctr">
-                      <a:noFill/>
-                      <a:prstDash val="solid"/>
-                      <a:round/>
-                      <a:headEnd type="none" w="med" len="med"/>
-                      <a:tailEnd type="none" w="med" len="med"/>
-                    </a:lnR>
-                    <a:lnT w="12700" cap="flat" cmpd="sng" algn="ctr">
-                      <a:noFill/>
-                      <a:prstDash val="solid"/>
-                      <a:round/>
-                      <a:headEnd type="none" w="med" len="med"/>
-                      <a:tailEnd type="none" w="med" len="med"/>
-                    </a:lnT>
-                    <a:lnB w="12700" cap="flat" cmpd="sng" algn="ctr">
-                      <a:noFill/>
-                      <a:prstDash val="solid"/>
-                      <a:round/>
-                      <a:headEnd type="none" w="med" len="med"/>
-                      <a:tailEnd type="none" w="med" len="med"/>
-                    </a:lnB>
-                    <a:lnTlToBr w="12700" cmpd="sng">
-                      <a:noFill/>
-                      <a:prstDash val="solid"/>
-                    </a:lnTlToBr>
-                    <a:lnBlToTr w="12700" cmpd="sng">
-                      <a:noFill/>
-                      <a:prstDash val="solid"/>
-                    </a:lnBlToTr>
-                  </a:tcPr>
-                </a:tc>
-                <a:extLst>
-                  <a:ext uri="{0D108BD9-81ED-4DB2-BD59-A6C34878D82A}">
-                    <a16:rowId xmlns:a16="http://schemas.microsoft.com/office/drawing/2014/main" val="10004"/>
-                  </a:ext>
-                </a:extLst>
-              </a:tr>
-              <a:tr h="628117">
-                <a:tc>
-                  <a:txBody>
-                    <a:bodyPr/>
-                    <a:lstStyle/>
-                    <a:p>
-                      <a:pPr algn="ctr"/>
-                      <a:r>
-                        <a:rPr lang="de-DE" sz="2600" dirty="0"/>
-                        <a:t>5</a:t>
-                      </a:r>
-                    </a:p>
-                  </a:txBody>
-                  <a:tcPr>
-                    <a:lnL w="12700" cap="flat" cmpd="sng" algn="ctr">
-                      <a:noFill/>
-                      <a:prstDash val="solid"/>
-                      <a:round/>
-                      <a:headEnd type="none" w="med" len="med"/>
-                      <a:tailEnd type="none" w="med" len="med"/>
-                    </a:lnL>
-                    <a:lnR w="12700" cap="flat" cmpd="sng" algn="ctr">
-                      <a:noFill/>
-                      <a:prstDash val="solid"/>
-                      <a:round/>
-                      <a:headEnd type="none" w="med" len="med"/>
-                      <a:tailEnd type="none" w="med" len="med"/>
-                    </a:lnR>
-                    <a:lnT w="12700" cap="flat" cmpd="sng" algn="ctr">
-                      <a:noFill/>
-                      <a:prstDash val="solid"/>
-                      <a:round/>
-                      <a:headEnd type="none" w="med" len="med"/>
-                      <a:tailEnd type="none" w="med" len="med"/>
-                    </a:lnT>
-                    <a:lnB w="12700" cap="flat" cmpd="sng" algn="ctr">
-                      <a:noFill/>
-                      <a:prstDash val="solid"/>
-                      <a:round/>
-                      <a:headEnd type="none" w="med" len="med"/>
-                      <a:tailEnd type="none" w="med" len="med"/>
-                    </a:lnB>
-                    <a:lnTlToBr w="12700" cmpd="sng">
-                      <a:noFill/>
-                      <a:prstDash val="solid"/>
-                    </a:lnTlToBr>
-                    <a:lnBlToTr w="12700" cmpd="sng">
-                      <a:noFill/>
-                      <a:prstDash val="solid"/>
-                    </a:lnBlToTr>
-                  </a:tcPr>
-                </a:tc>
-                <a:tc>
-                  <a:txBody>
-                    <a:bodyPr/>
-                    <a:lstStyle/>
-                    <a:p>
-                      <a:pPr algn="ctr"/>
-                      <a:r>
-                        <a:rPr lang="de-DE" sz="2600" dirty="0"/>
-                        <a:t>50</a:t>
-                      </a:r>
-                    </a:p>
-                  </a:txBody>
-                  <a:tcPr>
-                    <a:lnL w="12700" cap="flat" cmpd="sng" algn="ctr">
-                      <a:noFill/>
-                      <a:prstDash val="solid"/>
-                      <a:round/>
-                      <a:headEnd type="none" w="med" len="med"/>
-                      <a:tailEnd type="none" w="med" len="med"/>
-                    </a:lnL>
-                    <a:lnR w="12700" cap="flat" cmpd="sng" algn="ctr">
-                      <a:noFill/>
-                      <a:prstDash val="solid"/>
-                      <a:round/>
-                      <a:headEnd type="none" w="med" len="med"/>
-                      <a:tailEnd type="none" w="med" len="med"/>
-                    </a:lnR>
-                    <a:lnT w="12700" cap="flat" cmpd="sng" algn="ctr">
-                      <a:noFill/>
-                      <a:prstDash val="solid"/>
-                      <a:round/>
-                      <a:headEnd type="none" w="med" len="med"/>
-                      <a:tailEnd type="none" w="med" len="med"/>
-                    </a:lnT>
-                    <a:lnB w="12700" cap="flat" cmpd="sng" algn="ctr">
-                      <a:noFill/>
-                      <a:prstDash val="solid"/>
-                      <a:round/>
-                      <a:headEnd type="none" w="med" len="med"/>
-                      <a:tailEnd type="none" w="med" len="med"/>
-                    </a:lnB>
-                    <a:lnTlToBr w="12700" cmpd="sng">
-                      <a:noFill/>
-                      <a:prstDash val="solid"/>
-                    </a:lnTlToBr>
-                    <a:lnBlToTr w="12700" cmpd="sng">
-                      <a:noFill/>
-                      <a:prstDash val="solid"/>
-                    </a:lnBlToTr>
-                  </a:tcPr>
-                </a:tc>
-                <a:tc>
-                  <a:txBody>
-                    <a:bodyPr/>
-                    <a:lstStyle/>
-                    <a:p>
-                      <a:pPr algn="ctr"/>
-                      <a:r>
-                        <a:rPr lang="de-DE" sz="2600" dirty="0"/>
-                        <a:t>0.25</a:t>
-                      </a:r>
-                    </a:p>
-                  </a:txBody>
-                  <a:tcPr>
-                    <a:lnL w="12700" cap="flat" cmpd="sng" algn="ctr">
-                      <a:noFill/>
-                      <a:prstDash val="solid"/>
-                      <a:round/>
-                      <a:headEnd type="none" w="med" len="med"/>
-                      <a:tailEnd type="none" w="med" len="med"/>
-                    </a:lnL>
-                    <a:lnR w="12700" cap="flat" cmpd="sng" algn="ctr">
-                      <a:noFill/>
-                      <a:prstDash val="solid"/>
-                      <a:round/>
-                      <a:headEnd type="none" w="med" len="med"/>
-                      <a:tailEnd type="none" w="med" len="med"/>
-                    </a:lnR>
-                    <a:lnT w="12700" cap="flat" cmpd="sng" algn="ctr">
-                      <a:noFill/>
-                      <a:prstDash val="solid"/>
-                      <a:round/>
-                      <a:headEnd type="none" w="med" len="med"/>
-                      <a:tailEnd type="none" w="med" len="med"/>
-                    </a:lnT>
-                    <a:lnB w="12700" cap="flat" cmpd="sng" algn="ctr">
-                      <a:noFill/>
-                      <a:prstDash val="solid"/>
-                      <a:round/>
-                      <a:headEnd type="none" w="med" len="med"/>
-                      <a:tailEnd type="none" w="med" len="med"/>
-                    </a:lnB>
-                    <a:lnTlToBr w="12700" cmpd="sng">
-                      <a:noFill/>
-                      <a:prstDash val="solid"/>
-                    </a:lnTlToBr>
-                    <a:lnBlToTr w="12700" cmpd="sng">
-                      <a:noFill/>
-                      <a:prstDash val="solid"/>
-                    </a:lnBlToTr>
-                  </a:tcPr>
-                </a:tc>
-                <a:tc>
-                  <a:txBody>
-                    <a:bodyPr/>
-                    <a:lstStyle/>
-                    <a:p>
-                      <a:pPr algn="ctr"/>
-                      <a:r>
-                        <a:rPr lang="de-DE" sz="2600" dirty="0"/>
-                        <a:t>MAR</a:t>
-                      </a:r>
-                    </a:p>
-                  </a:txBody>
-                  <a:tcPr>
-                    <a:lnL w="12700" cap="flat" cmpd="sng" algn="ctr">
-                      <a:noFill/>
-                      <a:prstDash val="solid"/>
-                      <a:round/>
-                      <a:headEnd type="none" w="med" len="med"/>
-                      <a:tailEnd type="none" w="med" len="med"/>
-                    </a:lnL>
-                    <a:lnR w="12700" cap="flat" cmpd="sng" algn="ctr">
-                      <a:noFill/>
-                      <a:prstDash val="solid"/>
-                      <a:round/>
-                      <a:headEnd type="none" w="med" len="med"/>
-                      <a:tailEnd type="none" w="med" len="med"/>
-                    </a:lnR>
-                    <a:lnT w="12700" cap="flat" cmpd="sng" algn="ctr">
-                      <a:noFill/>
-                      <a:prstDash val="solid"/>
-                      <a:round/>
-                      <a:headEnd type="none" w="med" len="med"/>
-                      <a:tailEnd type="none" w="med" len="med"/>
-                    </a:lnT>
-                    <a:lnB w="12700" cap="flat" cmpd="sng" algn="ctr">
-                      <a:noFill/>
-                      <a:prstDash val="solid"/>
-                      <a:round/>
-                      <a:headEnd type="none" w="med" len="med"/>
-                      <a:tailEnd type="none" w="med" len="med"/>
-                    </a:lnB>
-                    <a:lnTlToBr w="12700" cmpd="sng">
-                      <a:noFill/>
-                      <a:prstDash val="solid"/>
-                    </a:lnTlToBr>
-                    <a:lnBlToTr w="12700" cmpd="sng">
-                      <a:noFill/>
-                      <a:prstDash val="solid"/>
-                    </a:lnBlToTr>
-                  </a:tcPr>
-                </a:tc>
-                <a:extLst>
-                  <a:ext uri="{0D108BD9-81ED-4DB2-BD59-A6C34878D82A}">
-                    <a16:rowId xmlns:a16="http://schemas.microsoft.com/office/drawing/2014/main" val="10005"/>
-                  </a:ext>
-                </a:extLst>
-              </a:tr>
-              <a:tr h="628117">
-                <a:tc>
-                  <a:txBody>
-                    <a:bodyPr/>
-                    <a:lstStyle/>
-                    <a:p>
-                      <a:pPr algn="ctr"/>
-                      <a:r>
-                        <a:rPr lang="de-DE" sz="2600" dirty="0"/>
-                        <a:t>6</a:t>
-                      </a:r>
-                    </a:p>
-                  </a:txBody>
-                  <a:tcPr>
-                    <a:lnL w="12700" cap="flat" cmpd="sng" algn="ctr">
-                      <a:noFill/>
-                      <a:prstDash val="solid"/>
-                      <a:round/>
-                      <a:headEnd type="none" w="med" len="med"/>
-                      <a:tailEnd type="none" w="med" len="med"/>
-                    </a:lnL>
-                    <a:lnR w="12700" cap="flat" cmpd="sng" algn="ctr">
-                      <a:noFill/>
-                      <a:prstDash val="solid"/>
-                      <a:round/>
-                      <a:headEnd type="none" w="med" len="med"/>
-                      <a:tailEnd type="none" w="med" len="med"/>
-                    </a:lnR>
-                    <a:lnT w="12700" cap="flat" cmpd="sng" algn="ctr">
-                      <a:noFill/>
-                      <a:prstDash val="solid"/>
-                      <a:round/>
-                      <a:headEnd type="none" w="med" len="med"/>
-                      <a:tailEnd type="none" w="med" len="med"/>
-                    </a:lnT>
-                    <a:lnB w="12700" cap="flat" cmpd="sng" algn="ctr">
-                      <a:noFill/>
-                      <a:prstDash val="solid"/>
-                      <a:round/>
-                      <a:headEnd type="none" w="med" len="med"/>
-                      <a:tailEnd type="none" w="med" len="med"/>
-                    </a:lnB>
-                    <a:lnTlToBr w="12700" cmpd="sng">
-                      <a:noFill/>
-                      <a:prstDash val="solid"/>
-                    </a:lnTlToBr>
-                    <a:lnBlToTr w="12700" cmpd="sng">
-                      <a:noFill/>
-                      <a:prstDash val="solid"/>
-                    </a:lnBlToTr>
-                  </a:tcPr>
-                </a:tc>
-                <a:tc>
-                  <a:txBody>
-                    <a:bodyPr/>
-                    <a:lstStyle/>
-                    <a:p>
-                      <a:pPr algn="ctr"/>
-                      <a:r>
-                        <a:rPr lang="de-DE" sz="2600" dirty="0"/>
-                        <a:t>500</a:t>
-                      </a:r>
-                    </a:p>
-                  </a:txBody>
-                  <a:tcPr>
-                    <a:lnL w="12700" cap="flat" cmpd="sng" algn="ctr">
-                      <a:noFill/>
-                      <a:prstDash val="solid"/>
-                      <a:round/>
-                      <a:headEnd type="none" w="med" len="med"/>
-                      <a:tailEnd type="none" w="med" len="med"/>
-                    </a:lnL>
-                    <a:lnR w="12700" cap="flat" cmpd="sng" algn="ctr">
-                      <a:noFill/>
-                      <a:prstDash val="solid"/>
-                      <a:round/>
-                      <a:headEnd type="none" w="med" len="med"/>
-                      <a:tailEnd type="none" w="med" len="med"/>
-                    </a:lnR>
-                    <a:lnT w="12700" cap="flat" cmpd="sng" algn="ctr">
-                      <a:noFill/>
-                      <a:prstDash val="solid"/>
-                      <a:round/>
-                      <a:headEnd type="none" w="med" len="med"/>
-                      <a:tailEnd type="none" w="med" len="med"/>
-                    </a:lnT>
-                    <a:lnB w="12700" cap="flat" cmpd="sng" algn="ctr">
-                      <a:noFill/>
-                      <a:prstDash val="solid"/>
-                      <a:round/>
-                      <a:headEnd type="none" w="med" len="med"/>
-                      <a:tailEnd type="none" w="med" len="med"/>
-                    </a:lnB>
-                    <a:lnTlToBr w="12700" cmpd="sng">
-                      <a:noFill/>
-                      <a:prstDash val="solid"/>
-                    </a:lnTlToBr>
-                    <a:lnBlToTr w="12700" cmpd="sng">
-                      <a:noFill/>
-                      <a:prstDash val="solid"/>
-                    </a:lnBlToTr>
-                  </a:tcPr>
-                </a:tc>
-                <a:tc>
-                  <a:txBody>
-                    <a:bodyPr/>
-                    <a:lstStyle/>
-                    <a:p>
-                      <a:pPr algn="ctr"/>
-                      <a:r>
-                        <a:rPr lang="de-DE" sz="2600" dirty="0"/>
-                        <a:t>0.25</a:t>
-                      </a:r>
-                    </a:p>
-                  </a:txBody>
-                  <a:tcPr>
-                    <a:lnL w="12700" cap="flat" cmpd="sng" algn="ctr">
-                      <a:noFill/>
-                      <a:prstDash val="solid"/>
-                      <a:round/>
-                      <a:headEnd type="none" w="med" len="med"/>
-                      <a:tailEnd type="none" w="med" len="med"/>
-                    </a:lnL>
-                    <a:lnR w="12700" cap="flat" cmpd="sng" algn="ctr">
-                      <a:noFill/>
-                      <a:prstDash val="solid"/>
-                      <a:round/>
-                      <a:headEnd type="none" w="med" len="med"/>
-                      <a:tailEnd type="none" w="med" len="med"/>
-                    </a:lnR>
-                    <a:lnT w="12700" cap="flat" cmpd="sng" algn="ctr">
-                      <a:noFill/>
-                      <a:prstDash val="solid"/>
-                      <a:round/>
-                      <a:headEnd type="none" w="med" len="med"/>
-                      <a:tailEnd type="none" w="med" len="med"/>
-                    </a:lnT>
-                    <a:lnB w="12700" cap="flat" cmpd="sng" algn="ctr">
-                      <a:noFill/>
-                      <a:prstDash val="solid"/>
-                      <a:round/>
-                      <a:headEnd type="none" w="med" len="med"/>
-                      <a:tailEnd type="none" w="med" len="med"/>
-                    </a:lnB>
-                    <a:lnTlToBr w="12700" cmpd="sng">
-                      <a:noFill/>
-                      <a:prstDash val="solid"/>
-                    </a:lnTlToBr>
-                    <a:lnBlToTr w="12700" cmpd="sng">
-                      <a:noFill/>
-                      <a:prstDash val="solid"/>
-                    </a:lnBlToTr>
-                  </a:tcPr>
-                </a:tc>
-                <a:tc>
-                  <a:txBody>
-                    <a:bodyPr/>
-                    <a:lstStyle/>
-                    <a:p>
-                      <a:pPr algn="ctr"/>
-                      <a:r>
-                        <a:rPr lang="de-DE" sz="2600" dirty="0"/>
-                        <a:t>MAR</a:t>
-                      </a:r>
-                    </a:p>
-                  </a:txBody>
-                  <a:tcPr>
-                    <a:lnL w="12700" cap="flat" cmpd="sng" algn="ctr">
-                      <a:noFill/>
-                      <a:prstDash val="solid"/>
-                      <a:round/>
-                      <a:headEnd type="none" w="med" len="med"/>
-                      <a:tailEnd type="none" w="med" len="med"/>
-                    </a:lnL>
-                    <a:lnR w="12700" cap="flat" cmpd="sng" algn="ctr">
-                      <a:noFill/>
-                      <a:prstDash val="solid"/>
-                      <a:round/>
-                      <a:headEnd type="none" w="med" len="med"/>
-                      <a:tailEnd type="none" w="med" len="med"/>
-                    </a:lnR>
-                    <a:lnT w="12700" cap="flat" cmpd="sng" algn="ctr">
-                      <a:noFill/>
-                      <a:prstDash val="solid"/>
-                      <a:round/>
-                      <a:headEnd type="none" w="med" len="med"/>
-                      <a:tailEnd type="none" w="med" len="med"/>
-                    </a:lnT>
-                    <a:lnB w="12700" cap="flat" cmpd="sng" algn="ctr">
-                      <a:noFill/>
-                      <a:prstDash val="solid"/>
-                      <a:round/>
-                      <a:headEnd type="none" w="med" len="med"/>
-                      <a:tailEnd type="none" w="med" len="med"/>
-                    </a:lnB>
-                    <a:lnTlToBr w="12700" cmpd="sng">
-                      <a:noFill/>
-                      <a:prstDash val="solid"/>
-                    </a:lnTlToBr>
-                    <a:lnBlToTr w="12700" cmpd="sng">
-                      <a:noFill/>
-                      <a:prstDash val="solid"/>
-                    </a:lnBlToTr>
-                  </a:tcPr>
-                </a:tc>
-                <a:extLst>
-                  <a:ext uri="{0D108BD9-81ED-4DB2-BD59-A6C34878D82A}">
-                    <a16:rowId xmlns:a16="http://schemas.microsoft.com/office/drawing/2014/main" val="10006"/>
-                  </a:ext>
-                </a:extLst>
-              </a:tr>
-              <a:tr h="628117">
-                <a:tc>
-                  <a:txBody>
-                    <a:bodyPr/>
-                    <a:lstStyle/>
-                    <a:p>
-                      <a:pPr algn="ctr"/>
-                      <a:r>
-                        <a:rPr lang="de-DE" sz="2600" dirty="0"/>
-                        <a:t>7</a:t>
-                      </a:r>
-                    </a:p>
-                  </a:txBody>
-                  <a:tcPr>
-                    <a:lnL w="12700" cap="flat" cmpd="sng" algn="ctr">
-                      <a:noFill/>
-                      <a:prstDash val="solid"/>
-                      <a:round/>
-                      <a:headEnd type="none" w="med" len="med"/>
-                      <a:tailEnd type="none" w="med" len="med"/>
-                    </a:lnL>
-                    <a:lnR w="12700" cap="flat" cmpd="sng" algn="ctr">
-                      <a:noFill/>
-                      <a:prstDash val="solid"/>
-                      <a:round/>
-                      <a:headEnd type="none" w="med" len="med"/>
-                      <a:tailEnd type="none" w="med" len="med"/>
-                    </a:lnR>
-                    <a:lnT w="12700" cap="flat" cmpd="sng" algn="ctr">
-                      <a:noFill/>
-                      <a:prstDash val="solid"/>
-                      <a:round/>
-                      <a:headEnd type="none" w="med" len="med"/>
-                      <a:tailEnd type="none" w="med" len="med"/>
-                    </a:lnT>
-                    <a:lnB w="12700" cap="flat" cmpd="sng" algn="ctr">
-                      <a:noFill/>
-                      <a:prstDash val="solid"/>
-                      <a:round/>
-                      <a:headEnd type="none" w="med" len="med"/>
-                      <a:tailEnd type="none" w="med" len="med"/>
-                    </a:lnB>
-                    <a:lnTlToBr w="12700" cmpd="sng">
-                      <a:noFill/>
-                      <a:prstDash val="solid"/>
-                    </a:lnTlToBr>
-                    <a:lnBlToTr w="12700" cmpd="sng">
-                      <a:noFill/>
-                      <a:prstDash val="solid"/>
-                    </a:lnBlToTr>
-                  </a:tcPr>
-                </a:tc>
-                <a:tc>
-                  <a:txBody>
-                    <a:bodyPr/>
-                    <a:lstStyle/>
-                    <a:p>
-                      <a:pPr algn="ctr"/>
-                      <a:r>
-                        <a:rPr lang="de-DE" sz="2600" dirty="0"/>
-                        <a:t>50</a:t>
-                      </a:r>
-                    </a:p>
-                  </a:txBody>
-                  <a:tcPr>
-                    <a:lnL w="12700" cap="flat" cmpd="sng" algn="ctr">
-                      <a:noFill/>
-                      <a:prstDash val="solid"/>
-                      <a:round/>
-                      <a:headEnd type="none" w="med" len="med"/>
-                      <a:tailEnd type="none" w="med" len="med"/>
-                    </a:lnL>
-                    <a:lnR w="12700" cap="flat" cmpd="sng" algn="ctr">
-                      <a:noFill/>
-                      <a:prstDash val="solid"/>
-                      <a:round/>
-                      <a:headEnd type="none" w="med" len="med"/>
-                      <a:tailEnd type="none" w="med" len="med"/>
-                    </a:lnR>
-                    <a:lnT w="12700" cap="flat" cmpd="sng" algn="ctr">
-                      <a:noFill/>
-                      <a:prstDash val="solid"/>
-                      <a:round/>
-                      <a:headEnd type="none" w="med" len="med"/>
-                      <a:tailEnd type="none" w="med" len="med"/>
-                    </a:lnT>
-                    <a:lnB w="12700" cap="flat" cmpd="sng" algn="ctr">
-                      <a:noFill/>
-                      <a:prstDash val="solid"/>
-                      <a:round/>
-                      <a:headEnd type="none" w="med" len="med"/>
-                      <a:tailEnd type="none" w="med" len="med"/>
-                    </a:lnB>
-                    <a:lnTlToBr w="12700" cmpd="sng">
-                      <a:noFill/>
-                      <a:prstDash val="solid"/>
-                    </a:lnTlToBr>
-                    <a:lnBlToTr w="12700" cmpd="sng">
-                      <a:noFill/>
-                      <a:prstDash val="solid"/>
-                    </a:lnBlToTr>
-                  </a:tcPr>
-                </a:tc>
-                <a:tc>
-                  <a:txBody>
-                    <a:bodyPr/>
-                    <a:lstStyle/>
-                    <a:p>
-                      <a:pPr algn="ctr"/>
-                      <a:r>
-                        <a:rPr lang="de-DE" sz="2600" dirty="0"/>
-                        <a:t>0.5</a:t>
-                      </a:r>
-                    </a:p>
-                  </a:txBody>
-                  <a:tcPr>
-                    <a:lnL w="12700" cap="flat" cmpd="sng" algn="ctr">
-                      <a:noFill/>
-                      <a:prstDash val="solid"/>
-                      <a:round/>
-                      <a:headEnd type="none" w="med" len="med"/>
-                      <a:tailEnd type="none" w="med" len="med"/>
-                    </a:lnL>
-                    <a:lnR w="12700" cap="flat" cmpd="sng" algn="ctr">
-                      <a:noFill/>
-                      <a:prstDash val="solid"/>
-                      <a:round/>
-                      <a:headEnd type="none" w="med" len="med"/>
-                      <a:tailEnd type="none" w="med" len="med"/>
-                    </a:lnR>
-                    <a:lnT w="12700" cap="flat" cmpd="sng" algn="ctr">
-                      <a:noFill/>
-                      <a:prstDash val="solid"/>
-                      <a:round/>
-                      <a:headEnd type="none" w="med" len="med"/>
-                      <a:tailEnd type="none" w="med" len="med"/>
-                    </a:lnT>
-                    <a:lnB w="12700" cap="flat" cmpd="sng" algn="ctr">
-                      <a:noFill/>
-                      <a:prstDash val="solid"/>
-                      <a:round/>
-                      <a:headEnd type="none" w="med" len="med"/>
-                      <a:tailEnd type="none" w="med" len="med"/>
-                    </a:lnB>
-                    <a:lnTlToBr w="12700" cmpd="sng">
-                      <a:noFill/>
-                      <a:prstDash val="solid"/>
-                    </a:lnTlToBr>
-                    <a:lnBlToTr w="12700" cmpd="sng">
-                      <a:noFill/>
-                      <a:prstDash val="solid"/>
-                    </a:lnBlToTr>
-                  </a:tcPr>
-                </a:tc>
-                <a:tc>
-                  <a:txBody>
-                    <a:bodyPr/>
-                    <a:lstStyle/>
-                    <a:p>
-                      <a:pPr algn="ctr"/>
-                      <a:r>
-                        <a:rPr lang="de-DE" sz="2600" dirty="0"/>
-                        <a:t>MAR</a:t>
-                      </a:r>
-                    </a:p>
-                  </a:txBody>
-                  <a:tcPr>
-                    <a:lnL w="12700" cap="flat" cmpd="sng" algn="ctr">
-                      <a:noFill/>
-                      <a:prstDash val="solid"/>
-                      <a:round/>
-                      <a:headEnd type="none" w="med" len="med"/>
-                      <a:tailEnd type="none" w="med" len="med"/>
-                    </a:lnL>
-                    <a:lnR w="12700" cap="flat" cmpd="sng" algn="ctr">
-                      <a:noFill/>
-                      <a:prstDash val="solid"/>
-                      <a:round/>
-                      <a:headEnd type="none" w="med" len="med"/>
-                      <a:tailEnd type="none" w="med" len="med"/>
-                    </a:lnR>
-                    <a:lnT w="12700" cap="flat" cmpd="sng" algn="ctr">
-                      <a:noFill/>
-                      <a:prstDash val="solid"/>
-                      <a:round/>
-                      <a:headEnd type="none" w="med" len="med"/>
-                      <a:tailEnd type="none" w="med" len="med"/>
-                    </a:lnT>
-                    <a:lnB w="12700" cap="flat" cmpd="sng" algn="ctr">
-                      <a:noFill/>
-                      <a:prstDash val="solid"/>
-                      <a:round/>
-                      <a:headEnd type="none" w="med" len="med"/>
-                      <a:tailEnd type="none" w="med" len="med"/>
-                    </a:lnB>
-                    <a:lnTlToBr w="12700" cmpd="sng">
-                      <a:noFill/>
-                      <a:prstDash val="solid"/>
-                    </a:lnTlToBr>
-                    <a:lnBlToTr w="12700" cmpd="sng">
-                      <a:noFill/>
-                      <a:prstDash val="solid"/>
-                    </a:lnBlToTr>
-                  </a:tcPr>
-                </a:tc>
-                <a:extLst>
-                  <a:ext uri="{0D108BD9-81ED-4DB2-BD59-A6C34878D82A}">
-                    <a16:rowId xmlns:a16="http://schemas.microsoft.com/office/drawing/2014/main" val="10007"/>
-                  </a:ext>
-                </a:extLst>
-              </a:tr>
-              <a:tr h="628117">
-                <a:tc>
-                  <a:txBody>
-                    <a:bodyPr/>
-                    <a:lstStyle/>
-                    <a:p>
-                      <a:pPr algn="ctr"/>
-                      <a:r>
-                        <a:rPr lang="de-DE" sz="2600" dirty="0"/>
-                        <a:t>8</a:t>
-                      </a:r>
-                    </a:p>
-                  </a:txBody>
-                  <a:tcPr>
-                    <a:lnL w="12700" cap="flat" cmpd="sng" algn="ctr">
-                      <a:noFill/>
-                      <a:prstDash val="solid"/>
-                      <a:round/>
-                      <a:headEnd type="none" w="med" len="med"/>
-                      <a:tailEnd type="none" w="med" len="med"/>
-                    </a:lnL>
-                    <a:lnR w="12700" cap="flat" cmpd="sng" algn="ctr">
-                      <a:noFill/>
-                      <a:prstDash val="solid"/>
-                      <a:round/>
-                      <a:headEnd type="none" w="med" len="med"/>
-                      <a:tailEnd type="none" w="med" len="med"/>
-                    </a:lnR>
-                    <a:lnT w="12700" cap="flat" cmpd="sng" algn="ctr">
-                      <a:noFill/>
-                      <a:prstDash val="solid"/>
-                      <a:round/>
-                      <a:headEnd type="none" w="med" len="med"/>
-                      <a:tailEnd type="none" w="med" len="med"/>
-                    </a:lnT>
-                    <a:lnB w="12700" cap="flat" cmpd="sng" algn="ctr">
-                      <a:noFill/>
-                      <a:prstDash val="solid"/>
-                      <a:round/>
-                      <a:headEnd type="none" w="med" len="med"/>
-                      <a:tailEnd type="none" w="med" len="med"/>
-                    </a:lnB>
-                    <a:lnTlToBr w="12700" cmpd="sng">
-                      <a:noFill/>
-                      <a:prstDash val="solid"/>
-                    </a:lnTlToBr>
-                    <a:lnBlToTr w="12700" cmpd="sng">
-                      <a:noFill/>
-                      <a:prstDash val="solid"/>
-                    </a:lnBlToTr>
-                  </a:tcPr>
-                </a:tc>
-                <a:tc>
-                  <a:txBody>
-                    <a:bodyPr/>
-                    <a:lstStyle/>
-                    <a:p>
-                      <a:pPr algn="ctr"/>
-                      <a:r>
-                        <a:rPr lang="de-DE" sz="2600" dirty="0"/>
-                        <a:t>500</a:t>
-                      </a:r>
-                    </a:p>
-                  </a:txBody>
-                  <a:tcPr>
-                    <a:lnL w="12700" cap="flat" cmpd="sng" algn="ctr">
-                      <a:noFill/>
-                      <a:prstDash val="solid"/>
-                      <a:round/>
-                      <a:headEnd type="none" w="med" len="med"/>
-                      <a:tailEnd type="none" w="med" len="med"/>
-                    </a:lnL>
-                    <a:lnR w="12700" cap="flat" cmpd="sng" algn="ctr">
-                      <a:noFill/>
-                      <a:prstDash val="solid"/>
-                      <a:round/>
-                      <a:headEnd type="none" w="med" len="med"/>
-                      <a:tailEnd type="none" w="med" len="med"/>
-                    </a:lnR>
-                    <a:lnT w="12700" cap="flat" cmpd="sng" algn="ctr">
-                      <a:noFill/>
-                      <a:prstDash val="solid"/>
-                      <a:round/>
-                      <a:headEnd type="none" w="med" len="med"/>
-                      <a:tailEnd type="none" w="med" len="med"/>
-                    </a:lnT>
-                    <a:lnB w="12700" cap="flat" cmpd="sng" algn="ctr">
-                      <a:noFill/>
-                      <a:prstDash val="solid"/>
-                      <a:round/>
-                      <a:headEnd type="none" w="med" len="med"/>
-                      <a:tailEnd type="none" w="med" len="med"/>
-                    </a:lnB>
-                    <a:lnTlToBr w="12700" cmpd="sng">
-                      <a:noFill/>
-                      <a:prstDash val="solid"/>
-                    </a:lnTlToBr>
-                    <a:lnBlToTr w="12700" cmpd="sng">
-                      <a:noFill/>
-                      <a:prstDash val="solid"/>
-                    </a:lnBlToTr>
-                  </a:tcPr>
-                </a:tc>
-                <a:tc>
-                  <a:txBody>
-                    <a:bodyPr/>
-                    <a:lstStyle/>
-                    <a:p>
-                      <a:pPr algn="ctr"/>
-                      <a:r>
-                        <a:rPr lang="de-DE" sz="2600" dirty="0"/>
-                        <a:t>0.5</a:t>
-                      </a:r>
-                    </a:p>
-                  </a:txBody>
-                  <a:tcPr>
-                    <a:lnL w="12700" cap="flat" cmpd="sng" algn="ctr">
-                      <a:noFill/>
-                      <a:prstDash val="solid"/>
-                      <a:round/>
-                      <a:headEnd type="none" w="med" len="med"/>
-                      <a:tailEnd type="none" w="med" len="med"/>
-                    </a:lnL>
-                    <a:lnR w="12700" cap="flat" cmpd="sng" algn="ctr">
-                      <a:noFill/>
-                      <a:prstDash val="solid"/>
-                      <a:round/>
-                      <a:headEnd type="none" w="med" len="med"/>
-                      <a:tailEnd type="none" w="med" len="med"/>
-                    </a:lnR>
-                    <a:lnT w="12700" cap="flat" cmpd="sng" algn="ctr">
-                      <a:noFill/>
-                      <a:prstDash val="solid"/>
-                      <a:round/>
-                      <a:headEnd type="none" w="med" len="med"/>
-                      <a:tailEnd type="none" w="med" len="med"/>
-                    </a:lnT>
-                    <a:lnB w="12700" cap="flat" cmpd="sng" algn="ctr">
-                      <a:noFill/>
-                      <a:prstDash val="solid"/>
-                      <a:round/>
-                      <a:headEnd type="none" w="med" len="med"/>
-                      <a:tailEnd type="none" w="med" len="med"/>
-                    </a:lnB>
-                    <a:lnTlToBr w="12700" cmpd="sng">
-                      <a:noFill/>
-                      <a:prstDash val="solid"/>
-                    </a:lnTlToBr>
-                    <a:lnBlToTr w="12700" cmpd="sng">
-                      <a:noFill/>
-                      <a:prstDash val="solid"/>
-                    </a:lnBlToTr>
-                  </a:tcPr>
-                </a:tc>
-                <a:tc>
-                  <a:txBody>
-                    <a:bodyPr/>
-                    <a:lstStyle/>
-                    <a:p>
-                      <a:pPr algn="ctr"/>
-                      <a:r>
-                        <a:rPr lang="de-DE" sz="2600" dirty="0"/>
-                        <a:t>MAR</a:t>
-                      </a:r>
-                    </a:p>
-                  </a:txBody>
-                  <a:tcPr>
-                    <a:lnL w="12700" cap="flat" cmpd="sng" algn="ctr">
-                      <a:noFill/>
-                      <a:prstDash val="solid"/>
-                      <a:round/>
-                      <a:headEnd type="none" w="med" len="med"/>
-                      <a:tailEnd type="none" w="med" len="med"/>
-                    </a:lnL>
-                    <a:lnR w="12700" cap="flat" cmpd="sng" algn="ctr">
-                      <a:noFill/>
-                      <a:prstDash val="solid"/>
-                      <a:round/>
-                      <a:headEnd type="none" w="med" len="med"/>
-                      <a:tailEnd type="none" w="med" len="med"/>
-                    </a:lnR>
-                    <a:lnT w="12700" cap="flat" cmpd="sng" algn="ctr">
-                      <a:noFill/>
-                      <a:prstDash val="solid"/>
-                      <a:round/>
-                      <a:headEnd type="none" w="med" len="med"/>
-                      <a:tailEnd type="none" w="med" len="med"/>
-                    </a:lnT>
-                    <a:lnB w="12700" cap="flat" cmpd="sng" algn="ctr">
-                      <a:noFill/>
-                      <a:prstDash val="solid"/>
-                      <a:round/>
-                      <a:headEnd type="none" w="med" len="med"/>
-                      <a:tailEnd type="none" w="med" len="med"/>
-                    </a:lnB>
-                    <a:lnTlToBr w="12700" cmpd="sng">
-                      <a:noFill/>
-                      <a:prstDash val="solid"/>
-                    </a:lnTlToBr>
-                    <a:lnBlToTr w="12700" cmpd="sng">
-                      <a:noFill/>
-                      <a:prstDash val="solid"/>
-                    </a:lnBlToTr>
-                  </a:tcPr>
-                </a:tc>
-                <a:extLst>
-                  <a:ext uri="{0D108BD9-81ED-4DB2-BD59-A6C34878D82A}">
-                    <a16:rowId xmlns:a16="http://schemas.microsoft.com/office/drawing/2014/main" val="10008"/>
-                  </a:ext>
-                </a:extLst>
-              </a:tr>
-            </a:tbl>
-          </a:graphicData>
-        </a:graphic>
-      </p:graphicFrame>
+      <mc:AlternateContent xmlns:mc="http://schemas.openxmlformats.org/markup-compatibility/2006">
+        <mc:Choice xmlns:a14="http://schemas.microsoft.com/office/drawing/2010/main" Requires="a14">
+          <p:graphicFrame>
+            <p:nvGraphicFramePr>
+              <p:cNvPr id="14" name="Tabelle 13"/>
+              <p:cNvGraphicFramePr>
+                <a:graphicFrameLocks noGrp="1"/>
+              </p:cNvGraphicFramePr>
+              <p:nvPr>
+                <p:extLst>
+                  <p:ext uri="{D42A27DB-BD31-4B8C-83A1-F6EECF244321}">
+                    <p14:modId xmlns:p14="http://schemas.microsoft.com/office/powerpoint/2010/main" val="3020078173"/>
+                  </p:ext>
+                </p:extLst>
+              </p:nvPr>
+            </p:nvGraphicFramePr>
+            <p:xfrm>
+              <a:off x="12564459" y="26427680"/>
+              <a:ext cx="7257140" cy="4718930"/>
+            </p:xfrm>
+            <a:graphic>
+              <a:graphicData uri="http://schemas.openxmlformats.org/drawingml/2006/table">
+                <a:tbl>
+                  <a:tblPr firstRow="1" bandRow="1">
+                    <a:tableStyleId>{5940675A-B579-460E-94D1-54222C63F5DA}</a:tableStyleId>
+                  </a:tblPr>
+                  <a:tblGrid>
+                    <a:gridCol w="2417106">
+                      <a:extLst>
+                        <a:ext uri="{9D8B030D-6E8A-4147-A177-3AD203B41FA5}">
+                          <a16:colId xmlns="" xmlns:a16="http://schemas.microsoft.com/office/drawing/2014/main" val="20000"/>
+                        </a:ext>
+                      </a:extLst>
+                    </a:gridCol>
+                    <a:gridCol w="2417106">
+                      <a:extLst>
+                        <a:ext uri="{9D8B030D-6E8A-4147-A177-3AD203B41FA5}">
+                          <a16:colId xmlns="" xmlns:a16="http://schemas.microsoft.com/office/drawing/2014/main" val="20001"/>
+                        </a:ext>
+                      </a:extLst>
+                    </a:gridCol>
+                    <a:gridCol w="2422928">
+                      <a:extLst>
+                        <a:ext uri="{9D8B030D-6E8A-4147-A177-3AD203B41FA5}">
+                          <a16:colId xmlns="" xmlns:a16="http://schemas.microsoft.com/office/drawing/2014/main" val="20002"/>
+                        </a:ext>
+                      </a:extLst>
+                    </a:gridCol>
+                  </a:tblGrid>
+                  <a:tr h="950228">
+                    <a:tc>
+                      <a:txBody>
+                        <a:bodyPr/>
+                        <a:lstStyle/>
+                        <a:p>
+                          <a:pPr algn="ctr"/>
+                          <a:r>
+                            <a:rPr lang="de-DE" sz="2400" dirty="0" smtClean="0"/>
+                            <a:t>Run</a:t>
+                          </a:r>
+                          <a:endParaRPr lang="de-DE" sz="2400" dirty="0"/>
+                        </a:p>
+                      </a:txBody>
+                      <a:tcPr>
+                        <a:lnL w="12700" cap="flat" cmpd="sng" algn="ctr">
+                          <a:noFill/>
+                          <a:prstDash val="solid"/>
+                          <a:round/>
+                          <a:headEnd type="none" w="med" len="med"/>
+                          <a:tailEnd type="none" w="med" len="med"/>
+                        </a:lnL>
+                        <a:lnR w="12700" cap="flat" cmpd="sng" algn="ctr">
+                          <a:noFill/>
+                          <a:prstDash val="solid"/>
+                          <a:round/>
+                          <a:headEnd type="none" w="med" len="med"/>
+                          <a:tailEnd type="none" w="med" len="med"/>
+                        </a:lnR>
+                        <a:lnT w="12700" cap="flat" cmpd="sng" algn="ctr">
+                          <a:solidFill>
+                            <a:schemeClr val="tx1"/>
+                          </a:solidFill>
+                          <a:prstDash val="solid"/>
+                          <a:round/>
+                          <a:headEnd type="none" w="med" len="med"/>
+                          <a:tailEnd type="none" w="med" len="med"/>
+                        </a:lnT>
+                        <a:lnB w="12700" cap="flat" cmpd="sng" algn="ctr">
+                          <a:solidFill>
+                            <a:schemeClr val="tx1"/>
+                          </a:solidFill>
+                          <a:prstDash val="solid"/>
+                          <a:round/>
+                          <a:headEnd type="none" w="med" len="med"/>
+                          <a:tailEnd type="none" w="med" len="med"/>
+                        </a:lnB>
+                        <a:lnTlToBr w="12700" cmpd="sng">
+                          <a:noFill/>
+                          <a:prstDash val="solid"/>
+                        </a:lnTlToBr>
+                        <a:lnBlToTr w="12700" cmpd="sng">
+                          <a:noFill/>
+                          <a:prstDash val="solid"/>
+                        </a:lnBlToTr>
+                      </a:tcPr>
+                    </a:tc>
+                    <a:tc>
+                      <a:txBody>
+                        <a:bodyPr/>
+                        <a:lstStyle/>
+                        <a:p>
+                          <a:pPr algn="ctr"/>
+                          <a:r>
+                            <a:rPr lang="de-DE" sz="2400" dirty="0" smtClean="0"/>
+                            <a:t>Number</a:t>
+                          </a:r>
+                          <a:r>
+                            <a:rPr lang="de-DE" sz="2400" baseline="0" dirty="0" smtClean="0"/>
+                            <a:t> </a:t>
+                          </a:r>
+                          <a:r>
+                            <a:rPr lang="de-DE" sz="2400" baseline="0" dirty="0" err="1" smtClean="0"/>
+                            <a:t>of</a:t>
+                          </a:r>
+                          <a:r>
+                            <a:rPr lang="de-DE" sz="2400" baseline="0" dirty="0" smtClean="0"/>
+                            <a:t> </a:t>
+                          </a:r>
+                          <a:r>
+                            <a:rPr lang="de-DE" sz="2400" baseline="0" dirty="0" err="1" smtClean="0"/>
+                            <a:t>datapoints</a:t>
+                          </a:r>
+                          <a:r>
+                            <a:rPr lang="de-DE" sz="2400" baseline="0" dirty="0" smtClean="0"/>
+                            <a:t> </a:t>
+                          </a:r>
+                          <a:r>
+                            <a:rPr lang="de-DE" sz="2400" dirty="0" smtClean="0"/>
+                            <a:t>(</a:t>
+                          </a:r>
+                          <a14:m>
+                            <m:oMath xmlns:m="http://schemas.openxmlformats.org/officeDocument/2006/math">
+                              <m:r>
+                                <a:rPr lang="de-DE" sz="2400" b="0" i="1" smtClean="0">
+                                  <a:latin typeface="Cambria Math"/>
+                                </a:rPr>
+                                <m:t>𝑛</m:t>
+                              </m:r>
+                            </m:oMath>
+                          </a14:m>
+                          <a:r>
+                            <a:rPr lang="de-DE" sz="2400" dirty="0" smtClean="0"/>
+                            <a:t>) </a:t>
+                          </a:r>
+                          <a:endParaRPr lang="de-DE" sz="2400" dirty="0"/>
+                        </a:p>
+                      </a:txBody>
+                      <a:tcPr>
+                        <a:lnL w="12700" cap="flat" cmpd="sng" algn="ctr">
+                          <a:noFill/>
+                          <a:prstDash val="solid"/>
+                          <a:round/>
+                          <a:headEnd type="none" w="med" len="med"/>
+                          <a:tailEnd type="none" w="med" len="med"/>
+                        </a:lnL>
+                        <a:lnR w="12700" cap="flat" cmpd="sng" algn="ctr">
+                          <a:noFill/>
+                          <a:prstDash val="solid"/>
+                          <a:round/>
+                          <a:headEnd type="none" w="med" len="med"/>
+                          <a:tailEnd type="none" w="med" len="med"/>
+                        </a:lnR>
+                        <a:lnT w="12700" cap="flat" cmpd="sng" algn="ctr">
+                          <a:solidFill>
+                            <a:schemeClr val="tx1"/>
+                          </a:solidFill>
+                          <a:prstDash val="solid"/>
+                          <a:round/>
+                          <a:headEnd type="none" w="med" len="med"/>
+                          <a:tailEnd type="none" w="med" len="med"/>
+                        </a:lnT>
+                        <a:lnB w="12700" cap="flat" cmpd="sng" algn="ctr">
+                          <a:solidFill>
+                            <a:schemeClr val="tx1"/>
+                          </a:solidFill>
+                          <a:prstDash val="solid"/>
+                          <a:round/>
+                          <a:headEnd type="none" w="med" len="med"/>
+                          <a:tailEnd type="none" w="med" len="med"/>
+                        </a:lnB>
+                        <a:lnTlToBr w="12700" cmpd="sng">
+                          <a:noFill/>
+                          <a:prstDash val="solid"/>
+                        </a:lnTlToBr>
+                        <a:lnBlToTr w="12700" cmpd="sng">
+                          <a:noFill/>
+                          <a:prstDash val="solid"/>
+                        </a:lnBlToTr>
+                      </a:tcPr>
+                    </a:tc>
+                    <a:tc>
+                      <a:txBody>
+                        <a:bodyPr/>
+                        <a:lstStyle/>
+                        <a:p>
+                          <a:pPr algn="ctr"/>
+                          <a:r>
+                            <a:rPr lang="de-DE" sz="2400" dirty="0" err="1" smtClean="0"/>
+                            <a:t>Fraction</a:t>
+                          </a:r>
+                          <a:r>
+                            <a:rPr lang="de-DE" sz="2400" baseline="0" dirty="0" smtClean="0"/>
+                            <a:t> </a:t>
+                          </a:r>
+                          <a:r>
+                            <a:rPr lang="de-DE" sz="2400" baseline="0" dirty="0" err="1" smtClean="0"/>
+                            <a:t>of</a:t>
+                          </a:r>
+                          <a:r>
+                            <a:rPr lang="de-DE" sz="2400" baseline="0" dirty="0" smtClean="0"/>
+                            <a:t> </a:t>
+                          </a:r>
+                          <a:r>
+                            <a:rPr lang="de-DE" sz="2400" baseline="0" dirty="0" err="1" smtClean="0"/>
+                            <a:t>missing</a:t>
+                          </a:r>
+                          <a:r>
+                            <a:rPr lang="de-DE" sz="2400" baseline="0" dirty="0" smtClean="0"/>
+                            <a:t> </a:t>
+                          </a:r>
+                          <a:r>
+                            <a:rPr lang="de-DE" sz="2400" baseline="0" dirty="0" err="1" smtClean="0"/>
+                            <a:t>values</a:t>
+                          </a:r>
+                          <a:r>
+                            <a:rPr lang="de-DE" sz="2400" baseline="0" dirty="0" smtClean="0"/>
+                            <a:t> </a:t>
+                          </a:r>
+                          <a:r>
+                            <a:rPr lang="de-DE" sz="2400" dirty="0" smtClean="0"/>
+                            <a:t>(</a:t>
+                          </a:r>
+                          <a14:m>
+                            <m:oMath xmlns:m="http://schemas.openxmlformats.org/officeDocument/2006/math">
+                              <m:r>
+                                <a:rPr lang="de-DE" sz="2400" b="0" i="1" smtClean="0">
+                                  <a:latin typeface="Cambria Math"/>
+                                </a:rPr>
+                                <m:t>𝑝</m:t>
+                              </m:r>
+                            </m:oMath>
+                          </a14:m>
+                          <a:r>
+                            <a:rPr lang="de-DE" sz="2400" dirty="0" smtClean="0"/>
+                            <a:t>)</a:t>
+                          </a:r>
+                          <a:endParaRPr lang="de-DE" sz="2400" dirty="0"/>
+                        </a:p>
+                      </a:txBody>
+                      <a:tcPr>
+                        <a:lnL w="12700" cap="flat" cmpd="sng" algn="ctr">
+                          <a:noFill/>
+                          <a:prstDash val="solid"/>
+                          <a:round/>
+                          <a:headEnd type="none" w="med" len="med"/>
+                          <a:tailEnd type="none" w="med" len="med"/>
+                        </a:lnL>
+                        <a:lnR w="12700" cap="flat" cmpd="sng" algn="ctr">
+                          <a:noFill/>
+                          <a:prstDash val="solid"/>
+                          <a:round/>
+                          <a:headEnd type="none" w="med" len="med"/>
+                          <a:tailEnd type="none" w="med" len="med"/>
+                        </a:lnR>
+                        <a:lnT w="12700" cap="flat" cmpd="sng" algn="ctr">
+                          <a:solidFill>
+                            <a:schemeClr val="tx1"/>
+                          </a:solidFill>
+                          <a:prstDash val="solid"/>
+                          <a:round/>
+                          <a:headEnd type="none" w="med" len="med"/>
+                          <a:tailEnd type="none" w="med" len="med"/>
+                        </a:lnT>
+                        <a:lnB w="12700" cap="flat" cmpd="sng" algn="ctr">
+                          <a:solidFill>
+                            <a:schemeClr val="tx1"/>
+                          </a:solidFill>
+                          <a:prstDash val="solid"/>
+                          <a:round/>
+                          <a:headEnd type="none" w="med" len="med"/>
+                          <a:tailEnd type="none" w="med" len="med"/>
+                        </a:lnB>
+                        <a:lnTlToBr w="12700" cmpd="sng">
+                          <a:noFill/>
+                          <a:prstDash val="solid"/>
+                        </a:lnTlToBr>
+                        <a:lnBlToTr w="12700" cmpd="sng">
+                          <a:noFill/>
+                          <a:prstDash val="solid"/>
+                        </a:lnBlToTr>
+                      </a:tcPr>
+                    </a:tc>
+                    <a:extLst>
+                      <a:ext uri="{0D108BD9-81ED-4DB2-BD59-A6C34878D82A}">
+                        <a16:rowId xmlns="" xmlns:a16="http://schemas.microsoft.com/office/drawing/2014/main" val="10000"/>
+                      </a:ext>
+                    </a:extLst>
+                  </a:tr>
+                  <a:tr h="628117">
+                    <a:tc>
+                      <a:txBody>
+                        <a:bodyPr/>
+                        <a:lstStyle/>
+                        <a:p>
+                          <a:pPr algn="ctr"/>
+                          <a:r>
+                            <a:rPr lang="de-DE" sz="2400" dirty="0" smtClean="0"/>
+                            <a:t>A1</a:t>
+                          </a:r>
+                          <a:endParaRPr lang="de-DE" sz="2400" dirty="0"/>
+                        </a:p>
+                      </a:txBody>
+                      <a:tcPr>
+                        <a:lnL w="12700" cap="flat" cmpd="sng" algn="ctr">
+                          <a:noFill/>
+                          <a:prstDash val="solid"/>
+                          <a:round/>
+                          <a:headEnd type="none" w="med" len="med"/>
+                          <a:tailEnd type="none" w="med" len="med"/>
+                        </a:lnL>
+                        <a:lnR w="12700" cap="flat" cmpd="sng" algn="ctr">
+                          <a:noFill/>
+                          <a:prstDash val="solid"/>
+                          <a:round/>
+                          <a:headEnd type="none" w="med" len="med"/>
+                          <a:tailEnd type="none" w="med" len="med"/>
+                        </a:lnR>
+                        <a:lnT w="12700" cap="flat" cmpd="sng" algn="ctr">
+                          <a:solidFill>
+                            <a:schemeClr val="tx1"/>
+                          </a:solidFill>
+                          <a:prstDash val="solid"/>
+                          <a:round/>
+                          <a:headEnd type="none" w="med" len="med"/>
+                          <a:tailEnd type="none" w="med" len="med"/>
+                        </a:lnT>
+                        <a:lnB w="12700" cap="flat" cmpd="sng" algn="ctr">
+                          <a:noFill/>
+                          <a:prstDash val="solid"/>
+                          <a:round/>
+                          <a:headEnd type="none" w="med" len="med"/>
+                          <a:tailEnd type="none" w="med" len="med"/>
+                        </a:lnB>
+                        <a:lnTlToBr w="12700" cmpd="sng">
+                          <a:noFill/>
+                          <a:prstDash val="solid"/>
+                        </a:lnTlToBr>
+                        <a:lnBlToTr w="12700" cmpd="sng">
+                          <a:noFill/>
+                          <a:prstDash val="solid"/>
+                        </a:lnBlToTr>
+                      </a:tcPr>
+                    </a:tc>
+                    <a:tc>
+                      <a:txBody>
+                        <a:bodyPr/>
+                        <a:lstStyle/>
+                        <a:p>
+                          <a:pPr algn="ctr"/>
+                          <a:r>
+                            <a:rPr lang="de-DE" sz="2400" dirty="0"/>
+                            <a:t>50</a:t>
+                          </a:r>
+                        </a:p>
+                      </a:txBody>
+                      <a:tcPr>
+                        <a:lnL w="12700" cap="flat" cmpd="sng" algn="ctr">
+                          <a:noFill/>
+                          <a:prstDash val="solid"/>
+                          <a:round/>
+                          <a:headEnd type="none" w="med" len="med"/>
+                          <a:tailEnd type="none" w="med" len="med"/>
+                        </a:lnL>
+                        <a:lnR w="12700" cap="flat" cmpd="sng" algn="ctr">
+                          <a:noFill/>
+                          <a:prstDash val="solid"/>
+                          <a:round/>
+                          <a:headEnd type="none" w="med" len="med"/>
+                          <a:tailEnd type="none" w="med" len="med"/>
+                        </a:lnR>
+                        <a:lnT w="12700" cap="flat" cmpd="sng" algn="ctr">
+                          <a:solidFill>
+                            <a:schemeClr val="tx1"/>
+                          </a:solidFill>
+                          <a:prstDash val="solid"/>
+                          <a:round/>
+                          <a:headEnd type="none" w="med" len="med"/>
+                          <a:tailEnd type="none" w="med" len="med"/>
+                        </a:lnT>
+                        <a:lnB w="12700" cap="flat" cmpd="sng" algn="ctr">
+                          <a:noFill/>
+                          <a:prstDash val="solid"/>
+                          <a:round/>
+                          <a:headEnd type="none" w="med" len="med"/>
+                          <a:tailEnd type="none" w="med" len="med"/>
+                        </a:lnB>
+                        <a:lnTlToBr w="12700" cmpd="sng">
+                          <a:noFill/>
+                          <a:prstDash val="solid"/>
+                        </a:lnTlToBr>
+                        <a:lnBlToTr w="12700" cmpd="sng">
+                          <a:noFill/>
+                          <a:prstDash val="solid"/>
+                        </a:lnBlToTr>
+                      </a:tcPr>
+                    </a:tc>
+                    <a:tc>
+                      <a:txBody>
+                        <a:bodyPr/>
+                        <a:lstStyle/>
+                        <a:p>
+                          <a:pPr algn="ctr"/>
+                          <a:r>
+                            <a:rPr lang="de-DE" sz="2400" dirty="0"/>
+                            <a:t>0.25</a:t>
+                          </a:r>
+                        </a:p>
+                      </a:txBody>
+                      <a:tcPr>
+                        <a:lnL w="12700" cap="flat" cmpd="sng" algn="ctr">
+                          <a:noFill/>
+                          <a:prstDash val="solid"/>
+                          <a:round/>
+                          <a:headEnd type="none" w="med" len="med"/>
+                          <a:tailEnd type="none" w="med" len="med"/>
+                        </a:lnL>
+                        <a:lnR w="12700" cap="flat" cmpd="sng" algn="ctr">
+                          <a:noFill/>
+                          <a:prstDash val="solid"/>
+                          <a:round/>
+                          <a:headEnd type="none" w="med" len="med"/>
+                          <a:tailEnd type="none" w="med" len="med"/>
+                        </a:lnR>
+                        <a:lnT w="12700" cap="flat" cmpd="sng" algn="ctr">
+                          <a:solidFill>
+                            <a:schemeClr val="tx1"/>
+                          </a:solidFill>
+                          <a:prstDash val="solid"/>
+                          <a:round/>
+                          <a:headEnd type="none" w="med" len="med"/>
+                          <a:tailEnd type="none" w="med" len="med"/>
+                        </a:lnT>
+                        <a:lnB w="12700" cap="flat" cmpd="sng" algn="ctr">
+                          <a:noFill/>
+                          <a:prstDash val="solid"/>
+                          <a:round/>
+                          <a:headEnd type="none" w="med" len="med"/>
+                          <a:tailEnd type="none" w="med" len="med"/>
+                        </a:lnB>
+                        <a:lnTlToBr w="12700" cmpd="sng">
+                          <a:noFill/>
+                          <a:prstDash val="solid"/>
+                        </a:lnTlToBr>
+                        <a:lnBlToTr w="12700" cmpd="sng">
+                          <a:noFill/>
+                          <a:prstDash val="solid"/>
+                        </a:lnBlToTr>
+                      </a:tcPr>
+                    </a:tc>
+                    <a:extLst>
+                      <a:ext uri="{0D108BD9-81ED-4DB2-BD59-A6C34878D82A}">
+                        <a16:rowId xmlns="" xmlns:a16="http://schemas.microsoft.com/office/drawing/2014/main" val="10001"/>
+                      </a:ext>
+                    </a:extLst>
+                  </a:tr>
+                  <a:tr h="628117">
+                    <a:tc>
+                      <a:txBody>
+                        <a:bodyPr/>
+                        <a:lstStyle/>
+                        <a:p>
+                          <a:pPr algn="ctr"/>
+                          <a:r>
+                            <a:rPr lang="de-DE" sz="2400" dirty="0" smtClean="0"/>
+                            <a:t>A2</a:t>
+                          </a:r>
+                          <a:endParaRPr lang="de-DE" sz="2400" dirty="0"/>
+                        </a:p>
+                      </a:txBody>
+                      <a:tcPr>
+                        <a:lnL w="12700" cap="flat" cmpd="sng" algn="ctr">
+                          <a:noFill/>
+                          <a:prstDash val="solid"/>
+                          <a:round/>
+                          <a:headEnd type="none" w="med" len="med"/>
+                          <a:tailEnd type="none" w="med" len="med"/>
+                        </a:lnL>
+                        <a:lnR w="12700" cap="flat" cmpd="sng" algn="ctr">
+                          <a:noFill/>
+                          <a:prstDash val="solid"/>
+                          <a:round/>
+                          <a:headEnd type="none" w="med" len="med"/>
+                          <a:tailEnd type="none" w="med" len="med"/>
+                        </a:lnR>
+                        <a:lnT w="12700" cap="flat" cmpd="sng" algn="ctr">
+                          <a:noFill/>
+                          <a:prstDash val="solid"/>
+                          <a:round/>
+                          <a:headEnd type="none" w="med" len="med"/>
+                          <a:tailEnd type="none" w="med" len="med"/>
+                        </a:lnT>
+                        <a:lnB w="12700" cap="flat" cmpd="sng" algn="ctr">
+                          <a:noFill/>
+                          <a:prstDash val="solid"/>
+                          <a:round/>
+                          <a:headEnd type="none" w="med" len="med"/>
+                          <a:tailEnd type="none" w="med" len="med"/>
+                        </a:lnB>
+                        <a:lnTlToBr w="12700" cmpd="sng">
+                          <a:noFill/>
+                          <a:prstDash val="solid"/>
+                        </a:lnTlToBr>
+                        <a:lnBlToTr w="12700" cmpd="sng">
+                          <a:noFill/>
+                          <a:prstDash val="solid"/>
+                        </a:lnBlToTr>
+                      </a:tcPr>
+                    </a:tc>
+                    <a:tc>
+                      <a:txBody>
+                        <a:bodyPr/>
+                        <a:lstStyle/>
+                        <a:p>
+                          <a:pPr algn="ctr"/>
+                          <a:r>
+                            <a:rPr lang="de-DE" sz="2400" dirty="0"/>
+                            <a:t>500</a:t>
+                          </a:r>
+                        </a:p>
+                      </a:txBody>
+                      <a:tcPr>
+                        <a:lnL w="12700" cap="flat" cmpd="sng" algn="ctr">
+                          <a:noFill/>
+                          <a:prstDash val="solid"/>
+                          <a:round/>
+                          <a:headEnd type="none" w="med" len="med"/>
+                          <a:tailEnd type="none" w="med" len="med"/>
+                        </a:lnL>
+                        <a:lnR w="12700" cap="flat" cmpd="sng" algn="ctr">
+                          <a:noFill/>
+                          <a:prstDash val="solid"/>
+                          <a:round/>
+                          <a:headEnd type="none" w="med" len="med"/>
+                          <a:tailEnd type="none" w="med" len="med"/>
+                        </a:lnR>
+                        <a:lnT w="12700" cap="flat" cmpd="sng" algn="ctr">
+                          <a:noFill/>
+                          <a:prstDash val="solid"/>
+                          <a:round/>
+                          <a:headEnd type="none" w="med" len="med"/>
+                          <a:tailEnd type="none" w="med" len="med"/>
+                        </a:lnT>
+                        <a:lnB w="12700" cap="flat" cmpd="sng" algn="ctr">
+                          <a:noFill/>
+                          <a:prstDash val="solid"/>
+                          <a:round/>
+                          <a:headEnd type="none" w="med" len="med"/>
+                          <a:tailEnd type="none" w="med" len="med"/>
+                        </a:lnB>
+                        <a:lnTlToBr w="12700" cmpd="sng">
+                          <a:noFill/>
+                          <a:prstDash val="solid"/>
+                        </a:lnTlToBr>
+                        <a:lnBlToTr w="12700" cmpd="sng">
+                          <a:noFill/>
+                          <a:prstDash val="solid"/>
+                        </a:lnBlToTr>
+                      </a:tcPr>
+                    </a:tc>
+                    <a:tc>
+                      <a:txBody>
+                        <a:bodyPr/>
+                        <a:lstStyle/>
+                        <a:p>
+                          <a:pPr algn="ctr"/>
+                          <a:r>
+                            <a:rPr lang="de-DE" sz="2400" dirty="0"/>
+                            <a:t>0.25</a:t>
+                          </a:r>
+                        </a:p>
+                      </a:txBody>
+                      <a:tcPr>
+                        <a:lnL w="12700" cap="flat" cmpd="sng" algn="ctr">
+                          <a:noFill/>
+                          <a:prstDash val="solid"/>
+                          <a:round/>
+                          <a:headEnd type="none" w="med" len="med"/>
+                          <a:tailEnd type="none" w="med" len="med"/>
+                        </a:lnL>
+                        <a:lnR w="12700" cap="flat" cmpd="sng" algn="ctr">
+                          <a:noFill/>
+                          <a:prstDash val="solid"/>
+                          <a:round/>
+                          <a:headEnd type="none" w="med" len="med"/>
+                          <a:tailEnd type="none" w="med" len="med"/>
+                        </a:lnR>
+                        <a:lnT w="12700" cap="flat" cmpd="sng" algn="ctr">
+                          <a:noFill/>
+                          <a:prstDash val="solid"/>
+                          <a:round/>
+                          <a:headEnd type="none" w="med" len="med"/>
+                          <a:tailEnd type="none" w="med" len="med"/>
+                        </a:lnT>
+                        <a:lnB w="12700" cap="flat" cmpd="sng" algn="ctr">
+                          <a:noFill/>
+                          <a:prstDash val="solid"/>
+                          <a:round/>
+                          <a:headEnd type="none" w="med" len="med"/>
+                          <a:tailEnd type="none" w="med" len="med"/>
+                        </a:lnB>
+                        <a:lnTlToBr w="12700" cmpd="sng">
+                          <a:noFill/>
+                          <a:prstDash val="solid"/>
+                        </a:lnTlToBr>
+                        <a:lnBlToTr w="12700" cmpd="sng">
+                          <a:noFill/>
+                          <a:prstDash val="solid"/>
+                        </a:lnBlToTr>
+                      </a:tcPr>
+                    </a:tc>
+                    <a:extLst>
+                      <a:ext uri="{0D108BD9-81ED-4DB2-BD59-A6C34878D82A}">
+                        <a16:rowId xmlns="" xmlns:a16="http://schemas.microsoft.com/office/drawing/2014/main" val="10002"/>
+                      </a:ext>
+                    </a:extLst>
+                  </a:tr>
+                  <a:tr h="628117">
+                    <a:tc>
+                      <a:txBody>
+                        <a:bodyPr/>
+                        <a:lstStyle/>
+                        <a:p>
+                          <a:pPr algn="ctr"/>
+                          <a:r>
+                            <a:rPr lang="de-DE" sz="2400" dirty="0" smtClean="0"/>
+                            <a:t>A3</a:t>
+                          </a:r>
+                          <a:endParaRPr lang="de-DE" sz="2400" dirty="0"/>
+                        </a:p>
+                      </a:txBody>
+                      <a:tcPr>
+                        <a:lnL w="12700" cap="flat" cmpd="sng" algn="ctr">
+                          <a:noFill/>
+                          <a:prstDash val="solid"/>
+                          <a:round/>
+                          <a:headEnd type="none" w="med" len="med"/>
+                          <a:tailEnd type="none" w="med" len="med"/>
+                        </a:lnL>
+                        <a:lnR w="12700" cap="flat" cmpd="sng" algn="ctr">
+                          <a:noFill/>
+                          <a:prstDash val="solid"/>
+                          <a:round/>
+                          <a:headEnd type="none" w="med" len="med"/>
+                          <a:tailEnd type="none" w="med" len="med"/>
+                        </a:lnR>
+                        <a:lnT w="12700" cap="flat" cmpd="sng" algn="ctr">
+                          <a:noFill/>
+                          <a:prstDash val="solid"/>
+                          <a:round/>
+                          <a:headEnd type="none" w="med" len="med"/>
+                          <a:tailEnd type="none" w="med" len="med"/>
+                        </a:lnT>
+                        <a:lnB w="12700" cap="flat" cmpd="sng" algn="ctr">
+                          <a:noFill/>
+                          <a:prstDash val="solid"/>
+                          <a:round/>
+                          <a:headEnd type="none" w="med" len="med"/>
+                          <a:tailEnd type="none" w="med" len="med"/>
+                        </a:lnB>
+                        <a:lnTlToBr w="12700" cmpd="sng">
+                          <a:noFill/>
+                          <a:prstDash val="solid"/>
+                        </a:lnTlToBr>
+                        <a:lnBlToTr w="12700" cmpd="sng">
+                          <a:noFill/>
+                          <a:prstDash val="solid"/>
+                        </a:lnBlToTr>
+                      </a:tcPr>
+                    </a:tc>
+                    <a:tc>
+                      <a:txBody>
+                        <a:bodyPr/>
+                        <a:lstStyle/>
+                        <a:p>
+                          <a:pPr algn="ctr"/>
+                          <a:r>
+                            <a:rPr lang="de-DE" sz="2400" dirty="0"/>
+                            <a:t>50</a:t>
+                          </a:r>
+                        </a:p>
+                      </a:txBody>
+                      <a:tcPr>
+                        <a:lnL w="12700" cap="flat" cmpd="sng" algn="ctr">
+                          <a:noFill/>
+                          <a:prstDash val="solid"/>
+                          <a:round/>
+                          <a:headEnd type="none" w="med" len="med"/>
+                          <a:tailEnd type="none" w="med" len="med"/>
+                        </a:lnL>
+                        <a:lnR w="12700" cap="flat" cmpd="sng" algn="ctr">
+                          <a:noFill/>
+                          <a:prstDash val="solid"/>
+                          <a:round/>
+                          <a:headEnd type="none" w="med" len="med"/>
+                          <a:tailEnd type="none" w="med" len="med"/>
+                        </a:lnR>
+                        <a:lnT w="12700" cap="flat" cmpd="sng" algn="ctr">
+                          <a:noFill/>
+                          <a:prstDash val="solid"/>
+                          <a:round/>
+                          <a:headEnd type="none" w="med" len="med"/>
+                          <a:tailEnd type="none" w="med" len="med"/>
+                        </a:lnT>
+                        <a:lnB w="12700" cap="flat" cmpd="sng" algn="ctr">
+                          <a:noFill/>
+                          <a:prstDash val="solid"/>
+                          <a:round/>
+                          <a:headEnd type="none" w="med" len="med"/>
+                          <a:tailEnd type="none" w="med" len="med"/>
+                        </a:lnB>
+                        <a:lnTlToBr w="12700" cmpd="sng">
+                          <a:noFill/>
+                          <a:prstDash val="solid"/>
+                        </a:lnTlToBr>
+                        <a:lnBlToTr w="12700" cmpd="sng">
+                          <a:noFill/>
+                          <a:prstDash val="solid"/>
+                        </a:lnBlToTr>
+                      </a:tcPr>
+                    </a:tc>
+                    <a:tc>
+                      <a:txBody>
+                        <a:bodyPr/>
+                        <a:lstStyle/>
+                        <a:p>
+                          <a:pPr algn="ctr"/>
+                          <a:r>
+                            <a:rPr lang="de-DE" sz="2400" dirty="0"/>
+                            <a:t>0.5</a:t>
+                          </a:r>
+                        </a:p>
+                      </a:txBody>
+                      <a:tcPr>
+                        <a:lnL w="12700" cap="flat" cmpd="sng" algn="ctr">
+                          <a:noFill/>
+                          <a:prstDash val="solid"/>
+                          <a:round/>
+                          <a:headEnd type="none" w="med" len="med"/>
+                          <a:tailEnd type="none" w="med" len="med"/>
+                        </a:lnL>
+                        <a:lnR w="12700" cap="flat" cmpd="sng" algn="ctr">
+                          <a:noFill/>
+                          <a:prstDash val="solid"/>
+                          <a:round/>
+                          <a:headEnd type="none" w="med" len="med"/>
+                          <a:tailEnd type="none" w="med" len="med"/>
+                        </a:lnR>
+                        <a:lnT w="12700" cap="flat" cmpd="sng" algn="ctr">
+                          <a:noFill/>
+                          <a:prstDash val="solid"/>
+                          <a:round/>
+                          <a:headEnd type="none" w="med" len="med"/>
+                          <a:tailEnd type="none" w="med" len="med"/>
+                        </a:lnT>
+                        <a:lnB w="12700" cap="flat" cmpd="sng" algn="ctr">
+                          <a:noFill/>
+                          <a:prstDash val="solid"/>
+                          <a:round/>
+                          <a:headEnd type="none" w="med" len="med"/>
+                          <a:tailEnd type="none" w="med" len="med"/>
+                        </a:lnB>
+                        <a:lnTlToBr w="12700" cmpd="sng">
+                          <a:noFill/>
+                          <a:prstDash val="solid"/>
+                        </a:lnTlToBr>
+                        <a:lnBlToTr w="12700" cmpd="sng">
+                          <a:noFill/>
+                          <a:prstDash val="solid"/>
+                        </a:lnBlToTr>
+                      </a:tcPr>
+                    </a:tc>
+                    <a:extLst>
+                      <a:ext uri="{0D108BD9-81ED-4DB2-BD59-A6C34878D82A}">
+                        <a16:rowId xmlns="" xmlns:a16="http://schemas.microsoft.com/office/drawing/2014/main" val="10003"/>
+                      </a:ext>
+                    </a:extLst>
+                  </a:tr>
+                  <a:tr h="628117">
+                    <a:tc>
+                      <a:txBody>
+                        <a:bodyPr/>
+                        <a:lstStyle/>
+                        <a:p>
+                          <a:pPr algn="ctr"/>
+                          <a:r>
+                            <a:rPr lang="de-DE" sz="2400" dirty="0" smtClean="0"/>
+                            <a:t>B1</a:t>
+                          </a:r>
+                          <a:endParaRPr lang="de-DE" sz="2400" dirty="0"/>
+                        </a:p>
+                      </a:txBody>
+                      <a:tcPr>
+                        <a:lnL w="12700" cap="flat" cmpd="sng" algn="ctr">
+                          <a:noFill/>
+                          <a:prstDash val="solid"/>
+                          <a:round/>
+                          <a:headEnd type="none" w="med" len="med"/>
+                          <a:tailEnd type="none" w="med" len="med"/>
+                        </a:lnL>
+                        <a:lnR w="12700" cap="flat" cmpd="sng" algn="ctr">
+                          <a:noFill/>
+                          <a:prstDash val="solid"/>
+                          <a:round/>
+                          <a:headEnd type="none" w="med" len="med"/>
+                          <a:tailEnd type="none" w="med" len="med"/>
+                        </a:lnR>
+                        <a:lnT w="12700" cap="flat" cmpd="sng" algn="ctr">
+                          <a:noFill/>
+                          <a:prstDash val="solid"/>
+                          <a:round/>
+                          <a:headEnd type="none" w="med" len="med"/>
+                          <a:tailEnd type="none" w="med" len="med"/>
+                        </a:lnT>
+                        <a:lnB w="12700" cap="flat" cmpd="sng" algn="ctr">
+                          <a:noFill/>
+                          <a:prstDash val="solid"/>
+                          <a:round/>
+                          <a:headEnd type="none" w="med" len="med"/>
+                          <a:tailEnd type="none" w="med" len="med"/>
+                        </a:lnB>
+                        <a:lnTlToBr w="12700" cmpd="sng">
+                          <a:noFill/>
+                          <a:prstDash val="solid"/>
+                        </a:lnTlToBr>
+                        <a:lnBlToTr w="12700" cmpd="sng">
+                          <a:noFill/>
+                          <a:prstDash val="solid"/>
+                        </a:lnBlToTr>
+                      </a:tcPr>
+                    </a:tc>
+                    <a:tc>
+                      <a:txBody>
+                        <a:bodyPr/>
+                        <a:lstStyle/>
+                        <a:p>
+                          <a:pPr algn="ctr"/>
+                          <a:r>
+                            <a:rPr lang="de-DE" sz="2400" dirty="0"/>
+                            <a:t>500</a:t>
+                          </a:r>
+                        </a:p>
+                      </a:txBody>
+                      <a:tcPr>
+                        <a:lnL w="12700" cap="flat" cmpd="sng" algn="ctr">
+                          <a:noFill/>
+                          <a:prstDash val="solid"/>
+                          <a:round/>
+                          <a:headEnd type="none" w="med" len="med"/>
+                          <a:tailEnd type="none" w="med" len="med"/>
+                        </a:lnL>
+                        <a:lnR w="12700" cap="flat" cmpd="sng" algn="ctr">
+                          <a:noFill/>
+                          <a:prstDash val="solid"/>
+                          <a:round/>
+                          <a:headEnd type="none" w="med" len="med"/>
+                          <a:tailEnd type="none" w="med" len="med"/>
+                        </a:lnR>
+                        <a:lnT w="12700" cap="flat" cmpd="sng" algn="ctr">
+                          <a:noFill/>
+                          <a:prstDash val="solid"/>
+                          <a:round/>
+                          <a:headEnd type="none" w="med" len="med"/>
+                          <a:tailEnd type="none" w="med" len="med"/>
+                        </a:lnT>
+                        <a:lnB w="12700" cap="flat" cmpd="sng" algn="ctr">
+                          <a:noFill/>
+                          <a:prstDash val="solid"/>
+                          <a:round/>
+                          <a:headEnd type="none" w="med" len="med"/>
+                          <a:tailEnd type="none" w="med" len="med"/>
+                        </a:lnB>
+                        <a:lnTlToBr w="12700" cmpd="sng">
+                          <a:noFill/>
+                          <a:prstDash val="solid"/>
+                        </a:lnTlToBr>
+                        <a:lnBlToTr w="12700" cmpd="sng">
+                          <a:noFill/>
+                          <a:prstDash val="solid"/>
+                        </a:lnBlToTr>
+                      </a:tcPr>
+                    </a:tc>
+                    <a:tc>
+                      <a:txBody>
+                        <a:bodyPr/>
+                        <a:lstStyle/>
+                        <a:p>
+                          <a:pPr algn="ctr"/>
+                          <a:r>
+                            <a:rPr lang="de-DE" sz="2400" dirty="0"/>
+                            <a:t>0.5</a:t>
+                          </a:r>
+                        </a:p>
+                      </a:txBody>
+                      <a:tcPr>
+                        <a:lnL w="12700" cap="flat" cmpd="sng" algn="ctr">
+                          <a:noFill/>
+                          <a:prstDash val="solid"/>
+                          <a:round/>
+                          <a:headEnd type="none" w="med" len="med"/>
+                          <a:tailEnd type="none" w="med" len="med"/>
+                        </a:lnL>
+                        <a:lnR w="12700" cap="flat" cmpd="sng" algn="ctr">
+                          <a:noFill/>
+                          <a:prstDash val="solid"/>
+                          <a:round/>
+                          <a:headEnd type="none" w="med" len="med"/>
+                          <a:tailEnd type="none" w="med" len="med"/>
+                        </a:lnR>
+                        <a:lnT w="12700" cap="flat" cmpd="sng" algn="ctr">
+                          <a:noFill/>
+                          <a:prstDash val="solid"/>
+                          <a:round/>
+                          <a:headEnd type="none" w="med" len="med"/>
+                          <a:tailEnd type="none" w="med" len="med"/>
+                        </a:lnT>
+                        <a:lnB w="12700" cap="flat" cmpd="sng" algn="ctr">
+                          <a:noFill/>
+                          <a:prstDash val="solid"/>
+                          <a:round/>
+                          <a:headEnd type="none" w="med" len="med"/>
+                          <a:tailEnd type="none" w="med" len="med"/>
+                        </a:lnB>
+                        <a:lnTlToBr w="12700" cmpd="sng">
+                          <a:noFill/>
+                          <a:prstDash val="solid"/>
+                        </a:lnTlToBr>
+                        <a:lnBlToTr w="12700" cmpd="sng">
+                          <a:noFill/>
+                          <a:prstDash val="solid"/>
+                        </a:lnBlToTr>
+                      </a:tcPr>
+                    </a:tc>
+                    <a:extLst>
+                      <a:ext uri="{0D108BD9-81ED-4DB2-BD59-A6C34878D82A}">
+                        <a16:rowId xmlns="" xmlns:a16="http://schemas.microsoft.com/office/drawing/2014/main" val="10004"/>
+                      </a:ext>
+                    </a:extLst>
+                  </a:tr>
+                  <a:tr h="628117">
+                    <a:tc>
+                      <a:txBody>
+                        <a:bodyPr/>
+                        <a:lstStyle/>
+                        <a:p>
+                          <a:pPr algn="ctr"/>
+                          <a:r>
+                            <a:rPr lang="de-DE" sz="2400" dirty="0" smtClean="0"/>
+                            <a:t>B2</a:t>
+                          </a:r>
+                          <a:endParaRPr lang="de-DE" sz="2400" dirty="0"/>
+                        </a:p>
+                      </a:txBody>
+                      <a:tcPr>
+                        <a:lnL w="12700" cap="flat" cmpd="sng" algn="ctr">
+                          <a:noFill/>
+                          <a:prstDash val="solid"/>
+                          <a:round/>
+                          <a:headEnd type="none" w="med" len="med"/>
+                          <a:tailEnd type="none" w="med" len="med"/>
+                        </a:lnL>
+                        <a:lnR w="12700" cap="flat" cmpd="sng" algn="ctr">
+                          <a:noFill/>
+                          <a:prstDash val="solid"/>
+                          <a:round/>
+                          <a:headEnd type="none" w="med" len="med"/>
+                          <a:tailEnd type="none" w="med" len="med"/>
+                        </a:lnR>
+                        <a:lnT w="12700" cap="flat" cmpd="sng" algn="ctr">
+                          <a:noFill/>
+                          <a:prstDash val="solid"/>
+                          <a:round/>
+                          <a:headEnd type="none" w="med" len="med"/>
+                          <a:tailEnd type="none" w="med" len="med"/>
+                        </a:lnT>
+                        <a:lnB w="12700" cap="flat" cmpd="sng" algn="ctr">
+                          <a:noFill/>
+                          <a:prstDash val="solid"/>
+                          <a:round/>
+                          <a:headEnd type="none" w="med" len="med"/>
+                          <a:tailEnd type="none" w="med" len="med"/>
+                        </a:lnB>
+                        <a:lnTlToBr w="12700" cmpd="sng">
+                          <a:noFill/>
+                          <a:prstDash val="solid"/>
+                        </a:lnTlToBr>
+                        <a:lnBlToTr w="12700" cmpd="sng">
+                          <a:noFill/>
+                          <a:prstDash val="solid"/>
+                        </a:lnBlToTr>
+                      </a:tcPr>
+                    </a:tc>
+                    <a:tc>
+                      <a:txBody>
+                        <a:bodyPr/>
+                        <a:lstStyle/>
+                        <a:p>
+                          <a:pPr algn="ctr"/>
+                          <a:r>
+                            <a:rPr lang="de-DE" sz="2400" dirty="0"/>
+                            <a:t>50</a:t>
+                          </a:r>
+                        </a:p>
+                      </a:txBody>
+                      <a:tcPr>
+                        <a:lnL w="12700" cap="flat" cmpd="sng" algn="ctr">
+                          <a:noFill/>
+                          <a:prstDash val="solid"/>
+                          <a:round/>
+                          <a:headEnd type="none" w="med" len="med"/>
+                          <a:tailEnd type="none" w="med" len="med"/>
+                        </a:lnL>
+                        <a:lnR w="12700" cap="flat" cmpd="sng" algn="ctr">
+                          <a:noFill/>
+                          <a:prstDash val="solid"/>
+                          <a:round/>
+                          <a:headEnd type="none" w="med" len="med"/>
+                          <a:tailEnd type="none" w="med" len="med"/>
+                        </a:lnR>
+                        <a:lnT w="12700" cap="flat" cmpd="sng" algn="ctr">
+                          <a:noFill/>
+                          <a:prstDash val="solid"/>
+                          <a:round/>
+                          <a:headEnd type="none" w="med" len="med"/>
+                          <a:tailEnd type="none" w="med" len="med"/>
+                        </a:lnT>
+                        <a:lnB w="12700" cap="flat" cmpd="sng" algn="ctr">
+                          <a:noFill/>
+                          <a:prstDash val="solid"/>
+                          <a:round/>
+                          <a:headEnd type="none" w="med" len="med"/>
+                          <a:tailEnd type="none" w="med" len="med"/>
+                        </a:lnB>
+                        <a:lnTlToBr w="12700" cmpd="sng">
+                          <a:noFill/>
+                          <a:prstDash val="solid"/>
+                        </a:lnTlToBr>
+                        <a:lnBlToTr w="12700" cmpd="sng">
+                          <a:noFill/>
+                          <a:prstDash val="solid"/>
+                        </a:lnBlToTr>
+                      </a:tcPr>
+                    </a:tc>
+                    <a:tc>
+                      <a:txBody>
+                        <a:bodyPr/>
+                        <a:lstStyle/>
+                        <a:p>
+                          <a:pPr algn="ctr"/>
+                          <a:r>
+                            <a:rPr lang="de-DE" sz="2400" dirty="0" smtClean="0"/>
+                            <a:t>0.75</a:t>
+                          </a:r>
+                          <a:endParaRPr lang="de-DE" sz="2400" dirty="0"/>
+                        </a:p>
+                      </a:txBody>
+                      <a:tcPr>
+                        <a:lnL w="12700" cap="flat" cmpd="sng" algn="ctr">
+                          <a:noFill/>
+                          <a:prstDash val="solid"/>
+                          <a:round/>
+                          <a:headEnd type="none" w="med" len="med"/>
+                          <a:tailEnd type="none" w="med" len="med"/>
+                        </a:lnL>
+                        <a:lnR w="12700" cap="flat" cmpd="sng" algn="ctr">
+                          <a:noFill/>
+                          <a:prstDash val="solid"/>
+                          <a:round/>
+                          <a:headEnd type="none" w="med" len="med"/>
+                          <a:tailEnd type="none" w="med" len="med"/>
+                        </a:lnR>
+                        <a:lnT w="12700" cap="flat" cmpd="sng" algn="ctr">
+                          <a:noFill/>
+                          <a:prstDash val="solid"/>
+                          <a:round/>
+                          <a:headEnd type="none" w="med" len="med"/>
+                          <a:tailEnd type="none" w="med" len="med"/>
+                        </a:lnT>
+                        <a:lnB w="12700" cap="flat" cmpd="sng" algn="ctr">
+                          <a:noFill/>
+                          <a:prstDash val="solid"/>
+                          <a:round/>
+                          <a:headEnd type="none" w="med" len="med"/>
+                          <a:tailEnd type="none" w="med" len="med"/>
+                        </a:lnB>
+                        <a:lnTlToBr w="12700" cmpd="sng">
+                          <a:noFill/>
+                          <a:prstDash val="solid"/>
+                        </a:lnTlToBr>
+                        <a:lnBlToTr w="12700" cmpd="sng">
+                          <a:noFill/>
+                          <a:prstDash val="solid"/>
+                        </a:lnBlToTr>
+                      </a:tcPr>
+                    </a:tc>
+                    <a:extLst>
+                      <a:ext uri="{0D108BD9-81ED-4DB2-BD59-A6C34878D82A}">
+                        <a16:rowId xmlns="" xmlns:a16="http://schemas.microsoft.com/office/drawing/2014/main" val="10005"/>
+                      </a:ext>
+                    </a:extLst>
+                  </a:tr>
+                  <a:tr h="628117">
+                    <a:tc>
+                      <a:txBody>
+                        <a:bodyPr/>
+                        <a:lstStyle/>
+                        <a:p>
+                          <a:pPr algn="ctr"/>
+                          <a:r>
+                            <a:rPr lang="de-DE" sz="2400" dirty="0" smtClean="0"/>
+                            <a:t>B3</a:t>
+                          </a:r>
+                          <a:endParaRPr lang="de-DE" sz="2400" dirty="0"/>
+                        </a:p>
+                      </a:txBody>
+                      <a:tcPr>
+                        <a:lnL w="12700" cap="flat" cmpd="sng" algn="ctr">
+                          <a:noFill/>
+                          <a:prstDash val="solid"/>
+                          <a:round/>
+                          <a:headEnd type="none" w="med" len="med"/>
+                          <a:tailEnd type="none" w="med" len="med"/>
+                        </a:lnL>
+                        <a:lnR w="12700" cap="flat" cmpd="sng" algn="ctr">
+                          <a:noFill/>
+                          <a:prstDash val="solid"/>
+                          <a:round/>
+                          <a:headEnd type="none" w="med" len="med"/>
+                          <a:tailEnd type="none" w="med" len="med"/>
+                        </a:lnR>
+                        <a:lnT w="12700" cap="flat" cmpd="sng" algn="ctr">
+                          <a:noFill/>
+                          <a:prstDash val="solid"/>
+                          <a:round/>
+                          <a:headEnd type="none" w="med" len="med"/>
+                          <a:tailEnd type="none" w="med" len="med"/>
+                        </a:lnT>
+                        <a:lnB w="12700" cap="flat" cmpd="sng" algn="ctr">
+                          <a:noFill/>
+                          <a:prstDash val="solid"/>
+                          <a:round/>
+                          <a:headEnd type="none" w="med" len="med"/>
+                          <a:tailEnd type="none" w="med" len="med"/>
+                        </a:lnB>
+                        <a:lnTlToBr w="12700" cmpd="sng">
+                          <a:noFill/>
+                          <a:prstDash val="solid"/>
+                        </a:lnTlToBr>
+                        <a:lnBlToTr w="12700" cmpd="sng">
+                          <a:noFill/>
+                          <a:prstDash val="solid"/>
+                        </a:lnBlToTr>
+                      </a:tcPr>
+                    </a:tc>
+                    <a:tc>
+                      <a:txBody>
+                        <a:bodyPr/>
+                        <a:lstStyle/>
+                        <a:p>
+                          <a:pPr algn="ctr"/>
+                          <a:r>
+                            <a:rPr lang="de-DE" sz="2400" dirty="0"/>
+                            <a:t>500</a:t>
+                          </a:r>
+                        </a:p>
+                      </a:txBody>
+                      <a:tcPr>
+                        <a:lnL w="12700" cap="flat" cmpd="sng" algn="ctr">
+                          <a:noFill/>
+                          <a:prstDash val="solid"/>
+                          <a:round/>
+                          <a:headEnd type="none" w="med" len="med"/>
+                          <a:tailEnd type="none" w="med" len="med"/>
+                        </a:lnL>
+                        <a:lnR w="12700" cap="flat" cmpd="sng" algn="ctr">
+                          <a:noFill/>
+                          <a:prstDash val="solid"/>
+                          <a:round/>
+                          <a:headEnd type="none" w="med" len="med"/>
+                          <a:tailEnd type="none" w="med" len="med"/>
+                        </a:lnR>
+                        <a:lnT w="12700" cap="flat" cmpd="sng" algn="ctr">
+                          <a:noFill/>
+                          <a:prstDash val="solid"/>
+                          <a:round/>
+                          <a:headEnd type="none" w="med" len="med"/>
+                          <a:tailEnd type="none" w="med" len="med"/>
+                        </a:lnT>
+                        <a:lnB w="12700" cap="flat" cmpd="sng" algn="ctr">
+                          <a:noFill/>
+                          <a:prstDash val="solid"/>
+                          <a:round/>
+                          <a:headEnd type="none" w="med" len="med"/>
+                          <a:tailEnd type="none" w="med" len="med"/>
+                        </a:lnB>
+                        <a:lnTlToBr w="12700" cmpd="sng">
+                          <a:noFill/>
+                          <a:prstDash val="solid"/>
+                        </a:lnTlToBr>
+                        <a:lnBlToTr w="12700" cmpd="sng">
+                          <a:noFill/>
+                          <a:prstDash val="solid"/>
+                        </a:lnBlToTr>
+                      </a:tcPr>
+                    </a:tc>
+                    <a:tc>
+                      <a:txBody>
+                        <a:bodyPr/>
+                        <a:lstStyle/>
+                        <a:p>
+                          <a:pPr algn="ctr"/>
+                          <a:r>
+                            <a:rPr lang="de-DE" sz="2400" dirty="0" smtClean="0"/>
+                            <a:t>0.75</a:t>
+                          </a:r>
+                          <a:endParaRPr lang="de-DE" sz="2400" dirty="0"/>
+                        </a:p>
+                      </a:txBody>
+                      <a:tcPr>
+                        <a:lnL w="12700" cap="flat" cmpd="sng" algn="ctr">
+                          <a:noFill/>
+                          <a:prstDash val="solid"/>
+                          <a:round/>
+                          <a:headEnd type="none" w="med" len="med"/>
+                          <a:tailEnd type="none" w="med" len="med"/>
+                        </a:lnL>
+                        <a:lnR w="12700" cap="flat" cmpd="sng" algn="ctr">
+                          <a:noFill/>
+                          <a:prstDash val="solid"/>
+                          <a:round/>
+                          <a:headEnd type="none" w="med" len="med"/>
+                          <a:tailEnd type="none" w="med" len="med"/>
+                        </a:lnR>
+                        <a:lnT w="12700" cap="flat" cmpd="sng" algn="ctr">
+                          <a:noFill/>
+                          <a:prstDash val="solid"/>
+                          <a:round/>
+                          <a:headEnd type="none" w="med" len="med"/>
+                          <a:tailEnd type="none" w="med" len="med"/>
+                        </a:lnT>
+                        <a:lnB w="12700" cap="flat" cmpd="sng" algn="ctr">
+                          <a:noFill/>
+                          <a:prstDash val="solid"/>
+                          <a:round/>
+                          <a:headEnd type="none" w="med" len="med"/>
+                          <a:tailEnd type="none" w="med" len="med"/>
+                        </a:lnB>
+                        <a:lnTlToBr w="12700" cmpd="sng">
+                          <a:noFill/>
+                          <a:prstDash val="solid"/>
+                        </a:lnTlToBr>
+                        <a:lnBlToTr w="12700" cmpd="sng">
+                          <a:noFill/>
+                          <a:prstDash val="solid"/>
+                        </a:lnBlToTr>
+                      </a:tcPr>
+                    </a:tc>
+                    <a:extLst>
+                      <a:ext uri="{0D108BD9-81ED-4DB2-BD59-A6C34878D82A}">
+                        <a16:rowId xmlns="" xmlns:a16="http://schemas.microsoft.com/office/drawing/2014/main" val="10006"/>
+                      </a:ext>
+                    </a:extLst>
+                  </a:tr>
+                </a:tbl>
+              </a:graphicData>
+            </a:graphic>
+          </p:graphicFrame>
+        </mc:Choice>
+        <mc:Fallback>
+          <p:graphicFrame>
+            <p:nvGraphicFramePr>
+              <p:cNvPr id="14" name="Tabelle 13"/>
+              <p:cNvGraphicFramePr>
+                <a:graphicFrameLocks noGrp="1"/>
+              </p:cNvGraphicFramePr>
+              <p:nvPr>
+                <p:extLst>
+                  <p:ext uri="{D42A27DB-BD31-4B8C-83A1-F6EECF244321}">
+                    <p14:modId xmlns:p14="http://schemas.microsoft.com/office/powerpoint/2010/main" val="3020078173"/>
+                  </p:ext>
+                </p:extLst>
+              </p:nvPr>
+            </p:nvGraphicFramePr>
+            <p:xfrm>
+              <a:off x="12564459" y="26427680"/>
+              <a:ext cx="7257140" cy="4718930"/>
+            </p:xfrm>
+            <a:graphic>
+              <a:graphicData uri="http://schemas.openxmlformats.org/drawingml/2006/table">
+                <a:tbl>
+                  <a:tblPr firstRow="1" bandRow="1">
+                    <a:tableStyleId>{5940675A-B579-460E-94D1-54222C63F5DA}</a:tableStyleId>
+                  </a:tblPr>
+                  <a:tblGrid>
+                    <a:gridCol w="2417106">
+                      <a:extLst>
+                        <a:ext uri="{9D8B030D-6E8A-4147-A177-3AD203B41FA5}">
+                          <a16:colId xmlns="" xmlns:a16="http://schemas.microsoft.com/office/drawing/2014/main" xmlns:a14="http://schemas.microsoft.com/office/drawing/2010/main" val="20000"/>
+                        </a:ext>
+                      </a:extLst>
+                    </a:gridCol>
+                    <a:gridCol w="2417106">
+                      <a:extLst>
+                        <a:ext uri="{9D8B030D-6E8A-4147-A177-3AD203B41FA5}">
+                          <a16:colId xmlns="" xmlns:a16="http://schemas.microsoft.com/office/drawing/2014/main" xmlns:a14="http://schemas.microsoft.com/office/drawing/2010/main" val="20001"/>
+                        </a:ext>
+                      </a:extLst>
+                    </a:gridCol>
+                    <a:gridCol w="2422928">
+                      <a:extLst>
+                        <a:ext uri="{9D8B030D-6E8A-4147-A177-3AD203B41FA5}">
+                          <a16:colId xmlns="" xmlns:a16="http://schemas.microsoft.com/office/drawing/2014/main" xmlns:a14="http://schemas.microsoft.com/office/drawing/2010/main" val="20002"/>
+                        </a:ext>
+                      </a:extLst>
+                    </a:gridCol>
+                  </a:tblGrid>
+                  <a:tr h="950228">
+                    <a:tc>
+                      <a:txBody>
+                        <a:bodyPr/>
+                        <a:lstStyle/>
+                        <a:p>
+                          <a:pPr algn="ctr"/>
+                          <a:r>
+                            <a:rPr lang="de-DE" sz="2400" dirty="0" smtClean="0"/>
+                            <a:t>Run</a:t>
+                          </a:r>
+                          <a:endParaRPr lang="de-DE" sz="2400" dirty="0"/>
+                        </a:p>
+                      </a:txBody>
+                      <a:tcPr>
+                        <a:lnL w="12700" cap="flat" cmpd="sng" algn="ctr">
+                          <a:noFill/>
+                          <a:prstDash val="solid"/>
+                          <a:round/>
+                          <a:headEnd type="none" w="med" len="med"/>
+                          <a:tailEnd type="none" w="med" len="med"/>
+                        </a:lnL>
+                        <a:lnR w="12700" cap="flat" cmpd="sng" algn="ctr">
+                          <a:noFill/>
+                          <a:prstDash val="solid"/>
+                          <a:round/>
+                          <a:headEnd type="none" w="med" len="med"/>
+                          <a:tailEnd type="none" w="med" len="med"/>
+                        </a:lnR>
+                        <a:lnT w="12700" cap="flat" cmpd="sng" algn="ctr">
+                          <a:solidFill>
+                            <a:schemeClr val="tx1"/>
+                          </a:solidFill>
+                          <a:prstDash val="solid"/>
+                          <a:round/>
+                          <a:headEnd type="none" w="med" len="med"/>
+                          <a:tailEnd type="none" w="med" len="med"/>
+                        </a:lnT>
+                        <a:lnB w="12700" cap="flat" cmpd="sng" algn="ctr">
+                          <a:solidFill>
+                            <a:schemeClr val="tx1"/>
+                          </a:solidFill>
+                          <a:prstDash val="solid"/>
+                          <a:round/>
+                          <a:headEnd type="none" w="med" len="med"/>
+                          <a:tailEnd type="none" w="med" len="med"/>
+                        </a:lnB>
+                        <a:lnTlToBr w="12700" cmpd="sng">
+                          <a:noFill/>
+                          <a:prstDash val="solid"/>
+                        </a:lnTlToBr>
+                        <a:lnBlToTr w="12700" cmpd="sng">
+                          <a:noFill/>
+                          <a:prstDash val="solid"/>
+                        </a:lnBlToTr>
+                      </a:tcPr>
+                    </a:tc>
+                    <a:tc>
+                      <a:txBody>
+                        <a:bodyPr/>
+                        <a:lstStyle/>
+                        <a:p>
+                          <a:endParaRPr lang="de-DE"/>
+                        </a:p>
+                      </a:txBody>
+                      <a:tcPr>
+                        <a:lnL w="12700" cap="flat" cmpd="sng" algn="ctr">
+                          <a:noFill/>
+                          <a:prstDash val="solid"/>
+                          <a:round/>
+                          <a:headEnd type="none" w="med" len="med"/>
+                          <a:tailEnd type="none" w="med" len="med"/>
+                        </a:lnL>
+                        <a:lnR w="12700" cap="flat" cmpd="sng" algn="ctr">
+                          <a:noFill/>
+                          <a:prstDash val="solid"/>
+                          <a:round/>
+                          <a:headEnd type="none" w="med" len="med"/>
+                          <a:tailEnd type="none" w="med" len="med"/>
+                        </a:lnR>
+                        <a:lnT w="12700" cap="flat" cmpd="sng" algn="ctr">
+                          <a:solidFill>
+                            <a:schemeClr val="tx1"/>
+                          </a:solidFill>
+                          <a:prstDash val="solid"/>
+                          <a:round/>
+                          <a:headEnd type="none" w="med" len="med"/>
+                          <a:tailEnd type="none" w="med" len="med"/>
+                        </a:lnT>
+                        <a:lnB w="12700" cap="flat" cmpd="sng" algn="ctr">
+                          <a:solidFill>
+                            <a:schemeClr val="tx1"/>
+                          </a:solidFill>
+                          <a:prstDash val="solid"/>
+                          <a:round/>
+                          <a:headEnd type="none" w="med" len="med"/>
+                          <a:tailEnd type="none" w="med" len="med"/>
+                        </a:lnB>
+                        <a:lnTlToBr w="12700" cmpd="sng">
+                          <a:noFill/>
+                          <a:prstDash val="solid"/>
+                        </a:lnTlToBr>
+                        <a:lnBlToTr w="12700" cmpd="sng">
+                          <a:noFill/>
+                          <a:prstDash val="solid"/>
+                        </a:lnBlToTr>
+                        <a:blipFill rotWithShape="1">
+                          <a:blip r:embed="rId7"/>
+                          <a:stretch>
+                            <a:fillRect l="-100253" t="-5128" r="-100505" b="-396795"/>
+                          </a:stretch>
+                        </a:blipFill>
+                      </a:tcPr>
+                    </a:tc>
+                    <a:tc>
+                      <a:txBody>
+                        <a:bodyPr/>
+                        <a:lstStyle/>
+                        <a:p>
+                          <a:endParaRPr lang="de-DE"/>
+                        </a:p>
+                      </a:txBody>
+                      <a:tcPr>
+                        <a:lnL w="12700" cap="flat" cmpd="sng" algn="ctr">
+                          <a:noFill/>
+                          <a:prstDash val="solid"/>
+                          <a:round/>
+                          <a:headEnd type="none" w="med" len="med"/>
+                          <a:tailEnd type="none" w="med" len="med"/>
+                        </a:lnL>
+                        <a:lnR w="12700" cap="flat" cmpd="sng" algn="ctr">
+                          <a:noFill/>
+                          <a:prstDash val="solid"/>
+                          <a:round/>
+                          <a:headEnd type="none" w="med" len="med"/>
+                          <a:tailEnd type="none" w="med" len="med"/>
+                        </a:lnR>
+                        <a:lnT w="12700" cap="flat" cmpd="sng" algn="ctr">
+                          <a:solidFill>
+                            <a:schemeClr val="tx1"/>
+                          </a:solidFill>
+                          <a:prstDash val="solid"/>
+                          <a:round/>
+                          <a:headEnd type="none" w="med" len="med"/>
+                          <a:tailEnd type="none" w="med" len="med"/>
+                        </a:lnT>
+                        <a:lnB w="12700" cap="flat" cmpd="sng" algn="ctr">
+                          <a:solidFill>
+                            <a:schemeClr val="tx1"/>
+                          </a:solidFill>
+                          <a:prstDash val="solid"/>
+                          <a:round/>
+                          <a:headEnd type="none" w="med" len="med"/>
+                          <a:tailEnd type="none" w="med" len="med"/>
+                        </a:lnB>
+                        <a:lnTlToBr w="12700" cmpd="sng">
+                          <a:noFill/>
+                          <a:prstDash val="solid"/>
+                        </a:lnTlToBr>
+                        <a:lnBlToTr w="12700" cmpd="sng">
+                          <a:noFill/>
+                          <a:prstDash val="solid"/>
+                        </a:lnBlToTr>
+                        <a:blipFill rotWithShape="1">
+                          <a:blip r:embed="rId7"/>
+                          <a:stretch>
+                            <a:fillRect l="-199246" t="-5128" b="-396795"/>
+                          </a:stretch>
+                        </a:blipFill>
+                      </a:tcPr>
+                    </a:tc>
+                    <a:extLst>
+                      <a:ext uri="{0D108BD9-81ED-4DB2-BD59-A6C34878D82A}">
+                        <a16:rowId xmlns="" xmlns:a16="http://schemas.microsoft.com/office/drawing/2014/main" xmlns:a14="http://schemas.microsoft.com/office/drawing/2010/main" val="10000"/>
+                      </a:ext>
+                    </a:extLst>
+                  </a:tr>
+                  <a:tr h="628117">
+                    <a:tc>
+                      <a:txBody>
+                        <a:bodyPr/>
+                        <a:lstStyle/>
+                        <a:p>
+                          <a:pPr algn="ctr"/>
+                          <a:r>
+                            <a:rPr lang="de-DE" sz="2400" dirty="0" smtClean="0"/>
+                            <a:t>A1</a:t>
+                          </a:r>
+                          <a:endParaRPr lang="de-DE" sz="2400" dirty="0"/>
+                        </a:p>
+                      </a:txBody>
+                      <a:tcPr>
+                        <a:lnL w="12700" cap="flat" cmpd="sng" algn="ctr">
+                          <a:noFill/>
+                          <a:prstDash val="solid"/>
+                          <a:round/>
+                          <a:headEnd type="none" w="med" len="med"/>
+                          <a:tailEnd type="none" w="med" len="med"/>
+                        </a:lnL>
+                        <a:lnR w="12700" cap="flat" cmpd="sng" algn="ctr">
+                          <a:noFill/>
+                          <a:prstDash val="solid"/>
+                          <a:round/>
+                          <a:headEnd type="none" w="med" len="med"/>
+                          <a:tailEnd type="none" w="med" len="med"/>
+                        </a:lnR>
+                        <a:lnT w="12700" cap="flat" cmpd="sng" algn="ctr">
+                          <a:solidFill>
+                            <a:schemeClr val="tx1"/>
+                          </a:solidFill>
+                          <a:prstDash val="solid"/>
+                          <a:round/>
+                          <a:headEnd type="none" w="med" len="med"/>
+                          <a:tailEnd type="none" w="med" len="med"/>
+                        </a:lnT>
+                        <a:lnB w="12700" cap="flat" cmpd="sng" algn="ctr">
+                          <a:noFill/>
+                          <a:prstDash val="solid"/>
+                          <a:round/>
+                          <a:headEnd type="none" w="med" len="med"/>
+                          <a:tailEnd type="none" w="med" len="med"/>
+                        </a:lnB>
+                        <a:lnTlToBr w="12700" cmpd="sng">
+                          <a:noFill/>
+                          <a:prstDash val="solid"/>
+                        </a:lnTlToBr>
+                        <a:lnBlToTr w="12700" cmpd="sng">
+                          <a:noFill/>
+                          <a:prstDash val="solid"/>
+                        </a:lnBlToTr>
+                      </a:tcPr>
+                    </a:tc>
+                    <a:tc>
+                      <a:txBody>
+                        <a:bodyPr/>
+                        <a:lstStyle/>
+                        <a:p>
+                          <a:pPr algn="ctr"/>
+                          <a:r>
+                            <a:rPr lang="de-DE" sz="2400" dirty="0"/>
+                            <a:t>50</a:t>
+                          </a:r>
+                        </a:p>
+                      </a:txBody>
+                      <a:tcPr>
+                        <a:lnL w="12700" cap="flat" cmpd="sng" algn="ctr">
+                          <a:noFill/>
+                          <a:prstDash val="solid"/>
+                          <a:round/>
+                          <a:headEnd type="none" w="med" len="med"/>
+                          <a:tailEnd type="none" w="med" len="med"/>
+                        </a:lnL>
+                        <a:lnR w="12700" cap="flat" cmpd="sng" algn="ctr">
+                          <a:noFill/>
+                          <a:prstDash val="solid"/>
+                          <a:round/>
+                          <a:headEnd type="none" w="med" len="med"/>
+                          <a:tailEnd type="none" w="med" len="med"/>
+                        </a:lnR>
+                        <a:lnT w="12700" cap="flat" cmpd="sng" algn="ctr">
+                          <a:solidFill>
+                            <a:schemeClr val="tx1"/>
+                          </a:solidFill>
+                          <a:prstDash val="solid"/>
+                          <a:round/>
+                          <a:headEnd type="none" w="med" len="med"/>
+                          <a:tailEnd type="none" w="med" len="med"/>
+                        </a:lnT>
+                        <a:lnB w="12700" cap="flat" cmpd="sng" algn="ctr">
+                          <a:noFill/>
+                          <a:prstDash val="solid"/>
+                          <a:round/>
+                          <a:headEnd type="none" w="med" len="med"/>
+                          <a:tailEnd type="none" w="med" len="med"/>
+                        </a:lnB>
+                        <a:lnTlToBr w="12700" cmpd="sng">
+                          <a:noFill/>
+                          <a:prstDash val="solid"/>
+                        </a:lnTlToBr>
+                        <a:lnBlToTr w="12700" cmpd="sng">
+                          <a:noFill/>
+                          <a:prstDash val="solid"/>
+                        </a:lnBlToTr>
+                      </a:tcPr>
+                    </a:tc>
+                    <a:tc>
+                      <a:txBody>
+                        <a:bodyPr/>
+                        <a:lstStyle/>
+                        <a:p>
+                          <a:pPr algn="ctr"/>
+                          <a:r>
+                            <a:rPr lang="de-DE" sz="2400" dirty="0"/>
+                            <a:t>0.25</a:t>
+                          </a:r>
+                        </a:p>
+                      </a:txBody>
+                      <a:tcPr>
+                        <a:lnL w="12700" cap="flat" cmpd="sng" algn="ctr">
+                          <a:noFill/>
+                          <a:prstDash val="solid"/>
+                          <a:round/>
+                          <a:headEnd type="none" w="med" len="med"/>
+                          <a:tailEnd type="none" w="med" len="med"/>
+                        </a:lnL>
+                        <a:lnR w="12700" cap="flat" cmpd="sng" algn="ctr">
+                          <a:noFill/>
+                          <a:prstDash val="solid"/>
+                          <a:round/>
+                          <a:headEnd type="none" w="med" len="med"/>
+                          <a:tailEnd type="none" w="med" len="med"/>
+                        </a:lnR>
+                        <a:lnT w="12700" cap="flat" cmpd="sng" algn="ctr">
+                          <a:solidFill>
+                            <a:schemeClr val="tx1"/>
+                          </a:solidFill>
+                          <a:prstDash val="solid"/>
+                          <a:round/>
+                          <a:headEnd type="none" w="med" len="med"/>
+                          <a:tailEnd type="none" w="med" len="med"/>
+                        </a:lnT>
+                        <a:lnB w="12700" cap="flat" cmpd="sng" algn="ctr">
+                          <a:noFill/>
+                          <a:prstDash val="solid"/>
+                          <a:round/>
+                          <a:headEnd type="none" w="med" len="med"/>
+                          <a:tailEnd type="none" w="med" len="med"/>
+                        </a:lnB>
+                        <a:lnTlToBr w="12700" cmpd="sng">
+                          <a:noFill/>
+                          <a:prstDash val="solid"/>
+                        </a:lnTlToBr>
+                        <a:lnBlToTr w="12700" cmpd="sng">
+                          <a:noFill/>
+                          <a:prstDash val="solid"/>
+                        </a:lnBlToTr>
+                      </a:tcPr>
+                    </a:tc>
+                    <a:extLst>
+                      <a:ext uri="{0D108BD9-81ED-4DB2-BD59-A6C34878D82A}">
+                        <a16:rowId xmlns="" xmlns:a16="http://schemas.microsoft.com/office/drawing/2014/main" xmlns:a14="http://schemas.microsoft.com/office/drawing/2010/main" val="10001"/>
+                      </a:ext>
+                    </a:extLst>
+                  </a:tr>
+                  <a:tr h="628117">
+                    <a:tc>
+                      <a:txBody>
+                        <a:bodyPr/>
+                        <a:lstStyle/>
+                        <a:p>
+                          <a:pPr algn="ctr"/>
+                          <a:r>
+                            <a:rPr lang="de-DE" sz="2400" dirty="0" smtClean="0"/>
+                            <a:t>A2</a:t>
+                          </a:r>
+                          <a:endParaRPr lang="de-DE" sz="2400" dirty="0"/>
+                        </a:p>
+                      </a:txBody>
+                      <a:tcPr>
+                        <a:lnL w="12700" cap="flat" cmpd="sng" algn="ctr">
+                          <a:noFill/>
+                          <a:prstDash val="solid"/>
+                          <a:round/>
+                          <a:headEnd type="none" w="med" len="med"/>
+                          <a:tailEnd type="none" w="med" len="med"/>
+                        </a:lnL>
+                        <a:lnR w="12700" cap="flat" cmpd="sng" algn="ctr">
+                          <a:noFill/>
+                          <a:prstDash val="solid"/>
+                          <a:round/>
+                          <a:headEnd type="none" w="med" len="med"/>
+                          <a:tailEnd type="none" w="med" len="med"/>
+                        </a:lnR>
+                        <a:lnT w="12700" cap="flat" cmpd="sng" algn="ctr">
+                          <a:noFill/>
+                          <a:prstDash val="solid"/>
+                          <a:round/>
+                          <a:headEnd type="none" w="med" len="med"/>
+                          <a:tailEnd type="none" w="med" len="med"/>
+                        </a:lnT>
+                        <a:lnB w="12700" cap="flat" cmpd="sng" algn="ctr">
+                          <a:noFill/>
+                          <a:prstDash val="solid"/>
+                          <a:round/>
+                          <a:headEnd type="none" w="med" len="med"/>
+                          <a:tailEnd type="none" w="med" len="med"/>
+                        </a:lnB>
+                        <a:lnTlToBr w="12700" cmpd="sng">
+                          <a:noFill/>
+                          <a:prstDash val="solid"/>
+                        </a:lnTlToBr>
+                        <a:lnBlToTr w="12700" cmpd="sng">
+                          <a:noFill/>
+                          <a:prstDash val="solid"/>
+                        </a:lnBlToTr>
+                      </a:tcPr>
+                    </a:tc>
+                    <a:tc>
+                      <a:txBody>
+                        <a:bodyPr/>
+                        <a:lstStyle/>
+                        <a:p>
+                          <a:pPr algn="ctr"/>
+                          <a:r>
+                            <a:rPr lang="de-DE" sz="2400" dirty="0"/>
+                            <a:t>500</a:t>
+                          </a:r>
+                        </a:p>
+                      </a:txBody>
+                      <a:tcPr>
+                        <a:lnL w="12700" cap="flat" cmpd="sng" algn="ctr">
+                          <a:noFill/>
+                          <a:prstDash val="solid"/>
+                          <a:round/>
+                          <a:headEnd type="none" w="med" len="med"/>
+                          <a:tailEnd type="none" w="med" len="med"/>
+                        </a:lnL>
+                        <a:lnR w="12700" cap="flat" cmpd="sng" algn="ctr">
+                          <a:noFill/>
+                          <a:prstDash val="solid"/>
+                          <a:round/>
+                          <a:headEnd type="none" w="med" len="med"/>
+                          <a:tailEnd type="none" w="med" len="med"/>
+                        </a:lnR>
+                        <a:lnT w="12700" cap="flat" cmpd="sng" algn="ctr">
+                          <a:noFill/>
+                          <a:prstDash val="solid"/>
+                          <a:round/>
+                          <a:headEnd type="none" w="med" len="med"/>
+                          <a:tailEnd type="none" w="med" len="med"/>
+                        </a:lnT>
+                        <a:lnB w="12700" cap="flat" cmpd="sng" algn="ctr">
+                          <a:noFill/>
+                          <a:prstDash val="solid"/>
+                          <a:round/>
+                          <a:headEnd type="none" w="med" len="med"/>
+                          <a:tailEnd type="none" w="med" len="med"/>
+                        </a:lnB>
+                        <a:lnTlToBr w="12700" cmpd="sng">
+                          <a:noFill/>
+                          <a:prstDash val="solid"/>
+                        </a:lnTlToBr>
+                        <a:lnBlToTr w="12700" cmpd="sng">
+                          <a:noFill/>
+                          <a:prstDash val="solid"/>
+                        </a:lnBlToTr>
+                      </a:tcPr>
+                    </a:tc>
+                    <a:tc>
+                      <a:txBody>
+                        <a:bodyPr/>
+                        <a:lstStyle/>
+                        <a:p>
+                          <a:pPr algn="ctr"/>
+                          <a:r>
+                            <a:rPr lang="de-DE" sz="2400" dirty="0"/>
+                            <a:t>0.25</a:t>
+                          </a:r>
+                        </a:p>
+                      </a:txBody>
+                      <a:tcPr>
+                        <a:lnL w="12700" cap="flat" cmpd="sng" algn="ctr">
+                          <a:noFill/>
+                          <a:prstDash val="solid"/>
+                          <a:round/>
+                          <a:headEnd type="none" w="med" len="med"/>
+                          <a:tailEnd type="none" w="med" len="med"/>
+                        </a:lnL>
+                        <a:lnR w="12700" cap="flat" cmpd="sng" algn="ctr">
+                          <a:noFill/>
+                          <a:prstDash val="solid"/>
+                          <a:round/>
+                          <a:headEnd type="none" w="med" len="med"/>
+                          <a:tailEnd type="none" w="med" len="med"/>
+                        </a:lnR>
+                        <a:lnT w="12700" cap="flat" cmpd="sng" algn="ctr">
+                          <a:noFill/>
+                          <a:prstDash val="solid"/>
+                          <a:round/>
+                          <a:headEnd type="none" w="med" len="med"/>
+                          <a:tailEnd type="none" w="med" len="med"/>
+                        </a:lnT>
+                        <a:lnB w="12700" cap="flat" cmpd="sng" algn="ctr">
+                          <a:noFill/>
+                          <a:prstDash val="solid"/>
+                          <a:round/>
+                          <a:headEnd type="none" w="med" len="med"/>
+                          <a:tailEnd type="none" w="med" len="med"/>
+                        </a:lnB>
+                        <a:lnTlToBr w="12700" cmpd="sng">
+                          <a:noFill/>
+                          <a:prstDash val="solid"/>
+                        </a:lnTlToBr>
+                        <a:lnBlToTr w="12700" cmpd="sng">
+                          <a:noFill/>
+                          <a:prstDash val="solid"/>
+                        </a:lnBlToTr>
+                      </a:tcPr>
+                    </a:tc>
+                    <a:extLst>
+                      <a:ext uri="{0D108BD9-81ED-4DB2-BD59-A6C34878D82A}">
+                        <a16:rowId xmlns="" xmlns:a16="http://schemas.microsoft.com/office/drawing/2014/main" xmlns:a14="http://schemas.microsoft.com/office/drawing/2010/main" val="10002"/>
+                      </a:ext>
+                    </a:extLst>
+                  </a:tr>
+                  <a:tr h="628117">
+                    <a:tc>
+                      <a:txBody>
+                        <a:bodyPr/>
+                        <a:lstStyle/>
+                        <a:p>
+                          <a:pPr algn="ctr"/>
+                          <a:r>
+                            <a:rPr lang="de-DE" sz="2400" dirty="0" smtClean="0"/>
+                            <a:t>A3</a:t>
+                          </a:r>
+                          <a:endParaRPr lang="de-DE" sz="2400" dirty="0"/>
+                        </a:p>
+                      </a:txBody>
+                      <a:tcPr>
+                        <a:lnL w="12700" cap="flat" cmpd="sng" algn="ctr">
+                          <a:noFill/>
+                          <a:prstDash val="solid"/>
+                          <a:round/>
+                          <a:headEnd type="none" w="med" len="med"/>
+                          <a:tailEnd type="none" w="med" len="med"/>
+                        </a:lnL>
+                        <a:lnR w="12700" cap="flat" cmpd="sng" algn="ctr">
+                          <a:noFill/>
+                          <a:prstDash val="solid"/>
+                          <a:round/>
+                          <a:headEnd type="none" w="med" len="med"/>
+                          <a:tailEnd type="none" w="med" len="med"/>
+                        </a:lnR>
+                        <a:lnT w="12700" cap="flat" cmpd="sng" algn="ctr">
+                          <a:noFill/>
+                          <a:prstDash val="solid"/>
+                          <a:round/>
+                          <a:headEnd type="none" w="med" len="med"/>
+                          <a:tailEnd type="none" w="med" len="med"/>
+                        </a:lnT>
+                        <a:lnB w="12700" cap="flat" cmpd="sng" algn="ctr">
+                          <a:noFill/>
+                          <a:prstDash val="solid"/>
+                          <a:round/>
+                          <a:headEnd type="none" w="med" len="med"/>
+                          <a:tailEnd type="none" w="med" len="med"/>
+                        </a:lnB>
+                        <a:lnTlToBr w="12700" cmpd="sng">
+                          <a:noFill/>
+                          <a:prstDash val="solid"/>
+                        </a:lnTlToBr>
+                        <a:lnBlToTr w="12700" cmpd="sng">
+                          <a:noFill/>
+                          <a:prstDash val="solid"/>
+                        </a:lnBlToTr>
+                      </a:tcPr>
+                    </a:tc>
+                    <a:tc>
+                      <a:txBody>
+                        <a:bodyPr/>
+                        <a:lstStyle/>
+                        <a:p>
+                          <a:pPr algn="ctr"/>
+                          <a:r>
+                            <a:rPr lang="de-DE" sz="2400" dirty="0"/>
+                            <a:t>50</a:t>
+                          </a:r>
+                        </a:p>
+                      </a:txBody>
+                      <a:tcPr>
+                        <a:lnL w="12700" cap="flat" cmpd="sng" algn="ctr">
+                          <a:noFill/>
+                          <a:prstDash val="solid"/>
+                          <a:round/>
+                          <a:headEnd type="none" w="med" len="med"/>
+                          <a:tailEnd type="none" w="med" len="med"/>
+                        </a:lnL>
+                        <a:lnR w="12700" cap="flat" cmpd="sng" algn="ctr">
+                          <a:noFill/>
+                          <a:prstDash val="solid"/>
+                          <a:round/>
+                          <a:headEnd type="none" w="med" len="med"/>
+                          <a:tailEnd type="none" w="med" len="med"/>
+                        </a:lnR>
+                        <a:lnT w="12700" cap="flat" cmpd="sng" algn="ctr">
+                          <a:noFill/>
+                          <a:prstDash val="solid"/>
+                          <a:round/>
+                          <a:headEnd type="none" w="med" len="med"/>
+                          <a:tailEnd type="none" w="med" len="med"/>
+                        </a:lnT>
+                        <a:lnB w="12700" cap="flat" cmpd="sng" algn="ctr">
+                          <a:noFill/>
+                          <a:prstDash val="solid"/>
+                          <a:round/>
+                          <a:headEnd type="none" w="med" len="med"/>
+                          <a:tailEnd type="none" w="med" len="med"/>
+                        </a:lnB>
+                        <a:lnTlToBr w="12700" cmpd="sng">
+                          <a:noFill/>
+                          <a:prstDash val="solid"/>
+                        </a:lnTlToBr>
+                        <a:lnBlToTr w="12700" cmpd="sng">
+                          <a:noFill/>
+                          <a:prstDash val="solid"/>
+                        </a:lnBlToTr>
+                      </a:tcPr>
+                    </a:tc>
+                    <a:tc>
+                      <a:txBody>
+                        <a:bodyPr/>
+                        <a:lstStyle/>
+                        <a:p>
+                          <a:pPr algn="ctr"/>
+                          <a:r>
+                            <a:rPr lang="de-DE" sz="2400" dirty="0"/>
+                            <a:t>0.5</a:t>
+                          </a:r>
+                        </a:p>
+                      </a:txBody>
+                      <a:tcPr>
+                        <a:lnL w="12700" cap="flat" cmpd="sng" algn="ctr">
+                          <a:noFill/>
+                          <a:prstDash val="solid"/>
+                          <a:round/>
+                          <a:headEnd type="none" w="med" len="med"/>
+                          <a:tailEnd type="none" w="med" len="med"/>
+                        </a:lnL>
+                        <a:lnR w="12700" cap="flat" cmpd="sng" algn="ctr">
+                          <a:noFill/>
+                          <a:prstDash val="solid"/>
+                          <a:round/>
+                          <a:headEnd type="none" w="med" len="med"/>
+                          <a:tailEnd type="none" w="med" len="med"/>
+                        </a:lnR>
+                        <a:lnT w="12700" cap="flat" cmpd="sng" algn="ctr">
+                          <a:noFill/>
+                          <a:prstDash val="solid"/>
+                          <a:round/>
+                          <a:headEnd type="none" w="med" len="med"/>
+                          <a:tailEnd type="none" w="med" len="med"/>
+                        </a:lnT>
+                        <a:lnB w="12700" cap="flat" cmpd="sng" algn="ctr">
+                          <a:noFill/>
+                          <a:prstDash val="solid"/>
+                          <a:round/>
+                          <a:headEnd type="none" w="med" len="med"/>
+                          <a:tailEnd type="none" w="med" len="med"/>
+                        </a:lnB>
+                        <a:lnTlToBr w="12700" cmpd="sng">
+                          <a:noFill/>
+                          <a:prstDash val="solid"/>
+                        </a:lnTlToBr>
+                        <a:lnBlToTr w="12700" cmpd="sng">
+                          <a:noFill/>
+                          <a:prstDash val="solid"/>
+                        </a:lnBlToTr>
+                      </a:tcPr>
+                    </a:tc>
+                    <a:extLst>
+                      <a:ext uri="{0D108BD9-81ED-4DB2-BD59-A6C34878D82A}">
+                        <a16:rowId xmlns="" xmlns:a16="http://schemas.microsoft.com/office/drawing/2014/main" xmlns:a14="http://schemas.microsoft.com/office/drawing/2010/main" val="10003"/>
+                      </a:ext>
+                    </a:extLst>
+                  </a:tr>
+                  <a:tr h="628117">
+                    <a:tc>
+                      <a:txBody>
+                        <a:bodyPr/>
+                        <a:lstStyle/>
+                        <a:p>
+                          <a:pPr algn="ctr"/>
+                          <a:r>
+                            <a:rPr lang="de-DE" sz="2400" dirty="0" smtClean="0"/>
+                            <a:t>B1</a:t>
+                          </a:r>
+                          <a:endParaRPr lang="de-DE" sz="2400" dirty="0"/>
+                        </a:p>
+                      </a:txBody>
+                      <a:tcPr>
+                        <a:lnL w="12700" cap="flat" cmpd="sng" algn="ctr">
+                          <a:noFill/>
+                          <a:prstDash val="solid"/>
+                          <a:round/>
+                          <a:headEnd type="none" w="med" len="med"/>
+                          <a:tailEnd type="none" w="med" len="med"/>
+                        </a:lnL>
+                        <a:lnR w="12700" cap="flat" cmpd="sng" algn="ctr">
+                          <a:noFill/>
+                          <a:prstDash val="solid"/>
+                          <a:round/>
+                          <a:headEnd type="none" w="med" len="med"/>
+                          <a:tailEnd type="none" w="med" len="med"/>
+                        </a:lnR>
+                        <a:lnT w="12700" cap="flat" cmpd="sng" algn="ctr">
+                          <a:noFill/>
+                          <a:prstDash val="solid"/>
+                          <a:round/>
+                          <a:headEnd type="none" w="med" len="med"/>
+                          <a:tailEnd type="none" w="med" len="med"/>
+                        </a:lnT>
+                        <a:lnB w="12700" cap="flat" cmpd="sng" algn="ctr">
+                          <a:noFill/>
+                          <a:prstDash val="solid"/>
+                          <a:round/>
+                          <a:headEnd type="none" w="med" len="med"/>
+                          <a:tailEnd type="none" w="med" len="med"/>
+                        </a:lnB>
+                        <a:lnTlToBr w="12700" cmpd="sng">
+                          <a:noFill/>
+                          <a:prstDash val="solid"/>
+                        </a:lnTlToBr>
+                        <a:lnBlToTr w="12700" cmpd="sng">
+                          <a:noFill/>
+                          <a:prstDash val="solid"/>
+                        </a:lnBlToTr>
+                      </a:tcPr>
+                    </a:tc>
+                    <a:tc>
+                      <a:txBody>
+                        <a:bodyPr/>
+                        <a:lstStyle/>
+                        <a:p>
+                          <a:pPr algn="ctr"/>
+                          <a:r>
+                            <a:rPr lang="de-DE" sz="2400" dirty="0"/>
+                            <a:t>500</a:t>
+                          </a:r>
+                        </a:p>
+                      </a:txBody>
+                      <a:tcPr>
+                        <a:lnL w="12700" cap="flat" cmpd="sng" algn="ctr">
+                          <a:noFill/>
+                          <a:prstDash val="solid"/>
+                          <a:round/>
+                          <a:headEnd type="none" w="med" len="med"/>
+                          <a:tailEnd type="none" w="med" len="med"/>
+                        </a:lnL>
+                        <a:lnR w="12700" cap="flat" cmpd="sng" algn="ctr">
+                          <a:noFill/>
+                          <a:prstDash val="solid"/>
+                          <a:round/>
+                          <a:headEnd type="none" w="med" len="med"/>
+                          <a:tailEnd type="none" w="med" len="med"/>
+                        </a:lnR>
+                        <a:lnT w="12700" cap="flat" cmpd="sng" algn="ctr">
+                          <a:noFill/>
+                          <a:prstDash val="solid"/>
+                          <a:round/>
+                          <a:headEnd type="none" w="med" len="med"/>
+                          <a:tailEnd type="none" w="med" len="med"/>
+                        </a:lnT>
+                        <a:lnB w="12700" cap="flat" cmpd="sng" algn="ctr">
+                          <a:noFill/>
+                          <a:prstDash val="solid"/>
+                          <a:round/>
+                          <a:headEnd type="none" w="med" len="med"/>
+                          <a:tailEnd type="none" w="med" len="med"/>
+                        </a:lnB>
+                        <a:lnTlToBr w="12700" cmpd="sng">
+                          <a:noFill/>
+                          <a:prstDash val="solid"/>
+                        </a:lnTlToBr>
+                        <a:lnBlToTr w="12700" cmpd="sng">
+                          <a:noFill/>
+                          <a:prstDash val="solid"/>
+                        </a:lnBlToTr>
+                      </a:tcPr>
+                    </a:tc>
+                    <a:tc>
+                      <a:txBody>
+                        <a:bodyPr/>
+                        <a:lstStyle/>
+                        <a:p>
+                          <a:pPr algn="ctr"/>
+                          <a:r>
+                            <a:rPr lang="de-DE" sz="2400" dirty="0"/>
+                            <a:t>0.5</a:t>
+                          </a:r>
+                        </a:p>
+                      </a:txBody>
+                      <a:tcPr>
+                        <a:lnL w="12700" cap="flat" cmpd="sng" algn="ctr">
+                          <a:noFill/>
+                          <a:prstDash val="solid"/>
+                          <a:round/>
+                          <a:headEnd type="none" w="med" len="med"/>
+                          <a:tailEnd type="none" w="med" len="med"/>
+                        </a:lnL>
+                        <a:lnR w="12700" cap="flat" cmpd="sng" algn="ctr">
+                          <a:noFill/>
+                          <a:prstDash val="solid"/>
+                          <a:round/>
+                          <a:headEnd type="none" w="med" len="med"/>
+                          <a:tailEnd type="none" w="med" len="med"/>
+                        </a:lnR>
+                        <a:lnT w="12700" cap="flat" cmpd="sng" algn="ctr">
+                          <a:noFill/>
+                          <a:prstDash val="solid"/>
+                          <a:round/>
+                          <a:headEnd type="none" w="med" len="med"/>
+                          <a:tailEnd type="none" w="med" len="med"/>
+                        </a:lnT>
+                        <a:lnB w="12700" cap="flat" cmpd="sng" algn="ctr">
+                          <a:noFill/>
+                          <a:prstDash val="solid"/>
+                          <a:round/>
+                          <a:headEnd type="none" w="med" len="med"/>
+                          <a:tailEnd type="none" w="med" len="med"/>
+                        </a:lnB>
+                        <a:lnTlToBr w="12700" cmpd="sng">
+                          <a:noFill/>
+                          <a:prstDash val="solid"/>
+                        </a:lnTlToBr>
+                        <a:lnBlToTr w="12700" cmpd="sng">
+                          <a:noFill/>
+                          <a:prstDash val="solid"/>
+                        </a:lnBlToTr>
+                      </a:tcPr>
+                    </a:tc>
+                    <a:extLst>
+                      <a:ext uri="{0D108BD9-81ED-4DB2-BD59-A6C34878D82A}">
+                        <a16:rowId xmlns="" xmlns:a16="http://schemas.microsoft.com/office/drawing/2014/main" xmlns:a14="http://schemas.microsoft.com/office/drawing/2010/main" val="10004"/>
+                      </a:ext>
+                    </a:extLst>
+                  </a:tr>
+                  <a:tr h="628117">
+                    <a:tc>
+                      <a:txBody>
+                        <a:bodyPr/>
+                        <a:lstStyle/>
+                        <a:p>
+                          <a:pPr algn="ctr"/>
+                          <a:r>
+                            <a:rPr lang="de-DE" sz="2400" dirty="0" smtClean="0"/>
+                            <a:t>B2</a:t>
+                          </a:r>
+                          <a:endParaRPr lang="de-DE" sz="2400" dirty="0"/>
+                        </a:p>
+                      </a:txBody>
+                      <a:tcPr>
+                        <a:lnL w="12700" cap="flat" cmpd="sng" algn="ctr">
+                          <a:noFill/>
+                          <a:prstDash val="solid"/>
+                          <a:round/>
+                          <a:headEnd type="none" w="med" len="med"/>
+                          <a:tailEnd type="none" w="med" len="med"/>
+                        </a:lnL>
+                        <a:lnR w="12700" cap="flat" cmpd="sng" algn="ctr">
+                          <a:noFill/>
+                          <a:prstDash val="solid"/>
+                          <a:round/>
+                          <a:headEnd type="none" w="med" len="med"/>
+                          <a:tailEnd type="none" w="med" len="med"/>
+                        </a:lnR>
+                        <a:lnT w="12700" cap="flat" cmpd="sng" algn="ctr">
+                          <a:noFill/>
+                          <a:prstDash val="solid"/>
+                          <a:round/>
+                          <a:headEnd type="none" w="med" len="med"/>
+                          <a:tailEnd type="none" w="med" len="med"/>
+                        </a:lnT>
+                        <a:lnB w="12700" cap="flat" cmpd="sng" algn="ctr">
+                          <a:noFill/>
+                          <a:prstDash val="solid"/>
+                          <a:round/>
+                          <a:headEnd type="none" w="med" len="med"/>
+                          <a:tailEnd type="none" w="med" len="med"/>
+                        </a:lnB>
+                        <a:lnTlToBr w="12700" cmpd="sng">
+                          <a:noFill/>
+                          <a:prstDash val="solid"/>
+                        </a:lnTlToBr>
+                        <a:lnBlToTr w="12700" cmpd="sng">
+                          <a:noFill/>
+                          <a:prstDash val="solid"/>
+                        </a:lnBlToTr>
+                      </a:tcPr>
+                    </a:tc>
+                    <a:tc>
+                      <a:txBody>
+                        <a:bodyPr/>
+                        <a:lstStyle/>
+                        <a:p>
+                          <a:pPr algn="ctr"/>
+                          <a:r>
+                            <a:rPr lang="de-DE" sz="2400" dirty="0"/>
+                            <a:t>50</a:t>
+                          </a:r>
+                        </a:p>
+                      </a:txBody>
+                      <a:tcPr>
+                        <a:lnL w="12700" cap="flat" cmpd="sng" algn="ctr">
+                          <a:noFill/>
+                          <a:prstDash val="solid"/>
+                          <a:round/>
+                          <a:headEnd type="none" w="med" len="med"/>
+                          <a:tailEnd type="none" w="med" len="med"/>
+                        </a:lnL>
+                        <a:lnR w="12700" cap="flat" cmpd="sng" algn="ctr">
+                          <a:noFill/>
+                          <a:prstDash val="solid"/>
+                          <a:round/>
+                          <a:headEnd type="none" w="med" len="med"/>
+                          <a:tailEnd type="none" w="med" len="med"/>
+                        </a:lnR>
+                        <a:lnT w="12700" cap="flat" cmpd="sng" algn="ctr">
+                          <a:noFill/>
+                          <a:prstDash val="solid"/>
+                          <a:round/>
+                          <a:headEnd type="none" w="med" len="med"/>
+                          <a:tailEnd type="none" w="med" len="med"/>
+                        </a:lnT>
+                        <a:lnB w="12700" cap="flat" cmpd="sng" algn="ctr">
+                          <a:noFill/>
+                          <a:prstDash val="solid"/>
+                          <a:round/>
+                          <a:headEnd type="none" w="med" len="med"/>
+                          <a:tailEnd type="none" w="med" len="med"/>
+                        </a:lnB>
+                        <a:lnTlToBr w="12700" cmpd="sng">
+                          <a:noFill/>
+                          <a:prstDash val="solid"/>
+                        </a:lnTlToBr>
+                        <a:lnBlToTr w="12700" cmpd="sng">
+                          <a:noFill/>
+                          <a:prstDash val="solid"/>
+                        </a:lnBlToTr>
+                      </a:tcPr>
+                    </a:tc>
+                    <a:tc>
+                      <a:txBody>
+                        <a:bodyPr/>
+                        <a:lstStyle/>
+                        <a:p>
+                          <a:pPr algn="ctr"/>
+                          <a:r>
+                            <a:rPr lang="de-DE" sz="2400" dirty="0" smtClean="0"/>
+                            <a:t>0.75</a:t>
+                          </a:r>
+                          <a:endParaRPr lang="de-DE" sz="2400" dirty="0"/>
+                        </a:p>
+                      </a:txBody>
+                      <a:tcPr>
+                        <a:lnL w="12700" cap="flat" cmpd="sng" algn="ctr">
+                          <a:noFill/>
+                          <a:prstDash val="solid"/>
+                          <a:round/>
+                          <a:headEnd type="none" w="med" len="med"/>
+                          <a:tailEnd type="none" w="med" len="med"/>
+                        </a:lnL>
+                        <a:lnR w="12700" cap="flat" cmpd="sng" algn="ctr">
+                          <a:noFill/>
+                          <a:prstDash val="solid"/>
+                          <a:round/>
+                          <a:headEnd type="none" w="med" len="med"/>
+                          <a:tailEnd type="none" w="med" len="med"/>
+                        </a:lnR>
+                        <a:lnT w="12700" cap="flat" cmpd="sng" algn="ctr">
+                          <a:noFill/>
+                          <a:prstDash val="solid"/>
+                          <a:round/>
+                          <a:headEnd type="none" w="med" len="med"/>
+                          <a:tailEnd type="none" w="med" len="med"/>
+                        </a:lnT>
+                        <a:lnB w="12700" cap="flat" cmpd="sng" algn="ctr">
+                          <a:noFill/>
+                          <a:prstDash val="solid"/>
+                          <a:round/>
+                          <a:headEnd type="none" w="med" len="med"/>
+                          <a:tailEnd type="none" w="med" len="med"/>
+                        </a:lnB>
+                        <a:lnTlToBr w="12700" cmpd="sng">
+                          <a:noFill/>
+                          <a:prstDash val="solid"/>
+                        </a:lnTlToBr>
+                        <a:lnBlToTr w="12700" cmpd="sng">
+                          <a:noFill/>
+                          <a:prstDash val="solid"/>
+                        </a:lnBlToTr>
+                      </a:tcPr>
+                    </a:tc>
+                    <a:extLst>
+                      <a:ext uri="{0D108BD9-81ED-4DB2-BD59-A6C34878D82A}">
+                        <a16:rowId xmlns="" xmlns:a16="http://schemas.microsoft.com/office/drawing/2014/main" xmlns:a14="http://schemas.microsoft.com/office/drawing/2010/main" val="10005"/>
+                      </a:ext>
+                    </a:extLst>
+                  </a:tr>
+                  <a:tr h="628117">
+                    <a:tc>
+                      <a:txBody>
+                        <a:bodyPr/>
+                        <a:lstStyle/>
+                        <a:p>
+                          <a:pPr algn="ctr"/>
+                          <a:r>
+                            <a:rPr lang="de-DE" sz="2400" dirty="0" smtClean="0"/>
+                            <a:t>B3</a:t>
+                          </a:r>
+                          <a:endParaRPr lang="de-DE" sz="2400" dirty="0"/>
+                        </a:p>
+                      </a:txBody>
+                      <a:tcPr>
+                        <a:lnL w="12700" cap="flat" cmpd="sng" algn="ctr">
+                          <a:noFill/>
+                          <a:prstDash val="solid"/>
+                          <a:round/>
+                          <a:headEnd type="none" w="med" len="med"/>
+                          <a:tailEnd type="none" w="med" len="med"/>
+                        </a:lnL>
+                        <a:lnR w="12700" cap="flat" cmpd="sng" algn="ctr">
+                          <a:noFill/>
+                          <a:prstDash val="solid"/>
+                          <a:round/>
+                          <a:headEnd type="none" w="med" len="med"/>
+                          <a:tailEnd type="none" w="med" len="med"/>
+                        </a:lnR>
+                        <a:lnT w="12700" cap="flat" cmpd="sng" algn="ctr">
+                          <a:noFill/>
+                          <a:prstDash val="solid"/>
+                          <a:round/>
+                          <a:headEnd type="none" w="med" len="med"/>
+                          <a:tailEnd type="none" w="med" len="med"/>
+                        </a:lnT>
+                        <a:lnB w="12700" cap="flat" cmpd="sng" algn="ctr">
+                          <a:noFill/>
+                          <a:prstDash val="solid"/>
+                          <a:round/>
+                          <a:headEnd type="none" w="med" len="med"/>
+                          <a:tailEnd type="none" w="med" len="med"/>
+                        </a:lnB>
+                        <a:lnTlToBr w="12700" cmpd="sng">
+                          <a:noFill/>
+                          <a:prstDash val="solid"/>
+                        </a:lnTlToBr>
+                        <a:lnBlToTr w="12700" cmpd="sng">
+                          <a:noFill/>
+                          <a:prstDash val="solid"/>
+                        </a:lnBlToTr>
+                      </a:tcPr>
+                    </a:tc>
+                    <a:tc>
+                      <a:txBody>
+                        <a:bodyPr/>
+                        <a:lstStyle/>
+                        <a:p>
+                          <a:pPr algn="ctr"/>
+                          <a:r>
+                            <a:rPr lang="de-DE" sz="2400" dirty="0"/>
+                            <a:t>500</a:t>
+                          </a:r>
+                        </a:p>
+                      </a:txBody>
+                      <a:tcPr>
+                        <a:lnL w="12700" cap="flat" cmpd="sng" algn="ctr">
+                          <a:noFill/>
+                          <a:prstDash val="solid"/>
+                          <a:round/>
+                          <a:headEnd type="none" w="med" len="med"/>
+                          <a:tailEnd type="none" w="med" len="med"/>
+                        </a:lnL>
+                        <a:lnR w="12700" cap="flat" cmpd="sng" algn="ctr">
+                          <a:noFill/>
+                          <a:prstDash val="solid"/>
+                          <a:round/>
+                          <a:headEnd type="none" w="med" len="med"/>
+                          <a:tailEnd type="none" w="med" len="med"/>
+                        </a:lnR>
+                        <a:lnT w="12700" cap="flat" cmpd="sng" algn="ctr">
+                          <a:noFill/>
+                          <a:prstDash val="solid"/>
+                          <a:round/>
+                          <a:headEnd type="none" w="med" len="med"/>
+                          <a:tailEnd type="none" w="med" len="med"/>
+                        </a:lnT>
+                        <a:lnB w="12700" cap="flat" cmpd="sng" algn="ctr">
+                          <a:noFill/>
+                          <a:prstDash val="solid"/>
+                          <a:round/>
+                          <a:headEnd type="none" w="med" len="med"/>
+                          <a:tailEnd type="none" w="med" len="med"/>
+                        </a:lnB>
+                        <a:lnTlToBr w="12700" cmpd="sng">
+                          <a:noFill/>
+                          <a:prstDash val="solid"/>
+                        </a:lnTlToBr>
+                        <a:lnBlToTr w="12700" cmpd="sng">
+                          <a:noFill/>
+                          <a:prstDash val="solid"/>
+                        </a:lnBlToTr>
+                      </a:tcPr>
+                    </a:tc>
+                    <a:tc>
+                      <a:txBody>
+                        <a:bodyPr/>
+                        <a:lstStyle/>
+                        <a:p>
+                          <a:pPr algn="ctr"/>
+                          <a:r>
+                            <a:rPr lang="de-DE" sz="2400" dirty="0" smtClean="0"/>
+                            <a:t>0.75</a:t>
+                          </a:r>
+                          <a:endParaRPr lang="de-DE" sz="2400" dirty="0"/>
+                        </a:p>
+                      </a:txBody>
+                      <a:tcPr>
+                        <a:lnL w="12700" cap="flat" cmpd="sng" algn="ctr">
+                          <a:noFill/>
+                          <a:prstDash val="solid"/>
+                          <a:round/>
+                          <a:headEnd type="none" w="med" len="med"/>
+                          <a:tailEnd type="none" w="med" len="med"/>
+                        </a:lnL>
+                        <a:lnR w="12700" cap="flat" cmpd="sng" algn="ctr">
+                          <a:noFill/>
+                          <a:prstDash val="solid"/>
+                          <a:round/>
+                          <a:headEnd type="none" w="med" len="med"/>
+                          <a:tailEnd type="none" w="med" len="med"/>
+                        </a:lnR>
+                        <a:lnT w="12700" cap="flat" cmpd="sng" algn="ctr">
+                          <a:noFill/>
+                          <a:prstDash val="solid"/>
+                          <a:round/>
+                          <a:headEnd type="none" w="med" len="med"/>
+                          <a:tailEnd type="none" w="med" len="med"/>
+                        </a:lnT>
+                        <a:lnB w="12700" cap="flat" cmpd="sng" algn="ctr">
+                          <a:noFill/>
+                          <a:prstDash val="solid"/>
+                          <a:round/>
+                          <a:headEnd type="none" w="med" len="med"/>
+                          <a:tailEnd type="none" w="med" len="med"/>
+                        </a:lnB>
+                        <a:lnTlToBr w="12700" cmpd="sng">
+                          <a:noFill/>
+                          <a:prstDash val="solid"/>
+                        </a:lnTlToBr>
+                        <a:lnBlToTr w="12700" cmpd="sng">
+                          <a:noFill/>
+                          <a:prstDash val="solid"/>
+                        </a:lnBlToTr>
+                      </a:tcPr>
+                    </a:tc>
+                    <a:extLst>
+                      <a:ext uri="{0D108BD9-81ED-4DB2-BD59-A6C34878D82A}">
+                        <a16:rowId xmlns="" xmlns:a16="http://schemas.microsoft.com/office/drawing/2014/main" xmlns:a14="http://schemas.microsoft.com/office/drawing/2010/main" val="10006"/>
+                      </a:ext>
+                    </a:extLst>
+                  </a:tr>
+                </a:tbl>
+              </a:graphicData>
+            </a:graphic>
+          </p:graphicFrame>
+        </mc:Fallback>
+      </mc:AlternateContent>
     </p:spTree>
     <p:extLst>
       <p:ext uri="{BB962C8B-B14F-4D97-AF65-F5344CB8AC3E}">
@@ -9651,6 +10952,13 @@
   <p:clrMapOvr>
     <a:masterClrMapping/>
   </p:clrMapOvr>
+  <p:timing>
+    <p:tnLst>
+      <p:par>
+        <p:cTn id="1" dur="indefinite" restart="never" nodeType="tmRoot"/>
+      </p:par>
+    </p:tnLst>
+  </p:timing>
 </p:sld>
 </file>
 

--- a/poster/poster_template.pptx
+++ b/poster/poster_template.pptx
@@ -106,7 +106,7 @@
   </p:defaultTextStyle>
   <p:extLst>
     <p:ext uri="{EFAFB233-063F-42B5-8137-9DF3F51BA10A}">
-      <p15:sldGuideLst xmlns:p15="http://schemas.microsoft.com/office/powerpoint/2012/main" xmlns="">
+      <p15:sldGuideLst xmlns="" xmlns:p15="http://schemas.microsoft.com/office/powerpoint/2012/main">
         <p15:guide id="1" orient="horz" pos="9536" userDrawn="1">
           <p15:clr>
             <a:srgbClr val="A4A3A4"/>
@@ -316,7 +316,7 @@
           <a:p>
             <a:fld id="{0B7A2DEA-69B7-D343-870B-04A176525892}" type="datetimeFigureOut">
               <a:rPr lang="de-DE" smtClean="0"/>
-              <a:t>26.01.2018</a:t>
+              <a:t>27.01.2018</a:t>
             </a:fld>
             <a:endParaRPr lang="en-US"/>
           </a:p>
@@ -486,7 +486,7 @@
           <a:p>
             <a:fld id="{0B7A2DEA-69B7-D343-870B-04A176525892}" type="datetimeFigureOut">
               <a:rPr lang="de-DE" smtClean="0"/>
-              <a:t>26.01.2018</a:t>
+              <a:t>27.01.2018</a:t>
             </a:fld>
             <a:endParaRPr lang="en-US"/>
           </a:p>
@@ -666,7 +666,7 @@
           <a:p>
             <a:fld id="{0B7A2DEA-69B7-D343-870B-04A176525892}" type="datetimeFigureOut">
               <a:rPr lang="de-DE" smtClean="0"/>
-              <a:t>26.01.2018</a:t>
+              <a:t>27.01.2018</a:t>
             </a:fld>
             <a:endParaRPr lang="en-US"/>
           </a:p>
@@ -836,7 +836,7 @@
           <a:p>
             <a:fld id="{0B7A2DEA-69B7-D343-870B-04A176525892}" type="datetimeFigureOut">
               <a:rPr lang="de-DE" smtClean="0"/>
-              <a:t>26.01.2018</a:t>
+              <a:t>27.01.2018</a:t>
             </a:fld>
             <a:endParaRPr lang="en-US"/>
           </a:p>
@@ -1082,7 +1082,7 @@
           <a:p>
             <a:fld id="{0B7A2DEA-69B7-D343-870B-04A176525892}" type="datetimeFigureOut">
               <a:rPr lang="de-DE" smtClean="0"/>
-              <a:t>26.01.2018</a:t>
+              <a:t>27.01.2018</a:t>
             </a:fld>
             <a:endParaRPr lang="en-US"/>
           </a:p>
@@ -1370,7 +1370,7 @@
           <a:p>
             <a:fld id="{0B7A2DEA-69B7-D343-870B-04A176525892}" type="datetimeFigureOut">
               <a:rPr lang="de-DE" smtClean="0"/>
-              <a:t>26.01.2018</a:t>
+              <a:t>27.01.2018</a:t>
             </a:fld>
             <a:endParaRPr lang="en-US"/>
           </a:p>
@@ -1797,7 +1797,7 @@
           <a:p>
             <a:fld id="{0B7A2DEA-69B7-D343-870B-04A176525892}" type="datetimeFigureOut">
               <a:rPr lang="de-DE" smtClean="0"/>
-              <a:t>26.01.2018</a:t>
+              <a:t>27.01.2018</a:t>
             </a:fld>
             <a:endParaRPr lang="en-US"/>
           </a:p>
@@ -1915,7 +1915,7 @@
           <a:p>
             <a:fld id="{0B7A2DEA-69B7-D343-870B-04A176525892}" type="datetimeFigureOut">
               <a:rPr lang="de-DE" smtClean="0"/>
-              <a:t>26.01.2018</a:t>
+              <a:t>27.01.2018</a:t>
             </a:fld>
             <a:endParaRPr lang="en-US"/>
           </a:p>
@@ -2010,7 +2010,7 @@
           <a:p>
             <a:fld id="{0B7A2DEA-69B7-D343-870B-04A176525892}" type="datetimeFigureOut">
               <a:rPr lang="de-DE" smtClean="0"/>
-              <a:t>26.01.2018</a:t>
+              <a:t>27.01.2018</a:t>
             </a:fld>
             <a:endParaRPr lang="en-US"/>
           </a:p>
@@ -2287,7 +2287,7 @@
           <a:p>
             <a:fld id="{0B7A2DEA-69B7-D343-870B-04A176525892}" type="datetimeFigureOut">
               <a:rPr lang="de-DE" smtClean="0"/>
-              <a:t>26.01.2018</a:t>
+              <a:t>27.01.2018</a:t>
             </a:fld>
             <a:endParaRPr lang="en-US"/>
           </a:p>
@@ -2540,7 +2540,7 @@
           <a:p>
             <a:fld id="{0B7A2DEA-69B7-D343-870B-04A176525892}" type="datetimeFigureOut">
               <a:rPr lang="de-DE" smtClean="0"/>
-              <a:t>26.01.2018</a:t>
+              <a:t>27.01.2018</a:t>
             </a:fld>
             <a:endParaRPr lang="en-US"/>
           </a:p>
@@ -2753,7 +2753,7 @@
           <a:p>
             <a:fld id="{0B7A2DEA-69B7-D343-870B-04A176525892}" type="datetimeFigureOut">
               <a:rPr lang="de-DE" smtClean="0"/>
-              <a:t>26.01.2018</a:t>
+              <a:t>27.01.2018</a:t>
             </a:fld>
             <a:endParaRPr lang="en-US"/>
           </a:p>
@@ -3146,8 +3146,8 @@
         </p:nvSpPr>
         <p:spPr bwMode="auto">
           <a:xfrm>
-            <a:off x="21861189" y="16845083"/>
-            <a:ext cx="9344944" cy="869557"/>
+            <a:off x="21867864" y="17163407"/>
+            <a:ext cx="9344944" cy="845475"/>
           </a:xfrm>
           <a:prstGeom prst="rect">
             <a:avLst/>
@@ -3341,7 +3341,7 @@
             <p:spPr>
               <a:xfrm>
                 <a:off x="11532519" y="6697869"/>
-                <a:ext cx="9344946" cy="17688497"/>
+                <a:ext cx="9344946" cy="21258705"/>
               </a:xfrm>
               <a:prstGeom prst="rect">
                 <a:avLst/>
@@ -3393,11 +3393,7 @@
                 </a:r>
                 <a:r>
                   <a:rPr lang="en-GB" sz="3200" dirty="0" smtClean="0"/>
-                  <a:t>steps</a:t>
-                </a:r>
-                <a:r>
-                  <a:rPr lang="en-GB" sz="3200" dirty="0" smtClean="0"/>
-                  <a:t>:</a:t>
+                  <a:t>steps:</a:t>
                 </a:r>
               </a:p>
               <a:p>
@@ -3408,13 +3404,8 @@
                 </a:pPr>
                 <a:r>
                   <a:rPr lang="en-GB" sz="3200" b="1" dirty="0" smtClean="0"/>
-                  <a:t>Step </a:t>
+                  <a:t>Step 1: </a:t>
                 </a:r>
-                <a:r>
-                  <a:rPr lang="en-GB" sz="3200" b="1" dirty="0" smtClean="0"/>
-                  <a:t>1: </a:t>
-                </a:r>
-                <a:endParaRPr lang="en-GB" sz="3200" b="1" dirty="0" smtClean="0"/>
               </a:p>
               <a:p>
                 <a:pPr lvl="1">
@@ -3424,11 +3415,7 @@
                 </a:pPr>
                 <a:r>
                   <a:rPr lang="en-GB" sz="3200" dirty="0" smtClean="0"/>
-                  <a:t>Evaluate </a:t>
-                </a:r>
-                <a:r>
-                  <a:rPr lang="en-GB" sz="3200" dirty="0" smtClean="0"/>
-                  <a:t>adjusted </a:t>
+                  <a:t>Evaluate adjusted </a:t>
                 </a:r>
                 <a:r>
                   <a:rPr lang="en-GB" sz="3200" dirty="0"/>
@@ -3793,7 +3780,6 @@
                   <a:rPr lang="en-GB" sz="3200" dirty="0" smtClean="0"/>
                   <a:t> </a:t>
                 </a:r>
-                <a:endParaRPr lang="en-GB" sz="3200" dirty="0" smtClean="0"/>
               </a:p>
               <a:p>
                 <a:pPr lvl="1">
@@ -4251,7 +4237,6 @@
                   <a:rPr lang="de-DE" sz="3200" b="1" dirty="0" smtClean="0"/>
                   <a:t>REPEAT:</a:t>
                 </a:r>
-                <a:endParaRPr lang="de-DE" sz="3200" b="1" dirty="0" smtClean="0"/>
               </a:p>
               <a:p>
                 <a:pPr lvl="4">
@@ -4610,15 +4595,7 @@
                 </a:pPr>
                 <a:r>
                   <a:rPr lang="en-GB" sz="3200" dirty="0" smtClean="0"/>
-                  <a:t>Calculate </a:t>
-                </a:r>
-                <a:r>
-                  <a:rPr lang="en-GB" sz="3200" dirty="0" smtClean="0"/>
-                  <a:t>change in</a:t>
-                </a:r>
-                <a:r>
-                  <a:rPr lang="en-GB" sz="3200" dirty="0" smtClean="0"/>
-                  <a:t> </a:t>
+                  <a:t>Calculate change in </a:t>
                 </a:r>
                 <a14:m>
                   <m:oMath xmlns:m="http://schemas.openxmlformats.org/officeDocument/2006/math">
@@ -4882,11 +4859,7 @@
                 </a:pPr>
                 <a:r>
                   <a:rPr lang="en-GB" sz="3200" b="1" dirty="0" smtClean="0"/>
-                  <a:t>Step </a:t>
-                </a:r>
-                <a:r>
-                  <a:rPr lang="en-GB" sz="3200" b="1" dirty="0" smtClean="0"/>
-                  <a:t>3:</a:t>
+                  <a:t>Step 3:</a:t>
                 </a:r>
                 <a:r>
                   <a:rPr lang="en-GB" sz="3200" dirty="0" smtClean="0"/>
@@ -5153,20 +5126,34 @@
                   <a:buChar char="•"/>
                 </a:pPr>
                 <a:r>
-                  <a:rPr lang="de-DE" sz="3200" dirty="0" smtClean="0"/>
-                  <a:t>Notes:</a:t>
+                  <a:rPr lang="en-US" sz="3200" b="0" dirty="0" smtClean="0"/>
+                  <a:t>Advantages </a:t>
+                </a:r>
+                <a:r>
+                  <a:rPr lang="en-US" sz="3200" b="0" dirty="0" smtClean="0"/>
+                  <a:t>of </a:t>
+                </a:r>
+                <a:r>
+                  <a:rPr lang="en-US" sz="3200" b="0" dirty="0" smtClean="0"/>
+                  <a:t>SEM:</a:t>
                 </a:r>
               </a:p>
               <a:p>
-                <a:pPr>
+                <a:pPr marL="914400" lvl="1" indent="-457200">
                   <a:spcAft>
                     <a:spcPts val="1200"/>
                   </a:spcAft>
+                  <a:buFontTx/>
+                  <a:buChar char="+"/>
                 </a:pPr>
+                <a:r>
+                  <a:rPr lang="de-DE" sz="3200" dirty="0" smtClean="0"/>
+                  <a:t>Matrix </a:t>
+                </a:r>
                 <a14:m>
                   <m:oMath xmlns:m="http://schemas.openxmlformats.org/officeDocument/2006/math">
                     <m:r>
-                      <a:rPr lang="de-DE" sz="3200" i="1" smtClean="0">
+                      <a:rPr lang="de-DE" sz="3200" i="1">
                         <a:latin typeface="Cambria Math"/>
                       </a:rPr>
                       <m:t>𝑉</m:t>
@@ -5174,7 +5161,7 @@
                   </m:oMath>
                 </a14:m>
                 <a:r>
-                  <a:rPr lang="en-GB" sz="3200" dirty="0" smtClean="0">
+                  <a:rPr lang="en-GB" sz="3200" dirty="0">
                     <a:solidFill>
                       <a:srgbClr val="FF0000"/>
                     </a:solidFill>
@@ -5182,27 +5169,96 @@
                   <a:t> </a:t>
                 </a:r>
                 <a:r>
-                  <a:rPr lang="en-GB" sz="3200" dirty="0"/>
-                  <a:t>is not necessarily symmetric, </a:t>
+                  <a:rPr lang="en-GB" sz="3200" dirty="0" smtClean="0"/>
+                  <a:t>not </a:t>
                 </a:r>
                 <a:r>
-                  <a:rPr lang="en-GB" sz="3200" dirty="0" smtClean="0"/>
-                  <a:t>which can be used for diagnostics of EM algorithm</a:t>
+                  <a:rPr lang="en-GB" sz="3200" dirty="0"/>
+                  <a:t>necessarily symmetric, which can be used for diagnostics of EM </a:t>
                 </a:r>
-                <a:endParaRPr lang="en-GB" sz="3200" dirty="0"/>
+                <a:r>
+                  <a:rPr lang="en-GB" sz="3200" dirty="0"/>
+                  <a:t>algorithm</a:t>
+                </a:r>
               </a:p>
               <a:p>
-                <a:pPr marL="457200" indent="-457200">
+                <a:pPr marL="914400" lvl="1" indent="-457200">
                   <a:spcAft>
                     <a:spcPts val="1200"/>
                   </a:spcAft>
-                  <a:buFont typeface="Arial" pitchFamily="34" charset="0"/>
-                  <a:buChar char="•"/>
+                  <a:buFontTx/>
+                  <a:buChar char="+"/>
                 </a:pPr>
                 <a:r>
-                  <a:rPr lang="en-US" sz="3200" b="0" dirty="0" smtClean="0"/>
-                  <a:t>Comparative advantages of SEM</a:t>
+                  <a:rPr lang="en-US" sz="3200" dirty="0" smtClean="0"/>
+                  <a:t>Computationally more stable </a:t>
                 </a:r>
+                <a:r>
+                  <a:rPr lang="en-US" sz="3200" dirty="0"/>
+                  <a:t>than </a:t>
+                </a:r>
+                <a:r>
+                  <a:rPr lang="en-US" sz="3200" dirty="0" smtClean="0"/>
+                  <a:t>numerical differentiation</a:t>
+                </a:r>
+              </a:p>
+              <a:p>
+                <a:pPr marL="914400" lvl="1" indent="-457200">
+                  <a:spcAft>
+                    <a:spcPts val="1200"/>
+                  </a:spcAft>
+                  <a:buFontTx/>
+                  <a:buChar char="+"/>
+                </a:pPr>
+                <a:r>
+                  <a:rPr lang="en-US" sz="3200" dirty="0" smtClean="0"/>
+                  <a:t>Applicable in non-</a:t>
+                </a:r>
+                <a:r>
+                  <a:rPr lang="en-US" sz="3200" dirty="0" err="1" smtClean="0"/>
+                  <a:t>iid</a:t>
+                </a:r>
+                <a:r>
+                  <a:rPr lang="en-US" sz="3200" dirty="0" smtClean="0"/>
+                  <a:t> cases and under complicated missing data patters</a:t>
+                </a:r>
+              </a:p>
+              <a:p>
+                <a:pPr marL="914400" lvl="1" indent="-457200">
+                  <a:spcAft>
+                    <a:spcPts val="1200"/>
+                  </a:spcAft>
+                  <a:buFontTx/>
+                  <a:buChar char="+"/>
+                </a:pPr>
+                <a:r>
+                  <a:rPr lang="en-US" sz="3200" dirty="0" smtClean="0"/>
+                  <a:t>Parameters allowed to convergence with different number of steps</a:t>
+                </a:r>
+              </a:p>
+              <a:p>
+                <a:pPr marL="914400" lvl="1" indent="-457200">
+                  <a:spcAft>
+                    <a:spcPts val="1200"/>
+                  </a:spcAft>
+                  <a:buFontTx/>
+                  <a:buChar char="+"/>
+                </a:pPr>
+                <a:r>
+                  <a:rPr lang="en-US" sz="3200" dirty="0" smtClean="0"/>
+                  <a:t>Parallel computing possible</a:t>
+                </a:r>
+                <a:endParaRPr lang="en-US" sz="3200" dirty="0"/>
+              </a:p>
+              <a:p>
+                <a:pPr marL="914400" lvl="1" indent="-457200">
+                  <a:spcAft>
+                    <a:spcPts val="1200"/>
+                  </a:spcAft>
+                  <a:buFontTx/>
+                  <a:buChar char="+"/>
+                </a:pPr>
+                <a:endParaRPr lang="en-GB" sz="3200" dirty="0"/>
               </a:p>
             </p:txBody>
           </p:sp>
@@ -5219,7 +5275,7 @@
             <p:spPr>
               <a:xfrm>
                 <a:off x="11532519" y="6697869"/>
-                <a:ext cx="9344946" cy="17688497"/>
+                <a:ext cx="9344946" cy="21258705"/>
               </a:xfrm>
               <a:prstGeom prst="rect">
                 <a:avLst/>
@@ -5227,7 +5283,7 @@
               <a:blipFill rotWithShape="1">
                 <a:blip r:embed="rId2"/>
                 <a:stretch>
-                  <a:fillRect l="-1696" t="-448" r="-848"/>
+                  <a:fillRect l="-1500" t="-373" r="-2414"/>
                 </a:stretch>
               </a:blipFill>
             </p:spPr>
@@ -5607,8 +5663,8 @@
             </p:nvSpPr>
             <p:spPr>
               <a:xfrm>
-                <a:off x="21913007" y="17714639"/>
-                <a:ext cx="9254655" cy="8517057"/>
+                <a:off x="21913007" y="18008882"/>
+                <a:ext cx="9254655" cy="1307818"/>
               </a:xfrm>
               <a:prstGeom prst="rect">
                 <a:avLst/>
@@ -5629,14 +5685,6 @@
                   <a:buFont typeface="Arial" pitchFamily="34" charset="0"/>
                   <a:buChar char="•"/>
                 </a:pPr>
-                <a:r>
-                  <a:rPr lang="en-GB" sz="3200" dirty="0" smtClean="0">
-                    <a:solidFill>
-                      <a:schemeClr val="tx1"/>
-                    </a:solidFill>
-                  </a:rPr>
-                  <a:t>Differences </a:t>
-                </a:r>
                 <a14:m>
                   <m:oMath xmlns:m="http://schemas.openxmlformats.org/officeDocument/2006/math">
                     <m:r>
@@ -5771,15 +5819,7 @@
                       <a:schemeClr val="tx1"/>
                     </a:solidFill>
                   </a:rPr>
-                  <a:t> for eac</a:t>
-                </a:r>
-                <a:r>
-                  <a:rPr lang="en-GB" sz="3200" dirty="0" smtClean="0">
-                    <a:solidFill>
-                      <a:schemeClr val="tx1"/>
-                    </a:solidFill>
-                  </a:rPr>
-                  <a:t>h combination as a measure of accuracy/closeness/stability</a:t>
+                  <a:t> for each combination as a measure of accuracy/closeness/stability</a:t>
                 </a:r>
                 <a:r>
                   <a:rPr lang="en-GB" sz="3200" dirty="0" smtClean="0">
@@ -5816,8 +5856,8 @@
             </p:nvSpPr>
             <p:spPr>
               <a:xfrm>
-                <a:off x="21913007" y="17714639"/>
-                <a:ext cx="9254655" cy="8517057"/>
+                <a:off x="21913007" y="18008882"/>
+                <a:ext cx="9254655" cy="1307818"/>
               </a:xfrm>
               <a:prstGeom prst="rect">
                 <a:avLst/>
@@ -5825,7 +5865,7 @@
               <a:blipFill rotWithShape="1">
                 <a:blip r:embed="rId3"/>
                 <a:stretch>
-                  <a:fillRect l="-1515" t="-859"/>
+                  <a:fillRect t="-5581" r="-1318"/>
                 </a:stretch>
               </a:blipFill>
               <a:effectLst/>
@@ -5961,8 +6001,8 @@
         </p:blipFill>
         <p:spPr>
           <a:xfrm>
-            <a:off x="775745" y="2261687"/>
-            <a:ext cx="4851758" cy="1385446"/>
+            <a:off x="30835827" y="2123102"/>
+            <a:ext cx="5822382" cy="1662613"/>
           </a:xfrm>
           <a:prstGeom prst="rect">
             <a:avLst/>
@@ -5991,7 +6031,7 @@
         </p:blipFill>
         <p:spPr>
           <a:xfrm>
-            <a:off x="38475748" y="1158194"/>
+            <a:off x="37931006" y="1158194"/>
             <a:ext cx="3592431" cy="3592431"/>
           </a:xfrm>
           <a:prstGeom prst="rect">
@@ -6223,8 +6263,8 @@
         </p:nvSpPr>
         <p:spPr>
           <a:xfrm>
-            <a:off x="21849226" y="5991963"/>
-            <a:ext cx="9344945" cy="10562488"/>
+            <a:off x="21849226" y="5815536"/>
+            <a:ext cx="9344945" cy="10757964"/>
           </a:xfrm>
           <a:prstGeom prst="rect">
             <a:avLst/>
@@ -6273,7 +6313,7 @@
         </p:nvSpPr>
         <p:spPr bwMode="auto">
           <a:xfrm>
-            <a:off x="32178496" y="22506888"/>
+            <a:off x="32178494" y="19568941"/>
             <a:ext cx="9344944" cy="848980"/>
           </a:xfrm>
           <a:prstGeom prst="rect">
@@ -6332,8 +6372,8 @@
         </p:nvSpPr>
         <p:spPr>
           <a:xfrm>
-            <a:off x="32178495" y="22472285"/>
-            <a:ext cx="9344944" cy="5836015"/>
+            <a:off x="32178493" y="19534338"/>
+            <a:ext cx="9344944" cy="8773962"/>
           </a:xfrm>
           <a:prstGeom prst="rect">
             <a:avLst/>
@@ -6426,7 +6466,7 @@
         </p:nvSpPr>
         <p:spPr>
           <a:xfrm>
-            <a:off x="32178495" y="22581562"/>
+            <a:off x="32178493" y="19643615"/>
             <a:ext cx="10351485" cy="636649"/>
           </a:xfrm>
           <a:prstGeom prst="rect">
@@ -6452,37 +6492,7 @@
                 <a:latin typeface="Arial" panose="020B0604020202020204" pitchFamily="34" charset="0"/>
                 <a:cs typeface="Arial" panose="020B0604020202020204" pitchFamily="34" charset="0"/>
               </a:rPr>
-              <a:t>References </a:t>
-            </a:r>
-            <a:r>
-              <a:rPr lang="en-US" sz="3537" b="1" dirty="0" smtClean="0">
-                <a:solidFill>
-                  <a:srgbClr val="FF0000"/>
-                </a:solidFill>
-                <a:latin typeface="Arial" panose="020B0604020202020204" pitchFamily="34" charset="0"/>
-                <a:cs typeface="Arial" panose="020B0604020202020204" pitchFamily="34" charset="0"/>
-              </a:rPr>
-              <a:t>(</a:t>
-            </a:r>
-            <a:r>
-              <a:rPr lang="en-US" sz="3537" b="1" dirty="0" err="1" smtClean="0">
-                <a:solidFill>
-                  <a:srgbClr val="FF0000"/>
-                </a:solidFill>
-                <a:latin typeface="Arial" panose="020B0604020202020204" pitchFamily="34" charset="0"/>
-                <a:cs typeface="Arial" panose="020B0604020202020204" pitchFamily="34" charset="0"/>
-              </a:rPr>
-              <a:t>nach</a:t>
-            </a:r>
-            <a:r>
-              <a:rPr lang="en-US" sz="3537" b="1" dirty="0" smtClean="0">
-                <a:solidFill>
-                  <a:srgbClr val="FF0000"/>
-                </a:solidFill>
-                <a:latin typeface="Arial" panose="020B0604020202020204" pitchFamily="34" charset="0"/>
-                <a:cs typeface="Arial" panose="020B0604020202020204" pitchFamily="34" charset="0"/>
-              </a:rPr>
-              <a:t> APA??)</a:t>
+              <a:t>References</a:t>
             </a:r>
             <a:endParaRPr lang="en-US" sz="2829" dirty="0">
               <a:solidFill>
@@ -6505,7 +6515,7 @@
             <p:spPr>
               <a:xfrm>
                 <a:off x="1255173" y="14948470"/>
-                <a:ext cx="9344945" cy="13638285"/>
+                <a:ext cx="9344945" cy="12253291"/>
               </a:xfrm>
               <a:prstGeom prst="rect">
                 <a:avLst/>
@@ -6527,7 +6537,40 @@
                 </a:pPr>
                 <a:r>
                   <a:rPr lang="en-GB" sz="3200" dirty="0" smtClean="0"/>
-                  <a:t>In latent variable problems, especially incomplete data problems, maximum likelihood estimation is analytically not possible.</a:t>
+                  <a:t>In latent variable problems, especially incomplete data problems, maximum likelihood estimation is analytically not </a:t>
+                </a:r>
+                <a:r>
+                  <a:rPr lang="en-GB" sz="3200" dirty="0" smtClean="0"/>
+                  <a:t>possible</a:t>
+                </a:r>
+              </a:p>
+              <a:p>
+                <a:pPr marL="285750" lvl="1" indent="-285750">
+                  <a:spcAft>
+                    <a:spcPts val="1200"/>
+                  </a:spcAft>
+                  <a:buFont typeface="Arial" pitchFamily="34" charset="0"/>
+                  <a:buChar char="•"/>
+                </a:pPr>
+                <a:r>
+                  <a:rPr lang="en-GB" sz="3200" dirty="0"/>
+                  <a:t>EM algorithm </a:t>
+                </a:r>
+                <a:r>
+                  <a:rPr lang="en-GB" sz="3200" dirty="0" smtClean="0"/>
+                  <a:t>enables converge </a:t>
+                </a:r>
+                <a:r>
+                  <a:rPr lang="en-GB" sz="3200" dirty="0"/>
+                  <a:t>to </a:t>
+                </a:r>
+                <a:r>
+                  <a:rPr lang="en-GB" sz="3200" dirty="0" smtClean="0"/>
+                  <a:t>optimum, which could be a local optimum depending </a:t>
+                </a:r>
+                <a:r>
+                  <a:rPr lang="en-GB" sz="3200" dirty="0"/>
+                  <a:t>on the starting values</a:t>
                 </a:r>
               </a:p>
               <a:p>
@@ -6550,9 +6593,20 @@
                 </a:pPr>
                 <a:r>
                   <a:rPr lang="en-GB" sz="3200" dirty="0" smtClean="0"/>
-                  <a:t>EM algorithm consists basically two iteratively applied steps:</a:t>
+                  <a:t>EM </a:t>
                 </a:r>
-                <a:endParaRPr lang="en-GB" sz="3200" dirty="0" smtClean="0"/>
+                <a:r>
+                  <a:rPr lang="en-GB" sz="3200" dirty="0" smtClean="0"/>
+                  <a:t>algorithm consists </a:t>
+                </a:r>
+                <a:r>
+                  <a:rPr lang="en-GB" sz="3200" dirty="0" smtClean="0"/>
+                  <a:t>of </a:t>
+                </a:r>
+                <a:r>
+                  <a:rPr lang="en-GB" sz="3200" dirty="0" smtClean="0"/>
+                  <a:t>two iteratively applied steps:</a:t>
+                </a:r>
               </a:p>
               <a:p>
                 <a:pPr lvl="1">
@@ -7402,11 +7456,7 @@
                 </a:r>
                 <a:r>
                   <a:rPr lang="en-GB" sz="3200" dirty="0" smtClean="0"/>
-                  <a:t>Calculate change in estimated </a:t>
-                </a:r>
-                <a:r>
-                  <a:rPr lang="en-GB" sz="3200" dirty="0" smtClean="0"/>
-                  <a:t>parameters</a:t>
+                  <a:t>Calculate change in estimated parameters</a:t>
                 </a:r>
                 <a:endParaRPr lang="en-GB" sz="3200" dirty="0"/>
               </a:p>
@@ -7554,55 +7604,6 @@
                 </a14:m>
                 <a:endParaRPr lang="en-GB" sz="3200" dirty="0"/>
               </a:p>
-              <a:p>
-                <a:pPr>
-                  <a:spcAft>
-                    <a:spcPts val="1200"/>
-                  </a:spcAft>
-                </a:pPr>
-                <a:r>
-                  <a:rPr lang="en-GB" sz="3200" dirty="0"/>
-                  <a:t>	</a:t>
-                </a:r>
-              </a:p>
-              <a:p>
-                <a:pPr marL="285750" indent="-285750">
-                  <a:spcAft>
-                    <a:spcPts val="1200"/>
-                  </a:spcAft>
-                  <a:buFont typeface="Arial" pitchFamily="34" charset="0"/>
-                  <a:buChar char="•"/>
-                </a:pPr>
-                <a:r>
-                  <a:rPr lang="en-GB" sz="3200" dirty="0" smtClean="0"/>
-                  <a:t>Notes:</a:t>
-                </a:r>
-              </a:p>
-              <a:p>
-                <a:pPr>
-                  <a:spcAft>
-                    <a:spcPts val="1200"/>
-                  </a:spcAft>
-                </a:pPr>
-                <a:r>
-                  <a:rPr lang="en-GB" sz="3200" dirty="0" smtClean="0"/>
-                  <a:t>EM </a:t>
-                </a:r>
-                <a:r>
-                  <a:rPr lang="en-GB" sz="3200" dirty="0"/>
-                  <a:t>algorithm may only converge to a local optimum depending on the starting values</a:t>
-                </a:r>
-              </a:p>
-              <a:p>
-                <a:pPr marL="285750" indent="-285750">
-                  <a:spcAft>
-                    <a:spcPts val="1200"/>
-                  </a:spcAft>
-                  <a:buFont typeface="Arial" pitchFamily="34" charset="0"/>
-                  <a:buChar char="•"/>
-                </a:pPr>
-                <a:endParaRPr lang="en-GB" sz="2800" dirty="0"/>
-              </a:p>
             </p:txBody>
           </p:sp>
         </mc:Choice>
@@ -7618,7 +7619,7 @@
             <p:spPr>
               <a:xfrm>
                 <a:off x="1255173" y="14948470"/>
-                <a:ext cx="9344945" cy="13638285"/>
+                <a:ext cx="9344945" cy="12253291"/>
               </a:xfrm>
               <a:prstGeom prst="rect">
                 <a:avLst/>
@@ -7626,7 +7627,7 @@
               <a:blipFill rotWithShape="1">
                 <a:blip r:embed="rId6"/>
                 <a:stretch>
-                  <a:fillRect l="-1696" t="-581"/>
+                  <a:fillRect l="-1500" t="-647" b="-746"/>
                 </a:stretch>
               </a:blipFill>
             </p:spPr>
@@ -7749,8 +7750,8 @@
         </p:nvSpPr>
         <p:spPr>
           <a:xfrm>
-            <a:off x="21867864" y="16814240"/>
-            <a:ext cx="9344943" cy="11494059"/>
+            <a:off x="21874539" y="17132565"/>
+            <a:ext cx="9344943" cy="11175736"/>
           </a:xfrm>
           <a:prstGeom prst="rect">
             <a:avLst/>
@@ -7853,7 +7854,7 @@
         </p:nvSpPr>
         <p:spPr>
           <a:xfrm>
-            <a:off x="21913006" y="16875503"/>
+            <a:off x="21919681" y="17193827"/>
             <a:ext cx="6281745" cy="636648"/>
           </a:xfrm>
           <a:prstGeom prst="rect">
@@ -8006,7 +8007,6 @@
               <a:rPr lang="en-GB" sz="3200" dirty="0" smtClean="0"/>
               <a:t>Accuracy decreases with large fraction of missing values in data</a:t>
             </a:r>
-            <a:endParaRPr lang="en-GB" sz="3200" dirty="0" smtClean="0"/>
           </a:p>
           <a:p>
             <a:pPr marL="285750" indent="-285750">
@@ -8018,11 +8018,7 @@
             </a:pPr>
             <a:r>
               <a:rPr lang="en-GB" sz="3200" dirty="0" smtClean="0"/>
-              <a:t>Large number of observations </a:t>
-            </a:r>
-            <a:r>
-              <a:rPr lang="en-GB" sz="3200" dirty="0" smtClean="0"/>
-              <a:t>needed, especially if in case of relatively many missing values</a:t>
+              <a:t>Large number of observations needed, especially if in case of relatively many missing values</a:t>
             </a:r>
             <a:endParaRPr lang="en-GB" sz="3200" dirty="0"/>
           </a:p>
@@ -8036,8 +8032,8 @@
         </p:nvSpPr>
         <p:spPr>
           <a:xfrm>
-            <a:off x="32178498" y="23375263"/>
-            <a:ext cx="9344942" cy="4031873"/>
+            <a:off x="32178496" y="20437316"/>
+            <a:ext cx="9344942" cy="7048083"/>
           </a:xfrm>
           <a:prstGeom prst="rect">
             <a:avLst/>
@@ -8050,140 +8046,119 @@
           </a:bodyPr>
           <a:lstStyle/>
           <a:p>
-            <a:pPr marL="457200" indent="-457200">
-              <a:buFont typeface="Arial" pitchFamily="34" charset="0"/>
-              <a:buChar char="•"/>
-            </a:pPr>
+            <a:pPr marL="314325" indent="-314325"/>
             <a:r>
-              <a:rPr lang="de-DE" sz="3200" dirty="0"/>
-              <a:t>Meng, X.-L. &amp; Rubin, D. B. (1991), ‘</a:t>
+              <a:rPr lang="en-US" sz="2800" dirty="0" err="1" smtClean="0"/>
+              <a:t>Dempster</a:t>
             </a:r>
             <a:r>
-              <a:rPr lang="de-DE" sz="3200" dirty="0" err="1"/>
-              <a:t>Using</a:t>
+              <a:rPr lang="en-US" sz="2800" dirty="0"/>
+              <a:t>, A. P., Laird, N. M., &amp; Rubin, D. B. (1977). Maximum likelihood from incomplete data via the EM algorithm. </a:t>
             </a:r>
             <a:r>
-              <a:rPr lang="de-DE" sz="3200" dirty="0"/>
-              <a:t> </a:t>
+              <a:rPr lang="en-US" sz="2800" i="1" dirty="0"/>
+              <a:t>Journal of the royal statistical society. Series B (methodological)</a:t>
             </a:r>
             <a:r>
-              <a:rPr lang="de-DE" sz="3200" dirty="0" err="1"/>
-              <a:t>em</a:t>
+              <a:rPr lang="en-US" sz="2800" dirty="0"/>
+              <a:t>, 1-38</a:t>
             </a:r>
             <a:r>
-              <a:rPr lang="de-DE" sz="3200" dirty="0"/>
-              <a:t> </a:t>
+              <a:rPr lang="en-US" sz="2800" dirty="0" smtClean="0"/>
+              <a:t>. </a:t>
+            </a:r>
+          </a:p>
+          <a:p>
+            <a:pPr marL="314325" indent="-314325"/>
+            <a:r>
+              <a:rPr lang="en-US" sz="2800" dirty="0" smtClean="0"/>
+              <a:t>McLachlan</a:t>
             </a:r>
             <a:r>
-              <a:rPr lang="de-DE" sz="3200" dirty="0" err="1"/>
-              <a:t>to</a:t>
+              <a:rPr lang="en-US" sz="2800" dirty="0"/>
+              <a:t>, G., &amp; Krishnan, T. (2007). </a:t>
             </a:r>
             <a:r>
-              <a:rPr lang="de-DE" sz="3200" dirty="0"/>
-              <a:t> </a:t>
-            </a:r>
-            <a:r>
-              <a:rPr lang="de-DE" sz="3200" dirty="0" err="1"/>
-              <a:t>obtain</a:t>
-            </a:r>
-            <a:r>
-              <a:rPr lang="de-DE" sz="3200" dirty="0"/>
-              <a:t> </a:t>
-            </a:r>
-            <a:r>
-              <a:rPr lang="de-DE" sz="3200" dirty="0" err="1"/>
-              <a:t>asymptotic</a:t>
-            </a:r>
-            <a:r>
-              <a:rPr lang="de-DE" sz="3200" dirty="0"/>
-              <a:t> </a:t>
-            </a:r>
-            <a:r>
-              <a:rPr lang="de-DE" sz="3200" dirty="0" err="1"/>
-              <a:t>variance</a:t>
-            </a:r>
-            <a:r>
-              <a:rPr lang="de-DE" sz="3200" dirty="0"/>
-              <a:t>- </a:t>
-            </a:r>
-            <a:r>
-              <a:rPr lang="de-DE" sz="3200" dirty="0" err="1"/>
-              <a:t>covariance</a:t>
-            </a:r>
-            <a:r>
-              <a:rPr lang="de-DE" sz="3200" dirty="0"/>
-              <a:t> </a:t>
-            </a:r>
-            <a:r>
-              <a:rPr lang="de-DE" sz="3200" dirty="0" err="1"/>
-              <a:t>matrices</a:t>
-            </a:r>
-            <a:r>
-              <a:rPr lang="de-DE" sz="3200" dirty="0"/>
-              <a:t>: The </a:t>
-            </a:r>
-            <a:r>
-              <a:rPr lang="de-DE" sz="3200" dirty="0" err="1"/>
-              <a:t>sem</a:t>
-            </a:r>
-            <a:r>
-              <a:rPr lang="de-DE" sz="3200" dirty="0"/>
-              <a:t> </a:t>
-            </a:r>
-            <a:r>
-              <a:rPr lang="de-DE" sz="3200" dirty="0" err="1"/>
-              <a:t>algorithm</a:t>
-            </a:r>
-            <a:r>
-              <a:rPr lang="de-DE" sz="3200" dirty="0"/>
-              <a:t>’, Journal </a:t>
-            </a:r>
-            <a:r>
-              <a:rPr lang="de-DE" sz="3200" dirty="0" err="1"/>
-              <a:t>of</a:t>
-            </a:r>
-            <a:r>
-              <a:rPr lang="de-DE" sz="3200" dirty="0"/>
-              <a:t> </a:t>
-            </a:r>
-            <a:r>
-              <a:rPr lang="de-DE" sz="3200" dirty="0" err="1"/>
-              <a:t>the</a:t>
-            </a:r>
-            <a:r>
-              <a:rPr lang="de-DE" sz="3200" dirty="0"/>
-              <a:t> American Statistical </a:t>
-            </a:r>
-            <a:r>
-              <a:rPr lang="de-DE" sz="3200" dirty="0" err="1"/>
-              <a:t>Association</a:t>
-            </a:r>
-            <a:r>
-              <a:rPr lang="de-DE" sz="3200" dirty="0"/>
-              <a:t> 86(416), 899. </a:t>
-            </a:r>
-            <a:endParaRPr lang="de-DE" sz="3200" dirty="0" smtClean="0"/>
-          </a:p>
-          <a:p>
-            <a:pPr marL="457200" indent="-457200">
-              <a:buFont typeface="Arial" pitchFamily="34" charset="0"/>
-              <a:buChar char="•"/>
-            </a:pPr>
-            <a:r>
-              <a:rPr lang="en-US" sz="3200" dirty="0"/>
-              <a:t>McLachlan, G., &amp; Krishnan, T. (2007). </a:t>
-            </a:r>
-            <a:r>
-              <a:rPr lang="en-US" sz="3200" i="1" dirty="0"/>
+              <a:rPr lang="en-US" sz="2800" i="1" dirty="0"/>
               <a:t>The EM algorithm and extensions</a:t>
             </a:r>
             <a:r>
-              <a:rPr lang="en-US" sz="3200" dirty="0"/>
-              <a:t> (Vol. 382). John Wiley &amp; Sons.</a:t>
+              <a:rPr lang="en-US" sz="2800" dirty="0"/>
+              <a:t> (Vol. 382). John Wiley &amp; Sons</a:t>
             </a:r>
-          </a:p>
-          <a:p>
-            <a:pPr marL="457200" indent="-457200">
+            <a:r>
+              <a:rPr lang="en-US" sz="2800" dirty="0" smtClean="0"/>
+              <a:t>.</a:t>
+            </a:r>
+          </a:p>
+          <a:p>
+            <a:pPr marL="314325" indent="-314325"/>
+            <a:r>
+              <a:rPr lang="en-US" sz="2800" dirty="0" err="1"/>
+              <a:t>Meng</a:t>
+            </a:r>
+            <a:r>
+              <a:rPr lang="en-US" sz="2800" dirty="0"/>
+              <a:t>, X. L., &amp; Rubin, D. B. (1991). Using EM to obtain asymptotic variance-covariance matrices: The SEM algorithm. </a:t>
+            </a:r>
+            <a:r>
+              <a:rPr lang="en-US" sz="2800" i="1" dirty="0"/>
+              <a:t>Journal of the American Statistical Association</a:t>
+            </a:r>
+            <a:r>
+              <a:rPr lang="en-US" sz="2800" dirty="0"/>
+              <a:t>, </a:t>
+            </a:r>
+            <a:r>
+              <a:rPr lang="en-US" sz="2800" i="1" dirty="0"/>
+              <a:t>86</a:t>
+            </a:r>
+            <a:r>
+              <a:rPr lang="en-US" sz="2800" dirty="0"/>
+              <a:t>(416), 899-909.</a:t>
+            </a:r>
+          </a:p>
+          <a:p>
+            <a:pPr marL="314325" indent="-314325"/>
+            <a:r>
+              <a:rPr lang="en-US" sz="2800" dirty="0" smtClean="0"/>
+              <a:t>Little</a:t>
+            </a:r>
+            <a:r>
+              <a:rPr lang="en-US" sz="2800" dirty="0"/>
+              <a:t>, R. J., &amp; Rubin, D. B. (2014). </a:t>
+            </a:r>
+            <a:r>
+              <a:rPr lang="en-US" sz="2800" i="1" dirty="0"/>
+              <a:t>Statistical analysis with missing data</a:t>
+            </a:r>
+            <a:r>
+              <a:rPr lang="en-US" sz="2800" dirty="0"/>
+              <a:t> (Vol. 333). John Wiley &amp; Sons.</a:t>
+            </a:r>
+          </a:p>
+          <a:p>
+            <a:pPr marL="314325" indent="-314325"/>
+            <a:r>
+              <a:rPr lang="en-US" sz="2800" dirty="0" err="1" smtClean="0"/>
+              <a:t>Pritikin</a:t>
+            </a:r>
+            <a:r>
+              <a:rPr lang="en-US" sz="2800" dirty="0"/>
+              <a:t>, J. N. (2016). A computational note on the application of the Supplemented EM algorithm to item response models. </a:t>
+            </a:r>
+            <a:r>
+              <a:rPr lang="en-US" sz="2800" dirty="0" err="1"/>
+              <a:t>arXiv</a:t>
+            </a:r>
+            <a:r>
+              <a:rPr lang="en-US" sz="2800" dirty="0"/>
+              <a:t> preprint arXiv:1605.00860.</a:t>
+            </a:r>
+            <a:endParaRPr lang="en-US" sz="2800" dirty="0"/>
+          </a:p>
+          <a:p>
+            <a:pPr marL="314325" indent="-314325">
               <a:buFont typeface="Arial" pitchFamily="34" charset="0"/>
               <a:buChar char="•"/>
             </a:pPr>
@@ -8191,8 +8166,8 @@
           </a:p>
         </p:txBody>
       </p:sp>
-      <mc:AlternateContent xmlns:mc="http://schemas.openxmlformats.org/markup-compatibility/2006">
-        <mc:Choice xmlns:a14="http://schemas.microsoft.com/office/drawing/2010/main" Requires="a14">
+      <mc:AlternateContent xmlns:mc="http://schemas.openxmlformats.org/markup-compatibility/2006" xmlns:a14="http://schemas.microsoft.com/office/drawing/2010/main">
+        <mc:Choice Requires="a14">
           <p:graphicFrame>
             <p:nvGraphicFramePr>
               <p:cNvPr id="14" name="Tabelle 13"/>
@@ -8221,21 +8196,21 @@
                     <a:gridCol w="2417106">
                       <a:extLst>
                         <a:ext uri="{9D8B030D-6E8A-4147-A177-3AD203B41FA5}">
-                          <a16:colId xmlns:a16="http://schemas.microsoft.com/office/drawing/2014/main" xmlns="" val="20000"/>
+                          <a16:colId xmlns="" xmlns:a16="http://schemas.microsoft.com/office/drawing/2014/main" val="20000"/>
                         </a:ext>
                       </a:extLst>
                     </a:gridCol>
                     <a:gridCol w="2417106">
                       <a:extLst>
                         <a:ext uri="{9D8B030D-6E8A-4147-A177-3AD203B41FA5}">
-                          <a16:colId xmlns:a16="http://schemas.microsoft.com/office/drawing/2014/main" xmlns="" val="20001"/>
+                          <a16:colId xmlns="" xmlns:a16="http://schemas.microsoft.com/office/drawing/2014/main" val="20001"/>
                         </a:ext>
                       </a:extLst>
                     </a:gridCol>
                     <a:gridCol w="2422928">
                       <a:extLst>
                         <a:ext uri="{9D8B030D-6E8A-4147-A177-3AD203B41FA5}">
-                          <a16:colId xmlns:a16="http://schemas.microsoft.com/office/drawing/2014/main" xmlns="" val="20002"/>
+                          <a16:colId xmlns="" xmlns:a16="http://schemas.microsoft.com/office/drawing/2014/main" val="20002"/>
                         </a:ext>
                       </a:extLst>
                     </a:gridCol>
@@ -8432,7 +8407,7 @@
                     </a:tc>
                     <a:extLst>
                       <a:ext uri="{0D108BD9-81ED-4DB2-BD59-A6C34878D82A}">
-                        <a16:rowId xmlns:a16="http://schemas.microsoft.com/office/drawing/2014/main" xmlns="" val="10000"/>
+                        <a16:rowId xmlns="" xmlns:a16="http://schemas.microsoft.com/office/drawing/2014/main" val="10000"/>
                       </a:ext>
                     </a:extLst>
                   </a:tr>
@@ -8601,7 +8576,7 @@
                     </a:tc>
                     <a:extLst>
                       <a:ext uri="{0D108BD9-81ED-4DB2-BD59-A6C34878D82A}">
-                        <a16:rowId xmlns:a16="http://schemas.microsoft.com/office/drawing/2014/main" xmlns="" val="10001"/>
+                        <a16:rowId xmlns="" xmlns:a16="http://schemas.microsoft.com/office/drawing/2014/main" val="10001"/>
                       </a:ext>
                     </a:extLst>
                   </a:tr>
@@ -8764,7 +8739,7 @@
                     </a:tc>
                     <a:extLst>
                       <a:ext uri="{0D108BD9-81ED-4DB2-BD59-A6C34878D82A}">
-                        <a16:rowId xmlns:a16="http://schemas.microsoft.com/office/drawing/2014/main" xmlns="" val="10002"/>
+                        <a16:rowId xmlns="" xmlns:a16="http://schemas.microsoft.com/office/drawing/2014/main" val="10002"/>
                       </a:ext>
                     </a:extLst>
                   </a:tr>
@@ -8927,7 +8902,7 @@
                     </a:tc>
                     <a:extLst>
                       <a:ext uri="{0D108BD9-81ED-4DB2-BD59-A6C34878D82A}">
-                        <a16:rowId xmlns:a16="http://schemas.microsoft.com/office/drawing/2014/main" xmlns="" val="10003"/>
+                        <a16:rowId xmlns="" xmlns:a16="http://schemas.microsoft.com/office/drawing/2014/main" val="10003"/>
                       </a:ext>
                     </a:extLst>
                   </a:tr>
@@ -9090,7 +9065,7 @@
                     </a:tc>
                     <a:extLst>
                       <a:ext uri="{0D108BD9-81ED-4DB2-BD59-A6C34878D82A}">
-                        <a16:rowId xmlns:a16="http://schemas.microsoft.com/office/drawing/2014/main" xmlns="" val="10004"/>
+                        <a16:rowId xmlns="" xmlns:a16="http://schemas.microsoft.com/office/drawing/2014/main" val="10004"/>
                       </a:ext>
                     </a:extLst>
                   </a:tr>
@@ -9253,7 +9228,7 @@
                     </a:tc>
                     <a:extLst>
                       <a:ext uri="{0D108BD9-81ED-4DB2-BD59-A6C34878D82A}">
-                        <a16:rowId xmlns:a16="http://schemas.microsoft.com/office/drawing/2014/main" xmlns="" val="10005"/>
+                        <a16:rowId xmlns="" xmlns:a16="http://schemas.microsoft.com/office/drawing/2014/main" val="10005"/>
                       </a:ext>
                     </a:extLst>
                   </a:tr>
@@ -9416,7 +9391,7 @@
                     </a:tc>
                     <a:extLst>
                       <a:ext uri="{0D108BD9-81ED-4DB2-BD59-A6C34878D82A}">
-                        <a16:rowId xmlns:a16="http://schemas.microsoft.com/office/drawing/2014/main" xmlns="" val="10006"/>
+                        <a16:rowId xmlns="" xmlns:a16="http://schemas.microsoft.com/office/drawing/2014/main" val="10006"/>
                       </a:ext>
                     </a:extLst>
                   </a:tr>
@@ -9899,7 +9874,7 @@
             </a:graphic>
           </p:graphicFrame>
         </mc:Choice>
-        <mc:Fallback>
+        <mc:Fallback xmlns="">
           <p:graphicFrame>
             <p:nvGraphicFramePr>
               <p:cNvPr id="14" name="Tabelle 13"/>
@@ -11887,14 +11862,7 @@
                     <a:ea typeface="Cambria Math" charset="0"/>
                     <a:cs typeface="Cambria Math" charset="0"/>
                   </a:rPr>
-                  <a:t> </a:t>
-                </a:r>
-                <a:r>
-                  <a:rPr lang="de-DE" sz="3200" dirty="0" smtClean="0">
-                    <a:ea typeface="Cambria Math" charset="0"/>
-                    <a:cs typeface="Cambria Math" charset="0"/>
-                  </a:rPr>
-                  <a:t>data in </a:t>
+                  <a:t> data in </a:t>
                 </a:r>
                 <a14:m>
                   <m:oMath xmlns:m="http://schemas.openxmlformats.org/officeDocument/2006/math">
@@ -12324,11 +12292,7 @@
                 </a:r>
                 <a:r>
                   <a:rPr lang="en-US" sz="3200" dirty="0" smtClean="0"/>
-                  <a:t>number of </a:t>
-                </a:r>
-                <a:r>
-                  <a:rPr lang="en-US" sz="3200" dirty="0" smtClean="0"/>
-                  <a:t>observations (</a:t>
+                  <a:t>number of observations (</a:t>
                 </a:r>
                 <a14:m>
                   <m:oMath xmlns:m="http://schemas.openxmlformats.org/officeDocument/2006/math">
@@ -12366,7 +12330,15 @@
                 </a:pPr>
                 <a:r>
                   <a:rPr lang="en-US" sz="3200" dirty="0" smtClean="0"/>
-                  <a:t>Running the simulation with nine combinations:</a:t>
+                  <a:t>Simulation is run </a:t>
+                </a:r>
+                <a:r>
+                  <a:rPr lang="en-US" sz="3200" dirty="0" smtClean="0"/>
+                  <a:t>with </a:t>
+                </a:r>
+                <a:r>
+                  <a:rPr lang="en-US" sz="3200" dirty="0" smtClean="0"/>
+                  <a:t>nine combinations:</a:t>
                 </a:r>
               </a:p>
             </p:txBody>
@@ -12419,8 +12391,8 @@
         </p:nvSpPr>
         <p:spPr>
           <a:xfrm>
-            <a:off x="22645460" y="19197658"/>
-            <a:ext cx="2228850" cy="2228196"/>
+            <a:off x="22079684" y="19515982"/>
+            <a:ext cx="2801301" cy="2542182"/>
           </a:xfrm>
           <a:prstGeom prst="roundRect">
             <a:avLst/>
@@ -12457,8 +12429,8 @@
         </p:nvSpPr>
         <p:spPr>
           <a:xfrm>
-            <a:off x="25496127" y="19197658"/>
-            <a:ext cx="2228850" cy="2228196"/>
+            <a:off x="25159043" y="19515982"/>
+            <a:ext cx="2801301" cy="2542182"/>
           </a:xfrm>
           <a:prstGeom prst="roundRect">
             <a:avLst/>
@@ -12495,8 +12467,8 @@
         </p:nvSpPr>
         <p:spPr>
           <a:xfrm>
-            <a:off x="28297428" y="19197658"/>
-            <a:ext cx="2228850" cy="2228196"/>
+            <a:off x="28201425" y="19515982"/>
+            <a:ext cx="2801301" cy="2542182"/>
           </a:xfrm>
           <a:prstGeom prst="roundRect">
             <a:avLst/>
@@ -12533,8 +12505,8 @@
         </p:nvSpPr>
         <p:spPr>
           <a:xfrm>
-            <a:off x="22645460" y="22028021"/>
-            <a:ext cx="2228850" cy="2228196"/>
+            <a:off x="22079684" y="22346345"/>
+            <a:ext cx="2801301" cy="2542182"/>
           </a:xfrm>
           <a:prstGeom prst="roundRect">
             <a:avLst/>
@@ -12571,8 +12543,8 @@
         </p:nvSpPr>
         <p:spPr>
           <a:xfrm>
-            <a:off x="25483442" y="22028021"/>
-            <a:ext cx="2228850" cy="2228196"/>
+            <a:off x="25146358" y="22346345"/>
+            <a:ext cx="2801301" cy="2542182"/>
           </a:xfrm>
           <a:prstGeom prst="roundRect">
             <a:avLst/>
@@ -12609,8 +12581,8 @@
         </p:nvSpPr>
         <p:spPr>
           <a:xfrm>
-            <a:off x="28297428" y="22028021"/>
-            <a:ext cx="2228850" cy="2228196"/>
+            <a:off x="28201425" y="22346345"/>
+            <a:ext cx="2801301" cy="2542182"/>
           </a:xfrm>
           <a:prstGeom prst="roundRect">
             <a:avLst/>
@@ -12647,8 +12619,8 @@
         </p:nvSpPr>
         <p:spPr>
           <a:xfrm>
-            <a:off x="22645460" y="24760258"/>
-            <a:ext cx="2228850" cy="2228196"/>
+            <a:off x="22079684" y="25078582"/>
+            <a:ext cx="2801301" cy="2542182"/>
           </a:xfrm>
           <a:prstGeom prst="roundRect">
             <a:avLst/>
@@ -12685,8 +12657,8 @@
         </p:nvSpPr>
         <p:spPr>
           <a:xfrm>
-            <a:off x="25483442" y="24760258"/>
-            <a:ext cx="2228850" cy="2228196"/>
+            <a:off x="25146358" y="25078582"/>
+            <a:ext cx="2801301" cy="2542182"/>
           </a:xfrm>
           <a:prstGeom prst="roundRect">
             <a:avLst/>
@@ -12723,8 +12695,8 @@
         </p:nvSpPr>
         <p:spPr>
           <a:xfrm>
-            <a:off x="28297428" y="24760258"/>
-            <a:ext cx="2228850" cy="2228196"/>
+            <a:off x="28201425" y="25078582"/>
+            <a:ext cx="2801301" cy="2542182"/>
           </a:xfrm>
           <a:prstGeom prst="roundRect">
             <a:avLst/>
@@ -12763,7 +12735,7 @@
         </p:nvSpPr>
         <p:spPr bwMode="auto">
           <a:xfrm>
-            <a:off x="32178498" y="12290551"/>
+            <a:off x="32178498" y="12022206"/>
             <a:ext cx="9344944" cy="827153"/>
           </a:xfrm>
           <a:prstGeom prst="rect">
@@ -12822,8 +12794,8 @@
         </p:nvSpPr>
         <p:spPr>
           <a:xfrm>
-            <a:off x="32178499" y="12268625"/>
-            <a:ext cx="9344943" cy="5011237"/>
+            <a:off x="32178499" y="12000280"/>
+            <a:ext cx="9344943" cy="6929033"/>
           </a:xfrm>
           <a:prstGeom prst="rect">
             <a:avLst/>
@@ -12870,7 +12842,7 @@
         </p:nvSpPr>
         <p:spPr>
           <a:xfrm>
-            <a:off x="32178498" y="12349233"/>
+            <a:off x="32178498" y="12080888"/>
             <a:ext cx="8959430" cy="636648"/>
           </a:xfrm>
           <a:prstGeom prst="rect">
@@ -12916,8 +12888,8 @@
         </p:nvSpPr>
         <p:spPr>
           <a:xfrm>
-            <a:off x="32178502" y="13149599"/>
-            <a:ext cx="9344942" cy="2215991"/>
+            <a:off x="32178502" y="12881254"/>
+            <a:ext cx="9344942" cy="5786199"/>
           </a:xfrm>
           <a:prstGeom prst="rect">
             <a:avLst/>
@@ -12939,8 +12911,29 @@
             </a:pPr>
             <a:r>
               <a:rPr lang="en-GB" sz="3200" dirty="0"/>
-              <a:t>SEM is established in which open-source or commercial program?</a:t>
+              <a:t>SEM </a:t>
             </a:r>
+            <a:r>
+              <a:rPr lang="en-GB" sz="3200" dirty="0" smtClean="0"/>
+              <a:t>still used as an alternative to </a:t>
+            </a:r>
+            <a:r>
+              <a:rPr lang="en-GB" sz="3200" dirty="0"/>
+              <a:t>multiple imputation </a:t>
+            </a:r>
+            <a:r>
+              <a:rPr lang="en-GB" sz="3200" dirty="0" smtClean="0"/>
+              <a:t>and bootstrapping</a:t>
+            </a:r>
+            <a:r>
+              <a:rPr lang="en-GB" sz="3200" dirty="0"/>
+              <a:t> </a:t>
+            </a:r>
+            <a:r>
+              <a:rPr lang="en-GB" sz="3200" dirty="0" smtClean="0"/>
+              <a:t>methods</a:t>
+            </a:r>
+            <a:endParaRPr lang="en-GB" sz="3200" dirty="0"/>
           </a:p>
           <a:p>
             <a:pPr marL="285750" indent="-285750">
@@ -12951,12 +12944,138 @@
               <a:buChar char="•"/>
             </a:pPr>
             <a:r>
-              <a:rPr lang="en-GB" sz="3200" dirty="0"/>
-              <a:t>Since 1996, has SEM established or are there better methods?</a:t>
+              <a:rPr lang="en-GB" sz="3200" dirty="0" smtClean="0"/>
+              <a:t>EM widely established in open-source and commercial statistical programs</a:t>
             </a:r>
+          </a:p>
+          <a:p>
+            <a:pPr marL="285750" indent="-285750">
+              <a:spcAft>
+                <a:spcPts val="1200"/>
+              </a:spcAft>
+              <a:buFont typeface="Arial" pitchFamily="34" charset="0"/>
+              <a:buChar char="•"/>
+            </a:pPr>
+            <a:r>
+              <a:rPr lang="en-GB" sz="3200" dirty="0" smtClean="0"/>
+              <a:t>SEM only rarely implemented</a:t>
+            </a:r>
+          </a:p>
+          <a:p>
+            <a:pPr marL="285750" indent="-285750">
+              <a:spcAft>
+                <a:spcPts val="1200"/>
+              </a:spcAft>
+              <a:buFont typeface="Arial" pitchFamily="34" charset="0"/>
+              <a:buChar char="•"/>
+            </a:pPr>
+            <a:r>
+              <a:rPr lang="en-GB" sz="3200" dirty="0" smtClean="0"/>
+              <a:t>Implementations in IRTPRO and R (openmx, coarseDataTools)</a:t>
+            </a:r>
+          </a:p>
+          <a:p>
+            <a:pPr marL="285750" indent="-285750">
+              <a:spcAft>
+                <a:spcPts val="1200"/>
+              </a:spcAft>
+              <a:buFont typeface="Arial" pitchFamily="34" charset="0"/>
+              <a:buChar char="•"/>
+            </a:pPr>
+            <a:r>
+              <a:rPr lang="en-GB" sz="3200" dirty="0" smtClean="0"/>
+              <a:t>SEM mostly used in item response problems</a:t>
+            </a:r>
+          </a:p>
+          <a:p>
+            <a:pPr marL="285750" indent="-285750">
+              <a:spcAft>
+                <a:spcPts val="1200"/>
+              </a:spcAft>
+              <a:buFont typeface="Arial" pitchFamily="34" charset="0"/>
+              <a:buChar char="•"/>
+            </a:pPr>
+            <a:r>
+              <a:rPr lang="en-GB" sz="3200" dirty="0" smtClean="0"/>
+              <a:t>Refinements of SEM, like agile-SEM for item response models</a:t>
+            </a:r>
+            <a:endParaRPr lang="en-GB" sz="3200" dirty="0"/>
           </a:p>
         </p:txBody>
       </p:sp>
+      <p:sp>
+        <p:nvSpPr>
+          <p:cNvPr id="4" name="Ellipse 3"/>
+          <p:cNvSpPr/>
+          <p:nvPr/>
+        </p:nvSpPr>
+        <p:spPr>
+          <a:xfrm>
+            <a:off x="1233713" y="1158189"/>
+            <a:ext cx="3719737" cy="3592434"/>
+          </a:xfrm>
+          <a:prstGeom prst="ellipse">
+            <a:avLst/>
+          </a:prstGeom>
+          <a:solidFill>
+            <a:schemeClr val="bg1"/>
+          </a:solidFill>
+        </p:spPr>
+        <p:style>
+          <a:lnRef idx="1">
+            <a:schemeClr val="accent1"/>
+          </a:lnRef>
+          <a:fillRef idx="3">
+            <a:schemeClr val="accent1"/>
+          </a:fillRef>
+          <a:effectRef idx="2">
+            <a:schemeClr val="accent1"/>
+          </a:effectRef>
+          <a:fontRef idx="minor">
+            <a:schemeClr val="lt1"/>
+          </a:fontRef>
+        </p:style>
+        <p:txBody>
+          <a:bodyPr rtlCol="0" anchor="ctr"/>
+          <a:lstStyle/>
+          <a:p>
+            <a:pPr algn="ctr"/>
+            <a:endParaRPr lang="de-DE"/>
+          </a:p>
+        </p:txBody>
+      </p:sp>
+      <p:pic>
+        <p:nvPicPr>
+          <p:cNvPr id="1026" name="Picture 2" descr="C:\Users\Freddi\Desktop\1024px-Otto-Friedrich-Universität_Bamberg_logo_svg.png"/>
+          <p:cNvPicPr>
+            <a:picLocks noChangeAspect="1" noChangeArrowheads="1"/>
+          </p:cNvPicPr>
+          <p:nvPr/>
+        </p:nvPicPr>
+        <p:blipFill>
+          <a:blip r:embed="rId9">
+            <a:extLst>
+              <a:ext uri="{28A0092B-C50C-407E-A947-70E740481C1C}">
+                <a14:useLocalDpi xmlns:a14="http://schemas.microsoft.com/office/drawing/2010/main" val="0"/>
+              </a:ext>
+            </a:extLst>
+          </a:blip>
+          <a:srcRect/>
+          <a:stretch>
+            <a:fillRect/>
+          </a:stretch>
+        </p:blipFill>
+        <p:spPr bwMode="auto">
+          <a:xfrm>
+            <a:off x="1233713" y="1197950"/>
+            <a:ext cx="3592431" cy="3592431"/>
+          </a:xfrm>
+          <a:prstGeom prst="rect">
+            <a:avLst/>
+          </a:prstGeom>
+          <a:noFill/>
+        </p:spPr>
+      </p:pic>
     </p:spTree>
     <p:extLst>
       <p:ext uri="{BB962C8B-B14F-4D97-AF65-F5344CB8AC3E}">

--- a/poster/poster_template.pptx
+++ b/poster/poster_template.pptx
@@ -106,7 +106,7 @@
   </p:defaultTextStyle>
   <p:extLst>
     <p:ext uri="{EFAFB233-063F-42B5-8137-9DF3F51BA10A}">
-      <p15:sldGuideLst xmlns="" xmlns:p15="http://schemas.microsoft.com/office/powerpoint/2012/main">
+      <p15:sldGuideLst xmlns:p15="http://schemas.microsoft.com/office/powerpoint/2012/main">
         <p15:guide id="1" orient="horz" pos="9536" userDrawn="1">
           <p15:clr>
             <a:srgbClr val="A4A3A4"/>
@@ -316,7 +316,7 @@
           <a:p>
             <a:fld id="{0B7A2DEA-69B7-D343-870B-04A176525892}" type="datetimeFigureOut">
               <a:rPr lang="de-DE" smtClean="0"/>
-              <a:t>27.01.2018</a:t>
+              <a:t>28.01.18</a:t>
             </a:fld>
             <a:endParaRPr lang="en-US"/>
           </a:p>
@@ -486,7 +486,7 @@
           <a:p>
             <a:fld id="{0B7A2DEA-69B7-D343-870B-04A176525892}" type="datetimeFigureOut">
               <a:rPr lang="de-DE" smtClean="0"/>
-              <a:t>27.01.2018</a:t>
+              <a:t>28.01.18</a:t>
             </a:fld>
             <a:endParaRPr lang="en-US"/>
           </a:p>
@@ -666,7 +666,7 @@
           <a:p>
             <a:fld id="{0B7A2DEA-69B7-D343-870B-04A176525892}" type="datetimeFigureOut">
               <a:rPr lang="de-DE" smtClean="0"/>
-              <a:t>27.01.2018</a:t>
+              <a:t>28.01.18</a:t>
             </a:fld>
             <a:endParaRPr lang="en-US"/>
           </a:p>
@@ -836,7 +836,7 @@
           <a:p>
             <a:fld id="{0B7A2DEA-69B7-D343-870B-04A176525892}" type="datetimeFigureOut">
               <a:rPr lang="de-DE" smtClean="0"/>
-              <a:t>27.01.2018</a:t>
+              <a:t>28.01.18</a:t>
             </a:fld>
             <a:endParaRPr lang="en-US"/>
           </a:p>
@@ -1082,7 +1082,7 @@
           <a:p>
             <a:fld id="{0B7A2DEA-69B7-D343-870B-04A176525892}" type="datetimeFigureOut">
               <a:rPr lang="de-DE" smtClean="0"/>
-              <a:t>27.01.2018</a:t>
+              <a:t>28.01.18</a:t>
             </a:fld>
             <a:endParaRPr lang="en-US"/>
           </a:p>
@@ -1370,7 +1370,7 @@
           <a:p>
             <a:fld id="{0B7A2DEA-69B7-D343-870B-04A176525892}" type="datetimeFigureOut">
               <a:rPr lang="de-DE" smtClean="0"/>
-              <a:t>27.01.2018</a:t>
+              <a:t>28.01.18</a:t>
             </a:fld>
             <a:endParaRPr lang="en-US"/>
           </a:p>
@@ -1797,7 +1797,7 @@
           <a:p>
             <a:fld id="{0B7A2DEA-69B7-D343-870B-04A176525892}" type="datetimeFigureOut">
               <a:rPr lang="de-DE" smtClean="0"/>
-              <a:t>27.01.2018</a:t>
+              <a:t>28.01.18</a:t>
             </a:fld>
             <a:endParaRPr lang="en-US"/>
           </a:p>
@@ -1915,7 +1915,7 @@
           <a:p>
             <a:fld id="{0B7A2DEA-69B7-D343-870B-04A176525892}" type="datetimeFigureOut">
               <a:rPr lang="de-DE" smtClean="0"/>
-              <a:t>27.01.2018</a:t>
+              <a:t>28.01.18</a:t>
             </a:fld>
             <a:endParaRPr lang="en-US"/>
           </a:p>
@@ -2010,7 +2010,7 @@
           <a:p>
             <a:fld id="{0B7A2DEA-69B7-D343-870B-04A176525892}" type="datetimeFigureOut">
               <a:rPr lang="de-DE" smtClean="0"/>
-              <a:t>27.01.2018</a:t>
+              <a:t>28.01.18</a:t>
             </a:fld>
             <a:endParaRPr lang="en-US"/>
           </a:p>
@@ -2287,7 +2287,7 @@
           <a:p>
             <a:fld id="{0B7A2DEA-69B7-D343-870B-04A176525892}" type="datetimeFigureOut">
               <a:rPr lang="de-DE" smtClean="0"/>
-              <a:t>27.01.2018</a:t>
+              <a:t>28.01.18</a:t>
             </a:fld>
             <a:endParaRPr lang="en-US"/>
           </a:p>
@@ -2540,7 +2540,7 @@
           <a:p>
             <a:fld id="{0B7A2DEA-69B7-D343-870B-04A176525892}" type="datetimeFigureOut">
               <a:rPr lang="de-DE" smtClean="0"/>
-              <a:t>27.01.2018</a:t>
+              <a:t>28.01.18</a:t>
             </a:fld>
             <a:endParaRPr lang="en-US"/>
           </a:p>
@@ -2753,7 +2753,7 @@
           <a:p>
             <a:fld id="{0B7A2DEA-69B7-D343-870B-04A176525892}" type="datetimeFigureOut">
               <a:rPr lang="de-DE" smtClean="0"/>
-              <a:t>27.01.2018</a:t>
+              <a:t>28.01.18</a:t>
             </a:fld>
             <a:endParaRPr lang="en-US"/>
           </a:p>
@@ -3330,8 +3330,8 @@
           </a:p>
         </p:txBody>
       </p:sp>
-      <mc:AlternateContent xmlns:mc="http://schemas.openxmlformats.org/markup-compatibility/2006">
-        <mc:Choice xmlns:a14="http://schemas.microsoft.com/office/drawing/2010/main" Requires="a14">
+      <mc:AlternateContent xmlns:mc="http://schemas.openxmlformats.org/markup-compatibility/2006" xmlns:a14="http://schemas.microsoft.com/office/drawing/2010/main">
+        <mc:Choice Requires="a14">
           <p:sp>
             <p:nvSpPr>
               <p:cNvPr id="105" name="Textfeld 104"/>
@@ -3427,7 +3427,7 @@
                       <m:sSubPr>
                         <m:ctrlPr>
                           <a:rPr lang="en-GB" sz="3200" i="1" smtClean="0">
-                            <a:latin typeface="Cambria Math"/>
+                            <a:latin typeface="Cambria Math" charset="0"/>
                           </a:rPr>
                         </m:ctrlPr>
                       </m:sSubPr>
@@ -3470,7 +3470,7 @@
                         <m:sSubPr>
                           <m:ctrlPr>
                             <a:rPr lang="en-GB" sz="3200" i="1" dirty="0" smtClean="0">
-                              <a:latin typeface="Cambria Math"/>
+                              <a:latin typeface="Cambria Math" charset="0"/>
                             </a:rPr>
                           </m:ctrlPr>
                         </m:sSubPr>
@@ -3501,7 +3501,7 @@
                         <m:sSubPr>
                           <m:ctrlPr>
                             <a:rPr lang="en-GB" sz="3200" i="1" dirty="0" smtClean="0">
-                              <a:latin typeface="Cambria Math"/>
+                              <a:latin typeface="Cambria Math" charset="0"/>
                             </a:rPr>
                           </m:ctrlPr>
                         </m:sSubPr>
@@ -3526,7 +3526,7 @@
                         <m:dPr>
                           <m:ctrlPr>
                             <a:rPr lang="en-GB" sz="3200" i="1" dirty="0" smtClean="0">
-                              <a:latin typeface="Cambria Math"/>
+                              <a:latin typeface="Cambria Math" charset="0"/>
                             </a:rPr>
                           </m:ctrlPr>
                         </m:dPr>
@@ -3535,7 +3535,7 @@
                             <m:sSupPr>
                               <m:ctrlPr>
                                 <a:rPr lang="el-GR" sz="3200" i="1" dirty="0" smtClean="0">
-                                  <a:latin typeface="Cambria Math"/>
+                                  <a:latin typeface="Cambria Math" charset="0"/>
                                   <a:ea typeface="Cambria Math"/>
                                 </a:rPr>
                               </m:ctrlPr>
@@ -3565,7 +3565,7 @@
                             <m:sSupPr>
                               <m:ctrlPr>
                                 <a:rPr lang="el-GR" sz="3200" i="1" dirty="0" smtClean="0">
-                                  <a:latin typeface="Cambria Math"/>
+                                  <a:latin typeface="Cambria Math" charset="0"/>
                                 </a:rPr>
                               </m:ctrlPr>
                             </m:sSupPr>
@@ -3590,7 +3590,7 @@
                             <m:dPr>
                               <m:ctrlPr>
                                 <a:rPr lang="en-GB" sz="3200" i="1" dirty="0" smtClean="0">
-                                  <a:latin typeface="Cambria Math"/>
+                                  <a:latin typeface="Cambria Math" charset="0"/>
                                 </a:rPr>
                               </m:ctrlPr>
                             </m:dPr>
@@ -3599,7 +3599,7 @@
                                 <m:sSubPr>
                                   <m:ctrlPr>
                                     <a:rPr lang="en-GB" sz="3200" i="1" dirty="0" smtClean="0">
-                                      <a:latin typeface="Cambria Math"/>
+                                      <a:latin typeface="Cambria Math" charset="0"/>
                                     </a:rPr>
                                   </m:ctrlPr>
                                 </m:sSubPr>
@@ -3646,7 +3646,7 @@
                         <m:sSupPr>
                           <m:ctrlPr>
                             <a:rPr lang="de-DE" sz="3200" b="0" i="1" dirty="0" smtClean="0">
-                              <a:latin typeface="Cambria Math"/>
+                              <a:latin typeface="Cambria Math" charset="0"/>
                             </a:rPr>
                           </m:ctrlPr>
                         </m:sSupPr>
@@ -3685,7 +3685,7 @@
                           <m:endChr m:val="]"/>
                           <m:ctrlPr>
                             <a:rPr lang="de-DE" sz="3200" b="0" i="1" dirty="0" smtClean="0">
-                              <a:latin typeface="Cambria Math"/>
+                              <a:latin typeface="Cambria Math" charset="0"/>
                             </a:rPr>
                           </m:ctrlPr>
                         </m:dPr>
@@ -3700,7 +3700,7 @@
                             <m:dPr>
                               <m:ctrlPr>
                                 <a:rPr lang="de-DE" sz="3200" b="0" i="1" dirty="0" smtClean="0">
-                                  <a:latin typeface="Cambria Math"/>
+                                  <a:latin typeface="Cambria Math" charset="0"/>
                                 </a:rPr>
                               </m:ctrlPr>
                             </m:dPr>
@@ -3723,7 +3723,7 @@
                             <m:sSubPr>
                               <m:ctrlPr>
                                 <a:rPr lang="de-DE" sz="3200" b="0" i="1" dirty="0" smtClean="0">
-                                  <a:latin typeface="Cambria Math"/>
+                                  <a:latin typeface="Cambria Math" charset="0"/>
                                 </a:rPr>
                               </m:ctrlPr>
                             </m:sSubPr>
@@ -3831,7 +3831,7 @@
                         <m:dPr>
                           <m:ctrlPr>
                             <a:rPr lang="de-DE" sz="3200" i="1">
-                              <a:latin typeface="Cambria Math"/>
+                              <a:latin typeface="Cambria Math" charset="0"/>
                             </a:rPr>
                           </m:ctrlPr>
                         </m:dPr>
@@ -3848,7 +3848,7 @@
                               </m:mcs>
                               <m:ctrlPr>
                                 <a:rPr lang="de-DE" sz="3200" i="1">
-                                  <a:latin typeface="Cambria Math"/>
+                                  <a:latin typeface="Cambria Math" charset="0"/>
                                 </a:rPr>
                               </m:ctrlPr>
                             </m:mPr>
@@ -3858,7 +3858,7 @@
                                   <m:sSubPr>
                                     <m:ctrlPr>
                                       <a:rPr lang="de-DE" sz="3200" i="1">
-                                        <a:latin typeface="Cambria Math"/>
+                                        <a:latin typeface="Cambria Math" charset="0"/>
                                       </a:rPr>
                                     </m:ctrlPr>
                                   </m:sSubPr>
@@ -3893,7 +3893,7 @@
                                   <m:sSubPr>
                                     <m:ctrlPr>
                                       <a:rPr lang="de-DE" sz="3200" i="1">
-                                        <a:latin typeface="Cambria Math"/>
+                                        <a:latin typeface="Cambria Math" charset="0"/>
                                       </a:rPr>
                                     </m:ctrlPr>
                                   </m:sSubPr>
@@ -3954,7 +3954,7 @@
                                   <m:sSubPr>
                                     <m:ctrlPr>
                                       <a:rPr lang="de-DE" sz="3200" i="1">
-                                        <a:latin typeface="Cambria Math"/>
+                                        <a:latin typeface="Cambria Math" charset="0"/>
                                       </a:rPr>
                                     </m:ctrlPr>
                                   </m:sSubPr>
@@ -3995,7 +3995,7 @@
                                   <m:sSubPr>
                                     <m:ctrlPr>
                                       <a:rPr lang="de-DE" sz="3200" i="1">
-                                        <a:latin typeface="Cambria Math"/>
+                                        <a:latin typeface="Cambria Math" charset="0"/>
                                       </a:rPr>
                                     </m:ctrlPr>
                                   </m:sSubPr>
@@ -4154,7 +4154,7 @@
                             <a:solidFill>
                               <a:schemeClr val="tx1"/>
                             </a:solidFill>
-                            <a:latin typeface="Cambria Math"/>
+                            <a:latin typeface="Cambria Math" charset="0"/>
                             <a:ea typeface="Cambria Math"/>
                           </a:rPr>
                         </m:ctrlPr>
@@ -4207,7 +4207,7 @@
                         <m:degHide m:val="on"/>
                         <m:ctrlPr>
                           <a:rPr lang="de-DE" sz="3200" b="1" i="1">
-                            <a:latin typeface="Cambria Math"/>
+                            <a:latin typeface="Cambria Math" charset="0"/>
                           </a:rPr>
                         </m:ctrlPr>
                       </m:radPr>
@@ -4276,7 +4276,7 @@
                       <m:sSubPr>
                         <m:ctrlPr>
                           <a:rPr lang="en-GB" sz="3200" i="1" smtClean="0">
-                            <a:latin typeface="Cambria Math"/>
+                            <a:latin typeface="Cambria Math" charset="0"/>
                           </a:rPr>
                         </m:ctrlPr>
                       </m:sSubPr>
@@ -4327,7 +4327,7 @@
                       <m:fPr>
                         <m:ctrlPr>
                           <a:rPr lang="en-GB" sz="3200" i="1" smtClean="0">
-                            <a:latin typeface="Cambria Math"/>
+                            <a:latin typeface="Cambria Math" charset="0"/>
                           </a:rPr>
                         </m:ctrlPr>
                       </m:fPr>
@@ -4342,7 +4342,7 @@
                           <m:sSubSupPr>
                             <m:ctrlPr>
                               <a:rPr lang="de-DE" sz="3200" b="0" i="1" smtClean="0">
-                                <a:latin typeface="Cambria Math"/>
+                                <a:latin typeface="Cambria Math" charset="0"/>
                               </a:rPr>
                             </m:ctrlPr>
                           </m:sSubSupPr>
@@ -4368,7 +4368,7 @@
                               <m:dPr>
                                 <m:ctrlPr>
                                   <a:rPr lang="de-DE" sz="3200" i="1" baseline="14000">
-                                    <a:latin typeface="Cambria Math"/>
+                                    <a:latin typeface="Cambria Math" charset="0"/>
                                   </a:rPr>
                                 </m:ctrlPr>
                               </m:dPr>
@@ -4399,7 +4399,7 @@
                           <m:dPr>
                             <m:ctrlPr>
                               <a:rPr lang="de-DE" sz="3200" b="0" i="1" smtClean="0">
-                                <a:latin typeface="Cambria Math"/>
+                                <a:latin typeface="Cambria Math" charset="0"/>
                               </a:rPr>
                             </m:ctrlPr>
                           </m:dPr>
@@ -4422,7 +4422,7 @@
                           <m:sSubPr>
                             <m:ctrlPr>
                               <a:rPr lang="de-DE" sz="3200" b="0" i="1" smtClean="0">
-                                <a:latin typeface="Cambria Math"/>
+                                <a:latin typeface="Cambria Math" charset="0"/>
                               </a:rPr>
                             </m:ctrlPr>
                           </m:sSubPr>
@@ -4468,7 +4468,7 @@
                           <m:sSubPr>
                             <m:ctrlPr>
                               <a:rPr lang="de-DE" sz="3200" b="0" i="1" smtClean="0">
-                                <a:latin typeface="Cambria Math"/>
+                                <a:latin typeface="Cambria Math" charset="0"/>
                               </a:rPr>
                             </m:ctrlPr>
                           </m:sSubPr>
@@ -4494,7 +4494,7 @@
                           <m:dPr>
                             <m:ctrlPr>
                               <a:rPr lang="de-DE" sz="3200" b="0" i="1" baseline="14000" smtClean="0">
-                                <a:latin typeface="Cambria Math"/>
+                                <a:latin typeface="Cambria Math" charset="0"/>
                               </a:rPr>
                             </m:ctrlPr>
                           </m:dPr>
@@ -4517,7 +4517,7 @@
                           <m:sSubPr>
                             <m:ctrlPr>
                               <a:rPr lang="de-DE" sz="3200" b="0" i="1" smtClean="0">
-                                <a:latin typeface="Cambria Math"/>
+                                <a:latin typeface="Cambria Math" charset="0"/>
                               </a:rPr>
                             </m:ctrlPr>
                           </m:sSubPr>
@@ -4603,7 +4603,7 @@
                       <m:sSubPr>
                         <m:ctrlPr>
                           <a:rPr lang="en-GB" sz="3200" i="1">
-                            <a:latin typeface="Cambria Math"/>
+                            <a:latin typeface="Cambria Math" charset="0"/>
                           </a:rPr>
                         </m:ctrlPr>
                       </m:sSubPr>
@@ -4668,7 +4668,7 @@
                       <m:sSubPr>
                         <m:ctrlPr>
                           <a:rPr lang="en-GB" sz="3200" i="1" smtClean="0">
-                            <a:latin typeface="Cambria Math"/>
+                            <a:latin typeface="Cambria Math" charset="0"/>
                             <a:ea typeface="Cambria Math" charset="0"/>
                           </a:rPr>
                         </m:ctrlPr>
@@ -4706,7 +4706,7 @@
                         <m:endChr m:val="|"/>
                         <m:ctrlPr>
                           <a:rPr lang="de-DE" sz="3200" i="1">
-                            <a:latin typeface="Cambria Math"/>
+                            <a:latin typeface="Cambria Math" charset="0"/>
                           </a:rPr>
                         </m:ctrlPr>
                       </m:dPr>
@@ -4715,7 +4715,7 @@
                           <m:sSubPr>
                             <m:ctrlPr>
                               <a:rPr lang="en-GB" sz="3200" i="1">
-                                <a:latin typeface="Cambria Math"/>
+                                <a:latin typeface="Cambria Math" charset="0"/>
                               </a:rPr>
                             </m:ctrlPr>
                           </m:sSubPr>
@@ -4764,7 +4764,7 @@
                           <m:sSubPr>
                             <m:ctrlPr>
                               <a:rPr lang="en-GB" sz="3200" i="1">
-                                <a:latin typeface="Cambria Math"/>
+                                <a:latin typeface="Cambria Math" charset="0"/>
                               </a:rPr>
                             </m:ctrlPr>
                           </m:sSubPr>
@@ -4901,7 +4901,7 @@
                       <m:sSupPr>
                         <m:ctrlPr>
                           <a:rPr lang="de-DE" sz="3200" b="0" i="1" smtClean="0">
-                            <a:latin typeface="Cambria Math"/>
+                            <a:latin typeface="Cambria Math" charset="0"/>
                           </a:rPr>
                         </m:ctrlPr>
                       </m:sSupPr>
@@ -4910,7 +4910,7 @@
                           <m:sSubPr>
                             <m:ctrlPr>
                               <a:rPr lang="en-GB" sz="3200" i="1" dirty="0">
-                                <a:latin typeface="Cambria Math"/>
+                                <a:latin typeface="Cambria Math" charset="0"/>
                               </a:rPr>
                             </m:ctrlPr>
                           </m:sSubPr>
@@ -5003,7 +5003,7 @@
                       <m:sSupPr>
                         <m:ctrlPr>
                           <a:rPr lang="de-DE" sz="3200" i="1">
-                            <a:latin typeface="Cambria Math"/>
+                            <a:latin typeface="Cambria Math" charset="0"/>
                           </a:rPr>
                         </m:ctrlPr>
                       </m:sSupPr>
@@ -5012,7 +5012,7 @@
                           <m:sSubPr>
                             <m:ctrlPr>
                               <a:rPr lang="en-GB" sz="3200" i="1" dirty="0">
-                                <a:latin typeface="Cambria Math"/>
+                                <a:latin typeface="Cambria Math" charset="0"/>
                               </a:rPr>
                             </m:ctrlPr>
                           </m:sSubPr>
@@ -5055,7 +5055,7 @@
                       <m:sSupPr>
                         <m:ctrlPr>
                           <a:rPr lang="en-GB" sz="3200" i="1" smtClean="0">
-                            <a:latin typeface="Cambria Math"/>
+                            <a:latin typeface="Cambria Math" charset="0"/>
                           </a:rPr>
                         </m:ctrlPr>
                       </m:sSupPr>
@@ -5127,15 +5127,7 @@
                 </a:pPr>
                 <a:r>
                   <a:rPr lang="en-US" sz="3200" b="0" dirty="0" smtClean="0"/>
-                  <a:t>Advantages </a:t>
-                </a:r>
-                <a:r>
-                  <a:rPr lang="en-US" sz="3200" b="0" dirty="0" smtClean="0"/>
-                  <a:t>of </a:t>
-                </a:r>
-                <a:r>
-                  <a:rPr lang="en-US" sz="3200" b="0" dirty="0" smtClean="0"/>
-                  <a:t>SEM:</a:t>
+                  <a:t>Advantages of SEM:</a:t>
                 </a:r>
               </a:p>
               <a:p>
@@ -5174,11 +5166,7 @@
                 </a:r>
                 <a:r>
                   <a:rPr lang="en-GB" sz="3200" dirty="0"/>
-                  <a:t>necessarily symmetric, which can be used for diagnostics of EM </a:t>
-                </a:r>
-                <a:r>
-                  <a:rPr lang="en-GB" sz="3200" dirty="0"/>
-                  <a:t>algorithm</a:t>
+                  <a:t>necessarily symmetric, which can be used for diagnostics of EM algorithm</a:t>
                 </a:r>
               </a:p>
               <a:p>
@@ -5263,7 +5251,7 @@
             </p:txBody>
           </p:sp>
         </mc:Choice>
-        <mc:Fallback>
+        <mc:Fallback xmlns="">
           <p:sp>
             <p:nvSpPr>
               <p:cNvPr id="105" name="Textfeld 104"/>
@@ -5653,8 +5641,8 @@
           </a:p>
         </p:txBody>
       </p:sp>
-      <mc:AlternateContent xmlns:mc="http://schemas.openxmlformats.org/markup-compatibility/2006">
-        <mc:Choice xmlns:a14="http://schemas.microsoft.com/office/drawing/2010/main" Requires="a14">
+      <mc:AlternateContent xmlns:mc="http://schemas.openxmlformats.org/markup-compatibility/2006" xmlns:a14="http://schemas.microsoft.com/office/drawing/2010/main">
+        <mc:Choice Requires="a14">
           <p:sp>
             <p:nvSpPr>
               <p:cNvPr id="8" name="Textfeld 7"/>
@@ -5721,7 +5709,7 @@
                             <a:solidFill>
                               <a:schemeClr val="tx1"/>
                             </a:solidFill>
-                            <a:latin typeface="Cambria Math"/>
+                            <a:latin typeface="Cambria Math" charset="0"/>
                           </a:rPr>
                         </m:ctrlPr>
                       </m:sSubPr>
@@ -5780,7 +5768,7 @@
                       <m:sSubPr>
                         <m:ctrlPr>
                           <a:rPr lang="de-DE" sz="3200" i="1">
-                            <a:latin typeface="Cambria Math"/>
+                            <a:latin typeface="Cambria Math" charset="0"/>
                           </a:rPr>
                         </m:ctrlPr>
                       </m:sSubPr>
@@ -5845,7 +5833,7 @@
             </p:txBody>
           </p:sp>
         </mc:Choice>
-        <mc:Fallback>
+        <mc:Fallback xmlns="">
           <p:sp>
             <p:nvSpPr>
               <p:cNvPr id="8" name="Textfeld 7"/>
@@ -6504,8 +6492,8 @@
           </a:p>
         </p:txBody>
       </p:sp>
-      <mc:AlternateContent xmlns:mc="http://schemas.openxmlformats.org/markup-compatibility/2006">
-        <mc:Choice xmlns:a14="http://schemas.microsoft.com/office/drawing/2010/main" Requires="a14">
+      <mc:AlternateContent xmlns:mc="http://schemas.openxmlformats.org/markup-compatibility/2006" xmlns:a14="http://schemas.microsoft.com/office/drawing/2010/main">
+        <mc:Choice Requires="a14">
           <p:sp>
             <p:nvSpPr>
               <p:cNvPr id="91" name="Textfeld 90"/>
@@ -6537,11 +6525,7 @@
                 </a:pPr>
                 <a:r>
                   <a:rPr lang="en-GB" sz="3200" dirty="0" smtClean="0"/>
-                  <a:t>In latent variable problems, especially incomplete data problems, maximum likelihood estimation is analytically not </a:t>
-                </a:r>
-                <a:r>
-                  <a:rPr lang="en-GB" sz="3200" dirty="0" smtClean="0"/>
-                  <a:t>possible</a:t>
+                  <a:t>In latent variable problems, especially incomplete data problems, maximum likelihood estimation is analytically not possible</a:t>
                 </a:r>
               </a:p>
               <a:p>
@@ -6593,19 +6577,7 @@
                 </a:pPr>
                 <a:r>
                   <a:rPr lang="en-GB" sz="3200" dirty="0" smtClean="0"/>
-                  <a:t>EM </a:t>
-                </a:r>
-                <a:r>
-                  <a:rPr lang="en-GB" sz="3200" dirty="0" smtClean="0"/>
-                  <a:t>algorithm consists </a:t>
-                </a:r>
-                <a:r>
-                  <a:rPr lang="en-GB" sz="3200" dirty="0" smtClean="0"/>
-                  <a:t>of </a:t>
-                </a:r>
-                <a:r>
-                  <a:rPr lang="en-GB" sz="3200" dirty="0" smtClean="0"/>
-                  <a:t>two iteratively applied steps:</a:t>
+                  <a:t>EM algorithm consists of two iteratively applied steps:</a:t>
                 </a:r>
               </a:p>
               <a:p>
@@ -6697,7 +6669,7 @@
                       <m:sSupPr>
                         <m:ctrlPr>
                           <a:rPr lang="de-DE" sz="3200" i="1">
-                            <a:latin typeface="Cambria Math"/>
+                            <a:latin typeface="Cambria Math" charset="0"/>
                             <a:ea typeface="Cambria Math"/>
                           </a:rPr>
                         </m:ctrlPr>
@@ -6787,7 +6759,7 @@
                         <m:dPr>
                           <m:ctrlPr>
                             <a:rPr lang="de-DE" sz="3200" b="0" i="1" smtClean="0">
-                              <a:latin typeface="Cambria Math"/>
+                              <a:latin typeface="Cambria Math" charset="0"/>
                             </a:rPr>
                           </m:ctrlPr>
                         </m:dPr>
@@ -6805,7 +6777,7 @@
                             <m:sSupPr>
                               <m:ctrlPr>
                                 <a:rPr lang="de-DE" sz="3200" i="1" smtClean="0">
-                                  <a:latin typeface="Cambria Math"/>
+                                  <a:latin typeface="Cambria Math" charset="0"/>
                                   <a:ea typeface="Cambria Math"/>
                                 </a:rPr>
                               </m:ctrlPr>
@@ -6856,7 +6828,7 @@
                         <m:sSubPr>
                           <m:ctrlPr>
                             <a:rPr lang="de-DE" sz="3200" b="0" i="1" smtClean="0">
-                              <a:latin typeface="Cambria Math"/>
+                              <a:latin typeface="Cambria Math" charset="0"/>
                               <a:ea typeface="Cambria Math"/>
                             </a:rPr>
                           </m:ctrlPr>
@@ -6875,7 +6847,7 @@
                             <m:sSubPr>
                               <m:ctrlPr>
                                 <a:rPr lang="de-DE" sz="3200" b="0" i="1" smtClean="0">
-                                  <a:latin typeface="Cambria Math"/>
+                                  <a:latin typeface="Cambria Math" charset="0"/>
                                   <a:ea typeface="Cambria Math"/>
                                 </a:rPr>
                               </m:ctrlPr>
@@ -6910,7 +6882,7 @@
                             <m:sSubPr>
                               <m:ctrlPr>
                                 <a:rPr lang="de-DE" sz="3200" b="0" i="1" smtClean="0">
-                                  <a:latin typeface="Cambria Math"/>
+                                  <a:latin typeface="Cambria Math" charset="0"/>
                                   <a:ea typeface="Cambria Math"/>
                                 </a:rPr>
                               </m:ctrlPr>
@@ -6945,7 +6917,7 @@
                             <m:sSupPr>
                               <m:ctrlPr>
                                 <a:rPr lang="de-DE" sz="3200" b="0" i="1" smtClean="0">
-                                  <a:latin typeface="Cambria Math"/>
+                                  <a:latin typeface="Cambria Math" charset="0"/>
                                   <a:ea typeface="Cambria Math"/>
                                 </a:rPr>
                               </m:ctrlPr>
@@ -7024,7 +6996,7 @@
                         <m:sSubPr>
                           <m:ctrlPr>
                             <a:rPr lang="de-DE" sz="3200" b="0" i="1" smtClean="0">
-                              <a:latin typeface="Cambria Math"/>
+                              <a:latin typeface="Cambria Math" charset="0"/>
                               <a:ea typeface="Cambria Math"/>
                             </a:rPr>
                           </m:ctrlPr>
@@ -7059,7 +7031,7 @@
                         <m:sSubPr>
                           <m:ctrlPr>
                             <a:rPr lang="de-DE" sz="3200" b="0" i="1" smtClean="0">
-                              <a:latin typeface="Cambria Math"/>
+                              <a:latin typeface="Cambria Math" charset="0"/>
                               <a:ea typeface="Cambria Math"/>
                             </a:rPr>
                           </m:ctrlPr>
@@ -7130,7 +7102,7 @@
                       <m:sSupPr>
                         <m:ctrlPr>
                           <a:rPr lang="de-DE" sz="3200" i="1">
-                            <a:latin typeface="Cambria Math"/>
+                            <a:latin typeface="Cambria Math" charset="0"/>
                             <a:ea typeface="Cambria Math"/>
                           </a:rPr>
                         </m:ctrlPr>
@@ -7199,7 +7171,7 @@
                             <a:solidFill>
                               <a:schemeClr val="tx1"/>
                             </a:solidFill>
-                            <a:latin typeface="Cambria Math"/>
+                            <a:latin typeface="Cambria Math" charset="0"/>
                           </a:rPr>
                         </m:ctrlPr>
                       </m:funcPr>
@@ -7211,7 +7183,7 @@
                                 <a:solidFill>
                                   <a:schemeClr val="tx1"/>
                                 </a:solidFill>
-                                <a:latin typeface="Cambria Math"/>
+                                <a:latin typeface="Cambria Math" charset="0"/>
                               </a:rPr>
                             </m:ctrlPr>
                           </m:sSupPr>
@@ -7275,7 +7247,7 @@
                                 <a:solidFill>
                                   <a:schemeClr val="tx1"/>
                                 </a:solidFill>
-                                <a:latin typeface="Cambria Math"/>
+                                <a:latin typeface="Cambria Math" charset="0"/>
                               </a:rPr>
                             </m:ctrlPr>
                           </m:funcPr>
@@ -7287,7 +7259,7 @@
                                     <a:solidFill>
                                       <a:schemeClr val="tx1"/>
                                     </a:solidFill>
-                                    <a:latin typeface="Cambria Math"/>
+                                    <a:latin typeface="Cambria Math" charset="0"/>
                                   </a:rPr>
                                 </m:ctrlPr>
                               </m:limLowPr>
@@ -7348,7 +7320,7 @@
                                     <a:solidFill>
                                       <a:schemeClr val="tx1"/>
                                     </a:solidFill>
-                                    <a:latin typeface="Cambria Math"/>
+                                    <a:latin typeface="Cambria Math" charset="0"/>
                                   </a:rPr>
                                 </m:ctrlPr>
                               </m:dPr>
@@ -7372,7 +7344,7 @@
                                         <a:solidFill>
                                           <a:schemeClr val="tx1"/>
                                         </a:solidFill>
-                                        <a:latin typeface="Cambria Math"/>
+                                        <a:latin typeface="Cambria Math" charset="0"/>
                                         <a:ea typeface="Cambria Math"/>
                                       </a:rPr>
                                     </m:ctrlPr>
@@ -7512,7 +7484,7 @@
                       <m:sSupPr>
                         <m:ctrlPr>
                           <a:rPr lang="de-DE" sz="3200" i="1">
-                            <a:latin typeface="Cambria Math"/>
+                            <a:latin typeface="Cambria Math" charset="0"/>
                           </a:rPr>
                         </m:ctrlPr>
                       </m:sSupPr>
@@ -7556,7 +7528,7 @@
                       <m:sSupPr>
                         <m:ctrlPr>
                           <a:rPr lang="de-DE" sz="3200" i="1">
-                            <a:latin typeface="Cambria Math"/>
+                            <a:latin typeface="Cambria Math" charset="0"/>
                             <a:ea typeface="Cambria Math"/>
                           </a:rPr>
                         </m:ctrlPr>
@@ -7607,7 +7579,7 @@
             </p:txBody>
           </p:sp>
         </mc:Choice>
-        <mc:Fallback>
+        <mc:Fallback xmlns="">
           <p:sp>
             <p:nvSpPr>
               <p:cNvPr id="91" name="Textfeld 90"/>
@@ -8155,7 +8127,6 @@
               <a:rPr lang="en-US" sz="2800" dirty="0"/>
               <a:t> preprint arXiv:1605.00860.</a:t>
             </a:r>
-            <a:endParaRPr lang="en-US" sz="2800" dirty="0"/>
           </a:p>
           <a:p>
             <a:pPr marL="314325" indent="-314325">
@@ -8196,21 +8167,21 @@
                     <a:gridCol w="2417106">
                       <a:extLst>
                         <a:ext uri="{9D8B030D-6E8A-4147-A177-3AD203B41FA5}">
-                          <a16:colId xmlns="" xmlns:a16="http://schemas.microsoft.com/office/drawing/2014/main" val="20000"/>
+                          <a16:colId xmlns:a16="http://schemas.microsoft.com/office/drawing/2014/main" xmlns="" val="20000"/>
                         </a:ext>
                       </a:extLst>
                     </a:gridCol>
                     <a:gridCol w="2417106">
                       <a:extLst>
                         <a:ext uri="{9D8B030D-6E8A-4147-A177-3AD203B41FA5}">
-                          <a16:colId xmlns="" xmlns:a16="http://schemas.microsoft.com/office/drawing/2014/main" val="20001"/>
+                          <a16:colId xmlns:a16="http://schemas.microsoft.com/office/drawing/2014/main" xmlns="" val="20001"/>
                         </a:ext>
                       </a:extLst>
                     </a:gridCol>
                     <a:gridCol w="2422928">
                       <a:extLst>
                         <a:ext uri="{9D8B030D-6E8A-4147-A177-3AD203B41FA5}">
-                          <a16:colId xmlns="" xmlns:a16="http://schemas.microsoft.com/office/drawing/2014/main" val="20002"/>
+                          <a16:colId xmlns:a16="http://schemas.microsoft.com/office/drawing/2014/main" xmlns="" val="20002"/>
                         </a:ext>
                       </a:extLst>
                     </a:gridCol>
@@ -8407,7 +8378,7 @@
                     </a:tc>
                     <a:extLst>
                       <a:ext uri="{0D108BD9-81ED-4DB2-BD59-A6C34878D82A}">
-                        <a16:rowId xmlns="" xmlns:a16="http://schemas.microsoft.com/office/drawing/2014/main" val="10000"/>
+                        <a16:rowId xmlns:a16="http://schemas.microsoft.com/office/drawing/2014/main" xmlns="" val="10000"/>
                       </a:ext>
                     </a:extLst>
                   </a:tr>
@@ -8576,7 +8547,7 @@
                     </a:tc>
                     <a:extLst>
                       <a:ext uri="{0D108BD9-81ED-4DB2-BD59-A6C34878D82A}">
-                        <a16:rowId xmlns="" xmlns:a16="http://schemas.microsoft.com/office/drawing/2014/main" val="10001"/>
+                        <a16:rowId xmlns:a16="http://schemas.microsoft.com/office/drawing/2014/main" xmlns="" val="10001"/>
                       </a:ext>
                     </a:extLst>
                   </a:tr>
@@ -8739,7 +8710,7 @@
                     </a:tc>
                     <a:extLst>
                       <a:ext uri="{0D108BD9-81ED-4DB2-BD59-A6C34878D82A}">
-                        <a16:rowId xmlns="" xmlns:a16="http://schemas.microsoft.com/office/drawing/2014/main" val="10002"/>
+                        <a16:rowId xmlns:a16="http://schemas.microsoft.com/office/drawing/2014/main" xmlns="" val="10002"/>
                       </a:ext>
                     </a:extLst>
                   </a:tr>
@@ -8902,7 +8873,7 @@
                     </a:tc>
                     <a:extLst>
                       <a:ext uri="{0D108BD9-81ED-4DB2-BD59-A6C34878D82A}">
-                        <a16:rowId xmlns="" xmlns:a16="http://schemas.microsoft.com/office/drawing/2014/main" val="10003"/>
+                        <a16:rowId xmlns:a16="http://schemas.microsoft.com/office/drawing/2014/main" xmlns="" val="10003"/>
                       </a:ext>
                     </a:extLst>
                   </a:tr>
@@ -9065,7 +9036,7 @@
                     </a:tc>
                     <a:extLst>
                       <a:ext uri="{0D108BD9-81ED-4DB2-BD59-A6C34878D82A}">
-                        <a16:rowId xmlns="" xmlns:a16="http://schemas.microsoft.com/office/drawing/2014/main" val="10004"/>
+                        <a16:rowId xmlns:a16="http://schemas.microsoft.com/office/drawing/2014/main" xmlns="" val="10004"/>
                       </a:ext>
                     </a:extLst>
                   </a:tr>
@@ -9228,7 +9199,7 @@
                     </a:tc>
                     <a:extLst>
                       <a:ext uri="{0D108BD9-81ED-4DB2-BD59-A6C34878D82A}">
-                        <a16:rowId xmlns="" xmlns:a16="http://schemas.microsoft.com/office/drawing/2014/main" val="10005"/>
+                        <a16:rowId xmlns:a16="http://schemas.microsoft.com/office/drawing/2014/main" xmlns="" val="10005"/>
                       </a:ext>
                     </a:extLst>
                   </a:tr>
@@ -9391,7 +9362,7 @@
                     </a:tc>
                     <a:extLst>
                       <a:ext uri="{0D108BD9-81ED-4DB2-BD59-A6C34878D82A}">
-                        <a16:rowId xmlns="" xmlns:a16="http://schemas.microsoft.com/office/drawing/2014/main" val="10006"/>
+                        <a16:rowId xmlns:a16="http://schemas.microsoft.com/office/drawing/2014/main" xmlns="" val="10006"/>
                       </a:ext>
                     </a:extLst>
                   </a:tr>
@@ -11632,7 +11603,7 @@
                         <m:dPr>
                           <m:ctrlPr>
                             <a:rPr lang="de-DE" sz="3200" b="0" i="1" smtClean="0">
-                              <a:latin typeface="Cambria Math"/>
+                              <a:latin typeface="Cambria Math" charset="0"/>
                               <a:ea typeface="Cambria Math" charset="0"/>
                             </a:rPr>
                           </m:ctrlPr>
@@ -11643,7 +11614,7 @@
                               <m:type m:val="noBar"/>
                               <m:ctrlPr>
                                 <a:rPr lang="de-DE" sz="3200" b="0" i="1" smtClean="0">
-                                  <a:latin typeface="Cambria Math"/>
+                                  <a:latin typeface="Cambria Math" charset="0"/>
                                   <a:ea typeface="Cambria Math" charset="0"/>
                                 </a:rPr>
                               </m:ctrlPr>
@@ -11703,7 +11674,7 @@
                         <m:dPr>
                           <m:ctrlPr>
                             <a:rPr lang="mr-IN" sz="3200" b="0" i="1" smtClean="0">
-                              <a:latin typeface="Cambria Math"/>
+                              <a:latin typeface="Cambria Math" charset="0"/>
                               <a:ea typeface="Cambria Math" charset="0"/>
                               <a:cs typeface="Cambria Math" charset="0"/>
                             </a:rPr>
@@ -11714,7 +11685,7 @@
                             <m:dPr>
                               <m:ctrlPr>
                                 <a:rPr lang="mr-IN" sz="3200" b="0" i="1" smtClean="0">
-                                  <a:latin typeface="Cambria Math"/>
+                                  <a:latin typeface="Cambria Math" charset="0"/>
                                   <a:ea typeface="Cambria Math" charset="0"/>
                                 </a:rPr>
                               </m:ctrlPr>
@@ -11725,7 +11696,7 @@
                                   <m:type m:val="noBar"/>
                                   <m:ctrlPr>
                                     <a:rPr lang="mr-IN" sz="3200" b="0" i="1" smtClean="0">
-                                      <a:latin typeface="Cambria Math"/>
+                                      <a:latin typeface="Cambria Math" charset="0"/>
                                       <a:ea typeface="Cambria Math" charset="0"/>
                                     </a:rPr>
                                   </m:ctrlPr>
@@ -11762,7 +11733,7 @@
                             <m:dPr>
                               <m:ctrlPr>
                                 <a:rPr lang="de-DE" sz="3200" b="0" i="1" smtClean="0">
-                                  <a:latin typeface="Cambria Math"/>
+                                  <a:latin typeface="Cambria Math" charset="0"/>
                                   <a:ea typeface="Cambria Math" charset="0"/>
                                 </a:rPr>
                               </m:ctrlPr>
@@ -11773,7 +11744,7 @@
                                   <m:type m:val="noBar"/>
                                   <m:ctrlPr>
                                     <a:rPr lang="de-DE" sz="3200" b="0" i="1" smtClean="0">
-                                      <a:latin typeface="Cambria Math"/>
+                                      <a:latin typeface="Cambria Math" charset="0"/>
                                       <a:ea typeface="Cambria Math" charset="0"/>
                                     </a:rPr>
                                   </m:ctrlPr>
@@ -11809,7 +11780,7 @@
                                   <m:type m:val="noBar"/>
                                   <m:ctrlPr>
                                     <a:rPr lang="de-DE" sz="3200" b="0" i="1" smtClean="0">
-                                      <a:latin typeface="Cambria Math"/>
+                                      <a:latin typeface="Cambria Math" charset="0"/>
                                       <a:ea typeface="Cambria Math" charset="0"/>
                                     </a:rPr>
                                   </m:ctrlPr>
@@ -11915,7 +11886,7 @@
                       <m:dPr>
                         <m:ctrlPr>
                           <a:rPr lang="en-US" sz="3200" b="0" i="1" smtClean="0">
-                            <a:latin typeface="Cambria Math"/>
+                            <a:latin typeface="Cambria Math" charset="0"/>
                             <a:ea typeface="Cambria Math"/>
                           </a:rPr>
                         </m:ctrlPr>
@@ -11925,7 +11896,7 @@
                           <m:sSubPr>
                             <m:ctrlPr>
                               <a:rPr lang="en-US" sz="3200" b="0" i="1" smtClean="0">
-                                <a:latin typeface="Cambria Math"/>
+                                <a:latin typeface="Cambria Math" charset="0"/>
                                 <a:ea typeface="Cambria Math"/>
                               </a:rPr>
                             </m:ctrlPr>
@@ -11960,7 +11931,7 @@
                           <m:sSubPr>
                             <m:ctrlPr>
                               <a:rPr lang="en-US" sz="3200" b="0" i="1" smtClean="0">
-                                <a:latin typeface="Cambria Math"/>
+                                <a:latin typeface="Cambria Math" charset="0"/>
                                 <a:ea typeface="Cambria Math"/>
                               </a:rPr>
                             </m:ctrlPr>
@@ -12005,7 +11976,7 @@
                         <m:sSubPr>
                           <m:ctrlPr>
                             <a:rPr lang="de-DE" sz="3200" i="1">
-                              <a:latin typeface="Cambria Math"/>
+                              <a:latin typeface="Cambria Math" charset="0"/>
                               <a:ea typeface="Cambria Math"/>
                             </a:rPr>
                           </m:ctrlPr>
@@ -12040,7 +12011,7 @@
                         <m:dPr>
                           <m:ctrlPr>
                             <a:rPr lang="de-DE" sz="3200" i="1">
-                              <a:latin typeface="Cambria Math"/>
+                              <a:latin typeface="Cambria Math" charset="0"/>
                               <a:ea typeface="Cambria Math"/>
                             </a:rPr>
                           </m:ctrlPr>
@@ -12050,7 +12021,7 @@
                             <m:sSubPr>
                               <m:ctrlPr>
                                 <a:rPr lang="de-DE" sz="3200" i="1">
-                                  <a:latin typeface="Cambria Math"/>
+                                  <a:latin typeface="Cambria Math" charset="0"/>
                                   <a:ea typeface="Cambria Math"/>
                                 </a:rPr>
                               </m:ctrlPr>
@@ -12092,7 +12063,7 @@
                             <m:sSubSupPr>
                               <m:ctrlPr>
                                 <a:rPr lang="de-DE" sz="3200" i="1">
-                                  <a:latin typeface="Cambria Math"/>
+                                  <a:latin typeface="Cambria Math" charset="0"/>
                                   <a:ea typeface="Cambria Math"/>
                                 </a:rPr>
                               </m:ctrlPr>
@@ -12115,15 +12086,16 @@
                                 <m:t>1</m:t>
                               </m:r>
                             </m:sub>
-                            <m:sup/>
+                            <m:sup>
+                              <m:r>
+                                <a:rPr lang="de-DE" sz="3200" b="0" i="1" smtClean="0">
+                                  <a:latin typeface="Cambria Math" charset="0"/>
+                                  <a:ea typeface="Cambria Math"/>
+                                </a:rPr>
+                                <m:t>2</m:t>
+                              </m:r>
+                            </m:sup>
                           </m:sSubSup>
-                          <m:r>
-                            <a:rPr lang="de-DE" sz="3200" i="1" baseline="30000">
-                              <a:latin typeface="Cambria Math"/>
-                              <a:ea typeface="Cambria Math"/>
-                            </a:rPr>
-                            <m:t>2</m:t>
-                          </m:r>
                         </m:e>
                       </m:d>
                       <m:r>
@@ -12137,7 +12109,7 @@
                         <m:sSubPr>
                           <m:ctrlPr>
                             <a:rPr lang="de-DE" sz="3200" i="1">
-                              <a:latin typeface="Cambria Math"/>
+                              <a:latin typeface="Cambria Math" charset="0"/>
                               <a:ea typeface="Cambria Math"/>
                             </a:rPr>
                           </m:ctrlPr>
@@ -12172,7 +12144,7 @@
                         <m:dPr>
                           <m:ctrlPr>
                             <a:rPr lang="de-DE" sz="3200" i="1">
-                              <a:latin typeface="Cambria Math"/>
+                              <a:latin typeface="Cambria Math" charset="0"/>
                               <a:ea typeface="Cambria Math"/>
                             </a:rPr>
                           </m:ctrlPr>
@@ -12182,7 +12154,7 @@
                             <m:sSubPr>
                               <m:ctrlPr>
                                 <a:rPr lang="de-DE" sz="3200" i="1">
-                                  <a:latin typeface="Cambria Math"/>
+                                  <a:latin typeface="Cambria Math" charset="0"/>
                                   <a:ea typeface="Cambria Math"/>
                                 </a:rPr>
                               </m:ctrlPr>
@@ -12224,7 +12196,7 @@
                             <m:sSubSupPr>
                               <m:ctrlPr>
                                 <a:rPr lang="de-DE" sz="3200" i="1">
-                                  <a:latin typeface="Cambria Math"/>
+                                  <a:latin typeface="Cambria Math" charset="0"/>
                                   <a:ea typeface="Cambria Math"/>
                                 </a:rPr>
                               </m:ctrlPr>
@@ -12247,15 +12219,16 @@
                                 <m:t>2</m:t>
                               </m:r>
                             </m:sub>
-                            <m:sup/>
+                            <m:sup>
+                              <m:r>
+                                <a:rPr lang="de-DE" sz="3200" b="0" i="1" smtClean="0">
+                                  <a:latin typeface="Cambria Math" charset="0"/>
+                                  <a:ea typeface="Cambria Math"/>
+                                </a:rPr>
+                                <m:t>2</m:t>
+                              </m:r>
+                            </m:sup>
                           </m:sSubSup>
-                          <m:r>
-                            <a:rPr lang="de-DE" sz="3200" i="1" baseline="30000">
-                              <a:latin typeface="Cambria Math"/>
-                              <a:ea typeface="Cambria Math"/>
-                            </a:rPr>
-                            <m:t>2</m:t>
-                          </m:r>
                           <m:r>
                             <a:rPr lang="de-DE" sz="3200" i="1">
                               <a:latin typeface="Cambria Math"/>
@@ -12330,15 +12303,7 @@
                 </a:pPr>
                 <a:r>
                   <a:rPr lang="en-US" sz="3200" dirty="0" smtClean="0"/>
-                  <a:t>Simulation is run </a:t>
-                </a:r>
-                <a:r>
-                  <a:rPr lang="en-US" sz="3200" dirty="0" smtClean="0"/>
-                  <a:t>with </a:t>
-                </a:r>
-                <a:r>
-                  <a:rPr lang="en-US" sz="3200" dirty="0" smtClean="0"/>
-                  <a:t>nine combinations:</a:t>
+                  <a:t>Simulation is run with nine combinations:</a:t>
                 </a:r>
               </a:p>
             </p:txBody>
@@ -12361,10 +12326,10 @@
               <a:prstGeom prst="rect">
                 <a:avLst/>
               </a:prstGeom>
-              <a:blipFill rotWithShape="1">
+              <a:blipFill rotWithShape="0">
                 <a:blip r:embed="rId8"/>
                 <a:stretch>
-                  <a:fillRect l="-1441" t="-1494" r="-2292" b="-2874"/>
+                  <a:fillRect l="-1506" t="-1494" r="-2292"/>
                 </a:stretch>
               </a:blipFill>
             </p:spPr>

--- a/poster/poster_template.pptx
+++ b/poster/poster_template.pptx
@@ -106,7 +106,7 @@
   </p:defaultTextStyle>
   <p:extLst>
     <p:ext uri="{EFAFB233-063F-42B5-8137-9DF3F51BA10A}">
-      <p15:sldGuideLst xmlns:p15="http://schemas.microsoft.com/office/powerpoint/2012/main">
+      <p15:sldGuideLst xmlns:p15="http://schemas.microsoft.com/office/powerpoint/2012/main" xmlns="">
         <p15:guide id="1" orient="horz" pos="9536" userDrawn="1">
           <p15:clr>
             <a:srgbClr val="A4A3A4"/>
@@ -316,7 +316,7 @@
           <a:p>
             <a:fld id="{0B7A2DEA-69B7-D343-870B-04A176525892}" type="datetimeFigureOut">
               <a:rPr lang="de-DE" smtClean="0"/>
-              <a:t>28.01.18</a:t>
+              <a:t>30.01.2018</a:t>
             </a:fld>
             <a:endParaRPr lang="en-US"/>
           </a:p>
@@ -486,7 +486,7 @@
           <a:p>
             <a:fld id="{0B7A2DEA-69B7-D343-870B-04A176525892}" type="datetimeFigureOut">
               <a:rPr lang="de-DE" smtClean="0"/>
-              <a:t>28.01.18</a:t>
+              <a:t>30.01.2018</a:t>
             </a:fld>
             <a:endParaRPr lang="en-US"/>
           </a:p>
@@ -666,7 +666,7 @@
           <a:p>
             <a:fld id="{0B7A2DEA-69B7-D343-870B-04A176525892}" type="datetimeFigureOut">
               <a:rPr lang="de-DE" smtClean="0"/>
-              <a:t>28.01.18</a:t>
+              <a:t>30.01.2018</a:t>
             </a:fld>
             <a:endParaRPr lang="en-US"/>
           </a:p>
@@ -836,7 +836,7 @@
           <a:p>
             <a:fld id="{0B7A2DEA-69B7-D343-870B-04A176525892}" type="datetimeFigureOut">
               <a:rPr lang="de-DE" smtClean="0"/>
-              <a:t>28.01.18</a:t>
+              <a:t>30.01.2018</a:t>
             </a:fld>
             <a:endParaRPr lang="en-US"/>
           </a:p>
@@ -1082,7 +1082,7 @@
           <a:p>
             <a:fld id="{0B7A2DEA-69B7-D343-870B-04A176525892}" type="datetimeFigureOut">
               <a:rPr lang="de-DE" smtClean="0"/>
-              <a:t>28.01.18</a:t>
+              <a:t>30.01.2018</a:t>
             </a:fld>
             <a:endParaRPr lang="en-US"/>
           </a:p>
@@ -1370,7 +1370,7 @@
           <a:p>
             <a:fld id="{0B7A2DEA-69B7-D343-870B-04A176525892}" type="datetimeFigureOut">
               <a:rPr lang="de-DE" smtClean="0"/>
-              <a:t>28.01.18</a:t>
+              <a:t>30.01.2018</a:t>
             </a:fld>
             <a:endParaRPr lang="en-US"/>
           </a:p>
@@ -1797,7 +1797,7 @@
           <a:p>
             <a:fld id="{0B7A2DEA-69B7-D343-870B-04A176525892}" type="datetimeFigureOut">
               <a:rPr lang="de-DE" smtClean="0"/>
-              <a:t>28.01.18</a:t>
+              <a:t>30.01.2018</a:t>
             </a:fld>
             <a:endParaRPr lang="en-US"/>
           </a:p>
@@ -1915,7 +1915,7 @@
           <a:p>
             <a:fld id="{0B7A2DEA-69B7-D343-870B-04A176525892}" type="datetimeFigureOut">
               <a:rPr lang="de-DE" smtClean="0"/>
-              <a:t>28.01.18</a:t>
+              <a:t>30.01.2018</a:t>
             </a:fld>
             <a:endParaRPr lang="en-US"/>
           </a:p>
@@ -2010,7 +2010,7 @@
           <a:p>
             <a:fld id="{0B7A2DEA-69B7-D343-870B-04A176525892}" type="datetimeFigureOut">
               <a:rPr lang="de-DE" smtClean="0"/>
-              <a:t>28.01.18</a:t>
+              <a:t>30.01.2018</a:t>
             </a:fld>
             <a:endParaRPr lang="en-US"/>
           </a:p>
@@ -2287,7 +2287,7 @@
           <a:p>
             <a:fld id="{0B7A2DEA-69B7-D343-870B-04A176525892}" type="datetimeFigureOut">
               <a:rPr lang="de-DE" smtClean="0"/>
-              <a:t>28.01.18</a:t>
+              <a:t>30.01.2018</a:t>
             </a:fld>
             <a:endParaRPr lang="en-US"/>
           </a:p>
@@ -2540,7 +2540,7 @@
           <a:p>
             <a:fld id="{0B7A2DEA-69B7-D343-870B-04A176525892}" type="datetimeFigureOut">
               <a:rPr lang="de-DE" smtClean="0"/>
-              <a:t>28.01.18</a:t>
+              <a:t>30.01.2018</a:t>
             </a:fld>
             <a:endParaRPr lang="en-US"/>
           </a:p>
@@ -2753,7 +2753,7 @@
           <a:p>
             <a:fld id="{0B7A2DEA-69B7-D343-870B-04A176525892}" type="datetimeFigureOut">
               <a:rPr lang="de-DE" smtClean="0"/>
-              <a:t>28.01.18</a:t>
+              <a:t>30.01.2018</a:t>
             </a:fld>
             <a:endParaRPr lang="en-US"/>
           </a:p>
@@ -3146,7 +3146,7 @@
         </p:nvSpPr>
         <p:spPr bwMode="auto">
           <a:xfrm>
-            <a:off x="21867864" y="17163407"/>
+            <a:off x="21893770" y="13883820"/>
             <a:ext cx="9344944" cy="845475"/>
           </a:xfrm>
           <a:prstGeom prst="rect">
@@ -3206,7 +3206,7 @@
         <p:spPr>
           <a:xfrm>
             <a:off x="1233714" y="6697869"/>
-            <a:ext cx="9344942" cy="7201972"/>
+            <a:ext cx="9344942" cy="7694414"/>
           </a:xfrm>
           <a:prstGeom prst="rect">
             <a:avLst/>
@@ -3228,7 +3228,11 @@
             </a:pPr>
             <a:r>
               <a:rPr lang="en-GB" sz="3200" dirty="0"/>
-              <a:t>Expectation-Maximization (EM) is one of the most popular tools to obtain Maximum Likelihood </a:t>
+              <a:t>Expectation-Maximization (EM) is one of the most popular tools to obtain </a:t>
+            </a:r>
+            <a:r>
+              <a:rPr lang="en-GB" sz="3200" dirty="0" smtClean="0"/>
+              <a:t>maximum likelihood </a:t>
             </a:r>
             <a:r>
               <a:rPr lang="en-GB" sz="3200" dirty="0" smtClean="0"/>
@@ -3256,6 +3260,11 @@
               <a:rPr lang="en-GB" sz="3200" dirty="0"/>
               <a:t>Problem: EM algorithm does not provide an asymptotic variance-covariance matrix </a:t>
             </a:r>
+            <a:r>
+              <a:rPr lang="en-GB" sz="3200" dirty="0" smtClean="0"/>
+              <a:t>for the parameters</a:t>
+            </a:r>
+            <a:endParaRPr lang="en-GB" sz="3200" dirty="0"/>
           </a:p>
           <a:p>
             <a:pPr marL="285750" indent="-285750">
@@ -3293,7 +3302,7 @@
             </a:r>
             <a:r>
               <a:rPr lang="en-GB" sz="3200" dirty="0" smtClean="0"/>
-              <a:t>computationally </a:t>
+              <a:t>are computationally </a:t>
             </a:r>
             <a:r>
               <a:rPr lang="en-GB" sz="3200" dirty="0"/>
@@ -3330,8 +3339,8 @@
           </a:p>
         </p:txBody>
       </p:sp>
-      <mc:AlternateContent xmlns:mc="http://schemas.openxmlformats.org/markup-compatibility/2006" xmlns:a14="http://schemas.microsoft.com/office/drawing/2010/main">
-        <mc:Choice Requires="a14">
+      <mc:AlternateContent xmlns:mc="http://schemas.openxmlformats.org/markup-compatibility/2006">
+        <mc:Choice xmlns:a14="http://schemas.microsoft.com/office/drawing/2010/main" Requires="a14">
           <p:sp>
             <p:nvSpPr>
               <p:cNvPr id="105" name="Textfeld 104"/>
@@ -3427,7 +3436,7 @@
                       <m:sSubPr>
                         <m:ctrlPr>
                           <a:rPr lang="en-GB" sz="3200" i="1" smtClean="0">
-                            <a:latin typeface="Cambria Math" charset="0"/>
+                            <a:latin typeface="Cambria Math"/>
                           </a:rPr>
                         </m:ctrlPr>
                       </m:sSubPr>
@@ -3470,7 +3479,7 @@
                         <m:sSubPr>
                           <m:ctrlPr>
                             <a:rPr lang="en-GB" sz="3200" i="1" dirty="0" smtClean="0">
-                              <a:latin typeface="Cambria Math" charset="0"/>
+                              <a:latin typeface="Cambria Math"/>
                             </a:rPr>
                           </m:ctrlPr>
                         </m:sSubPr>
@@ -3501,7 +3510,7 @@
                         <m:sSubPr>
                           <m:ctrlPr>
                             <a:rPr lang="en-GB" sz="3200" i="1" dirty="0" smtClean="0">
-                              <a:latin typeface="Cambria Math" charset="0"/>
+                              <a:latin typeface="Cambria Math"/>
                             </a:rPr>
                           </m:ctrlPr>
                         </m:sSubPr>
@@ -3526,7 +3535,7 @@
                         <m:dPr>
                           <m:ctrlPr>
                             <a:rPr lang="en-GB" sz="3200" i="1" dirty="0" smtClean="0">
-                              <a:latin typeface="Cambria Math" charset="0"/>
+                              <a:latin typeface="Cambria Math"/>
                             </a:rPr>
                           </m:ctrlPr>
                         </m:dPr>
@@ -3535,7 +3544,7 @@
                             <m:sSupPr>
                               <m:ctrlPr>
                                 <a:rPr lang="el-GR" sz="3200" i="1" dirty="0" smtClean="0">
-                                  <a:latin typeface="Cambria Math" charset="0"/>
+                                  <a:latin typeface="Cambria Math"/>
                                   <a:ea typeface="Cambria Math"/>
                                 </a:rPr>
                               </m:ctrlPr>
@@ -3565,7 +3574,7 @@
                             <m:sSupPr>
                               <m:ctrlPr>
                                 <a:rPr lang="el-GR" sz="3200" i="1" dirty="0" smtClean="0">
-                                  <a:latin typeface="Cambria Math" charset="0"/>
+                                  <a:latin typeface="Cambria Math"/>
                                 </a:rPr>
                               </m:ctrlPr>
                             </m:sSupPr>
@@ -3590,7 +3599,7 @@
                             <m:dPr>
                               <m:ctrlPr>
                                 <a:rPr lang="en-GB" sz="3200" i="1" dirty="0" smtClean="0">
-                                  <a:latin typeface="Cambria Math" charset="0"/>
+                                  <a:latin typeface="Cambria Math"/>
                                 </a:rPr>
                               </m:ctrlPr>
                             </m:dPr>
@@ -3599,7 +3608,7 @@
                                 <m:sSubPr>
                                   <m:ctrlPr>
                                     <a:rPr lang="en-GB" sz="3200" i="1" dirty="0" smtClean="0">
-                                      <a:latin typeface="Cambria Math" charset="0"/>
+                                      <a:latin typeface="Cambria Math"/>
                                     </a:rPr>
                                   </m:ctrlPr>
                                 </m:sSubPr>
@@ -3646,7 +3655,7 @@
                         <m:sSupPr>
                           <m:ctrlPr>
                             <a:rPr lang="de-DE" sz="3200" b="0" i="1" dirty="0" smtClean="0">
-                              <a:latin typeface="Cambria Math" charset="0"/>
+                              <a:latin typeface="Cambria Math"/>
                             </a:rPr>
                           </m:ctrlPr>
                         </m:sSupPr>
@@ -3685,7 +3694,7 @@
                           <m:endChr m:val="]"/>
                           <m:ctrlPr>
                             <a:rPr lang="de-DE" sz="3200" b="0" i="1" dirty="0" smtClean="0">
-                              <a:latin typeface="Cambria Math" charset="0"/>
+                              <a:latin typeface="Cambria Math"/>
                             </a:rPr>
                           </m:ctrlPr>
                         </m:dPr>
@@ -3700,7 +3709,7 @@
                             <m:dPr>
                               <m:ctrlPr>
                                 <a:rPr lang="de-DE" sz="3200" b="0" i="1" dirty="0" smtClean="0">
-                                  <a:latin typeface="Cambria Math" charset="0"/>
+                                  <a:latin typeface="Cambria Math"/>
                                 </a:rPr>
                               </m:ctrlPr>
                             </m:dPr>
@@ -3723,7 +3732,7 @@
                             <m:sSubPr>
                               <m:ctrlPr>
                                 <a:rPr lang="de-DE" sz="3200" b="0" i="1" dirty="0" smtClean="0">
-                                  <a:latin typeface="Cambria Math" charset="0"/>
+                                  <a:latin typeface="Cambria Math"/>
                                 </a:rPr>
                               </m:ctrlPr>
                             </m:sSubPr>
@@ -3831,7 +3840,7 @@
                         <m:dPr>
                           <m:ctrlPr>
                             <a:rPr lang="de-DE" sz="3200" i="1">
-                              <a:latin typeface="Cambria Math" charset="0"/>
+                              <a:latin typeface="Cambria Math"/>
                             </a:rPr>
                           </m:ctrlPr>
                         </m:dPr>
@@ -3848,7 +3857,7 @@
                               </m:mcs>
                               <m:ctrlPr>
                                 <a:rPr lang="de-DE" sz="3200" i="1">
-                                  <a:latin typeface="Cambria Math" charset="0"/>
+                                  <a:latin typeface="Cambria Math"/>
                                 </a:rPr>
                               </m:ctrlPr>
                             </m:mPr>
@@ -3858,7 +3867,7 @@
                                   <m:sSubPr>
                                     <m:ctrlPr>
                                       <a:rPr lang="de-DE" sz="3200" i="1">
-                                        <a:latin typeface="Cambria Math" charset="0"/>
+                                        <a:latin typeface="Cambria Math"/>
                                       </a:rPr>
                                     </m:ctrlPr>
                                   </m:sSubPr>
@@ -3893,7 +3902,7 @@
                                   <m:sSubPr>
                                     <m:ctrlPr>
                                       <a:rPr lang="de-DE" sz="3200" i="1">
-                                        <a:latin typeface="Cambria Math" charset="0"/>
+                                        <a:latin typeface="Cambria Math"/>
                                       </a:rPr>
                                     </m:ctrlPr>
                                   </m:sSubPr>
@@ -3954,7 +3963,7 @@
                                   <m:sSubPr>
                                     <m:ctrlPr>
                                       <a:rPr lang="de-DE" sz="3200" i="1">
-                                        <a:latin typeface="Cambria Math" charset="0"/>
+                                        <a:latin typeface="Cambria Math"/>
                                       </a:rPr>
                                     </m:ctrlPr>
                                   </m:sSubPr>
@@ -3995,7 +4004,7 @@
                                   <m:sSubPr>
                                     <m:ctrlPr>
                                       <a:rPr lang="de-DE" sz="3200" i="1">
-                                        <a:latin typeface="Cambria Math" charset="0"/>
+                                        <a:latin typeface="Cambria Math"/>
                                       </a:rPr>
                                     </m:ctrlPr>
                                   </m:sSubPr>
@@ -4154,7 +4163,7 @@
                             <a:solidFill>
                               <a:schemeClr val="tx1"/>
                             </a:solidFill>
-                            <a:latin typeface="Cambria Math" charset="0"/>
+                            <a:latin typeface="Cambria Math"/>
                             <a:ea typeface="Cambria Math"/>
                           </a:rPr>
                         </m:ctrlPr>
@@ -4207,7 +4216,7 @@
                         <m:degHide m:val="on"/>
                         <m:ctrlPr>
                           <a:rPr lang="de-DE" sz="3200" b="1" i="1">
-                            <a:latin typeface="Cambria Math" charset="0"/>
+                            <a:latin typeface="Cambria Math"/>
                           </a:rPr>
                         </m:ctrlPr>
                       </m:radPr>
@@ -4276,7 +4285,7 @@
                       <m:sSubPr>
                         <m:ctrlPr>
                           <a:rPr lang="en-GB" sz="3200" i="1" smtClean="0">
-                            <a:latin typeface="Cambria Math" charset="0"/>
+                            <a:latin typeface="Cambria Math"/>
                           </a:rPr>
                         </m:ctrlPr>
                       </m:sSubPr>
@@ -4327,7 +4336,7 @@
                       <m:fPr>
                         <m:ctrlPr>
                           <a:rPr lang="en-GB" sz="3200" i="1" smtClean="0">
-                            <a:latin typeface="Cambria Math" charset="0"/>
+                            <a:latin typeface="Cambria Math"/>
                           </a:rPr>
                         </m:ctrlPr>
                       </m:fPr>
@@ -4342,7 +4351,7 @@
                           <m:sSubSupPr>
                             <m:ctrlPr>
                               <a:rPr lang="de-DE" sz="3200" b="0" i="1" smtClean="0">
-                                <a:latin typeface="Cambria Math" charset="0"/>
+                                <a:latin typeface="Cambria Math"/>
                               </a:rPr>
                             </m:ctrlPr>
                           </m:sSubSupPr>
@@ -4368,7 +4377,7 @@
                               <m:dPr>
                                 <m:ctrlPr>
                                   <a:rPr lang="de-DE" sz="3200" i="1" baseline="14000">
-                                    <a:latin typeface="Cambria Math" charset="0"/>
+                                    <a:latin typeface="Cambria Math"/>
                                   </a:rPr>
                                 </m:ctrlPr>
                               </m:dPr>
@@ -4399,7 +4408,7 @@
                           <m:dPr>
                             <m:ctrlPr>
                               <a:rPr lang="de-DE" sz="3200" b="0" i="1" smtClean="0">
-                                <a:latin typeface="Cambria Math" charset="0"/>
+                                <a:latin typeface="Cambria Math"/>
                               </a:rPr>
                             </m:ctrlPr>
                           </m:dPr>
@@ -4422,7 +4431,7 @@
                           <m:sSubPr>
                             <m:ctrlPr>
                               <a:rPr lang="de-DE" sz="3200" b="0" i="1" smtClean="0">
-                                <a:latin typeface="Cambria Math" charset="0"/>
+                                <a:latin typeface="Cambria Math"/>
                               </a:rPr>
                             </m:ctrlPr>
                           </m:sSubPr>
@@ -4468,7 +4477,7 @@
                           <m:sSubPr>
                             <m:ctrlPr>
                               <a:rPr lang="de-DE" sz="3200" b="0" i="1" smtClean="0">
-                                <a:latin typeface="Cambria Math" charset="0"/>
+                                <a:latin typeface="Cambria Math"/>
                               </a:rPr>
                             </m:ctrlPr>
                           </m:sSubPr>
@@ -4494,7 +4503,7 @@
                           <m:dPr>
                             <m:ctrlPr>
                               <a:rPr lang="de-DE" sz="3200" b="0" i="1" baseline="14000" smtClean="0">
-                                <a:latin typeface="Cambria Math" charset="0"/>
+                                <a:latin typeface="Cambria Math"/>
                               </a:rPr>
                             </m:ctrlPr>
                           </m:dPr>
@@ -4517,7 +4526,7 @@
                           <m:sSubPr>
                             <m:ctrlPr>
                               <a:rPr lang="de-DE" sz="3200" b="0" i="1" smtClean="0">
-                                <a:latin typeface="Cambria Math" charset="0"/>
+                                <a:latin typeface="Cambria Math"/>
                               </a:rPr>
                             </m:ctrlPr>
                           </m:sSubPr>
@@ -4603,7 +4612,7 @@
                       <m:sSubPr>
                         <m:ctrlPr>
                           <a:rPr lang="en-GB" sz="3200" i="1">
-                            <a:latin typeface="Cambria Math" charset="0"/>
+                            <a:latin typeface="Cambria Math"/>
                           </a:rPr>
                         </m:ctrlPr>
                       </m:sSubPr>
@@ -4668,7 +4677,7 @@
                       <m:sSubPr>
                         <m:ctrlPr>
                           <a:rPr lang="en-GB" sz="3200" i="1" smtClean="0">
-                            <a:latin typeface="Cambria Math" charset="0"/>
+                            <a:latin typeface="Cambria Math"/>
                             <a:ea typeface="Cambria Math" charset="0"/>
                           </a:rPr>
                         </m:ctrlPr>
@@ -4706,7 +4715,7 @@
                         <m:endChr m:val="|"/>
                         <m:ctrlPr>
                           <a:rPr lang="de-DE" sz="3200" i="1">
-                            <a:latin typeface="Cambria Math" charset="0"/>
+                            <a:latin typeface="Cambria Math"/>
                           </a:rPr>
                         </m:ctrlPr>
                       </m:dPr>
@@ -4715,7 +4724,7 @@
                           <m:sSubPr>
                             <m:ctrlPr>
                               <a:rPr lang="en-GB" sz="3200" i="1">
-                                <a:latin typeface="Cambria Math" charset="0"/>
+                                <a:latin typeface="Cambria Math"/>
                               </a:rPr>
                             </m:ctrlPr>
                           </m:sSubPr>
@@ -4764,7 +4773,7 @@
                           <m:sSubPr>
                             <m:ctrlPr>
                               <a:rPr lang="en-GB" sz="3200" i="1">
-                                <a:latin typeface="Cambria Math" charset="0"/>
+                                <a:latin typeface="Cambria Math"/>
                               </a:rPr>
                             </m:ctrlPr>
                           </m:sSubPr>
@@ -4901,7 +4910,7 @@
                       <m:sSupPr>
                         <m:ctrlPr>
                           <a:rPr lang="de-DE" sz="3200" b="0" i="1" smtClean="0">
-                            <a:latin typeface="Cambria Math" charset="0"/>
+                            <a:latin typeface="Cambria Math"/>
                           </a:rPr>
                         </m:ctrlPr>
                       </m:sSupPr>
@@ -4910,7 +4919,7 @@
                           <m:sSubPr>
                             <m:ctrlPr>
                               <a:rPr lang="en-GB" sz="3200" i="1" dirty="0">
-                                <a:latin typeface="Cambria Math" charset="0"/>
+                                <a:latin typeface="Cambria Math"/>
                               </a:rPr>
                             </m:ctrlPr>
                           </m:sSubPr>
@@ -5003,7 +5012,7 @@
                       <m:sSupPr>
                         <m:ctrlPr>
                           <a:rPr lang="de-DE" sz="3200" i="1">
-                            <a:latin typeface="Cambria Math" charset="0"/>
+                            <a:latin typeface="Cambria Math"/>
                           </a:rPr>
                         </m:ctrlPr>
                       </m:sSupPr>
@@ -5012,7 +5021,7 @@
                           <m:sSubPr>
                             <m:ctrlPr>
                               <a:rPr lang="en-GB" sz="3200" i="1" dirty="0">
-                                <a:latin typeface="Cambria Math" charset="0"/>
+                                <a:latin typeface="Cambria Math"/>
                               </a:rPr>
                             </m:ctrlPr>
                           </m:sSubPr>
@@ -5055,7 +5064,7 @@
                       <m:sSupPr>
                         <m:ctrlPr>
                           <a:rPr lang="en-GB" sz="3200" i="1" smtClean="0">
-                            <a:latin typeface="Cambria Math" charset="0"/>
+                            <a:latin typeface="Cambria Math"/>
                           </a:rPr>
                         </m:ctrlPr>
                       </m:sSupPr>
@@ -5118,7 +5127,7 @@
                 <a:endParaRPr lang="de-DE" sz="3200" b="0" dirty="0" smtClean="0"/>
               </a:p>
               <a:p>
-                <a:pPr marL="457200" indent="-457200">
+                <a:pPr marL="314325" indent="-314325">
                   <a:spcAft>
                     <a:spcPts val="1200"/>
                   </a:spcAft>
@@ -5251,7 +5260,7 @@
             </p:txBody>
           </p:sp>
         </mc:Choice>
-        <mc:Fallback xmlns="">
+        <mc:Fallback>
           <p:sp>
             <p:nvSpPr>
               <p:cNvPr id="105" name="Textfeld 104"/>
@@ -5641,238 +5650,165 @@
           </a:p>
         </p:txBody>
       </p:sp>
-      <mc:AlternateContent xmlns:mc="http://schemas.openxmlformats.org/markup-compatibility/2006" xmlns:a14="http://schemas.microsoft.com/office/drawing/2010/main">
-        <mc:Choice Requires="a14">
-          <p:sp>
-            <p:nvSpPr>
-              <p:cNvPr id="8" name="Textfeld 7"/>
-              <p:cNvSpPr txBox="1"/>
-              <p:nvPr/>
-            </p:nvSpPr>
-            <p:spPr>
-              <a:xfrm>
-                <a:off x="21913007" y="18008882"/>
-                <a:ext cx="9254655" cy="1307818"/>
-              </a:xfrm>
-              <a:prstGeom prst="rect">
-                <a:avLst/>
-              </a:prstGeom>
-              <a:noFill/>
-              <a:effectLst/>
-            </p:spPr>
-            <p:txBody>
-              <a:bodyPr wrap="square" rtlCol="0">
-                <a:noAutofit/>
-              </a:bodyPr>
-              <a:lstStyle/>
-              <a:p>
-                <a:pPr marL="457200" indent="-457200">
-                  <a:spcAft>
-                    <a:spcPts val="1200"/>
-                  </a:spcAft>
-                  <a:buFont typeface="Arial" pitchFamily="34" charset="0"/>
-                  <a:buChar char="•"/>
-                </a:pPr>
-                <a14:m>
-                  <m:oMath xmlns:m="http://schemas.openxmlformats.org/officeDocument/2006/math">
-                    <m:r>
-                      <a:rPr lang="de-DE" sz="3200" b="0" i="1" smtClean="0">
-                        <a:solidFill>
-                          <a:schemeClr val="tx1"/>
-                        </a:solidFill>
-                        <a:latin typeface="Cambria Math"/>
-                      </a:rPr>
-                      <m:t>𝑉</m:t>
-                    </m:r>
-                    <m:r>
-                      <a:rPr lang="de-DE" sz="3200" b="0" i="1" baseline="-25000" smtClean="0">
-                        <a:solidFill>
-                          <a:schemeClr val="tx1"/>
-                        </a:solidFill>
-                        <a:latin typeface="Cambria Math"/>
-                      </a:rPr>
-                      <m:t>𝑐</m:t>
-                    </m:r>
-                    <m:r>
-                      <a:rPr lang="de-DE" sz="3200" b="0" i="1" smtClean="0">
-                        <a:solidFill>
-                          <a:schemeClr val="tx1"/>
-                        </a:solidFill>
-                        <a:latin typeface="Cambria Math"/>
-                      </a:rPr>
-                      <m:t>(</m:t>
-                    </m:r>
-                    <m:sSub>
-                      <m:sSubPr>
-                        <m:ctrlPr>
-                          <a:rPr lang="de-DE" sz="3200" b="0" i="1" smtClean="0">
-                            <a:solidFill>
-                              <a:schemeClr val="tx1"/>
-                            </a:solidFill>
-                            <a:latin typeface="Cambria Math" charset="0"/>
-                          </a:rPr>
-                        </m:ctrlPr>
-                      </m:sSubPr>
-                      <m:e>
-                        <m:r>
-                          <a:rPr lang="de-DE" sz="3200" b="0" i="1" smtClean="0">
-                            <a:solidFill>
-                              <a:schemeClr val="tx1"/>
-                            </a:solidFill>
-                            <a:latin typeface="Cambria Math"/>
-                            <a:ea typeface="Cambria Math"/>
-                          </a:rPr>
-                          <m:t>𝜃</m:t>
-                        </m:r>
-                      </m:e>
-                      <m:sub>
-                        <m:r>
-                          <a:rPr lang="de-DE" sz="3200" b="0" i="1" smtClean="0">
-                            <a:solidFill>
-                              <a:schemeClr val="tx1"/>
-                            </a:solidFill>
-                            <a:latin typeface="Cambria Math"/>
-                          </a:rPr>
-                          <m:t>2</m:t>
-                        </m:r>
-                      </m:sub>
-                    </m:sSub>
-                    <m:r>
-                      <a:rPr lang="de-DE" sz="3200" b="0" i="1" smtClean="0">
-                        <a:solidFill>
-                          <a:schemeClr val="tx1"/>
-                        </a:solidFill>
-                        <a:latin typeface="Cambria Math"/>
-                      </a:rPr>
-                      <m:t>)−</m:t>
-                    </m:r>
-                    <m:r>
-                      <a:rPr lang="de-DE" sz="3200" b="0" i="1" smtClean="0">
-                        <a:solidFill>
-                          <a:schemeClr val="tx1"/>
-                        </a:solidFill>
-                        <a:latin typeface="Cambria Math"/>
-                      </a:rPr>
-                      <m:t>𝑉</m:t>
-                    </m:r>
-                    <m:r>
-                      <a:rPr lang="de-DE" sz="3200" b="0" i="1" smtClean="0">
-                        <a:solidFill>
-                          <a:schemeClr val="tx1"/>
-                        </a:solidFill>
-                        <a:latin typeface="Cambria Math"/>
-                      </a:rPr>
-                      <m:t>(</m:t>
-                    </m:r>
-                    <m:sSub>
-                      <m:sSubPr>
-                        <m:ctrlPr>
-                          <a:rPr lang="de-DE" sz="3200" i="1">
-                            <a:latin typeface="Cambria Math" charset="0"/>
-                          </a:rPr>
-                        </m:ctrlPr>
-                      </m:sSubPr>
-                      <m:e>
-                        <m:r>
-                          <a:rPr lang="de-DE" sz="3200" i="1">
-                            <a:latin typeface="Cambria Math"/>
-                            <a:ea typeface="Cambria Math"/>
-                          </a:rPr>
-                          <m:t>𝜃</m:t>
-                        </m:r>
-                      </m:e>
-                      <m:sub>
-                        <m:r>
-                          <a:rPr lang="de-DE" sz="3200" i="1">
-                            <a:latin typeface="Cambria Math"/>
-                          </a:rPr>
-                          <m:t>2</m:t>
-                        </m:r>
-                      </m:sub>
-                    </m:sSub>
-                    <m:r>
-                      <a:rPr lang="de-DE" sz="3200" b="0" i="1" smtClean="0">
-                        <a:solidFill>
-                          <a:schemeClr val="tx1"/>
-                        </a:solidFill>
-                        <a:latin typeface="Cambria Math"/>
-                      </a:rPr>
-                      <m:t>)</m:t>
-                    </m:r>
-                  </m:oMath>
-                </a14:m>
-                <a:r>
-                  <a:rPr lang="en-GB" sz="3200" dirty="0" smtClean="0">
-                    <a:solidFill>
-                      <a:schemeClr val="tx1"/>
-                    </a:solidFill>
-                  </a:rPr>
-                  <a:t> for each combination as a measure of accuracy/closeness/stability</a:t>
-                </a:r>
-                <a:r>
-                  <a:rPr lang="en-GB" sz="3200" dirty="0" smtClean="0">
-                    <a:solidFill>
-                      <a:srgbClr val="FF0000"/>
-                    </a:solidFill>
-                  </a:rPr>
-                  <a:t>[???]:</a:t>
-                </a:r>
-              </a:p>
-              <a:p>
-                <a:pPr>
-                  <a:spcAft>
-                    <a:spcPts val="1200"/>
-                  </a:spcAft>
-                </a:pPr>
-                <a:endParaRPr lang="en-GB" sz="3200" dirty="0">
-                  <a:solidFill>
-                    <a:schemeClr val="tx1"/>
-                  </a:solidFill>
-                </a:endParaRPr>
-              </a:p>
-            </p:txBody>
-          </p:sp>
-        </mc:Choice>
-        <mc:Fallback xmlns="">
-          <p:sp>
-            <p:nvSpPr>
-              <p:cNvPr id="8" name="Textfeld 7"/>
-              <p:cNvSpPr txBox="1">
-                <a:spLocks noRot="1" noChangeAspect="1" noMove="1" noResize="1" noEditPoints="1" noAdjustHandles="1" noChangeArrowheads="1" noChangeShapeType="1" noTextEdit="1"/>
-              </p:cNvSpPr>
-              <p:nvPr/>
-            </p:nvSpPr>
-            <p:spPr>
-              <a:xfrm>
-                <a:off x="21913007" y="18008882"/>
-                <a:ext cx="9254655" cy="1307818"/>
-              </a:xfrm>
-              <a:prstGeom prst="rect">
-                <a:avLst/>
-              </a:prstGeom>
-              <a:blipFill rotWithShape="1">
-                <a:blip r:embed="rId3"/>
-                <a:stretch>
-                  <a:fillRect t="-5581" r="-1318"/>
-                </a:stretch>
-              </a:blipFill>
-              <a:effectLst/>
-            </p:spPr>
-            <p:txBody>
-              <a:bodyPr/>
-              <a:lstStyle/>
-              <a:p>
-                <a:r>
-                  <a:rPr lang="de-DE">
-                    <a:noFill/>
-                  </a:rPr>
-                  <a:t> </a:t>
-                </a:r>
-              </a:p>
-            </p:txBody>
-          </p:sp>
-        </mc:Fallback>
-      </mc:AlternateContent>
+      <p:sp>
+        <p:nvSpPr>
+          <p:cNvPr id="8" name="Textfeld 7"/>
+          <p:cNvSpPr txBox="1"/>
+          <p:nvPr/>
+        </p:nvSpPr>
+        <p:spPr>
+          <a:xfrm>
+            <a:off x="21938913" y="14786444"/>
+            <a:ext cx="9254655" cy="10988205"/>
+          </a:xfrm>
+          <a:prstGeom prst="rect">
+            <a:avLst/>
+          </a:prstGeom>
+          <a:noFill/>
+          <a:effectLst/>
+        </p:spPr>
+        <p:txBody>
+          <a:bodyPr wrap="square" rtlCol="0">
+            <a:noAutofit/>
+          </a:bodyPr>
+          <a:lstStyle/>
+          <a:p>
+            <a:pPr marL="457200" indent="-457200">
+              <a:spcAft>
+                <a:spcPts val="1200"/>
+              </a:spcAft>
+              <a:buFont typeface="Arial" pitchFamily="34" charset="0"/>
+              <a:buChar char="•"/>
+            </a:pPr>
+            <a:r>
+              <a:rPr lang="en-GB" sz="3200" dirty="0" smtClean="0">
+                <a:solidFill>
+                  <a:schemeClr val="tx1"/>
+                </a:solidFill>
+              </a:rPr>
+              <a:t>FILL IN: EM convergence of parameters:</a:t>
+            </a:r>
+          </a:p>
+          <a:p>
+            <a:pPr marL="457200" indent="-457200">
+              <a:spcAft>
+                <a:spcPts val="1200"/>
+              </a:spcAft>
+              <a:buFont typeface="Arial" pitchFamily="34" charset="0"/>
+              <a:buChar char="•"/>
+            </a:pPr>
+            <a:endParaRPr lang="en-GB" sz="3200" dirty="0"/>
+          </a:p>
+          <a:p>
+            <a:pPr marL="457200" indent="-457200">
+              <a:spcAft>
+                <a:spcPts val="1200"/>
+              </a:spcAft>
+              <a:buFont typeface="Arial" pitchFamily="34" charset="0"/>
+              <a:buChar char="•"/>
+            </a:pPr>
+            <a:endParaRPr lang="en-GB" sz="3200" dirty="0" smtClean="0">
+              <a:solidFill>
+                <a:schemeClr val="tx1"/>
+              </a:solidFill>
+            </a:endParaRPr>
+          </a:p>
+          <a:p>
+            <a:pPr marL="457200" indent="-457200">
+              <a:spcAft>
+                <a:spcPts val="1200"/>
+              </a:spcAft>
+              <a:buFont typeface="Arial" pitchFamily="34" charset="0"/>
+              <a:buChar char="•"/>
+            </a:pPr>
+            <a:endParaRPr lang="en-GB" sz="3200" dirty="0"/>
+          </a:p>
+          <a:p>
+            <a:pPr marL="457200" indent="-457200">
+              <a:spcAft>
+                <a:spcPts val="1200"/>
+              </a:spcAft>
+              <a:buFont typeface="Arial" pitchFamily="34" charset="0"/>
+              <a:buChar char="•"/>
+            </a:pPr>
+            <a:endParaRPr lang="en-GB" sz="3200" dirty="0" smtClean="0">
+              <a:solidFill>
+                <a:schemeClr val="tx1"/>
+              </a:solidFill>
+            </a:endParaRPr>
+          </a:p>
+          <a:p>
+            <a:pPr marL="457200" indent="-457200">
+              <a:spcAft>
+                <a:spcPts val="1200"/>
+              </a:spcAft>
+              <a:buFont typeface="Arial" pitchFamily="34" charset="0"/>
+              <a:buChar char="•"/>
+            </a:pPr>
+            <a:endParaRPr lang="en-GB" sz="3200" dirty="0"/>
+          </a:p>
+          <a:p>
+            <a:pPr marL="457200" indent="-457200">
+              <a:spcAft>
+                <a:spcPts val="1200"/>
+              </a:spcAft>
+              <a:buFont typeface="Arial" pitchFamily="34" charset="0"/>
+              <a:buChar char="•"/>
+            </a:pPr>
+            <a:endParaRPr lang="en-GB" sz="3200" dirty="0" smtClean="0">
+              <a:solidFill>
+                <a:schemeClr val="tx1"/>
+              </a:solidFill>
+            </a:endParaRPr>
+          </a:p>
+          <a:p>
+            <a:pPr marL="457200" indent="-457200">
+              <a:spcAft>
+                <a:spcPts val="1200"/>
+              </a:spcAft>
+              <a:buFont typeface="Arial" pitchFamily="34" charset="0"/>
+              <a:buChar char="•"/>
+            </a:pPr>
+            <a:endParaRPr lang="en-GB" sz="3200" dirty="0"/>
+          </a:p>
+          <a:p>
+            <a:pPr marL="457200" indent="-457200">
+              <a:spcAft>
+                <a:spcPts val="1200"/>
+              </a:spcAft>
+              <a:buFont typeface="Arial" pitchFamily="34" charset="0"/>
+              <a:buChar char="•"/>
+            </a:pPr>
+            <a:endParaRPr lang="en-GB" sz="3200" dirty="0" smtClean="0">
+              <a:solidFill>
+                <a:schemeClr val="tx1"/>
+              </a:solidFill>
+            </a:endParaRPr>
+          </a:p>
+          <a:p>
+            <a:pPr marL="457200" indent="-457200">
+              <a:spcAft>
+                <a:spcPts val="1200"/>
+              </a:spcAft>
+              <a:buFont typeface="Arial" pitchFamily="34" charset="0"/>
+              <a:buChar char="•"/>
+            </a:pPr>
+            <a:r>
+              <a:rPr lang="de-DE" sz="3200" dirty="0" smtClean="0"/>
+              <a:t>FILL IN: Bootstrap </a:t>
+            </a:r>
+            <a:r>
+              <a:rPr lang="de-DE" sz="3200" dirty="0" err="1" smtClean="0"/>
+              <a:t>VCOVplot</a:t>
+            </a:r>
+            <a:endParaRPr lang="en-GB" sz="3200" dirty="0">
+              <a:solidFill>
+                <a:schemeClr val="tx1"/>
+              </a:solidFill>
+            </a:endParaRPr>
+          </a:p>
+        </p:txBody>
+      </p:sp>
       <p:sp>
         <p:nvSpPr>
           <p:cNvPr id="33" name="Rechteck 32"/>
@@ -5881,8 +5817,8 @@
         </p:nvSpPr>
         <p:spPr>
           <a:xfrm>
-            <a:off x="1233713" y="5815536"/>
-            <a:ext cx="9344943" cy="7633764"/>
+            <a:off x="1233713" y="5815535"/>
+            <a:ext cx="9344943" cy="8271940"/>
           </a:xfrm>
           <a:prstGeom prst="rect">
             <a:avLst/>
@@ -5976,7 +5912,7 @@
           <p:nvPr/>
         </p:nvPicPr>
         <p:blipFill>
-          <a:blip r:embed="rId4">
+          <a:blip r:embed="rId3">
             <a:extLst>
               <a:ext uri="{28A0092B-C50C-407E-A947-70E740481C1C}">
                 <a14:useLocalDpi xmlns:a14="http://schemas.microsoft.com/office/drawing/2010/main" val="0"/>
@@ -6006,7 +5942,7 @@
           <p:nvPr/>
         </p:nvPicPr>
         <p:blipFill>
-          <a:blip r:embed="rId5">
+          <a:blip r:embed="rId4">
             <a:extLst>
               <a:ext uri="{28A0092B-C50C-407E-A947-70E740481C1C}">
                 <a14:useLocalDpi xmlns:a14="http://schemas.microsoft.com/office/drawing/2010/main" val="0"/>
@@ -6098,7 +6034,7 @@
         </p:nvSpPr>
         <p:spPr bwMode="auto">
           <a:xfrm>
-            <a:off x="1255174" y="14078913"/>
+            <a:off x="1233712" y="14671617"/>
             <a:ext cx="9323484" cy="869557"/>
           </a:xfrm>
           <a:prstGeom prst="rect">
@@ -6157,8 +6093,8 @@
         </p:nvSpPr>
         <p:spPr>
           <a:xfrm>
-            <a:off x="1255173" y="14044310"/>
-            <a:ext cx="9323483" cy="14263990"/>
+            <a:off x="1255175" y="14671617"/>
+            <a:ext cx="9323483" cy="13636684"/>
           </a:xfrm>
           <a:prstGeom prst="rect">
             <a:avLst/>
@@ -6205,7 +6141,7 @@
         </p:nvSpPr>
         <p:spPr>
           <a:xfrm>
-            <a:off x="1255174" y="14137594"/>
+            <a:off x="1233712" y="14730298"/>
             <a:ext cx="8937970" cy="636649"/>
           </a:xfrm>
           <a:prstGeom prst="rect">
@@ -6252,7 +6188,7 @@
         <p:spPr>
           <a:xfrm>
             <a:off x="21849226" y="5815536"/>
-            <a:ext cx="9344945" cy="10757964"/>
+            <a:ext cx="9344945" cy="7386114"/>
           </a:xfrm>
           <a:prstGeom prst="rect">
             <a:avLst/>
@@ -6301,7 +6237,7 @@
         </p:nvSpPr>
         <p:spPr bwMode="auto">
           <a:xfrm>
-            <a:off x="32178494" y="19568941"/>
+            <a:off x="32178508" y="21531141"/>
             <a:ext cx="9344944" cy="848980"/>
           </a:xfrm>
           <a:prstGeom prst="rect">
@@ -6360,8 +6296,8 @@
         </p:nvSpPr>
         <p:spPr>
           <a:xfrm>
-            <a:off x="32178493" y="19534338"/>
-            <a:ext cx="9344944" cy="8773962"/>
+            <a:off x="32178527" y="21489030"/>
+            <a:ext cx="9344944" cy="6819270"/>
           </a:xfrm>
           <a:prstGeom prst="rect">
             <a:avLst/>
@@ -6454,8 +6390,8 @@
         </p:nvSpPr>
         <p:spPr>
           <a:xfrm>
-            <a:off x="32178493" y="19643615"/>
-            <a:ext cx="10351485" cy="636649"/>
+            <a:off x="32178528" y="21588801"/>
+            <a:ext cx="9344934" cy="636649"/>
           </a:xfrm>
           <a:prstGeom prst="rect">
             <a:avLst/>
@@ -6492,8 +6428,8 @@
           </a:p>
         </p:txBody>
       </p:sp>
-      <mc:AlternateContent xmlns:mc="http://schemas.openxmlformats.org/markup-compatibility/2006" xmlns:a14="http://schemas.microsoft.com/office/drawing/2010/main">
-        <mc:Choice Requires="a14">
+      <mc:AlternateContent xmlns:mc="http://schemas.openxmlformats.org/markup-compatibility/2006">
+        <mc:Choice xmlns:a14="http://schemas.microsoft.com/office/drawing/2010/main" Requires="a14">
           <p:sp>
             <p:nvSpPr>
               <p:cNvPr id="91" name="Textfeld 90"/>
@@ -6502,7 +6438,7 @@
             </p:nvSpPr>
             <p:spPr>
               <a:xfrm>
-                <a:off x="1255173" y="14948470"/>
+                <a:off x="1255175" y="15554931"/>
                 <a:ext cx="9344945" cy="12253291"/>
               </a:xfrm>
               <a:prstGeom prst="rect">
@@ -6525,7 +6461,15 @@
                 </a:pPr>
                 <a:r>
                   <a:rPr lang="en-GB" sz="3200" dirty="0" smtClean="0"/>
-                  <a:t>In latent variable problems, especially incomplete data problems, maximum likelihood estimation is analytically not possible</a:t>
+                  <a:t>In latent variable problems, </a:t>
+                </a:r>
+                <a:r>
+                  <a:rPr lang="en-GB" sz="3200" dirty="0" smtClean="0"/>
+                  <a:t>especially in </a:t>
+                </a:r>
+                <a:r>
+                  <a:rPr lang="en-GB" sz="3200" dirty="0" smtClean="0"/>
+                  <a:t>incomplete data problems, maximum likelihood estimation is analytically not possible</a:t>
                 </a:r>
               </a:p>
               <a:p>
@@ -6542,7 +6486,11 @@
                 </a:r>
                 <a:r>
                   <a:rPr lang="en-GB" sz="3200" dirty="0" smtClean="0"/>
-                  <a:t>enables converge </a:t>
+                  <a:t>enables </a:t>
+                </a:r>
+                <a:r>
+                  <a:rPr lang="en-GB" sz="3200" dirty="0" smtClean="0"/>
+                  <a:t>convergence </a:t>
                 </a:r>
                 <a:r>
                   <a:rPr lang="en-GB" sz="3200" dirty="0"/>
@@ -6669,7 +6617,7 @@
                       <m:sSupPr>
                         <m:ctrlPr>
                           <a:rPr lang="de-DE" sz="3200" i="1">
-                            <a:latin typeface="Cambria Math" charset="0"/>
+                            <a:latin typeface="Cambria Math"/>
                             <a:ea typeface="Cambria Math"/>
                           </a:rPr>
                         </m:ctrlPr>
@@ -6759,7 +6707,7 @@
                         <m:dPr>
                           <m:ctrlPr>
                             <a:rPr lang="de-DE" sz="3200" b="0" i="1" smtClean="0">
-                              <a:latin typeface="Cambria Math" charset="0"/>
+                              <a:latin typeface="Cambria Math"/>
                             </a:rPr>
                           </m:ctrlPr>
                         </m:dPr>
@@ -6777,7 +6725,7 @@
                             <m:sSupPr>
                               <m:ctrlPr>
                                 <a:rPr lang="de-DE" sz="3200" i="1" smtClean="0">
-                                  <a:latin typeface="Cambria Math" charset="0"/>
+                                  <a:latin typeface="Cambria Math"/>
                                   <a:ea typeface="Cambria Math"/>
                                 </a:rPr>
                               </m:ctrlPr>
@@ -6828,7 +6776,7 @@
                         <m:sSubPr>
                           <m:ctrlPr>
                             <a:rPr lang="de-DE" sz="3200" b="0" i="1" smtClean="0">
-                              <a:latin typeface="Cambria Math" charset="0"/>
+                              <a:latin typeface="Cambria Math"/>
                               <a:ea typeface="Cambria Math"/>
                             </a:rPr>
                           </m:ctrlPr>
@@ -6847,7 +6795,7 @@
                             <m:sSubPr>
                               <m:ctrlPr>
                                 <a:rPr lang="de-DE" sz="3200" b="0" i="1" smtClean="0">
-                                  <a:latin typeface="Cambria Math" charset="0"/>
+                                  <a:latin typeface="Cambria Math"/>
                                   <a:ea typeface="Cambria Math"/>
                                 </a:rPr>
                               </m:ctrlPr>
@@ -6882,7 +6830,7 @@
                             <m:sSubPr>
                               <m:ctrlPr>
                                 <a:rPr lang="de-DE" sz="3200" b="0" i="1" smtClean="0">
-                                  <a:latin typeface="Cambria Math" charset="0"/>
+                                  <a:latin typeface="Cambria Math"/>
                                   <a:ea typeface="Cambria Math"/>
                                 </a:rPr>
                               </m:ctrlPr>
@@ -6917,7 +6865,7 @@
                             <m:sSupPr>
                               <m:ctrlPr>
                                 <a:rPr lang="de-DE" sz="3200" b="0" i="1" smtClean="0">
-                                  <a:latin typeface="Cambria Math" charset="0"/>
+                                  <a:latin typeface="Cambria Math"/>
                                   <a:ea typeface="Cambria Math"/>
                                 </a:rPr>
                               </m:ctrlPr>
@@ -6996,7 +6944,7 @@
                         <m:sSubPr>
                           <m:ctrlPr>
                             <a:rPr lang="de-DE" sz="3200" b="0" i="1" smtClean="0">
-                              <a:latin typeface="Cambria Math" charset="0"/>
+                              <a:latin typeface="Cambria Math"/>
                               <a:ea typeface="Cambria Math"/>
                             </a:rPr>
                           </m:ctrlPr>
@@ -7031,7 +6979,7 @@
                         <m:sSubPr>
                           <m:ctrlPr>
                             <a:rPr lang="de-DE" sz="3200" b="0" i="1" smtClean="0">
-                              <a:latin typeface="Cambria Math" charset="0"/>
+                              <a:latin typeface="Cambria Math"/>
                               <a:ea typeface="Cambria Math"/>
                             </a:rPr>
                           </m:ctrlPr>
@@ -7102,7 +7050,7 @@
                       <m:sSupPr>
                         <m:ctrlPr>
                           <a:rPr lang="de-DE" sz="3200" i="1">
-                            <a:latin typeface="Cambria Math" charset="0"/>
+                            <a:latin typeface="Cambria Math"/>
                             <a:ea typeface="Cambria Math"/>
                           </a:rPr>
                         </m:ctrlPr>
@@ -7171,7 +7119,7 @@
                             <a:solidFill>
                               <a:schemeClr val="tx1"/>
                             </a:solidFill>
-                            <a:latin typeface="Cambria Math" charset="0"/>
+                            <a:latin typeface="Cambria Math"/>
                           </a:rPr>
                         </m:ctrlPr>
                       </m:funcPr>
@@ -7183,7 +7131,7 @@
                                 <a:solidFill>
                                   <a:schemeClr val="tx1"/>
                                 </a:solidFill>
-                                <a:latin typeface="Cambria Math" charset="0"/>
+                                <a:latin typeface="Cambria Math"/>
                               </a:rPr>
                             </m:ctrlPr>
                           </m:sSupPr>
@@ -7247,7 +7195,7 @@
                                 <a:solidFill>
                                   <a:schemeClr val="tx1"/>
                                 </a:solidFill>
-                                <a:latin typeface="Cambria Math" charset="0"/>
+                                <a:latin typeface="Cambria Math"/>
                               </a:rPr>
                             </m:ctrlPr>
                           </m:funcPr>
@@ -7259,7 +7207,7 @@
                                     <a:solidFill>
                                       <a:schemeClr val="tx1"/>
                                     </a:solidFill>
-                                    <a:latin typeface="Cambria Math" charset="0"/>
+                                    <a:latin typeface="Cambria Math"/>
                                   </a:rPr>
                                 </m:ctrlPr>
                               </m:limLowPr>
@@ -7320,7 +7268,7 @@
                                     <a:solidFill>
                                       <a:schemeClr val="tx1"/>
                                     </a:solidFill>
-                                    <a:latin typeface="Cambria Math" charset="0"/>
+                                    <a:latin typeface="Cambria Math"/>
                                   </a:rPr>
                                 </m:ctrlPr>
                               </m:dPr>
@@ -7344,7 +7292,7 @@
                                         <a:solidFill>
                                           <a:schemeClr val="tx1"/>
                                         </a:solidFill>
-                                        <a:latin typeface="Cambria Math" charset="0"/>
+                                        <a:latin typeface="Cambria Math"/>
                                         <a:ea typeface="Cambria Math"/>
                                       </a:rPr>
                                     </m:ctrlPr>
@@ -7484,7 +7432,7 @@
                       <m:sSupPr>
                         <m:ctrlPr>
                           <a:rPr lang="de-DE" sz="3200" i="1">
-                            <a:latin typeface="Cambria Math" charset="0"/>
+                            <a:latin typeface="Cambria Math"/>
                           </a:rPr>
                         </m:ctrlPr>
                       </m:sSupPr>
@@ -7528,7 +7476,7 @@
                       <m:sSupPr>
                         <m:ctrlPr>
                           <a:rPr lang="de-DE" sz="3200" i="1">
-                            <a:latin typeface="Cambria Math" charset="0"/>
+                            <a:latin typeface="Cambria Math"/>
                             <a:ea typeface="Cambria Math"/>
                           </a:rPr>
                         </m:ctrlPr>
@@ -7579,7 +7527,7 @@
             </p:txBody>
           </p:sp>
         </mc:Choice>
-        <mc:Fallback xmlns="">
+        <mc:Fallback>
           <p:sp>
             <p:nvSpPr>
               <p:cNvPr id="91" name="Textfeld 90"/>
@@ -7590,14 +7538,14 @@
             </p:nvSpPr>
             <p:spPr>
               <a:xfrm>
-                <a:off x="1255173" y="14948470"/>
+                <a:off x="1255175" y="15554931"/>
                 <a:ext cx="9344945" cy="12253291"/>
               </a:xfrm>
               <a:prstGeom prst="rect">
                 <a:avLst/>
               </a:prstGeom>
               <a:blipFill rotWithShape="1">
-                <a:blip r:embed="rId6"/>
+                <a:blip r:embed="rId5"/>
                 <a:stretch>
                   <a:fillRect l="-1500" t="-647" b="-746"/>
                 </a:stretch>
@@ -7674,8 +7622,8 @@
         </p:nvSpPr>
         <p:spPr>
           <a:xfrm>
-            <a:off x="32178495" y="5828213"/>
-            <a:ext cx="9344943" cy="5606069"/>
+            <a:off x="32178495" y="5828214"/>
+            <a:ext cx="9344943" cy="6201862"/>
           </a:xfrm>
           <a:prstGeom prst="rect">
             <a:avLst/>
@@ -7722,8 +7670,8 @@
         </p:nvSpPr>
         <p:spPr>
           <a:xfrm>
-            <a:off x="21874539" y="17132565"/>
-            <a:ext cx="9344943" cy="11175736"/>
+            <a:off x="21900445" y="13852978"/>
+            <a:ext cx="9344943" cy="14455322"/>
           </a:xfrm>
           <a:prstGeom prst="rect">
             <a:avLst/>
@@ -7826,7 +7774,7 @@
         </p:nvSpPr>
         <p:spPr>
           <a:xfrm>
-            <a:off x="21919681" y="17193827"/>
+            <a:off x="21945587" y="13914240"/>
             <a:ext cx="6281745" cy="636648"/>
           </a:xfrm>
           <a:prstGeom prst="rect">
@@ -7920,3632 +7868,18 @@
           </a:p>
         </p:txBody>
       </p:sp>
-      <p:sp>
-        <p:nvSpPr>
-          <p:cNvPr id="106" name="Textfeld 105"/>
-          <p:cNvSpPr txBox="1"/>
-          <p:nvPr/>
-        </p:nvSpPr>
-        <p:spPr>
-          <a:xfrm>
-            <a:off x="32178498" y="6709187"/>
-            <a:ext cx="9344942" cy="4493538"/>
-          </a:xfrm>
-          <a:prstGeom prst="rect">
-            <a:avLst/>
-          </a:prstGeom>
-          <a:noFill/>
-        </p:spPr>
-        <p:txBody>
-          <a:bodyPr wrap="square" rtlCol="0">
-            <a:spAutoFit/>
-          </a:bodyPr>
-          <a:lstStyle/>
-          <a:p>
-            <a:pPr marL="285750" indent="-285750">
-              <a:spcAft>
-                <a:spcPts val="1200"/>
-              </a:spcAft>
-              <a:buFont typeface="Arial" pitchFamily="34" charset="0"/>
-              <a:buChar char="•"/>
-            </a:pPr>
-            <a:r>
-              <a:rPr lang="en-GB" sz="3200" dirty="0" smtClean="0"/>
-              <a:t>SEM works well in multi-parameter problems where only one variable contains missing data</a:t>
-            </a:r>
-          </a:p>
-          <a:p>
-            <a:pPr marL="285750" indent="-285750">
-              <a:spcAft>
-                <a:spcPts val="1200"/>
-              </a:spcAft>
-              <a:buFont typeface="Arial" pitchFamily="34" charset="0"/>
-              <a:buChar char="•"/>
-            </a:pPr>
-            <a:r>
-              <a:rPr lang="en-GB" sz="3200" dirty="0" smtClean="0"/>
-              <a:t>Accuracy of the asymptotic variance-covariance matrix highly dependent on structure of data</a:t>
-            </a:r>
-          </a:p>
-          <a:p>
-            <a:pPr marL="285750" indent="-285750">
-              <a:spcAft>
-                <a:spcPts val="1200"/>
-              </a:spcAft>
-              <a:buFont typeface="Arial" pitchFamily="34" charset="0"/>
-              <a:buChar char="•"/>
-            </a:pPr>
-            <a:r>
-              <a:rPr lang="en-GB" sz="3200" dirty="0" smtClean="0"/>
-              <a:t>Accuracy decreases with large fraction of missing values in data</a:t>
-            </a:r>
-          </a:p>
-          <a:p>
-            <a:pPr marL="285750" indent="-285750">
-              <a:spcAft>
-                <a:spcPts val="1200"/>
-              </a:spcAft>
-              <a:buFont typeface="Arial" pitchFamily="34" charset="0"/>
-              <a:buChar char="•"/>
-            </a:pPr>
-            <a:r>
-              <a:rPr lang="en-GB" sz="3200" dirty="0" smtClean="0"/>
-              <a:t>Large number of observations needed, especially if in case of relatively many missing values</a:t>
-            </a:r>
-            <a:endParaRPr lang="en-GB" sz="3200" dirty="0"/>
-          </a:p>
-        </p:txBody>
-      </p:sp>
-      <p:sp>
-        <p:nvSpPr>
-          <p:cNvPr id="107" name="Textfeld 106"/>
-          <p:cNvSpPr txBox="1"/>
-          <p:nvPr/>
-        </p:nvSpPr>
-        <p:spPr>
-          <a:xfrm>
-            <a:off x="32178496" y="20437316"/>
-            <a:ext cx="9344942" cy="7048083"/>
-          </a:xfrm>
-          <a:prstGeom prst="rect">
-            <a:avLst/>
-          </a:prstGeom>
-          <a:noFill/>
-        </p:spPr>
-        <p:txBody>
-          <a:bodyPr wrap="square" rtlCol="0">
-            <a:spAutoFit/>
-          </a:bodyPr>
-          <a:lstStyle/>
-          <a:p>
-            <a:pPr marL="314325" indent="-314325"/>
-            <a:r>
-              <a:rPr lang="en-US" sz="2800" dirty="0" err="1" smtClean="0"/>
-              <a:t>Dempster</a:t>
-            </a:r>
-            <a:r>
-              <a:rPr lang="en-US" sz="2800" dirty="0"/>
-              <a:t>, A. P., Laird, N. M., &amp; Rubin, D. B. (1977). Maximum likelihood from incomplete data via the EM algorithm. </a:t>
-            </a:r>
-            <a:r>
-              <a:rPr lang="en-US" sz="2800" i="1" dirty="0"/>
-              <a:t>Journal of the royal statistical society. Series B (methodological)</a:t>
-            </a:r>
-            <a:r>
-              <a:rPr lang="en-US" sz="2800" dirty="0"/>
-              <a:t>, 1-38</a:t>
-            </a:r>
-            <a:r>
-              <a:rPr lang="en-US" sz="2800" dirty="0" smtClean="0"/>
-              <a:t>. </a:t>
-            </a:r>
-          </a:p>
-          <a:p>
-            <a:pPr marL="314325" indent="-314325"/>
-            <a:r>
-              <a:rPr lang="en-US" sz="2800" dirty="0" smtClean="0"/>
-              <a:t>McLachlan</a:t>
-            </a:r>
-            <a:r>
-              <a:rPr lang="en-US" sz="2800" dirty="0"/>
-              <a:t>, G., &amp; Krishnan, T. (2007). </a:t>
-            </a:r>
-            <a:r>
-              <a:rPr lang="en-US" sz="2800" i="1" dirty="0"/>
-              <a:t>The EM algorithm and extensions</a:t>
-            </a:r>
-            <a:r>
-              <a:rPr lang="en-US" sz="2800" dirty="0"/>
-              <a:t> (Vol. 382). John Wiley &amp; Sons</a:t>
-            </a:r>
-            <a:r>
-              <a:rPr lang="en-US" sz="2800" dirty="0" smtClean="0"/>
-              <a:t>.</a:t>
-            </a:r>
-          </a:p>
-          <a:p>
-            <a:pPr marL="314325" indent="-314325"/>
-            <a:r>
-              <a:rPr lang="en-US" sz="2800" dirty="0" err="1"/>
-              <a:t>Meng</a:t>
-            </a:r>
-            <a:r>
-              <a:rPr lang="en-US" sz="2800" dirty="0"/>
-              <a:t>, X. L., &amp; Rubin, D. B. (1991). Using EM to obtain asymptotic variance-covariance matrices: The SEM algorithm. </a:t>
-            </a:r>
-            <a:r>
-              <a:rPr lang="en-US" sz="2800" i="1" dirty="0"/>
-              <a:t>Journal of the American Statistical Association</a:t>
-            </a:r>
-            <a:r>
-              <a:rPr lang="en-US" sz="2800" dirty="0"/>
-              <a:t>, </a:t>
-            </a:r>
-            <a:r>
-              <a:rPr lang="en-US" sz="2800" i="1" dirty="0"/>
-              <a:t>86</a:t>
-            </a:r>
-            <a:r>
-              <a:rPr lang="en-US" sz="2800" dirty="0"/>
-              <a:t>(416), 899-909.</a:t>
-            </a:r>
-          </a:p>
-          <a:p>
-            <a:pPr marL="314325" indent="-314325"/>
-            <a:r>
-              <a:rPr lang="en-US" sz="2800" dirty="0" smtClean="0"/>
-              <a:t>Little</a:t>
-            </a:r>
-            <a:r>
-              <a:rPr lang="en-US" sz="2800" dirty="0"/>
-              <a:t>, R. J., &amp; Rubin, D. B. (2014). </a:t>
-            </a:r>
-            <a:r>
-              <a:rPr lang="en-US" sz="2800" i="1" dirty="0"/>
-              <a:t>Statistical analysis with missing data</a:t>
-            </a:r>
-            <a:r>
-              <a:rPr lang="en-US" sz="2800" dirty="0"/>
-              <a:t> (Vol. 333). John Wiley &amp; Sons.</a:t>
-            </a:r>
-          </a:p>
-          <a:p>
-            <a:pPr marL="314325" indent="-314325"/>
-            <a:r>
-              <a:rPr lang="en-US" sz="2800" dirty="0" err="1" smtClean="0"/>
-              <a:t>Pritikin</a:t>
-            </a:r>
-            <a:r>
-              <a:rPr lang="en-US" sz="2800" dirty="0"/>
-              <a:t>, J. N. (2016). A computational note on the application of the Supplemented EM algorithm to item response models. </a:t>
-            </a:r>
-            <a:r>
-              <a:rPr lang="en-US" sz="2800" dirty="0" err="1"/>
-              <a:t>arXiv</a:t>
-            </a:r>
-            <a:r>
-              <a:rPr lang="en-US" sz="2800" dirty="0"/>
-              <a:t> preprint arXiv:1605.00860.</a:t>
-            </a:r>
-          </a:p>
-          <a:p>
-            <a:pPr marL="314325" indent="-314325">
-              <a:buFont typeface="Arial" pitchFamily="34" charset="0"/>
-              <a:buChar char="•"/>
-            </a:pPr>
-            <a:endParaRPr lang="de-DE" sz="3200" dirty="0"/>
-          </a:p>
-        </p:txBody>
-      </p:sp>
-      <mc:AlternateContent xmlns:mc="http://schemas.openxmlformats.org/markup-compatibility/2006" xmlns:a14="http://schemas.microsoft.com/office/drawing/2010/main">
-        <mc:Choice Requires="a14">
-          <p:graphicFrame>
-            <p:nvGraphicFramePr>
-              <p:cNvPr id="14" name="Tabelle 13"/>
-              <p:cNvGraphicFramePr>
-                <a:graphicFrameLocks noGrp="1"/>
-              </p:cNvGraphicFramePr>
-              <p:nvPr>
-                <p:extLst>
-                  <p:ext uri="{D42A27DB-BD31-4B8C-83A1-F6EECF244321}">
-                    <p14:modId xmlns:p14="http://schemas.microsoft.com/office/powerpoint/2010/main" val="1265979473"/>
-                  </p:ext>
-                </p:extLst>
-              </p:nvPr>
-            </p:nvGraphicFramePr>
-            <p:xfrm>
-              <a:off x="22911765" y="12080888"/>
-              <a:ext cx="7257140" cy="4655437"/>
-            </p:xfrm>
-            <a:graphic>
-              <a:graphicData uri="http://schemas.openxmlformats.org/drawingml/2006/table">
-                <a:tbl>
-                  <a:tblPr firstRow="1" bandRow="1">
-                    <a:tableStyleId>{5940675A-B579-460E-94D1-54222C63F5DA}</a:tableStyleId>
-                  </a:tblPr>
-                  <a:tblGrid>
-                    <a:gridCol w="2417106">
-                      <a:extLst>
-                        <a:ext uri="{9D8B030D-6E8A-4147-A177-3AD203B41FA5}">
-                          <a16:colId xmlns:a16="http://schemas.microsoft.com/office/drawing/2014/main" xmlns="" val="20000"/>
-                        </a:ext>
-                      </a:extLst>
-                    </a:gridCol>
-                    <a:gridCol w="2417106">
-                      <a:extLst>
-                        <a:ext uri="{9D8B030D-6E8A-4147-A177-3AD203B41FA5}">
-                          <a16:colId xmlns:a16="http://schemas.microsoft.com/office/drawing/2014/main" xmlns="" val="20001"/>
-                        </a:ext>
-                      </a:extLst>
-                    </a:gridCol>
-                    <a:gridCol w="2422928">
-                      <a:extLst>
-                        <a:ext uri="{9D8B030D-6E8A-4147-A177-3AD203B41FA5}">
-                          <a16:colId xmlns:a16="http://schemas.microsoft.com/office/drawing/2014/main" xmlns="" val="20002"/>
-                        </a:ext>
-                      </a:extLst>
-                    </a:gridCol>
-                  </a:tblGrid>
-                  <a:tr h="0">
-                    <a:tc>
-                      <a:txBody>
-                        <a:bodyPr/>
-                        <a:lstStyle/>
-                        <a:p>
-                          <a:pPr algn="ctr"/>
-                          <a:r>
-                            <a:rPr lang="en-US" sz="2400" noProof="0" dirty="0" smtClean="0"/>
-                            <a:t>Combination</a:t>
-                          </a:r>
-                          <a:endParaRPr lang="en-US" sz="2400" noProof="0" dirty="0"/>
-                        </a:p>
-                      </a:txBody>
-                      <a:tcPr marT="36000">
-                        <a:lnL w="12700" cap="flat" cmpd="sng" algn="ctr">
-                          <a:noFill/>
-                          <a:prstDash val="solid"/>
-                          <a:round/>
-                          <a:headEnd type="none" w="med" len="med"/>
-                          <a:tailEnd type="none" w="med" len="med"/>
-                        </a:lnL>
-                        <a:lnR w="12700" cap="flat" cmpd="sng" algn="ctr">
-                          <a:noFill/>
-                          <a:prstDash val="solid"/>
-                          <a:round/>
-                          <a:headEnd type="none" w="med" len="med"/>
-                          <a:tailEnd type="none" w="med" len="med"/>
-                        </a:lnR>
-                        <a:lnT w="12700" cap="flat" cmpd="sng" algn="ctr">
-                          <a:solidFill>
-                            <a:schemeClr val="tx1"/>
-                          </a:solidFill>
-                          <a:prstDash val="solid"/>
-                          <a:round/>
-                          <a:headEnd type="none" w="med" len="med"/>
-                          <a:tailEnd type="none" w="med" len="med"/>
-                        </a:lnT>
-                        <a:lnB w="12700" cap="flat" cmpd="sng" algn="ctr">
-                          <a:solidFill>
-                            <a:schemeClr val="tx1"/>
-                          </a:solidFill>
-                          <a:prstDash val="solid"/>
-                          <a:round/>
-                          <a:headEnd type="none" w="med" len="med"/>
-                          <a:tailEnd type="none" w="med" len="med"/>
-                        </a:lnB>
-                        <a:lnTlToBr w="12700" cmpd="sng">
-                          <a:noFill/>
-                          <a:prstDash val="solid"/>
-                        </a:lnTlToBr>
-                        <a:lnBlToTr w="12700" cmpd="sng">
-                          <a:noFill/>
-                          <a:prstDash val="solid"/>
-                        </a:lnBlToTr>
-                      </a:tcPr>
-                    </a:tc>
-                    <a:tc>
-                      <a:txBody>
-                        <a:bodyPr/>
-                        <a:lstStyle/>
-                        <a:p>
-                          <a:pPr algn="ctr"/>
-                          <a14:m>
-                            <m:oMath xmlns:m="http://schemas.openxmlformats.org/officeDocument/2006/math">
-                              <m:r>
-                                <a:rPr lang="en-US" sz="2400" b="0" i="1" noProof="0" smtClean="0">
-                                  <a:latin typeface="Cambria Math"/>
-                                </a:rPr>
-                                <m:t>𝑛</m:t>
-                              </m:r>
-                            </m:oMath>
-                          </a14:m>
-                          <a:r>
-                            <a:rPr lang="en-US" sz="2400" noProof="0" dirty="0" smtClean="0"/>
-                            <a:t> </a:t>
-                          </a:r>
-                          <a:endParaRPr lang="en-US" sz="2400" noProof="0" dirty="0"/>
-                        </a:p>
-                      </a:txBody>
-                      <a:tcPr marT="36000">
-                        <a:lnL w="12700" cap="flat" cmpd="sng" algn="ctr">
-                          <a:noFill/>
-                          <a:prstDash val="solid"/>
-                          <a:round/>
-                          <a:headEnd type="none" w="med" len="med"/>
-                          <a:tailEnd type="none" w="med" len="med"/>
-                        </a:lnL>
-                        <a:lnR w="12700" cap="flat" cmpd="sng" algn="ctr">
-                          <a:noFill/>
-                          <a:prstDash val="solid"/>
-                          <a:round/>
-                          <a:headEnd type="none" w="med" len="med"/>
-                          <a:tailEnd type="none" w="med" len="med"/>
-                        </a:lnR>
-                        <a:lnT w="12700" cap="flat" cmpd="sng" algn="ctr">
-                          <a:solidFill>
-                            <a:schemeClr val="tx1"/>
-                          </a:solidFill>
-                          <a:prstDash val="solid"/>
-                          <a:round/>
-                          <a:headEnd type="none" w="med" len="med"/>
-                          <a:tailEnd type="none" w="med" len="med"/>
-                        </a:lnT>
-                        <a:lnB w="12700" cap="flat" cmpd="sng" algn="ctr">
-                          <a:solidFill>
-                            <a:schemeClr val="tx1"/>
-                          </a:solidFill>
-                          <a:prstDash val="solid"/>
-                          <a:round/>
-                          <a:headEnd type="none" w="med" len="med"/>
-                          <a:tailEnd type="none" w="med" len="med"/>
-                        </a:lnB>
-                        <a:lnTlToBr w="12700" cmpd="sng">
-                          <a:noFill/>
-                          <a:prstDash val="solid"/>
-                        </a:lnTlToBr>
-                        <a:lnBlToTr w="12700" cmpd="sng">
-                          <a:noFill/>
-                          <a:prstDash val="solid"/>
-                        </a:lnBlToTr>
-                      </a:tcPr>
-                    </a:tc>
-                    <a:tc>
-                      <a:txBody>
-                        <a:bodyPr/>
-                        <a:lstStyle/>
-                        <a:p>
-                          <a:pPr algn="ctr"/>
-                          <a14:m>
-                            <m:oMathPara xmlns:m="http://schemas.openxmlformats.org/officeDocument/2006/math">
-                              <m:oMathParaPr>
-                                <m:jc m:val="centerGroup"/>
-                              </m:oMathParaPr>
-                              <m:oMath xmlns:m="http://schemas.openxmlformats.org/officeDocument/2006/math">
-                                <m:r>
-                                  <a:rPr lang="en-US" sz="2400" b="0" i="1" noProof="0" smtClean="0">
-                                    <a:latin typeface="Cambria Math"/>
-                                  </a:rPr>
-                                  <m:t>𝑝</m:t>
-                                </m:r>
-                              </m:oMath>
-                            </m:oMathPara>
-                          </a14:m>
-                          <a:endParaRPr lang="en-US" sz="2400" noProof="0" dirty="0"/>
-                        </a:p>
-                      </a:txBody>
-                      <a:tcPr marT="36000">
-                        <a:lnL w="12700" cap="flat" cmpd="sng" algn="ctr">
-                          <a:noFill/>
-                          <a:prstDash val="solid"/>
-                          <a:round/>
-                          <a:headEnd type="none" w="med" len="med"/>
-                          <a:tailEnd type="none" w="med" len="med"/>
-                        </a:lnL>
-                        <a:lnR w="12700" cap="flat" cmpd="sng" algn="ctr">
-                          <a:noFill/>
-                          <a:prstDash val="solid"/>
-                          <a:round/>
-                          <a:headEnd type="none" w="med" len="med"/>
-                          <a:tailEnd type="none" w="med" len="med"/>
-                        </a:lnR>
-                        <a:lnT w="12700" cap="flat" cmpd="sng" algn="ctr">
-                          <a:solidFill>
-                            <a:schemeClr val="tx1"/>
-                          </a:solidFill>
-                          <a:prstDash val="solid"/>
-                          <a:round/>
-                          <a:headEnd type="none" w="med" len="med"/>
-                          <a:tailEnd type="none" w="med" len="med"/>
-                        </a:lnT>
-                        <a:lnB w="12700" cap="flat" cmpd="sng" algn="ctr">
-                          <a:solidFill>
-                            <a:schemeClr val="tx1"/>
-                          </a:solidFill>
-                          <a:prstDash val="solid"/>
-                          <a:round/>
-                          <a:headEnd type="none" w="med" len="med"/>
-                          <a:tailEnd type="none" w="med" len="med"/>
-                        </a:lnB>
-                        <a:lnTlToBr w="12700" cmpd="sng">
-                          <a:noFill/>
-                          <a:prstDash val="solid"/>
-                        </a:lnTlToBr>
-                        <a:lnBlToTr w="12700" cmpd="sng">
-                          <a:noFill/>
-                          <a:prstDash val="solid"/>
-                        </a:lnBlToTr>
-                      </a:tcPr>
-                    </a:tc>
-                    <a:extLst>
-                      <a:ext uri="{0D108BD9-81ED-4DB2-BD59-A6C34878D82A}">
-                        <a16:rowId xmlns:a16="http://schemas.microsoft.com/office/drawing/2014/main" xmlns="" val="10000"/>
-                      </a:ext>
-                    </a:extLst>
-                  </a:tr>
-                  <a:tr h="247650">
-                    <a:tc>
-                      <a:txBody>
-                        <a:bodyPr/>
-                        <a:lstStyle/>
-                        <a:p>
-                          <a:pPr algn="ctr"/>
-                          <a:r>
-                            <a:rPr lang="en-US" sz="2400" noProof="0" dirty="0" smtClean="0"/>
-                            <a:t>A1</a:t>
-                          </a:r>
-                          <a:endParaRPr lang="en-US" sz="2400" noProof="0" dirty="0"/>
-                        </a:p>
-                      </a:txBody>
-                      <a:tcPr marT="36000">
-                        <a:lnL w="12700" cap="flat" cmpd="sng" algn="ctr">
-                          <a:noFill/>
-                          <a:prstDash val="solid"/>
-                          <a:round/>
-                          <a:headEnd type="none" w="med" len="med"/>
-                          <a:tailEnd type="none" w="med" len="med"/>
-                        </a:lnL>
-                        <a:lnR w="12700" cap="flat" cmpd="sng" algn="ctr">
-                          <a:noFill/>
-                          <a:prstDash val="solid"/>
-                          <a:round/>
-                          <a:headEnd type="none" w="med" len="med"/>
-                          <a:tailEnd type="none" w="med" len="med"/>
-                        </a:lnR>
-                        <a:lnT w="12700" cap="flat" cmpd="sng" algn="ctr">
-                          <a:solidFill>
-                            <a:schemeClr val="tx1"/>
-                          </a:solidFill>
-                          <a:prstDash val="solid"/>
-                          <a:round/>
-                          <a:headEnd type="none" w="med" len="med"/>
-                          <a:tailEnd type="none" w="med" len="med"/>
-                        </a:lnT>
-                        <a:lnB w="12700" cap="flat" cmpd="sng" algn="ctr">
-                          <a:noFill/>
-                          <a:prstDash val="solid"/>
-                          <a:round/>
-                          <a:headEnd type="none" w="med" len="med"/>
-                          <a:tailEnd type="none" w="med" len="med"/>
-                        </a:lnB>
-                        <a:lnTlToBr w="12700" cmpd="sng">
-                          <a:noFill/>
-                          <a:prstDash val="solid"/>
-                        </a:lnTlToBr>
-                        <a:lnBlToTr w="12700" cmpd="sng">
-                          <a:noFill/>
-                          <a:prstDash val="solid"/>
-                        </a:lnBlToTr>
-                      </a:tcPr>
-                    </a:tc>
-                    <a:tc>
-                      <a:txBody>
-                        <a:bodyPr/>
-                        <a:lstStyle/>
-                        <a:p>
-                          <a:pPr algn="ctr"/>
-                          <a:r>
-                            <a:rPr lang="en-US" sz="2400" noProof="0" dirty="0" smtClean="0"/>
-                            <a:t>50</a:t>
-                          </a:r>
-                          <a:endParaRPr lang="en-US" sz="2400" noProof="0" dirty="0"/>
-                        </a:p>
-                      </a:txBody>
-                      <a:tcPr marT="36000">
-                        <a:lnL w="12700" cap="flat" cmpd="sng" algn="ctr">
-                          <a:noFill/>
-                          <a:prstDash val="solid"/>
-                          <a:round/>
-                          <a:headEnd type="none" w="med" len="med"/>
-                          <a:tailEnd type="none" w="med" len="med"/>
-                        </a:lnL>
-                        <a:lnR w="12700" cap="flat" cmpd="sng" algn="ctr">
-                          <a:noFill/>
-                          <a:prstDash val="solid"/>
-                          <a:round/>
-                          <a:headEnd type="none" w="med" len="med"/>
-                          <a:tailEnd type="none" w="med" len="med"/>
-                        </a:lnR>
-                        <a:lnT w="12700" cap="flat" cmpd="sng" algn="ctr">
-                          <a:solidFill>
-                            <a:schemeClr val="tx1"/>
-                          </a:solidFill>
-                          <a:prstDash val="solid"/>
-                          <a:round/>
-                          <a:headEnd type="none" w="med" len="med"/>
-                          <a:tailEnd type="none" w="med" len="med"/>
-                        </a:lnT>
-                        <a:lnB w="12700" cap="flat" cmpd="sng" algn="ctr">
-                          <a:noFill/>
-                          <a:prstDash val="solid"/>
-                          <a:round/>
-                          <a:headEnd type="none" w="med" len="med"/>
-                          <a:tailEnd type="none" w="med" len="med"/>
-                        </a:lnB>
-                        <a:lnTlToBr w="12700" cmpd="sng">
-                          <a:noFill/>
-                          <a:prstDash val="solid"/>
-                        </a:lnTlToBr>
-                        <a:lnBlToTr w="12700" cmpd="sng">
-                          <a:noFill/>
-                          <a:prstDash val="solid"/>
-                        </a:lnBlToTr>
-                      </a:tcPr>
-                    </a:tc>
-                    <a:tc>
-                      <a:txBody>
-                        <a:bodyPr/>
-                        <a:lstStyle/>
-                        <a:p>
-                          <a:pPr algn="ctr"/>
-                          <a:r>
-                            <a:rPr lang="en-US" sz="2400" noProof="0" smtClean="0"/>
-                            <a:t>0.25</a:t>
-                          </a:r>
-                          <a:endParaRPr lang="en-US" sz="2400" noProof="0"/>
-                        </a:p>
-                      </a:txBody>
-                      <a:tcPr marT="36000">
-                        <a:lnL w="12700" cap="flat" cmpd="sng" algn="ctr">
-                          <a:noFill/>
-                          <a:prstDash val="solid"/>
-                          <a:round/>
-                          <a:headEnd type="none" w="med" len="med"/>
-                          <a:tailEnd type="none" w="med" len="med"/>
-                        </a:lnL>
-                        <a:lnR w="12700" cap="flat" cmpd="sng" algn="ctr">
-                          <a:noFill/>
-                          <a:prstDash val="solid"/>
-                          <a:round/>
-                          <a:headEnd type="none" w="med" len="med"/>
-                          <a:tailEnd type="none" w="med" len="med"/>
-                        </a:lnR>
-                        <a:lnT w="12700" cap="flat" cmpd="sng" algn="ctr">
-                          <a:solidFill>
-                            <a:schemeClr val="tx1"/>
-                          </a:solidFill>
-                          <a:prstDash val="solid"/>
-                          <a:round/>
-                          <a:headEnd type="none" w="med" len="med"/>
-                          <a:tailEnd type="none" w="med" len="med"/>
-                        </a:lnT>
-                        <a:lnB w="12700" cap="flat" cmpd="sng" algn="ctr">
-                          <a:noFill/>
-                          <a:prstDash val="solid"/>
-                          <a:round/>
-                          <a:headEnd type="none" w="med" len="med"/>
-                          <a:tailEnd type="none" w="med" len="med"/>
-                        </a:lnB>
-                        <a:lnTlToBr w="12700" cmpd="sng">
-                          <a:noFill/>
-                          <a:prstDash val="solid"/>
-                        </a:lnTlToBr>
-                        <a:lnBlToTr w="12700" cmpd="sng">
-                          <a:noFill/>
-                          <a:prstDash val="solid"/>
-                        </a:lnBlToTr>
-                      </a:tcPr>
-                    </a:tc>
-                    <a:extLst>
-                      <a:ext uri="{0D108BD9-81ED-4DB2-BD59-A6C34878D82A}">
-                        <a16:rowId xmlns:a16="http://schemas.microsoft.com/office/drawing/2014/main" xmlns="" val="10001"/>
-                      </a:ext>
-                    </a:extLst>
-                  </a:tr>
-                  <a:tr h="0">
-                    <a:tc>
-                      <a:txBody>
-                        <a:bodyPr/>
-                        <a:lstStyle/>
-                        <a:p>
-                          <a:pPr algn="ctr"/>
-                          <a:r>
-                            <a:rPr lang="en-US" sz="2400" noProof="0" dirty="0" smtClean="0"/>
-                            <a:t>A2</a:t>
-                          </a:r>
-                          <a:endParaRPr lang="en-US" sz="2400" noProof="0" dirty="0"/>
-                        </a:p>
-                      </a:txBody>
-                      <a:tcPr marT="36000">
-                        <a:lnL w="12700" cap="flat" cmpd="sng" algn="ctr">
-                          <a:noFill/>
-                          <a:prstDash val="solid"/>
-                          <a:round/>
-                          <a:headEnd type="none" w="med" len="med"/>
-                          <a:tailEnd type="none" w="med" len="med"/>
-                        </a:lnL>
-                        <a:lnR w="12700" cap="flat" cmpd="sng" algn="ctr">
-                          <a:noFill/>
-                          <a:prstDash val="solid"/>
-                          <a:round/>
-                          <a:headEnd type="none" w="med" len="med"/>
-                          <a:tailEnd type="none" w="med" len="med"/>
-                        </a:lnR>
-                        <a:lnT w="12700" cap="flat" cmpd="sng" algn="ctr">
-                          <a:noFill/>
-                          <a:prstDash val="solid"/>
-                          <a:round/>
-                          <a:headEnd type="none" w="med" len="med"/>
-                          <a:tailEnd type="none" w="med" len="med"/>
-                        </a:lnT>
-                        <a:lnB w="12700" cap="flat" cmpd="sng" algn="ctr">
-                          <a:noFill/>
-                          <a:prstDash val="solid"/>
-                          <a:round/>
-                          <a:headEnd type="none" w="med" len="med"/>
-                          <a:tailEnd type="none" w="med" len="med"/>
-                        </a:lnB>
-                        <a:lnTlToBr w="12700" cmpd="sng">
-                          <a:noFill/>
-                          <a:prstDash val="solid"/>
-                        </a:lnTlToBr>
-                        <a:lnBlToTr w="12700" cmpd="sng">
-                          <a:noFill/>
-                          <a:prstDash val="solid"/>
-                        </a:lnBlToTr>
-                      </a:tcPr>
-                    </a:tc>
-                    <a:tc>
-                      <a:txBody>
-                        <a:bodyPr/>
-                        <a:lstStyle/>
-                        <a:p>
-                          <a:pPr algn="ctr"/>
-                          <a:r>
-                            <a:rPr lang="en-US" sz="2400" noProof="0" dirty="0" smtClean="0"/>
-                            <a:t>100</a:t>
-                          </a:r>
-                          <a:endParaRPr lang="en-US" sz="2400" noProof="0" dirty="0"/>
-                        </a:p>
-                      </a:txBody>
-                      <a:tcPr marT="36000">
-                        <a:lnL w="12700" cap="flat" cmpd="sng" algn="ctr">
-                          <a:noFill/>
-                          <a:prstDash val="solid"/>
-                          <a:round/>
-                          <a:headEnd type="none" w="med" len="med"/>
-                          <a:tailEnd type="none" w="med" len="med"/>
-                        </a:lnL>
-                        <a:lnR w="12700" cap="flat" cmpd="sng" algn="ctr">
-                          <a:noFill/>
-                          <a:prstDash val="solid"/>
-                          <a:round/>
-                          <a:headEnd type="none" w="med" len="med"/>
-                          <a:tailEnd type="none" w="med" len="med"/>
-                        </a:lnR>
-                        <a:lnT w="12700" cap="flat" cmpd="sng" algn="ctr">
-                          <a:noFill/>
-                          <a:prstDash val="solid"/>
-                          <a:round/>
-                          <a:headEnd type="none" w="med" len="med"/>
-                          <a:tailEnd type="none" w="med" len="med"/>
-                        </a:lnT>
-                        <a:lnB w="12700" cap="flat" cmpd="sng" algn="ctr">
-                          <a:noFill/>
-                          <a:prstDash val="solid"/>
-                          <a:round/>
-                          <a:headEnd type="none" w="med" len="med"/>
-                          <a:tailEnd type="none" w="med" len="med"/>
-                        </a:lnB>
-                        <a:lnTlToBr w="12700" cmpd="sng">
-                          <a:noFill/>
-                          <a:prstDash val="solid"/>
-                        </a:lnTlToBr>
-                        <a:lnBlToTr w="12700" cmpd="sng">
-                          <a:noFill/>
-                          <a:prstDash val="solid"/>
-                        </a:lnBlToTr>
-                      </a:tcPr>
-                    </a:tc>
-                    <a:tc>
-                      <a:txBody>
-                        <a:bodyPr/>
-                        <a:lstStyle/>
-                        <a:p>
-                          <a:pPr algn="ctr"/>
-                          <a:r>
-                            <a:rPr lang="en-US" sz="2400" noProof="0" smtClean="0"/>
-                            <a:t>0.25</a:t>
-                          </a:r>
-                          <a:endParaRPr lang="en-US" sz="2400" noProof="0"/>
-                        </a:p>
-                      </a:txBody>
-                      <a:tcPr marT="36000">
-                        <a:lnL w="12700" cap="flat" cmpd="sng" algn="ctr">
-                          <a:noFill/>
-                          <a:prstDash val="solid"/>
-                          <a:round/>
-                          <a:headEnd type="none" w="med" len="med"/>
-                          <a:tailEnd type="none" w="med" len="med"/>
-                        </a:lnL>
-                        <a:lnR w="12700" cap="flat" cmpd="sng" algn="ctr">
-                          <a:noFill/>
-                          <a:prstDash val="solid"/>
-                          <a:round/>
-                          <a:headEnd type="none" w="med" len="med"/>
-                          <a:tailEnd type="none" w="med" len="med"/>
-                        </a:lnR>
-                        <a:lnT w="12700" cap="flat" cmpd="sng" algn="ctr">
-                          <a:noFill/>
-                          <a:prstDash val="solid"/>
-                          <a:round/>
-                          <a:headEnd type="none" w="med" len="med"/>
-                          <a:tailEnd type="none" w="med" len="med"/>
-                        </a:lnT>
-                        <a:lnB w="12700" cap="flat" cmpd="sng" algn="ctr">
-                          <a:noFill/>
-                          <a:prstDash val="solid"/>
-                          <a:round/>
-                          <a:headEnd type="none" w="med" len="med"/>
-                          <a:tailEnd type="none" w="med" len="med"/>
-                        </a:lnB>
-                        <a:lnTlToBr w="12700" cmpd="sng">
-                          <a:noFill/>
-                          <a:prstDash val="solid"/>
-                        </a:lnTlToBr>
-                        <a:lnBlToTr w="12700" cmpd="sng">
-                          <a:noFill/>
-                          <a:prstDash val="solid"/>
-                        </a:lnBlToTr>
-                      </a:tcPr>
-                    </a:tc>
-                    <a:extLst>
-                      <a:ext uri="{0D108BD9-81ED-4DB2-BD59-A6C34878D82A}">
-                        <a16:rowId xmlns:a16="http://schemas.microsoft.com/office/drawing/2014/main" xmlns="" val="10002"/>
-                      </a:ext>
-                    </a:extLst>
-                  </a:tr>
-                  <a:tr h="124215">
-                    <a:tc>
-                      <a:txBody>
-                        <a:bodyPr/>
-                        <a:lstStyle/>
-                        <a:p>
-                          <a:pPr algn="ctr"/>
-                          <a:r>
-                            <a:rPr lang="en-US" sz="2400" noProof="0" dirty="0" smtClean="0"/>
-                            <a:t>A3</a:t>
-                          </a:r>
-                          <a:endParaRPr lang="en-US" sz="2400" noProof="0" dirty="0"/>
-                        </a:p>
-                      </a:txBody>
-                      <a:tcPr marT="36000">
-                        <a:lnL w="12700" cap="flat" cmpd="sng" algn="ctr">
-                          <a:noFill/>
-                          <a:prstDash val="solid"/>
-                          <a:round/>
-                          <a:headEnd type="none" w="med" len="med"/>
-                          <a:tailEnd type="none" w="med" len="med"/>
-                        </a:lnL>
-                        <a:lnR w="12700" cap="flat" cmpd="sng" algn="ctr">
-                          <a:noFill/>
-                          <a:prstDash val="solid"/>
-                          <a:round/>
-                          <a:headEnd type="none" w="med" len="med"/>
-                          <a:tailEnd type="none" w="med" len="med"/>
-                        </a:lnR>
-                        <a:lnT w="12700" cap="flat" cmpd="sng" algn="ctr">
-                          <a:noFill/>
-                          <a:prstDash val="solid"/>
-                          <a:round/>
-                          <a:headEnd type="none" w="med" len="med"/>
-                          <a:tailEnd type="none" w="med" len="med"/>
-                        </a:lnT>
-                        <a:lnB w="12700" cap="flat" cmpd="sng" algn="ctr">
-                          <a:noFill/>
-                          <a:prstDash val="solid"/>
-                          <a:round/>
-                          <a:headEnd type="none" w="med" len="med"/>
-                          <a:tailEnd type="none" w="med" len="med"/>
-                        </a:lnB>
-                        <a:lnTlToBr w="12700" cmpd="sng">
-                          <a:noFill/>
-                          <a:prstDash val="solid"/>
-                        </a:lnTlToBr>
-                        <a:lnBlToTr w="12700" cmpd="sng">
-                          <a:noFill/>
-                          <a:prstDash val="solid"/>
-                        </a:lnBlToTr>
-                      </a:tcPr>
-                    </a:tc>
-                    <a:tc>
-                      <a:txBody>
-                        <a:bodyPr/>
-                        <a:lstStyle/>
-                        <a:p>
-                          <a:pPr algn="ctr"/>
-                          <a:r>
-                            <a:rPr lang="en-US" sz="2400" noProof="0" dirty="0" smtClean="0"/>
-                            <a:t>500</a:t>
-                          </a:r>
-                          <a:endParaRPr lang="en-US" sz="2400" noProof="0" dirty="0"/>
-                        </a:p>
-                      </a:txBody>
-                      <a:tcPr marT="36000">
-                        <a:lnL w="12700" cap="flat" cmpd="sng" algn="ctr">
-                          <a:noFill/>
-                          <a:prstDash val="solid"/>
-                          <a:round/>
-                          <a:headEnd type="none" w="med" len="med"/>
-                          <a:tailEnd type="none" w="med" len="med"/>
-                        </a:lnL>
-                        <a:lnR w="12700" cap="flat" cmpd="sng" algn="ctr">
-                          <a:noFill/>
-                          <a:prstDash val="solid"/>
-                          <a:round/>
-                          <a:headEnd type="none" w="med" len="med"/>
-                          <a:tailEnd type="none" w="med" len="med"/>
-                        </a:lnR>
-                        <a:lnT w="12700" cap="flat" cmpd="sng" algn="ctr">
-                          <a:noFill/>
-                          <a:prstDash val="solid"/>
-                          <a:round/>
-                          <a:headEnd type="none" w="med" len="med"/>
-                          <a:tailEnd type="none" w="med" len="med"/>
-                        </a:lnT>
-                        <a:lnB w="12700" cap="flat" cmpd="sng" algn="ctr">
-                          <a:noFill/>
-                          <a:prstDash val="solid"/>
-                          <a:round/>
-                          <a:headEnd type="none" w="med" len="med"/>
-                          <a:tailEnd type="none" w="med" len="med"/>
-                        </a:lnB>
-                        <a:lnTlToBr w="12700" cmpd="sng">
-                          <a:noFill/>
-                          <a:prstDash val="solid"/>
-                        </a:lnTlToBr>
-                        <a:lnBlToTr w="12700" cmpd="sng">
-                          <a:noFill/>
-                          <a:prstDash val="solid"/>
-                        </a:lnBlToTr>
-                      </a:tcPr>
-                    </a:tc>
-                    <a:tc>
-                      <a:txBody>
-                        <a:bodyPr/>
-                        <a:lstStyle/>
-                        <a:p>
-                          <a:pPr algn="ctr"/>
-                          <a:r>
-                            <a:rPr lang="en-US" sz="2400" noProof="0" dirty="0" smtClean="0"/>
-                            <a:t>0.25</a:t>
-                          </a:r>
-                          <a:endParaRPr lang="en-US" sz="2400" noProof="0" dirty="0"/>
-                        </a:p>
-                      </a:txBody>
-                      <a:tcPr marT="36000">
-                        <a:lnL w="12700" cap="flat" cmpd="sng" algn="ctr">
-                          <a:noFill/>
-                          <a:prstDash val="solid"/>
-                          <a:round/>
-                          <a:headEnd type="none" w="med" len="med"/>
-                          <a:tailEnd type="none" w="med" len="med"/>
-                        </a:lnL>
-                        <a:lnR w="12700" cap="flat" cmpd="sng" algn="ctr">
-                          <a:noFill/>
-                          <a:prstDash val="solid"/>
-                          <a:round/>
-                          <a:headEnd type="none" w="med" len="med"/>
-                          <a:tailEnd type="none" w="med" len="med"/>
-                        </a:lnR>
-                        <a:lnT w="12700" cap="flat" cmpd="sng" algn="ctr">
-                          <a:noFill/>
-                          <a:prstDash val="solid"/>
-                          <a:round/>
-                          <a:headEnd type="none" w="med" len="med"/>
-                          <a:tailEnd type="none" w="med" len="med"/>
-                        </a:lnT>
-                        <a:lnB w="12700" cap="flat" cmpd="sng" algn="ctr">
-                          <a:noFill/>
-                          <a:prstDash val="solid"/>
-                          <a:round/>
-                          <a:headEnd type="none" w="med" len="med"/>
-                          <a:tailEnd type="none" w="med" len="med"/>
-                        </a:lnB>
-                        <a:lnTlToBr w="12700" cmpd="sng">
-                          <a:noFill/>
-                          <a:prstDash val="solid"/>
-                        </a:lnTlToBr>
-                        <a:lnBlToTr w="12700" cmpd="sng">
-                          <a:noFill/>
-                          <a:prstDash val="solid"/>
-                        </a:lnBlToTr>
-                      </a:tcPr>
-                    </a:tc>
-                    <a:extLst>
-                      <a:ext uri="{0D108BD9-81ED-4DB2-BD59-A6C34878D82A}">
-                        <a16:rowId xmlns:a16="http://schemas.microsoft.com/office/drawing/2014/main" xmlns="" val="10003"/>
-                      </a:ext>
-                    </a:extLst>
-                  </a:tr>
-                  <a:tr h="0">
-                    <a:tc>
-                      <a:txBody>
-                        <a:bodyPr/>
-                        <a:lstStyle/>
-                        <a:p>
-                          <a:pPr algn="ctr"/>
-                          <a:r>
-                            <a:rPr lang="en-US" sz="2400" noProof="0" smtClean="0"/>
-                            <a:t>B1</a:t>
-                          </a:r>
-                          <a:endParaRPr lang="en-US" sz="2400" noProof="0"/>
-                        </a:p>
-                      </a:txBody>
-                      <a:tcPr marT="36000">
-                        <a:lnL w="12700" cap="flat" cmpd="sng" algn="ctr">
-                          <a:noFill/>
-                          <a:prstDash val="solid"/>
-                          <a:round/>
-                          <a:headEnd type="none" w="med" len="med"/>
-                          <a:tailEnd type="none" w="med" len="med"/>
-                        </a:lnL>
-                        <a:lnR w="12700" cap="flat" cmpd="sng" algn="ctr">
-                          <a:noFill/>
-                          <a:prstDash val="solid"/>
-                          <a:round/>
-                          <a:headEnd type="none" w="med" len="med"/>
-                          <a:tailEnd type="none" w="med" len="med"/>
-                        </a:lnR>
-                        <a:lnT w="12700" cap="flat" cmpd="sng" algn="ctr">
-                          <a:noFill/>
-                          <a:prstDash val="solid"/>
-                          <a:round/>
-                          <a:headEnd type="none" w="med" len="med"/>
-                          <a:tailEnd type="none" w="med" len="med"/>
-                        </a:lnT>
-                        <a:lnB w="12700" cap="flat" cmpd="sng" algn="ctr">
-                          <a:noFill/>
-                          <a:prstDash val="solid"/>
-                          <a:round/>
-                          <a:headEnd type="none" w="med" len="med"/>
-                          <a:tailEnd type="none" w="med" len="med"/>
-                        </a:lnB>
-                        <a:lnTlToBr w="12700" cmpd="sng">
-                          <a:noFill/>
-                          <a:prstDash val="solid"/>
-                        </a:lnTlToBr>
-                        <a:lnBlToTr w="12700" cmpd="sng">
-                          <a:noFill/>
-                          <a:prstDash val="solid"/>
-                        </a:lnBlToTr>
-                      </a:tcPr>
-                    </a:tc>
-                    <a:tc>
-                      <a:txBody>
-                        <a:bodyPr/>
-                        <a:lstStyle/>
-                        <a:p>
-                          <a:pPr algn="ctr"/>
-                          <a:r>
-                            <a:rPr lang="en-US" sz="2400" noProof="0" dirty="0" smtClean="0"/>
-                            <a:t>50</a:t>
-                          </a:r>
-                          <a:endParaRPr lang="en-US" sz="2400" noProof="0" dirty="0"/>
-                        </a:p>
-                      </a:txBody>
-                      <a:tcPr marT="36000">
-                        <a:lnL w="12700" cap="flat" cmpd="sng" algn="ctr">
-                          <a:noFill/>
-                          <a:prstDash val="solid"/>
-                          <a:round/>
-                          <a:headEnd type="none" w="med" len="med"/>
-                          <a:tailEnd type="none" w="med" len="med"/>
-                        </a:lnL>
-                        <a:lnR w="12700" cap="flat" cmpd="sng" algn="ctr">
-                          <a:noFill/>
-                          <a:prstDash val="solid"/>
-                          <a:round/>
-                          <a:headEnd type="none" w="med" len="med"/>
-                          <a:tailEnd type="none" w="med" len="med"/>
-                        </a:lnR>
-                        <a:lnT w="12700" cap="flat" cmpd="sng" algn="ctr">
-                          <a:noFill/>
-                          <a:prstDash val="solid"/>
-                          <a:round/>
-                          <a:headEnd type="none" w="med" len="med"/>
-                          <a:tailEnd type="none" w="med" len="med"/>
-                        </a:lnT>
-                        <a:lnB w="12700" cap="flat" cmpd="sng" algn="ctr">
-                          <a:noFill/>
-                          <a:prstDash val="solid"/>
-                          <a:round/>
-                          <a:headEnd type="none" w="med" len="med"/>
-                          <a:tailEnd type="none" w="med" len="med"/>
-                        </a:lnB>
-                        <a:lnTlToBr w="12700" cmpd="sng">
-                          <a:noFill/>
-                          <a:prstDash val="solid"/>
-                        </a:lnTlToBr>
-                        <a:lnBlToTr w="12700" cmpd="sng">
-                          <a:noFill/>
-                          <a:prstDash val="solid"/>
-                        </a:lnBlToTr>
-                      </a:tcPr>
-                    </a:tc>
-                    <a:tc>
-                      <a:txBody>
-                        <a:bodyPr/>
-                        <a:lstStyle/>
-                        <a:p>
-                          <a:pPr algn="ctr"/>
-                          <a:r>
-                            <a:rPr lang="en-US" sz="2400" noProof="0" dirty="0" smtClean="0"/>
-                            <a:t>0.50</a:t>
-                          </a:r>
-                          <a:endParaRPr lang="en-US" sz="2400" noProof="0" dirty="0"/>
-                        </a:p>
-                      </a:txBody>
-                      <a:tcPr marT="36000">
-                        <a:lnL w="12700" cap="flat" cmpd="sng" algn="ctr">
-                          <a:noFill/>
-                          <a:prstDash val="solid"/>
-                          <a:round/>
-                          <a:headEnd type="none" w="med" len="med"/>
-                          <a:tailEnd type="none" w="med" len="med"/>
-                        </a:lnL>
-                        <a:lnR w="12700" cap="flat" cmpd="sng" algn="ctr">
-                          <a:noFill/>
-                          <a:prstDash val="solid"/>
-                          <a:round/>
-                          <a:headEnd type="none" w="med" len="med"/>
-                          <a:tailEnd type="none" w="med" len="med"/>
-                        </a:lnR>
-                        <a:lnT w="12700" cap="flat" cmpd="sng" algn="ctr">
-                          <a:noFill/>
-                          <a:prstDash val="solid"/>
-                          <a:round/>
-                          <a:headEnd type="none" w="med" len="med"/>
-                          <a:tailEnd type="none" w="med" len="med"/>
-                        </a:lnT>
-                        <a:lnB w="12700" cap="flat" cmpd="sng" algn="ctr">
-                          <a:noFill/>
-                          <a:prstDash val="solid"/>
-                          <a:round/>
-                          <a:headEnd type="none" w="med" len="med"/>
-                          <a:tailEnd type="none" w="med" len="med"/>
-                        </a:lnB>
-                        <a:lnTlToBr w="12700" cmpd="sng">
-                          <a:noFill/>
-                          <a:prstDash val="solid"/>
-                        </a:lnTlToBr>
-                        <a:lnBlToTr w="12700" cmpd="sng">
-                          <a:noFill/>
-                          <a:prstDash val="solid"/>
-                        </a:lnBlToTr>
-                      </a:tcPr>
-                    </a:tc>
-                    <a:extLst>
-                      <a:ext uri="{0D108BD9-81ED-4DB2-BD59-A6C34878D82A}">
-                        <a16:rowId xmlns:a16="http://schemas.microsoft.com/office/drawing/2014/main" xmlns="" val="10004"/>
-                      </a:ext>
-                    </a:extLst>
-                  </a:tr>
-                  <a:tr h="0">
-                    <a:tc>
-                      <a:txBody>
-                        <a:bodyPr/>
-                        <a:lstStyle/>
-                        <a:p>
-                          <a:pPr algn="ctr"/>
-                          <a:r>
-                            <a:rPr lang="en-US" sz="2400" noProof="0" smtClean="0"/>
-                            <a:t>B2</a:t>
-                          </a:r>
-                          <a:endParaRPr lang="en-US" sz="2400" noProof="0"/>
-                        </a:p>
-                      </a:txBody>
-                      <a:tcPr marT="36000">
-                        <a:lnL w="12700" cap="flat" cmpd="sng" algn="ctr">
-                          <a:noFill/>
-                          <a:prstDash val="solid"/>
-                          <a:round/>
-                          <a:headEnd type="none" w="med" len="med"/>
-                          <a:tailEnd type="none" w="med" len="med"/>
-                        </a:lnL>
-                        <a:lnR w="12700" cap="flat" cmpd="sng" algn="ctr">
-                          <a:noFill/>
-                          <a:prstDash val="solid"/>
-                          <a:round/>
-                          <a:headEnd type="none" w="med" len="med"/>
-                          <a:tailEnd type="none" w="med" len="med"/>
-                        </a:lnR>
-                        <a:lnT w="12700" cap="flat" cmpd="sng" algn="ctr">
-                          <a:noFill/>
-                          <a:prstDash val="solid"/>
-                          <a:round/>
-                          <a:headEnd type="none" w="med" len="med"/>
-                          <a:tailEnd type="none" w="med" len="med"/>
-                        </a:lnT>
-                        <a:lnB w="12700" cap="flat" cmpd="sng" algn="ctr">
-                          <a:noFill/>
-                          <a:prstDash val="solid"/>
-                          <a:round/>
-                          <a:headEnd type="none" w="med" len="med"/>
-                          <a:tailEnd type="none" w="med" len="med"/>
-                        </a:lnB>
-                        <a:lnTlToBr w="12700" cmpd="sng">
-                          <a:noFill/>
-                          <a:prstDash val="solid"/>
-                        </a:lnTlToBr>
-                        <a:lnBlToTr w="12700" cmpd="sng">
-                          <a:noFill/>
-                          <a:prstDash val="solid"/>
-                        </a:lnBlToTr>
-                      </a:tcPr>
-                    </a:tc>
-                    <a:tc>
-                      <a:txBody>
-                        <a:bodyPr/>
-                        <a:lstStyle/>
-                        <a:p>
-                          <a:pPr algn="ctr"/>
-                          <a:r>
-                            <a:rPr lang="en-US" sz="2400" noProof="0" dirty="0" smtClean="0"/>
-                            <a:t>100</a:t>
-                          </a:r>
-                          <a:endParaRPr lang="en-US" sz="2400" noProof="0" dirty="0"/>
-                        </a:p>
-                      </a:txBody>
-                      <a:tcPr marT="36000">
-                        <a:lnL w="12700" cap="flat" cmpd="sng" algn="ctr">
-                          <a:noFill/>
-                          <a:prstDash val="solid"/>
-                          <a:round/>
-                          <a:headEnd type="none" w="med" len="med"/>
-                          <a:tailEnd type="none" w="med" len="med"/>
-                        </a:lnL>
-                        <a:lnR w="12700" cap="flat" cmpd="sng" algn="ctr">
-                          <a:noFill/>
-                          <a:prstDash val="solid"/>
-                          <a:round/>
-                          <a:headEnd type="none" w="med" len="med"/>
-                          <a:tailEnd type="none" w="med" len="med"/>
-                        </a:lnR>
-                        <a:lnT w="12700" cap="flat" cmpd="sng" algn="ctr">
-                          <a:noFill/>
-                          <a:prstDash val="solid"/>
-                          <a:round/>
-                          <a:headEnd type="none" w="med" len="med"/>
-                          <a:tailEnd type="none" w="med" len="med"/>
-                        </a:lnT>
-                        <a:lnB w="12700" cap="flat" cmpd="sng" algn="ctr">
-                          <a:noFill/>
-                          <a:prstDash val="solid"/>
-                          <a:round/>
-                          <a:headEnd type="none" w="med" len="med"/>
-                          <a:tailEnd type="none" w="med" len="med"/>
-                        </a:lnB>
-                        <a:lnTlToBr w="12700" cmpd="sng">
-                          <a:noFill/>
-                          <a:prstDash val="solid"/>
-                        </a:lnTlToBr>
-                        <a:lnBlToTr w="12700" cmpd="sng">
-                          <a:noFill/>
-                          <a:prstDash val="solid"/>
-                        </a:lnBlToTr>
-                      </a:tcPr>
-                    </a:tc>
-                    <a:tc>
-                      <a:txBody>
-                        <a:bodyPr/>
-                        <a:lstStyle/>
-                        <a:p>
-                          <a:pPr algn="ctr"/>
-                          <a:r>
-                            <a:rPr lang="en-US" sz="2400" noProof="0" dirty="0" smtClean="0"/>
-                            <a:t>0.50</a:t>
-                          </a:r>
-                          <a:endParaRPr lang="en-US" sz="2400" noProof="0" dirty="0"/>
-                        </a:p>
-                      </a:txBody>
-                      <a:tcPr marT="36000">
-                        <a:lnL w="12700" cap="flat" cmpd="sng" algn="ctr">
-                          <a:noFill/>
-                          <a:prstDash val="solid"/>
-                          <a:round/>
-                          <a:headEnd type="none" w="med" len="med"/>
-                          <a:tailEnd type="none" w="med" len="med"/>
-                        </a:lnL>
-                        <a:lnR w="12700" cap="flat" cmpd="sng" algn="ctr">
-                          <a:noFill/>
-                          <a:prstDash val="solid"/>
-                          <a:round/>
-                          <a:headEnd type="none" w="med" len="med"/>
-                          <a:tailEnd type="none" w="med" len="med"/>
-                        </a:lnR>
-                        <a:lnT w="12700" cap="flat" cmpd="sng" algn="ctr">
-                          <a:noFill/>
-                          <a:prstDash val="solid"/>
-                          <a:round/>
-                          <a:headEnd type="none" w="med" len="med"/>
-                          <a:tailEnd type="none" w="med" len="med"/>
-                        </a:lnT>
-                        <a:lnB w="12700" cap="flat" cmpd="sng" algn="ctr">
-                          <a:noFill/>
-                          <a:prstDash val="solid"/>
-                          <a:round/>
-                          <a:headEnd type="none" w="med" len="med"/>
-                          <a:tailEnd type="none" w="med" len="med"/>
-                        </a:lnB>
-                        <a:lnTlToBr w="12700" cmpd="sng">
-                          <a:noFill/>
-                          <a:prstDash val="solid"/>
-                        </a:lnTlToBr>
-                        <a:lnBlToTr w="12700" cmpd="sng">
-                          <a:noFill/>
-                          <a:prstDash val="solid"/>
-                        </a:lnBlToTr>
-                      </a:tcPr>
-                    </a:tc>
-                    <a:extLst>
-                      <a:ext uri="{0D108BD9-81ED-4DB2-BD59-A6C34878D82A}">
-                        <a16:rowId xmlns:a16="http://schemas.microsoft.com/office/drawing/2014/main" xmlns="" val="10005"/>
-                      </a:ext>
-                    </a:extLst>
-                  </a:tr>
-                  <a:tr h="0">
-                    <a:tc>
-                      <a:txBody>
-                        <a:bodyPr/>
-                        <a:lstStyle/>
-                        <a:p>
-                          <a:pPr algn="ctr"/>
-                          <a:r>
-                            <a:rPr lang="en-US" sz="2400" noProof="0" dirty="0" smtClean="0"/>
-                            <a:t>B3</a:t>
-                          </a:r>
-                          <a:endParaRPr lang="en-US" sz="2400" noProof="0" dirty="0"/>
-                        </a:p>
-                      </a:txBody>
-                      <a:tcPr marT="36000">
-                        <a:lnL w="12700" cap="flat" cmpd="sng" algn="ctr">
-                          <a:noFill/>
-                          <a:prstDash val="solid"/>
-                          <a:round/>
-                          <a:headEnd type="none" w="med" len="med"/>
-                          <a:tailEnd type="none" w="med" len="med"/>
-                        </a:lnL>
-                        <a:lnR w="12700" cap="flat" cmpd="sng" algn="ctr">
-                          <a:noFill/>
-                          <a:prstDash val="solid"/>
-                          <a:round/>
-                          <a:headEnd type="none" w="med" len="med"/>
-                          <a:tailEnd type="none" w="med" len="med"/>
-                        </a:lnR>
-                        <a:lnT w="12700" cap="flat" cmpd="sng" algn="ctr">
-                          <a:noFill/>
-                          <a:prstDash val="solid"/>
-                          <a:round/>
-                          <a:headEnd type="none" w="med" len="med"/>
-                          <a:tailEnd type="none" w="med" len="med"/>
-                        </a:lnT>
-                        <a:lnB w="12700" cap="flat" cmpd="sng" algn="ctr">
-                          <a:noFill/>
-                          <a:prstDash val="solid"/>
-                          <a:round/>
-                          <a:headEnd type="none" w="med" len="med"/>
-                          <a:tailEnd type="none" w="med" len="med"/>
-                        </a:lnB>
-                        <a:lnTlToBr w="12700" cmpd="sng">
-                          <a:noFill/>
-                          <a:prstDash val="solid"/>
-                        </a:lnTlToBr>
-                        <a:lnBlToTr w="12700" cmpd="sng">
-                          <a:noFill/>
-                          <a:prstDash val="solid"/>
-                        </a:lnBlToTr>
-                      </a:tcPr>
-                    </a:tc>
-                    <a:tc>
-                      <a:txBody>
-                        <a:bodyPr/>
-                        <a:lstStyle/>
-                        <a:p>
-                          <a:pPr algn="ctr"/>
-                          <a:r>
-                            <a:rPr lang="en-US" sz="2400" noProof="0" dirty="0" smtClean="0"/>
-                            <a:t>500</a:t>
-                          </a:r>
-                          <a:endParaRPr lang="en-US" sz="2400" noProof="0" dirty="0"/>
-                        </a:p>
-                      </a:txBody>
-                      <a:tcPr marT="36000">
-                        <a:lnL w="12700" cap="flat" cmpd="sng" algn="ctr">
-                          <a:noFill/>
-                          <a:prstDash val="solid"/>
-                          <a:round/>
-                          <a:headEnd type="none" w="med" len="med"/>
-                          <a:tailEnd type="none" w="med" len="med"/>
-                        </a:lnL>
-                        <a:lnR w="12700" cap="flat" cmpd="sng" algn="ctr">
-                          <a:noFill/>
-                          <a:prstDash val="solid"/>
-                          <a:round/>
-                          <a:headEnd type="none" w="med" len="med"/>
-                          <a:tailEnd type="none" w="med" len="med"/>
-                        </a:lnR>
-                        <a:lnT w="12700" cap="flat" cmpd="sng" algn="ctr">
-                          <a:noFill/>
-                          <a:prstDash val="solid"/>
-                          <a:round/>
-                          <a:headEnd type="none" w="med" len="med"/>
-                          <a:tailEnd type="none" w="med" len="med"/>
-                        </a:lnT>
-                        <a:lnB w="12700" cap="flat" cmpd="sng" algn="ctr">
-                          <a:noFill/>
-                          <a:prstDash val="solid"/>
-                          <a:round/>
-                          <a:headEnd type="none" w="med" len="med"/>
-                          <a:tailEnd type="none" w="med" len="med"/>
-                        </a:lnB>
-                        <a:lnTlToBr w="12700" cmpd="sng">
-                          <a:noFill/>
-                          <a:prstDash val="solid"/>
-                        </a:lnTlToBr>
-                        <a:lnBlToTr w="12700" cmpd="sng">
-                          <a:noFill/>
-                          <a:prstDash val="solid"/>
-                        </a:lnBlToTr>
-                      </a:tcPr>
-                    </a:tc>
-                    <a:tc>
-                      <a:txBody>
-                        <a:bodyPr/>
-                        <a:lstStyle/>
-                        <a:p>
-                          <a:pPr algn="ctr"/>
-                          <a:r>
-                            <a:rPr lang="en-US" sz="2400" noProof="0" dirty="0" smtClean="0"/>
-                            <a:t>0.50</a:t>
-                          </a:r>
-                          <a:endParaRPr lang="en-US" sz="2400" noProof="0" dirty="0"/>
-                        </a:p>
-                      </a:txBody>
-                      <a:tcPr marT="36000">
-                        <a:lnL w="12700" cap="flat" cmpd="sng" algn="ctr">
-                          <a:noFill/>
-                          <a:prstDash val="solid"/>
-                          <a:round/>
-                          <a:headEnd type="none" w="med" len="med"/>
-                          <a:tailEnd type="none" w="med" len="med"/>
-                        </a:lnL>
-                        <a:lnR w="12700" cap="flat" cmpd="sng" algn="ctr">
-                          <a:noFill/>
-                          <a:prstDash val="solid"/>
-                          <a:round/>
-                          <a:headEnd type="none" w="med" len="med"/>
-                          <a:tailEnd type="none" w="med" len="med"/>
-                        </a:lnR>
-                        <a:lnT w="12700" cap="flat" cmpd="sng" algn="ctr">
-                          <a:noFill/>
-                          <a:prstDash val="solid"/>
-                          <a:round/>
-                          <a:headEnd type="none" w="med" len="med"/>
-                          <a:tailEnd type="none" w="med" len="med"/>
-                        </a:lnT>
-                        <a:lnB w="12700" cap="flat" cmpd="sng" algn="ctr">
-                          <a:noFill/>
-                          <a:prstDash val="solid"/>
-                          <a:round/>
-                          <a:headEnd type="none" w="med" len="med"/>
-                          <a:tailEnd type="none" w="med" len="med"/>
-                        </a:lnB>
-                        <a:lnTlToBr w="12700" cmpd="sng">
-                          <a:noFill/>
-                          <a:prstDash val="solid"/>
-                        </a:lnTlToBr>
-                        <a:lnBlToTr w="12700" cmpd="sng">
-                          <a:noFill/>
-                          <a:prstDash val="solid"/>
-                        </a:lnBlToTr>
-                      </a:tcPr>
-                    </a:tc>
-                    <a:extLst>
-                      <a:ext uri="{0D108BD9-81ED-4DB2-BD59-A6C34878D82A}">
-                        <a16:rowId xmlns:a16="http://schemas.microsoft.com/office/drawing/2014/main" xmlns="" val="10006"/>
-                      </a:ext>
-                    </a:extLst>
-                  </a:tr>
-                  <a:tr h="0">
-                    <a:tc>
-                      <a:txBody>
-                        <a:bodyPr/>
-                        <a:lstStyle/>
-                        <a:p>
-                          <a:pPr algn="ctr"/>
-                          <a:r>
-                            <a:rPr lang="en-US" sz="2400" noProof="0" dirty="0" smtClean="0"/>
-                            <a:t>C1</a:t>
-                          </a:r>
-                          <a:endParaRPr lang="en-US" sz="2400" noProof="0" dirty="0"/>
-                        </a:p>
-                      </a:txBody>
-                      <a:tcPr marT="36000">
-                        <a:lnL w="12700" cap="flat" cmpd="sng" algn="ctr">
-                          <a:noFill/>
-                          <a:prstDash val="solid"/>
-                          <a:round/>
-                          <a:headEnd type="none" w="med" len="med"/>
-                          <a:tailEnd type="none" w="med" len="med"/>
-                        </a:lnL>
-                        <a:lnR w="12700" cap="flat" cmpd="sng" algn="ctr">
-                          <a:noFill/>
-                          <a:prstDash val="solid"/>
-                          <a:round/>
-                          <a:headEnd type="none" w="med" len="med"/>
-                          <a:tailEnd type="none" w="med" len="med"/>
-                        </a:lnR>
-                        <a:lnT w="12700" cap="flat" cmpd="sng" algn="ctr">
-                          <a:noFill/>
-                          <a:prstDash val="solid"/>
-                          <a:round/>
-                          <a:headEnd type="none" w="med" len="med"/>
-                          <a:tailEnd type="none" w="med" len="med"/>
-                        </a:lnT>
-                        <a:lnB w="12700" cap="flat" cmpd="sng" algn="ctr">
-                          <a:noFill/>
-                          <a:prstDash val="solid"/>
-                          <a:round/>
-                          <a:headEnd type="none" w="med" len="med"/>
-                          <a:tailEnd type="none" w="med" len="med"/>
-                        </a:lnB>
-                        <a:lnTlToBr w="12700" cmpd="sng">
-                          <a:noFill/>
-                          <a:prstDash val="solid"/>
-                        </a:lnTlToBr>
-                        <a:lnBlToTr w="12700" cmpd="sng">
-                          <a:noFill/>
-                          <a:prstDash val="solid"/>
-                        </a:lnBlToTr>
-                      </a:tcPr>
-                    </a:tc>
-                    <a:tc>
-                      <a:txBody>
-                        <a:bodyPr/>
-                        <a:lstStyle/>
-                        <a:p>
-                          <a:pPr algn="ctr"/>
-                          <a:r>
-                            <a:rPr lang="en-US" sz="2400" noProof="0" dirty="0" smtClean="0"/>
-                            <a:t>50</a:t>
-                          </a:r>
-                          <a:endParaRPr lang="en-US" sz="2400" noProof="0" dirty="0"/>
-                        </a:p>
-                      </a:txBody>
-                      <a:tcPr marT="36000">
-                        <a:lnL w="12700" cap="flat" cmpd="sng" algn="ctr">
-                          <a:noFill/>
-                          <a:prstDash val="solid"/>
-                          <a:round/>
-                          <a:headEnd type="none" w="med" len="med"/>
-                          <a:tailEnd type="none" w="med" len="med"/>
-                        </a:lnL>
-                        <a:lnR w="12700" cap="flat" cmpd="sng" algn="ctr">
-                          <a:noFill/>
-                          <a:prstDash val="solid"/>
-                          <a:round/>
-                          <a:headEnd type="none" w="med" len="med"/>
-                          <a:tailEnd type="none" w="med" len="med"/>
-                        </a:lnR>
-                        <a:lnT w="12700" cap="flat" cmpd="sng" algn="ctr">
-                          <a:noFill/>
-                          <a:prstDash val="solid"/>
-                          <a:round/>
-                          <a:headEnd type="none" w="med" len="med"/>
-                          <a:tailEnd type="none" w="med" len="med"/>
-                        </a:lnT>
-                        <a:lnB w="12700" cap="flat" cmpd="sng" algn="ctr">
-                          <a:noFill/>
-                          <a:prstDash val="solid"/>
-                          <a:round/>
-                          <a:headEnd type="none" w="med" len="med"/>
-                          <a:tailEnd type="none" w="med" len="med"/>
-                        </a:lnB>
-                        <a:lnTlToBr w="12700" cmpd="sng">
-                          <a:noFill/>
-                          <a:prstDash val="solid"/>
-                        </a:lnTlToBr>
-                        <a:lnBlToTr w="12700" cmpd="sng">
-                          <a:noFill/>
-                          <a:prstDash val="solid"/>
-                        </a:lnBlToTr>
-                      </a:tcPr>
-                    </a:tc>
-                    <a:tc>
-                      <a:txBody>
-                        <a:bodyPr/>
-                        <a:lstStyle/>
-                        <a:p>
-                          <a:pPr algn="ctr"/>
-                          <a:r>
-                            <a:rPr lang="en-US" sz="2400" noProof="0" dirty="0" smtClean="0"/>
-                            <a:t>0.75</a:t>
-                          </a:r>
-                          <a:endParaRPr lang="en-US" sz="2400" noProof="0" dirty="0"/>
-                        </a:p>
-                      </a:txBody>
-                      <a:tcPr marT="36000">
-                        <a:lnL w="12700" cap="flat" cmpd="sng" algn="ctr">
-                          <a:noFill/>
-                          <a:prstDash val="solid"/>
-                          <a:round/>
-                          <a:headEnd type="none" w="med" len="med"/>
-                          <a:tailEnd type="none" w="med" len="med"/>
-                        </a:lnL>
-                        <a:lnR w="12700" cap="flat" cmpd="sng" algn="ctr">
-                          <a:noFill/>
-                          <a:prstDash val="solid"/>
-                          <a:round/>
-                          <a:headEnd type="none" w="med" len="med"/>
-                          <a:tailEnd type="none" w="med" len="med"/>
-                        </a:lnR>
-                        <a:lnT w="12700" cap="flat" cmpd="sng" algn="ctr">
-                          <a:noFill/>
-                          <a:prstDash val="solid"/>
-                          <a:round/>
-                          <a:headEnd type="none" w="med" len="med"/>
-                          <a:tailEnd type="none" w="med" len="med"/>
-                        </a:lnT>
-                        <a:lnB w="12700" cap="flat" cmpd="sng" algn="ctr">
-                          <a:noFill/>
-                          <a:prstDash val="solid"/>
-                          <a:round/>
-                          <a:headEnd type="none" w="med" len="med"/>
-                          <a:tailEnd type="none" w="med" len="med"/>
-                        </a:lnB>
-                        <a:lnTlToBr w="12700" cmpd="sng">
-                          <a:noFill/>
-                          <a:prstDash val="solid"/>
-                        </a:lnTlToBr>
-                        <a:lnBlToTr w="12700" cmpd="sng">
-                          <a:noFill/>
-                          <a:prstDash val="solid"/>
-                        </a:lnBlToTr>
-                      </a:tcPr>
-                    </a:tc>
-                  </a:tr>
-                  <a:tr h="0">
-                    <a:tc>
-                      <a:txBody>
-                        <a:bodyPr/>
-                        <a:lstStyle/>
-                        <a:p>
-                          <a:pPr algn="ctr"/>
-                          <a:r>
-                            <a:rPr lang="en-US" sz="2400" noProof="0" dirty="0" smtClean="0"/>
-                            <a:t>C2</a:t>
-                          </a:r>
-                          <a:endParaRPr lang="en-US" sz="2400" noProof="0" dirty="0"/>
-                        </a:p>
-                      </a:txBody>
-                      <a:tcPr marT="36000">
-                        <a:lnL w="12700" cap="flat" cmpd="sng" algn="ctr">
-                          <a:noFill/>
-                          <a:prstDash val="solid"/>
-                          <a:round/>
-                          <a:headEnd type="none" w="med" len="med"/>
-                          <a:tailEnd type="none" w="med" len="med"/>
-                        </a:lnL>
-                        <a:lnR w="12700" cap="flat" cmpd="sng" algn="ctr">
-                          <a:noFill/>
-                          <a:prstDash val="solid"/>
-                          <a:round/>
-                          <a:headEnd type="none" w="med" len="med"/>
-                          <a:tailEnd type="none" w="med" len="med"/>
-                        </a:lnR>
-                        <a:lnT w="12700" cap="flat" cmpd="sng" algn="ctr">
-                          <a:noFill/>
-                          <a:prstDash val="solid"/>
-                          <a:round/>
-                          <a:headEnd type="none" w="med" len="med"/>
-                          <a:tailEnd type="none" w="med" len="med"/>
-                        </a:lnT>
-                        <a:lnB w="12700" cap="flat" cmpd="sng" algn="ctr">
-                          <a:noFill/>
-                          <a:prstDash val="solid"/>
-                          <a:round/>
-                          <a:headEnd type="none" w="med" len="med"/>
-                          <a:tailEnd type="none" w="med" len="med"/>
-                        </a:lnB>
-                        <a:lnTlToBr w="12700" cmpd="sng">
-                          <a:noFill/>
-                          <a:prstDash val="solid"/>
-                        </a:lnTlToBr>
-                        <a:lnBlToTr w="12700" cmpd="sng">
-                          <a:noFill/>
-                          <a:prstDash val="solid"/>
-                        </a:lnBlToTr>
-                      </a:tcPr>
-                    </a:tc>
-                    <a:tc>
-                      <a:txBody>
-                        <a:bodyPr/>
-                        <a:lstStyle/>
-                        <a:p>
-                          <a:pPr algn="ctr"/>
-                          <a:r>
-                            <a:rPr lang="en-US" sz="2400" noProof="0" dirty="0" smtClean="0"/>
-                            <a:t>100</a:t>
-                          </a:r>
-                          <a:endParaRPr lang="en-US" sz="2400" noProof="0" dirty="0"/>
-                        </a:p>
-                      </a:txBody>
-                      <a:tcPr marT="36000">
-                        <a:lnL w="12700" cap="flat" cmpd="sng" algn="ctr">
-                          <a:noFill/>
-                          <a:prstDash val="solid"/>
-                          <a:round/>
-                          <a:headEnd type="none" w="med" len="med"/>
-                          <a:tailEnd type="none" w="med" len="med"/>
-                        </a:lnL>
-                        <a:lnR w="12700" cap="flat" cmpd="sng" algn="ctr">
-                          <a:noFill/>
-                          <a:prstDash val="solid"/>
-                          <a:round/>
-                          <a:headEnd type="none" w="med" len="med"/>
-                          <a:tailEnd type="none" w="med" len="med"/>
-                        </a:lnR>
-                        <a:lnT w="12700" cap="flat" cmpd="sng" algn="ctr">
-                          <a:noFill/>
-                          <a:prstDash val="solid"/>
-                          <a:round/>
-                          <a:headEnd type="none" w="med" len="med"/>
-                          <a:tailEnd type="none" w="med" len="med"/>
-                        </a:lnT>
-                        <a:lnB w="12700" cap="flat" cmpd="sng" algn="ctr">
-                          <a:noFill/>
-                          <a:prstDash val="solid"/>
-                          <a:round/>
-                          <a:headEnd type="none" w="med" len="med"/>
-                          <a:tailEnd type="none" w="med" len="med"/>
-                        </a:lnB>
-                        <a:lnTlToBr w="12700" cmpd="sng">
-                          <a:noFill/>
-                          <a:prstDash val="solid"/>
-                        </a:lnTlToBr>
-                        <a:lnBlToTr w="12700" cmpd="sng">
-                          <a:noFill/>
-                          <a:prstDash val="solid"/>
-                        </a:lnBlToTr>
-                      </a:tcPr>
-                    </a:tc>
-                    <a:tc>
-                      <a:txBody>
-                        <a:bodyPr/>
-                        <a:lstStyle/>
-                        <a:p>
-                          <a:pPr algn="ctr"/>
-                          <a:r>
-                            <a:rPr lang="en-US" sz="2400" noProof="0" dirty="0" smtClean="0"/>
-                            <a:t>0.75</a:t>
-                          </a:r>
-                          <a:endParaRPr lang="en-US" sz="2400" noProof="0" dirty="0"/>
-                        </a:p>
-                      </a:txBody>
-                      <a:tcPr marT="36000">
-                        <a:lnL w="12700" cap="flat" cmpd="sng" algn="ctr">
-                          <a:noFill/>
-                          <a:prstDash val="solid"/>
-                          <a:round/>
-                          <a:headEnd type="none" w="med" len="med"/>
-                          <a:tailEnd type="none" w="med" len="med"/>
-                        </a:lnL>
-                        <a:lnR w="12700" cap="flat" cmpd="sng" algn="ctr">
-                          <a:noFill/>
-                          <a:prstDash val="solid"/>
-                          <a:round/>
-                          <a:headEnd type="none" w="med" len="med"/>
-                          <a:tailEnd type="none" w="med" len="med"/>
-                        </a:lnR>
-                        <a:lnT w="12700" cap="flat" cmpd="sng" algn="ctr">
-                          <a:noFill/>
-                          <a:prstDash val="solid"/>
-                          <a:round/>
-                          <a:headEnd type="none" w="med" len="med"/>
-                          <a:tailEnd type="none" w="med" len="med"/>
-                        </a:lnT>
-                        <a:lnB w="12700" cap="flat" cmpd="sng" algn="ctr">
-                          <a:noFill/>
-                          <a:prstDash val="solid"/>
-                          <a:round/>
-                          <a:headEnd type="none" w="med" len="med"/>
-                          <a:tailEnd type="none" w="med" len="med"/>
-                        </a:lnB>
-                        <a:lnTlToBr w="12700" cmpd="sng">
-                          <a:noFill/>
-                          <a:prstDash val="solid"/>
-                        </a:lnTlToBr>
-                        <a:lnBlToTr w="12700" cmpd="sng">
-                          <a:noFill/>
-                          <a:prstDash val="solid"/>
-                        </a:lnBlToTr>
-                      </a:tcPr>
-                    </a:tc>
-                  </a:tr>
-                  <a:tr h="628117">
-                    <a:tc>
-                      <a:txBody>
-                        <a:bodyPr/>
-                        <a:lstStyle/>
-                        <a:p>
-                          <a:pPr algn="ctr"/>
-                          <a:r>
-                            <a:rPr lang="en-US" sz="2400" noProof="0" dirty="0" smtClean="0"/>
-                            <a:t>C3</a:t>
-                          </a:r>
-                          <a:endParaRPr lang="en-US" sz="2400" noProof="0" dirty="0"/>
-                        </a:p>
-                      </a:txBody>
-                      <a:tcPr marT="36000">
-                        <a:lnL w="12700" cap="flat" cmpd="sng" algn="ctr">
-                          <a:noFill/>
-                          <a:prstDash val="solid"/>
-                          <a:round/>
-                          <a:headEnd type="none" w="med" len="med"/>
-                          <a:tailEnd type="none" w="med" len="med"/>
-                        </a:lnL>
-                        <a:lnR w="12700" cap="flat" cmpd="sng" algn="ctr">
-                          <a:noFill/>
-                          <a:prstDash val="solid"/>
-                          <a:round/>
-                          <a:headEnd type="none" w="med" len="med"/>
-                          <a:tailEnd type="none" w="med" len="med"/>
-                        </a:lnR>
-                        <a:lnT w="12700" cap="flat" cmpd="sng" algn="ctr">
-                          <a:noFill/>
-                          <a:prstDash val="solid"/>
-                          <a:round/>
-                          <a:headEnd type="none" w="med" len="med"/>
-                          <a:tailEnd type="none" w="med" len="med"/>
-                        </a:lnT>
-                        <a:lnB w="12700" cap="flat" cmpd="sng" algn="ctr">
-                          <a:noFill/>
-                          <a:prstDash val="solid"/>
-                          <a:round/>
-                          <a:headEnd type="none" w="med" len="med"/>
-                          <a:tailEnd type="none" w="med" len="med"/>
-                        </a:lnB>
-                        <a:lnTlToBr w="12700" cmpd="sng">
-                          <a:noFill/>
-                          <a:prstDash val="solid"/>
-                        </a:lnTlToBr>
-                        <a:lnBlToTr w="12700" cmpd="sng">
-                          <a:noFill/>
-                          <a:prstDash val="solid"/>
-                        </a:lnBlToTr>
-                      </a:tcPr>
-                    </a:tc>
-                    <a:tc>
-                      <a:txBody>
-                        <a:bodyPr/>
-                        <a:lstStyle/>
-                        <a:p>
-                          <a:pPr algn="ctr"/>
-                          <a:r>
-                            <a:rPr lang="en-US" sz="2400" noProof="0" dirty="0" smtClean="0"/>
-                            <a:t>500</a:t>
-                          </a:r>
-                          <a:endParaRPr lang="en-US" sz="2400" noProof="0" dirty="0"/>
-                        </a:p>
-                      </a:txBody>
-                      <a:tcPr marT="36000">
-                        <a:lnL w="12700" cap="flat" cmpd="sng" algn="ctr">
-                          <a:noFill/>
-                          <a:prstDash val="solid"/>
-                          <a:round/>
-                          <a:headEnd type="none" w="med" len="med"/>
-                          <a:tailEnd type="none" w="med" len="med"/>
-                        </a:lnL>
-                        <a:lnR w="12700" cap="flat" cmpd="sng" algn="ctr">
-                          <a:noFill/>
-                          <a:prstDash val="solid"/>
-                          <a:round/>
-                          <a:headEnd type="none" w="med" len="med"/>
-                          <a:tailEnd type="none" w="med" len="med"/>
-                        </a:lnR>
-                        <a:lnT w="12700" cap="flat" cmpd="sng" algn="ctr">
-                          <a:noFill/>
-                          <a:prstDash val="solid"/>
-                          <a:round/>
-                          <a:headEnd type="none" w="med" len="med"/>
-                          <a:tailEnd type="none" w="med" len="med"/>
-                        </a:lnT>
-                        <a:lnB w="12700" cap="flat" cmpd="sng" algn="ctr">
-                          <a:noFill/>
-                          <a:prstDash val="solid"/>
-                          <a:round/>
-                          <a:headEnd type="none" w="med" len="med"/>
-                          <a:tailEnd type="none" w="med" len="med"/>
-                        </a:lnB>
-                        <a:lnTlToBr w="12700" cmpd="sng">
-                          <a:noFill/>
-                          <a:prstDash val="solid"/>
-                        </a:lnTlToBr>
-                        <a:lnBlToTr w="12700" cmpd="sng">
-                          <a:noFill/>
-                          <a:prstDash val="solid"/>
-                        </a:lnBlToTr>
-                      </a:tcPr>
-                    </a:tc>
-                    <a:tc>
-                      <a:txBody>
-                        <a:bodyPr/>
-                        <a:lstStyle/>
-                        <a:p>
-                          <a:pPr algn="ctr"/>
-                          <a:r>
-                            <a:rPr lang="en-US" sz="2400" noProof="0" dirty="0" smtClean="0"/>
-                            <a:t>0.75</a:t>
-                          </a:r>
-                          <a:endParaRPr lang="en-US" sz="2400" noProof="0" dirty="0"/>
-                        </a:p>
-                      </a:txBody>
-                      <a:tcPr marT="36000">
-                        <a:lnL w="12700" cap="flat" cmpd="sng" algn="ctr">
-                          <a:noFill/>
-                          <a:prstDash val="solid"/>
-                          <a:round/>
-                          <a:headEnd type="none" w="med" len="med"/>
-                          <a:tailEnd type="none" w="med" len="med"/>
-                        </a:lnL>
-                        <a:lnR w="12700" cap="flat" cmpd="sng" algn="ctr">
-                          <a:noFill/>
-                          <a:prstDash val="solid"/>
-                          <a:round/>
-                          <a:headEnd type="none" w="med" len="med"/>
-                          <a:tailEnd type="none" w="med" len="med"/>
-                        </a:lnR>
-                        <a:lnT w="12700" cap="flat" cmpd="sng" algn="ctr">
-                          <a:noFill/>
-                          <a:prstDash val="solid"/>
-                          <a:round/>
-                          <a:headEnd type="none" w="med" len="med"/>
-                          <a:tailEnd type="none" w="med" len="med"/>
-                        </a:lnT>
-                        <a:lnB w="12700" cap="flat" cmpd="sng" algn="ctr">
-                          <a:noFill/>
-                          <a:prstDash val="solid"/>
-                          <a:round/>
-                          <a:headEnd type="none" w="med" len="med"/>
-                          <a:tailEnd type="none" w="med" len="med"/>
-                        </a:lnB>
-                        <a:lnTlToBr w="12700" cmpd="sng">
-                          <a:noFill/>
-                          <a:prstDash val="solid"/>
-                        </a:lnTlToBr>
-                        <a:lnBlToTr w="12700" cmpd="sng">
-                          <a:noFill/>
-                          <a:prstDash val="solid"/>
-                        </a:lnBlToTr>
-                      </a:tcPr>
-                    </a:tc>
-                  </a:tr>
-                </a:tbl>
-              </a:graphicData>
-            </a:graphic>
-          </p:graphicFrame>
-        </mc:Choice>
-        <mc:Fallback xmlns="">
-          <p:graphicFrame>
-            <p:nvGraphicFramePr>
-              <p:cNvPr id="14" name="Tabelle 13"/>
-              <p:cNvGraphicFramePr>
-                <a:graphicFrameLocks noGrp="1"/>
-              </p:cNvGraphicFramePr>
-              <p:nvPr>
-                <p:extLst>
-                  <p:ext uri="{D42A27DB-BD31-4B8C-83A1-F6EECF244321}">
-                    <p14:modId xmlns:p14="http://schemas.microsoft.com/office/powerpoint/2010/main" val="1265979473"/>
-                  </p:ext>
-                </p:extLst>
-              </p:nvPr>
-            </p:nvGraphicFramePr>
-            <p:xfrm>
-              <a:off x="22911765" y="12080888"/>
-              <a:ext cx="7257140" cy="4655437"/>
-            </p:xfrm>
-            <a:graphic>
-              <a:graphicData uri="http://schemas.openxmlformats.org/drawingml/2006/table">
-                <a:tbl>
-                  <a:tblPr firstRow="1" bandRow="1">
-                    <a:tableStyleId>{5940675A-B579-460E-94D1-54222C63F5DA}</a:tableStyleId>
-                  </a:tblPr>
-                  <a:tblGrid>
-                    <a:gridCol w="2417106">
-                      <a:extLst>
-                        <a:ext uri="{9D8B030D-6E8A-4147-A177-3AD203B41FA5}">
-                          <a16:colId xmlns:a16="http://schemas.microsoft.com/office/drawing/2014/main" xmlns="" xmlns:a14="http://schemas.microsoft.com/office/drawing/2010/main" val="20000"/>
-                        </a:ext>
-                      </a:extLst>
-                    </a:gridCol>
-                    <a:gridCol w="2417106">
-                      <a:extLst>
-                        <a:ext uri="{9D8B030D-6E8A-4147-A177-3AD203B41FA5}">
-                          <a16:colId xmlns:a16="http://schemas.microsoft.com/office/drawing/2014/main" xmlns="" xmlns:a14="http://schemas.microsoft.com/office/drawing/2010/main" val="20001"/>
-                        </a:ext>
-                      </a:extLst>
-                    </a:gridCol>
-                    <a:gridCol w="2422928">
-                      <a:extLst>
-                        <a:ext uri="{9D8B030D-6E8A-4147-A177-3AD203B41FA5}">
-                          <a16:colId xmlns:a16="http://schemas.microsoft.com/office/drawing/2014/main" xmlns="" xmlns:a14="http://schemas.microsoft.com/office/drawing/2010/main" val="20002"/>
-                        </a:ext>
-                      </a:extLst>
-                    </a:gridCol>
-                  </a:tblGrid>
-                  <a:tr h="447480">
-                    <a:tc>
-                      <a:txBody>
-                        <a:bodyPr/>
-                        <a:lstStyle/>
-                        <a:p>
-                          <a:pPr algn="ctr"/>
-                          <a:r>
-                            <a:rPr lang="en-US" sz="2400" noProof="0" dirty="0" smtClean="0"/>
-                            <a:t>Combination</a:t>
-                          </a:r>
-                          <a:endParaRPr lang="en-US" sz="2400" noProof="0" dirty="0"/>
-                        </a:p>
-                      </a:txBody>
-                      <a:tcPr marT="36000">
-                        <a:lnL w="12700" cap="flat" cmpd="sng" algn="ctr">
-                          <a:noFill/>
-                          <a:prstDash val="solid"/>
-                          <a:round/>
-                          <a:headEnd type="none" w="med" len="med"/>
-                          <a:tailEnd type="none" w="med" len="med"/>
-                        </a:lnL>
-                        <a:lnR w="12700" cap="flat" cmpd="sng" algn="ctr">
-                          <a:noFill/>
-                          <a:prstDash val="solid"/>
-                          <a:round/>
-                          <a:headEnd type="none" w="med" len="med"/>
-                          <a:tailEnd type="none" w="med" len="med"/>
-                        </a:lnR>
-                        <a:lnT w="12700" cap="flat" cmpd="sng" algn="ctr">
-                          <a:solidFill>
-                            <a:schemeClr val="tx1"/>
-                          </a:solidFill>
-                          <a:prstDash val="solid"/>
-                          <a:round/>
-                          <a:headEnd type="none" w="med" len="med"/>
-                          <a:tailEnd type="none" w="med" len="med"/>
-                        </a:lnT>
-                        <a:lnB w="12700" cap="flat" cmpd="sng" algn="ctr">
-                          <a:solidFill>
-                            <a:schemeClr val="tx1"/>
-                          </a:solidFill>
-                          <a:prstDash val="solid"/>
-                          <a:round/>
-                          <a:headEnd type="none" w="med" len="med"/>
-                          <a:tailEnd type="none" w="med" len="med"/>
-                        </a:lnB>
-                        <a:lnTlToBr w="12700" cmpd="sng">
-                          <a:noFill/>
-                          <a:prstDash val="solid"/>
-                        </a:lnTlToBr>
-                        <a:lnBlToTr w="12700" cmpd="sng">
-                          <a:noFill/>
-                          <a:prstDash val="solid"/>
-                        </a:lnBlToTr>
-                      </a:tcPr>
-                    </a:tc>
-                    <a:tc>
-                      <a:txBody>
-                        <a:bodyPr/>
-                        <a:lstStyle/>
-                        <a:p>
-                          <a:endParaRPr lang="de-DE"/>
-                        </a:p>
-                      </a:txBody>
-                      <a:tcPr marT="36000">
-                        <a:lnL w="12700" cap="flat" cmpd="sng" algn="ctr">
-                          <a:noFill/>
-                          <a:prstDash val="solid"/>
-                          <a:round/>
-                          <a:headEnd type="none" w="med" len="med"/>
-                          <a:tailEnd type="none" w="med" len="med"/>
-                        </a:lnL>
-                        <a:lnR w="12700" cap="flat" cmpd="sng" algn="ctr">
-                          <a:noFill/>
-                          <a:prstDash val="solid"/>
-                          <a:round/>
-                          <a:headEnd type="none" w="med" len="med"/>
-                          <a:tailEnd type="none" w="med" len="med"/>
-                        </a:lnR>
-                        <a:lnT w="12700" cap="flat" cmpd="sng" algn="ctr">
-                          <a:solidFill>
-                            <a:schemeClr val="tx1"/>
-                          </a:solidFill>
-                          <a:prstDash val="solid"/>
-                          <a:round/>
-                          <a:headEnd type="none" w="med" len="med"/>
-                          <a:tailEnd type="none" w="med" len="med"/>
-                        </a:lnT>
-                        <a:lnB w="12700" cap="flat" cmpd="sng" algn="ctr">
-                          <a:solidFill>
-                            <a:schemeClr val="tx1"/>
-                          </a:solidFill>
-                          <a:prstDash val="solid"/>
-                          <a:round/>
-                          <a:headEnd type="none" w="med" len="med"/>
-                          <a:tailEnd type="none" w="med" len="med"/>
-                        </a:lnB>
-                        <a:lnTlToBr w="12700" cmpd="sng">
-                          <a:noFill/>
-                          <a:prstDash val="solid"/>
-                        </a:lnTlToBr>
-                        <a:lnBlToTr w="12700" cmpd="sng">
-                          <a:noFill/>
-                          <a:prstDash val="solid"/>
-                        </a:lnBlToTr>
-                        <a:blipFill rotWithShape="1">
-                          <a:blip r:embed="rId7"/>
-                          <a:stretch>
-                            <a:fillRect l="-100253" t="-13699" r="-100505" b="-946575"/>
-                          </a:stretch>
-                        </a:blipFill>
-                      </a:tcPr>
-                    </a:tc>
-                    <a:tc>
-                      <a:txBody>
-                        <a:bodyPr/>
-                        <a:lstStyle/>
-                        <a:p>
-                          <a:endParaRPr lang="de-DE"/>
-                        </a:p>
-                      </a:txBody>
-                      <a:tcPr marT="36000">
-                        <a:lnL w="12700" cap="flat" cmpd="sng" algn="ctr">
-                          <a:noFill/>
-                          <a:prstDash val="solid"/>
-                          <a:round/>
-                          <a:headEnd type="none" w="med" len="med"/>
-                          <a:tailEnd type="none" w="med" len="med"/>
-                        </a:lnL>
-                        <a:lnR w="12700" cap="flat" cmpd="sng" algn="ctr">
-                          <a:noFill/>
-                          <a:prstDash val="solid"/>
-                          <a:round/>
-                          <a:headEnd type="none" w="med" len="med"/>
-                          <a:tailEnd type="none" w="med" len="med"/>
-                        </a:lnR>
-                        <a:lnT w="12700" cap="flat" cmpd="sng" algn="ctr">
-                          <a:solidFill>
-                            <a:schemeClr val="tx1"/>
-                          </a:solidFill>
-                          <a:prstDash val="solid"/>
-                          <a:round/>
-                          <a:headEnd type="none" w="med" len="med"/>
-                          <a:tailEnd type="none" w="med" len="med"/>
-                        </a:lnT>
-                        <a:lnB w="12700" cap="flat" cmpd="sng" algn="ctr">
-                          <a:solidFill>
-                            <a:schemeClr val="tx1"/>
-                          </a:solidFill>
-                          <a:prstDash val="solid"/>
-                          <a:round/>
-                          <a:headEnd type="none" w="med" len="med"/>
-                          <a:tailEnd type="none" w="med" len="med"/>
-                        </a:lnB>
-                        <a:lnTlToBr w="12700" cmpd="sng">
-                          <a:noFill/>
-                          <a:prstDash val="solid"/>
-                        </a:lnTlToBr>
-                        <a:lnBlToTr w="12700" cmpd="sng">
-                          <a:noFill/>
-                          <a:prstDash val="solid"/>
-                        </a:lnBlToTr>
-                        <a:blipFill rotWithShape="1">
-                          <a:blip r:embed="rId7"/>
-                          <a:stretch>
-                            <a:fillRect l="-199246" t="-13699" b="-946575"/>
-                          </a:stretch>
-                        </a:blipFill>
-                      </a:tcPr>
-                    </a:tc>
-                    <a:extLst>
-                      <a:ext uri="{0D108BD9-81ED-4DB2-BD59-A6C34878D82A}">
-                        <a16:rowId xmlns:a16="http://schemas.microsoft.com/office/drawing/2014/main" xmlns="" xmlns:a14="http://schemas.microsoft.com/office/drawing/2010/main" val="10000"/>
-                      </a:ext>
-                    </a:extLst>
-                  </a:tr>
-                  <a:tr h="447480">
-                    <a:tc>
-                      <a:txBody>
-                        <a:bodyPr/>
-                        <a:lstStyle/>
-                        <a:p>
-                          <a:pPr algn="ctr"/>
-                          <a:r>
-                            <a:rPr lang="en-US" sz="2400" noProof="0" dirty="0" smtClean="0"/>
-                            <a:t>A1</a:t>
-                          </a:r>
-                          <a:endParaRPr lang="en-US" sz="2400" noProof="0" dirty="0"/>
-                        </a:p>
-                      </a:txBody>
-                      <a:tcPr marT="36000">
-                        <a:lnL w="12700" cap="flat" cmpd="sng" algn="ctr">
-                          <a:noFill/>
-                          <a:prstDash val="solid"/>
-                          <a:round/>
-                          <a:headEnd type="none" w="med" len="med"/>
-                          <a:tailEnd type="none" w="med" len="med"/>
-                        </a:lnL>
-                        <a:lnR w="12700" cap="flat" cmpd="sng" algn="ctr">
-                          <a:noFill/>
-                          <a:prstDash val="solid"/>
-                          <a:round/>
-                          <a:headEnd type="none" w="med" len="med"/>
-                          <a:tailEnd type="none" w="med" len="med"/>
-                        </a:lnR>
-                        <a:lnT w="12700" cap="flat" cmpd="sng" algn="ctr">
-                          <a:solidFill>
-                            <a:schemeClr val="tx1"/>
-                          </a:solidFill>
-                          <a:prstDash val="solid"/>
-                          <a:round/>
-                          <a:headEnd type="none" w="med" len="med"/>
-                          <a:tailEnd type="none" w="med" len="med"/>
-                        </a:lnT>
-                        <a:lnB w="12700" cap="flat" cmpd="sng" algn="ctr">
-                          <a:noFill/>
-                          <a:prstDash val="solid"/>
-                          <a:round/>
-                          <a:headEnd type="none" w="med" len="med"/>
-                          <a:tailEnd type="none" w="med" len="med"/>
-                        </a:lnB>
-                        <a:lnTlToBr w="12700" cmpd="sng">
-                          <a:noFill/>
-                          <a:prstDash val="solid"/>
-                        </a:lnTlToBr>
-                        <a:lnBlToTr w="12700" cmpd="sng">
-                          <a:noFill/>
-                          <a:prstDash val="solid"/>
-                        </a:lnBlToTr>
-                      </a:tcPr>
-                    </a:tc>
-                    <a:tc>
-                      <a:txBody>
-                        <a:bodyPr/>
-                        <a:lstStyle/>
-                        <a:p>
-                          <a:pPr algn="ctr"/>
-                          <a:r>
-                            <a:rPr lang="en-US" sz="2400" noProof="0" dirty="0" smtClean="0"/>
-                            <a:t>50</a:t>
-                          </a:r>
-                          <a:endParaRPr lang="en-US" sz="2400" noProof="0" dirty="0"/>
-                        </a:p>
-                      </a:txBody>
-                      <a:tcPr marT="36000">
-                        <a:lnL w="12700" cap="flat" cmpd="sng" algn="ctr">
-                          <a:noFill/>
-                          <a:prstDash val="solid"/>
-                          <a:round/>
-                          <a:headEnd type="none" w="med" len="med"/>
-                          <a:tailEnd type="none" w="med" len="med"/>
-                        </a:lnL>
-                        <a:lnR w="12700" cap="flat" cmpd="sng" algn="ctr">
-                          <a:noFill/>
-                          <a:prstDash val="solid"/>
-                          <a:round/>
-                          <a:headEnd type="none" w="med" len="med"/>
-                          <a:tailEnd type="none" w="med" len="med"/>
-                        </a:lnR>
-                        <a:lnT w="12700" cap="flat" cmpd="sng" algn="ctr">
-                          <a:solidFill>
-                            <a:schemeClr val="tx1"/>
-                          </a:solidFill>
-                          <a:prstDash val="solid"/>
-                          <a:round/>
-                          <a:headEnd type="none" w="med" len="med"/>
-                          <a:tailEnd type="none" w="med" len="med"/>
-                        </a:lnT>
-                        <a:lnB w="12700" cap="flat" cmpd="sng" algn="ctr">
-                          <a:noFill/>
-                          <a:prstDash val="solid"/>
-                          <a:round/>
-                          <a:headEnd type="none" w="med" len="med"/>
-                          <a:tailEnd type="none" w="med" len="med"/>
-                        </a:lnB>
-                        <a:lnTlToBr w="12700" cmpd="sng">
-                          <a:noFill/>
-                          <a:prstDash val="solid"/>
-                        </a:lnTlToBr>
-                        <a:lnBlToTr w="12700" cmpd="sng">
-                          <a:noFill/>
-                          <a:prstDash val="solid"/>
-                        </a:lnBlToTr>
-                      </a:tcPr>
-                    </a:tc>
-                    <a:tc>
-                      <a:txBody>
-                        <a:bodyPr/>
-                        <a:lstStyle/>
-                        <a:p>
-                          <a:pPr algn="ctr"/>
-                          <a:r>
-                            <a:rPr lang="en-US" sz="2400" noProof="0" smtClean="0"/>
-                            <a:t>0.25</a:t>
-                          </a:r>
-                          <a:endParaRPr lang="en-US" sz="2400" noProof="0"/>
-                        </a:p>
-                      </a:txBody>
-                      <a:tcPr marT="36000">
-                        <a:lnL w="12700" cap="flat" cmpd="sng" algn="ctr">
-                          <a:noFill/>
-                          <a:prstDash val="solid"/>
-                          <a:round/>
-                          <a:headEnd type="none" w="med" len="med"/>
-                          <a:tailEnd type="none" w="med" len="med"/>
-                        </a:lnL>
-                        <a:lnR w="12700" cap="flat" cmpd="sng" algn="ctr">
-                          <a:noFill/>
-                          <a:prstDash val="solid"/>
-                          <a:round/>
-                          <a:headEnd type="none" w="med" len="med"/>
-                          <a:tailEnd type="none" w="med" len="med"/>
-                        </a:lnR>
-                        <a:lnT w="12700" cap="flat" cmpd="sng" algn="ctr">
-                          <a:solidFill>
-                            <a:schemeClr val="tx1"/>
-                          </a:solidFill>
-                          <a:prstDash val="solid"/>
-                          <a:round/>
-                          <a:headEnd type="none" w="med" len="med"/>
-                          <a:tailEnd type="none" w="med" len="med"/>
-                        </a:lnT>
-                        <a:lnB w="12700" cap="flat" cmpd="sng" algn="ctr">
-                          <a:noFill/>
-                          <a:prstDash val="solid"/>
-                          <a:round/>
-                          <a:headEnd type="none" w="med" len="med"/>
-                          <a:tailEnd type="none" w="med" len="med"/>
-                        </a:lnB>
-                        <a:lnTlToBr w="12700" cmpd="sng">
-                          <a:noFill/>
-                          <a:prstDash val="solid"/>
-                        </a:lnTlToBr>
-                        <a:lnBlToTr w="12700" cmpd="sng">
-                          <a:noFill/>
-                          <a:prstDash val="solid"/>
-                        </a:lnBlToTr>
-                      </a:tcPr>
-                    </a:tc>
-                    <a:extLst>
-                      <a:ext uri="{0D108BD9-81ED-4DB2-BD59-A6C34878D82A}">
-                        <a16:rowId xmlns:a16="http://schemas.microsoft.com/office/drawing/2014/main" xmlns="" xmlns:a14="http://schemas.microsoft.com/office/drawing/2010/main" val="10001"/>
-                      </a:ext>
-                    </a:extLst>
-                  </a:tr>
-                  <a:tr h="447480">
-                    <a:tc>
-                      <a:txBody>
-                        <a:bodyPr/>
-                        <a:lstStyle/>
-                        <a:p>
-                          <a:pPr algn="ctr"/>
-                          <a:r>
-                            <a:rPr lang="en-US" sz="2400" noProof="0" dirty="0" smtClean="0"/>
-                            <a:t>A2</a:t>
-                          </a:r>
-                          <a:endParaRPr lang="en-US" sz="2400" noProof="0" dirty="0"/>
-                        </a:p>
-                      </a:txBody>
-                      <a:tcPr marT="36000">
-                        <a:lnL w="12700" cap="flat" cmpd="sng" algn="ctr">
-                          <a:noFill/>
-                          <a:prstDash val="solid"/>
-                          <a:round/>
-                          <a:headEnd type="none" w="med" len="med"/>
-                          <a:tailEnd type="none" w="med" len="med"/>
-                        </a:lnL>
-                        <a:lnR w="12700" cap="flat" cmpd="sng" algn="ctr">
-                          <a:noFill/>
-                          <a:prstDash val="solid"/>
-                          <a:round/>
-                          <a:headEnd type="none" w="med" len="med"/>
-                          <a:tailEnd type="none" w="med" len="med"/>
-                        </a:lnR>
-                        <a:lnT w="12700" cap="flat" cmpd="sng" algn="ctr">
-                          <a:noFill/>
-                          <a:prstDash val="solid"/>
-                          <a:round/>
-                          <a:headEnd type="none" w="med" len="med"/>
-                          <a:tailEnd type="none" w="med" len="med"/>
-                        </a:lnT>
-                        <a:lnB w="12700" cap="flat" cmpd="sng" algn="ctr">
-                          <a:noFill/>
-                          <a:prstDash val="solid"/>
-                          <a:round/>
-                          <a:headEnd type="none" w="med" len="med"/>
-                          <a:tailEnd type="none" w="med" len="med"/>
-                        </a:lnB>
-                        <a:lnTlToBr w="12700" cmpd="sng">
-                          <a:noFill/>
-                          <a:prstDash val="solid"/>
-                        </a:lnTlToBr>
-                        <a:lnBlToTr w="12700" cmpd="sng">
-                          <a:noFill/>
-                          <a:prstDash val="solid"/>
-                        </a:lnBlToTr>
-                      </a:tcPr>
-                    </a:tc>
-                    <a:tc>
-                      <a:txBody>
-                        <a:bodyPr/>
-                        <a:lstStyle/>
-                        <a:p>
-                          <a:pPr algn="ctr"/>
-                          <a:r>
-                            <a:rPr lang="en-US" sz="2400" noProof="0" dirty="0" smtClean="0"/>
-                            <a:t>100</a:t>
-                          </a:r>
-                          <a:endParaRPr lang="en-US" sz="2400" noProof="0" dirty="0"/>
-                        </a:p>
-                      </a:txBody>
-                      <a:tcPr marT="36000">
-                        <a:lnL w="12700" cap="flat" cmpd="sng" algn="ctr">
-                          <a:noFill/>
-                          <a:prstDash val="solid"/>
-                          <a:round/>
-                          <a:headEnd type="none" w="med" len="med"/>
-                          <a:tailEnd type="none" w="med" len="med"/>
-                        </a:lnL>
-                        <a:lnR w="12700" cap="flat" cmpd="sng" algn="ctr">
-                          <a:noFill/>
-                          <a:prstDash val="solid"/>
-                          <a:round/>
-                          <a:headEnd type="none" w="med" len="med"/>
-                          <a:tailEnd type="none" w="med" len="med"/>
-                        </a:lnR>
-                        <a:lnT w="12700" cap="flat" cmpd="sng" algn="ctr">
-                          <a:noFill/>
-                          <a:prstDash val="solid"/>
-                          <a:round/>
-                          <a:headEnd type="none" w="med" len="med"/>
-                          <a:tailEnd type="none" w="med" len="med"/>
-                        </a:lnT>
-                        <a:lnB w="12700" cap="flat" cmpd="sng" algn="ctr">
-                          <a:noFill/>
-                          <a:prstDash val="solid"/>
-                          <a:round/>
-                          <a:headEnd type="none" w="med" len="med"/>
-                          <a:tailEnd type="none" w="med" len="med"/>
-                        </a:lnB>
-                        <a:lnTlToBr w="12700" cmpd="sng">
-                          <a:noFill/>
-                          <a:prstDash val="solid"/>
-                        </a:lnTlToBr>
-                        <a:lnBlToTr w="12700" cmpd="sng">
-                          <a:noFill/>
-                          <a:prstDash val="solid"/>
-                        </a:lnBlToTr>
-                      </a:tcPr>
-                    </a:tc>
-                    <a:tc>
-                      <a:txBody>
-                        <a:bodyPr/>
-                        <a:lstStyle/>
-                        <a:p>
-                          <a:pPr algn="ctr"/>
-                          <a:r>
-                            <a:rPr lang="en-US" sz="2400" noProof="0" smtClean="0"/>
-                            <a:t>0.25</a:t>
-                          </a:r>
-                          <a:endParaRPr lang="en-US" sz="2400" noProof="0"/>
-                        </a:p>
-                      </a:txBody>
-                      <a:tcPr marT="36000">
-                        <a:lnL w="12700" cap="flat" cmpd="sng" algn="ctr">
-                          <a:noFill/>
-                          <a:prstDash val="solid"/>
-                          <a:round/>
-                          <a:headEnd type="none" w="med" len="med"/>
-                          <a:tailEnd type="none" w="med" len="med"/>
-                        </a:lnL>
-                        <a:lnR w="12700" cap="flat" cmpd="sng" algn="ctr">
-                          <a:noFill/>
-                          <a:prstDash val="solid"/>
-                          <a:round/>
-                          <a:headEnd type="none" w="med" len="med"/>
-                          <a:tailEnd type="none" w="med" len="med"/>
-                        </a:lnR>
-                        <a:lnT w="12700" cap="flat" cmpd="sng" algn="ctr">
-                          <a:noFill/>
-                          <a:prstDash val="solid"/>
-                          <a:round/>
-                          <a:headEnd type="none" w="med" len="med"/>
-                          <a:tailEnd type="none" w="med" len="med"/>
-                        </a:lnT>
-                        <a:lnB w="12700" cap="flat" cmpd="sng" algn="ctr">
-                          <a:noFill/>
-                          <a:prstDash val="solid"/>
-                          <a:round/>
-                          <a:headEnd type="none" w="med" len="med"/>
-                          <a:tailEnd type="none" w="med" len="med"/>
-                        </a:lnB>
-                        <a:lnTlToBr w="12700" cmpd="sng">
-                          <a:noFill/>
-                          <a:prstDash val="solid"/>
-                        </a:lnTlToBr>
-                        <a:lnBlToTr w="12700" cmpd="sng">
-                          <a:noFill/>
-                          <a:prstDash val="solid"/>
-                        </a:lnBlToTr>
-                      </a:tcPr>
-                    </a:tc>
-                    <a:extLst>
-                      <a:ext uri="{0D108BD9-81ED-4DB2-BD59-A6C34878D82A}">
-                        <a16:rowId xmlns:a16="http://schemas.microsoft.com/office/drawing/2014/main" xmlns="" xmlns:a14="http://schemas.microsoft.com/office/drawing/2010/main" val="10002"/>
-                      </a:ext>
-                    </a:extLst>
-                  </a:tr>
-                  <a:tr h="447480">
-                    <a:tc>
-                      <a:txBody>
-                        <a:bodyPr/>
-                        <a:lstStyle/>
-                        <a:p>
-                          <a:pPr algn="ctr"/>
-                          <a:r>
-                            <a:rPr lang="en-US" sz="2400" noProof="0" dirty="0" smtClean="0"/>
-                            <a:t>A3</a:t>
-                          </a:r>
-                          <a:endParaRPr lang="en-US" sz="2400" noProof="0" dirty="0"/>
-                        </a:p>
-                      </a:txBody>
-                      <a:tcPr marT="36000">
-                        <a:lnL w="12700" cap="flat" cmpd="sng" algn="ctr">
-                          <a:noFill/>
-                          <a:prstDash val="solid"/>
-                          <a:round/>
-                          <a:headEnd type="none" w="med" len="med"/>
-                          <a:tailEnd type="none" w="med" len="med"/>
-                        </a:lnL>
-                        <a:lnR w="12700" cap="flat" cmpd="sng" algn="ctr">
-                          <a:noFill/>
-                          <a:prstDash val="solid"/>
-                          <a:round/>
-                          <a:headEnd type="none" w="med" len="med"/>
-                          <a:tailEnd type="none" w="med" len="med"/>
-                        </a:lnR>
-                        <a:lnT w="12700" cap="flat" cmpd="sng" algn="ctr">
-                          <a:noFill/>
-                          <a:prstDash val="solid"/>
-                          <a:round/>
-                          <a:headEnd type="none" w="med" len="med"/>
-                          <a:tailEnd type="none" w="med" len="med"/>
-                        </a:lnT>
-                        <a:lnB w="12700" cap="flat" cmpd="sng" algn="ctr">
-                          <a:noFill/>
-                          <a:prstDash val="solid"/>
-                          <a:round/>
-                          <a:headEnd type="none" w="med" len="med"/>
-                          <a:tailEnd type="none" w="med" len="med"/>
-                        </a:lnB>
-                        <a:lnTlToBr w="12700" cmpd="sng">
-                          <a:noFill/>
-                          <a:prstDash val="solid"/>
-                        </a:lnTlToBr>
-                        <a:lnBlToTr w="12700" cmpd="sng">
-                          <a:noFill/>
-                          <a:prstDash val="solid"/>
-                        </a:lnBlToTr>
-                      </a:tcPr>
-                    </a:tc>
-                    <a:tc>
-                      <a:txBody>
-                        <a:bodyPr/>
-                        <a:lstStyle/>
-                        <a:p>
-                          <a:pPr algn="ctr"/>
-                          <a:r>
-                            <a:rPr lang="en-US" sz="2400" noProof="0" dirty="0" smtClean="0"/>
-                            <a:t>500</a:t>
-                          </a:r>
-                          <a:endParaRPr lang="en-US" sz="2400" noProof="0" dirty="0"/>
-                        </a:p>
-                      </a:txBody>
-                      <a:tcPr marT="36000">
-                        <a:lnL w="12700" cap="flat" cmpd="sng" algn="ctr">
-                          <a:noFill/>
-                          <a:prstDash val="solid"/>
-                          <a:round/>
-                          <a:headEnd type="none" w="med" len="med"/>
-                          <a:tailEnd type="none" w="med" len="med"/>
-                        </a:lnL>
-                        <a:lnR w="12700" cap="flat" cmpd="sng" algn="ctr">
-                          <a:noFill/>
-                          <a:prstDash val="solid"/>
-                          <a:round/>
-                          <a:headEnd type="none" w="med" len="med"/>
-                          <a:tailEnd type="none" w="med" len="med"/>
-                        </a:lnR>
-                        <a:lnT w="12700" cap="flat" cmpd="sng" algn="ctr">
-                          <a:noFill/>
-                          <a:prstDash val="solid"/>
-                          <a:round/>
-                          <a:headEnd type="none" w="med" len="med"/>
-                          <a:tailEnd type="none" w="med" len="med"/>
-                        </a:lnT>
-                        <a:lnB w="12700" cap="flat" cmpd="sng" algn="ctr">
-                          <a:noFill/>
-                          <a:prstDash val="solid"/>
-                          <a:round/>
-                          <a:headEnd type="none" w="med" len="med"/>
-                          <a:tailEnd type="none" w="med" len="med"/>
-                        </a:lnB>
-                        <a:lnTlToBr w="12700" cmpd="sng">
-                          <a:noFill/>
-                          <a:prstDash val="solid"/>
-                        </a:lnTlToBr>
-                        <a:lnBlToTr w="12700" cmpd="sng">
-                          <a:noFill/>
-                          <a:prstDash val="solid"/>
-                        </a:lnBlToTr>
-                      </a:tcPr>
-                    </a:tc>
-                    <a:tc>
-                      <a:txBody>
-                        <a:bodyPr/>
-                        <a:lstStyle/>
-                        <a:p>
-                          <a:pPr algn="ctr"/>
-                          <a:r>
-                            <a:rPr lang="en-US" sz="2400" noProof="0" dirty="0" smtClean="0"/>
-                            <a:t>0.25</a:t>
-                          </a:r>
-                          <a:endParaRPr lang="en-US" sz="2400" noProof="0" dirty="0"/>
-                        </a:p>
-                      </a:txBody>
-                      <a:tcPr marT="36000">
-                        <a:lnL w="12700" cap="flat" cmpd="sng" algn="ctr">
-                          <a:noFill/>
-                          <a:prstDash val="solid"/>
-                          <a:round/>
-                          <a:headEnd type="none" w="med" len="med"/>
-                          <a:tailEnd type="none" w="med" len="med"/>
-                        </a:lnL>
-                        <a:lnR w="12700" cap="flat" cmpd="sng" algn="ctr">
-                          <a:noFill/>
-                          <a:prstDash val="solid"/>
-                          <a:round/>
-                          <a:headEnd type="none" w="med" len="med"/>
-                          <a:tailEnd type="none" w="med" len="med"/>
-                        </a:lnR>
-                        <a:lnT w="12700" cap="flat" cmpd="sng" algn="ctr">
-                          <a:noFill/>
-                          <a:prstDash val="solid"/>
-                          <a:round/>
-                          <a:headEnd type="none" w="med" len="med"/>
-                          <a:tailEnd type="none" w="med" len="med"/>
-                        </a:lnT>
-                        <a:lnB w="12700" cap="flat" cmpd="sng" algn="ctr">
-                          <a:noFill/>
-                          <a:prstDash val="solid"/>
-                          <a:round/>
-                          <a:headEnd type="none" w="med" len="med"/>
-                          <a:tailEnd type="none" w="med" len="med"/>
-                        </a:lnB>
-                        <a:lnTlToBr w="12700" cmpd="sng">
-                          <a:noFill/>
-                          <a:prstDash val="solid"/>
-                        </a:lnTlToBr>
-                        <a:lnBlToTr w="12700" cmpd="sng">
-                          <a:noFill/>
-                          <a:prstDash val="solid"/>
-                        </a:lnBlToTr>
-                      </a:tcPr>
-                    </a:tc>
-                    <a:extLst>
-                      <a:ext uri="{0D108BD9-81ED-4DB2-BD59-A6C34878D82A}">
-                        <a16:rowId xmlns:a16="http://schemas.microsoft.com/office/drawing/2014/main" xmlns="" xmlns:a14="http://schemas.microsoft.com/office/drawing/2010/main" val="10003"/>
-                      </a:ext>
-                    </a:extLst>
-                  </a:tr>
-                  <a:tr h="447480">
-                    <a:tc>
-                      <a:txBody>
-                        <a:bodyPr/>
-                        <a:lstStyle/>
-                        <a:p>
-                          <a:pPr algn="ctr"/>
-                          <a:r>
-                            <a:rPr lang="en-US" sz="2400" noProof="0" smtClean="0"/>
-                            <a:t>B1</a:t>
-                          </a:r>
-                          <a:endParaRPr lang="en-US" sz="2400" noProof="0"/>
-                        </a:p>
-                      </a:txBody>
-                      <a:tcPr marT="36000">
-                        <a:lnL w="12700" cap="flat" cmpd="sng" algn="ctr">
-                          <a:noFill/>
-                          <a:prstDash val="solid"/>
-                          <a:round/>
-                          <a:headEnd type="none" w="med" len="med"/>
-                          <a:tailEnd type="none" w="med" len="med"/>
-                        </a:lnL>
-                        <a:lnR w="12700" cap="flat" cmpd="sng" algn="ctr">
-                          <a:noFill/>
-                          <a:prstDash val="solid"/>
-                          <a:round/>
-                          <a:headEnd type="none" w="med" len="med"/>
-                          <a:tailEnd type="none" w="med" len="med"/>
-                        </a:lnR>
-                        <a:lnT w="12700" cap="flat" cmpd="sng" algn="ctr">
-                          <a:noFill/>
-                          <a:prstDash val="solid"/>
-                          <a:round/>
-                          <a:headEnd type="none" w="med" len="med"/>
-                          <a:tailEnd type="none" w="med" len="med"/>
-                        </a:lnT>
-                        <a:lnB w="12700" cap="flat" cmpd="sng" algn="ctr">
-                          <a:noFill/>
-                          <a:prstDash val="solid"/>
-                          <a:round/>
-                          <a:headEnd type="none" w="med" len="med"/>
-                          <a:tailEnd type="none" w="med" len="med"/>
-                        </a:lnB>
-                        <a:lnTlToBr w="12700" cmpd="sng">
-                          <a:noFill/>
-                          <a:prstDash val="solid"/>
-                        </a:lnTlToBr>
-                        <a:lnBlToTr w="12700" cmpd="sng">
-                          <a:noFill/>
-                          <a:prstDash val="solid"/>
-                        </a:lnBlToTr>
-                      </a:tcPr>
-                    </a:tc>
-                    <a:tc>
-                      <a:txBody>
-                        <a:bodyPr/>
-                        <a:lstStyle/>
-                        <a:p>
-                          <a:pPr algn="ctr"/>
-                          <a:r>
-                            <a:rPr lang="en-US" sz="2400" noProof="0" dirty="0" smtClean="0"/>
-                            <a:t>50</a:t>
-                          </a:r>
-                          <a:endParaRPr lang="en-US" sz="2400" noProof="0" dirty="0"/>
-                        </a:p>
-                      </a:txBody>
-                      <a:tcPr marT="36000">
-                        <a:lnL w="12700" cap="flat" cmpd="sng" algn="ctr">
-                          <a:noFill/>
-                          <a:prstDash val="solid"/>
-                          <a:round/>
-                          <a:headEnd type="none" w="med" len="med"/>
-                          <a:tailEnd type="none" w="med" len="med"/>
-                        </a:lnL>
-                        <a:lnR w="12700" cap="flat" cmpd="sng" algn="ctr">
-                          <a:noFill/>
-                          <a:prstDash val="solid"/>
-                          <a:round/>
-                          <a:headEnd type="none" w="med" len="med"/>
-                          <a:tailEnd type="none" w="med" len="med"/>
-                        </a:lnR>
-                        <a:lnT w="12700" cap="flat" cmpd="sng" algn="ctr">
-                          <a:noFill/>
-                          <a:prstDash val="solid"/>
-                          <a:round/>
-                          <a:headEnd type="none" w="med" len="med"/>
-                          <a:tailEnd type="none" w="med" len="med"/>
-                        </a:lnT>
-                        <a:lnB w="12700" cap="flat" cmpd="sng" algn="ctr">
-                          <a:noFill/>
-                          <a:prstDash val="solid"/>
-                          <a:round/>
-                          <a:headEnd type="none" w="med" len="med"/>
-                          <a:tailEnd type="none" w="med" len="med"/>
-                        </a:lnB>
-                        <a:lnTlToBr w="12700" cmpd="sng">
-                          <a:noFill/>
-                          <a:prstDash val="solid"/>
-                        </a:lnTlToBr>
-                        <a:lnBlToTr w="12700" cmpd="sng">
-                          <a:noFill/>
-                          <a:prstDash val="solid"/>
-                        </a:lnBlToTr>
-                      </a:tcPr>
-                    </a:tc>
-                    <a:tc>
-                      <a:txBody>
-                        <a:bodyPr/>
-                        <a:lstStyle/>
-                        <a:p>
-                          <a:pPr algn="ctr"/>
-                          <a:r>
-                            <a:rPr lang="en-US" sz="2400" noProof="0" dirty="0" smtClean="0"/>
-                            <a:t>0.50</a:t>
-                          </a:r>
-                          <a:endParaRPr lang="en-US" sz="2400" noProof="0" dirty="0"/>
-                        </a:p>
-                      </a:txBody>
-                      <a:tcPr marT="36000">
-                        <a:lnL w="12700" cap="flat" cmpd="sng" algn="ctr">
-                          <a:noFill/>
-                          <a:prstDash val="solid"/>
-                          <a:round/>
-                          <a:headEnd type="none" w="med" len="med"/>
-                          <a:tailEnd type="none" w="med" len="med"/>
-                        </a:lnL>
-                        <a:lnR w="12700" cap="flat" cmpd="sng" algn="ctr">
-                          <a:noFill/>
-                          <a:prstDash val="solid"/>
-                          <a:round/>
-                          <a:headEnd type="none" w="med" len="med"/>
-                          <a:tailEnd type="none" w="med" len="med"/>
-                        </a:lnR>
-                        <a:lnT w="12700" cap="flat" cmpd="sng" algn="ctr">
-                          <a:noFill/>
-                          <a:prstDash val="solid"/>
-                          <a:round/>
-                          <a:headEnd type="none" w="med" len="med"/>
-                          <a:tailEnd type="none" w="med" len="med"/>
-                        </a:lnT>
-                        <a:lnB w="12700" cap="flat" cmpd="sng" algn="ctr">
-                          <a:noFill/>
-                          <a:prstDash val="solid"/>
-                          <a:round/>
-                          <a:headEnd type="none" w="med" len="med"/>
-                          <a:tailEnd type="none" w="med" len="med"/>
-                        </a:lnB>
-                        <a:lnTlToBr w="12700" cmpd="sng">
-                          <a:noFill/>
-                          <a:prstDash val="solid"/>
-                        </a:lnTlToBr>
-                        <a:lnBlToTr w="12700" cmpd="sng">
-                          <a:noFill/>
-                          <a:prstDash val="solid"/>
-                        </a:lnBlToTr>
-                      </a:tcPr>
-                    </a:tc>
-                    <a:extLst>
-                      <a:ext uri="{0D108BD9-81ED-4DB2-BD59-A6C34878D82A}">
-                        <a16:rowId xmlns:a16="http://schemas.microsoft.com/office/drawing/2014/main" xmlns="" xmlns:a14="http://schemas.microsoft.com/office/drawing/2010/main" val="10004"/>
-                      </a:ext>
-                    </a:extLst>
-                  </a:tr>
-                  <a:tr h="447480">
-                    <a:tc>
-                      <a:txBody>
-                        <a:bodyPr/>
-                        <a:lstStyle/>
-                        <a:p>
-                          <a:pPr algn="ctr"/>
-                          <a:r>
-                            <a:rPr lang="en-US" sz="2400" noProof="0" smtClean="0"/>
-                            <a:t>B2</a:t>
-                          </a:r>
-                          <a:endParaRPr lang="en-US" sz="2400" noProof="0"/>
-                        </a:p>
-                      </a:txBody>
-                      <a:tcPr marT="36000">
-                        <a:lnL w="12700" cap="flat" cmpd="sng" algn="ctr">
-                          <a:noFill/>
-                          <a:prstDash val="solid"/>
-                          <a:round/>
-                          <a:headEnd type="none" w="med" len="med"/>
-                          <a:tailEnd type="none" w="med" len="med"/>
-                        </a:lnL>
-                        <a:lnR w="12700" cap="flat" cmpd="sng" algn="ctr">
-                          <a:noFill/>
-                          <a:prstDash val="solid"/>
-                          <a:round/>
-                          <a:headEnd type="none" w="med" len="med"/>
-                          <a:tailEnd type="none" w="med" len="med"/>
-                        </a:lnR>
-                        <a:lnT w="12700" cap="flat" cmpd="sng" algn="ctr">
-                          <a:noFill/>
-                          <a:prstDash val="solid"/>
-                          <a:round/>
-                          <a:headEnd type="none" w="med" len="med"/>
-                          <a:tailEnd type="none" w="med" len="med"/>
-                        </a:lnT>
-                        <a:lnB w="12700" cap="flat" cmpd="sng" algn="ctr">
-                          <a:noFill/>
-                          <a:prstDash val="solid"/>
-                          <a:round/>
-                          <a:headEnd type="none" w="med" len="med"/>
-                          <a:tailEnd type="none" w="med" len="med"/>
-                        </a:lnB>
-                        <a:lnTlToBr w="12700" cmpd="sng">
-                          <a:noFill/>
-                          <a:prstDash val="solid"/>
-                        </a:lnTlToBr>
-                        <a:lnBlToTr w="12700" cmpd="sng">
-                          <a:noFill/>
-                          <a:prstDash val="solid"/>
-                        </a:lnBlToTr>
-                      </a:tcPr>
-                    </a:tc>
-                    <a:tc>
-                      <a:txBody>
-                        <a:bodyPr/>
-                        <a:lstStyle/>
-                        <a:p>
-                          <a:pPr algn="ctr"/>
-                          <a:r>
-                            <a:rPr lang="en-US" sz="2400" noProof="0" dirty="0" smtClean="0"/>
-                            <a:t>100</a:t>
-                          </a:r>
-                          <a:endParaRPr lang="en-US" sz="2400" noProof="0" dirty="0"/>
-                        </a:p>
-                      </a:txBody>
-                      <a:tcPr marT="36000">
-                        <a:lnL w="12700" cap="flat" cmpd="sng" algn="ctr">
-                          <a:noFill/>
-                          <a:prstDash val="solid"/>
-                          <a:round/>
-                          <a:headEnd type="none" w="med" len="med"/>
-                          <a:tailEnd type="none" w="med" len="med"/>
-                        </a:lnL>
-                        <a:lnR w="12700" cap="flat" cmpd="sng" algn="ctr">
-                          <a:noFill/>
-                          <a:prstDash val="solid"/>
-                          <a:round/>
-                          <a:headEnd type="none" w="med" len="med"/>
-                          <a:tailEnd type="none" w="med" len="med"/>
-                        </a:lnR>
-                        <a:lnT w="12700" cap="flat" cmpd="sng" algn="ctr">
-                          <a:noFill/>
-                          <a:prstDash val="solid"/>
-                          <a:round/>
-                          <a:headEnd type="none" w="med" len="med"/>
-                          <a:tailEnd type="none" w="med" len="med"/>
-                        </a:lnT>
-                        <a:lnB w="12700" cap="flat" cmpd="sng" algn="ctr">
-                          <a:noFill/>
-                          <a:prstDash val="solid"/>
-                          <a:round/>
-                          <a:headEnd type="none" w="med" len="med"/>
-                          <a:tailEnd type="none" w="med" len="med"/>
-                        </a:lnB>
-                        <a:lnTlToBr w="12700" cmpd="sng">
-                          <a:noFill/>
-                          <a:prstDash val="solid"/>
-                        </a:lnTlToBr>
-                        <a:lnBlToTr w="12700" cmpd="sng">
-                          <a:noFill/>
-                          <a:prstDash val="solid"/>
-                        </a:lnBlToTr>
-                      </a:tcPr>
-                    </a:tc>
-                    <a:tc>
-                      <a:txBody>
-                        <a:bodyPr/>
-                        <a:lstStyle/>
-                        <a:p>
-                          <a:pPr algn="ctr"/>
-                          <a:r>
-                            <a:rPr lang="en-US" sz="2400" noProof="0" dirty="0" smtClean="0"/>
-                            <a:t>0.50</a:t>
-                          </a:r>
-                          <a:endParaRPr lang="en-US" sz="2400" noProof="0" dirty="0"/>
-                        </a:p>
-                      </a:txBody>
-                      <a:tcPr marT="36000">
-                        <a:lnL w="12700" cap="flat" cmpd="sng" algn="ctr">
-                          <a:noFill/>
-                          <a:prstDash val="solid"/>
-                          <a:round/>
-                          <a:headEnd type="none" w="med" len="med"/>
-                          <a:tailEnd type="none" w="med" len="med"/>
-                        </a:lnL>
-                        <a:lnR w="12700" cap="flat" cmpd="sng" algn="ctr">
-                          <a:noFill/>
-                          <a:prstDash val="solid"/>
-                          <a:round/>
-                          <a:headEnd type="none" w="med" len="med"/>
-                          <a:tailEnd type="none" w="med" len="med"/>
-                        </a:lnR>
-                        <a:lnT w="12700" cap="flat" cmpd="sng" algn="ctr">
-                          <a:noFill/>
-                          <a:prstDash val="solid"/>
-                          <a:round/>
-                          <a:headEnd type="none" w="med" len="med"/>
-                          <a:tailEnd type="none" w="med" len="med"/>
-                        </a:lnT>
-                        <a:lnB w="12700" cap="flat" cmpd="sng" algn="ctr">
-                          <a:noFill/>
-                          <a:prstDash val="solid"/>
-                          <a:round/>
-                          <a:headEnd type="none" w="med" len="med"/>
-                          <a:tailEnd type="none" w="med" len="med"/>
-                        </a:lnB>
-                        <a:lnTlToBr w="12700" cmpd="sng">
-                          <a:noFill/>
-                          <a:prstDash val="solid"/>
-                        </a:lnTlToBr>
-                        <a:lnBlToTr w="12700" cmpd="sng">
-                          <a:noFill/>
-                          <a:prstDash val="solid"/>
-                        </a:lnBlToTr>
-                      </a:tcPr>
-                    </a:tc>
-                    <a:extLst>
-                      <a:ext uri="{0D108BD9-81ED-4DB2-BD59-A6C34878D82A}">
-                        <a16:rowId xmlns:a16="http://schemas.microsoft.com/office/drawing/2014/main" xmlns="" xmlns:a14="http://schemas.microsoft.com/office/drawing/2010/main" val="10005"/>
-                      </a:ext>
-                    </a:extLst>
-                  </a:tr>
-                  <a:tr h="447480">
-                    <a:tc>
-                      <a:txBody>
-                        <a:bodyPr/>
-                        <a:lstStyle/>
-                        <a:p>
-                          <a:pPr algn="ctr"/>
-                          <a:r>
-                            <a:rPr lang="en-US" sz="2400" noProof="0" dirty="0" smtClean="0"/>
-                            <a:t>B3</a:t>
-                          </a:r>
-                          <a:endParaRPr lang="en-US" sz="2400" noProof="0" dirty="0"/>
-                        </a:p>
-                      </a:txBody>
-                      <a:tcPr marT="36000">
-                        <a:lnL w="12700" cap="flat" cmpd="sng" algn="ctr">
-                          <a:noFill/>
-                          <a:prstDash val="solid"/>
-                          <a:round/>
-                          <a:headEnd type="none" w="med" len="med"/>
-                          <a:tailEnd type="none" w="med" len="med"/>
-                        </a:lnL>
-                        <a:lnR w="12700" cap="flat" cmpd="sng" algn="ctr">
-                          <a:noFill/>
-                          <a:prstDash val="solid"/>
-                          <a:round/>
-                          <a:headEnd type="none" w="med" len="med"/>
-                          <a:tailEnd type="none" w="med" len="med"/>
-                        </a:lnR>
-                        <a:lnT w="12700" cap="flat" cmpd="sng" algn="ctr">
-                          <a:noFill/>
-                          <a:prstDash val="solid"/>
-                          <a:round/>
-                          <a:headEnd type="none" w="med" len="med"/>
-                          <a:tailEnd type="none" w="med" len="med"/>
-                        </a:lnT>
-                        <a:lnB w="12700" cap="flat" cmpd="sng" algn="ctr">
-                          <a:noFill/>
-                          <a:prstDash val="solid"/>
-                          <a:round/>
-                          <a:headEnd type="none" w="med" len="med"/>
-                          <a:tailEnd type="none" w="med" len="med"/>
-                        </a:lnB>
-                        <a:lnTlToBr w="12700" cmpd="sng">
-                          <a:noFill/>
-                          <a:prstDash val="solid"/>
-                        </a:lnTlToBr>
-                        <a:lnBlToTr w="12700" cmpd="sng">
-                          <a:noFill/>
-                          <a:prstDash val="solid"/>
-                        </a:lnBlToTr>
-                      </a:tcPr>
-                    </a:tc>
-                    <a:tc>
-                      <a:txBody>
-                        <a:bodyPr/>
-                        <a:lstStyle/>
-                        <a:p>
-                          <a:pPr algn="ctr"/>
-                          <a:r>
-                            <a:rPr lang="en-US" sz="2400" noProof="0" dirty="0" smtClean="0"/>
-                            <a:t>500</a:t>
-                          </a:r>
-                          <a:endParaRPr lang="en-US" sz="2400" noProof="0" dirty="0"/>
-                        </a:p>
-                      </a:txBody>
-                      <a:tcPr marT="36000">
-                        <a:lnL w="12700" cap="flat" cmpd="sng" algn="ctr">
-                          <a:noFill/>
-                          <a:prstDash val="solid"/>
-                          <a:round/>
-                          <a:headEnd type="none" w="med" len="med"/>
-                          <a:tailEnd type="none" w="med" len="med"/>
-                        </a:lnL>
-                        <a:lnR w="12700" cap="flat" cmpd="sng" algn="ctr">
-                          <a:noFill/>
-                          <a:prstDash val="solid"/>
-                          <a:round/>
-                          <a:headEnd type="none" w="med" len="med"/>
-                          <a:tailEnd type="none" w="med" len="med"/>
-                        </a:lnR>
-                        <a:lnT w="12700" cap="flat" cmpd="sng" algn="ctr">
-                          <a:noFill/>
-                          <a:prstDash val="solid"/>
-                          <a:round/>
-                          <a:headEnd type="none" w="med" len="med"/>
-                          <a:tailEnd type="none" w="med" len="med"/>
-                        </a:lnT>
-                        <a:lnB w="12700" cap="flat" cmpd="sng" algn="ctr">
-                          <a:noFill/>
-                          <a:prstDash val="solid"/>
-                          <a:round/>
-                          <a:headEnd type="none" w="med" len="med"/>
-                          <a:tailEnd type="none" w="med" len="med"/>
-                        </a:lnB>
-                        <a:lnTlToBr w="12700" cmpd="sng">
-                          <a:noFill/>
-                          <a:prstDash val="solid"/>
-                        </a:lnTlToBr>
-                        <a:lnBlToTr w="12700" cmpd="sng">
-                          <a:noFill/>
-                          <a:prstDash val="solid"/>
-                        </a:lnBlToTr>
-                      </a:tcPr>
-                    </a:tc>
-                    <a:tc>
-                      <a:txBody>
-                        <a:bodyPr/>
-                        <a:lstStyle/>
-                        <a:p>
-                          <a:pPr algn="ctr"/>
-                          <a:r>
-                            <a:rPr lang="en-US" sz="2400" noProof="0" dirty="0" smtClean="0"/>
-                            <a:t>0.50</a:t>
-                          </a:r>
-                          <a:endParaRPr lang="en-US" sz="2400" noProof="0" dirty="0"/>
-                        </a:p>
-                      </a:txBody>
-                      <a:tcPr marT="36000">
-                        <a:lnL w="12700" cap="flat" cmpd="sng" algn="ctr">
-                          <a:noFill/>
-                          <a:prstDash val="solid"/>
-                          <a:round/>
-                          <a:headEnd type="none" w="med" len="med"/>
-                          <a:tailEnd type="none" w="med" len="med"/>
-                        </a:lnL>
-                        <a:lnR w="12700" cap="flat" cmpd="sng" algn="ctr">
-                          <a:noFill/>
-                          <a:prstDash val="solid"/>
-                          <a:round/>
-                          <a:headEnd type="none" w="med" len="med"/>
-                          <a:tailEnd type="none" w="med" len="med"/>
-                        </a:lnR>
-                        <a:lnT w="12700" cap="flat" cmpd="sng" algn="ctr">
-                          <a:noFill/>
-                          <a:prstDash val="solid"/>
-                          <a:round/>
-                          <a:headEnd type="none" w="med" len="med"/>
-                          <a:tailEnd type="none" w="med" len="med"/>
-                        </a:lnT>
-                        <a:lnB w="12700" cap="flat" cmpd="sng" algn="ctr">
-                          <a:noFill/>
-                          <a:prstDash val="solid"/>
-                          <a:round/>
-                          <a:headEnd type="none" w="med" len="med"/>
-                          <a:tailEnd type="none" w="med" len="med"/>
-                        </a:lnB>
-                        <a:lnTlToBr w="12700" cmpd="sng">
-                          <a:noFill/>
-                          <a:prstDash val="solid"/>
-                        </a:lnTlToBr>
-                        <a:lnBlToTr w="12700" cmpd="sng">
-                          <a:noFill/>
-                          <a:prstDash val="solid"/>
-                        </a:lnBlToTr>
-                      </a:tcPr>
-                    </a:tc>
-                    <a:extLst>
-                      <a:ext uri="{0D108BD9-81ED-4DB2-BD59-A6C34878D82A}">
-                        <a16:rowId xmlns:a16="http://schemas.microsoft.com/office/drawing/2014/main" xmlns="" xmlns:a14="http://schemas.microsoft.com/office/drawing/2010/main" val="10006"/>
-                      </a:ext>
-                    </a:extLst>
-                  </a:tr>
-                  <a:tr h="447480">
-                    <a:tc>
-                      <a:txBody>
-                        <a:bodyPr/>
-                        <a:lstStyle/>
-                        <a:p>
-                          <a:pPr algn="ctr"/>
-                          <a:r>
-                            <a:rPr lang="en-US" sz="2400" noProof="0" dirty="0" smtClean="0"/>
-                            <a:t>C1</a:t>
-                          </a:r>
-                          <a:endParaRPr lang="en-US" sz="2400" noProof="0" dirty="0"/>
-                        </a:p>
-                      </a:txBody>
-                      <a:tcPr marT="36000">
-                        <a:lnL w="12700" cap="flat" cmpd="sng" algn="ctr">
-                          <a:noFill/>
-                          <a:prstDash val="solid"/>
-                          <a:round/>
-                          <a:headEnd type="none" w="med" len="med"/>
-                          <a:tailEnd type="none" w="med" len="med"/>
-                        </a:lnL>
-                        <a:lnR w="12700" cap="flat" cmpd="sng" algn="ctr">
-                          <a:noFill/>
-                          <a:prstDash val="solid"/>
-                          <a:round/>
-                          <a:headEnd type="none" w="med" len="med"/>
-                          <a:tailEnd type="none" w="med" len="med"/>
-                        </a:lnR>
-                        <a:lnT w="12700" cap="flat" cmpd="sng" algn="ctr">
-                          <a:noFill/>
-                          <a:prstDash val="solid"/>
-                          <a:round/>
-                          <a:headEnd type="none" w="med" len="med"/>
-                          <a:tailEnd type="none" w="med" len="med"/>
-                        </a:lnT>
-                        <a:lnB w="12700" cap="flat" cmpd="sng" algn="ctr">
-                          <a:noFill/>
-                          <a:prstDash val="solid"/>
-                          <a:round/>
-                          <a:headEnd type="none" w="med" len="med"/>
-                          <a:tailEnd type="none" w="med" len="med"/>
-                        </a:lnB>
-                        <a:lnTlToBr w="12700" cmpd="sng">
-                          <a:noFill/>
-                          <a:prstDash val="solid"/>
-                        </a:lnTlToBr>
-                        <a:lnBlToTr w="12700" cmpd="sng">
-                          <a:noFill/>
-                          <a:prstDash val="solid"/>
-                        </a:lnBlToTr>
-                      </a:tcPr>
-                    </a:tc>
-                    <a:tc>
-                      <a:txBody>
-                        <a:bodyPr/>
-                        <a:lstStyle/>
-                        <a:p>
-                          <a:pPr algn="ctr"/>
-                          <a:r>
-                            <a:rPr lang="en-US" sz="2400" noProof="0" dirty="0" smtClean="0"/>
-                            <a:t>50</a:t>
-                          </a:r>
-                          <a:endParaRPr lang="en-US" sz="2400" noProof="0" dirty="0"/>
-                        </a:p>
-                      </a:txBody>
-                      <a:tcPr marT="36000">
-                        <a:lnL w="12700" cap="flat" cmpd="sng" algn="ctr">
-                          <a:noFill/>
-                          <a:prstDash val="solid"/>
-                          <a:round/>
-                          <a:headEnd type="none" w="med" len="med"/>
-                          <a:tailEnd type="none" w="med" len="med"/>
-                        </a:lnL>
-                        <a:lnR w="12700" cap="flat" cmpd="sng" algn="ctr">
-                          <a:noFill/>
-                          <a:prstDash val="solid"/>
-                          <a:round/>
-                          <a:headEnd type="none" w="med" len="med"/>
-                          <a:tailEnd type="none" w="med" len="med"/>
-                        </a:lnR>
-                        <a:lnT w="12700" cap="flat" cmpd="sng" algn="ctr">
-                          <a:noFill/>
-                          <a:prstDash val="solid"/>
-                          <a:round/>
-                          <a:headEnd type="none" w="med" len="med"/>
-                          <a:tailEnd type="none" w="med" len="med"/>
-                        </a:lnT>
-                        <a:lnB w="12700" cap="flat" cmpd="sng" algn="ctr">
-                          <a:noFill/>
-                          <a:prstDash val="solid"/>
-                          <a:round/>
-                          <a:headEnd type="none" w="med" len="med"/>
-                          <a:tailEnd type="none" w="med" len="med"/>
-                        </a:lnB>
-                        <a:lnTlToBr w="12700" cmpd="sng">
-                          <a:noFill/>
-                          <a:prstDash val="solid"/>
-                        </a:lnTlToBr>
-                        <a:lnBlToTr w="12700" cmpd="sng">
-                          <a:noFill/>
-                          <a:prstDash val="solid"/>
-                        </a:lnBlToTr>
-                      </a:tcPr>
-                    </a:tc>
-                    <a:tc>
-                      <a:txBody>
-                        <a:bodyPr/>
-                        <a:lstStyle/>
-                        <a:p>
-                          <a:pPr algn="ctr"/>
-                          <a:r>
-                            <a:rPr lang="en-US" sz="2400" noProof="0" dirty="0" smtClean="0"/>
-                            <a:t>0.75</a:t>
-                          </a:r>
-                          <a:endParaRPr lang="en-US" sz="2400" noProof="0" dirty="0"/>
-                        </a:p>
-                      </a:txBody>
-                      <a:tcPr marT="36000">
-                        <a:lnL w="12700" cap="flat" cmpd="sng" algn="ctr">
-                          <a:noFill/>
-                          <a:prstDash val="solid"/>
-                          <a:round/>
-                          <a:headEnd type="none" w="med" len="med"/>
-                          <a:tailEnd type="none" w="med" len="med"/>
-                        </a:lnL>
-                        <a:lnR w="12700" cap="flat" cmpd="sng" algn="ctr">
-                          <a:noFill/>
-                          <a:prstDash val="solid"/>
-                          <a:round/>
-                          <a:headEnd type="none" w="med" len="med"/>
-                          <a:tailEnd type="none" w="med" len="med"/>
-                        </a:lnR>
-                        <a:lnT w="12700" cap="flat" cmpd="sng" algn="ctr">
-                          <a:noFill/>
-                          <a:prstDash val="solid"/>
-                          <a:round/>
-                          <a:headEnd type="none" w="med" len="med"/>
-                          <a:tailEnd type="none" w="med" len="med"/>
-                        </a:lnT>
-                        <a:lnB w="12700" cap="flat" cmpd="sng" algn="ctr">
-                          <a:noFill/>
-                          <a:prstDash val="solid"/>
-                          <a:round/>
-                          <a:headEnd type="none" w="med" len="med"/>
-                          <a:tailEnd type="none" w="med" len="med"/>
-                        </a:lnB>
-                        <a:lnTlToBr w="12700" cmpd="sng">
-                          <a:noFill/>
-                          <a:prstDash val="solid"/>
-                        </a:lnTlToBr>
-                        <a:lnBlToTr w="12700" cmpd="sng">
-                          <a:noFill/>
-                          <a:prstDash val="solid"/>
-                        </a:lnBlToTr>
-                      </a:tcPr>
-                    </a:tc>
-                  </a:tr>
-                  <a:tr h="447480">
-                    <a:tc>
-                      <a:txBody>
-                        <a:bodyPr/>
-                        <a:lstStyle/>
-                        <a:p>
-                          <a:pPr algn="ctr"/>
-                          <a:r>
-                            <a:rPr lang="en-US" sz="2400" noProof="0" dirty="0" smtClean="0"/>
-                            <a:t>C2</a:t>
-                          </a:r>
-                          <a:endParaRPr lang="en-US" sz="2400" noProof="0" dirty="0"/>
-                        </a:p>
-                      </a:txBody>
-                      <a:tcPr marT="36000">
-                        <a:lnL w="12700" cap="flat" cmpd="sng" algn="ctr">
-                          <a:noFill/>
-                          <a:prstDash val="solid"/>
-                          <a:round/>
-                          <a:headEnd type="none" w="med" len="med"/>
-                          <a:tailEnd type="none" w="med" len="med"/>
-                        </a:lnL>
-                        <a:lnR w="12700" cap="flat" cmpd="sng" algn="ctr">
-                          <a:noFill/>
-                          <a:prstDash val="solid"/>
-                          <a:round/>
-                          <a:headEnd type="none" w="med" len="med"/>
-                          <a:tailEnd type="none" w="med" len="med"/>
-                        </a:lnR>
-                        <a:lnT w="12700" cap="flat" cmpd="sng" algn="ctr">
-                          <a:noFill/>
-                          <a:prstDash val="solid"/>
-                          <a:round/>
-                          <a:headEnd type="none" w="med" len="med"/>
-                          <a:tailEnd type="none" w="med" len="med"/>
-                        </a:lnT>
-                        <a:lnB w="12700" cap="flat" cmpd="sng" algn="ctr">
-                          <a:noFill/>
-                          <a:prstDash val="solid"/>
-                          <a:round/>
-                          <a:headEnd type="none" w="med" len="med"/>
-                          <a:tailEnd type="none" w="med" len="med"/>
-                        </a:lnB>
-                        <a:lnTlToBr w="12700" cmpd="sng">
-                          <a:noFill/>
-                          <a:prstDash val="solid"/>
-                        </a:lnTlToBr>
-                        <a:lnBlToTr w="12700" cmpd="sng">
-                          <a:noFill/>
-                          <a:prstDash val="solid"/>
-                        </a:lnBlToTr>
-                      </a:tcPr>
-                    </a:tc>
-                    <a:tc>
-                      <a:txBody>
-                        <a:bodyPr/>
-                        <a:lstStyle/>
-                        <a:p>
-                          <a:pPr algn="ctr"/>
-                          <a:r>
-                            <a:rPr lang="en-US" sz="2400" noProof="0" dirty="0" smtClean="0"/>
-                            <a:t>100</a:t>
-                          </a:r>
-                          <a:endParaRPr lang="en-US" sz="2400" noProof="0" dirty="0"/>
-                        </a:p>
-                      </a:txBody>
-                      <a:tcPr marT="36000">
-                        <a:lnL w="12700" cap="flat" cmpd="sng" algn="ctr">
-                          <a:noFill/>
-                          <a:prstDash val="solid"/>
-                          <a:round/>
-                          <a:headEnd type="none" w="med" len="med"/>
-                          <a:tailEnd type="none" w="med" len="med"/>
-                        </a:lnL>
-                        <a:lnR w="12700" cap="flat" cmpd="sng" algn="ctr">
-                          <a:noFill/>
-                          <a:prstDash val="solid"/>
-                          <a:round/>
-                          <a:headEnd type="none" w="med" len="med"/>
-                          <a:tailEnd type="none" w="med" len="med"/>
-                        </a:lnR>
-                        <a:lnT w="12700" cap="flat" cmpd="sng" algn="ctr">
-                          <a:noFill/>
-                          <a:prstDash val="solid"/>
-                          <a:round/>
-                          <a:headEnd type="none" w="med" len="med"/>
-                          <a:tailEnd type="none" w="med" len="med"/>
-                        </a:lnT>
-                        <a:lnB w="12700" cap="flat" cmpd="sng" algn="ctr">
-                          <a:noFill/>
-                          <a:prstDash val="solid"/>
-                          <a:round/>
-                          <a:headEnd type="none" w="med" len="med"/>
-                          <a:tailEnd type="none" w="med" len="med"/>
-                        </a:lnB>
-                        <a:lnTlToBr w="12700" cmpd="sng">
-                          <a:noFill/>
-                          <a:prstDash val="solid"/>
-                        </a:lnTlToBr>
-                        <a:lnBlToTr w="12700" cmpd="sng">
-                          <a:noFill/>
-                          <a:prstDash val="solid"/>
-                        </a:lnBlToTr>
-                      </a:tcPr>
-                    </a:tc>
-                    <a:tc>
-                      <a:txBody>
-                        <a:bodyPr/>
-                        <a:lstStyle/>
-                        <a:p>
-                          <a:pPr algn="ctr"/>
-                          <a:r>
-                            <a:rPr lang="en-US" sz="2400" noProof="0" dirty="0" smtClean="0"/>
-                            <a:t>0.75</a:t>
-                          </a:r>
-                          <a:endParaRPr lang="en-US" sz="2400" noProof="0" dirty="0"/>
-                        </a:p>
-                      </a:txBody>
-                      <a:tcPr marT="36000">
-                        <a:lnL w="12700" cap="flat" cmpd="sng" algn="ctr">
-                          <a:noFill/>
-                          <a:prstDash val="solid"/>
-                          <a:round/>
-                          <a:headEnd type="none" w="med" len="med"/>
-                          <a:tailEnd type="none" w="med" len="med"/>
-                        </a:lnL>
-                        <a:lnR w="12700" cap="flat" cmpd="sng" algn="ctr">
-                          <a:noFill/>
-                          <a:prstDash val="solid"/>
-                          <a:round/>
-                          <a:headEnd type="none" w="med" len="med"/>
-                          <a:tailEnd type="none" w="med" len="med"/>
-                        </a:lnR>
-                        <a:lnT w="12700" cap="flat" cmpd="sng" algn="ctr">
-                          <a:noFill/>
-                          <a:prstDash val="solid"/>
-                          <a:round/>
-                          <a:headEnd type="none" w="med" len="med"/>
-                          <a:tailEnd type="none" w="med" len="med"/>
-                        </a:lnT>
-                        <a:lnB w="12700" cap="flat" cmpd="sng" algn="ctr">
-                          <a:noFill/>
-                          <a:prstDash val="solid"/>
-                          <a:round/>
-                          <a:headEnd type="none" w="med" len="med"/>
-                          <a:tailEnd type="none" w="med" len="med"/>
-                        </a:lnB>
-                        <a:lnTlToBr w="12700" cmpd="sng">
-                          <a:noFill/>
-                          <a:prstDash val="solid"/>
-                        </a:lnTlToBr>
-                        <a:lnBlToTr w="12700" cmpd="sng">
-                          <a:noFill/>
-                          <a:prstDash val="solid"/>
-                        </a:lnBlToTr>
-                      </a:tcPr>
-                    </a:tc>
-                  </a:tr>
-                  <a:tr h="628117">
-                    <a:tc>
-                      <a:txBody>
-                        <a:bodyPr/>
-                        <a:lstStyle/>
-                        <a:p>
-                          <a:pPr algn="ctr"/>
-                          <a:r>
-                            <a:rPr lang="en-US" sz="2400" noProof="0" dirty="0" smtClean="0"/>
-                            <a:t>C3</a:t>
-                          </a:r>
-                          <a:endParaRPr lang="en-US" sz="2400" noProof="0" dirty="0"/>
-                        </a:p>
-                      </a:txBody>
-                      <a:tcPr marT="36000">
-                        <a:lnL w="12700" cap="flat" cmpd="sng" algn="ctr">
-                          <a:noFill/>
-                          <a:prstDash val="solid"/>
-                          <a:round/>
-                          <a:headEnd type="none" w="med" len="med"/>
-                          <a:tailEnd type="none" w="med" len="med"/>
-                        </a:lnL>
-                        <a:lnR w="12700" cap="flat" cmpd="sng" algn="ctr">
-                          <a:noFill/>
-                          <a:prstDash val="solid"/>
-                          <a:round/>
-                          <a:headEnd type="none" w="med" len="med"/>
-                          <a:tailEnd type="none" w="med" len="med"/>
-                        </a:lnR>
-                        <a:lnT w="12700" cap="flat" cmpd="sng" algn="ctr">
-                          <a:noFill/>
-                          <a:prstDash val="solid"/>
-                          <a:round/>
-                          <a:headEnd type="none" w="med" len="med"/>
-                          <a:tailEnd type="none" w="med" len="med"/>
-                        </a:lnT>
-                        <a:lnB w="12700" cap="flat" cmpd="sng" algn="ctr">
-                          <a:noFill/>
-                          <a:prstDash val="solid"/>
-                          <a:round/>
-                          <a:headEnd type="none" w="med" len="med"/>
-                          <a:tailEnd type="none" w="med" len="med"/>
-                        </a:lnB>
-                        <a:lnTlToBr w="12700" cmpd="sng">
-                          <a:noFill/>
-                          <a:prstDash val="solid"/>
-                        </a:lnTlToBr>
-                        <a:lnBlToTr w="12700" cmpd="sng">
-                          <a:noFill/>
-                          <a:prstDash val="solid"/>
-                        </a:lnBlToTr>
-                      </a:tcPr>
-                    </a:tc>
-                    <a:tc>
-                      <a:txBody>
-                        <a:bodyPr/>
-                        <a:lstStyle/>
-                        <a:p>
-                          <a:pPr algn="ctr"/>
-                          <a:r>
-                            <a:rPr lang="en-US" sz="2400" noProof="0" dirty="0" smtClean="0"/>
-                            <a:t>500</a:t>
-                          </a:r>
-                          <a:endParaRPr lang="en-US" sz="2400" noProof="0" dirty="0"/>
-                        </a:p>
-                      </a:txBody>
-                      <a:tcPr marT="36000">
-                        <a:lnL w="12700" cap="flat" cmpd="sng" algn="ctr">
-                          <a:noFill/>
-                          <a:prstDash val="solid"/>
-                          <a:round/>
-                          <a:headEnd type="none" w="med" len="med"/>
-                          <a:tailEnd type="none" w="med" len="med"/>
-                        </a:lnL>
-                        <a:lnR w="12700" cap="flat" cmpd="sng" algn="ctr">
-                          <a:noFill/>
-                          <a:prstDash val="solid"/>
-                          <a:round/>
-                          <a:headEnd type="none" w="med" len="med"/>
-                          <a:tailEnd type="none" w="med" len="med"/>
-                        </a:lnR>
-                        <a:lnT w="12700" cap="flat" cmpd="sng" algn="ctr">
-                          <a:noFill/>
-                          <a:prstDash val="solid"/>
-                          <a:round/>
-                          <a:headEnd type="none" w="med" len="med"/>
-                          <a:tailEnd type="none" w="med" len="med"/>
-                        </a:lnT>
-                        <a:lnB w="12700" cap="flat" cmpd="sng" algn="ctr">
-                          <a:noFill/>
-                          <a:prstDash val="solid"/>
-                          <a:round/>
-                          <a:headEnd type="none" w="med" len="med"/>
-                          <a:tailEnd type="none" w="med" len="med"/>
-                        </a:lnB>
-                        <a:lnTlToBr w="12700" cmpd="sng">
-                          <a:noFill/>
-                          <a:prstDash val="solid"/>
-                        </a:lnTlToBr>
-                        <a:lnBlToTr w="12700" cmpd="sng">
-                          <a:noFill/>
-                          <a:prstDash val="solid"/>
-                        </a:lnBlToTr>
-                      </a:tcPr>
-                    </a:tc>
-                    <a:tc>
-                      <a:txBody>
-                        <a:bodyPr/>
-                        <a:lstStyle/>
-                        <a:p>
-                          <a:pPr algn="ctr"/>
-                          <a:r>
-                            <a:rPr lang="en-US" sz="2400" noProof="0" dirty="0" smtClean="0"/>
-                            <a:t>0.75</a:t>
-                          </a:r>
-                          <a:endParaRPr lang="en-US" sz="2400" noProof="0" dirty="0"/>
-                        </a:p>
-                      </a:txBody>
-                      <a:tcPr marT="36000">
-                        <a:lnL w="12700" cap="flat" cmpd="sng" algn="ctr">
-                          <a:noFill/>
-                          <a:prstDash val="solid"/>
-                          <a:round/>
-                          <a:headEnd type="none" w="med" len="med"/>
-                          <a:tailEnd type="none" w="med" len="med"/>
-                        </a:lnL>
-                        <a:lnR w="12700" cap="flat" cmpd="sng" algn="ctr">
-                          <a:noFill/>
-                          <a:prstDash val="solid"/>
-                          <a:round/>
-                          <a:headEnd type="none" w="med" len="med"/>
-                          <a:tailEnd type="none" w="med" len="med"/>
-                        </a:lnR>
-                        <a:lnT w="12700" cap="flat" cmpd="sng" algn="ctr">
-                          <a:noFill/>
-                          <a:prstDash val="solid"/>
-                          <a:round/>
-                          <a:headEnd type="none" w="med" len="med"/>
-                          <a:tailEnd type="none" w="med" len="med"/>
-                        </a:lnT>
-                        <a:lnB w="12700" cap="flat" cmpd="sng" algn="ctr">
-                          <a:noFill/>
-                          <a:prstDash val="solid"/>
-                          <a:round/>
-                          <a:headEnd type="none" w="med" len="med"/>
-                          <a:tailEnd type="none" w="med" len="med"/>
-                        </a:lnB>
-                        <a:lnTlToBr w="12700" cmpd="sng">
-                          <a:noFill/>
-                          <a:prstDash val="solid"/>
-                        </a:lnTlToBr>
-                        <a:lnBlToTr w="12700" cmpd="sng">
-                          <a:noFill/>
-                          <a:prstDash val="solid"/>
-                        </a:lnBlToTr>
-                      </a:tcPr>
-                    </a:tc>
-                  </a:tr>
-                </a:tbl>
-              </a:graphicData>
-            </a:graphic>
-          </p:graphicFrame>
-        </mc:Fallback>
-      </mc:AlternateContent>
       <mc:AlternateContent xmlns:mc="http://schemas.openxmlformats.org/markup-compatibility/2006">
         <mc:Choice xmlns:a14="http://schemas.microsoft.com/office/drawing/2010/main" Requires="a14">
           <p:sp>
             <p:nvSpPr>
-              <p:cNvPr id="5" name="Textfeld 4"/>
+              <p:cNvPr id="106" name="Textfeld 105"/>
               <p:cNvSpPr txBox="1"/>
               <p:nvPr/>
             </p:nvSpPr>
             <p:spPr>
               <a:xfrm>
-                <a:off x="21861189" y="6718175"/>
-                <a:ext cx="9306473" cy="5304722"/>
+                <a:off x="32178498" y="6709187"/>
+                <a:ext cx="9344942" cy="4985980"/>
               </a:xfrm>
               <a:prstGeom prst="rect">
                 <a:avLst/>
@@ -11558,7 +7892,401 @@
               </a:bodyPr>
               <a:lstStyle/>
               <a:p>
-                <a:pPr marL="457200" indent="-457200">
+                <a:pPr marL="285750" indent="-285750">
+                  <a:spcAft>
+                    <a:spcPts val="1200"/>
+                  </a:spcAft>
+                  <a:buFont typeface="Arial" pitchFamily="34" charset="0"/>
+                  <a:buChar char="•"/>
+                </a:pPr>
+                <a:r>
+                  <a:rPr lang="en-GB" sz="3200" dirty="0" smtClean="0"/>
+                  <a:t>EM works well </a:t>
+                </a:r>
+                <a:r>
+                  <a:rPr lang="en-GB" sz="3200" dirty="0" smtClean="0"/>
+                  <a:t>in </a:t>
+                </a:r>
+                <a:r>
+                  <a:rPr lang="en-GB" sz="3200" dirty="0" smtClean="0"/>
+                  <a:t>our multi-parameter </a:t>
+                </a:r>
+                <a:r>
+                  <a:rPr lang="en-GB" sz="3200" dirty="0" smtClean="0"/>
+                  <a:t>problems </a:t>
+                </a:r>
+                <a:r>
+                  <a:rPr lang="en-GB" sz="3200" dirty="0" smtClean="0"/>
+                  <a:t>and algorithm converges fast. </a:t>
+                </a:r>
+              </a:p>
+              <a:p>
+                <a:pPr marL="285750" indent="-285750">
+                  <a:spcAft>
+                    <a:spcPts val="1200"/>
+                  </a:spcAft>
+                  <a:buFont typeface="Arial" pitchFamily="34" charset="0"/>
+                  <a:buChar char="•"/>
+                </a:pPr>
+                <a:r>
+                  <a:rPr lang="en-GB" sz="3200" dirty="0" smtClean="0"/>
+                  <a:t>Complexity of </a:t>
+                </a:r>
+                <a:r>
+                  <a:rPr lang="en-GB" sz="3200" dirty="0"/>
+                  <a:t>SEM</a:t>
+                </a:r>
+                <a:r>
+                  <a:rPr lang="en-GB" sz="3200" dirty="0" smtClean="0"/>
+                  <a:t> implementation depends on type of data</a:t>
+                </a:r>
+              </a:p>
+              <a:p>
+                <a:pPr marL="285750" indent="-285750">
+                  <a:spcAft>
+                    <a:spcPts val="1200"/>
+                  </a:spcAft>
+                  <a:buFont typeface="Arial" pitchFamily="34" charset="0"/>
+                  <a:buChar char="•"/>
+                </a:pPr>
+                <a:r>
+                  <a:rPr lang="en-GB" sz="3200" dirty="0" smtClean="0"/>
+                  <a:t>In </a:t>
+                </a:r>
+                <a:r>
+                  <a:rPr lang="en-GB" sz="3200" dirty="0" smtClean="0"/>
+                  <a:t>contrast, an asymptotic </a:t>
+                </a:r>
+                <a:r>
+                  <a:rPr lang="en-GB" sz="3200" dirty="0" smtClean="0"/>
+                  <a:t>variance-covariance matrix can relatively easily be obtained from bootstrapping method</a:t>
+                </a:r>
+              </a:p>
+              <a:p>
+                <a:pPr marL="285750" indent="-285750">
+                  <a:spcAft>
+                    <a:spcPts val="1200"/>
+                  </a:spcAft>
+                  <a:buFont typeface="Arial" pitchFamily="34" charset="0"/>
+                  <a:buChar char="•"/>
+                </a:pPr>
+                <a:r>
+                  <a:rPr lang="en-GB" sz="3200" dirty="0" smtClean="0"/>
+                  <a:t>Bootstrapping delivers very accurate results, as can be seen by the difference </a:t>
+                </a:r>
+                <a14:m>
+                  <m:oMath xmlns:m="http://schemas.openxmlformats.org/officeDocument/2006/math">
+                    <m:r>
+                      <a:rPr lang="de-DE" sz="3200" i="1">
+                        <a:latin typeface="Cambria Math"/>
+                      </a:rPr>
+                      <m:t>𝑉</m:t>
+                    </m:r>
+                    <m:r>
+                      <a:rPr lang="de-DE" sz="3200" i="1" baseline="-25000">
+                        <a:latin typeface="Cambria Math"/>
+                      </a:rPr>
+                      <m:t>𝑐</m:t>
+                    </m:r>
+                    <m:r>
+                      <a:rPr lang="de-DE" sz="3200" i="1">
+                        <a:latin typeface="Cambria Math"/>
+                      </a:rPr>
+                      <m:t>(</m:t>
+                    </m:r>
+                    <m:sSub>
+                      <m:sSubPr>
+                        <m:ctrlPr>
+                          <a:rPr lang="de-DE" sz="3200" i="1">
+                            <a:latin typeface="Cambria Math"/>
+                          </a:rPr>
+                        </m:ctrlPr>
+                      </m:sSubPr>
+                      <m:e>
+                        <m:r>
+                          <a:rPr lang="de-DE" sz="3200" i="1">
+                            <a:latin typeface="Cambria Math"/>
+                            <a:ea typeface="Cambria Math"/>
+                          </a:rPr>
+                          <m:t>𝜃</m:t>
+                        </m:r>
+                      </m:e>
+                      <m:sub>
+                        <m:r>
+                          <a:rPr lang="de-DE" sz="3200" i="1">
+                            <a:latin typeface="Cambria Math"/>
+                          </a:rPr>
+                          <m:t>2</m:t>
+                        </m:r>
+                      </m:sub>
+                    </m:sSub>
+                    <m:r>
+                      <a:rPr lang="de-DE" sz="3200" i="1">
+                        <a:latin typeface="Cambria Math"/>
+                      </a:rPr>
+                      <m:t>)−</m:t>
+                    </m:r>
+                    <m:r>
+                      <a:rPr lang="de-DE" sz="3200" i="1">
+                        <a:latin typeface="Cambria Math"/>
+                      </a:rPr>
+                      <m:t>𝑉</m:t>
+                    </m:r>
+                    <m:r>
+                      <a:rPr lang="de-DE" sz="3200" i="1">
+                        <a:latin typeface="Cambria Math"/>
+                      </a:rPr>
+                      <m:t>(</m:t>
+                    </m:r>
+                    <m:sSub>
+                      <m:sSubPr>
+                        <m:ctrlPr>
+                          <a:rPr lang="de-DE" sz="3200" i="1">
+                            <a:latin typeface="Cambria Math"/>
+                          </a:rPr>
+                        </m:ctrlPr>
+                      </m:sSubPr>
+                      <m:e>
+                        <m:r>
+                          <a:rPr lang="de-DE" sz="3200" i="1">
+                            <a:latin typeface="Cambria Math"/>
+                            <a:ea typeface="Cambria Math"/>
+                          </a:rPr>
+                          <m:t>𝜃</m:t>
+                        </m:r>
+                      </m:e>
+                      <m:sub>
+                        <m:r>
+                          <a:rPr lang="de-DE" sz="3200" i="1">
+                            <a:latin typeface="Cambria Math"/>
+                          </a:rPr>
+                          <m:t>2</m:t>
+                        </m:r>
+                      </m:sub>
+                    </m:sSub>
+                    <m:r>
+                      <a:rPr lang="de-DE" sz="3200" i="1">
+                        <a:latin typeface="Cambria Math"/>
+                      </a:rPr>
+                      <m:t>)</m:t>
+                    </m:r>
+                  </m:oMath>
+                </a14:m>
+                <a:r>
+                  <a:rPr lang="en-GB" sz="3200" dirty="0"/>
+                  <a:t> </a:t>
+                </a:r>
+                <a:endParaRPr lang="en-GB" sz="3200" dirty="0" smtClean="0"/>
+              </a:p>
+            </p:txBody>
+          </p:sp>
+        </mc:Choice>
+        <mc:Fallback>
+          <p:sp>
+            <p:nvSpPr>
+              <p:cNvPr id="106" name="Textfeld 105"/>
+              <p:cNvSpPr txBox="1">
+                <a:spLocks noRot="1" noChangeAspect="1" noMove="1" noResize="1" noEditPoints="1" noAdjustHandles="1" noChangeArrowheads="1" noChangeShapeType="1" noTextEdit="1"/>
+              </p:cNvSpPr>
+              <p:nvPr/>
+            </p:nvSpPr>
+            <p:spPr>
+              <a:xfrm>
+                <a:off x="32178498" y="6709187"/>
+                <a:ext cx="9344942" cy="4985980"/>
+              </a:xfrm>
+              <a:prstGeom prst="rect">
+                <a:avLst/>
+              </a:prstGeom>
+              <a:blipFill rotWithShape="1">
+                <a:blip r:embed="rId6"/>
+                <a:stretch>
+                  <a:fillRect l="-1500" t="-1591" r="-1892" b="-3305"/>
+                </a:stretch>
+              </a:blipFill>
+            </p:spPr>
+            <p:txBody>
+              <a:bodyPr/>
+              <a:lstStyle/>
+              <a:p>
+                <a:r>
+                  <a:rPr lang="de-DE">
+                    <a:noFill/>
+                  </a:rPr>
+                  <a:t> </a:t>
+                </a:r>
+              </a:p>
+            </p:txBody>
+          </p:sp>
+        </mc:Fallback>
+      </mc:AlternateContent>
+      <p:sp>
+        <p:nvSpPr>
+          <p:cNvPr id="107" name="Textfeld 106"/>
+          <p:cNvSpPr txBox="1"/>
+          <p:nvPr/>
+        </p:nvSpPr>
+        <p:spPr>
+          <a:xfrm>
+            <a:off x="32178529" y="22380121"/>
+            <a:ext cx="9344942" cy="5493812"/>
+          </a:xfrm>
+          <a:prstGeom prst="rect">
+            <a:avLst/>
+          </a:prstGeom>
+          <a:noFill/>
+        </p:spPr>
+        <p:txBody>
+          <a:bodyPr wrap="square" rtlCol="0">
+            <a:spAutoFit/>
+          </a:bodyPr>
+          <a:lstStyle/>
+          <a:p>
+            <a:pPr marL="314325" indent="-314325"/>
+            <a:r>
+              <a:rPr lang="en-US" sz="2700" dirty="0" err="1" smtClean="0"/>
+              <a:t>Dempster</a:t>
+            </a:r>
+            <a:r>
+              <a:rPr lang="en-US" sz="2700" dirty="0"/>
+              <a:t>, A. P., Laird, N. M., &amp; Rubin, D. B. (1977). Maximum likelihood from incomplete data via the EM algorithm. </a:t>
+            </a:r>
+            <a:r>
+              <a:rPr lang="en-US" sz="2700" i="1" dirty="0"/>
+              <a:t>Journal of the royal statistical society. Series B (methodological)</a:t>
+            </a:r>
+            <a:r>
+              <a:rPr lang="en-US" sz="2700" dirty="0"/>
+              <a:t>, 1-38</a:t>
+            </a:r>
+            <a:r>
+              <a:rPr lang="en-US" sz="2700" dirty="0" smtClean="0"/>
+              <a:t>. </a:t>
+            </a:r>
+          </a:p>
+          <a:p>
+            <a:pPr marL="314325" indent="-314325"/>
+            <a:r>
+              <a:rPr lang="en-US" sz="2700" dirty="0" smtClean="0"/>
+              <a:t>McLachlan</a:t>
+            </a:r>
+            <a:r>
+              <a:rPr lang="en-US" sz="2700" dirty="0"/>
+              <a:t>, G., &amp; Krishnan, T. (2007). </a:t>
+            </a:r>
+            <a:r>
+              <a:rPr lang="en-US" sz="2700" i="1" dirty="0"/>
+              <a:t>The EM algorithm and extensions</a:t>
+            </a:r>
+            <a:r>
+              <a:rPr lang="en-US" sz="2700" dirty="0"/>
+              <a:t> (Vol. 382). John Wiley &amp; Sons</a:t>
+            </a:r>
+            <a:r>
+              <a:rPr lang="en-US" sz="2700" dirty="0" smtClean="0"/>
+              <a:t>.</a:t>
+            </a:r>
+          </a:p>
+          <a:p>
+            <a:pPr marL="314325" indent="-314325"/>
+            <a:r>
+              <a:rPr lang="en-US" sz="2700" dirty="0" err="1"/>
+              <a:t>Meng</a:t>
+            </a:r>
+            <a:r>
+              <a:rPr lang="en-US" sz="2700" dirty="0"/>
+              <a:t>, X. L., &amp; Rubin, D. B. (1991). Using EM to obtain asymptotic variance-covariance matrices: The SEM algorithm. </a:t>
+            </a:r>
+            <a:r>
+              <a:rPr lang="en-US" sz="2700" i="1" dirty="0"/>
+              <a:t>Journal of the American Statistical Association</a:t>
+            </a:r>
+            <a:r>
+              <a:rPr lang="en-US" sz="2700" dirty="0"/>
+              <a:t>, </a:t>
+            </a:r>
+            <a:r>
+              <a:rPr lang="en-US" sz="2700" i="1" dirty="0"/>
+              <a:t>86</a:t>
+            </a:r>
+            <a:r>
+              <a:rPr lang="en-US" sz="2700" dirty="0"/>
+              <a:t>(416), 899-909.</a:t>
+            </a:r>
+          </a:p>
+          <a:p>
+            <a:pPr marL="314325" indent="-314325"/>
+            <a:r>
+              <a:rPr lang="en-US" sz="2700" dirty="0" smtClean="0"/>
+              <a:t>Little</a:t>
+            </a:r>
+            <a:r>
+              <a:rPr lang="en-US" sz="2700" dirty="0"/>
+              <a:t>, R. J., &amp; Rubin, D. B. (2014). </a:t>
+            </a:r>
+            <a:r>
+              <a:rPr lang="en-US" sz="2700" i="1" dirty="0"/>
+              <a:t>Statistical analysis with missing data</a:t>
+            </a:r>
+            <a:r>
+              <a:rPr lang="en-US" sz="2700" dirty="0"/>
+              <a:t> (Vol. 333). John Wiley &amp; Sons.</a:t>
+            </a:r>
+          </a:p>
+          <a:p>
+            <a:pPr marL="314325" indent="-314325"/>
+            <a:r>
+              <a:rPr lang="en-US" sz="2700" dirty="0" err="1" smtClean="0"/>
+              <a:t>Pritikin</a:t>
+            </a:r>
+            <a:r>
+              <a:rPr lang="en-US" sz="2700" dirty="0"/>
+              <a:t>, J. N. (2016). A computational note on the application of the Supplemented EM algorithm to item response models. </a:t>
+            </a:r>
+            <a:r>
+              <a:rPr lang="en-US" sz="2700" dirty="0" err="1"/>
+              <a:t>arXiv</a:t>
+            </a:r>
+            <a:r>
+              <a:rPr lang="en-US" sz="2700" dirty="0"/>
+              <a:t> preprint arXiv:1605.00860</a:t>
+            </a:r>
+            <a:r>
+              <a:rPr lang="en-US" sz="2700" dirty="0" smtClean="0"/>
+              <a:t>.</a:t>
+            </a:r>
+            <a:endParaRPr lang="en-US" sz="2700" dirty="0"/>
+          </a:p>
+        </p:txBody>
+      </p:sp>
+      <mc:AlternateContent xmlns:mc="http://schemas.openxmlformats.org/markup-compatibility/2006">
+        <mc:Choice xmlns:a14="http://schemas.microsoft.com/office/drawing/2010/main" Requires="a14">
+          <p:sp>
+            <p:nvSpPr>
+              <p:cNvPr id="5" name="Textfeld 4"/>
+              <p:cNvSpPr txBox="1"/>
+              <p:nvPr/>
+            </p:nvSpPr>
+            <p:spPr>
+              <a:xfrm>
+                <a:off x="21861189" y="6718175"/>
+                <a:ext cx="9306473" cy="6234720"/>
+              </a:xfrm>
+              <a:prstGeom prst="rect">
+                <a:avLst/>
+              </a:prstGeom>
+              <a:noFill/>
+            </p:spPr>
+            <p:txBody>
+              <a:bodyPr wrap="square" rtlCol="0">
+                <a:spAutoFit/>
+              </a:bodyPr>
+              <a:lstStyle/>
+              <a:p>
+                <a:pPr marL="314325" indent="-314325">
+                  <a:spcAft>
+                    <a:spcPts val="1200"/>
+                  </a:spcAft>
                   <a:buFont typeface="Arial" pitchFamily="34" charset="0"/>
                   <a:buChar char="•"/>
                 </a:pPr>
@@ -11577,7 +8305,11 @@
                 </a:endParaRPr>
               </a:p>
               <a:p>
-                <a:pPr/>
+                <a:pPr marL="314325" indent="-314325">
+                  <a:spcAft>
+                    <a:spcPts val="1200"/>
+                  </a:spcAft>
+                </a:pPr>
                 <a14:m>
                   <m:oMathPara xmlns:m="http://schemas.openxmlformats.org/officeDocument/2006/math">
                     <m:oMathParaPr>
@@ -11603,7 +8335,7 @@
                         <m:dPr>
                           <m:ctrlPr>
                             <a:rPr lang="de-DE" sz="3200" b="0" i="1" smtClean="0">
-                              <a:latin typeface="Cambria Math" charset="0"/>
+                              <a:latin typeface="Cambria Math"/>
                               <a:ea typeface="Cambria Math" charset="0"/>
                             </a:rPr>
                           </m:ctrlPr>
@@ -11614,7 +8346,7 @@
                               <m:type m:val="noBar"/>
                               <m:ctrlPr>
                                 <a:rPr lang="de-DE" sz="3200" b="0" i="1" smtClean="0">
-                                  <a:latin typeface="Cambria Math" charset="0"/>
+                                  <a:latin typeface="Cambria Math"/>
                                   <a:ea typeface="Cambria Math" charset="0"/>
                                 </a:rPr>
                               </m:ctrlPr>
@@ -11674,7 +8406,7 @@
                         <m:dPr>
                           <m:ctrlPr>
                             <a:rPr lang="mr-IN" sz="3200" b="0" i="1" smtClean="0">
-                              <a:latin typeface="Cambria Math" charset="0"/>
+                              <a:latin typeface="Cambria Math"/>
                               <a:ea typeface="Cambria Math" charset="0"/>
                               <a:cs typeface="Cambria Math" charset="0"/>
                             </a:rPr>
@@ -11685,7 +8417,7 @@
                             <m:dPr>
                               <m:ctrlPr>
                                 <a:rPr lang="mr-IN" sz="3200" b="0" i="1" smtClean="0">
-                                  <a:latin typeface="Cambria Math" charset="0"/>
+                                  <a:latin typeface="Cambria Math"/>
                                   <a:ea typeface="Cambria Math" charset="0"/>
                                 </a:rPr>
                               </m:ctrlPr>
@@ -11696,55 +8428,7 @@
                                   <m:type m:val="noBar"/>
                                   <m:ctrlPr>
                                     <a:rPr lang="mr-IN" sz="3200" b="0" i="1" smtClean="0">
-                                      <a:latin typeface="Cambria Math" charset="0"/>
-                                      <a:ea typeface="Cambria Math" charset="0"/>
-                                    </a:rPr>
-                                  </m:ctrlPr>
-                                </m:fPr>
-                                <m:num>
-                                  <m:r>
-                                    <a:rPr lang="de-DE" sz="3200" b="0" i="1" smtClean="0">
                                       <a:latin typeface="Cambria Math"/>
-                                      <a:ea typeface="Cambria Math" charset="0"/>
-                                    </a:rPr>
-                                    <m:t>0</m:t>
-                                  </m:r>
-                                </m:num>
-                                <m:den>
-                                  <m:r>
-                                    <a:rPr lang="de-DE" sz="3200" b="0" i="1" smtClean="0">
-                                      <a:latin typeface="Cambria Math"/>
-                                      <a:ea typeface="Cambria Math" charset="0"/>
-                                    </a:rPr>
-                                    <m:t>0</m:t>
-                                  </m:r>
-                                </m:den>
-                              </m:f>
-                            </m:e>
-                          </m:d>
-                          <m:r>
-                            <a:rPr lang="de-DE" sz="3200" b="0" i="1" smtClean="0">
-                              <a:latin typeface="Cambria Math"/>
-                              <a:ea typeface="Cambria Math" charset="0"/>
-                            </a:rPr>
-                            <m:t>,</m:t>
-                          </m:r>
-                          <m:d>
-                            <m:dPr>
-                              <m:ctrlPr>
-                                <a:rPr lang="de-DE" sz="3200" b="0" i="1" smtClean="0">
-                                  <a:latin typeface="Cambria Math" charset="0"/>
-                                  <a:ea typeface="Cambria Math" charset="0"/>
-                                </a:rPr>
-                              </m:ctrlPr>
-                            </m:dPr>
-                            <m:e>
-                              <m:f>
-                                <m:fPr>
-                                  <m:type m:val="noBar"/>
-                                  <m:ctrlPr>
-                                    <a:rPr lang="de-DE" sz="3200" b="0" i="1" smtClean="0">
-                                      <a:latin typeface="Cambria Math" charset="0"/>
                                       <a:ea typeface="Cambria Math" charset="0"/>
                                     </a:rPr>
                                   </m:ctrlPr>
@@ -11764,7 +8448,62 @@
                                       <a:latin typeface="Cambria Math"/>
                                       <a:ea typeface="Cambria Math" charset="0"/>
                                     </a:rPr>
-                                    <m:t>0 </m:t>
+                                    <m:t>4</m:t>
+                                  </m:r>
+                                </m:den>
+                              </m:f>
+                            </m:e>
+                          </m:d>
+                          <m:r>
+                            <a:rPr lang="de-DE" sz="3200" b="0" i="1" smtClean="0">
+                              <a:latin typeface="Cambria Math"/>
+                              <a:ea typeface="Cambria Math" charset="0"/>
+                            </a:rPr>
+                            <m:t>,</m:t>
+                          </m:r>
+                          <m:d>
+                            <m:dPr>
+                              <m:ctrlPr>
+                                <a:rPr lang="de-DE" sz="3200" b="0" i="1" smtClean="0">
+                                  <a:latin typeface="Cambria Math"/>
+                                  <a:ea typeface="Cambria Math" charset="0"/>
+                                </a:rPr>
+                              </m:ctrlPr>
+                            </m:dPr>
+                            <m:e>
+                              <m:f>
+                                <m:fPr>
+                                  <m:type m:val="noBar"/>
+                                  <m:ctrlPr>
+                                    <a:rPr lang="de-DE" sz="3200" b="0" i="1" smtClean="0">
+                                      <a:latin typeface="Cambria Math"/>
+                                      <a:ea typeface="Cambria Math" charset="0"/>
+                                    </a:rPr>
+                                  </m:ctrlPr>
+                                </m:fPr>
+                                <m:num>
+                                  <m:r>
+                                    <a:rPr lang="de-DE" sz="3200" b="0" i="1" smtClean="0">
+                                      <a:latin typeface="Cambria Math"/>
+                                      <a:ea typeface="Cambria Math" charset="0"/>
+                                    </a:rPr>
+                                    <m:t>4</m:t>
+                                  </m:r>
+                                </m:num>
+                                <m:den>
+                                  <m:r>
+                                    <a:rPr lang="de-DE" sz="3200" b="0" i="1" smtClean="0">
+                                      <a:latin typeface="Cambria Math"/>
+                                      <a:ea typeface="Cambria Math" charset="0"/>
+                                    </a:rPr>
+                                    <m:t>3</m:t>
+                                  </m:r>
+                                  <m:r>
+                                    <a:rPr lang="de-DE" sz="3200" b="0" i="1" smtClean="0">
+                                      <a:latin typeface="Cambria Math"/>
+                                      <a:ea typeface="Cambria Math" charset="0"/>
+                                    </a:rPr>
+                                    <m:t> </m:t>
                                   </m:r>
                                 </m:den>
                               </m:f>
@@ -11780,7 +8519,7 @@
                                   <m:type m:val="noBar"/>
                                   <m:ctrlPr>
                                     <a:rPr lang="de-DE" sz="3200" b="0" i="1" smtClean="0">
-                                      <a:latin typeface="Cambria Math" charset="0"/>
+                                      <a:latin typeface="Cambria Math"/>
                                       <a:ea typeface="Cambria Math" charset="0"/>
                                     </a:rPr>
                                   </m:ctrlPr>
@@ -11791,7 +8530,7 @@
                                       <a:latin typeface="Cambria Math"/>
                                       <a:ea typeface="Cambria Math" charset="0"/>
                                     </a:rPr>
-                                    <m:t>0</m:t>
+                                    <m:t>3</m:t>
                                   </m:r>
                                 </m:num>
                                 <m:den>
@@ -11800,7 +8539,7 @@
                                       <a:latin typeface="Cambria Math"/>
                                       <a:ea typeface="Cambria Math" charset="0"/>
                                     </a:rPr>
-                                    <m:t>1</m:t>
+                                    <m:t>5</m:t>
                                   </m:r>
                                 </m:den>
                               </m:f>
@@ -11817,7 +8556,10 @@
                 </a:endParaRPr>
               </a:p>
               <a:p>
-                <a:pPr marL="457200" indent="-457200">
+                <a:pPr marL="314325" indent="-314325">
+                  <a:spcAft>
+                    <a:spcPts val="1200"/>
+                  </a:spcAft>
                   <a:buFont typeface="Arial" pitchFamily="34" charset="0"/>
                   <a:buChar char="•"/>
                 </a:pPr>
@@ -11856,7 +8598,10 @@
                 <a:endParaRPr lang="de-DE" sz="3200" dirty="0" smtClean="0"/>
               </a:p>
               <a:p>
-                <a:pPr marL="457200" indent="-457200">
+                <a:pPr marL="314325" indent="-314325">
+                  <a:spcAft>
+                    <a:spcPts val="1200"/>
+                  </a:spcAft>
                   <a:buFont typeface="Arial" pitchFamily="34" charset="0"/>
                   <a:buChar char="•"/>
                 </a:pPr>
@@ -11886,7 +8631,7 @@
                       <m:dPr>
                         <m:ctrlPr>
                           <a:rPr lang="en-US" sz="3200" b="0" i="1" smtClean="0">
-                            <a:latin typeface="Cambria Math" charset="0"/>
+                            <a:latin typeface="Cambria Math"/>
                             <a:ea typeface="Cambria Math"/>
                           </a:rPr>
                         </m:ctrlPr>
@@ -11896,7 +8641,7 @@
                           <m:sSubPr>
                             <m:ctrlPr>
                               <a:rPr lang="en-US" sz="3200" b="0" i="1" smtClean="0">
-                                <a:latin typeface="Cambria Math" charset="0"/>
+                                <a:latin typeface="Cambria Math"/>
                                 <a:ea typeface="Cambria Math"/>
                               </a:rPr>
                             </m:ctrlPr>
@@ -11931,7 +8676,7 @@
                           <m:sSubPr>
                             <m:ctrlPr>
                               <a:rPr lang="en-US" sz="3200" b="0" i="1" smtClean="0">
-                                <a:latin typeface="Cambria Math" charset="0"/>
+                                <a:latin typeface="Cambria Math"/>
                                 <a:ea typeface="Cambria Math"/>
                               </a:rPr>
                             </m:ctrlPr>
@@ -11965,7 +8710,11 @@
                 </a:r>
               </a:p>
               <a:p>
-                <a:pPr lvl="1"/>
+                <a:pPr marL="314325" lvl="1" indent="-314325">
+                  <a:spcAft>
+                    <a:spcPts val="1200"/>
+                  </a:spcAft>
+                </a:pPr>
                 <a14:m>
                   <m:oMathPara xmlns:m="http://schemas.openxmlformats.org/officeDocument/2006/math">
                     <m:oMathParaPr>
@@ -11976,7 +8725,7 @@
                         <m:sSubPr>
                           <m:ctrlPr>
                             <a:rPr lang="de-DE" sz="3200" i="1">
-                              <a:latin typeface="Cambria Math" charset="0"/>
+                              <a:latin typeface="Cambria Math"/>
                               <a:ea typeface="Cambria Math"/>
                             </a:rPr>
                           </m:ctrlPr>
@@ -12011,7 +8760,7 @@
                         <m:dPr>
                           <m:ctrlPr>
                             <a:rPr lang="de-DE" sz="3200" i="1">
-                              <a:latin typeface="Cambria Math" charset="0"/>
+                              <a:latin typeface="Cambria Math"/>
                               <a:ea typeface="Cambria Math"/>
                             </a:rPr>
                           </m:ctrlPr>
@@ -12021,7 +8770,7 @@
                             <m:sSubPr>
                               <m:ctrlPr>
                                 <a:rPr lang="de-DE" sz="3200" i="1">
-                                  <a:latin typeface="Cambria Math" charset="0"/>
+                                  <a:latin typeface="Cambria Math"/>
                                   <a:ea typeface="Cambria Math"/>
                                 </a:rPr>
                               </m:ctrlPr>
@@ -12063,7 +8812,7 @@
                             <m:sSubSupPr>
                               <m:ctrlPr>
                                 <a:rPr lang="de-DE" sz="3200" i="1">
-                                  <a:latin typeface="Cambria Math" charset="0"/>
+                                  <a:latin typeface="Cambria Math"/>
                                   <a:ea typeface="Cambria Math"/>
                                 </a:rPr>
                               </m:ctrlPr>
@@ -12109,7 +8858,7 @@
                         <m:sSubPr>
                           <m:ctrlPr>
                             <a:rPr lang="de-DE" sz="3200" i="1">
-                              <a:latin typeface="Cambria Math" charset="0"/>
+                              <a:latin typeface="Cambria Math"/>
                               <a:ea typeface="Cambria Math"/>
                             </a:rPr>
                           </m:ctrlPr>
@@ -12144,7 +8893,7 @@
                         <m:dPr>
                           <m:ctrlPr>
                             <a:rPr lang="de-DE" sz="3200" i="1">
-                              <a:latin typeface="Cambria Math" charset="0"/>
+                              <a:latin typeface="Cambria Math"/>
                               <a:ea typeface="Cambria Math"/>
                             </a:rPr>
                           </m:ctrlPr>
@@ -12154,7 +8903,7 @@
                             <m:sSubPr>
                               <m:ctrlPr>
                                 <a:rPr lang="de-DE" sz="3200" i="1">
-                                  <a:latin typeface="Cambria Math" charset="0"/>
+                                  <a:latin typeface="Cambria Math"/>
                                   <a:ea typeface="Cambria Math"/>
                                 </a:rPr>
                               </m:ctrlPr>
@@ -12196,7 +8945,7 @@
                             <m:sSubSupPr>
                               <m:ctrlPr>
                                 <a:rPr lang="de-DE" sz="3200" i="1">
-                                  <a:latin typeface="Cambria Math" charset="0"/>
+                                  <a:latin typeface="Cambria Math"/>
                                   <a:ea typeface="Cambria Math"/>
                                 </a:rPr>
                               </m:ctrlPr>
@@ -12251,60 +9000,145 @@
                 <a:endParaRPr lang="de-DE" sz="3200" dirty="0" smtClean="0"/>
               </a:p>
               <a:p>
-                <a:pPr marL="457200" indent="-457200">
+                <a:pPr marL="314325" indent="-314325">
+                  <a:spcAft>
+                    <a:spcPts val="1200"/>
+                  </a:spcAft>
                   <a:buFont typeface="Arial" pitchFamily="34" charset="0"/>
                   <a:buChar char="•"/>
                 </a:pPr>
                 <a:r>
                   <a:rPr lang="en-US" sz="3200" dirty="0" smtClean="0"/>
-                  <a:t>Variation of</a:t>
-                </a:r>
-                <a:r>
-                  <a:rPr lang="en-US" sz="3200" dirty="0"/>
-                  <a:t> </a:t>
+                  <a:t>Simulation </a:t>
                 </a:r>
                 <a:r>
                   <a:rPr lang="en-US" sz="3200" dirty="0" smtClean="0"/>
-                  <a:t>number of observations (</a:t>
-                </a:r>
+                  <a:t>is run with nine combinations</a:t>
+                </a:r>
+                <a:r>
+                  <a:rPr lang="en-US" sz="3200" dirty="0" smtClean="0"/>
+                  <a:t>:</a:t>
+                </a:r>
+              </a:p>
+              <a:p>
+                <a:pPr marL="314325" indent="-314325">
+                  <a:spcAft>
+                    <a:spcPts val="1200"/>
+                  </a:spcAft>
+                  <a:buFont typeface="Arial" pitchFamily="34" charset="0"/>
+                  <a:buChar char="•"/>
+                </a:pPr>
                 <a14:m>
                   <m:oMath xmlns:m="http://schemas.openxmlformats.org/officeDocument/2006/math">
                     <m:r>
-                      <a:rPr lang="en-US" sz="3200" b="0" i="1" smtClean="0">
+                      <a:rPr lang="de-DE" sz="3200" i="1">
                         <a:latin typeface="Cambria Math"/>
                       </a:rPr>
-                      <m:t>𝑛</m:t>
+                      <m:t>𝑉</m:t>
+                    </m:r>
+                    <m:r>
+                      <a:rPr lang="de-DE" sz="3200" i="1" baseline="-25000">
+                        <a:latin typeface="Cambria Math"/>
+                      </a:rPr>
+                      <m:t>𝑐</m:t>
+                    </m:r>
+                    <m:r>
+                      <a:rPr lang="de-DE" sz="3200" i="1">
+                        <a:latin typeface="Cambria Math"/>
+                      </a:rPr>
+                      <m:t>(</m:t>
+                    </m:r>
+                    <m:sSub>
+                      <m:sSubPr>
+                        <m:ctrlPr>
+                          <a:rPr lang="de-DE" sz="3200" i="1">
+                            <a:latin typeface="Cambria Math"/>
+                          </a:rPr>
+                        </m:ctrlPr>
+                      </m:sSubPr>
+                      <m:e>
+                        <m:r>
+                          <a:rPr lang="de-DE" sz="3200" i="1">
+                            <a:latin typeface="Cambria Math"/>
+                            <a:ea typeface="Cambria Math"/>
+                          </a:rPr>
+                          <m:t>𝜃</m:t>
+                        </m:r>
+                      </m:e>
+                      <m:sub>
+                        <m:r>
+                          <a:rPr lang="de-DE" sz="3200" i="1">
+                            <a:latin typeface="Cambria Math"/>
+                          </a:rPr>
+                          <m:t>2</m:t>
+                        </m:r>
+                      </m:sub>
+                    </m:sSub>
+                    <m:r>
+                      <a:rPr lang="de-DE" sz="3200" i="1">
+                        <a:latin typeface="Cambria Math"/>
+                      </a:rPr>
+                      <m:t>)−</m:t>
+                    </m:r>
+                    <m:r>
+                      <a:rPr lang="de-DE" sz="3200" i="1">
+                        <a:latin typeface="Cambria Math"/>
+                      </a:rPr>
+                      <m:t>𝑉</m:t>
+                    </m:r>
+                    <m:r>
+                      <a:rPr lang="de-DE" sz="3200" i="1">
+                        <a:latin typeface="Cambria Math"/>
+                      </a:rPr>
+                      <m:t>(</m:t>
+                    </m:r>
+                    <m:sSub>
+                      <m:sSubPr>
+                        <m:ctrlPr>
+                          <a:rPr lang="de-DE" sz="3200" i="1">
+                            <a:latin typeface="Cambria Math"/>
+                          </a:rPr>
+                        </m:ctrlPr>
+                      </m:sSubPr>
+                      <m:e>
+                        <m:r>
+                          <a:rPr lang="de-DE" sz="3200" i="1">
+                            <a:latin typeface="Cambria Math"/>
+                            <a:ea typeface="Cambria Math"/>
+                          </a:rPr>
+                          <m:t>𝜃</m:t>
+                        </m:r>
+                      </m:e>
+                      <m:sub>
+                        <m:r>
+                          <a:rPr lang="de-DE" sz="3200" i="1">
+                            <a:latin typeface="Cambria Math"/>
+                          </a:rPr>
+                          <m:t>2</m:t>
+                        </m:r>
+                      </m:sub>
+                    </m:sSub>
+                    <m:r>
+                      <a:rPr lang="de-DE" sz="3200" i="1">
+                        <a:latin typeface="Cambria Math"/>
+                      </a:rPr>
+                      <m:t>)</m:t>
                     </m:r>
                   </m:oMath>
                 </a14:m>
                 <a:r>
-                  <a:rPr lang="en-US" sz="3200" dirty="0" smtClean="0"/>
-                  <a:t>) and fraction of missing values (</a:t>
-                </a:r>
-                <a14:m>
-                  <m:oMath xmlns:m="http://schemas.openxmlformats.org/officeDocument/2006/math">
-                    <m:r>
-                      <a:rPr lang="en-US" sz="3200" b="0" i="1" smtClean="0">
-                        <a:latin typeface="Cambria Math"/>
-                      </a:rPr>
-                      <m:t>𝑝</m:t>
-                    </m:r>
-                  </m:oMath>
-                </a14:m>
-                <a:r>
-                  <a:rPr lang="de-DE" sz="3200" dirty="0" smtClean="0"/>
-                  <a:t>)</a:t>
-                </a:r>
-              </a:p>
-              <a:p>
-                <a:pPr marL="457200" indent="-457200">
-                  <a:buFont typeface="Arial" pitchFamily="34" charset="0"/>
-                  <a:buChar char="•"/>
-                </a:pPr>
-                <a:r>
-                  <a:rPr lang="en-US" sz="3200" dirty="0" smtClean="0"/>
-                  <a:t>Simulation is run with nine combinations:</a:t>
-                </a:r>
+                  <a:rPr lang="en-GB" sz="3200" dirty="0"/>
+                  <a:t> for each combination as a measure of accuracy</a:t>
+                </a:r>
+                <a:r>
+                  <a:rPr lang="en-GB" sz="3200" dirty="0" smtClean="0"/>
+                  <a:t>.</a:t>
+                </a:r>
+                <a:endParaRPr lang="en-GB" sz="3200" dirty="0">
+                  <a:solidFill>
+                    <a:srgbClr val="FF0000"/>
+                  </a:solidFill>
+                </a:endParaRPr>
               </a:p>
             </p:txBody>
           </p:sp>
@@ -12321,15 +9155,15 @@
             <p:spPr>
               <a:xfrm>
                 <a:off x="21861189" y="6718175"/>
-                <a:ext cx="9306473" cy="5304722"/>
+                <a:ext cx="9306473" cy="6234720"/>
               </a:xfrm>
               <a:prstGeom prst="rect">
                 <a:avLst/>
               </a:prstGeom>
-              <a:blipFill rotWithShape="0">
-                <a:blip r:embed="rId8"/>
+              <a:blipFill rotWithShape="1">
+                <a:blip r:embed="rId7"/>
                 <a:stretch>
-                  <a:fillRect l="-1506" t="-1494" r="-2292"/>
+                  <a:fillRect l="-1441" t="-1271" b="-2248"/>
                 </a:stretch>
               </a:blipFill>
             </p:spPr>
@@ -12348,348 +9182,6 @@
           </p:sp>
         </mc:Fallback>
       </mc:AlternateContent>
-      <p:sp>
-        <p:nvSpPr>
-          <p:cNvPr id="3" name="Abgerundetes Rechteck 2"/>
-          <p:cNvSpPr/>
-          <p:nvPr/>
-        </p:nvSpPr>
-        <p:spPr>
-          <a:xfrm>
-            <a:off x="22079684" y="19515982"/>
-            <a:ext cx="2801301" cy="2542182"/>
-          </a:xfrm>
-          <a:prstGeom prst="roundRect">
-            <a:avLst/>
-          </a:prstGeom>
-        </p:spPr>
-        <p:style>
-          <a:lnRef idx="1">
-            <a:schemeClr val="accent1"/>
-          </a:lnRef>
-          <a:fillRef idx="3">
-            <a:schemeClr val="accent1"/>
-          </a:fillRef>
-          <a:effectRef idx="2">
-            <a:schemeClr val="accent1"/>
-          </a:effectRef>
-          <a:fontRef idx="minor">
-            <a:schemeClr val="lt1"/>
-          </a:fontRef>
-        </p:style>
-        <p:txBody>
-          <a:bodyPr rtlCol="0" anchor="ctr"/>
-          <a:lstStyle/>
-          <a:p>
-            <a:pPr algn="ctr"/>
-            <a:endParaRPr lang="de-DE"/>
-          </a:p>
-        </p:txBody>
-      </p:sp>
-      <p:sp>
-        <p:nvSpPr>
-          <p:cNvPr id="38" name="Abgerundetes Rechteck 37"/>
-          <p:cNvSpPr/>
-          <p:nvPr/>
-        </p:nvSpPr>
-        <p:spPr>
-          <a:xfrm>
-            <a:off x="25159043" y="19515982"/>
-            <a:ext cx="2801301" cy="2542182"/>
-          </a:xfrm>
-          <a:prstGeom prst="roundRect">
-            <a:avLst/>
-          </a:prstGeom>
-        </p:spPr>
-        <p:style>
-          <a:lnRef idx="1">
-            <a:schemeClr val="accent1"/>
-          </a:lnRef>
-          <a:fillRef idx="3">
-            <a:schemeClr val="accent1"/>
-          </a:fillRef>
-          <a:effectRef idx="2">
-            <a:schemeClr val="accent1"/>
-          </a:effectRef>
-          <a:fontRef idx="minor">
-            <a:schemeClr val="lt1"/>
-          </a:fontRef>
-        </p:style>
-        <p:txBody>
-          <a:bodyPr rtlCol="0" anchor="ctr"/>
-          <a:lstStyle/>
-          <a:p>
-            <a:pPr algn="ctr"/>
-            <a:endParaRPr lang="de-DE"/>
-          </a:p>
-        </p:txBody>
-      </p:sp>
-      <p:sp>
-        <p:nvSpPr>
-          <p:cNvPr id="39" name="Abgerundetes Rechteck 38"/>
-          <p:cNvSpPr/>
-          <p:nvPr/>
-        </p:nvSpPr>
-        <p:spPr>
-          <a:xfrm>
-            <a:off x="28201425" y="19515982"/>
-            <a:ext cx="2801301" cy="2542182"/>
-          </a:xfrm>
-          <a:prstGeom prst="roundRect">
-            <a:avLst/>
-          </a:prstGeom>
-        </p:spPr>
-        <p:style>
-          <a:lnRef idx="1">
-            <a:schemeClr val="accent1"/>
-          </a:lnRef>
-          <a:fillRef idx="3">
-            <a:schemeClr val="accent1"/>
-          </a:fillRef>
-          <a:effectRef idx="2">
-            <a:schemeClr val="accent1"/>
-          </a:effectRef>
-          <a:fontRef idx="minor">
-            <a:schemeClr val="lt1"/>
-          </a:fontRef>
-        </p:style>
-        <p:txBody>
-          <a:bodyPr rtlCol="0" anchor="ctr"/>
-          <a:lstStyle/>
-          <a:p>
-            <a:pPr algn="ctr"/>
-            <a:endParaRPr lang="de-DE"/>
-          </a:p>
-        </p:txBody>
-      </p:sp>
-      <p:sp>
-        <p:nvSpPr>
-          <p:cNvPr id="40" name="Abgerundetes Rechteck 39"/>
-          <p:cNvSpPr/>
-          <p:nvPr/>
-        </p:nvSpPr>
-        <p:spPr>
-          <a:xfrm>
-            <a:off x="22079684" y="22346345"/>
-            <a:ext cx="2801301" cy="2542182"/>
-          </a:xfrm>
-          <a:prstGeom prst="roundRect">
-            <a:avLst/>
-          </a:prstGeom>
-        </p:spPr>
-        <p:style>
-          <a:lnRef idx="1">
-            <a:schemeClr val="accent1"/>
-          </a:lnRef>
-          <a:fillRef idx="3">
-            <a:schemeClr val="accent1"/>
-          </a:fillRef>
-          <a:effectRef idx="2">
-            <a:schemeClr val="accent1"/>
-          </a:effectRef>
-          <a:fontRef idx="minor">
-            <a:schemeClr val="lt1"/>
-          </a:fontRef>
-        </p:style>
-        <p:txBody>
-          <a:bodyPr rtlCol="0" anchor="ctr"/>
-          <a:lstStyle/>
-          <a:p>
-            <a:pPr algn="ctr"/>
-            <a:endParaRPr lang="de-DE"/>
-          </a:p>
-        </p:txBody>
-      </p:sp>
-      <p:sp>
-        <p:nvSpPr>
-          <p:cNvPr id="41" name="Abgerundetes Rechteck 40"/>
-          <p:cNvSpPr/>
-          <p:nvPr/>
-        </p:nvSpPr>
-        <p:spPr>
-          <a:xfrm>
-            <a:off x="25146358" y="22346345"/>
-            <a:ext cx="2801301" cy="2542182"/>
-          </a:xfrm>
-          <a:prstGeom prst="roundRect">
-            <a:avLst/>
-          </a:prstGeom>
-        </p:spPr>
-        <p:style>
-          <a:lnRef idx="1">
-            <a:schemeClr val="accent1"/>
-          </a:lnRef>
-          <a:fillRef idx="3">
-            <a:schemeClr val="accent1"/>
-          </a:fillRef>
-          <a:effectRef idx="2">
-            <a:schemeClr val="accent1"/>
-          </a:effectRef>
-          <a:fontRef idx="minor">
-            <a:schemeClr val="lt1"/>
-          </a:fontRef>
-        </p:style>
-        <p:txBody>
-          <a:bodyPr rtlCol="0" anchor="ctr"/>
-          <a:lstStyle/>
-          <a:p>
-            <a:pPr algn="ctr"/>
-            <a:endParaRPr lang="de-DE"/>
-          </a:p>
-        </p:txBody>
-      </p:sp>
-      <p:sp>
-        <p:nvSpPr>
-          <p:cNvPr id="42" name="Abgerundetes Rechteck 41"/>
-          <p:cNvSpPr/>
-          <p:nvPr/>
-        </p:nvSpPr>
-        <p:spPr>
-          <a:xfrm>
-            <a:off x="28201425" y="22346345"/>
-            <a:ext cx="2801301" cy="2542182"/>
-          </a:xfrm>
-          <a:prstGeom prst="roundRect">
-            <a:avLst/>
-          </a:prstGeom>
-        </p:spPr>
-        <p:style>
-          <a:lnRef idx="1">
-            <a:schemeClr val="accent1"/>
-          </a:lnRef>
-          <a:fillRef idx="3">
-            <a:schemeClr val="accent1"/>
-          </a:fillRef>
-          <a:effectRef idx="2">
-            <a:schemeClr val="accent1"/>
-          </a:effectRef>
-          <a:fontRef idx="minor">
-            <a:schemeClr val="lt1"/>
-          </a:fontRef>
-        </p:style>
-        <p:txBody>
-          <a:bodyPr rtlCol="0" anchor="ctr"/>
-          <a:lstStyle/>
-          <a:p>
-            <a:pPr algn="ctr"/>
-            <a:endParaRPr lang="de-DE"/>
-          </a:p>
-        </p:txBody>
-      </p:sp>
-      <p:sp>
-        <p:nvSpPr>
-          <p:cNvPr id="43" name="Abgerundetes Rechteck 42"/>
-          <p:cNvSpPr/>
-          <p:nvPr/>
-        </p:nvSpPr>
-        <p:spPr>
-          <a:xfrm>
-            <a:off x="22079684" y="25078582"/>
-            <a:ext cx="2801301" cy="2542182"/>
-          </a:xfrm>
-          <a:prstGeom prst="roundRect">
-            <a:avLst/>
-          </a:prstGeom>
-        </p:spPr>
-        <p:style>
-          <a:lnRef idx="1">
-            <a:schemeClr val="accent1"/>
-          </a:lnRef>
-          <a:fillRef idx="3">
-            <a:schemeClr val="accent1"/>
-          </a:fillRef>
-          <a:effectRef idx="2">
-            <a:schemeClr val="accent1"/>
-          </a:effectRef>
-          <a:fontRef idx="minor">
-            <a:schemeClr val="lt1"/>
-          </a:fontRef>
-        </p:style>
-        <p:txBody>
-          <a:bodyPr rtlCol="0" anchor="ctr"/>
-          <a:lstStyle/>
-          <a:p>
-            <a:pPr algn="ctr"/>
-            <a:endParaRPr lang="de-DE"/>
-          </a:p>
-        </p:txBody>
-      </p:sp>
-      <p:sp>
-        <p:nvSpPr>
-          <p:cNvPr id="44" name="Abgerundetes Rechteck 43"/>
-          <p:cNvSpPr/>
-          <p:nvPr/>
-        </p:nvSpPr>
-        <p:spPr>
-          <a:xfrm>
-            <a:off x="25146358" y="25078582"/>
-            <a:ext cx="2801301" cy="2542182"/>
-          </a:xfrm>
-          <a:prstGeom prst="roundRect">
-            <a:avLst/>
-          </a:prstGeom>
-        </p:spPr>
-        <p:style>
-          <a:lnRef idx="1">
-            <a:schemeClr val="accent1"/>
-          </a:lnRef>
-          <a:fillRef idx="3">
-            <a:schemeClr val="accent1"/>
-          </a:fillRef>
-          <a:effectRef idx="2">
-            <a:schemeClr val="accent1"/>
-          </a:effectRef>
-          <a:fontRef idx="minor">
-            <a:schemeClr val="lt1"/>
-          </a:fontRef>
-        </p:style>
-        <p:txBody>
-          <a:bodyPr rtlCol="0" anchor="ctr"/>
-          <a:lstStyle/>
-          <a:p>
-            <a:pPr algn="ctr"/>
-            <a:endParaRPr lang="de-DE"/>
-          </a:p>
-        </p:txBody>
-      </p:sp>
-      <p:sp>
-        <p:nvSpPr>
-          <p:cNvPr id="45" name="Abgerundetes Rechteck 44"/>
-          <p:cNvSpPr/>
-          <p:nvPr/>
-        </p:nvSpPr>
-        <p:spPr>
-          <a:xfrm>
-            <a:off x="28201425" y="25078582"/>
-            <a:ext cx="2801301" cy="2542182"/>
-          </a:xfrm>
-          <a:prstGeom prst="roundRect">
-            <a:avLst/>
-          </a:prstGeom>
-        </p:spPr>
-        <p:style>
-          <a:lnRef idx="1">
-            <a:schemeClr val="accent1"/>
-          </a:lnRef>
-          <a:fillRef idx="3">
-            <a:schemeClr val="accent1"/>
-          </a:fillRef>
-          <a:effectRef idx="2">
-            <a:schemeClr val="accent1"/>
-          </a:effectRef>
-          <a:fontRef idx="minor">
-            <a:schemeClr val="lt1"/>
-          </a:fontRef>
-        </p:style>
-        <p:txBody>
-          <a:bodyPr rtlCol="0" anchor="ctr"/>
-          <a:lstStyle/>
-          <a:p>
-            <a:pPr algn="ctr"/>
-            <a:endParaRPr lang="de-DE"/>
-          </a:p>
-        </p:txBody>
-      </p:sp>
       <p:sp>
         <p:nvSpPr>
           <p:cNvPr id="47" name="Rectangle 163"/>
@@ -12700,7 +9192,7 @@
         </p:nvSpPr>
         <p:spPr bwMode="auto">
           <a:xfrm>
-            <a:off x="32178498" y="12022206"/>
+            <a:off x="32178506" y="12722110"/>
             <a:ext cx="9344944" cy="827153"/>
           </a:xfrm>
           <a:prstGeom prst="rect">
@@ -12759,8 +9251,8 @@
         </p:nvSpPr>
         <p:spPr>
           <a:xfrm>
-            <a:off x="32178499" y="12000280"/>
-            <a:ext cx="9344943" cy="6929033"/>
+            <a:off x="32178507" y="12722111"/>
+            <a:ext cx="9344943" cy="8080490"/>
           </a:xfrm>
           <a:prstGeom prst="rect">
             <a:avLst/>
@@ -12807,7 +9299,7 @@
         </p:nvSpPr>
         <p:spPr>
           <a:xfrm>
-            <a:off x="32178498" y="12080888"/>
+            <a:off x="32178506" y="12780792"/>
             <a:ext cx="8959430" cy="636648"/>
           </a:xfrm>
           <a:prstGeom prst="rect">
@@ -12853,8 +9345,8 @@
         </p:nvSpPr>
         <p:spPr>
           <a:xfrm>
-            <a:off x="32178502" y="12881254"/>
-            <a:ext cx="9344942" cy="5786199"/>
+            <a:off x="32178508" y="13549263"/>
+            <a:ext cx="9344942" cy="6924973"/>
           </a:xfrm>
           <a:prstGeom prst="rect">
             <a:avLst/>
@@ -12875,30 +9367,9 @@
               <a:buChar char="•"/>
             </a:pPr>
             <a:r>
-              <a:rPr lang="en-GB" sz="3200" dirty="0"/>
-              <a:t>SEM </a:t>
-            </a:r>
-            <a:r>
               <a:rPr lang="en-GB" sz="3200" dirty="0" smtClean="0"/>
-              <a:t>still used as an alternative to </a:t>
-            </a:r>
-            <a:r>
-              <a:rPr lang="en-GB" sz="3200" dirty="0"/>
-              <a:t>multiple imputation </a:t>
-            </a:r>
-            <a:r>
-              <a:rPr lang="en-GB" sz="3200" dirty="0" smtClean="0"/>
-              <a:t>and bootstrapping</a:t>
-            </a:r>
-            <a:r>
-              <a:rPr lang="en-GB" sz="3200" dirty="0"/>
-              <a:t> </a:t>
-            </a:r>
-            <a:r>
-              <a:rPr lang="en-GB" sz="3200" dirty="0" smtClean="0"/>
-              <a:t>methods</a:t>
-            </a:r>
-            <a:endParaRPr lang="en-GB" sz="3200" dirty="0"/>
+              <a:t>SEM still in discussion as an alternative to multiple imputation and bootstrapping methods </a:t>
+            </a:r>
           </a:p>
           <a:p>
             <a:pPr marL="285750" indent="-285750">
@@ -12923,7 +9394,11 @@
             </a:pPr>
             <a:r>
               <a:rPr lang="en-GB" sz="3200" dirty="0" smtClean="0"/>
-              <a:t>SEM only rarely implemented</a:t>
+              <a:t>Nevertheless, SEM </a:t>
+            </a:r>
+            <a:r>
+              <a:rPr lang="en-GB" sz="3200" dirty="0" smtClean="0"/>
+              <a:t>only rarely implemented</a:t>
             </a:r>
           </a:p>
           <a:p>
@@ -12949,8 +9424,21 @@
             </a:pPr>
             <a:r>
               <a:rPr lang="en-GB" sz="3200" dirty="0" smtClean="0"/>
-              <a:t>SEM mostly used in item response problems</a:t>
-            </a:r>
+              <a:t>SEM </a:t>
+            </a:r>
+            <a:r>
+              <a:rPr lang="en-GB" sz="3200" dirty="0" smtClean="0"/>
+              <a:t>mostly used field of item </a:t>
+            </a:r>
+            <a:r>
+              <a:rPr lang="en-GB" sz="3200" dirty="0" smtClean="0"/>
+              <a:t>response </a:t>
+            </a:r>
+            <a:r>
+              <a:rPr lang="en-GB" sz="3200" dirty="0" smtClean="0"/>
+              <a:t>theory</a:t>
+            </a:r>
+            <a:endParaRPr lang="en-GB" sz="3200" dirty="0" smtClean="0"/>
           </a:p>
           <a:p>
             <a:pPr marL="285750" indent="-285750">
@@ -12962,7 +9450,32 @@
             </a:pPr>
             <a:r>
               <a:rPr lang="en-GB" sz="3200" dirty="0" smtClean="0"/>
-              <a:t>Refinements of SEM, like agile-SEM for item response models</a:t>
+              <a:t>Refinements of SEM, like </a:t>
+            </a:r>
+            <a:r>
+              <a:rPr lang="en-GB" sz="3200" dirty="0" smtClean="0"/>
+              <a:t>agile-SEM for item response problems</a:t>
+            </a:r>
+          </a:p>
+          <a:p>
+            <a:pPr marL="285750" indent="-285750">
+              <a:spcAft>
+                <a:spcPts val="1200"/>
+              </a:spcAft>
+              <a:buFont typeface="Arial" pitchFamily="34" charset="0"/>
+              <a:buChar char="•"/>
+            </a:pPr>
+            <a:r>
+              <a:rPr lang="en-GB" sz="3200" dirty="0" smtClean="0"/>
+              <a:t>Bootstrapping heavily used in many fields, especially when large sample and </a:t>
+            </a:r>
+            <a:r>
+              <a:rPr lang="en-GB" sz="3200" dirty="0" err="1" smtClean="0"/>
+              <a:t>iid</a:t>
+            </a:r>
+            <a:r>
+              <a:rPr lang="en-GB" sz="3200" dirty="0" smtClean="0"/>
+              <a:t>-structure available</a:t>
             </a:r>
             <a:endParaRPr lang="en-GB" sz="3200" dirty="0"/>
           </a:p>
@@ -13018,7 +9531,7 @@
           <p:nvPr/>
         </p:nvPicPr>
         <p:blipFill>
-          <a:blip r:embed="rId9">
+          <a:blip r:embed="rId8">
             <a:extLst>
               <a:ext uri="{28A0092B-C50C-407E-A947-70E740481C1C}">
                 <a14:useLocalDpi xmlns:a14="http://schemas.microsoft.com/office/drawing/2010/main" val="0"/>

--- a/poster/poster_template.pptx
+++ b/poster/poster_template.pptx
@@ -106,7 +106,7 @@
   </p:defaultTextStyle>
   <p:extLst>
     <p:ext uri="{EFAFB233-063F-42B5-8137-9DF3F51BA10A}">
-      <p15:sldGuideLst xmlns:p15="http://schemas.microsoft.com/office/powerpoint/2012/main" xmlns="">
+      <p15:sldGuideLst xmlns="" xmlns:p15="http://schemas.microsoft.com/office/powerpoint/2012/main">
         <p15:guide id="1" orient="horz" pos="9536" userDrawn="1">
           <p15:clr>
             <a:srgbClr val="A4A3A4"/>
@@ -316,7 +316,7 @@
           <a:p>
             <a:fld id="{0B7A2DEA-69B7-D343-870B-04A176525892}" type="datetimeFigureOut">
               <a:rPr lang="de-DE" smtClean="0"/>
-              <a:t>30.01.2018</a:t>
+              <a:t>31.01.2018</a:t>
             </a:fld>
             <a:endParaRPr lang="en-US"/>
           </a:p>
@@ -486,7 +486,7 @@
           <a:p>
             <a:fld id="{0B7A2DEA-69B7-D343-870B-04A176525892}" type="datetimeFigureOut">
               <a:rPr lang="de-DE" smtClean="0"/>
-              <a:t>30.01.2018</a:t>
+              <a:t>31.01.2018</a:t>
             </a:fld>
             <a:endParaRPr lang="en-US"/>
           </a:p>
@@ -666,7 +666,7 @@
           <a:p>
             <a:fld id="{0B7A2DEA-69B7-D343-870B-04A176525892}" type="datetimeFigureOut">
               <a:rPr lang="de-DE" smtClean="0"/>
-              <a:t>30.01.2018</a:t>
+              <a:t>31.01.2018</a:t>
             </a:fld>
             <a:endParaRPr lang="en-US"/>
           </a:p>
@@ -836,7 +836,7 @@
           <a:p>
             <a:fld id="{0B7A2DEA-69B7-D343-870B-04A176525892}" type="datetimeFigureOut">
               <a:rPr lang="de-DE" smtClean="0"/>
-              <a:t>30.01.2018</a:t>
+              <a:t>31.01.2018</a:t>
             </a:fld>
             <a:endParaRPr lang="en-US"/>
           </a:p>
@@ -1082,7 +1082,7 @@
           <a:p>
             <a:fld id="{0B7A2DEA-69B7-D343-870B-04A176525892}" type="datetimeFigureOut">
               <a:rPr lang="de-DE" smtClean="0"/>
-              <a:t>30.01.2018</a:t>
+              <a:t>31.01.2018</a:t>
             </a:fld>
             <a:endParaRPr lang="en-US"/>
           </a:p>
@@ -1370,7 +1370,7 @@
           <a:p>
             <a:fld id="{0B7A2DEA-69B7-D343-870B-04A176525892}" type="datetimeFigureOut">
               <a:rPr lang="de-DE" smtClean="0"/>
-              <a:t>30.01.2018</a:t>
+              <a:t>31.01.2018</a:t>
             </a:fld>
             <a:endParaRPr lang="en-US"/>
           </a:p>
@@ -1797,7 +1797,7 @@
           <a:p>
             <a:fld id="{0B7A2DEA-69B7-D343-870B-04A176525892}" type="datetimeFigureOut">
               <a:rPr lang="de-DE" smtClean="0"/>
-              <a:t>30.01.2018</a:t>
+              <a:t>31.01.2018</a:t>
             </a:fld>
             <a:endParaRPr lang="en-US"/>
           </a:p>
@@ -1915,7 +1915,7 @@
           <a:p>
             <a:fld id="{0B7A2DEA-69B7-D343-870B-04A176525892}" type="datetimeFigureOut">
               <a:rPr lang="de-DE" smtClean="0"/>
-              <a:t>30.01.2018</a:t>
+              <a:t>31.01.2018</a:t>
             </a:fld>
             <a:endParaRPr lang="en-US"/>
           </a:p>
@@ -2010,7 +2010,7 @@
           <a:p>
             <a:fld id="{0B7A2DEA-69B7-D343-870B-04A176525892}" type="datetimeFigureOut">
               <a:rPr lang="de-DE" smtClean="0"/>
-              <a:t>30.01.2018</a:t>
+              <a:t>31.01.2018</a:t>
             </a:fld>
             <a:endParaRPr lang="en-US"/>
           </a:p>
@@ -2287,7 +2287,7 @@
           <a:p>
             <a:fld id="{0B7A2DEA-69B7-D343-870B-04A176525892}" type="datetimeFigureOut">
               <a:rPr lang="de-DE" smtClean="0"/>
-              <a:t>30.01.2018</a:t>
+              <a:t>31.01.2018</a:t>
             </a:fld>
             <a:endParaRPr lang="en-US"/>
           </a:p>
@@ -2540,7 +2540,7 @@
           <a:p>
             <a:fld id="{0B7A2DEA-69B7-D343-870B-04A176525892}" type="datetimeFigureOut">
               <a:rPr lang="de-DE" smtClean="0"/>
-              <a:t>30.01.2018</a:t>
+              <a:t>31.01.2018</a:t>
             </a:fld>
             <a:endParaRPr lang="en-US"/>
           </a:p>
@@ -2753,7 +2753,7 @@
           <a:p>
             <a:fld id="{0B7A2DEA-69B7-D343-870B-04A176525892}" type="datetimeFigureOut">
               <a:rPr lang="de-DE" smtClean="0"/>
-              <a:t>30.01.2018</a:t>
+              <a:t>31.01.2018</a:t>
             </a:fld>
             <a:endParaRPr lang="en-US"/>
           </a:p>
@@ -3136,6 +3136,36 @@
           <a:chExt cx="0" cy="0"/>
         </a:xfrm>
       </p:grpSpPr>
+      <p:pic>
+        <p:nvPicPr>
+          <p:cNvPr id="12" name="Grafik 11"/>
+          <p:cNvPicPr>
+            <a:picLocks noChangeAspect="1"/>
+          </p:cNvPicPr>
+          <p:nvPr/>
+        </p:nvPicPr>
+        <p:blipFill>
+          <a:blip r:embed="rId2">
+            <a:extLst>
+              <a:ext uri="{28A0092B-C50C-407E-A947-70E740481C1C}">
+                <a14:useLocalDpi xmlns:a14="http://schemas.microsoft.com/office/drawing/2010/main" val="0"/>
+              </a:ext>
+            </a:extLst>
+          </a:blip>
+          <a:stretch>
+            <a:fillRect/>
+          </a:stretch>
+        </p:blipFill>
+        <p:spPr>
+          <a:xfrm>
+            <a:off x="22291076" y="22098888"/>
+            <a:ext cx="8959284" cy="5599553"/>
+          </a:xfrm>
+          <a:prstGeom prst="rect">
+            <a:avLst/>
+          </a:prstGeom>
+        </p:spPr>
+      </p:pic>
       <p:sp>
         <p:nvSpPr>
           <p:cNvPr id="53" name="Rectangle 163"/>
@@ -3146,7 +3176,7 @@
         </p:nvSpPr>
         <p:spPr bwMode="auto">
           <a:xfrm>
-            <a:off x="21893770" y="13883820"/>
+            <a:off x="21841950" y="12780792"/>
             <a:ext cx="9344944" cy="845475"/>
           </a:xfrm>
           <a:prstGeom prst="rect">
@@ -3232,11 +3262,7 @@
             </a:r>
             <a:r>
               <a:rPr lang="en-GB" sz="3200" dirty="0" smtClean="0"/>
-              <a:t>maximum likelihood </a:t>
-            </a:r>
-            <a:r>
-              <a:rPr lang="en-GB" sz="3200" dirty="0" smtClean="0"/>
-              <a:t>estimates </a:t>
+              <a:t>maximum likelihood estimates </a:t>
             </a:r>
             <a:r>
               <a:rPr lang="en-GB" sz="3200" dirty="0"/>
@@ -4356,13 +4382,25 @@
                             </m:ctrlPr>
                           </m:sSubSupPr>
                           <m:e>
-                            <m:r>
-                              <a:rPr lang="el-GR" sz="3200" i="1" dirty="0">
-                                <a:latin typeface="Cambria Math"/>
-                                <a:ea typeface="Cambria Math"/>
-                              </a:rPr>
-                              <m:t>𝜃</m:t>
-                            </m:r>
+                            <m:acc>
+                              <m:accPr>
+                                <m:chr m:val="̃"/>
+                                <m:ctrlPr>
+                                  <a:rPr lang="de-DE" sz="3200" b="0" i="1" smtClean="0">
+                                    <a:latin typeface="Cambria Math"/>
+                                  </a:rPr>
+                                </m:ctrlPr>
+                              </m:accPr>
+                              <m:e>
+                                <m:r>
+                                  <a:rPr lang="el-GR" sz="3200" i="1" dirty="0">
+                                    <a:latin typeface="Cambria Math"/>
+                                    <a:ea typeface="Cambria Math"/>
+                                  </a:rPr>
+                                  <m:t>𝜃</m:t>
+                                </m:r>
+                              </m:e>
+                            </m:acc>
                           </m:e>
                           <m:sub>
                             <m:r>
@@ -5278,7 +5316,7 @@
                 <a:avLst/>
               </a:prstGeom>
               <a:blipFill rotWithShape="1">
-                <a:blip r:embed="rId2"/>
+                <a:blip r:embed="rId3"/>
                 <a:stretch>
                   <a:fillRect l="-1500" t="-373" r="-2414"/>
                 </a:stretch>
@@ -5680,23 +5718,6 @@
               <a:buFont typeface="Arial" pitchFamily="34" charset="0"/>
               <a:buChar char="•"/>
             </a:pPr>
-            <a:r>
-              <a:rPr lang="en-GB" sz="3200" dirty="0" smtClean="0">
-                <a:solidFill>
-                  <a:schemeClr val="tx1"/>
-                </a:solidFill>
-              </a:rPr>
-              <a:t>FILL IN: EM convergence of parameters:</a:t>
-            </a:r>
-          </a:p>
-          <a:p>
-            <a:pPr marL="457200" indent="-457200">
-              <a:spcAft>
-                <a:spcPts val="1200"/>
-              </a:spcAft>
-              <a:buFont typeface="Arial" pitchFamily="34" charset="0"/>
-              <a:buChar char="•"/>
-            </a:pPr>
             <a:endParaRPr lang="en-GB" sz="3200" dirty="0"/>
           </a:p>
           <a:p>
@@ -5780,28 +5801,6 @@
               <a:buChar char="•"/>
             </a:pPr>
             <a:endParaRPr lang="en-GB" sz="3200" dirty="0" smtClean="0">
-              <a:solidFill>
-                <a:schemeClr val="tx1"/>
-              </a:solidFill>
-            </a:endParaRPr>
-          </a:p>
-          <a:p>
-            <a:pPr marL="457200" indent="-457200">
-              <a:spcAft>
-                <a:spcPts val="1200"/>
-              </a:spcAft>
-              <a:buFont typeface="Arial" pitchFamily="34" charset="0"/>
-              <a:buChar char="•"/>
-            </a:pPr>
-            <a:r>
-              <a:rPr lang="de-DE" sz="3200" dirty="0" smtClean="0"/>
-              <a:t>FILL IN: Bootstrap </a:t>
-            </a:r>
-            <a:r>
-              <a:rPr lang="de-DE" sz="3200" dirty="0" err="1" smtClean="0"/>
-              <a:t>VCOVplot</a:t>
-            </a:r>
-            <a:endParaRPr lang="en-GB" sz="3200" dirty="0">
               <a:solidFill>
                 <a:schemeClr val="tx1"/>
               </a:solidFill>
@@ -5912,7 +5911,7 @@
           <p:nvPr/>
         </p:nvPicPr>
         <p:blipFill>
-          <a:blip r:embed="rId3">
+          <a:blip r:embed="rId4">
             <a:extLst>
               <a:ext uri="{28A0092B-C50C-407E-A947-70E740481C1C}">
                 <a14:useLocalDpi xmlns:a14="http://schemas.microsoft.com/office/drawing/2010/main" val="0"/>
@@ -5942,7 +5941,7 @@
           <p:nvPr/>
         </p:nvPicPr>
         <p:blipFill>
-          <a:blip r:embed="rId4">
+          <a:blip r:embed="rId5">
             <a:extLst>
               <a:ext uri="{28A0092B-C50C-407E-A947-70E740481C1C}">
                 <a14:useLocalDpi xmlns:a14="http://schemas.microsoft.com/office/drawing/2010/main" val="0"/>
@@ -6188,7 +6187,7 @@
         <p:spPr>
           <a:xfrm>
             <a:off x="21849226" y="5815536"/>
-            <a:ext cx="9344945" cy="7386114"/>
+            <a:ext cx="9344945" cy="6214540"/>
           </a:xfrm>
           <a:prstGeom prst="rect">
             <a:avLst/>
@@ -6237,7 +6236,7 @@
         </p:nvSpPr>
         <p:spPr bwMode="auto">
           <a:xfrm>
-            <a:off x="32178508" y="21531141"/>
+            <a:off x="32178529" y="21849465"/>
             <a:ext cx="9344944" cy="848980"/>
           </a:xfrm>
           <a:prstGeom prst="rect">
@@ -6296,8 +6295,8 @@
         </p:nvSpPr>
         <p:spPr>
           <a:xfrm>
-            <a:off x="32178527" y="21489030"/>
-            <a:ext cx="9344944" cy="6819270"/>
+            <a:off x="32178548" y="21807354"/>
+            <a:ext cx="9344944" cy="6500947"/>
           </a:xfrm>
           <a:prstGeom prst="rect">
             <a:avLst/>
@@ -6390,7 +6389,7 @@
         </p:nvSpPr>
         <p:spPr>
           <a:xfrm>
-            <a:off x="32178528" y="21588801"/>
+            <a:off x="32178549" y="21907125"/>
             <a:ext cx="9344934" cy="636649"/>
           </a:xfrm>
           <a:prstGeom prst="rect">
@@ -6428,8 +6427,8 @@
           </a:p>
         </p:txBody>
       </p:sp>
-      <mc:AlternateContent xmlns:mc="http://schemas.openxmlformats.org/markup-compatibility/2006">
-        <mc:Choice xmlns:a14="http://schemas.microsoft.com/office/drawing/2010/main" Requires="a14">
+      <mc:AlternateContent xmlns:mc="http://schemas.openxmlformats.org/markup-compatibility/2006" xmlns:a14="http://schemas.microsoft.com/office/drawing/2010/main">
+        <mc:Choice Requires="a14">
           <p:sp>
             <p:nvSpPr>
               <p:cNvPr id="91" name="Textfeld 90"/>
@@ -6461,15 +6460,7 @@
                 </a:pPr>
                 <a:r>
                   <a:rPr lang="en-GB" sz="3200" dirty="0" smtClean="0"/>
-                  <a:t>In latent variable problems, </a:t>
-                </a:r>
-                <a:r>
-                  <a:rPr lang="en-GB" sz="3200" dirty="0" smtClean="0"/>
-                  <a:t>especially in </a:t>
-                </a:r>
-                <a:r>
-                  <a:rPr lang="en-GB" sz="3200" dirty="0" smtClean="0"/>
-                  <a:t>incomplete data problems, maximum likelihood estimation is analytically not possible</a:t>
+                  <a:t>In latent variable problems, especially in incomplete data problems, maximum likelihood estimation is analytically not possible</a:t>
                 </a:r>
               </a:p>
               <a:p>
@@ -6486,11 +6477,7 @@
                 </a:r>
                 <a:r>
                   <a:rPr lang="en-GB" sz="3200" dirty="0" smtClean="0"/>
-                  <a:t>enables </a:t>
-                </a:r>
-                <a:r>
-                  <a:rPr lang="en-GB" sz="3200" dirty="0" smtClean="0"/>
-                  <a:t>convergence </a:t>
+                  <a:t>enables convergence </a:t>
                 </a:r>
                 <a:r>
                   <a:rPr lang="en-GB" sz="3200" dirty="0"/>
@@ -7527,7 +7514,7 @@
             </p:txBody>
           </p:sp>
         </mc:Choice>
-        <mc:Fallback>
+        <mc:Fallback xmlns="">
           <p:sp>
             <p:nvSpPr>
               <p:cNvPr id="91" name="Textfeld 90"/>
@@ -7545,7 +7532,7 @@
                 <a:avLst/>
               </a:prstGeom>
               <a:blipFill rotWithShape="1">
-                <a:blip r:embed="rId5"/>
+                <a:blip r:embed="rId6"/>
                 <a:stretch>
                   <a:fillRect l="-1500" t="-647" b="-746"/>
                 </a:stretch>
@@ -7622,8 +7609,8 @@
         </p:nvSpPr>
         <p:spPr>
           <a:xfrm>
-            <a:off x="32178495" y="5828214"/>
-            <a:ext cx="9344943" cy="6201862"/>
+            <a:off x="32178495" y="5828213"/>
+            <a:ext cx="9344943" cy="6712129"/>
           </a:xfrm>
           <a:prstGeom prst="rect">
             <a:avLst/>
@@ -7670,8 +7657,8 @@
         </p:nvSpPr>
         <p:spPr>
           <a:xfrm>
-            <a:off x="21900445" y="13852978"/>
-            <a:ext cx="9344943" cy="14455322"/>
+            <a:off x="21848625" y="12749950"/>
+            <a:ext cx="9344943" cy="15558350"/>
           </a:xfrm>
           <a:prstGeom prst="rect">
             <a:avLst/>
@@ -7774,7 +7761,7 @@
         </p:nvSpPr>
         <p:spPr>
           <a:xfrm>
-            <a:off x="21945587" y="13914240"/>
+            <a:off x="21893767" y="12811212"/>
             <a:ext cx="6281745" cy="636648"/>
           </a:xfrm>
           <a:prstGeom prst="rect">
@@ -7879,7 +7866,7 @@
             <p:spPr>
               <a:xfrm>
                 <a:off x="32178498" y="6709187"/>
-                <a:ext cx="9344942" cy="4985980"/>
+                <a:ext cx="9344942" cy="5653086"/>
               </a:xfrm>
               <a:prstGeom prst="rect">
                 <a:avLst/>
@@ -7901,24 +7888,17 @@
                 </a:pPr>
                 <a:r>
                   <a:rPr lang="en-GB" sz="3200" dirty="0" smtClean="0"/>
-                  <a:t>EM works well </a:t>
+                  <a:t>EM works well in our multi-parameter problem </a:t>
                 </a:r>
                 <a:r>
                   <a:rPr lang="en-GB" sz="3200" dirty="0" smtClean="0"/>
-                  <a:t>in </a:t>
+                  <a:t>and algorithm converges </a:t>
                 </a:r>
                 <a:r>
                   <a:rPr lang="en-GB" sz="3200" dirty="0" smtClean="0"/>
-                  <a:t>our multi-parameter </a:t>
-                </a:r>
-                <a:r>
-                  <a:rPr lang="en-GB" sz="3200" dirty="0" smtClean="0"/>
-                  <a:t>problems </a:t>
-                </a:r>
-                <a:r>
-                  <a:rPr lang="en-GB" sz="3200" dirty="0" smtClean="0"/>
-                  <a:t>and algorithm converges fast. </a:t>
-                </a:r>
+                  <a:t>fast</a:t>
+                </a:r>
+                <a:endParaRPr lang="en-GB" sz="3200" dirty="0" smtClean="0"/>
               </a:p>
               <a:p>
                 <a:pPr marL="285750" indent="-285750">
@@ -7938,8 +7918,13 @@
                 </a:r>
                 <a:r>
                   <a:rPr lang="en-GB" sz="3200" dirty="0" smtClean="0"/>
-                  <a:t> implementation depends on type of data</a:t>
-                </a:r>
+                  <a:t> implementation depends on type of </a:t>
+                </a:r>
+                <a:r>
+                  <a:rPr lang="en-GB" sz="3200" dirty="0" smtClean="0"/>
+                  <a:t>model</a:t>
+                </a:r>
+                <a:endParaRPr lang="en-GB" sz="3200" dirty="0" smtClean="0"/>
               </a:p>
               <a:p>
                 <a:pPr marL="285750" indent="-285750">
@@ -7955,11 +7940,11 @@
                 </a:r>
                 <a:r>
                   <a:rPr lang="en-GB" sz="3200" dirty="0" smtClean="0"/>
-                  <a:t>contrast, an asymptotic </a:t>
+                  <a:t>contrast </a:t>
                 </a:r>
                 <a:r>
                   <a:rPr lang="en-GB" sz="3200" dirty="0" smtClean="0"/>
-                  <a:t>variance-covariance matrix can relatively easily be obtained from bootstrapping method</a:t>
+                  <a:t>an asymptotic variance-covariance matrix can relatively easily be obtained from bootstrapping method</a:t>
                 </a:r>
               </a:p>
               <a:p>
@@ -7994,32 +7979,13 @@
                       </a:rPr>
                       <m:t>(</m:t>
                     </m:r>
-                    <m:sSub>
-                      <m:sSubPr>
-                        <m:ctrlPr>
-                          <a:rPr lang="de-DE" sz="3200" i="1">
-                            <a:latin typeface="Cambria Math"/>
-                          </a:rPr>
-                        </m:ctrlPr>
-                      </m:sSubPr>
-                      <m:e>
-                        <m:r>
-                          <a:rPr lang="de-DE" sz="3200" i="1">
-                            <a:latin typeface="Cambria Math"/>
-                            <a:ea typeface="Cambria Math"/>
-                          </a:rPr>
-                          <m:t>𝜃</m:t>
-                        </m:r>
-                      </m:e>
-                      <m:sub>
-                        <m:r>
-                          <a:rPr lang="de-DE" sz="3200" i="1">
-                            <a:latin typeface="Cambria Math"/>
-                          </a:rPr>
-                          <m:t>2</m:t>
-                        </m:r>
-                      </m:sub>
-                    </m:sSub>
+                    <m:r>
+                      <a:rPr lang="de-DE" sz="3200" i="1">
+                        <a:latin typeface="Cambria Math"/>
+                        <a:ea typeface="Cambria Math"/>
+                      </a:rPr>
+                      <m:t>𝜃</m:t>
+                    </m:r>
                     <m:r>
                       <a:rPr lang="de-DE" sz="3200" i="1">
                         <a:latin typeface="Cambria Math"/>
@@ -8033,19 +7999,20 @@
                       <m:t>𝑉</m:t>
                     </m:r>
                     <m:r>
-                      <a:rPr lang="de-DE" sz="3200" i="1">
+                      <a:rPr lang="de-DE" sz="3200" b="0" i="1" smtClean="0">
                         <a:latin typeface="Cambria Math"/>
                       </a:rPr>
                       <m:t>(</m:t>
                     </m:r>
-                    <m:sSub>
-                      <m:sSubPr>
+                    <m:acc>
+                      <m:accPr>
+                        <m:chr m:val="̂"/>
                         <m:ctrlPr>
-                          <a:rPr lang="de-DE" sz="3200" i="1">
+                          <a:rPr lang="de-DE" sz="3200" b="0" i="1" smtClean="0">
                             <a:latin typeface="Cambria Math"/>
                           </a:rPr>
                         </m:ctrlPr>
-                      </m:sSubPr>
+                      </m:accPr>
                       <m:e>
                         <m:r>
                           <a:rPr lang="de-DE" sz="3200" i="1">
@@ -8055,15 +8022,7 @@
                           <m:t>𝜃</m:t>
                         </m:r>
                       </m:e>
-                      <m:sub>
-                        <m:r>
-                          <a:rPr lang="de-DE" sz="3200" i="1">
-                            <a:latin typeface="Cambria Math"/>
-                          </a:rPr>
-                          <m:t>2</m:t>
-                        </m:r>
-                      </m:sub>
-                    </m:sSub>
+                    </m:acc>
                     <m:r>
                       <a:rPr lang="de-DE" sz="3200" i="1">
                         <a:latin typeface="Cambria Math"/>
@@ -8075,6 +8034,20 @@
                 <a:r>
                   <a:rPr lang="en-GB" sz="3200" dirty="0"/>
                   <a:t> </a:t>
+                </a:r>
+                <a:endParaRPr lang="en-GB" sz="3200" dirty="0" smtClean="0"/>
+              </a:p>
+              <a:p>
+                <a:pPr marL="285750" indent="-285750">
+                  <a:spcAft>
+                    <a:spcPts val="1200"/>
+                  </a:spcAft>
+                  <a:buFont typeface="Arial" pitchFamily="34" charset="0"/>
+                  <a:buChar char="•"/>
+                </a:pPr>
+                <a:r>
+                  <a:rPr lang="en-GB" sz="3200" dirty="0" smtClean="0"/>
+                  <a:t>Bootstrapping computationally more costly than SEM</a:t>
                 </a:r>
                 <a:endParaRPr lang="en-GB" sz="3200" dirty="0" smtClean="0"/>
               </a:p>
@@ -8093,15 +8066,15 @@
             <p:spPr>
               <a:xfrm>
                 <a:off x="32178498" y="6709187"/>
-                <a:ext cx="9344942" cy="4985980"/>
+                <a:ext cx="9344942" cy="5653086"/>
               </a:xfrm>
               <a:prstGeom prst="rect">
                 <a:avLst/>
               </a:prstGeom>
               <a:blipFill rotWithShape="1">
-                <a:blip r:embed="rId6"/>
+                <a:blip r:embed="rId7"/>
                 <a:stretch>
-                  <a:fillRect l="-1500" t="-1591" r="-1892" b="-3305"/>
+                  <a:fillRect l="-1500" t="-1402" r="-848" b="-2697"/>
                 </a:stretch>
               </a:blipFill>
             </p:spPr>
@@ -8128,8 +8101,8 @@
         </p:nvSpPr>
         <p:spPr>
           <a:xfrm>
-            <a:off x="32178529" y="22380121"/>
-            <a:ext cx="9344942" cy="5493812"/>
+            <a:off x="32178550" y="22698445"/>
+            <a:ext cx="9344942" cy="5293757"/>
           </a:xfrm>
           <a:prstGeom prst="rect">
             <a:avLst/>
@@ -8144,118 +8117,118 @@
           <a:p>
             <a:pPr marL="314325" indent="-314325"/>
             <a:r>
-              <a:rPr lang="en-US" sz="2700" dirty="0" err="1" smtClean="0"/>
+              <a:rPr lang="en-US" sz="2600" dirty="0" err="1" smtClean="0"/>
               <a:t>Dempster</a:t>
             </a:r>
             <a:r>
-              <a:rPr lang="en-US" sz="2700" dirty="0"/>
+              <a:rPr lang="en-US" sz="2600" dirty="0"/>
               <a:t>, A. P., Laird, N. M., &amp; Rubin, D. B. (1977). Maximum likelihood from incomplete data via the EM algorithm. </a:t>
             </a:r>
             <a:r>
-              <a:rPr lang="en-US" sz="2700" i="1" dirty="0"/>
+              <a:rPr lang="en-US" sz="2600" i="1" dirty="0"/>
               <a:t>Journal of the royal statistical society. Series B (methodological)</a:t>
             </a:r>
             <a:r>
-              <a:rPr lang="en-US" sz="2700" dirty="0"/>
+              <a:rPr lang="en-US" sz="2600" dirty="0"/>
               <a:t>, 1-38</a:t>
             </a:r>
             <a:r>
-              <a:rPr lang="en-US" sz="2700" dirty="0" smtClean="0"/>
+              <a:rPr lang="en-US" sz="2600" dirty="0" smtClean="0"/>
               <a:t>. </a:t>
             </a:r>
           </a:p>
           <a:p>
             <a:pPr marL="314325" indent="-314325"/>
             <a:r>
-              <a:rPr lang="en-US" sz="2700" dirty="0" smtClean="0"/>
+              <a:rPr lang="en-US" sz="2600" dirty="0" smtClean="0"/>
               <a:t>McLachlan</a:t>
             </a:r>
             <a:r>
-              <a:rPr lang="en-US" sz="2700" dirty="0"/>
+              <a:rPr lang="en-US" sz="2600" dirty="0"/>
               <a:t>, G., &amp; Krishnan, T. (2007). </a:t>
             </a:r>
             <a:r>
-              <a:rPr lang="en-US" sz="2700" i="1" dirty="0"/>
+              <a:rPr lang="en-US" sz="2600" i="1" dirty="0"/>
               <a:t>The EM algorithm and extensions</a:t>
             </a:r>
             <a:r>
-              <a:rPr lang="en-US" sz="2700" dirty="0"/>
+              <a:rPr lang="en-US" sz="2600" dirty="0"/>
               <a:t> (Vol. 382). John Wiley &amp; Sons</a:t>
             </a:r>
             <a:r>
-              <a:rPr lang="en-US" sz="2700" dirty="0" smtClean="0"/>
+              <a:rPr lang="en-US" sz="2600" dirty="0" smtClean="0"/>
               <a:t>.</a:t>
             </a:r>
           </a:p>
           <a:p>
             <a:pPr marL="314325" indent="-314325"/>
             <a:r>
-              <a:rPr lang="en-US" sz="2700" dirty="0" err="1"/>
+              <a:rPr lang="en-US" sz="2600" dirty="0" err="1"/>
               <a:t>Meng</a:t>
             </a:r>
             <a:r>
-              <a:rPr lang="en-US" sz="2700" dirty="0"/>
+              <a:rPr lang="en-US" sz="2600" dirty="0"/>
               <a:t>, X. L., &amp; Rubin, D. B. (1991). Using EM to obtain asymptotic variance-covariance matrices: The SEM algorithm. </a:t>
             </a:r>
             <a:r>
-              <a:rPr lang="en-US" sz="2700" i="1" dirty="0"/>
+              <a:rPr lang="en-US" sz="2600" i="1" dirty="0"/>
               <a:t>Journal of the American Statistical Association</a:t>
             </a:r>
             <a:r>
-              <a:rPr lang="en-US" sz="2700" dirty="0"/>
+              <a:rPr lang="en-US" sz="2600" dirty="0"/>
               <a:t>, </a:t>
             </a:r>
             <a:r>
-              <a:rPr lang="en-US" sz="2700" i="1" dirty="0"/>
+              <a:rPr lang="en-US" sz="2600" i="1" dirty="0"/>
               <a:t>86</a:t>
             </a:r>
             <a:r>
-              <a:rPr lang="en-US" sz="2700" dirty="0"/>
+              <a:rPr lang="en-US" sz="2600" dirty="0"/>
               <a:t>(416), 899-909.</a:t>
             </a:r>
           </a:p>
           <a:p>
             <a:pPr marL="314325" indent="-314325"/>
             <a:r>
-              <a:rPr lang="en-US" sz="2700" dirty="0" smtClean="0"/>
+              <a:rPr lang="en-US" sz="2600" dirty="0" smtClean="0"/>
               <a:t>Little</a:t>
             </a:r>
             <a:r>
-              <a:rPr lang="en-US" sz="2700" dirty="0"/>
+              <a:rPr lang="en-US" sz="2600" dirty="0"/>
               <a:t>, R. J., &amp; Rubin, D. B. (2014). </a:t>
             </a:r>
             <a:r>
-              <a:rPr lang="en-US" sz="2700" i="1" dirty="0"/>
+              <a:rPr lang="en-US" sz="2600" i="1" dirty="0"/>
               <a:t>Statistical analysis with missing data</a:t>
             </a:r>
             <a:r>
-              <a:rPr lang="en-US" sz="2700" dirty="0"/>
+              <a:rPr lang="en-US" sz="2600" dirty="0"/>
               <a:t> (Vol. 333). John Wiley &amp; Sons.</a:t>
             </a:r>
           </a:p>
           <a:p>
             <a:pPr marL="314325" indent="-314325"/>
             <a:r>
-              <a:rPr lang="en-US" sz="2700" dirty="0" err="1" smtClean="0"/>
+              <a:rPr lang="en-US" sz="2600" dirty="0" err="1" smtClean="0"/>
               <a:t>Pritikin</a:t>
             </a:r>
             <a:r>
-              <a:rPr lang="en-US" sz="2700" dirty="0"/>
+              <a:rPr lang="en-US" sz="2600" dirty="0"/>
               <a:t>, J. N. (2016). A computational note on the application of the Supplemented EM algorithm to item response models. </a:t>
             </a:r>
             <a:r>
-              <a:rPr lang="en-US" sz="2700" dirty="0" err="1"/>
+              <a:rPr lang="en-US" sz="2600" dirty="0" err="1"/>
               <a:t>arXiv</a:t>
             </a:r>
             <a:r>
-              <a:rPr lang="en-US" sz="2700" dirty="0"/>
+              <a:rPr lang="en-US" sz="2600" dirty="0"/>
               <a:t> preprint arXiv:1605.00860</a:t>
             </a:r>
             <a:r>
-              <a:rPr lang="en-US" sz="2700" dirty="0" smtClean="0"/>
+              <a:rPr lang="en-US" sz="2600" dirty="0" smtClean="0"/>
               <a:t>.</a:t>
             </a:r>
-            <a:endParaRPr lang="en-US" sz="2700" dirty="0"/>
+            <a:endParaRPr lang="en-US" sz="2600" dirty="0"/>
           </a:p>
         </p:txBody>
       </p:sp>
@@ -8270,7 +8243,7 @@
             <p:spPr>
               <a:xfrm>
                 <a:off x="21861189" y="6718175"/>
-                <a:ext cx="9306473" cy="6234720"/>
+                <a:ext cx="9306473" cy="5588389"/>
               </a:xfrm>
               <a:prstGeom prst="rect">
                 <a:avLst/>
@@ -8496,14 +8469,7 @@
                                       <a:latin typeface="Cambria Math"/>
                                       <a:ea typeface="Cambria Math" charset="0"/>
                                     </a:rPr>
-                                    <m:t>3</m:t>
-                                  </m:r>
-                                  <m:r>
-                                    <a:rPr lang="de-DE" sz="3200" b="0" i="1" smtClean="0">
-                                      <a:latin typeface="Cambria Math"/>
-                                      <a:ea typeface="Cambria Math" charset="0"/>
-                                    </a:rPr>
-                                    <m:t> </m:t>
+                                    <m:t>3 </m:t>
                                   </m:r>
                                 </m:den>
                               </m:f>
@@ -8595,6 +8561,36 @@
                     </m:r>
                   </m:oMath>
                 </a14:m>
+                <a:r>
+                  <a:rPr lang="de-DE" sz="3200" dirty="0" smtClean="0"/>
+                  <a:t>, </a:t>
+                </a:r>
+                <a:r>
+                  <a:rPr lang="de-DE" sz="3200" dirty="0" err="1" smtClean="0"/>
+                  <a:t>fraction</a:t>
+                </a:r>
+                <a:r>
+                  <a:rPr lang="de-DE" sz="3200" dirty="0" smtClean="0"/>
+                  <a:t> </a:t>
+                </a:r>
+                <a14:m>
+                  <m:oMath xmlns:m="http://schemas.openxmlformats.org/officeDocument/2006/math">
+                    <m:r>
+                      <a:rPr lang="de-DE" sz="3200" i="1" smtClean="0">
+                        <a:latin typeface="Cambria Math"/>
+                        <a:ea typeface="Cambria Math"/>
+                      </a:rPr>
+                      <m:t>𝜏</m:t>
+                    </m:r>
+                    <m:r>
+                      <a:rPr lang="de-DE" sz="3200" b="0" i="1" smtClean="0">
+                        <a:latin typeface="Cambria Math"/>
+                        <a:ea typeface="Cambria Math"/>
+                      </a:rPr>
+                      <m:t>=0.4</m:t>
+                    </m:r>
+                  </m:oMath>
+                </a14:m>
                 <a:endParaRPr lang="de-DE" sz="3200" dirty="0" smtClean="0"/>
               </a:p>
               <a:p>
@@ -8630,7 +8626,7 @@
                     <m:d>
                       <m:dPr>
                         <m:ctrlPr>
-                          <a:rPr lang="en-US" sz="3200" b="0" i="1" smtClean="0">
+                          <a:rPr lang="de-DE" sz="3200" i="1" smtClean="0">
                             <a:latin typeface="Cambria Math"/>
                             <a:ea typeface="Cambria Math"/>
                           </a:rPr>
@@ -8640,7 +8636,7 @@
                         <m:sSub>
                           <m:sSubPr>
                             <m:ctrlPr>
-                              <a:rPr lang="en-US" sz="3200" b="0" i="1" smtClean="0">
+                              <a:rPr lang="de-DE" sz="3200" i="1">
                                 <a:latin typeface="Cambria Math"/>
                                 <a:ea typeface="Cambria Math"/>
                               </a:rPr>
@@ -8648,16 +8644,16 @@
                           </m:sSubPr>
                           <m:e>
                             <m:r>
-                              <a:rPr lang="en-US" sz="3200" b="0" i="1" smtClean="0">
+                              <a:rPr lang="de-DE" sz="3200" i="1">
                                 <a:latin typeface="Cambria Math"/>
                                 <a:ea typeface="Cambria Math"/>
                               </a:rPr>
-                              <m:t>𝜃</m:t>
+                              <m:t>𝜇</m:t>
                             </m:r>
                           </m:e>
                           <m:sub>
                             <m:r>
-                              <a:rPr lang="en-US" sz="3200" b="0" i="1" smtClean="0">
+                              <a:rPr lang="de-DE" sz="3200" i="1">
                                 <a:latin typeface="Cambria Math"/>
                                 <a:ea typeface="Cambria Math"/>
                               </a:rPr>
@@ -8666,7 +8662,51 @@
                           </m:sub>
                         </m:sSub>
                         <m:r>
-                          <a:rPr lang="en-US" sz="3200" b="0" i="1" smtClean="0">
+                          <a:rPr lang="de-DE" sz="3200" i="1">
+                            <a:latin typeface="Cambria Math"/>
+                            <a:ea typeface="Cambria Math"/>
+                          </a:rPr>
+                          <m:t>,</m:t>
+                        </m:r>
+                        <m:sSubSup>
+                          <m:sSubSupPr>
+                            <m:ctrlPr>
+                              <a:rPr lang="de-DE" sz="3200" i="1">
+                                <a:latin typeface="Cambria Math"/>
+                                <a:ea typeface="Cambria Math"/>
+                              </a:rPr>
+                            </m:ctrlPr>
+                          </m:sSubSupPr>
+                          <m:e>
+                            <m:r>
+                              <a:rPr lang="de-DE" sz="3200" i="1">
+                                <a:latin typeface="Cambria Math"/>
+                                <a:ea typeface="Cambria Math"/>
+                              </a:rPr>
+                              <m:t>𝜎</m:t>
+                            </m:r>
+                          </m:e>
+                          <m:sub>
+                            <m:r>
+                              <a:rPr lang="de-DE" sz="3200" i="1">
+                                <a:latin typeface="Cambria Math"/>
+                                <a:ea typeface="Cambria Math"/>
+                              </a:rPr>
+                              <m:t>1</m:t>
+                            </m:r>
+                          </m:sub>
+                          <m:sup>
+                            <m:r>
+                              <a:rPr lang="de-DE" sz="3200" b="0" i="1" smtClean="0">
+                                <a:latin typeface="Cambria Math" charset="0"/>
+                                <a:ea typeface="Cambria Math"/>
+                              </a:rPr>
+                              <m:t>2</m:t>
+                            </m:r>
+                          </m:sup>
+                        </m:sSubSup>
+                        <m:r>
+                          <a:rPr lang="de-DE" sz="3200" b="0" i="1" smtClean="0">
                             <a:latin typeface="Cambria Math"/>
                             <a:ea typeface="Cambria Math"/>
                           </a:rPr>
@@ -8675,7 +8715,7 @@
                         <m:sSub>
                           <m:sSubPr>
                             <m:ctrlPr>
-                              <a:rPr lang="en-US" sz="3200" b="0" i="1" smtClean="0">
+                              <a:rPr lang="de-DE" sz="3200" i="1">
                                 <a:latin typeface="Cambria Math"/>
                                 <a:ea typeface="Cambria Math"/>
                               </a:rPr>
@@ -8683,16 +8723,16 @@
                           </m:sSubPr>
                           <m:e>
                             <m:r>
-                              <a:rPr lang="en-US" sz="3200" b="0" i="1" smtClean="0">
+                              <a:rPr lang="de-DE" sz="3200" i="1">
                                 <a:latin typeface="Cambria Math"/>
                                 <a:ea typeface="Cambria Math"/>
                               </a:rPr>
-                              <m:t>𝜃</m:t>
+                              <m:t>𝜇</m:t>
                             </m:r>
                           </m:e>
                           <m:sub>
                             <m:r>
-                              <a:rPr lang="en-US" sz="3200" b="0" i="1" smtClean="0">
+                              <a:rPr lang="de-DE" sz="3200" b="0" i="1" smtClean="0">
                                 <a:latin typeface="Cambria Math"/>
                                 <a:ea typeface="Cambria Math"/>
                               </a:rPr>
@@ -8700,302 +8740,67 @@
                             </m:r>
                           </m:sub>
                         </m:sSub>
+                        <m:r>
+                          <a:rPr lang="de-DE" sz="3200" i="1">
+                            <a:latin typeface="Cambria Math"/>
+                            <a:ea typeface="Cambria Math"/>
+                          </a:rPr>
+                          <m:t>,</m:t>
+                        </m:r>
+                        <m:sSubSup>
+                          <m:sSubSupPr>
+                            <m:ctrlPr>
+                              <a:rPr lang="de-DE" sz="3200" i="1" smtClean="0">
+                                <a:latin typeface="Cambria Math"/>
+                                <a:ea typeface="Cambria Math"/>
+                              </a:rPr>
+                            </m:ctrlPr>
+                          </m:sSubSupPr>
+                          <m:e>
+                            <m:r>
+                              <a:rPr lang="de-DE" sz="3200" i="1">
+                                <a:latin typeface="Cambria Math"/>
+                                <a:ea typeface="Cambria Math"/>
+                              </a:rPr>
+                              <m:t>𝜎</m:t>
+                            </m:r>
+                          </m:e>
+                          <m:sub>
+                            <m:r>
+                              <a:rPr lang="de-DE" sz="3200" b="0" i="1" smtClean="0">
+                                <a:latin typeface="Cambria Math"/>
+                                <a:ea typeface="Cambria Math"/>
+                              </a:rPr>
+                              <m:t>2</m:t>
+                            </m:r>
+                          </m:sub>
+                          <m:sup>
+                            <m:r>
+                              <a:rPr lang="de-DE" sz="3200" i="1">
+                                <a:latin typeface="Cambria Math" charset="0"/>
+                                <a:ea typeface="Cambria Math"/>
+                              </a:rPr>
+                              <m:t>2</m:t>
+                            </m:r>
+                          </m:sup>
+                        </m:sSubSup>
+                        <m:r>
+                          <a:rPr lang="de-DE" sz="3200" b="0" i="1" smtClean="0">
+                            <a:latin typeface="Cambria Math"/>
+                            <a:ea typeface="Cambria Math"/>
+                          </a:rPr>
+                          <m:t>,</m:t>
+                        </m:r>
+                        <m:r>
+                          <a:rPr lang="de-DE" sz="3200" i="1">
+                            <a:latin typeface="Cambria Math"/>
+                            <a:ea typeface="Cambria Math"/>
+                          </a:rPr>
+                          <m:t>𝜌</m:t>
+                        </m:r>
                       </m:e>
                     </m:d>
                   </m:oMath>
-                </a14:m>
-                <a:r>
-                  <a:rPr lang="en-US" sz="3200" dirty="0" smtClean="0"/>
-                  <a:t>, whereby</a:t>
-                </a:r>
-              </a:p>
-              <a:p>
-                <a:pPr marL="314325" lvl="1" indent="-314325">
-                  <a:spcAft>
-                    <a:spcPts val="1200"/>
-                  </a:spcAft>
-                </a:pPr>
-                <a14:m>
-                  <m:oMathPara xmlns:m="http://schemas.openxmlformats.org/officeDocument/2006/math">
-                    <m:oMathParaPr>
-                      <m:jc m:val="left"/>
-                    </m:oMathParaPr>
-                    <m:oMath xmlns:m="http://schemas.openxmlformats.org/officeDocument/2006/math">
-                      <m:sSub>
-                        <m:sSubPr>
-                          <m:ctrlPr>
-                            <a:rPr lang="de-DE" sz="3200" i="1">
-                              <a:latin typeface="Cambria Math"/>
-                              <a:ea typeface="Cambria Math"/>
-                            </a:rPr>
-                          </m:ctrlPr>
-                        </m:sSubPr>
-                        <m:e>
-                          <m:r>
-                            <a:rPr lang="de-DE" sz="3200" i="1">
-                              <a:latin typeface="Cambria Math"/>
-                              <a:ea typeface="Cambria Math"/>
-                            </a:rPr>
-                            <m:t>𝜃</m:t>
-                          </m:r>
-                        </m:e>
-                        <m:sub>
-                          <m:r>
-                            <a:rPr lang="de-DE" sz="3200" i="1">
-                              <a:latin typeface="Cambria Math"/>
-                              <a:ea typeface="Cambria Math"/>
-                            </a:rPr>
-                            <m:t>1</m:t>
-                          </m:r>
-                        </m:sub>
-                      </m:sSub>
-                      <m:r>
-                        <a:rPr lang="de-DE" sz="3200" i="1">
-                          <a:latin typeface="Cambria Math"/>
-                          <a:ea typeface="Cambria Math"/>
-                        </a:rPr>
-                        <m:t>= </m:t>
-                      </m:r>
-                      <m:d>
-                        <m:dPr>
-                          <m:ctrlPr>
-                            <a:rPr lang="de-DE" sz="3200" i="1">
-                              <a:latin typeface="Cambria Math"/>
-                              <a:ea typeface="Cambria Math"/>
-                            </a:rPr>
-                          </m:ctrlPr>
-                        </m:dPr>
-                        <m:e>
-                          <m:sSub>
-                            <m:sSubPr>
-                              <m:ctrlPr>
-                                <a:rPr lang="de-DE" sz="3200" i="1">
-                                  <a:latin typeface="Cambria Math"/>
-                                  <a:ea typeface="Cambria Math"/>
-                                </a:rPr>
-                              </m:ctrlPr>
-                            </m:sSubPr>
-                            <m:e>
-                              <m:r>
-                                <a:rPr lang="de-DE" sz="3200" i="1">
-                                  <a:latin typeface="Cambria Math"/>
-                                  <a:ea typeface="Cambria Math"/>
-                                </a:rPr>
-                                <m:t>𝜇</m:t>
-                              </m:r>
-                            </m:e>
-                            <m:sub>
-                              <m:r>
-                                <a:rPr lang="de-DE" sz="3200" i="1">
-                                  <a:latin typeface="Cambria Math"/>
-                                  <a:ea typeface="Cambria Math"/>
-                                </a:rPr>
-                                <m:t>1</m:t>
-                              </m:r>
-                            </m:sub>
-                          </m:sSub>
-                          <m:r>
-                            <a:rPr lang="de-DE" sz="3200" i="1">
-                              <a:latin typeface="Cambria Math"/>
-                              <a:ea typeface="Cambria Math"/>
-                            </a:rPr>
-                            <m:t>,</m:t>
-                          </m:r>
-                          <m:r>
-                            <a:rPr lang="de-DE" sz="3200" i="1">
-                              <a:latin typeface="Cambria Math"/>
-                              <a:ea typeface="Cambria Math"/>
-                            </a:rPr>
-                            <m:t>𝑙𝑜𝑔</m:t>
-                          </m:r>
-                          <m:sSubSup>
-                            <m:sSubSupPr>
-                              <m:ctrlPr>
-                                <a:rPr lang="de-DE" sz="3200" i="1">
-                                  <a:latin typeface="Cambria Math"/>
-                                  <a:ea typeface="Cambria Math"/>
-                                </a:rPr>
-                              </m:ctrlPr>
-                            </m:sSubSupPr>
-                            <m:e>
-                              <m:r>
-                                <a:rPr lang="de-DE" sz="3200" i="1">
-                                  <a:latin typeface="Cambria Math"/>
-                                  <a:ea typeface="Cambria Math"/>
-                                </a:rPr>
-                                <m:t>𝜎</m:t>
-                              </m:r>
-                            </m:e>
-                            <m:sub>
-                              <m:r>
-                                <a:rPr lang="de-DE" sz="3200" i="1">
-                                  <a:latin typeface="Cambria Math"/>
-                                  <a:ea typeface="Cambria Math"/>
-                                </a:rPr>
-                                <m:t>1</m:t>
-                              </m:r>
-                            </m:sub>
-                            <m:sup>
-                              <m:r>
-                                <a:rPr lang="de-DE" sz="3200" b="0" i="1" smtClean="0">
-                                  <a:latin typeface="Cambria Math" charset="0"/>
-                                  <a:ea typeface="Cambria Math"/>
-                                </a:rPr>
-                                <m:t>2</m:t>
-                              </m:r>
-                            </m:sup>
-                          </m:sSubSup>
-                        </m:e>
-                      </m:d>
-                      <m:r>
-                        <a:rPr lang="de-DE" sz="3200" i="1">
-                          <a:latin typeface="Cambria Math"/>
-                          <a:ea typeface="Cambria Math"/>
-                        </a:rPr>
-                        <m:t>, </m:t>
-                      </m:r>
-                      <m:sSub>
-                        <m:sSubPr>
-                          <m:ctrlPr>
-                            <a:rPr lang="de-DE" sz="3200" i="1">
-                              <a:latin typeface="Cambria Math"/>
-                              <a:ea typeface="Cambria Math"/>
-                            </a:rPr>
-                          </m:ctrlPr>
-                        </m:sSubPr>
-                        <m:e>
-                          <m:r>
-                            <a:rPr lang="de-DE" sz="3200" i="1">
-                              <a:latin typeface="Cambria Math"/>
-                              <a:ea typeface="Cambria Math"/>
-                            </a:rPr>
-                            <m:t>𝜃</m:t>
-                          </m:r>
-                        </m:e>
-                        <m:sub>
-                          <m:r>
-                            <a:rPr lang="de-DE" sz="3200" i="1">
-                              <a:latin typeface="Cambria Math"/>
-                              <a:ea typeface="Cambria Math"/>
-                            </a:rPr>
-                            <m:t>2</m:t>
-                          </m:r>
-                        </m:sub>
-                      </m:sSub>
-                      <m:r>
-                        <a:rPr lang="de-DE" sz="3200" i="1">
-                          <a:latin typeface="Cambria Math"/>
-                          <a:ea typeface="Cambria Math"/>
-                        </a:rPr>
-                        <m:t>= </m:t>
-                      </m:r>
-                      <m:d>
-                        <m:dPr>
-                          <m:ctrlPr>
-                            <a:rPr lang="de-DE" sz="3200" i="1">
-                              <a:latin typeface="Cambria Math"/>
-                              <a:ea typeface="Cambria Math"/>
-                            </a:rPr>
-                          </m:ctrlPr>
-                        </m:dPr>
-                        <m:e>
-                          <m:sSub>
-                            <m:sSubPr>
-                              <m:ctrlPr>
-                                <a:rPr lang="de-DE" sz="3200" i="1">
-                                  <a:latin typeface="Cambria Math"/>
-                                  <a:ea typeface="Cambria Math"/>
-                                </a:rPr>
-                              </m:ctrlPr>
-                            </m:sSubPr>
-                            <m:e>
-                              <m:r>
-                                <a:rPr lang="de-DE" sz="3200" i="1">
-                                  <a:latin typeface="Cambria Math"/>
-                                  <a:ea typeface="Cambria Math"/>
-                                </a:rPr>
-                                <m:t>𝜇</m:t>
-                              </m:r>
-                            </m:e>
-                            <m:sub>
-                              <m:r>
-                                <a:rPr lang="de-DE" sz="3200" i="1">
-                                  <a:latin typeface="Cambria Math"/>
-                                  <a:ea typeface="Cambria Math"/>
-                                </a:rPr>
-                                <m:t>2</m:t>
-                              </m:r>
-                            </m:sub>
-                          </m:sSub>
-                          <m:r>
-                            <a:rPr lang="de-DE" sz="3200" i="1">
-                              <a:latin typeface="Cambria Math"/>
-                              <a:ea typeface="Cambria Math"/>
-                            </a:rPr>
-                            <m:t>,</m:t>
-                          </m:r>
-                          <m:r>
-                            <a:rPr lang="de-DE" sz="3200" i="1">
-                              <a:latin typeface="Cambria Math"/>
-                              <a:ea typeface="Cambria Math"/>
-                            </a:rPr>
-                            <m:t>𝑙𝑜𝑔</m:t>
-                          </m:r>
-                          <m:sSubSup>
-                            <m:sSubSupPr>
-                              <m:ctrlPr>
-                                <a:rPr lang="de-DE" sz="3200" i="1">
-                                  <a:latin typeface="Cambria Math"/>
-                                  <a:ea typeface="Cambria Math"/>
-                                </a:rPr>
-                              </m:ctrlPr>
-                            </m:sSubSupPr>
-                            <m:e>
-                              <m:r>
-                                <a:rPr lang="de-DE" sz="3200" i="1">
-                                  <a:latin typeface="Cambria Math"/>
-                                  <a:ea typeface="Cambria Math"/>
-                                </a:rPr>
-                                <m:t>𝜎</m:t>
-                              </m:r>
-                            </m:e>
-                            <m:sub>
-                              <m:r>
-                                <a:rPr lang="de-DE" sz="3200" i="1">
-                                  <a:latin typeface="Cambria Math"/>
-                                  <a:ea typeface="Cambria Math"/>
-                                </a:rPr>
-                                <m:t>2</m:t>
-                              </m:r>
-                            </m:sub>
-                            <m:sup>
-                              <m:r>
-                                <a:rPr lang="de-DE" sz="3200" b="0" i="1" smtClean="0">
-                                  <a:latin typeface="Cambria Math" charset="0"/>
-                                  <a:ea typeface="Cambria Math"/>
-                                </a:rPr>
-                                <m:t>2</m:t>
-                              </m:r>
-                            </m:sup>
-                          </m:sSubSup>
-                          <m:r>
-                            <a:rPr lang="de-DE" sz="3200" i="1">
-                              <a:latin typeface="Cambria Math"/>
-                              <a:ea typeface="Cambria Math"/>
-                            </a:rPr>
-                            <m:t>, </m:t>
-                          </m:r>
-                          <m:r>
-                            <a:rPr lang="de-DE" sz="3200" i="1">
-                              <a:latin typeface="Cambria Math"/>
-                              <a:ea typeface="Cambria Math"/>
-                            </a:rPr>
-                            <m:t>𝜌</m:t>
-                          </m:r>
-                        </m:e>
-                      </m:d>
-                    </m:oMath>
-                  </m:oMathPara>
                 </a14:m>
                 <a:endParaRPr lang="de-DE" sz="3200" dirty="0" smtClean="0"/>
               </a:p>
@@ -9009,16 +8814,9 @@
                 </a:pPr>
                 <a:r>
                   <a:rPr lang="en-US" sz="3200" dirty="0" smtClean="0"/>
-                  <a:t>Simulation </a:t>
-                </a:r>
-                <a:r>
-                  <a:rPr lang="en-US" sz="3200" dirty="0" smtClean="0"/>
-                  <a:t>is run with nine combinations</a:t>
-                </a:r>
-                <a:r>
-                  <a:rPr lang="en-US" sz="3200" dirty="0" smtClean="0"/>
-                  <a:t>:</a:t>
-                </a:r>
+                  <a:t>True variance-covariance matrix is compared with EM imputed matrix an bootstrapped matrix</a:t>
+                </a:r>
+                <a:endParaRPr lang="en-US" sz="3200" dirty="0" smtClean="0"/>
               </a:p>
               <a:p>
                 <a:pPr marL="314325" indent="-314325">
@@ -9028,112 +8826,6 @@
                   <a:buFont typeface="Arial" pitchFamily="34" charset="0"/>
                   <a:buChar char="•"/>
                 </a:pPr>
-                <a14:m>
-                  <m:oMath xmlns:m="http://schemas.openxmlformats.org/officeDocument/2006/math">
-                    <m:r>
-                      <a:rPr lang="de-DE" sz="3200" i="1">
-                        <a:latin typeface="Cambria Math"/>
-                      </a:rPr>
-                      <m:t>𝑉</m:t>
-                    </m:r>
-                    <m:r>
-                      <a:rPr lang="de-DE" sz="3200" i="1" baseline="-25000">
-                        <a:latin typeface="Cambria Math"/>
-                      </a:rPr>
-                      <m:t>𝑐</m:t>
-                    </m:r>
-                    <m:r>
-                      <a:rPr lang="de-DE" sz="3200" i="1">
-                        <a:latin typeface="Cambria Math"/>
-                      </a:rPr>
-                      <m:t>(</m:t>
-                    </m:r>
-                    <m:sSub>
-                      <m:sSubPr>
-                        <m:ctrlPr>
-                          <a:rPr lang="de-DE" sz="3200" i="1">
-                            <a:latin typeface="Cambria Math"/>
-                          </a:rPr>
-                        </m:ctrlPr>
-                      </m:sSubPr>
-                      <m:e>
-                        <m:r>
-                          <a:rPr lang="de-DE" sz="3200" i="1">
-                            <a:latin typeface="Cambria Math"/>
-                            <a:ea typeface="Cambria Math"/>
-                          </a:rPr>
-                          <m:t>𝜃</m:t>
-                        </m:r>
-                      </m:e>
-                      <m:sub>
-                        <m:r>
-                          <a:rPr lang="de-DE" sz="3200" i="1">
-                            <a:latin typeface="Cambria Math"/>
-                          </a:rPr>
-                          <m:t>2</m:t>
-                        </m:r>
-                      </m:sub>
-                    </m:sSub>
-                    <m:r>
-                      <a:rPr lang="de-DE" sz="3200" i="1">
-                        <a:latin typeface="Cambria Math"/>
-                      </a:rPr>
-                      <m:t>)−</m:t>
-                    </m:r>
-                    <m:r>
-                      <a:rPr lang="de-DE" sz="3200" i="1">
-                        <a:latin typeface="Cambria Math"/>
-                      </a:rPr>
-                      <m:t>𝑉</m:t>
-                    </m:r>
-                    <m:r>
-                      <a:rPr lang="de-DE" sz="3200" i="1">
-                        <a:latin typeface="Cambria Math"/>
-                      </a:rPr>
-                      <m:t>(</m:t>
-                    </m:r>
-                    <m:sSub>
-                      <m:sSubPr>
-                        <m:ctrlPr>
-                          <a:rPr lang="de-DE" sz="3200" i="1">
-                            <a:latin typeface="Cambria Math"/>
-                          </a:rPr>
-                        </m:ctrlPr>
-                      </m:sSubPr>
-                      <m:e>
-                        <m:r>
-                          <a:rPr lang="de-DE" sz="3200" i="1">
-                            <a:latin typeface="Cambria Math"/>
-                            <a:ea typeface="Cambria Math"/>
-                          </a:rPr>
-                          <m:t>𝜃</m:t>
-                        </m:r>
-                      </m:e>
-                      <m:sub>
-                        <m:r>
-                          <a:rPr lang="de-DE" sz="3200" i="1">
-                            <a:latin typeface="Cambria Math"/>
-                          </a:rPr>
-                          <m:t>2</m:t>
-                        </m:r>
-                      </m:sub>
-                    </m:sSub>
-                    <m:r>
-                      <a:rPr lang="de-DE" sz="3200" i="1">
-                        <a:latin typeface="Cambria Math"/>
-                      </a:rPr>
-                      <m:t>)</m:t>
-                    </m:r>
-                  </m:oMath>
-                </a14:m>
-                <a:r>
-                  <a:rPr lang="en-GB" sz="3200" dirty="0"/>
-                  <a:t> for each combination as a measure of accuracy</a:t>
-                </a:r>
-                <a:r>
-                  <a:rPr lang="en-GB" sz="3200" dirty="0" smtClean="0"/>
-                  <a:t>.</a:t>
-                </a:r>
                 <a:endParaRPr lang="en-GB" sz="3200" dirty="0">
                   <a:solidFill>
                     <a:srgbClr val="FF0000"/>
@@ -9155,15 +8847,15 @@
             <p:spPr>
               <a:xfrm>
                 <a:off x="21861189" y="6718175"/>
-                <a:ext cx="9306473" cy="6234720"/>
+                <a:ext cx="9306473" cy="5588389"/>
               </a:xfrm>
               <a:prstGeom prst="rect">
                 <a:avLst/>
               </a:prstGeom>
               <a:blipFill rotWithShape="1">
-                <a:blip r:embed="rId7"/>
+                <a:blip r:embed="rId8"/>
                 <a:stretch>
-                  <a:fillRect l="-1441" t="-1271" b="-2248"/>
+                  <a:fillRect l="-1441" t="-1418"/>
                 </a:stretch>
               </a:blipFill>
             </p:spPr>
@@ -9192,7 +8884,7 @@
         </p:nvSpPr>
         <p:spPr bwMode="auto">
           <a:xfrm>
-            <a:off x="32178506" y="12722110"/>
+            <a:off x="32178506" y="13070854"/>
             <a:ext cx="9344944" cy="827153"/>
           </a:xfrm>
           <a:prstGeom prst="rect">
@@ -9251,7 +8943,7 @@
         </p:nvSpPr>
         <p:spPr>
           <a:xfrm>
-            <a:off x="32178507" y="12722111"/>
+            <a:off x="32178529" y="13078451"/>
             <a:ext cx="9344943" cy="8080490"/>
           </a:xfrm>
           <a:prstGeom prst="rect">
@@ -9299,7 +8991,7 @@
         </p:nvSpPr>
         <p:spPr>
           <a:xfrm>
-            <a:off x="32178506" y="12780792"/>
+            <a:off x="32178506" y="13129536"/>
             <a:ext cx="8959430" cy="636648"/>
           </a:xfrm>
           <a:prstGeom prst="rect">
@@ -9345,7 +9037,7 @@
         </p:nvSpPr>
         <p:spPr>
           <a:xfrm>
-            <a:off x="32178508" y="13549263"/>
+            <a:off x="32178508" y="13898007"/>
             <a:ext cx="9344942" cy="6924973"/>
           </a:xfrm>
           <a:prstGeom prst="rect">
@@ -9368,8 +9060,17 @@
             </a:pPr>
             <a:r>
               <a:rPr lang="en-GB" sz="3200" dirty="0" smtClean="0"/>
-              <a:t>SEM still in discussion as an alternative to multiple imputation and bootstrapping methods </a:t>
-            </a:r>
+              <a:t>SEM still in discussion as an alternative </a:t>
+            </a:r>
+            <a:r>
+              <a:rPr lang="en-GB" sz="3200" dirty="0" smtClean="0"/>
+              <a:t>methods like bootstrapping and </a:t>
+            </a:r>
+            <a:r>
+              <a:rPr lang="en-GB" sz="3200" dirty="0" err="1" smtClean="0"/>
+              <a:t>jacknife</a:t>
+            </a:r>
+            <a:endParaRPr lang="en-GB" sz="3200" dirty="0" smtClean="0"/>
           </a:p>
           <a:p>
             <a:pPr marL="285750" indent="-285750">
@@ -9394,11 +9095,7 @@
             </a:pPr>
             <a:r>
               <a:rPr lang="en-GB" sz="3200" dirty="0" smtClean="0"/>
-              <a:t>Nevertheless, SEM </a:t>
-            </a:r>
-            <a:r>
-              <a:rPr lang="en-GB" sz="3200" dirty="0" smtClean="0"/>
-              <a:t>only rarely implemented</a:t>
+              <a:t>Nevertheless, SEM only rarely implemented</a:t>
             </a:r>
           </a:p>
           <a:p>
@@ -9424,21 +9121,16 @@
             </a:pPr>
             <a:r>
               <a:rPr lang="en-GB" sz="3200" dirty="0" smtClean="0"/>
-              <a:t>SEM </a:t>
+              <a:t>SEM mostly used </a:t>
             </a:r>
             <a:r>
               <a:rPr lang="en-GB" sz="3200" dirty="0" smtClean="0"/>
-              <a:t>mostly used field of item </a:t>
+              <a:t>in the field </a:t>
             </a:r>
             <a:r>
               <a:rPr lang="en-GB" sz="3200" dirty="0" smtClean="0"/>
-              <a:t>response </a:t>
-            </a:r>
-            <a:r>
-              <a:rPr lang="en-GB" sz="3200" dirty="0" smtClean="0"/>
-              <a:t>theory</a:t>
-            </a:r>
-            <a:endParaRPr lang="en-GB" sz="3200" dirty="0" smtClean="0"/>
+              <a:t>of item response theory</a:t>
+            </a:r>
           </a:p>
           <a:p>
             <a:pPr marL="285750" indent="-285750">
@@ -9450,11 +9142,7 @@
             </a:pPr>
             <a:r>
               <a:rPr lang="en-GB" sz="3200" dirty="0" smtClean="0"/>
-              <a:t>Refinements of SEM, like </a:t>
-            </a:r>
-            <a:r>
-              <a:rPr lang="en-GB" sz="3200" dirty="0" smtClean="0"/>
-              <a:t>agile-SEM for item response problems</a:t>
+              <a:t>Refinements of SEM, like agile-SEM for item response problems</a:t>
             </a:r>
           </a:p>
           <a:p>
@@ -9531,7 +9219,7 @@
           <p:nvPr/>
         </p:nvPicPr>
         <p:blipFill>
-          <a:blip r:embed="rId8">
+          <a:blip r:embed="rId9">
             <a:extLst>
               <a:ext uri="{28A0092B-C50C-407E-A947-70E740481C1C}">
                 <a14:useLocalDpi xmlns:a14="http://schemas.microsoft.com/office/drawing/2010/main" val="0"/>
@@ -9554,6 +9242,110 @@
           <a:noFill/>
         </p:spPr>
       </p:pic>
+      <p:pic>
+        <p:nvPicPr>
+          <p:cNvPr id="11" name="Grafik 10"/>
+          <p:cNvPicPr>
+            <a:picLocks noChangeAspect="1"/>
+          </p:cNvPicPr>
+          <p:nvPr/>
+        </p:nvPicPr>
+        <p:blipFill>
+          <a:blip r:embed="rId10">
+            <a:extLst>
+              <a:ext uri="{28A0092B-C50C-407E-A947-70E740481C1C}">
+                <a14:useLocalDpi xmlns:a14="http://schemas.microsoft.com/office/drawing/2010/main" val="0"/>
+              </a:ext>
+            </a:extLst>
+          </a:blip>
+          <a:stretch>
+            <a:fillRect/>
+          </a:stretch>
+        </p:blipFill>
+        <p:spPr>
+          <a:xfrm>
+            <a:off x="22337317" y="14406133"/>
+            <a:ext cx="8498510" cy="5311569"/>
+          </a:xfrm>
+          <a:prstGeom prst="rect">
+            <a:avLst/>
+          </a:prstGeom>
+        </p:spPr>
+      </p:pic>
+      <p:sp>
+        <p:nvSpPr>
+          <p:cNvPr id="43" name="Textfeld 42"/>
+          <p:cNvSpPr txBox="1"/>
+          <p:nvPr/>
+        </p:nvSpPr>
+        <p:spPr>
+          <a:xfrm>
+            <a:off x="21880421" y="13639845"/>
+            <a:ext cx="9306473" cy="584775"/>
+          </a:xfrm>
+          <a:prstGeom prst="rect">
+            <a:avLst/>
+          </a:prstGeom>
+          <a:noFill/>
+        </p:spPr>
+        <p:txBody>
+          <a:bodyPr wrap="square" rtlCol="0">
+            <a:spAutoFit/>
+          </a:bodyPr>
+          <a:lstStyle/>
+          <a:p>
+            <a:pPr marL="314325" indent="-314325">
+              <a:spcAft>
+                <a:spcPts val="1200"/>
+              </a:spcAft>
+              <a:buFont typeface="Arial" pitchFamily="34" charset="0"/>
+              <a:buChar char="•"/>
+            </a:pPr>
+            <a:r>
+              <a:rPr lang="en-GB" sz="3200" dirty="0" smtClean="0"/>
+              <a:t>Convergence of EM parameters</a:t>
+            </a:r>
+            <a:endParaRPr lang="en-GB" sz="3200" dirty="0"/>
+          </a:p>
+        </p:txBody>
+      </p:sp>
+      <p:sp>
+        <p:nvSpPr>
+          <p:cNvPr id="44" name="Textfeld 43"/>
+          <p:cNvSpPr txBox="1"/>
+          <p:nvPr/>
+        </p:nvSpPr>
+        <p:spPr>
+          <a:xfrm>
+            <a:off x="21887095" y="20950421"/>
+            <a:ext cx="9306473" cy="1077218"/>
+          </a:xfrm>
+          <a:prstGeom prst="rect">
+            <a:avLst/>
+          </a:prstGeom>
+          <a:noFill/>
+        </p:spPr>
+        <p:txBody>
+          <a:bodyPr wrap="square" rtlCol="0">
+            <a:spAutoFit/>
+          </a:bodyPr>
+          <a:lstStyle/>
+          <a:p>
+            <a:pPr marL="314325" indent="-314325">
+              <a:spcAft>
+                <a:spcPts val="1200"/>
+              </a:spcAft>
+              <a:buFont typeface="Arial" pitchFamily="34" charset="0"/>
+              <a:buChar char="•"/>
+            </a:pPr>
+            <a:r>
+              <a:rPr lang="en-GB" sz="3200" dirty="0" smtClean="0"/>
+              <a:t>Comparison of parameter variances by calculation procedure</a:t>
+            </a:r>
+            <a:endParaRPr lang="en-GB" sz="3200" dirty="0"/>
+          </a:p>
+        </p:txBody>
+      </p:sp>
     </p:spTree>
     <p:extLst>
       <p:ext uri="{BB962C8B-B14F-4D97-AF65-F5344CB8AC3E}">

--- a/poster/poster_template.pptx
+++ b/poster/poster_template.pptx
@@ -106,7 +106,7 @@
   </p:defaultTextStyle>
   <p:extLst>
     <p:ext uri="{EFAFB233-063F-42B5-8137-9DF3F51BA10A}">
-      <p15:sldGuideLst xmlns="" xmlns:p15="http://schemas.microsoft.com/office/powerpoint/2012/main">
+      <p15:sldGuideLst xmlns:p15="http://schemas.microsoft.com/office/powerpoint/2012/main">
         <p15:guide id="1" orient="horz" pos="9536" userDrawn="1">
           <p15:clr>
             <a:srgbClr val="A4A3A4"/>
@@ -316,7 +316,7 @@
           <a:p>
             <a:fld id="{0B7A2DEA-69B7-D343-870B-04A176525892}" type="datetimeFigureOut">
               <a:rPr lang="de-DE" smtClean="0"/>
-              <a:t>31.01.2018</a:t>
+              <a:t>07.02.18</a:t>
             </a:fld>
             <a:endParaRPr lang="en-US"/>
           </a:p>
@@ -486,7 +486,7 @@
           <a:p>
             <a:fld id="{0B7A2DEA-69B7-D343-870B-04A176525892}" type="datetimeFigureOut">
               <a:rPr lang="de-DE" smtClean="0"/>
-              <a:t>31.01.2018</a:t>
+              <a:t>07.02.18</a:t>
             </a:fld>
             <a:endParaRPr lang="en-US"/>
           </a:p>
@@ -666,7 +666,7 @@
           <a:p>
             <a:fld id="{0B7A2DEA-69B7-D343-870B-04A176525892}" type="datetimeFigureOut">
               <a:rPr lang="de-DE" smtClean="0"/>
-              <a:t>31.01.2018</a:t>
+              <a:t>07.02.18</a:t>
             </a:fld>
             <a:endParaRPr lang="en-US"/>
           </a:p>
@@ -836,7 +836,7 @@
           <a:p>
             <a:fld id="{0B7A2DEA-69B7-D343-870B-04A176525892}" type="datetimeFigureOut">
               <a:rPr lang="de-DE" smtClean="0"/>
-              <a:t>31.01.2018</a:t>
+              <a:t>07.02.18</a:t>
             </a:fld>
             <a:endParaRPr lang="en-US"/>
           </a:p>
@@ -1082,7 +1082,7 @@
           <a:p>
             <a:fld id="{0B7A2DEA-69B7-D343-870B-04A176525892}" type="datetimeFigureOut">
               <a:rPr lang="de-DE" smtClean="0"/>
-              <a:t>31.01.2018</a:t>
+              <a:t>07.02.18</a:t>
             </a:fld>
             <a:endParaRPr lang="en-US"/>
           </a:p>
@@ -1370,7 +1370,7 @@
           <a:p>
             <a:fld id="{0B7A2DEA-69B7-D343-870B-04A176525892}" type="datetimeFigureOut">
               <a:rPr lang="de-DE" smtClean="0"/>
-              <a:t>31.01.2018</a:t>
+              <a:t>07.02.18</a:t>
             </a:fld>
             <a:endParaRPr lang="en-US"/>
           </a:p>
@@ -1797,7 +1797,7 @@
           <a:p>
             <a:fld id="{0B7A2DEA-69B7-D343-870B-04A176525892}" type="datetimeFigureOut">
               <a:rPr lang="de-DE" smtClean="0"/>
-              <a:t>31.01.2018</a:t>
+              <a:t>07.02.18</a:t>
             </a:fld>
             <a:endParaRPr lang="en-US"/>
           </a:p>
@@ -1915,7 +1915,7 @@
           <a:p>
             <a:fld id="{0B7A2DEA-69B7-D343-870B-04A176525892}" type="datetimeFigureOut">
               <a:rPr lang="de-DE" smtClean="0"/>
-              <a:t>31.01.2018</a:t>
+              <a:t>07.02.18</a:t>
             </a:fld>
             <a:endParaRPr lang="en-US"/>
           </a:p>
@@ -2010,7 +2010,7 @@
           <a:p>
             <a:fld id="{0B7A2DEA-69B7-D343-870B-04A176525892}" type="datetimeFigureOut">
               <a:rPr lang="de-DE" smtClean="0"/>
-              <a:t>31.01.2018</a:t>
+              <a:t>07.02.18</a:t>
             </a:fld>
             <a:endParaRPr lang="en-US"/>
           </a:p>
@@ -2287,7 +2287,7 @@
           <a:p>
             <a:fld id="{0B7A2DEA-69B7-D343-870B-04A176525892}" type="datetimeFigureOut">
               <a:rPr lang="de-DE" smtClean="0"/>
-              <a:t>31.01.2018</a:t>
+              <a:t>07.02.18</a:t>
             </a:fld>
             <a:endParaRPr lang="en-US"/>
           </a:p>
@@ -2540,7 +2540,7 @@
           <a:p>
             <a:fld id="{0B7A2DEA-69B7-D343-870B-04A176525892}" type="datetimeFigureOut">
               <a:rPr lang="de-DE" smtClean="0"/>
-              <a:t>31.01.2018</a:t>
+              <a:t>07.02.18</a:t>
             </a:fld>
             <a:endParaRPr lang="en-US"/>
           </a:p>
@@ -2753,7 +2753,7 @@
           <a:p>
             <a:fld id="{0B7A2DEA-69B7-D343-870B-04A176525892}" type="datetimeFigureOut">
               <a:rPr lang="de-DE" smtClean="0"/>
-              <a:t>31.01.2018</a:t>
+              <a:t>07.02.18</a:t>
             </a:fld>
             <a:endParaRPr lang="en-US"/>
           </a:p>
@@ -3236,7 +3236,7 @@
         <p:spPr>
           <a:xfrm>
             <a:off x="1233714" y="6697869"/>
-            <a:ext cx="9344942" cy="7694414"/>
+            <a:ext cx="9344942" cy="8340745"/>
           </a:xfrm>
           <a:prstGeom prst="rect">
             <a:avLst/>
@@ -3270,9 +3270,8 @@
             </a:r>
             <a:r>
               <a:rPr lang="en-GB" sz="3200" dirty="0" smtClean="0"/>
-              <a:t>problems</a:t>
-            </a:r>
-            <a:endParaRPr lang="en-GB" sz="3200" dirty="0"/>
+              <a:t>problems </a:t>
+            </a:r>
           </a:p>
           <a:p>
             <a:pPr marL="285750" indent="-285750">
@@ -3283,8 +3282,12 @@
               <a:buChar char="•"/>
             </a:pPr>
             <a:r>
+              <a:rPr lang="en-GB" sz="3200" dirty="0" smtClean="0"/>
+              <a:t>Problem</a:t>
+            </a:r>
+            <a:r>
               <a:rPr lang="en-GB" sz="3200" dirty="0"/>
-              <a:t>Problem: EM algorithm does not provide an asymptotic variance-covariance matrix </a:t>
+              <a:t>: EM algorithm does not provide an asymptotic variance-covariance matrix </a:t>
             </a:r>
             <a:r>
               <a:rPr lang="en-GB" sz="3200" dirty="0" smtClean="0"/>
@@ -3349,8 +3352,29 @@
             </a:pPr>
             <a:r>
               <a:rPr lang="en-GB" sz="3200" dirty="0" smtClean="0"/>
-              <a:t>SEM algorithm provides numerically stable asymptotic variance-covariance matrix for  estimates obtained by EM</a:t>
-            </a:r>
+              <a:t>SEM algorithm provides numerically stable asymptotic variance-covariance matrix for  estimates obtained by </a:t>
+            </a:r>
+            <a:r>
+              <a:rPr lang="en-GB" sz="3200" dirty="0"/>
+              <a:t>EM (</a:t>
+            </a:r>
+            <a:r>
+              <a:rPr lang="en-GB" sz="3200" dirty="0" err="1"/>
+              <a:t>Meng</a:t>
+            </a:r>
+            <a:r>
+              <a:rPr lang="en-GB" sz="3200" dirty="0"/>
+              <a:t> &amp; Rubin, 1991)</a:t>
+            </a:r>
+          </a:p>
+          <a:p>
+            <a:pPr marL="285750" indent="-285750">
+              <a:spcAft>
+                <a:spcPts val="1200"/>
+              </a:spcAft>
+              <a:buFont typeface="Arial" pitchFamily="34" charset="0"/>
+              <a:buChar char="•"/>
+            </a:pPr>
             <a:endParaRPr lang="en-GB" sz="3200" dirty="0"/>
           </a:p>
           <a:p>
@@ -3365,8 +3389,8 @@
           </a:p>
         </p:txBody>
       </p:sp>
-      <mc:AlternateContent xmlns:mc="http://schemas.openxmlformats.org/markup-compatibility/2006">
-        <mc:Choice xmlns:a14="http://schemas.microsoft.com/office/drawing/2010/main" Requires="a14">
+      <mc:AlternateContent xmlns:mc="http://schemas.openxmlformats.org/markup-compatibility/2006" xmlns:a14="http://schemas.microsoft.com/office/drawing/2010/main">
+        <mc:Choice Requires="a14">
           <p:sp>
             <p:nvSpPr>
               <p:cNvPr id="105" name="Textfeld 104"/>
@@ -3462,7 +3486,7 @@
                       <m:sSubPr>
                         <m:ctrlPr>
                           <a:rPr lang="en-GB" sz="3200" i="1" smtClean="0">
-                            <a:latin typeface="Cambria Math"/>
+                            <a:latin typeface="Cambria Math" charset="0"/>
                           </a:rPr>
                         </m:ctrlPr>
                       </m:sSubPr>
@@ -3505,7 +3529,7 @@
                         <m:sSubPr>
                           <m:ctrlPr>
                             <a:rPr lang="en-GB" sz="3200" i="1" dirty="0" smtClean="0">
-                              <a:latin typeface="Cambria Math"/>
+                              <a:latin typeface="Cambria Math" charset="0"/>
                             </a:rPr>
                           </m:ctrlPr>
                         </m:sSubPr>
@@ -3536,7 +3560,7 @@
                         <m:sSubPr>
                           <m:ctrlPr>
                             <a:rPr lang="en-GB" sz="3200" i="1" dirty="0" smtClean="0">
-                              <a:latin typeface="Cambria Math"/>
+                              <a:latin typeface="Cambria Math" charset="0"/>
                             </a:rPr>
                           </m:ctrlPr>
                         </m:sSubPr>
@@ -3561,7 +3585,7 @@
                         <m:dPr>
                           <m:ctrlPr>
                             <a:rPr lang="en-GB" sz="3200" i="1" dirty="0" smtClean="0">
-                              <a:latin typeface="Cambria Math"/>
+                              <a:latin typeface="Cambria Math" charset="0"/>
                             </a:rPr>
                           </m:ctrlPr>
                         </m:dPr>
@@ -3570,7 +3594,7 @@
                             <m:sSupPr>
                               <m:ctrlPr>
                                 <a:rPr lang="el-GR" sz="3200" i="1" dirty="0" smtClean="0">
-                                  <a:latin typeface="Cambria Math"/>
+                                  <a:latin typeface="Cambria Math" charset="0"/>
                                   <a:ea typeface="Cambria Math"/>
                                 </a:rPr>
                               </m:ctrlPr>
@@ -3600,7 +3624,7 @@
                             <m:sSupPr>
                               <m:ctrlPr>
                                 <a:rPr lang="el-GR" sz="3200" i="1" dirty="0" smtClean="0">
-                                  <a:latin typeface="Cambria Math"/>
+                                  <a:latin typeface="Cambria Math" charset="0"/>
                                 </a:rPr>
                               </m:ctrlPr>
                             </m:sSupPr>
@@ -3625,7 +3649,7 @@
                             <m:dPr>
                               <m:ctrlPr>
                                 <a:rPr lang="en-GB" sz="3200" i="1" dirty="0" smtClean="0">
-                                  <a:latin typeface="Cambria Math"/>
+                                  <a:latin typeface="Cambria Math" charset="0"/>
                                 </a:rPr>
                               </m:ctrlPr>
                             </m:dPr>
@@ -3634,7 +3658,7 @@
                                 <m:sSubPr>
                                   <m:ctrlPr>
                                     <a:rPr lang="en-GB" sz="3200" i="1" dirty="0" smtClean="0">
-                                      <a:latin typeface="Cambria Math"/>
+                                      <a:latin typeface="Cambria Math" charset="0"/>
                                     </a:rPr>
                                   </m:ctrlPr>
                                 </m:sSubPr>
@@ -3681,7 +3705,7 @@
                         <m:sSupPr>
                           <m:ctrlPr>
                             <a:rPr lang="de-DE" sz="3200" b="0" i="1" dirty="0" smtClean="0">
-                              <a:latin typeface="Cambria Math"/>
+                              <a:latin typeface="Cambria Math" charset="0"/>
                             </a:rPr>
                           </m:ctrlPr>
                         </m:sSupPr>
@@ -3720,7 +3744,7 @@
                           <m:endChr m:val="]"/>
                           <m:ctrlPr>
                             <a:rPr lang="de-DE" sz="3200" b="0" i="1" dirty="0" smtClean="0">
-                              <a:latin typeface="Cambria Math"/>
+                              <a:latin typeface="Cambria Math" charset="0"/>
                             </a:rPr>
                           </m:ctrlPr>
                         </m:dPr>
@@ -3735,7 +3759,7 @@
                             <m:dPr>
                               <m:ctrlPr>
                                 <a:rPr lang="de-DE" sz="3200" b="0" i="1" dirty="0" smtClean="0">
-                                  <a:latin typeface="Cambria Math"/>
+                                  <a:latin typeface="Cambria Math" charset="0"/>
                                 </a:rPr>
                               </m:ctrlPr>
                             </m:dPr>
@@ -3758,7 +3782,7 @@
                             <m:sSubPr>
                               <m:ctrlPr>
                                 <a:rPr lang="de-DE" sz="3200" b="0" i="1" dirty="0" smtClean="0">
-                                  <a:latin typeface="Cambria Math"/>
+                                  <a:latin typeface="Cambria Math" charset="0"/>
                                 </a:rPr>
                               </m:ctrlPr>
                             </m:sSubPr>
@@ -3866,7 +3890,7 @@
                         <m:dPr>
                           <m:ctrlPr>
                             <a:rPr lang="de-DE" sz="3200" i="1">
-                              <a:latin typeface="Cambria Math"/>
+                              <a:latin typeface="Cambria Math" charset="0"/>
                             </a:rPr>
                           </m:ctrlPr>
                         </m:dPr>
@@ -3883,7 +3907,7 @@
                               </m:mcs>
                               <m:ctrlPr>
                                 <a:rPr lang="de-DE" sz="3200" i="1">
-                                  <a:latin typeface="Cambria Math"/>
+                                  <a:latin typeface="Cambria Math" charset="0"/>
                                 </a:rPr>
                               </m:ctrlPr>
                             </m:mPr>
@@ -3893,7 +3917,7 @@
                                   <m:sSubPr>
                                     <m:ctrlPr>
                                       <a:rPr lang="de-DE" sz="3200" i="1">
-                                        <a:latin typeface="Cambria Math"/>
+                                        <a:latin typeface="Cambria Math" charset="0"/>
                                       </a:rPr>
                                     </m:ctrlPr>
                                   </m:sSubPr>
@@ -3928,7 +3952,7 @@
                                   <m:sSubPr>
                                     <m:ctrlPr>
                                       <a:rPr lang="de-DE" sz="3200" i="1">
-                                        <a:latin typeface="Cambria Math"/>
+                                        <a:latin typeface="Cambria Math" charset="0"/>
                                       </a:rPr>
                                     </m:ctrlPr>
                                   </m:sSubPr>
@@ -3989,7 +4013,7 @@
                                   <m:sSubPr>
                                     <m:ctrlPr>
                                       <a:rPr lang="de-DE" sz="3200" i="1">
-                                        <a:latin typeface="Cambria Math"/>
+                                        <a:latin typeface="Cambria Math" charset="0"/>
                                       </a:rPr>
                                     </m:ctrlPr>
                                   </m:sSubPr>
@@ -4030,7 +4054,7 @@
                                   <m:sSubPr>
                                     <m:ctrlPr>
                                       <a:rPr lang="de-DE" sz="3200" i="1">
-                                        <a:latin typeface="Cambria Math"/>
+                                        <a:latin typeface="Cambria Math" charset="0"/>
                                       </a:rPr>
                                     </m:ctrlPr>
                                   </m:sSubPr>
@@ -4189,7 +4213,7 @@
                             <a:solidFill>
                               <a:schemeClr val="tx1"/>
                             </a:solidFill>
-                            <a:latin typeface="Cambria Math"/>
+                            <a:latin typeface="Cambria Math" charset="0"/>
                             <a:ea typeface="Cambria Math"/>
                           </a:rPr>
                         </m:ctrlPr>
@@ -4242,7 +4266,7 @@
                         <m:degHide m:val="on"/>
                         <m:ctrlPr>
                           <a:rPr lang="de-DE" sz="3200" b="1" i="1">
-                            <a:latin typeface="Cambria Math"/>
+                            <a:latin typeface="Cambria Math" charset="0"/>
                           </a:rPr>
                         </m:ctrlPr>
                       </m:radPr>
@@ -4311,7 +4335,7 @@
                       <m:sSubPr>
                         <m:ctrlPr>
                           <a:rPr lang="en-GB" sz="3200" i="1" smtClean="0">
-                            <a:latin typeface="Cambria Math"/>
+                            <a:latin typeface="Cambria Math" charset="0"/>
                           </a:rPr>
                         </m:ctrlPr>
                       </m:sSubPr>
@@ -4362,7 +4386,7 @@
                       <m:fPr>
                         <m:ctrlPr>
                           <a:rPr lang="en-GB" sz="3200" i="1" smtClean="0">
-                            <a:latin typeface="Cambria Math"/>
+                            <a:latin typeface="Cambria Math" charset="0"/>
                           </a:rPr>
                         </m:ctrlPr>
                       </m:fPr>
@@ -4377,7 +4401,7 @@
                           <m:sSubSupPr>
                             <m:ctrlPr>
                               <a:rPr lang="de-DE" sz="3200" b="0" i="1" smtClean="0">
-                                <a:latin typeface="Cambria Math"/>
+                                <a:latin typeface="Cambria Math" charset="0"/>
                               </a:rPr>
                             </m:ctrlPr>
                           </m:sSubSupPr>
@@ -4387,7 +4411,7 @@
                                 <m:chr m:val="̃"/>
                                 <m:ctrlPr>
                                   <a:rPr lang="de-DE" sz="3200" b="0" i="1" smtClean="0">
-                                    <a:latin typeface="Cambria Math"/>
+                                    <a:latin typeface="Cambria Math" charset="0"/>
                                   </a:rPr>
                                 </m:ctrlPr>
                               </m:accPr>
@@ -4415,7 +4439,7 @@
                               <m:dPr>
                                 <m:ctrlPr>
                                   <a:rPr lang="de-DE" sz="3200" i="1" baseline="14000">
-                                    <a:latin typeface="Cambria Math"/>
+                                    <a:latin typeface="Cambria Math" charset="0"/>
                                   </a:rPr>
                                 </m:ctrlPr>
                               </m:dPr>
@@ -4446,7 +4470,7 @@
                           <m:dPr>
                             <m:ctrlPr>
                               <a:rPr lang="de-DE" sz="3200" b="0" i="1" smtClean="0">
-                                <a:latin typeface="Cambria Math"/>
+                                <a:latin typeface="Cambria Math" charset="0"/>
                               </a:rPr>
                             </m:ctrlPr>
                           </m:dPr>
@@ -4469,7 +4493,7 @@
                           <m:sSubPr>
                             <m:ctrlPr>
                               <a:rPr lang="de-DE" sz="3200" b="0" i="1" smtClean="0">
-                                <a:latin typeface="Cambria Math"/>
+                                <a:latin typeface="Cambria Math" charset="0"/>
                               </a:rPr>
                             </m:ctrlPr>
                           </m:sSubPr>
@@ -4515,7 +4539,7 @@
                           <m:sSubPr>
                             <m:ctrlPr>
                               <a:rPr lang="de-DE" sz="3200" b="0" i="1" smtClean="0">
-                                <a:latin typeface="Cambria Math"/>
+                                <a:latin typeface="Cambria Math" charset="0"/>
                               </a:rPr>
                             </m:ctrlPr>
                           </m:sSubPr>
@@ -4541,7 +4565,7 @@
                           <m:dPr>
                             <m:ctrlPr>
                               <a:rPr lang="de-DE" sz="3200" b="0" i="1" baseline="14000" smtClean="0">
-                                <a:latin typeface="Cambria Math"/>
+                                <a:latin typeface="Cambria Math" charset="0"/>
                               </a:rPr>
                             </m:ctrlPr>
                           </m:dPr>
@@ -4564,7 +4588,7 @@
                           <m:sSubPr>
                             <m:ctrlPr>
                               <a:rPr lang="de-DE" sz="3200" b="0" i="1" smtClean="0">
-                                <a:latin typeface="Cambria Math"/>
+                                <a:latin typeface="Cambria Math" charset="0"/>
                               </a:rPr>
                             </m:ctrlPr>
                           </m:sSubPr>
@@ -4650,7 +4674,7 @@
                       <m:sSubPr>
                         <m:ctrlPr>
                           <a:rPr lang="en-GB" sz="3200" i="1">
-                            <a:latin typeface="Cambria Math"/>
+                            <a:latin typeface="Cambria Math" charset="0"/>
                           </a:rPr>
                         </m:ctrlPr>
                       </m:sSubPr>
@@ -4715,7 +4739,7 @@
                       <m:sSubPr>
                         <m:ctrlPr>
                           <a:rPr lang="en-GB" sz="3200" i="1" smtClean="0">
-                            <a:latin typeface="Cambria Math"/>
+                            <a:latin typeface="Cambria Math" charset="0"/>
                             <a:ea typeface="Cambria Math" charset="0"/>
                           </a:rPr>
                         </m:ctrlPr>
@@ -4753,7 +4777,7 @@
                         <m:endChr m:val="|"/>
                         <m:ctrlPr>
                           <a:rPr lang="de-DE" sz="3200" i="1">
-                            <a:latin typeface="Cambria Math"/>
+                            <a:latin typeface="Cambria Math" charset="0"/>
                           </a:rPr>
                         </m:ctrlPr>
                       </m:dPr>
@@ -4762,7 +4786,7 @@
                           <m:sSubPr>
                             <m:ctrlPr>
                               <a:rPr lang="en-GB" sz="3200" i="1">
-                                <a:latin typeface="Cambria Math"/>
+                                <a:latin typeface="Cambria Math" charset="0"/>
                               </a:rPr>
                             </m:ctrlPr>
                           </m:sSubPr>
@@ -4811,7 +4835,7 @@
                           <m:sSubPr>
                             <m:ctrlPr>
                               <a:rPr lang="en-GB" sz="3200" i="1">
-                                <a:latin typeface="Cambria Math"/>
+                                <a:latin typeface="Cambria Math" charset="0"/>
                               </a:rPr>
                             </m:ctrlPr>
                           </m:sSubPr>
@@ -4948,7 +4972,7 @@
                       <m:sSupPr>
                         <m:ctrlPr>
                           <a:rPr lang="de-DE" sz="3200" b="0" i="1" smtClean="0">
-                            <a:latin typeface="Cambria Math"/>
+                            <a:latin typeface="Cambria Math" charset="0"/>
                           </a:rPr>
                         </m:ctrlPr>
                       </m:sSupPr>
@@ -4957,7 +4981,7 @@
                           <m:sSubPr>
                             <m:ctrlPr>
                               <a:rPr lang="en-GB" sz="3200" i="1" dirty="0">
-                                <a:latin typeface="Cambria Math"/>
+                                <a:latin typeface="Cambria Math" charset="0"/>
                               </a:rPr>
                             </m:ctrlPr>
                           </m:sSubPr>
@@ -5050,7 +5074,7 @@
                       <m:sSupPr>
                         <m:ctrlPr>
                           <a:rPr lang="de-DE" sz="3200" i="1">
-                            <a:latin typeface="Cambria Math"/>
+                            <a:latin typeface="Cambria Math" charset="0"/>
                           </a:rPr>
                         </m:ctrlPr>
                       </m:sSupPr>
@@ -5059,7 +5083,7 @@
                           <m:sSubPr>
                             <m:ctrlPr>
                               <a:rPr lang="en-GB" sz="3200" i="1" dirty="0">
-                                <a:latin typeface="Cambria Math"/>
+                                <a:latin typeface="Cambria Math" charset="0"/>
                               </a:rPr>
                             </m:ctrlPr>
                           </m:sSubPr>
@@ -5102,7 +5126,7 @@
                       <m:sSupPr>
                         <m:ctrlPr>
                           <a:rPr lang="en-GB" sz="3200" i="1" smtClean="0">
-                            <a:latin typeface="Cambria Math"/>
+                            <a:latin typeface="Cambria Math" charset="0"/>
                           </a:rPr>
                         </m:ctrlPr>
                       </m:sSupPr>
@@ -5298,7 +5322,7 @@
             </p:txBody>
           </p:sp>
         </mc:Choice>
-        <mc:Fallback>
+        <mc:Fallback xmlns="">
           <p:sp>
             <p:nvSpPr>
               <p:cNvPr id="105" name="Textfeld 104"/>
@@ -6236,7 +6260,7 @@
         </p:nvSpPr>
         <p:spPr bwMode="auto">
           <a:xfrm>
-            <a:off x="32178529" y="21849465"/>
+            <a:off x="32056237" y="22165563"/>
             <a:ext cx="9344944" cy="848980"/>
           </a:xfrm>
           <a:prstGeom prst="rect">
@@ -6295,8 +6319,8 @@
         </p:nvSpPr>
         <p:spPr>
           <a:xfrm>
-            <a:off x="32178548" y="21807354"/>
-            <a:ext cx="9344944" cy="6500947"/>
+            <a:off x="32056237" y="22159080"/>
+            <a:ext cx="9344944" cy="6149220"/>
           </a:xfrm>
           <a:prstGeom prst="rect">
             <a:avLst/>
@@ -6389,7 +6413,7 @@
         </p:nvSpPr>
         <p:spPr>
           <a:xfrm>
-            <a:off x="32178549" y="21907125"/>
+            <a:off x="32152575" y="22259712"/>
             <a:ext cx="9344934" cy="636649"/>
           </a:xfrm>
           <a:prstGeom prst="rect">
@@ -6604,7 +6628,7 @@
                       <m:sSupPr>
                         <m:ctrlPr>
                           <a:rPr lang="de-DE" sz="3200" i="1">
-                            <a:latin typeface="Cambria Math"/>
+                            <a:latin typeface="Cambria Math" charset="0"/>
                             <a:ea typeface="Cambria Math"/>
                           </a:rPr>
                         </m:ctrlPr>
@@ -6694,7 +6718,7 @@
                         <m:dPr>
                           <m:ctrlPr>
                             <a:rPr lang="de-DE" sz="3200" b="0" i="1" smtClean="0">
-                              <a:latin typeface="Cambria Math"/>
+                              <a:latin typeface="Cambria Math" charset="0"/>
                             </a:rPr>
                           </m:ctrlPr>
                         </m:dPr>
@@ -6712,7 +6736,7 @@
                             <m:sSupPr>
                               <m:ctrlPr>
                                 <a:rPr lang="de-DE" sz="3200" i="1" smtClean="0">
-                                  <a:latin typeface="Cambria Math"/>
+                                  <a:latin typeface="Cambria Math" charset="0"/>
                                   <a:ea typeface="Cambria Math"/>
                                 </a:rPr>
                               </m:ctrlPr>
@@ -6763,7 +6787,7 @@
                         <m:sSubPr>
                           <m:ctrlPr>
                             <a:rPr lang="de-DE" sz="3200" b="0" i="1" smtClean="0">
-                              <a:latin typeface="Cambria Math"/>
+                              <a:latin typeface="Cambria Math" charset="0"/>
                               <a:ea typeface="Cambria Math"/>
                             </a:rPr>
                           </m:ctrlPr>
@@ -6782,7 +6806,7 @@
                             <m:sSubPr>
                               <m:ctrlPr>
                                 <a:rPr lang="de-DE" sz="3200" b="0" i="1" smtClean="0">
-                                  <a:latin typeface="Cambria Math"/>
+                                  <a:latin typeface="Cambria Math" charset="0"/>
                                   <a:ea typeface="Cambria Math"/>
                                 </a:rPr>
                               </m:ctrlPr>
@@ -6817,7 +6841,7 @@
                             <m:sSubPr>
                               <m:ctrlPr>
                                 <a:rPr lang="de-DE" sz="3200" b="0" i="1" smtClean="0">
-                                  <a:latin typeface="Cambria Math"/>
+                                  <a:latin typeface="Cambria Math" charset="0"/>
                                   <a:ea typeface="Cambria Math"/>
                                 </a:rPr>
                               </m:ctrlPr>
@@ -6852,7 +6876,7 @@
                             <m:sSupPr>
                               <m:ctrlPr>
                                 <a:rPr lang="de-DE" sz="3200" b="0" i="1" smtClean="0">
-                                  <a:latin typeface="Cambria Math"/>
+                                  <a:latin typeface="Cambria Math" charset="0"/>
                                   <a:ea typeface="Cambria Math"/>
                                 </a:rPr>
                               </m:ctrlPr>
@@ -6931,7 +6955,7 @@
                         <m:sSubPr>
                           <m:ctrlPr>
                             <a:rPr lang="de-DE" sz="3200" b="0" i="1" smtClean="0">
-                              <a:latin typeface="Cambria Math"/>
+                              <a:latin typeface="Cambria Math" charset="0"/>
                               <a:ea typeface="Cambria Math"/>
                             </a:rPr>
                           </m:ctrlPr>
@@ -6966,7 +6990,7 @@
                         <m:sSubPr>
                           <m:ctrlPr>
                             <a:rPr lang="de-DE" sz="3200" b="0" i="1" smtClean="0">
-                              <a:latin typeface="Cambria Math"/>
+                              <a:latin typeface="Cambria Math" charset="0"/>
                               <a:ea typeface="Cambria Math"/>
                             </a:rPr>
                           </m:ctrlPr>
@@ -7037,7 +7061,7 @@
                       <m:sSupPr>
                         <m:ctrlPr>
                           <a:rPr lang="de-DE" sz="3200" i="1">
-                            <a:latin typeface="Cambria Math"/>
+                            <a:latin typeface="Cambria Math" charset="0"/>
                             <a:ea typeface="Cambria Math"/>
                           </a:rPr>
                         </m:ctrlPr>
@@ -7106,7 +7130,7 @@
                             <a:solidFill>
                               <a:schemeClr val="tx1"/>
                             </a:solidFill>
-                            <a:latin typeface="Cambria Math"/>
+                            <a:latin typeface="Cambria Math" charset="0"/>
                           </a:rPr>
                         </m:ctrlPr>
                       </m:funcPr>
@@ -7118,7 +7142,7 @@
                                 <a:solidFill>
                                   <a:schemeClr val="tx1"/>
                                 </a:solidFill>
-                                <a:latin typeface="Cambria Math"/>
+                                <a:latin typeface="Cambria Math" charset="0"/>
                               </a:rPr>
                             </m:ctrlPr>
                           </m:sSupPr>
@@ -7182,7 +7206,7 @@
                                 <a:solidFill>
                                   <a:schemeClr val="tx1"/>
                                 </a:solidFill>
-                                <a:latin typeface="Cambria Math"/>
+                                <a:latin typeface="Cambria Math" charset="0"/>
                               </a:rPr>
                             </m:ctrlPr>
                           </m:funcPr>
@@ -7194,7 +7218,7 @@
                                     <a:solidFill>
                                       <a:schemeClr val="tx1"/>
                                     </a:solidFill>
-                                    <a:latin typeface="Cambria Math"/>
+                                    <a:latin typeface="Cambria Math" charset="0"/>
                                   </a:rPr>
                                 </m:ctrlPr>
                               </m:limLowPr>
@@ -7255,7 +7279,7 @@
                                     <a:solidFill>
                                       <a:schemeClr val="tx1"/>
                                     </a:solidFill>
-                                    <a:latin typeface="Cambria Math"/>
+                                    <a:latin typeface="Cambria Math" charset="0"/>
                                   </a:rPr>
                                 </m:ctrlPr>
                               </m:dPr>
@@ -7279,7 +7303,7 @@
                                         <a:solidFill>
                                           <a:schemeClr val="tx1"/>
                                         </a:solidFill>
-                                        <a:latin typeface="Cambria Math"/>
+                                        <a:latin typeface="Cambria Math" charset="0"/>
                                         <a:ea typeface="Cambria Math"/>
                                       </a:rPr>
                                     </m:ctrlPr>
@@ -7419,7 +7443,7 @@
                       <m:sSupPr>
                         <m:ctrlPr>
                           <a:rPr lang="de-DE" sz="3200" i="1">
-                            <a:latin typeface="Cambria Math"/>
+                            <a:latin typeface="Cambria Math" charset="0"/>
                           </a:rPr>
                         </m:ctrlPr>
                       </m:sSupPr>
@@ -7463,7 +7487,7 @@
                       <m:sSupPr>
                         <m:ctrlPr>
                           <a:rPr lang="de-DE" sz="3200" i="1">
-                            <a:latin typeface="Cambria Math"/>
+                            <a:latin typeface="Cambria Math" charset="0"/>
                             <a:ea typeface="Cambria Math"/>
                           </a:rPr>
                         </m:ctrlPr>
@@ -7610,7 +7634,7 @@
         <p:spPr>
           <a:xfrm>
             <a:off x="32178495" y="5828213"/>
-            <a:ext cx="9344943" cy="6712129"/>
+            <a:ext cx="9344943" cy="8199526"/>
           </a:xfrm>
           <a:prstGeom prst="rect">
             <a:avLst/>
@@ -7843,7 +7867,7 @@
                 <a:latin typeface="Arial" panose="020B0604020202020204" pitchFamily="34" charset="0"/>
                 <a:cs typeface="Arial" panose="020B0604020202020204" pitchFamily="34" charset="0"/>
               </a:rPr>
-              <a:t>Conclusion</a:t>
+              <a:t>Discussion</a:t>
             </a:r>
             <a:endParaRPr lang="en-US" sz="2829" dirty="0">
               <a:solidFill>
@@ -7855,244 +7879,158 @@
           </a:p>
         </p:txBody>
       </p:sp>
-      <mc:AlternateContent xmlns:mc="http://schemas.openxmlformats.org/markup-compatibility/2006">
-        <mc:Choice xmlns:a14="http://schemas.microsoft.com/office/drawing/2010/main" Requires="a14">
-          <p:sp>
-            <p:nvSpPr>
-              <p:cNvPr id="106" name="Textfeld 105"/>
-              <p:cNvSpPr txBox="1"/>
-              <p:nvPr/>
-            </p:nvSpPr>
-            <p:spPr>
-              <a:xfrm>
-                <a:off x="32178498" y="6709187"/>
-                <a:ext cx="9344942" cy="5653086"/>
-              </a:xfrm>
-              <a:prstGeom prst="rect">
-                <a:avLst/>
-              </a:prstGeom>
-              <a:noFill/>
-            </p:spPr>
-            <p:txBody>
-              <a:bodyPr wrap="square" rtlCol="0">
-                <a:spAutoFit/>
-              </a:bodyPr>
-              <a:lstStyle/>
-              <a:p>
-                <a:pPr marL="285750" indent="-285750">
-                  <a:spcAft>
-                    <a:spcPts val="1200"/>
-                  </a:spcAft>
-                  <a:buFont typeface="Arial" pitchFamily="34" charset="0"/>
-                  <a:buChar char="•"/>
-                </a:pPr>
-                <a:r>
-                  <a:rPr lang="en-GB" sz="3200" dirty="0" smtClean="0"/>
-                  <a:t>EM works well in our multi-parameter problem </a:t>
-                </a:r>
-                <a:r>
-                  <a:rPr lang="en-GB" sz="3200" dirty="0" smtClean="0"/>
-                  <a:t>and algorithm converges </a:t>
-                </a:r>
-                <a:r>
-                  <a:rPr lang="en-GB" sz="3200" dirty="0" smtClean="0"/>
-                  <a:t>fast</a:t>
-                </a:r>
-                <a:endParaRPr lang="en-GB" sz="3200" dirty="0" smtClean="0"/>
-              </a:p>
-              <a:p>
-                <a:pPr marL="285750" indent="-285750">
-                  <a:spcAft>
-                    <a:spcPts val="1200"/>
-                  </a:spcAft>
-                  <a:buFont typeface="Arial" pitchFamily="34" charset="0"/>
-                  <a:buChar char="•"/>
-                </a:pPr>
-                <a:r>
-                  <a:rPr lang="en-GB" sz="3200" dirty="0" smtClean="0"/>
-                  <a:t>Complexity of </a:t>
-                </a:r>
-                <a:r>
-                  <a:rPr lang="en-GB" sz="3200" dirty="0"/>
-                  <a:t>SEM</a:t>
-                </a:r>
-                <a:r>
-                  <a:rPr lang="en-GB" sz="3200" dirty="0" smtClean="0"/>
-                  <a:t> implementation depends on type of </a:t>
-                </a:r>
-                <a:r>
-                  <a:rPr lang="en-GB" sz="3200" dirty="0" smtClean="0"/>
-                  <a:t>model</a:t>
-                </a:r>
-                <a:endParaRPr lang="en-GB" sz="3200" dirty="0" smtClean="0"/>
-              </a:p>
-              <a:p>
-                <a:pPr marL="285750" indent="-285750">
-                  <a:spcAft>
-                    <a:spcPts val="1200"/>
-                  </a:spcAft>
-                  <a:buFont typeface="Arial" pitchFamily="34" charset="0"/>
-                  <a:buChar char="•"/>
-                </a:pPr>
-                <a:r>
-                  <a:rPr lang="en-GB" sz="3200" dirty="0" smtClean="0"/>
-                  <a:t>In </a:t>
-                </a:r>
-                <a:r>
-                  <a:rPr lang="en-GB" sz="3200" dirty="0" smtClean="0"/>
-                  <a:t>contrast </a:t>
-                </a:r>
-                <a:r>
-                  <a:rPr lang="en-GB" sz="3200" dirty="0" smtClean="0"/>
-                  <a:t>an asymptotic variance-covariance matrix can relatively easily be obtained from bootstrapping method</a:t>
-                </a:r>
-              </a:p>
-              <a:p>
-                <a:pPr marL="285750" indent="-285750">
-                  <a:spcAft>
-                    <a:spcPts val="1200"/>
-                  </a:spcAft>
-                  <a:buFont typeface="Arial" pitchFamily="34" charset="0"/>
-                  <a:buChar char="•"/>
-                </a:pPr>
-                <a:r>
-                  <a:rPr lang="en-GB" sz="3200" dirty="0" smtClean="0"/>
-                  <a:t>Bootstrapping delivers very accurate results, as can be seen by the difference </a:t>
-                </a:r>
-                <a14:m>
-                  <m:oMath xmlns:m="http://schemas.openxmlformats.org/officeDocument/2006/math">
-                    <m:r>
-                      <a:rPr lang="de-DE" sz="3200" i="1">
-                        <a:latin typeface="Cambria Math"/>
-                      </a:rPr>
-                      <m:t>𝑉</m:t>
-                    </m:r>
-                    <m:r>
-                      <a:rPr lang="de-DE" sz="3200" i="1" baseline="-25000">
-                        <a:latin typeface="Cambria Math"/>
-                      </a:rPr>
-                      <m:t>𝑐</m:t>
-                    </m:r>
-                    <m:r>
-                      <a:rPr lang="de-DE" sz="3200" i="1">
-                        <a:latin typeface="Cambria Math"/>
-                      </a:rPr>
-                      <m:t>(</m:t>
-                    </m:r>
-                    <m:r>
-                      <a:rPr lang="de-DE" sz="3200" i="1">
-                        <a:latin typeface="Cambria Math"/>
-                        <a:ea typeface="Cambria Math"/>
-                      </a:rPr>
-                      <m:t>𝜃</m:t>
-                    </m:r>
-                    <m:r>
-                      <a:rPr lang="de-DE" sz="3200" i="1">
-                        <a:latin typeface="Cambria Math"/>
-                      </a:rPr>
-                      <m:t>)−</m:t>
-                    </m:r>
-                    <m:r>
-                      <a:rPr lang="de-DE" sz="3200" i="1">
-                        <a:latin typeface="Cambria Math"/>
-                      </a:rPr>
-                      <m:t>𝑉</m:t>
-                    </m:r>
-                    <m:r>
-                      <a:rPr lang="de-DE" sz="3200" b="0" i="1" smtClean="0">
-                        <a:latin typeface="Cambria Math"/>
-                      </a:rPr>
-                      <m:t>(</m:t>
-                    </m:r>
-                    <m:acc>
-                      <m:accPr>
-                        <m:chr m:val="̂"/>
-                        <m:ctrlPr>
-                          <a:rPr lang="de-DE" sz="3200" b="0" i="1" smtClean="0">
-                            <a:latin typeface="Cambria Math"/>
-                          </a:rPr>
-                        </m:ctrlPr>
-                      </m:accPr>
-                      <m:e>
-                        <m:r>
-                          <a:rPr lang="de-DE" sz="3200" i="1">
-                            <a:latin typeface="Cambria Math"/>
-                            <a:ea typeface="Cambria Math"/>
-                          </a:rPr>
-                          <m:t>𝜃</m:t>
-                        </m:r>
-                      </m:e>
-                    </m:acc>
-                    <m:r>
-                      <a:rPr lang="de-DE" sz="3200" i="1">
-                        <a:latin typeface="Cambria Math"/>
-                      </a:rPr>
-                      <m:t>)</m:t>
-                    </m:r>
-                  </m:oMath>
-                </a14:m>
-                <a:r>
-                  <a:rPr lang="en-GB" sz="3200" dirty="0"/>
-                  <a:t> </a:t>
-                </a:r>
-                <a:endParaRPr lang="en-GB" sz="3200" dirty="0" smtClean="0"/>
-              </a:p>
-              <a:p>
-                <a:pPr marL="285750" indent="-285750">
-                  <a:spcAft>
-                    <a:spcPts val="1200"/>
-                  </a:spcAft>
-                  <a:buFont typeface="Arial" pitchFamily="34" charset="0"/>
-                  <a:buChar char="•"/>
-                </a:pPr>
-                <a:r>
-                  <a:rPr lang="en-GB" sz="3200" dirty="0" smtClean="0"/>
-                  <a:t>Bootstrapping computationally more costly than SEM</a:t>
-                </a:r>
-                <a:endParaRPr lang="en-GB" sz="3200" dirty="0" smtClean="0"/>
-              </a:p>
-            </p:txBody>
-          </p:sp>
-        </mc:Choice>
-        <mc:Fallback>
-          <p:sp>
-            <p:nvSpPr>
-              <p:cNvPr id="106" name="Textfeld 105"/>
-              <p:cNvSpPr txBox="1">
-                <a:spLocks noRot="1" noChangeAspect="1" noMove="1" noResize="1" noEditPoints="1" noAdjustHandles="1" noChangeArrowheads="1" noChangeShapeType="1" noTextEdit="1"/>
-              </p:cNvSpPr>
-              <p:nvPr/>
-            </p:nvSpPr>
-            <p:spPr>
-              <a:xfrm>
-                <a:off x="32178498" y="6709187"/>
-                <a:ext cx="9344942" cy="5653086"/>
-              </a:xfrm>
-              <a:prstGeom prst="rect">
-                <a:avLst/>
-              </a:prstGeom>
-              <a:blipFill rotWithShape="1">
-                <a:blip r:embed="rId7"/>
-                <a:stretch>
-                  <a:fillRect l="-1500" t="-1402" r="-848" b="-2697"/>
-                </a:stretch>
-              </a:blipFill>
-            </p:spPr>
-            <p:txBody>
-              <a:bodyPr/>
-              <a:lstStyle/>
-              <a:p>
-                <a:r>
-                  <a:rPr lang="de-DE">
-                    <a:noFill/>
-                  </a:rPr>
-                  <a:t> </a:t>
-                </a:r>
-              </a:p>
-            </p:txBody>
-          </p:sp>
-        </mc:Fallback>
-      </mc:AlternateContent>
+      <p:sp>
+        <p:nvSpPr>
+          <p:cNvPr id="106" name="Textfeld 105"/>
+          <p:cNvSpPr txBox="1"/>
+          <p:nvPr/>
+        </p:nvSpPr>
+        <p:spPr>
+          <a:xfrm>
+            <a:off x="32178494" y="6794226"/>
+            <a:ext cx="9344942" cy="6771084"/>
+          </a:xfrm>
+          <a:prstGeom prst="rect">
+            <a:avLst/>
+          </a:prstGeom>
+          <a:noFill/>
+        </p:spPr>
+        <p:txBody>
+          <a:bodyPr wrap="square" rtlCol="0">
+            <a:spAutoFit/>
+          </a:bodyPr>
+          <a:lstStyle/>
+          <a:p>
+            <a:pPr marL="285750" indent="-285750">
+              <a:spcAft>
+                <a:spcPts val="1200"/>
+              </a:spcAft>
+              <a:buFont typeface="Arial" pitchFamily="34" charset="0"/>
+              <a:buChar char="•"/>
+            </a:pPr>
+            <a:r>
+              <a:rPr lang="en-GB" sz="3200" dirty="0" smtClean="0"/>
+              <a:t>EM works well in our multi-parameter problem and algorithm converges </a:t>
+            </a:r>
+            <a:r>
+              <a:rPr lang="en-GB" sz="3200" dirty="0" smtClean="0"/>
+              <a:t>fast</a:t>
+            </a:r>
+            <a:endParaRPr lang="en-GB" sz="3200" dirty="0" smtClean="0"/>
+          </a:p>
+          <a:p>
+            <a:pPr marL="285750" indent="-285750">
+              <a:spcAft>
+                <a:spcPts val="1200"/>
+              </a:spcAft>
+              <a:buFont typeface="Arial" pitchFamily="34" charset="0"/>
+              <a:buChar char="•"/>
+            </a:pPr>
+            <a:r>
+              <a:rPr lang="en-GB" sz="3200" dirty="0" smtClean="0"/>
+              <a:t>Complexity of </a:t>
+            </a:r>
+            <a:r>
+              <a:rPr lang="en-GB" sz="3200" dirty="0"/>
+              <a:t>SEM</a:t>
+            </a:r>
+            <a:r>
+              <a:rPr lang="en-GB" sz="3200" dirty="0" smtClean="0"/>
+              <a:t> implementation depends on type of </a:t>
+            </a:r>
+            <a:r>
+              <a:rPr lang="en-GB" sz="3200" dirty="0" smtClean="0"/>
+              <a:t>model</a:t>
+            </a:r>
+          </a:p>
+          <a:p>
+            <a:pPr marL="285750" indent="-285750">
+              <a:spcAft>
+                <a:spcPts val="1200"/>
+              </a:spcAft>
+              <a:buFont typeface="Arial" pitchFamily="34" charset="0"/>
+              <a:buChar char="•"/>
+            </a:pPr>
+            <a:r>
+              <a:rPr lang="en-GB" sz="3200" dirty="0" smtClean="0"/>
+              <a:t>Numerical stability could not be achieved in our case</a:t>
+            </a:r>
+            <a:endParaRPr lang="en-GB" sz="3200" dirty="0" smtClean="0"/>
+          </a:p>
+          <a:p>
+            <a:pPr marL="285750" indent="-285750">
+              <a:spcAft>
+                <a:spcPts val="1200"/>
+              </a:spcAft>
+              <a:buFont typeface="Arial" pitchFamily="34" charset="0"/>
+              <a:buChar char="•"/>
+            </a:pPr>
+            <a:r>
+              <a:rPr lang="en-GB" sz="3200" dirty="0" smtClean="0"/>
+              <a:t>In </a:t>
+            </a:r>
+            <a:r>
+              <a:rPr lang="en-GB" sz="3200" dirty="0" smtClean="0"/>
+              <a:t>contrast, </a:t>
+            </a:r>
+            <a:r>
+              <a:rPr lang="en-GB" sz="3200" dirty="0" smtClean="0"/>
+              <a:t>an asymptotic variance-covariance matrix can relatively easily be obtained from </a:t>
+            </a:r>
+            <a:r>
+              <a:rPr lang="en-GB" sz="3200" dirty="0" smtClean="0"/>
+              <a:t>bootstrapping</a:t>
+            </a:r>
+            <a:endParaRPr lang="en-GB" sz="3200" dirty="0" smtClean="0"/>
+          </a:p>
+          <a:p>
+            <a:pPr marL="285750" indent="-285750">
+              <a:spcAft>
+                <a:spcPts val="1200"/>
+              </a:spcAft>
+              <a:buFont typeface="Arial" pitchFamily="34" charset="0"/>
+              <a:buChar char="•"/>
+            </a:pPr>
+            <a:r>
+              <a:rPr lang="en-GB" sz="3200" dirty="0" smtClean="0"/>
+              <a:t>Bootstrapping delivers </a:t>
+            </a:r>
+            <a:r>
+              <a:rPr lang="en-GB" sz="3200" dirty="0" smtClean="0"/>
+              <a:t>accurate results in our simulation study</a:t>
+            </a:r>
+          </a:p>
+          <a:p>
+            <a:pPr marL="285750" indent="-285750">
+              <a:spcAft>
+                <a:spcPts val="1200"/>
+              </a:spcAft>
+              <a:buFont typeface="Arial" pitchFamily="34" charset="0"/>
+              <a:buChar char="•"/>
+            </a:pPr>
+            <a:r>
+              <a:rPr lang="en-GB" sz="3200" dirty="0" smtClean="0"/>
+              <a:t>Bootstrapping </a:t>
+            </a:r>
+            <a:r>
+              <a:rPr lang="en-GB" sz="3200" dirty="0" smtClean="0"/>
+              <a:t>computationally </a:t>
+            </a:r>
+            <a:r>
+              <a:rPr lang="en-GB" sz="3200" dirty="0" smtClean="0"/>
+              <a:t>by far more </a:t>
+            </a:r>
+            <a:r>
+              <a:rPr lang="en-GB" sz="3200" dirty="0" smtClean="0"/>
+              <a:t>costly than </a:t>
+            </a:r>
+            <a:r>
+              <a:rPr lang="en-GB" sz="3200" dirty="0" smtClean="0"/>
+              <a:t>SEM, however the performance increase of modern hardware marginalizes this problem</a:t>
+            </a:r>
+          </a:p>
+        </p:txBody>
+      </p:sp>
       <p:sp>
         <p:nvSpPr>
           <p:cNvPr id="107" name="Textfeld 106"/>
@@ -8101,7 +8039,7 @@
         </p:nvSpPr>
         <p:spPr>
           <a:xfrm>
-            <a:off x="32178550" y="22698445"/>
+            <a:off x="32152567" y="23081037"/>
             <a:ext cx="9344942" cy="5293757"/>
           </a:xfrm>
           <a:prstGeom prst="rect">
@@ -8232,8 +8170,8 @@
           </a:p>
         </p:txBody>
       </p:sp>
-      <mc:AlternateContent xmlns:mc="http://schemas.openxmlformats.org/markup-compatibility/2006">
-        <mc:Choice xmlns:a14="http://schemas.microsoft.com/office/drawing/2010/main" Requires="a14">
+      <mc:AlternateContent xmlns:mc="http://schemas.openxmlformats.org/markup-compatibility/2006" xmlns:a14="http://schemas.microsoft.com/office/drawing/2010/main">
+        <mc:Choice Requires="a14">
           <p:sp>
             <p:nvSpPr>
               <p:cNvPr id="5" name="Textfeld 4"/>
@@ -8308,7 +8246,7 @@
                         <m:dPr>
                           <m:ctrlPr>
                             <a:rPr lang="de-DE" sz="3200" b="0" i="1" smtClean="0">
-                              <a:latin typeface="Cambria Math"/>
+                              <a:latin typeface="Cambria Math" charset="0"/>
                               <a:ea typeface="Cambria Math" charset="0"/>
                             </a:rPr>
                           </m:ctrlPr>
@@ -8319,7 +8257,7 @@
                               <m:type m:val="noBar"/>
                               <m:ctrlPr>
                                 <a:rPr lang="de-DE" sz="3200" b="0" i="1" smtClean="0">
-                                  <a:latin typeface="Cambria Math"/>
+                                  <a:latin typeface="Cambria Math" charset="0"/>
                                   <a:ea typeface="Cambria Math" charset="0"/>
                                 </a:rPr>
                               </m:ctrlPr>
@@ -8379,7 +8317,7 @@
                         <m:dPr>
                           <m:ctrlPr>
                             <a:rPr lang="mr-IN" sz="3200" b="0" i="1" smtClean="0">
-                              <a:latin typeface="Cambria Math"/>
+                              <a:latin typeface="Cambria Math" charset="0"/>
                               <a:ea typeface="Cambria Math" charset="0"/>
                               <a:cs typeface="Cambria Math" charset="0"/>
                             </a:rPr>
@@ -8390,7 +8328,7 @@
                             <m:dPr>
                               <m:ctrlPr>
                                 <a:rPr lang="mr-IN" sz="3200" b="0" i="1" smtClean="0">
-                                  <a:latin typeface="Cambria Math"/>
+                                  <a:latin typeface="Cambria Math" charset="0"/>
                                   <a:ea typeface="Cambria Math" charset="0"/>
                                 </a:rPr>
                               </m:ctrlPr>
@@ -8401,7 +8339,7 @@
                                   <m:type m:val="noBar"/>
                                   <m:ctrlPr>
                                     <a:rPr lang="mr-IN" sz="3200" b="0" i="1" smtClean="0">
-                                      <a:latin typeface="Cambria Math"/>
+                                      <a:latin typeface="Cambria Math" charset="0"/>
                                       <a:ea typeface="Cambria Math" charset="0"/>
                                     </a:rPr>
                                   </m:ctrlPr>
@@ -8438,7 +8376,7 @@
                             <m:dPr>
                               <m:ctrlPr>
                                 <a:rPr lang="de-DE" sz="3200" b="0" i="1" smtClean="0">
-                                  <a:latin typeface="Cambria Math"/>
+                                  <a:latin typeface="Cambria Math" charset="0"/>
                                   <a:ea typeface="Cambria Math" charset="0"/>
                                 </a:rPr>
                               </m:ctrlPr>
@@ -8449,7 +8387,7 @@
                                   <m:type m:val="noBar"/>
                                   <m:ctrlPr>
                                     <a:rPr lang="de-DE" sz="3200" b="0" i="1" smtClean="0">
-                                      <a:latin typeface="Cambria Math"/>
+                                      <a:latin typeface="Cambria Math" charset="0"/>
                                       <a:ea typeface="Cambria Math" charset="0"/>
                                     </a:rPr>
                                   </m:ctrlPr>
@@ -8485,7 +8423,7 @@
                                   <m:type m:val="noBar"/>
                                   <m:ctrlPr>
                                     <a:rPr lang="de-DE" sz="3200" b="0" i="1" smtClean="0">
-                                      <a:latin typeface="Cambria Math"/>
+                                      <a:latin typeface="Cambria Math" charset="0"/>
                                       <a:ea typeface="Cambria Math" charset="0"/>
                                     </a:rPr>
                                   </m:ctrlPr>
@@ -8627,7 +8565,7 @@
                       <m:dPr>
                         <m:ctrlPr>
                           <a:rPr lang="de-DE" sz="3200" i="1" smtClean="0">
-                            <a:latin typeface="Cambria Math"/>
+                            <a:latin typeface="Cambria Math" charset="0"/>
                             <a:ea typeface="Cambria Math"/>
                           </a:rPr>
                         </m:ctrlPr>
@@ -8637,7 +8575,7 @@
                           <m:sSubPr>
                             <m:ctrlPr>
                               <a:rPr lang="de-DE" sz="3200" i="1">
-                                <a:latin typeface="Cambria Math"/>
+                                <a:latin typeface="Cambria Math" charset="0"/>
                                 <a:ea typeface="Cambria Math"/>
                               </a:rPr>
                             </m:ctrlPr>
@@ -8672,7 +8610,7 @@
                           <m:sSubSupPr>
                             <m:ctrlPr>
                               <a:rPr lang="de-DE" sz="3200" i="1">
-                                <a:latin typeface="Cambria Math"/>
+                                <a:latin typeface="Cambria Math" charset="0"/>
                                 <a:ea typeface="Cambria Math"/>
                               </a:rPr>
                             </m:ctrlPr>
@@ -8716,7 +8654,7 @@
                           <m:sSubPr>
                             <m:ctrlPr>
                               <a:rPr lang="de-DE" sz="3200" i="1">
-                                <a:latin typeface="Cambria Math"/>
+                                <a:latin typeface="Cambria Math" charset="0"/>
                                 <a:ea typeface="Cambria Math"/>
                               </a:rPr>
                             </m:ctrlPr>
@@ -8751,7 +8689,7 @@
                           <m:sSubSupPr>
                             <m:ctrlPr>
                               <a:rPr lang="de-DE" sz="3200" i="1" smtClean="0">
-                                <a:latin typeface="Cambria Math"/>
+                                <a:latin typeface="Cambria Math" charset="0"/>
                                 <a:ea typeface="Cambria Math"/>
                               </a:rPr>
                             </m:ctrlPr>
@@ -8816,7 +8754,6 @@
                   <a:rPr lang="en-US" sz="3200" dirty="0" smtClean="0"/>
                   <a:t>True variance-covariance matrix is compared with EM imputed matrix an bootstrapped matrix</a:t>
                 </a:r>
-                <a:endParaRPr lang="en-US" sz="3200" dirty="0" smtClean="0"/>
               </a:p>
               <a:p>
                 <a:pPr marL="314325" indent="-314325">
@@ -8835,7 +8772,7 @@
             </p:txBody>
           </p:sp>
         </mc:Choice>
-        <mc:Fallback>
+        <mc:Fallback xmlns="">
           <p:sp>
             <p:nvSpPr>
               <p:cNvPr id="5" name="Textfeld 4"/>
@@ -8884,7 +8821,7 @@
         </p:nvSpPr>
         <p:spPr bwMode="auto">
           <a:xfrm>
-            <a:off x="32178506" y="13070854"/>
+            <a:off x="32178493" y="14953370"/>
             <a:ext cx="9344944" cy="827153"/>
           </a:xfrm>
           <a:prstGeom prst="rect">
@@ -8943,8 +8880,8 @@
         </p:nvSpPr>
         <p:spPr>
           <a:xfrm>
-            <a:off x="32178529" y="13078451"/>
-            <a:ext cx="9344943" cy="8080490"/>
+            <a:off x="32152566" y="14881942"/>
+            <a:ext cx="9344943" cy="5379327"/>
           </a:xfrm>
           <a:prstGeom prst="rect">
             <a:avLst/>
@@ -8991,7 +8928,7 @@
         </p:nvSpPr>
         <p:spPr>
           <a:xfrm>
-            <a:off x="32178506" y="13129536"/>
+            <a:off x="32371250" y="15031731"/>
             <a:ext cx="8959430" cy="636648"/>
           </a:xfrm>
           <a:prstGeom prst="rect">
@@ -9017,7 +8954,17 @@
                 <a:latin typeface="Arial" panose="020B0604020202020204" pitchFamily="34" charset="0"/>
                 <a:cs typeface="Arial" panose="020B0604020202020204" pitchFamily="34" charset="0"/>
               </a:rPr>
-              <a:t>7. Discussion</a:t>
+              <a:t>7. </a:t>
+            </a:r>
+            <a:r>
+              <a:rPr lang="en-US" sz="3537" b="1" dirty="0" smtClean="0">
+                <a:solidFill>
+                  <a:srgbClr val="DCE6F2"/>
+                </a:solidFill>
+                <a:latin typeface="Arial" panose="020B0604020202020204" pitchFamily="34" charset="0"/>
+                <a:cs typeface="Arial" panose="020B0604020202020204" pitchFamily="34" charset="0"/>
+              </a:rPr>
+              <a:t>Conclusion</a:t>
             </a:r>
             <a:endParaRPr lang="en-US" sz="2829" dirty="0">
               <a:solidFill>
@@ -9037,8 +8984,8 @@
         </p:nvSpPr>
         <p:spPr>
           <a:xfrm>
-            <a:off x="32178508" y="13898007"/>
-            <a:ext cx="9344942" cy="6924973"/>
+            <a:off x="32178494" y="15969493"/>
+            <a:ext cx="9344942" cy="3847207"/>
           </a:xfrm>
           <a:prstGeom prst="rect">
             <a:avLst/>
@@ -9060,17 +9007,8 @@
             </a:pPr>
             <a:r>
               <a:rPr lang="en-GB" sz="3200" dirty="0" smtClean="0"/>
-              <a:t>SEM still in discussion as an alternative </a:t>
-            </a:r>
-            <a:r>
-              <a:rPr lang="en-GB" sz="3200" dirty="0" smtClean="0"/>
-              <a:t>methods like bootstrapping and </a:t>
-            </a:r>
-            <a:r>
-              <a:rPr lang="en-GB" sz="3200" dirty="0" err="1" smtClean="0"/>
-              <a:t>jacknife</a:t>
-            </a:r>
-            <a:endParaRPr lang="en-GB" sz="3200" dirty="0" smtClean="0"/>
+              <a:t>In theory: SEM as an easy and convenient tool to obtain variance-covariance estimates for ML parameters in missing data problems</a:t>
+            </a:r>
           </a:p>
           <a:p>
             <a:pPr marL="285750" indent="-285750">
@@ -9082,7 +9020,7 @@
             </a:pPr>
             <a:r>
               <a:rPr lang="en-GB" sz="3200" dirty="0" smtClean="0"/>
-              <a:t>EM widely established in open-source and commercial statistical programs</a:t>
+              <a:t>In practice: Difficulties implementing a numerically stable solution</a:t>
             </a:r>
           </a:p>
           <a:p>
@@ -9094,76 +9032,76 @@
               <a:buChar char="•"/>
             </a:pPr>
             <a:r>
-              <a:rPr lang="en-GB" sz="3200" dirty="0" smtClean="0"/>
-              <a:t>Nevertheless, SEM only rarely implemented</a:t>
-            </a:r>
-          </a:p>
-          <a:p>
-            <a:pPr marL="285750" indent="-285750">
-              <a:spcAft>
-                <a:spcPts val="1200"/>
-              </a:spcAft>
-              <a:buFont typeface="Arial" pitchFamily="34" charset="0"/>
-              <a:buChar char="•"/>
-            </a:pPr>
-            <a:r>
-              <a:rPr lang="en-GB" sz="3200" dirty="0" smtClean="0"/>
-              <a:t>Implementations in IRTPRO and R (openmx, coarseDataTools)</a:t>
-            </a:r>
-          </a:p>
-          <a:p>
-            <a:pPr marL="285750" indent="-285750">
-              <a:spcAft>
-                <a:spcPts val="1200"/>
-              </a:spcAft>
-              <a:buFont typeface="Arial" pitchFamily="34" charset="0"/>
-              <a:buChar char="•"/>
-            </a:pPr>
-            <a:r>
-              <a:rPr lang="en-GB" sz="3200" dirty="0" smtClean="0"/>
-              <a:t>SEM mostly used </a:t>
-            </a:r>
-            <a:r>
-              <a:rPr lang="en-GB" sz="3200" dirty="0" smtClean="0"/>
-              <a:t>in the field </a:t>
-            </a:r>
-            <a:r>
-              <a:rPr lang="en-GB" sz="3200" dirty="0" smtClean="0"/>
-              <a:t>of item response theory</a:t>
-            </a:r>
-          </a:p>
-          <a:p>
-            <a:pPr marL="285750" indent="-285750">
-              <a:spcAft>
-                <a:spcPts val="1200"/>
-              </a:spcAft>
-              <a:buFont typeface="Arial" pitchFamily="34" charset="0"/>
-              <a:buChar char="•"/>
-            </a:pPr>
-            <a:r>
-              <a:rPr lang="en-GB" sz="3200" dirty="0" smtClean="0"/>
-              <a:t>Refinements of SEM, like agile-SEM for item response problems</a:t>
-            </a:r>
-          </a:p>
-          <a:p>
-            <a:pPr marL="285750" indent="-285750">
-              <a:spcAft>
-                <a:spcPts val="1200"/>
-              </a:spcAft>
-              <a:buFont typeface="Arial" pitchFamily="34" charset="0"/>
-              <a:buChar char="•"/>
-            </a:pPr>
-            <a:r>
-              <a:rPr lang="en-GB" sz="3200" dirty="0" smtClean="0"/>
-              <a:t>Bootstrapping heavily used in many fields, especially when large sample and </a:t>
-            </a:r>
-            <a:r>
-              <a:rPr lang="en-GB" sz="3200" dirty="0" err="1" smtClean="0"/>
-              <a:t>iid</a:t>
-            </a:r>
-            <a:r>
-              <a:rPr lang="en-GB" sz="3200" dirty="0" smtClean="0"/>
-              <a:t>-structure available</a:t>
+              <a:rPr lang="en-GB" sz="3200" dirty="0"/>
+              <a:t>Comparison of SEM and Boots</a:t>
+            </a:r>
+            <a:r>
+              <a:rPr lang="de-DE" sz="3200" dirty="0" err="1"/>
+              <a:t>trapping</a:t>
+            </a:r>
+            <a:r>
+              <a:rPr lang="de-DE" sz="3200" dirty="0"/>
+              <a:t> in </a:t>
+            </a:r>
+            <a:r>
+              <a:rPr lang="de-DE" sz="3200" dirty="0" err="1"/>
+              <a:t>small</a:t>
+            </a:r>
+            <a:r>
+              <a:rPr lang="de-DE" sz="3200" dirty="0"/>
+              <a:t> </a:t>
+            </a:r>
+            <a:r>
+              <a:rPr lang="de-DE" sz="3200" dirty="0" err="1"/>
+              <a:t>samples</a:t>
+            </a:r>
+            <a:r>
+              <a:rPr lang="de-DE" sz="3200" dirty="0"/>
+              <a:t> </a:t>
+            </a:r>
+            <a:r>
+              <a:rPr lang="de-DE" sz="3200" dirty="0" err="1"/>
+              <a:t>beyond</a:t>
+            </a:r>
+            <a:r>
+              <a:rPr lang="de-DE" sz="3200" dirty="0"/>
+              <a:t> </a:t>
+            </a:r>
+            <a:r>
+              <a:rPr lang="de-DE" sz="3200" dirty="0" err="1"/>
+              <a:t>the</a:t>
+            </a:r>
+            <a:r>
+              <a:rPr lang="de-DE" sz="3200" dirty="0"/>
+              <a:t> </a:t>
+            </a:r>
+            <a:r>
+              <a:rPr lang="de-DE" sz="3200" dirty="0" err="1"/>
+              <a:t>scope</a:t>
+            </a:r>
+            <a:r>
+              <a:rPr lang="de-DE" sz="3200" dirty="0"/>
+              <a:t> </a:t>
+            </a:r>
+            <a:r>
+              <a:rPr lang="de-DE" sz="3200" dirty="0" err="1"/>
+              <a:t>of</a:t>
+            </a:r>
+            <a:r>
+              <a:rPr lang="de-DE" sz="3200" dirty="0"/>
+              <a:t> </a:t>
+            </a:r>
+            <a:r>
+              <a:rPr lang="de-DE" sz="3200" dirty="0" err="1"/>
+              <a:t>this</a:t>
+            </a:r>
+            <a:r>
+              <a:rPr lang="de-DE" sz="3200" dirty="0"/>
+              <a:t> </a:t>
+            </a:r>
+            <a:r>
+              <a:rPr lang="de-DE" sz="3200" dirty="0" err="1" smtClean="0"/>
+              <a:t>study</a:t>
             </a:r>
             <a:endParaRPr lang="en-GB" sz="3200" dirty="0"/>
           </a:p>

--- a/poster/poster_template.pptx
+++ b/poster/poster_template.pptx
@@ -106,7 +106,7 @@
   </p:defaultTextStyle>
   <p:extLst>
     <p:ext uri="{EFAFB233-063F-42B5-8137-9DF3F51BA10A}">
-      <p15:sldGuideLst xmlns:p15="http://schemas.microsoft.com/office/powerpoint/2012/main">
+      <p15:sldGuideLst xmlns:p15="http://schemas.microsoft.com/office/powerpoint/2012/main" xmlns="">
         <p15:guide id="1" orient="horz" pos="9536" userDrawn="1">
           <p15:clr>
             <a:srgbClr val="A4A3A4"/>
@@ -316,7 +316,7 @@
           <a:p>
             <a:fld id="{0B7A2DEA-69B7-D343-870B-04A176525892}" type="datetimeFigureOut">
               <a:rPr lang="de-DE" smtClean="0"/>
-              <a:t>07.02.18</a:t>
+              <a:t>09.02.2018</a:t>
             </a:fld>
             <a:endParaRPr lang="en-US"/>
           </a:p>
@@ -486,7 +486,7 @@
           <a:p>
             <a:fld id="{0B7A2DEA-69B7-D343-870B-04A176525892}" type="datetimeFigureOut">
               <a:rPr lang="de-DE" smtClean="0"/>
-              <a:t>07.02.18</a:t>
+              <a:t>09.02.2018</a:t>
             </a:fld>
             <a:endParaRPr lang="en-US"/>
           </a:p>
@@ -666,7 +666,7 @@
           <a:p>
             <a:fld id="{0B7A2DEA-69B7-D343-870B-04A176525892}" type="datetimeFigureOut">
               <a:rPr lang="de-DE" smtClean="0"/>
-              <a:t>07.02.18</a:t>
+              <a:t>09.02.2018</a:t>
             </a:fld>
             <a:endParaRPr lang="en-US"/>
           </a:p>
@@ -836,7 +836,7 @@
           <a:p>
             <a:fld id="{0B7A2DEA-69B7-D343-870B-04A176525892}" type="datetimeFigureOut">
               <a:rPr lang="de-DE" smtClean="0"/>
-              <a:t>07.02.18</a:t>
+              <a:t>09.02.2018</a:t>
             </a:fld>
             <a:endParaRPr lang="en-US"/>
           </a:p>
@@ -1082,7 +1082,7 @@
           <a:p>
             <a:fld id="{0B7A2DEA-69B7-D343-870B-04A176525892}" type="datetimeFigureOut">
               <a:rPr lang="de-DE" smtClean="0"/>
-              <a:t>07.02.18</a:t>
+              <a:t>09.02.2018</a:t>
             </a:fld>
             <a:endParaRPr lang="en-US"/>
           </a:p>
@@ -1370,7 +1370,7 @@
           <a:p>
             <a:fld id="{0B7A2DEA-69B7-D343-870B-04A176525892}" type="datetimeFigureOut">
               <a:rPr lang="de-DE" smtClean="0"/>
-              <a:t>07.02.18</a:t>
+              <a:t>09.02.2018</a:t>
             </a:fld>
             <a:endParaRPr lang="en-US"/>
           </a:p>
@@ -1797,7 +1797,7 @@
           <a:p>
             <a:fld id="{0B7A2DEA-69B7-D343-870B-04A176525892}" type="datetimeFigureOut">
               <a:rPr lang="de-DE" smtClean="0"/>
-              <a:t>07.02.18</a:t>
+              <a:t>09.02.2018</a:t>
             </a:fld>
             <a:endParaRPr lang="en-US"/>
           </a:p>
@@ -1915,7 +1915,7 @@
           <a:p>
             <a:fld id="{0B7A2DEA-69B7-D343-870B-04A176525892}" type="datetimeFigureOut">
               <a:rPr lang="de-DE" smtClean="0"/>
-              <a:t>07.02.18</a:t>
+              <a:t>09.02.2018</a:t>
             </a:fld>
             <a:endParaRPr lang="en-US"/>
           </a:p>
@@ -2010,7 +2010,7 @@
           <a:p>
             <a:fld id="{0B7A2DEA-69B7-D343-870B-04A176525892}" type="datetimeFigureOut">
               <a:rPr lang="de-DE" smtClean="0"/>
-              <a:t>07.02.18</a:t>
+              <a:t>09.02.2018</a:t>
             </a:fld>
             <a:endParaRPr lang="en-US"/>
           </a:p>
@@ -2287,7 +2287,7 @@
           <a:p>
             <a:fld id="{0B7A2DEA-69B7-D343-870B-04A176525892}" type="datetimeFigureOut">
               <a:rPr lang="de-DE" smtClean="0"/>
-              <a:t>07.02.18</a:t>
+              <a:t>09.02.2018</a:t>
             </a:fld>
             <a:endParaRPr lang="en-US"/>
           </a:p>
@@ -2540,7 +2540,7 @@
           <a:p>
             <a:fld id="{0B7A2DEA-69B7-D343-870B-04A176525892}" type="datetimeFigureOut">
               <a:rPr lang="de-DE" smtClean="0"/>
-              <a:t>07.02.18</a:t>
+              <a:t>09.02.2018</a:t>
             </a:fld>
             <a:endParaRPr lang="en-US"/>
           </a:p>
@@ -2753,7 +2753,7 @@
           <a:p>
             <a:fld id="{0B7A2DEA-69B7-D343-870B-04A176525892}" type="datetimeFigureOut">
               <a:rPr lang="de-DE" smtClean="0"/>
-              <a:t>07.02.18</a:t>
+              <a:t>09.02.2018</a:t>
             </a:fld>
             <a:endParaRPr lang="en-US"/>
           </a:p>
@@ -3486,7 +3486,7 @@
                       <m:sSubPr>
                         <m:ctrlPr>
                           <a:rPr lang="en-GB" sz="3200" i="1" smtClean="0">
-                            <a:latin typeface="Cambria Math" charset="0"/>
+                            <a:latin typeface="Cambria Math"/>
                           </a:rPr>
                         </m:ctrlPr>
                       </m:sSubPr>
@@ -3529,7 +3529,7 @@
                         <m:sSubPr>
                           <m:ctrlPr>
                             <a:rPr lang="en-GB" sz="3200" i="1" dirty="0" smtClean="0">
-                              <a:latin typeface="Cambria Math" charset="0"/>
+                              <a:latin typeface="Cambria Math"/>
                             </a:rPr>
                           </m:ctrlPr>
                         </m:sSubPr>
@@ -3560,7 +3560,7 @@
                         <m:sSubPr>
                           <m:ctrlPr>
                             <a:rPr lang="en-GB" sz="3200" i="1" dirty="0" smtClean="0">
-                              <a:latin typeface="Cambria Math" charset="0"/>
+                              <a:latin typeface="Cambria Math"/>
                             </a:rPr>
                           </m:ctrlPr>
                         </m:sSubPr>
@@ -3585,7 +3585,7 @@
                         <m:dPr>
                           <m:ctrlPr>
                             <a:rPr lang="en-GB" sz="3200" i="1" dirty="0" smtClean="0">
-                              <a:latin typeface="Cambria Math" charset="0"/>
+                              <a:latin typeface="Cambria Math"/>
                             </a:rPr>
                           </m:ctrlPr>
                         </m:dPr>
@@ -3594,7 +3594,7 @@
                             <m:sSupPr>
                               <m:ctrlPr>
                                 <a:rPr lang="el-GR" sz="3200" i="1" dirty="0" smtClean="0">
-                                  <a:latin typeface="Cambria Math" charset="0"/>
+                                  <a:latin typeface="Cambria Math"/>
                                   <a:ea typeface="Cambria Math"/>
                                 </a:rPr>
                               </m:ctrlPr>
@@ -3624,7 +3624,7 @@
                             <m:sSupPr>
                               <m:ctrlPr>
                                 <a:rPr lang="el-GR" sz="3200" i="1" dirty="0" smtClean="0">
-                                  <a:latin typeface="Cambria Math" charset="0"/>
+                                  <a:latin typeface="Cambria Math"/>
                                 </a:rPr>
                               </m:ctrlPr>
                             </m:sSupPr>
@@ -3649,7 +3649,7 @@
                             <m:dPr>
                               <m:ctrlPr>
                                 <a:rPr lang="en-GB" sz="3200" i="1" dirty="0" smtClean="0">
-                                  <a:latin typeface="Cambria Math" charset="0"/>
+                                  <a:latin typeface="Cambria Math"/>
                                 </a:rPr>
                               </m:ctrlPr>
                             </m:dPr>
@@ -3658,7 +3658,7 @@
                                 <m:sSubPr>
                                   <m:ctrlPr>
                                     <a:rPr lang="en-GB" sz="3200" i="1" dirty="0" smtClean="0">
-                                      <a:latin typeface="Cambria Math" charset="0"/>
+                                      <a:latin typeface="Cambria Math"/>
                                     </a:rPr>
                                   </m:ctrlPr>
                                 </m:sSubPr>
@@ -3705,7 +3705,7 @@
                         <m:sSupPr>
                           <m:ctrlPr>
                             <a:rPr lang="de-DE" sz="3200" b="0" i="1" dirty="0" smtClean="0">
-                              <a:latin typeface="Cambria Math" charset="0"/>
+                              <a:latin typeface="Cambria Math"/>
                             </a:rPr>
                           </m:ctrlPr>
                         </m:sSupPr>
@@ -3744,7 +3744,7 @@
                           <m:endChr m:val="]"/>
                           <m:ctrlPr>
                             <a:rPr lang="de-DE" sz="3200" b="0" i="1" dirty="0" smtClean="0">
-                              <a:latin typeface="Cambria Math" charset="0"/>
+                              <a:latin typeface="Cambria Math"/>
                             </a:rPr>
                           </m:ctrlPr>
                         </m:dPr>
@@ -3759,7 +3759,7 @@
                             <m:dPr>
                               <m:ctrlPr>
                                 <a:rPr lang="de-DE" sz="3200" b="0" i="1" dirty="0" smtClean="0">
-                                  <a:latin typeface="Cambria Math" charset="0"/>
+                                  <a:latin typeface="Cambria Math"/>
                                 </a:rPr>
                               </m:ctrlPr>
                             </m:dPr>
@@ -3782,7 +3782,7 @@
                             <m:sSubPr>
                               <m:ctrlPr>
                                 <a:rPr lang="de-DE" sz="3200" b="0" i="1" dirty="0" smtClean="0">
-                                  <a:latin typeface="Cambria Math" charset="0"/>
+                                  <a:latin typeface="Cambria Math"/>
                                 </a:rPr>
                               </m:ctrlPr>
                             </m:sSubPr>
@@ -3890,7 +3890,7 @@
                         <m:dPr>
                           <m:ctrlPr>
                             <a:rPr lang="de-DE" sz="3200" i="1">
-                              <a:latin typeface="Cambria Math" charset="0"/>
+                              <a:latin typeface="Cambria Math"/>
                             </a:rPr>
                           </m:ctrlPr>
                         </m:dPr>
@@ -3907,7 +3907,7 @@
                               </m:mcs>
                               <m:ctrlPr>
                                 <a:rPr lang="de-DE" sz="3200" i="1">
-                                  <a:latin typeface="Cambria Math" charset="0"/>
+                                  <a:latin typeface="Cambria Math"/>
                                 </a:rPr>
                               </m:ctrlPr>
                             </m:mPr>
@@ -3917,7 +3917,7 @@
                                   <m:sSubPr>
                                     <m:ctrlPr>
                                       <a:rPr lang="de-DE" sz="3200" i="1">
-                                        <a:latin typeface="Cambria Math" charset="0"/>
+                                        <a:latin typeface="Cambria Math"/>
                                       </a:rPr>
                                     </m:ctrlPr>
                                   </m:sSubPr>
@@ -3952,7 +3952,7 @@
                                   <m:sSubPr>
                                     <m:ctrlPr>
                                       <a:rPr lang="de-DE" sz="3200" i="1">
-                                        <a:latin typeface="Cambria Math" charset="0"/>
+                                        <a:latin typeface="Cambria Math"/>
                                       </a:rPr>
                                     </m:ctrlPr>
                                   </m:sSubPr>
@@ -4013,7 +4013,7 @@
                                   <m:sSubPr>
                                     <m:ctrlPr>
                                       <a:rPr lang="de-DE" sz="3200" i="1">
-                                        <a:latin typeface="Cambria Math" charset="0"/>
+                                        <a:latin typeface="Cambria Math"/>
                                       </a:rPr>
                                     </m:ctrlPr>
                                   </m:sSubPr>
@@ -4054,7 +4054,7 @@
                                   <m:sSubPr>
                                     <m:ctrlPr>
                                       <a:rPr lang="de-DE" sz="3200" i="1">
-                                        <a:latin typeface="Cambria Math" charset="0"/>
+                                        <a:latin typeface="Cambria Math"/>
                                       </a:rPr>
                                     </m:ctrlPr>
                                   </m:sSubPr>
@@ -4213,7 +4213,7 @@
                             <a:solidFill>
                               <a:schemeClr val="tx1"/>
                             </a:solidFill>
-                            <a:latin typeface="Cambria Math" charset="0"/>
+                            <a:latin typeface="Cambria Math"/>
                             <a:ea typeface="Cambria Math"/>
                           </a:rPr>
                         </m:ctrlPr>
@@ -4266,7 +4266,7 @@
                         <m:degHide m:val="on"/>
                         <m:ctrlPr>
                           <a:rPr lang="de-DE" sz="3200" b="1" i="1">
-                            <a:latin typeface="Cambria Math" charset="0"/>
+                            <a:latin typeface="Cambria Math"/>
                           </a:rPr>
                         </m:ctrlPr>
                       </m:radPr>
@@ -4335,7 +4335,7 @@
                       <m:sSubPr>
                         <m:ctrlPr>
                           <a:rPr lang="en-GB" sz="3200" i="1" smtClean="0">
-                            <a:latin typeface="Cambria Math" charset="0"/>
+                            <a:latin typeface="Cambria Math"/>
                           </a:rPr>
                         </m:ctrlPr>
                       </m:sSubPr>
@@ -4386,7 +4386,7 @@
                       <m:fPr>
                         <m:ctrlPr>
                           <a:rPr lang="en-GB" sz="3200" i="1" smtClean="0">
-                            <a:latin typeface="Cambria Math" charset="0"/>
+                            <a:latin typeface="Cambria Math"/>
                           </a:rPr>
                         </m:ctrlPr>
                       </m:fPr>
@@ -4401,7 +4401,7 @@
                           <m:sSubSupPr>
                             <m:ctrlPr>
                               <a:rPr lang="de-DE" sz="3200" b="0" i="1" smtClean="0">
-                                <a:latin typeface="Cambria Math" charset="0"/>
+                                <a:latin typeface="Cambria Math"/>
                               </a:rPr>
                             </m:ctrlPr>
                           </m:sSubSupPr>
@@ -4411,7 +4411,7 @@
                                 <m:chr m:val="̃"/>
                                 <m:ctrlPr>
                                   <a:rPr lang="de-DE" sz="3200" b="0" i="1" smtClean="0">
-                                    <a:latin typeface="Cambria Math" charset="0"/>
+                                    <a:latin typeface="Cambria Math"/>
                                   </a:rPr>
                                 </m:ctrlPr>
                               </m:accPr>
@@ -4439,7 +4439,7 @@
                               <m:dPr>
                                 <m:ctrlPr>
                                   <a:rPr lang="de-DE" sz="3200" i="1" baseline="14000">
-                                    <a:latin typeface="Cambria Math" charset="0"/>
+                                    <a:latin typeface="Cambria Math"/>
                                   </a:rPr>
                                 </m:ctrlPr>
                               </m:dPr>
@@ -4470,7 +4470,7 @@
                           <m:dPr>
                             <m:ctrlPr>
                               <a:rPr lang="de-DE" sz="3200" b="0" i="1" smtClean="0">
-                                <a:latin typeface="Cambria Math" charset="0"/>
+                                <a:latin typeface="Cambria Math"/>
                               </a:rPr>
                             </m:ctrlPr>
                           </m:dPr>
@@ -4493,7 +4493,7 @@
                           <m:sSubPr>
                             <m:ctrlPr>
                               <a:rPr lang="de-DE" sz="3200" b="0" i="1" smtClean="0">
-                                <a:latin typeface="Cambria Math" charset="0"/>
+                                <a:latin typeface="Cambria Math"/>
                               </a:rPr>
                             </m:ctrlPr>
                           </m:sSubPr>
@@ -4539,7 +4539,7 @@
                           <m:sSubPr>
                             <m:ctrlPr>
                               <a:rPr lang="de-DE" sz="3200" b="0" i="1" smtClean="0">
-                                <a:latin typeface="Cambria Math" charset="0"/>
+                                <a:latin typeface="Cambria Math"/>
                               </a:rPr>
                             </m:ctrlPr>
                           </m:sSubPr>
@@ -4565,7 +4565,7 @@
                           <m:dPr>
                             <m:ctrlPr>
                               <a:rPr lang="de-DE" sz="3200" b="0" i="1" baseline="14000" smtClean="0">
-                                <a:latin typeface="Cambria Math" charset="0"/>
+                                <a:latin typeface="Cambria Math"/>
                               </a:rPr>
                             </m:ctrlPr>
                           </m:dPr>
@@ -4588,7 +4588,7 @@
                           <m:sSubPr>
                             <m:ctrlPr>
                               <a:rPr lang="de-DE" sz="3200" b="0" i="1" smtClean="0">
-                                <a:latin typeface="Cambria Math" charset="0"/>
+                                <a:latin typeface="Cambria Math"/>
                               </a:rPr>
                             </m:ctrlPr>
                           </m:sSubPr>
@@ -4674,7 +4674,7 @@
                       <m:sSubPr>
                         <m:ctrlPr>
                           <a:rPr lang="en-GB" sz="3200" i="1">
-                            <a:latin typeface="Cambria Math" charset="0"/>
+                            <a:latin typeface="Cambria Math"/>
                           </a:rPr>
                         </m:ctrlPr>
                       </m:sSubPr>
@@ -4739,7 +4739,7 @@
                       <m:sSubPr>
                         <m:ctrlPr>
                           <a:rPr lang="en-GB" sz="3200" i="1" smtClean="0">
-                            <a:latin typeface="Cambria Math" charset="0"/>
+                            <a:latin typeface="Cambria Math"/>
                             <a:ea typeface="Cambria Math" charset="0"/>
                           </a:rPr>
                         </m:ctrlPr>
@@ -4777,7 +4777,7 @@
                         <m:endChr m:val="|"/>
                         <m:ctrlPr>
                           <a:rPr lang="de-DE" sz="3200" i="1">
-                            <a:latin typeface="Cambria Math" charset="0"/>
+                            <a:latin typeface="Cambria Math"/>
                           </a:rPr>
                         </m:ctrlPr>
                       </m:dPr>
@@ -4786,7 +4786,7 @@
                           <m:sSubPr>
                             <m:ctrlPr>
                               <a:rPr lang="en-GB" sz="3200" i="1">
-                                <a:latin typeface="Cambria Math" charset="0"/>
+                                <a:latin typeface="Cambria Math"/>
                               </a:rPr>
                             </m:ctrlPr>
                           </m:sSubPr>
@@ -4835,7 +4835,7 @@
                           <m:sSubPr>
                             <m:ctrlPr>
                               <a:rPr lang="en-GB" sz="3200" i="1">
-                                <a:latin typeface="Cambria Math" charset="0"/>
+                                <a:latin typeface="Cambria Math"/>
                               </a:rPr>
                             </m:ctrlPr>
                           </m:sSubPr>
@@ -4972,7 +4972,7 @@
                       <m:sSupPr>
                         <m:ctrlPr>
                           <a:rPr lang="de-DE" sz="3200" b="0" i="1" smtClean="0">
-                            <a:latin typeface="Cambria Math" charset="0"/>
+                            <a:latin typeface="Cambria Math"/>
                           </a:rPr>
                         </m:ctrlPr>
                       </m:sSupPr>
@@ -4981,7 +4981,7 @@
                           <m:sSubPr>
                             <m:ctrlPr>
                               <a:rPr lang="en-GB" sz="3200" i="1" dirty="0">
-                                <a:latin typeface="Cambria Math" charset="0"/>
+                                <a:latin typeface="Cambria Math"/>
                               </a:rPr>
                             </m:ctrlPr>
                           </m:sSubPr>
@@ -5074,7 +5074,7 @@
                       <m:sSupPr>
                         <m:ctrlPr>
                           <a:rPr lang="de-DE" sz="3200" i="1">
-                            <a:latin typeface="Cambria Math" charset="0"/>
+                            <a:latin typeface="Cambria Math"/>
                           </a:rPr>
                         </m:ctrlPr>
                       </m:sSupPr>
@@ -5083,7 +5083,7 @@
                           <m:sSubPr>
                             <m:ctrlPr>
                               <a:rPr lang="en-GB" sz="3200" i="1" dirty="0">
-                                <a:latin typeface="Cambria Math" charset="0"/>
+                                <a:latin typeface="Cambria Math"/>
                               </a:rPr>
                             </m:ctrlPr>
                           </m:sSubPr>
@@ -5126,7 +5126,7 @@
                       <m:sSupPr>
                         <m:ctrlPr>
                           <a:rPr lang="en-GB" sz="3200" i="1" smtClean="0">
-                            <a:latin typeface="Cambria Math" charset="0"/>
+                            <a:latin typeface="Cambria Math"/>
                           </a:rPr>
                         </m:ctrlPr>
                       </m:sSupPr>
@@ -5888,7 +5888,7 @@
         </p:nvSpPr>
         <p:spPr>
           <a:xfrm>
-            <a:off x="1233714" y="5908821"/>
+            <a:off x="1212252" y="5961490"/>
             <a:ext cx="8959430" cy="636648"/>
           </a:xfrm>
           <a:prstGeom prst="rect">
@@ -6057,7 +6057,7 @@
         </p:nvSpPr>
         <p:spPr bwMode="auto">
           <a:xfrm>
-            <a:off x="1233712" y="14671617"/>
+            <a:off x="1233712" y="14881033"/>
             <a:ext cx="9323484" cy="869557"/>
           </a:xfrm>
           <a:prstGeom prst="rect">
@@ -6116,8 +6116,8 @@
         </p:nvSpPr>
         <p:spPr>
           <a:xfrm>
-            <a:off x="1255175" y="14671617"/>
-            <a:ext cx="9323483" cy="13636684"/>
+            <a:off x="1255175" y="14881033"/>
+            <a:ext cx="9323483" cy="13427267"/>
           </a:xfrm>
           <a:prstGeom prst="rect">
             <a:avLst/>
@@ -6164,7 +6164,7 @@
         </p:nvSpPr>
         <p:spPr>
           <a:xfrm>
-            <a:off x="1233712" y="14730298"/>
+            <a:off x="1233712" y="15031730"/>
             <a:ext cx="8937970" cy="636649"/>
           </a:xfrm>
           <a:prstGeom prst="rect">
@@ -6451,8 +6451,8 @@
           </a:p>
         </p:txBody>
       </p:sp>
-      <mc:AlternateContent xmlns:mc="http://schemas.openxmlformats.org/markup-compatibility/2006" xmlns:a14="http://schemas.microsoft.com/office/drawing/2010/main">
-        <mc:Choice Requires="a14">
+      <mc:AlternateContent xmlns:mc="http://schemas.openxmlformats.org/markup-compatibility/2006">
+        <mc:Choice xmlns:a14="http://schemas.microsoft.com/office/drawing/2010/main" Requires="a14">
           <p:sp>
             <p:nvSpPr>
               <p:cNvPr id="91" name="Textfeld 90"/>
@@ -6461,7 +6461,7 @@
             </p:nvSpPr>
             <p:spPr>
               <a:xfrm>
-                <a:off x="1255175" y="15554931"/>
+                <a:off x="1255175" y="15764347"/>
                 <a:ext cx="9344945" cy="12253291"/>
               </a:xfrm>
               <a:prstGeom prst="rect">
@@ -6513,8 +6513,29 @@
                 </a:r>
                 <a:r>
                   <a:rPr lang="en-GB" sz="3200" dirty="0"/>
-                  <a:t>on the starting values</a:t>
+                  <a:t>on the starting </a:t>
                 </a:r>
+                <a:r>
+                  <a:rPr lang="en-GB" sz="3200" dirty="0" smtClean="0"/>
+                  <a:t>values (</a:t>
+                </a:r>
+                <a:r>
+                  <a:rPr lang="en-GB" sz="3200" dirty="0" err="1" smtClean="0"/>
+                  <a:t>Dempster</a:t>
+                </a:r>
+                <a:r>
+                  <a:rPr lang="en-GB" sz="3200" dirty="0" smtClean="0"/>
+                  <a:t> et.a</a:t>
+                </a:r>
+                <a:r>
+                  <a:rPr lang="en-GB" sz="3200" dirty="0" smtClean="0"/>
+                  <a:t>l, 1977</a:t>
+                </a:r>
+                <a:r>
+                  <a:rPr lang="en-GB" sz="3200" dirty="0" smtClean="0"/>
+                  <a:t>)</a:t>
+                </a:r>
+                <a:endParaRPr lang="en-GB" sz="3200" dirty="0"/>
               </a:p>
               <a:p>
                 <a:pPr marL="285750" indent="-285750">
@@ -6628,7 +6649,7 @@
                       <m:sSupPr>
                         <m:ctrlPr>
                           <a:rPr lang="de-DE" sz="3200" i="1">
-                            <a:latin typeface="Cambria Math" charset="0"/>
+                            <a:latin typeface="Cambria Math"/>
                             <a:ea typeface="Cambria Math"/>
                           </a:rPr>
                         </m:ctrlPr>
@@ -6718,7 +6739,7 @@
                         <m:dPr>
                           <m:ctrlPr>
                             <a:rPr lang="de-DE" sz="3200" b="0" i="1" smtClean="0">
-                              <a:latin typeface="Cambria Math" charset="0"/>
+                              <a:latin typeface="Cambria Math"/>
                             </a:rPr>
                           </m:ctrlPr>
                         </m:dPr>
@@ -6736,7 +6757,7 @@
                             <m:sSupPr>
                               <m:ctrlPr>
                                 <a:rPr lang="de-DE" sz="3200" i="1" smtClean="0">
-                                  <a:latin typeface="Cambria Math" charset="0"/>
+                                  <a:latin typeface="Cambria Math"/>
                                   <a:ea typeface="Cambria Math"/>
                                 </a:rPr>
                               </m:ctrlPr>
@@ -6787,7 +6808,7 @@
                         <m:sSubPr>
                           <m:ctrlPr>
                             <a:rPr lang="de-DE" sz="3200" b="0" i="1" smtClean="0">
-                              <a:latin typeface="Cambria Math" charset="0"/>
+                              <a:latin typeface="Cambria Math"/>
                               <a:ea typeface="Cambria Math"/>
                             </a:rPr>
                           </m:ctrlPr>
@@ -6806,7 +6827,7 @@
                             <m:sSubPr>
                               <m:ctrlPr>
                                 <a:rPr lang="de-DE" sz="3200" b="0" i="1" smtClean="0">
-                                  <a:latin typeface="Cambria Math" charset="0"/>
+                                  <a:latin typeface="Cambria Math"/>
                                   <a:ea typeface="Cambria Math"/>
                                 </a:rPr>
                               </m:ctrlPr>
@@ -6841,7 +6862,7 @@
                             <m:sSubPr>
                               <m:ctrlPr>
                                 <a:rPr lang="de-DE" sz="3200" b="0" i="1" smtClean="0">
-                                  <a:latin typeface="Cambria Math" charset="0"/>
+                                  <a:latin typeface="Cambria Math"/>
                                   <a:ea typeface="Cambria Math"/>
                                 </a:rPr>
                               </m:ctrlPr>
@@ -6876,7 +6897,7 @@
                             <m:sSupPr>
                               <m:ctrlPr>
                                 <a:rPr lang="de-DE" sz="3200" b="0" i="1" smtClean="0">
-                                  <a:latin typeface="Cambria Math" charset="0"/>
+                                  <a:latin typeface="Cambria Math"/>
                                   <a:ea typeface="Cambria Math"/>
                                 </a:rPr>
                               </m:ctrlPr>
@@ -6955,7 +6976,7 @@
                         <m:sSubPr>
                           <m:ctrlPr>
                             <a:rPr lang="de-DE" sz="3200" b="0" i="1" smtClean="0">
-                              <a:latin typeface="Cambria Math" charset="0"/>
+                              <a:latin typeface="Cambria Math"/>
                               <a:ea typeface="Cambria Math"/>
                             </a:rPr>
                           </m:ctrlPr>
@@ -6990,7 +7011,7 @@
                         <m:sSubPr>
                           <m:ctrlPr>
                             <a:rPr lang="de-DE" sz="3200" b="0" i="1" smtClean="0">
-                              <a:latin typeface="Cambria Math" charset="0"/>
+                              <a:latin typeface="Cambria Math"/>
                               <a:ea typeface="Cambria Math"/>
                             </a:rPr>
                           </m:ctrlPr>
@@ -7061,7 +7082,7 @@
                       <m:sSupPr>
                         <m:ctrlPr>
                           <a:rPr lang="de-DE" sz="3200" i="1">
-                            <a:latin typeface="Cambria Math" charset="0"/>
+                            <a:latin typeface="Cambria Math"/>
                             <a:ea typeface="Cambria Math"/>
                           </a:rPr>
                         </m:ctrlPr>
@@ -7130,7 +7151,7 @@
                             <a:solidFill>
                               <a:schemeClr val="tx1"/>
                             </a:solidFill>
-                            <a:latin typeface="Cambria Math" charset="0"/>
+                            <a:latin typeface="Cambria Math"/>
                           </a:rPr>
                         </m:ctrlPr>
                       </m:funcPr>
@@ -7142,7 +7163,7 @@
                                 <a:solidFill>
                                   <a:schemeClr val="tx1"/>
                                 </a:solidFill>
-                                <a:latin typeface="Cambria Math" charset="0"/>
+                                <a:latin typeface="Cambria Math"/>
                               </a:rPr>
                             </m:ctrlPr>
                           </m:sSupPr>
@@ -7206,7 +7227,7 @@
                                 <a:solidFill>
                                   <a:schemeClr val="tx1"/>
                                 </a:solidFill>
-                                <a:latin typeface="Cambria Math" charset="0"/>
+                                <a:latin typeface="Cambria Math"/>
                               </a:rPr>
                             </m:ctrlPr>
                           </m:funcPr>
@@ -7218,7 +7239,7 @@
                                     <a:solidFill>
                                       <a:schemeClr val="tx1"/>
                                     </a:solidFill>
-                                    <a:latin typeface="Cambria Math" charset="0"/>
+                                    <a:latin typeface="Cambria Math"/>
                                   </a:rPr>
                                 </m:ctrlPr>
                               </m:limLowPr>
@@ -7279,7 +7300,7 @@
                                     <a:solidFill>
                                       <a:schemeClr val="tx1"/>
                                     </a:solidFill>
-                                    <a:latin typeface="Cambria Math" charset="0"/>
+                                    <a:latin typeface="Cambria Math"/>
                                   </a:rPr>
                                 </m:ctrlPr>
                               </m:dPr>
@@ -7303,7 +7324,7 @@
                                         <a:solidFill>
                                           <a:schemeClr val="tx1"/>
                                         </a:solidFill>
-                                        <a:latin typeface="Cambria Math" charset="0"/>
+                                        <a:latin typeface="Cambria Math"/>
                                         <a:ea typeface="Cambria Math"/>
                                       </a:rPr>
                                     </m:ctrlPr>
@@ -7443,7 +7464,7 @@
                       <m:sSupPr>
                         <m:ctrlPr>
                           <a:rPr lang="de-DE" sz="3200" i="1">
-                            <a:latin typeface="Cambria Math" charset="0"/>
+                            <a:latin typeface="Cambria Math"/>
                           </a:rPr>
                         </m:ctrlPr>
                       </m:sSupPr>
@@ -7487,7 +7508,7 @@
                       <m:sSupPr>
                         <m:ctrlPr>
                           <a:rPr lang="de-DE" sz="3200" i="1">
-                            <a:latin typeface="Cambria Math" charset="0"/>
+                            <a:latin typeface="Cambria Math"/>
                             <a:ea typeface="Cambria Math"/>
                           </a:rPr>
                         </m:ctrlPr>
@@ -7538,7 +7559,7 @@
             </p:txBody>
           </p:sp>
         </mc:Choice>
-        <mc:Fallback xmlns="">
+        <mc:Fallback>
           <p:sp>
             <p:nvSpPr>
               <p:cNvPr id="91" name="Textfeld 90"/>
@@ -7549,7 +7570,7 @@
             </p:nvSpPr>
             <p:spPr>
               <a:xfrm>
-                <a:off x="1255175" y="15554931"/>
+                <a:off x="1255175" y="15764347"/>
                 <a:ext cx="9344945" cy="12253291"/>
               </a:xfrm>
               <a:prstGeom prst="rect">
@@ -7634,7 +7655,7 @@
         <p:spPr>
           <a:xfrm>
             <a:off x="32178495" y="5828213"/>
-            <a:ext cx="9344943" cy="8199526"/>
+            <a:ext cx="9344943" cy="8104019"/>
           </a:xfrm>
           <a:prstGeom prst="rect">
             <a:avLst/>
@@ -7729,7 +7750,7 @@
         </p:nvSpPr>
         <p:spPr>
           <a:xfrm>
-            <a:off x="11532519" y="5908821"/>
+            <a:off x="11532519" y="5939943"/>
             <a:ext cx="8959430" cy="636649"/>
           </a:xfrm>
           <a:prstGeom prst="rect">
@@ -7785,7 +7806,7 @@
         </p:nvSpPr>
         <p:spPr>
           <a:xfrm>
-            <a:off x="21893767" y="12811212"/>
+            <a:off x="21861189" y="12885205"/>
             <a:ext cx="6281745" cy="636648"/>
           </a:xfrm>
           <a:prstGeom prst="rect">
@@ -7831,7 +7852,7 @@
         </p:nvSpPr>
         <p:spPr>
           <a:xfrm>
-            <a:off x="32178494" y="5908821"/>
+            <a:off x="32178496" y="5961147"/>
             <a:ext cx="8959430" cy="636648"/>
           </a:xfrm>
           <a:prstGeom prst="rect">
@@ -7867,7 +7888,7 @@
                 <a:latin typeface="Arial" panose="020B0604020202020204" pitchFamily="34" charset="0"/>
                 <a:cs typeface="Arial" panose="020B0604020202020204" pitchFamily="34" charset="0"/>
               </a:rPr>
-              <a:t>Discussion</a:t>
+              <a:t>Results</a:t>
             </a:r>
             <a:endParaRPr lang="en-US" sz="2829" dirty="0">
               <a:solidFill>
@@ -7887,7 +7908,7 @@
         </p:nvSpPr>
         <p:spPr>
           <a:xfrm>
-            <a:off x="32178494" y="6794226"/>
+            <a:off x="32178496" y="6677292"/>
             <a:ext cx="9344942" cy="6771084"/>
           </a:xfrm>
           <a:prstGeom prst="rect">
@@ -7910,13 +7931,8 @@
             </a:pPr>
             <a:r>
               <a:rPr lang="en-GB" sz="3200" dirty="0" smtClean="0"/>
-              <a:t>EM works well in our multi-parameter problem and algorithm converges </a:t>
-            </a:r>
-            <a:r>
-              <a:rPr lang="en-GB" sz="3200" dirty="0" smtClean="0"/>
-              <a:t>fast</a:t>
-            </a:r>
-            <a:endParaRPr lang="en-GB" sz="3200" dirty="0" smtClean="0"/>
+              <a:t>EM works well in our multi-parameter problem and algorithm converges fast</a:t>
+            </a:r>
           </a:p>
           <a:p>
             <a:pPr marL="285750" indent="-285750">
@@ -7936,11 +7952,7 @@
             </a:r>
             <a:r>
               <a:rPr lang="en-GB" sz="3200" dirty="0" smtClean="0"/>
-              <a:t> implementation depends on type of </a:t>
-            </a:r>
-            <a:r>
-              <a:rPr lang="en-GB" sz="3200" dirty="0" smtClean="0"/>
-              <a:t>model</a:t>
+              <a:t> implementation depends on type of model</a:t>
             </a:r>
           </a:p>
           <a:p>
@@ -7955,7 +7967,6 @@
               <a:rPr lang="en-GB" sz="3200" dirty="0" smtClean="0"/>
               <a:t>Numerical stability could not be achieved in our case</a:t>
             </a:r>
-            <a:endParaRPr lang="en-GB" sz="3200" dirty="0" smtClean="0"/>
           </a:p>
           <a:p>
             <a:pPr marL="285750" indent="-285750">
@@ -7967,21 +7978,8 @@
             </a:pPr>
             <a:r>
               <a:rPr lang="en-GB" sz="3200" dirty="0" smtClean="0"/>
-              <a:t>In </a:t>
-            </a:r>
-            <a:r>
-              <a:rPr lang="en-GB" sz="3200" dirty="0" smtClean="0"/>
-              <a:t>contrast, </a:t>
-            </a:r>
-            <a:r>
-              <a:rPr lang="en-GB" sz="3200" dirty="0" smtClean="0"/>
-              <a:t>an asymptotic variance-covariance matrix can relatively easily be obtained from </a:t>
-            </a:r>
-            <a:r>
-              <a:rPr lang="en-GB" sz="3200" dirty="0" smtClean="0"/>
-              <a:t>bootstrapping</a:t>
-            </a:r>
-            <a:endParaRPr lang="en-GB" sz="3200" dirty="0" smtClean="0"/>
+              <a:t>In contrast, an asymptotic variance-covariance matrix can relatively easily be obtained from bootstrapping</a:t>
+            </a:r>
           </a:p>
           <a:p>
             <a:pPr marL="285750" indent="-285750">
@@ -7993,11 +7991,7 @@
             </a:pPr>
             <a:r>
               <a:rPr lang="en-GB" sz="3200" dirty="0" smtClean="0"/>
-              <a:t>Bootstrapping delivers </a:t>
-            </a:r>
-            <a:r>
-              <a:rPr lang="en-GB" sz="3200" dirty="0" smtClean="0"/>
-              <a:t>accurate results in our simulation study</a:t>
+              <a:t>Bootstrapping delivers accurate results in our simulation study</a:t>
             </a:r>
           </a:p>
           <a:p>
@@ -8010,23 +8004,7 @@
             </a:pPr>
             <a:r>
               <a:rPr lang="en-GB" sz="3200" dirty="0" smtClean="0"/>
-              <a:t>Bootstrapping </a:t>
-            </a:r>
-            <a:r>
-              <a:rPr lang="en-GB" sz="3200" dirty="0" smtClean="0"/>
-              <a:t>computationally </a:t>
-            </a:r>
-            <a:r>
-              <a:rPr lang="en-GB" sz="3200" dirty="0" smtClean="0"/>
-              <a:t>by far more </a:t>
-            </a:r>
-            <a:r>
-              <a:rPr lang="en-GB" sz="3200" dirty="0" smtClean="0"/>
-              <a:t>costly than </a:t>
-            </a:r>
-            <a:r>
-              <a:rPr lang="en-GB" sz="3200" dirty="0" smtClean="0"/>
-              <a:t>SEM, however the performance increase of modern hardware marginalizes this problem</a:t>
+              <a:t>Bootstrapping computationally by far more costly than SEM, however the performance increase of modern hardware marginalizes this problem</a:t>
             </a:r>
           </a:p>
         </p:txBody>
@@ -8039,8 +8017,8 @@
         </p:nvSpPr>
         <p:spPr>
           <a:xfrm>
-            <a:off x="32152567" y="23081037"/>
-            <a:ext cx="9344942" cy="5293757"/>
+            <a:off x="32056237" y="22978405"/>
+            <a:ext cx="9467201" cy="5293757"/>
           </a:xfrm>
           <a:prstGeom prst="rect">
             <a:avLst/>
@@ -8246,7 +8224,7 @@
                         <m:dPr>
                           <m:ctrlPr>
                             <a:rPr lang="de-DE" sz="3200" b="0" i="1" smtClean="0">
-                              <a:latin typeface="Cambria Math" charset="0"/>
+                              <a:latin typeface="Cambria Math"/>
                               <a:ea typeface="Cambria Math" charset="0"/>
                             </a:rPr>
                           </m:ctrlPr>
@@ -8257,7 +8235,7 @@
                               <m:type m:val="noBar"/>
                               <m:ctrlPr>
                                 <a:rPr lang="de-DE" sz="3200" b="0" i="1" smtClean="0">
-                                  <a:latin typeface="Cambria Math" charset="0"/>
+                                  <a:latin typeface="Cambria Math"/>
                                   <a:ea typeface="Cambria Math" charset="0"/>
                                 </a:rPr>
                               </m:ctrlPr>
@@ -8317,7 +8295,7 @@
                         <m:dPr>
                           <m:ctrlPr>
                             <a:rPr lang="mr-IN" sz="3200" b="0" i="1" smtClean="0">
-                              <a:latin typeface="Cambria Math" charset="0"/>
+                              <a:latin typeface="Cambria Math"/>
                               <a:ea typeface="Cambria Math" charset="0"/>
                               <a:cs typeface="Cambria Math" charset="0"/>
                             </a:rPr>
@@ -8328,7 +8306,7 @@
                             <m:dPr>
                               <m:ctrlPr>
                                 <a:rPr lang="mr-IN" sz="3200" b="0" i="1" smtClean="0">
-                                  <a:latin typeface="Cambria Math" charset="0"/>
+                                  <a:latin typeface="Cambria Math"/>
                                   <a:ea typeface="Cambria Math" charset="0"/>
                                 </a:rPr>
                               </m:ctrlPr>
@@ -8339,7 +8317,7 @@
                                   <m:type m:val="noBar"/>
                                   <m:ctrlPr>
                                     <a:rPr lang="mr-IN" sz="3200" b="0" i="1" smtClean="0">
-                                      <a:latin typeface="Cambria Math" charset="0"/>
+                                      <a:latin typeface="Cambria Math"/>
                                       <a:ea typeface="Cambria Math" charset="0"/>
                                     </a:rPr>
                                   </m:ctrlPr>
@@ -8376,7 +8354,7 @@
                             <m:dPr>
                               <m:ctrlPr>
                                 <a:rPr lang="de-DE" sz="3200" b="0" i="1" smtClean="0">
-                                  <a:latin typeface="Cambria Math" charset="0"/>
+                                  <a:latin typeface="Cambria Math"/>
                                   <a:ea typeface="Cambria Math" charset="0"/>
                                 </a:rPr>
                               </m:ctrlPr>
@@ -8387,7 +8365,7 @@
                                   <m:type m:val="noBar"/>
                                   <m:ctrlPr>
                                     <a:rPr lang="de-DE" sz="3200" b="0" i="1" smtClean="0">
-                                      <a:latin typeface="Cambria Math" charset="0"/>
+                                      <a:latin typeface="Cambria Math"/>
                                       <a:ea typeface="Cambria Math" charset="0"/>
                                     </a:rPr>
                                   </m:ctrlPr>
@@ -8423,7 +8401,7 @@
                                   <m:type m:val="noBar"/>
                                   <m:ctrlPr>
                                     <a:rPr lang="de-DE" sz="3200" b="0" i="1" smtClean="0">
-                                      <a:latin typeface="Cambria Math" charset="0"/>
+                                      <a:latin typeface="Cambria Math"/>
                                       <a:ea typeface="Cambria Math" charset="0"/>
                                     </a:rPr>
                                   </m:ctrlPr>
@@ -8565,7 +8543,7 @@
                       <m:dPr>
                         <m:ctrlPr>
                           <a:rPr lang="de-DE" sz="3200" i="1" smtClean="0">
-                            <a:latin typeface="Cambria Math" charset="0"/>
+                            <a:latin typeface="Cambria Math"/>
                             <a:ea typeface="Cambria Math"/>
                           </a:rPr>
                         </m:ctrlPr>
@@ -8575,7 +8553,7 @@
                           <m:sSubPr>
                             <m:ctrlPr>
                               <a:rPr lang="de-DE" sz="3200" i="1">
-                                <a:latin typeface="Cambria Math" charset="0"/>
+                                <a:latin typeface="Cambria Math"/>
                                 <a:ea typeface="Cambria Math"/>
                               </a:rPr>
                             </m:ctrlPr>
@@ -8610,7 +8588,7 @@
                           <m:sSubSupPr>
                             <m:ctrlPr>
                               <a:rPr lang="de-DE" sz="3200" i="1">
-                                <a:latin typeface="Cambria Math" charset="0"/>
+                                <a:latin typeface="Cambria Math"/>
                                 <a:ea typeface="Cambria Math"/>
                               </a:rPr>
                             </m:ctrlPr>
@@ -8654,7 +8632,7 @@
                           <m:sSubPr>
                             <m:ctrlPr>
                               <a:rPr lang="de-DE" sz="3200" i="1">
-                                <a:latin typeface="Cambria Math" charset="0"/>
+                                <a:latin typeface="Cambria Math"/>
                                 <a:ea typeface="Cambria Math"/>
                               </a:rPr>
                             </m:ctrlPr>
@@ -8689,7 +8667,7 @@
                           <m:sSubSupPr>
                             <m:ctrlPr>
                               <a:rPr lang="de-DE" sz="3200" i="1" smtClean="0">
-                                <a:latin typeface="Cambria Math" charset="0"/>
+                                <a:latin typeface="Cambria Math"/>
                                 <a:ea typeface="Cambria Math"/>
                               </a:rPr>
                             </m:ctrlPr>
@@ -8821,7 +8799,7 @@
         </p:nvSpPr>
         <p:spPr bwMode="auto">
           <a:xfrm>
-            <a:off x="32178493" y="14953370"/>
+            <a:off x="32178493" y="14881033"/>
             <a:ext cx="9344944" cy="827153"/>
           </a:xfrm>
           <a:prstGeom prst="rect">
@@ -8881,7 +8859,7 @@
         <p:spPr>
           <a:xfrm>
             <a:off x="32152566" y="14881942"/>
-            <a:ext cx="9344943" cy="5379327"/>
+            <a:ext cx="9344943" cy="6377858"/>
           </a:xfrm>
           <a:prstGeom prst="rect">
             <a:avLst/>
@@ -8928,8 +8906,8 @@
         </p:nvSpPr>
         <p:spPr>
           <a:xfrm>
-            <a:off x="32371250" y="15031731"/>
-            <a:ext cx="8959430" cy="636648"/>
+            <a:off x="32152566" y="15031731"/>
+            <a:ext cx="9178114" cy="636649"/>
           </a:xfrm>
           <a:prstGeom prst="rect">
             <a:avLst/>
@@ -8964,7 +8942,7 @@
                 <a:latin typeface="Arial" panose="020B0604020202020204" pitchFamily="34" charset="0"/>
                 <a:cs typeface="Arial" panose="020B0604020202020204" pitchFamily="34" charset="0"/>
               </a:rPr>
-              <a:t>Conclusion</a:t>
+              <a:t>Discussion</a:t>
             </a:r>
             <a:endParaRPr lang="en-US" sz="2829" dirty="0">
               <a:solidFill>
@@ -8984,8 +8962,8 @@
         </p:nvSpPr>
         <p:spPr>
           <a:xfrm>
-            <a:off x="32178494" y="15969493"/>
-            <a:ext cx="9344942" cy="3847207"/>
+            <a:off x="32178496" y="15732829"/>
+            <a:ext cx="9344942" cy="4985980"/>
           </a:xfrm>
           <a:prstGeom prst="rect">
             <a:avLst/>
@@ -9020,7 +8998,11 @@
             </a:pPr>
             <a:r>
               <a:rPr lang="en-GB" sz="3200" dirty="0" smtClean="0"/>
-              <a:t>In practice: Difficulties implementing a numerically stable solution</a:t>
+              <a:t>In practice: Difficulties implementing a numerically stable </a:t>
+            </a:r>
+            <a:r>
+              <a:rPr lang="en-GB" sz="3200" dirty="0" smtClean="0"/>
+              <a:t>solution</a:t>
             </a:r>
           </a:p>
           <a:p>
@@ -9032,8 +9014,34 @@
               <a:buChar char="•"/>
             </a:pPr>
             <a:r>
+              <a:rPr lang="en-GB" sz="3200" dirty="0" smtClean="0"/>
+              <a:t>Few implementations of SEM, like for item response problems (</a:t>
+            </a:r>
+            <a:r>
+              <a:rPr lang="en-GB" sz="3200" dirty="0" err="1" smtClean="0"/>
+              <a:t>Pritikin</a:t>
+            </a:r>
+            <a:r>
+              <a:rPr lang="en-GB" sz="3200" dirty="0" smtClean="0"/>
+              <a:t>, 2016) </a:t>
+            </a:r>
+            <a:endParaRPr lang="en-GB" sz="3200" dirty="0" smtClean="0"/>
+          </a:p>
+          <a:p>
+            <a:pPr marL="285750" indent="-285750">
+              <a:spcAft>
+                <a:spcPts val="1200"/>
+              </a:spcAft>
+              <a:buFont typeface="Arial" pitchFamily="34" charset="0"/>
+              <a:buChar char="•"/>
+            </a:pPr>
+            <a:r>
+              <a:rPr lang="en-GB" sz="3200" dirty="0" smtClean="0"/>
+              <a:t>Comparison </a:t>
+            </a:r>
+            <a:r>
               <a:rPr lang="en-GB" sz="3200" dirty="0"/>
-              <a:t>Comparison of SEM and Boots</a:t>
+              <a:t>of SEM and Boots</a:t>
             </a:r>
             <a:r>
               <a:rPr lang="de-DE" sz="3200" dirty="0" err="1"/>

--- a/poster/poster_template.pptx
+++ b/poster/poster_template.pptx
@@ -106,7 +106,7 @@
   </p:defaultTextStyle>
   <p:extLst>
     <p:ext uri="{EFAFB233-063F-42B5-8137-9DF3F51BA10A}">
-      <p15:sldGuideLst xmlns:p15="http://schemas.microsoft.com/office/powerpoint/2012/main" xmlns="">
+      <p15:sldGuideLst xmlns="" xmlns:p15="http://schemas.microsoft.com/office/powerpoint/2012/main">
         <p15:guide id="1" orient="horz" pos="9536" userDrawn="1">
           <p15:clr>
             <a:srgbClr val="A4A3A4"/>
@@ -316,7 +316,7 @@
           <a:p>
             <a:fld id="{0B7A2DEA-69B7-D343-870B-04A176525892}" type="datetimeFigureOut">
               <a:rPr lang="de-DE" smtClean="0"/>
-              <a:t>09.02.2018</a:t>
+              <a:t>10.02.2018</a:t>
             </a:fld>
             <a:endParaRPr lang="en-US"/>
           </a:p>
@@ -486,7 +486,7 @@
           <a:p>
             <a:fld id="{0B7A2DEA-69B7-D343-870B-04A176525892}" type="datetimeFigureOut">
               <a:rPr lang="de-DE" smtClean="0"/>
-              <a:t>09.02.2018</a:t>
+              <a:t>10.02.2018</a:t>
             </a:fld>
             <a:endParaRPr lang="en-US"/>
           </a:p>
@@ -666,7 +666,7 @@
           <a:p>
             <a:fld id="{0B7A2DEA-69B7-D343-870B-04A176525892}" type="datetimeFigureOut">
               <a:rPr lang="de-DE" smtClean="0"/>
-              <a:t>09.02.2018</a:t>
+              <a:t>10.02.2018</a:t>
             </a:fld>
             <a:endParaRPr lang="en-US"/>
           </a:p>
@@ -836,7 +836,7 @@
           <a:p>
             <a:fld id="{0B7A2DEA-69B7-D343-870B-04A176525892}" type="datetimeFigureOut">
               <a:rPr lang="de-DE" smtClean="0"/>
-              <a:t>09.02.2018</a:t>
+              <a:t>10.02.2018</a:t>
             </a:fld>
             <a:endParaRPr lang="en-US"/>
           </a:p>
@@ -1082,7 +1082,7 @@
           <a:p>
             <a:fld id="{0B7A2DEA-69B7-D343-870B-04A176525892}" type="datetimeFigureOut">
               <a:rPr lang="de-DE" smtClean="0"/>
-              <a:t>09.02.2018</a:t>
+              <a:t>10.02.2018</a:t>
             </a:fld>
             <a:endParaRPr lang="en-US"/>
           </a:p>
@@ -1370,7 +1370,7 @@
           <a:p>
             <a:fld id="{0B7A2DEA-69B7-D343-870B-04A176525892}" type="datetimeFigureOut">
               <a:rPr lang="de-DE" smtClean="0"/>
-              <a:t>09.02.2018</a:t>
+              <a:t>10.02.2018</a:t>
             </a:fld>
             <a:endParaRPr lang="en-US"/>
           </a:p>
@@ -1797,7 +1797,7 @@
           <a:p>
             <a:fld id="{0B7A2DEA-69B7-D343-870B-04A176525892}" type="datetimeFigureOut">
               <a:rPr lang="de-DE" smtClean="0"/>
-              <a:t>09.02.2018</a:t>
+              <a:t>10.02.2018</a:t>
             </a:fld>
             <a:endParaRPr lang="en-US"/>
           </a:p>
@@ -1915,7 +1915,7 @@
           <a:p>
             <a:fld id="{0B7A2DEA-69B7-D343-870B-04A176525892}" type="datetimeFigureOut">
               <a:rPr lang="de-DE" smtClean="0"/>
-              <a:t>09.02.2018</a:t>
+              <a:t>10.02.2018</a:t>
             </a:fld>
             <a:endParaRPr lang="en-US"/>
           </a:p>
@@ -2010,7 +2010,7 @@
           <a:p>
             <a:fld id="{0B7A2DEA-69B7-D343-870B-04A176525892}" type="datetimeFigureOut">
               <a:rPr lang="de-DE" smtClean="0"/>
-              <a:t>09.02.2018</a:t>
+              <a:t>10.02.2018</a:t>
             </a:fld>
             <a:endParaRPr lang="en-US"/>
           </a:p>
@@ -2287,7 +2287,7 @@
           <a:p>
             <a:fld id="{0B7A2DEA-69B7-D343-870B-04A176525892}" type="datetimeFigureOut">
               <a:rPr lang="de-DE" smtClean="0"/>
-              <a:t>09.02.2018</a:t>
+              <a:t>10.02.2018</a:t>
             </a:fld>
             <a:endParaRPr lang="en-US"/>
           </a:p>
@@ -2540,7 +2540,7 @@
           <a:p>
             <a:fld id="{0B7A2DEA-69B7-D343-870B-04A176525892}" type="datetimeFigureOut">
               <a:rPr lang="de-DE" smtClean="0"/>
-              <a:t>09.02.2018</a:t>
+              <a:t>10.02.2018</a:t>
             </a:fld>
             <a:endParaRPr lang="en-US"/>
           </a:p>
@@ -2753,7 +2753,7 @@
           <a:p>
             <a:fld id="{0B7A2DEA-69B7-D343-870B-04A176525892}" type="datetimeFigureOut">
               <a:rPr lang="de-DE" smtClean="0"/>
-              <a:t>09.02.2018</a:t>
+              <a:t>10.02.2018</a:t>
             </a:fld>
             <a:endParaRPr lang="en-US"/>
           </a:p>
@@ -3158,8 +3158,8 @@
         </p:blipFill>
         <p:spPr>
           <a:xfrm>
-            <a:off x="22291076" y="22098888"/>
-            <a:ext cx="8959284" cy="5599553"/>
+            <a:off x="22260587" y="21919378"/>
+            <a:ext cx="8907071" cy="6234949"/>
           </a:xfrm>
           <a:prstGeom prst="rect">
             <a:avLst/>
@@ -5720,8 +5720,8 @@
         </p:nvSpPr>
         <p:spPr>
           <a:xfrm>
-            <a:off x="21938913" y="14786444"/>
-            <a:ext cx="9254655" cy="10988205"/>
+            <a:off x="21938913" y="14786445"/>
+            <a:ext cx="9254655" cy="7312444"/>
           </a:xfrm>
           <a:prstGeom prst="rect">
             <a:avLst/>
@@ -6451,8 +6451,8 @@
           </a:p>
         </p:txBody>
       </p:sp>
-      <mc:AlternateContent xmlns:mc="http://schemas.openxmlformats.org/markup-compatibility/2006">
-        <mc:Choice xmlns:a14="http://schemas.microsoft.com/office/drawing/2010/main" Requires="a14">
+      <mc:AlternateContent xmlns:mc="http://schemas.openxmlformats.org/markup-compatibility/2006" xmlns:a14="http://schemas.microsoft.com/office/drawing/2010/main">
+        <mc:Choice Requires="a14">
           <p:sp>
             <p:nvSpPr>
               <p:cNvPr id="91" name="Textfeld 90"/>
@@ -6525,15 +6525,7 @@
                 </a:r>
                 <a:r>
                   <a:rPr lang="en-GB" sz="3200" dirty="0" smtClean="0"/>
-                  <a:t> et.a</a:t>
-                </a:r>
-                <a:r>
-                  <a:rPr lang="en-GB" sz="3200" dirty="0" smtClean="0"/>
-                  <a:t>l, 1977</a:t>
-                </a:r>
-                <a:r>
-                  <a:rPr lang="en-GB" sz="3200" dirty="0" smtClean="0"/>
-                  <a:t>)</a:t>
+                  <a:t> et.al, 1977)</a:t>
                 </a:r>
                 <a:endParaRPr lang="en-GB" sz="3200" dirty="0"/>
               </a:p>
@@ -7559,7 +7551,7 @@
             </p:txBody>
           </p:sp>
         </mc:Choice>
-        <mc:Fallback>
+        <mc:Fallback xmlns="">
           <p:sp>
             <p:nvSpPr>
               <p:cNvPr id="91" name="Textfeld 90"/>
@@ -8932,17 +8924,7 @@
                 <a:latin typeface="Arial" panose="020B0604020202020204" pitchFamily="34" charset="0"/>
                 <a:cs typeface="Arial" panose="020B0604020202020204" pitchFamily="34" charset="0"/>
               </a:rPr>
-              <a:t>7. </a:t>
-            </a:r>
-            <a:r>
-              <a:rPr lang="en-US" sz="3537" b="1" dirty="0" smtClean="0">
-                <a:solidFill>
-                  <a:srgbClr val="DCE6F2"/>
-                </a:solidFill>
-                <a:latin typeface="Arial" panose="020B0604020202020204" pitchFamily="34" charset="0"/>
-                <a:cs typeface="Arial" panose="020B0604020202020204" pitchFamily="34" charset="0"/>
-              </a:rPr>
-              <a:t>Discussion</a:t>
+              <a:t>7. Discussion</a:t>
             </a:r>
             <a:endParaRPr lang="en-US" sz="2829" dirty="0">
               <a:solidFill>
@@ -8998,11 +8980,7 @@
             </a:pPr>
             <a:r>
               <a:rPr lang="en-GB" sz="3200" dirty="0" smtClean="0"/>
-              <a:t>In practice: Difficulties implementing a numerically stable </a:t>
-            </a:r>
-            <a:r>
-              <a:rPr lang="en-GB" sz="3200" dirty="0" smtClean="0"/>
-              <a:t>solution</a:t>
+              <a:t>In practice: Difficulties implementing a numerically stable solution</a:t>
             </a:r>
           </a:p>
           <a:p>
@@ -9025,7 +9003,6 @@
               <a:rPr lang="en-GB" sz="3200" dirty="0" smtClean="0"/>
               <a:t>, 2016) </a:t>
             </a:r>
-            <a:endParaRPr lang="en-GB" sz="3200" dirty="0" smtClean="0"/>
           </a:p>
           <a:p>
             <a:pPr marL="285750" indent="-285750">
@@ -9210,8 +9187,8 @@
         </p:blipFill>
         <p:spPr>
           <a:xfrm>
-            <a:off x="22337317" y="14406133"/>
-            <a:ext cx="8498510" cy="5311569"/>
+            <a:off x="22444822" y="14406133"/>
+            <a:ext cx="8538599" cy="5977019"/>
           </a:xfrm>
           <a:prstGeom prst="rect">
             <a:avLst/>
@@ -9263,7 +9240,7 @@
         </p:nvSpPr>
         <p:spPr>
           <a:xfrm>
-            <a:off x="21887095" y="20950421"/>
+            <a:off x="21861185" y="20696087"/>
             <a:ext cx="9306473" cy="1077218"/>
           </a:xfrm>
           <a:prstGeom prst="rect">

--- a/poster/poster_template.pptx
+++ b/poster/poster_template.pptx
@@ -106,7 +106,7 @@
   </p:defaultTextStyle>
   <p:extLst>
     <p:ext uri="{EFAFB233-063F-42B5-8137-9DF3F51BA10A}">
-      <p15:sldGuideLst xmlns="" xmlns:p15="http://schemas.microsoft.com/office/powerpoint/2012/main">
+      <p15:sldGuideLst xmlns:p15="http://schemas.microsoft.com/office/powerpoint/2012/main">
         <p15:guide id="1" orient="horz" pos="9536" userDrawn="1">
           <p15:clr>
             <a:srgbClr val="A4A3A4"/>
@@ -316,7 +316,7 @@
           <a:p>
             <a:fld id="{0B7A2DEA-69B7-D343-870B-04A176525892}" type="datetimeFigureOut">
               <a:rPr lang="de-DE" smtClean="0"/>
-              <a:t>10.02.2018</a:t>
+              <a:t>10.02.18</a:t>
             </a:fld>
             <a:endParaRPr lang="en-US"/>
           </a:p>
@@ -486,7 +486,7 @@
           <a:p>
             <a:fld id="{0B7A2DEA-69B7-D343-870B-04A176525892}" type="datetimeFigureOut">
               <a:rPr lang="de-DE" smtClean="0"/>
-              <a:t>10.02.2018</a:t>
+              <a:t>10.02.18</a:t>
             </a:fld>
             <a:endParaRPr lang="en-US"/>
           </a:p>
@@ -666,7 +666,7 @@
           <a:p>
             <a:fld id="{0B7A2DEA-69B7-D343-870B-04A176525892}" type="datetimeFigureOut">
               <a:rPr lang="de-DE" smtClean="0"/>
-              <a:t>10.02.2018</a:t>
+              <a:t>10.02.18</a:t>
             </a:fld>
             <a:endParaRPr lang="en-US"/>
           </a:p>
@@ -836,7 +836,7 @@
           <a:p>
             <a:fld id="{0B7A2DEA-69B7-D343-870B-04A176525892}" type="datetimeFigureOut">
               <a:rPr lang="de-DE" smtClean="0"/>
-              <a:t>10.02.2018</a:t>
+              <a:t>10.02.18</a:t>
             </a:fld>
             <a:endParaRPr lang="en-US"/>
           </a:p>
@@ -1082,7 +1082,7 @@
           <a:p>
             <a:fld id="{0B7A2DEA-69B7-D343-870B-04A176525892}" type="datetimeFigureOut">
               <a:rPr lang="de-DE" smtClean="0"/>
-              <a:t>10.02.2018</a:t>
+              <a:t>10.02.18</a:t>
             </a:fld>
             <a:endParaRPr lang="en-US"/>
           </a:p>
@@ -1370,7 +1370,7 @@
           <a:p>
             <a:fld id="{0B7A2DEA-69B7-D343-870B-04A176525892}" type="datetimeFigureOut">
               <a:rPr lang="de-DE" smtClean="0"/>
-              <a:t>10.02.2018</a:t>
+              <a:t>10.02.18</a:t>
             </a:fld>
             <a:endParaRPr lang="en-US"/>
           </a:p>
@@ -1797,7 +1797,7 @@
           <a:p>
             <a:fld id="{0B7A2DEA-69B7-D343-870B-04A176525892}" type="datetimeFigureOut">
               <a:rPr lang="de-DE" smtClean="0"/>
-              <a:t>10.02.2018</a:t>
+              <a:t>10.02.18</a:t>
             </a:fld>
             <a:endParaRPr lang="en-US"/>
           </a:p>
@@ -1915,7 +1915,7 @@
           <a:p>
             <a:fld id="{0B7A2DEA-69B7-D343-870B-04A176525892}" type="datetimeFigureOut">
               <a:rPr lang="de-DE" smtClean="0"/>
-              <a:t>10.02.2018</a:t>
+              <a:t>10.02.18</a:t>
             </a:fld>
             <a:endParaRPr lang="en-US"/>
           </a:p>
@@ -2010,7 +2010,7 @@
           <a:p>
             <a:fld id="{0B7A2DEA-69B7-D343-870B-04A176525892}" type="datetimeFigureOut">
               <a:rPr lang="de-DE" smtClean="0"/>
-              <a:t>10.02.2018</a:t>
+              <a:t>10.02.18</a:t>
             </a:fld>
             <a:endParaRPr lang="en-US"/>
           </a:p>
@@ -2287,7 +2287,7 @@
           <a:p>
             <a:fld id="{0B7A2DEA-69B7-D343-870B-04A176525892}" type="datetimeFigureOut">
               <a:rPr lang="de-DE" smtClean="0"/>
-              <a:t>10.02.2018</a:t>
+              <a:t>10.02.18</a:t>
             </a:fld>
             <a:endParaRPr lang="en-US"/>
           </a:p>
@@ -2540,7 +2540,7 @@
           <a:p>
             <a:fld id="{0B7A2DEA-69B7-D343-870B-04A176525892}" type="datetimeFigureOut">
               <a:rPr lang="de-DE" smtClean="0"/>
-              <a:t>10.02.2018</a:t>
+              <a:t>10.02.18</a:t>
             </a:fld>
             <a:endParaRPr lang="en-US"/>
           </a:p>
@@ -2753,7 +2753,7 @@
           <a:p>
             <a:fld id="{0B7A2DEA-69B7-D343-870B-04A176525892}" type="datetimeFigureOut">
               <a:rPr lang="de-DE" smtClean="0"/>
-              <a:t>10.02.2018</a:t>
+              <a:t>10.02.18</a:t>
             </a:fld>
             <a:endParaRPr lang="en-US"/>
           </a:p>
@@ -3159,7 +3159,7 @@
         <p:spPr>
           <a:xfrm>
             <a:off x="22260587" y="21919378"/>
-            <a:ext cx="8907071" cy="6234949"/>
+            <a:ext cx="8907070" cy="6234949"/>
           </a:xfrm>
           <a:prstGeom prst="rect">
             <a:avLst/>
@@ -3236,7 +3236,7 @@
         <p:spPr>
           <a:xfrm>
             <a:off x="1233714" y="6697869"/>
-            <a:ext cx="9344942" cy="8340745"/>
+            <a:ext cx="9344942" cy="7909858"/>
           </a:xfrm>
           <a:prstGeom prst="rect">
             <a:avLst/>
@@ -3258,7 +3258,15 @@
             </a:pPr>
             <a:r>
               <a:rPr lang="en-GB" sz="3200" dirty="0"/>
-              <a:t>Expectation-Maximization (EM) is one of the most popular tools to obtain </a:t>
+              <a:t>Expectation-Maximization (EM) is one </a:t>
+            </a:r>
+            <a:r>
+              <a:rPr lang="en-GB" sz="3200" dirty="0" smtClean="0"/>
+              <a:t>a method to </a:t>
+            </a:r>
+            <a:r>
+              <a:rPr lang="en-GB" sz="3200" dirty="0"/>
+              <a:t>obtain </a:t>
             </a:r>
             <a:r>
               <a:rPr lang="en-GB" sz="3200" dirty="0" smtClean="0"/>
@@ -3287,13 +3295,32 @@
             </a:r>
             <a:r>
               <a:rPr lang="en-GB" sz="3200" dirty="0"/>
-              <a:t>: EM algorithm does not provide an asymptotic variance-covariance matrix </a:t>
+              <a:t>: </a:t>
             </a:r>
             <a:r>
               <a:rPr lang="en-GB" sz="3200" dirty="0" smtClean="0"/>
-              <a:t>for the parameters</a:t>
-            </a:r>
-            <a:endParaRPr lang="en-GB" sz="3200" dirty="0"/>
+              <a:t>Provides n</a:t>
+            </a:r>
+            <a:r>
+              <a:rPr lang="en-GB" sz="3200" dirty="0" smtClean="0"/>
+              <a:t>o </a:t>
+            </a:r>
+            <a:r>
+              <a:rPr lang="en-GB" sz="3200" dirty="0" smtClean="0"/>
+              <a:t>asymptotic </a:t>
+            </a:r>
+            <a:r>
+              <a:rPr lang="en-GB" sz="3200" dirty="0"/>
+              <a:t>variance-covariance matrix </a:t>
+            </a:r>
+            <a:r>
+              <a:rPr lang="en-GB" sz="3200" dirty="0" smtClean="0"/>
+              <a:t>for the </a:t>
+            </a:r>
+            <a:r>
+              <a:rPr lang="en-GB" sz="3200" dirty="0" smtClean="0"/>
+              <a:t>parameters </a:t>
+            </a:r>
           </a:p>
           <a:p>
             <a:pPr marL="285750" indent="-285750">
@@ -3305,15 +3332,11 @@
             </a:pPr>
             <a:r>
               <a:rPr lang="en-GB" sz="3200" dirty="0" smtClean="0"/>
-              <a:t>Such matrix </a:t>
-            </a:r>
-            <a:r>
-              <a:rPr lang="en-GB" sz="3200" dirty="0"/>
-              <a:t>is needed for asymptotically valid </a:t>
+              <a:t>However, t</a:t>
             </a:r>
             <a:r>
               <a:rPr lang="en-GB" sz="3200" dirty="0" smtClean="0"/>
-              <a:t>inference</a:t>
+              <a:t>his matrix is required for inference</a:t>
             </a:r>
             <a:endParaRPr lang="en-GB" sz="3200" dirty="0"/>
           </a:p>
@@ -3326,20 +3349,40 @@
               <a:buChar char="•"/>
             </a:pPr>
             <a:r>
+              <a:rPr lang="en-GB" sz="3200" dirty="0" smtClean="0"/>
+              <a:t>SEM </a:t>
+            </a:r>
+            <a:r>
+              <a:rPr lang="en-GB" sz="3200" dirty="0" smtClean="0"/>
+              <a:t>algorithm provides </a:t>
+            </a:r>
+            <a:r>
+              <a:rPr lang="en-GB" sz="3200" dirty="0" smtClean="0"/>
+              <a:t>an asymptotic </a:t>
+            </a:r>
+            <a:r>
+              <a:rPr lang="en-GB" sz="3200" dirty="0" smtClean="0"/>
+              <a:t>variance-covariance matrix for </a:t>
+            </a:r>
+            <a:r>
+              <a:rPr lang="en-GB" sz="3200" dirty="0" smtClean="0"/>
+              <a:t>EM estimates </a:t>
+            </a:r>
+            <a:r>
+              <a:rPr lang="en-GB" sz="3200" dirty="0" smtClean="0"/>
+              <a:t>(</a:t>
+            </a:r>
+            <a:r>
+              <a:rPr lang="en-GB" sz="3200" dirty="0" err="1" smtClean="0"/>
+              <a:t>Meng</a:t>
+            </a:r>
+            <a:r>
+              <a:rPr lang="en-GB" sz="3200" dirty="0" smtClean="0"/>
+              <a:t> </a:t>
+            </a:r>
+            <a:r>
               <a:rPr lang="en-GB" sz="3200" dirty="0"/>
-              <a:t>Existing approaches </a:t>
-            </a:r>
-            <a:r>
-              <a:rPr lang="en-GB" sz="3200" dirty="0" smtClean="0"/>
-              <a:t>are computationally </a:t>
-            </a:r>
-            <a:r>
-              <a:rPr lang="en-GB" sz="3200" dirty="0"/>
-              <a:t>problematic and not generically </a:t>
-            </a:r>
-            <a:r>
-              <a:rPr lang="en-GB" sz="3200" dirty="0" smtClean="0"/>
-              <a:t>applicable</a:t>
+              <a:t>&amp; Rubin, 1991)</a:t>
             </a:r>
           </a:p>
           <a:p>
@@ -3352,19 +3395,7 @@
             </a:pPr>
             <a:r>
               <a:rPr lang="en-GB" sz="3200" dirty="0" smtClean="0"/>
-              <a:t>SEM algorithm provides numerically stable asymptotic variance-covariance matrix for  estimates obtained by </a:t>
-            </a:r>
-            <a:r>
-              <a:rPr lang="en-GB" sz="3200" dirty="0"/>
-              <a:t>EM (</a:t>
-            </a:r>
-            <a:r>
-              <a:rPr lang="en-GB" sz="3200" dirty="0" err="1"/>
-              <a:t>Meng</a:t>
-            </a:r>
-            <a:r>
-              <a:rPr lang="en-GB" sz="3200" dirty="0"/>
-              <a:t> &amp; Rubin, 1991)</a:t>
+              <a:t>Disclaimer: SEM did not converge in our study. </a:t>
             </a:r>
           </a:p>
           <a:p>
@@ -3375,7 +3406,10 @@
               <a:buFont typeface="Arial" pitchFamily="34" charset="0"/>
               <a:buChar char="•"/>
             </a:pPr>
-            <a:endParaRPr lang="en-GB" sz="3200" dirty="0"/>
+            <a:r>
+              <a:rPr lang="en-GB" sz="3200" dirty="0" smtClean="0"/>
+              <a:t>Possible reasons: Numerical instability, coding errors</a:t>
+            </a:r>
           </a:p>
           <a:p>
             <a:pPr marL="285750" indent="-285750">
@@ -3385,12 +3419,16 @@
               <a:buFont typeface="Arial" pitchFamily="34" charset="0"/>
               <a:buChar char="•"/>
             </a:pPr>
+            <a:r>
+              <a:rPr lang="en-GB" sz="3200" dirty="0" smtClean="0"/>
+              <a:t>To produce similar (but adequate) results, we additionally implemented bootstrapping (see 5. Results)</a:t>
+            </a:r>
             <a:endParaRPr lang="en-GB" sz="2800" dirty="0"/>
           </a:p>
         </p:txBody>
       </p:sp>
-      <mc:AlternateContent xmlns:mc="http://schemas.openxmlformats.org/markup-compatibility/2006" xmlns:a14="http://schemas.microsoft.com/office/drawing/2010/main">
-        <mc:Choice Requires="a14">
+      <mc:AlternateContent xmlns:mc="http://schemas.openxmlformats.org/markup-compatibility/2006">
+        <mc:Choice xmlns:a14="http://schemas.microsoft.com/office/drawing/2010/main" Requires="a14">
           <p:sp>
             <p:nvSpPr>
               <p:cNvPr id="105" name="Textfeld 104"/>
@@ -3486,7 +3524,7 @@
                       <m:sSubPr>
                         <m:ctrlPr>
                           <a:rPr lang="en-GB" sz="3200" i="1" smtClean="0">
-                            <a:latin typeface="Cambria Math"/>
+                            <a:latin typeface="Cambria Math" charset="0"/>
                           </a:rPr>
                         </m:ctrlPr>
                       </m:sSubPr>
@@ -3529,7 +3567,7 @@
                         <m:sSubPr>
                           <m:ctrlPr>
                             <a:rPr lang="en-GB" sz="3200" i="1" dirty="0" smtClean="0">
-                              <a:latin typeface="Cambria Math"/>
+                              <a:latin typeface="Cambria Math" charset="0"/>
                             </a:rPr>
                           </m:ctrlPr>
                         </m:sSubPr>
@@ -3560,7 +3598,7 @@
                         <m:sSubPr>
                           <m:ctrlPr>
                             <a:rPr lang="en-GB" sz="3200" i="1" dirty="0" smtClean="0">
-                              <a:latin typeface="Cambria Math"/>
+                              <a:latin typeface="Cambria Math" charset="0"/>
                             </a:rPr>
                           </m:ctrlPr>
                         </m:sSubPr>
@@ -3585,7 +3623,7 @@
                         <m:dPr>
                           <m:ctrlPr>
                             <a:rPr lang="en-GB" sz="3200" i="1" dirty="0" smtClean="0">
-                              <a:latin typeface="Cambria Math"/>
+                              <a:latin typeface="Cambria Math" charset="0"/>
                             </a:rPr>
                           </m:ctrlPr>
                         </m:dPr>
@@ -3594,7 +3632,7 @@
                             <m:sSupPr>
                               <m:ctrlPr>
                                 <a:rPr lang="el-GR" sz="3200" i="1" dirty="0" smtClean="0">
-                                  <a:latin typeface="Cambria Math"/>
+                                  <a:latin typeface="Cambria Math" charset="0"/>
                                   <a:ea typeface="Cambria Math"/>
                                 </a:rPr>
                               </m:ctrlPr>
@@ -3624,7 +3662,7 @@
                             <m:sSupPr>
                               <m:ctrlPr>
                                 <a:rPr lang="el-GR" sz="3200" i="1" dirty="0" smtClean="0">
-                                  <a:latin typeface="Cambria Math"/>
+                                  <a:latin typeface="Cambria Math" charset="0"/>
                                 </a:rPr>
                               </m:ctrlPr>
                             </m:sSupPr>
@@ -3649,7 +3687,7 @@
                             <m:dPr>
                               <m:ctrlPr>
                                 <a:rPr lang="en-GB" sz="3200" i="1" dirty="0" smtClean="0">
-                                  <a:latin typeface="Cambria Math"/>
+                                  <a:latin typeface="Cambria Math" charset="0"/>
                                 </a:rPr>
                               </m:ctrlPr>
                             </m:dPr>
@@ -3658,7 +3696,7 @@
                                 <m:sSubPr>
                                   <m:ctrlPr>
                                     <a:rPr lang="en-GB" sz="3200" i="1" dirty="0" smtClean="0">
-                                      <a:latin typeface="Cambria Math"/>
+                                      <a:latin typeface="Cambria Math" charset="0"/>
                                     </a:rPr>
                                   </m:ctrlPr>
                                 </m:sSubPr>
@@ -3705,7 +3743,7 @@
                         <m:sSupPr>
                           <m:ctrlPr>
                             <a:rPr lang="de-DE" sz="3200" b="0" i="1" dirty="0" smtClean="0">
-                              <a:latin typeface="Cambria Math"/>
+                              <a:latin typeface="Cambria Math" charset="0"/>
                             </a:rPr>
                           </m:ctrlPr>
                         </m:sSupPr>
@@ -3744,7 +3782,7 @@
                           <m:endChr m:val="]"/>
                           <m:ctrlPr>
                             <a:rPr lang="de-DE" sz="3200" b="0" i="1" dirty="0" smtClean="0">
-                              <a:latin typeface="Cambria Math"/>
+                              <a:latin typeface="Cambria Math" charset="0"/>
                             </a:rPr>
                           </m:ctrlPr>
                         </m:dPr>
@@ -3759,7 +3797,7 @@
                             <m:dPr>
                               <m:ctrlPr>
                                 <a:rPr lang="de-DE" sz="3200" b="0" i="1" dirty="0" smtClean="0">
-                                  <a:latin typeface="Cambria Math"/>
+                                  <a:latin typeface="Cambria Math" charset="0"/>
                                 </a:rPr>
                               </m:ctrlPr>
                             </m:dPr>
@@ -3782,7 +3820,7 @@
                             <m:sSubPr>
                               <m:ctrlPr>
                                 <a:rPr lang="de-DE" sz="3200" b="0" i="1" dirty="0" smtClean="0">
-                                  <a:latin typeface="Cambria Math"/>
+                                  <a:latin typeface="Cambria Math" charset="0"/>
                                 </a:rPr>
                               </m:ctrlPr>
                             </m:sSubPr>
@@ -3890,7 +3928,7 @@
                         <m:dPr>
                           <m:ctrlPr>
                             <a:rPr lang="de-DE" sz="3200" i="1">
-                              <a:latin typeface="Cambria Math"/>
+                              <a:latin typeface="Cambria Math" charset="0"/>
                             </a:rPr>
                           </m:ctrlPr>
                         </m:dPr>
@@ -3907,7 +3945,7 @@
                               </m:mcs>
                               <m:ctrlPr>
                                 <a:rPr lang="de-DE" sz="3200" i="1">
-                                  <a:latin typeface="Cambria Math"/>
+                                  <a:latin typeface="Cambria Math" charset="0"/>
                                 </a:rPr>
                               </m:ctrlPr>
                             </m:mPr>
@@ -3917,7 +3955,7 @@
                                   <m:sSubPr>
                                     <m:ctrlPr>
                                       <a:rPr lang="de-DE" sz="3200" i="1">
-                                        <a:latin typeface="Cambria Math"/>
+                                        <a:latin typeface="Cambria Math" charset="0"/>
                                       </a:rPr>
                                     </m:ctrlPr>
                                   </m:sSubPr>
@@ -3952,7 +3990,7 @@
                                   <m:sSubPr>
                                     <m:ctrlPr>
                                       <a:rPr lang="de-DE" sz="3200" i="1">
-                                        <a:latin typeface="Cambria Math"/>
+                                        <a:latin typeface="Cambria Math" charset="0"/>
                                       </a:rPr>
                                     </m:ctrlPr>
                                   </m:sSubPr>
@@ -4013,7 +4051,7 @@
                                   <m:sSubPr>
                                     <m:ctrlPr>
                                       <a:rPr lang="de-DE" sz="3200" i="1">
-                                        <a:latin typeface="Cambria Math"/>
+                                        <a:latin typeface="Cambria Math" charset="0"/>
                                       </a:rPr>
                                     </m:ctrlPr>
                                   </m:sSubPr>
@@ -4054,7 +4092,7 @@
                                   <m:sSubPr>
                                     <m:ctrlPr>
                                       <a:rPr lang="de-DE" sz="3200" i="1">
-                                        <a:latin typeface="Cambria Math"/>
+                                        <a:latin typeface="Cambria Math" charset="0"/>
                                       </a:rPr>
                                     </m:ctrlPr>
                                   </m:sSubPr>
@@ -4213,7 +4251,7 @@
                             <a:solidFill>
                               <a:schemeClr val="tx1"/>
                             </a:solidFill>
-                            <a:latin typeface="Cambria Math"/>
+                            <a:latin typeface="Cambria Math" charset="0"/>
                             <a:ea typeface="Cambria Math"/>
                           </a:rPr>
                         </m:ctrlPr>
@@ -4266,7 +4304,7 @@
                         <m:degHide m:val="on"/>
                         <m:ctrlPr>
                           <a:rPr lang="de-DE" sz="3200" b="1" i="1">
-                            <a:latin typeface="Cambria Math"/>
+                            <a:latin typeface="Cambria Math" charset="0"/>
                           </a:rPr>
                         </m:ctrlPr>
                       </m:radPr>
@@ -4335,7 +4373,7 @@
                       <m:sSubPr>
                         <m:ctrlPr>
                           <a:rPr lang="en-GB" sz="3200" i="1" smtClean="0">
-                            <a:latin typeface="Cambria Math"/>
+                            <a:latin typeface="Cambria Math" charset="0"/>
                           </a:rPr>
                         </m:ctrlPr>
                       </m:sSubPr>
@@ -4386,7 +4424,7 @@
                       <m:fPr>
                         <m:ctrlPr>
                           <a:rPr lang="en-GB" sz="3200" i="1" smtClean="0">
-                            <a:latin typeface="Cambria Math"/>
+                            <a:latin typeface="Cambria Math" charset="0"/>
                           </a:rPr>
                         </m:ctrlPr>
                       </m:fPr>
@@ -4401,7 +4439,7 @@
                           <m:sSubSupPr>
                             <m:ctrlPr>
                               <a:rPr lang="de-DE" sz="3200" b="0" i="1" smtClean="0">
-                                <a:latin typeface="Cambria Math"/>
+                                <a:latin typeface="Cambria Math" charset="0"/>
                               </a:rPr>
                             </m:ctrlPr>
                           </m:sSubSupPr>
@@ -4411,7 +4449,7 @@
                                 <m:chr m:val="̃"/>
                                 <m:ctrlPr>
                                   <a:rPr lang="de-DE" sz="3200" b="0" i="1" smtClean="0">
-                                    <a:latin typeface="Cambria Math"/>
+                                    <a:latin typeface="Cambria Math" charset="0"/>
                                   </a:rPr>
                                 </m:ctrlPr>
                               </m:accPr>
@@ -4439,7 +4477,7 @@
                               <m:dPr>
                                 <m:ctrlPr>
                                   <a:rPr lang="de-DE" sz="3200" i="1" baseline="14000">
-                                    <a:latin typeface="Cambria Math"/>
+                                    <a:latin typeface="Cambria Math" charset="0"/>
                                   </a:rPr>
                                 </m:ctrlPr>
                               </m:dPr>
@@ -4470,7 +4508,7 @@
                           <m:dPr>
                             <m:ctrlPr>
                               <a:rPr lang="de-DE" sz="3200" b="0" i="1" smtClean="0">
-                                <a:latin typeface="Cambria Math"/>
+                                <a:latin typeface="Cambria Math" charset="0"/>
                               </a:rPr>
                             </m:ctrlPr>
                           </m:dPr>
@@ -4493,7 +4531,7 @@
                           <m:sSubPr>
                             <m:ctrlPr>
                               <a:rPr lang="de-DE" sz="3200" b="0" i="1" smtClean="0">
-                                <a:latin typeface="Cambria Math"/>
+                                <a:latin typeface="Cambria Math" charset="0"/>
                               </a:rPr>
                             </m:ctrlPr>
                           </m:sSubPr>
@@ -4539,7 +4577,7 @@
                           <m:sSubPr>
                             <m:ctrlPr>
                               <a:rPr lang="de-DE" sz="3200" b="0" i="1" smtClean="0">
-                                <a:latin typeface="Cambria Math"/>
+                                <a:latin typeface="Cambria Math" charset="0"/>
                               </a:rPr>
                             </m:ctrlPr>
                           </m:sSubPr>
@@ -4565,7 +4603,7 @@
                           <m:dPr>
                             <m:ctrlPr>
                               <a:rPr lang="de-DE" sz="3200" b="0" i="1" baseline="14000" smtClean="0">
-                                <a:latin typeface="Cambria Math"/>
+                                <a:latin typeface="Cambria Math" charset="0"/>
                               </a:rPr>
                             </m:ctrlPr>
                           </m:dPr>
@@ -4588,7 +4626,7 @@
                           <m:sSubPr>
                             <m:ctrlPr>
                               <a:rPr lang="de-DE" sz="3200" b="0" i="1" smtClean="0">
-                                <a:latin typeface="Cambria Math"/>
+                                <a:latin typeface="Cambria Math" charset="0"/>
                               </a:rPr>
                             </m:ctrlPr>
                           </m:sSubPr>
@@ -4674,7 +4712,7 @@
                       <m:sSubPr>
                         <m:ctrlPr>
                           <a:rPr lang="en-GB" sz="3200" i="1">
-                            <a:latin typeface="Cambria Math"/>
+                            <a:latin typeface="Cambria Math" charset="0"/>
                           </a:rPr>
                         </m:ctrlPr>
                       </m:sSubPr>
@@ -4739,7 +4777,7 @@
                       <m:sSubPr>
                         <m:ctrlPr>
                           <a:rPr lang="en-GB" sz="3200" i="1" smtClean="0">
-                            <a:latin typeface="Cambria Math"/>
+                            <a:latin typeface="Cambria Math" charset="0"/>
                             <a:ea typeface="Cambria Math" charset="0"/>
                           </a:rPr>
                         </m:ctrlPr>
@@ -4777,7 +4815,7 @@
                         <m:endChr m:val="|"/>
                         <m:ctrlPr>
                           <a:rPr lang="de-DE" sz="3200" i="1">
-                            <a:latin typeface="Cambria Math"/>
+                            <a:latin typeface="Cambria Math" charset="0"/>
                           </a:rPr>
                         </m:ctrlPr>
                       </m:dPr>
@@ -4786,7 +4824,7 @@
                           <m:sSubPr>
                             <m:ctrlPr>
                               <a:rPr lang="en-GB" sz="3200" i="1">
-                                <a:latin typeface="Cambria Math"/>
+                                <a:latin typeface="Cambria Math" charset="0"/>
                               </a:rPr>
                             </m:ctrlPr>
                           </m:sSubPr>
@@ -4835,7 +4873,7 @@
                           <m:sSubPr>
                             <m:ctrlPr>
                               <a:rPr lang="en-GB" sz="3200" i="1">
-                                <a:latin typeface="Cambria Math"/>
+                                <a:latin typeface="Cambria Math" charset="0"/>
                               </a:rPr>
                             </m:ctrlPr>
                           </m:sSubPr>
@@ -4972,7 +5010,7 @@
                       <m:sSupPr>
                         <m:ctrlPr>
                           <a:rPr lang="de-DE" sz="3200" b="0" i="1" smtClean="0">
-                            <a:latin typeface="Cambria Math"/>
+                            <a:latin typeface="Cambria Math" charset="0"/>
                           </a:rPr>
                         </m:ctrlPr>
                       </m:sSupPr>
@@ -4981,7 +5019,7 @@
                           <m:sSubPr>
                             <m:ctrlPr>
                               <a:rPr lang="en-GB" sz="3200" i="1" dirty="0">
-                                <a:latin typeface="Cambria Math"/>
+                                <a:latin typeface="Cambria Math" charset="0"/>
                               </a:rPr>
                             </m:ctrlPr>
                           </m:sSubPr>
@@ -5066,7 +5104,11 @@
                 </a14:m>
                 <a:r>
                   <a:rPr lang="en-GB" sz="3200" dirty="0"/>
-                  <a:t> = = </a:t>
+                  <a:t> </a:t>
+                </a:r>
+                <a:r>
+                  <a:rPr lang="en-GB" sz="3200" dirty="0" smtClean="0"/>
+                  <a:t>= </a:t>
                 </a:r>
                 <a14:m>
                   <m:oMath xmlns:m="http://schemas.openxmlformats.org/officeDocument/2006/math">
@@ -5074,7 +5116,7 @@
                       <m:sSupPr>
                         <m:ctrlPr>
                           <a:rPr lang="de-DE" sz="3200" i="1">
-                            <a:latin typeface="Cambria Math"/>
+                            <a:latin typeface="Cambria Math" charset="0"/>
                           </a:rPr>
                         </m:ctrlPr>
                       </m:sSupPr>
@@ -5083,7 +5125,7 @@
                           <m:sSubPr>
                             <m:ctrlPr>
                               <a:rPr lang="en-GB" sz="3200" i="1" dirty="0">
-                                <a:latin typeface="Cambria Math"/>
+                                <a:latin typeface="Cambria Math" charset="0"/>
                               </a:rPr>
                             </m:ctrlPr>
                           </m:sSubPr>
@@ -5126,7 +5168,7 @@
                       <m:sSupPr>
                         <m:ctrlPr>
                           <a:rPr lang="en-GB" sz="3200" i="1" smtClean="0">
-                            <a:latin typeface="Cambria Math"/>
+                            <a:latin typeface="Cambria Math" charset="0"/>
                           </a:rPr>
                         </m:ctrlPr>
                       </m:sSupPr>
@@ -5292,7 +5334,15 @@
                 </a:pPr>
                 <a:r>
                   <a:rPr lang="en-US" sz="3200" dirty="0" smtClean="0"/>
-                  <a:t>Parameters allowed to convergence with different number of steps</a:t>
+                  <a:t>Parameters </a:t>
+                </a:r>
+                <a:r>
+                  <a:rPr lang="en-US" sz="3200" dirty="0" smtClean="0"/>
+                  <a:t>are allowed </a:t>
+                </a:r>
+                <a:r>
+                  <a:rPr lang="en-US" sz="3200" dirty="0" smtClean="0"/>
+                  <a:t>to convergence with different number of steps</a:t>
                 </a:r>
               </a:p>
               <a:p>
@@ -5322,7 +5372,7 @@
             </p:txBody>
           </p:sp>
         </mc:Choice>
-        <mc:Fallback xmlns="">
+        <mc:Fallback>
           <p:sp>
             <p:nvSpPr>
               <p:cNvPr id="105" name="Textfeld 104"/>
@@ -5339,10 +5389,10 @@
               <a:prstGeom prst="rect">
                 <a:avLst/>
               </a:prstGeom>
-              <a:blipFill rotWithShape="1">
+              <a:blipFill rotWithShape="0">
                 <a:blip r:embed="rId3"/>
                 <a:stretch>
-                  <a:fillRect l="-1500" t="-373" r="-2414"/>
+                  <a:fillRect l="-1500" t="-373" r="-1957"/>
                 </a:stretch>
               </a:blipFill>
             </p:spPr>
@@ -5841,7 +5891,7 @@
         <p:spPr>
           <a:xfrm>
             <a:off x="1233713" y="5815535"/>
-            <a:ext cx="9344943" cy="8271940"/>
+            <a:ext cx="9344943" cy="8774836"/>
           </a:xfrm>
           <a:prstGeom prst="rect">
             <a:avLst/>
@@ -5914,7 +5964,17 @@
                 <a:latin typeface="Arial" panose="020B0604020202020204" pitchFamily="34" charset="0"/>
                 <a:cs typeface="Arial" panose="020B0604020202020204" pitchFamily="34" charset="0"/>
               </a:rPr>
-              <a:t>1. Motivation</a:t>
+              <a:t>1. </a:t>
+            </a:r>
+            <a:r>
+              <a:rPr lang="en-US" sz="3537" b="1" dirty="0">
+                <a:solidFill>
+                  <a:srgbClr val="DCE6F2"/>
+                </a:solidFill>
+                <a:latin typeface="Arial" panose="020B0604020202020204" pitchFamily="34" charset="0"/>
+                <a:cs typeface="Arial" panose="020B0604020202020204" pitchFamily="34" charset="0"/>
+              </a:rPr>
+              <a:t>Introduction &amp; Motivation </a:t>
             </a:r>
             <a:endParaRPr lang="en-US" sz="2829" dirty="0">
               <a:solidFill>
@@ -6484,7 +6544,7 @@
                 </a:pPr>
                 <a:r>
                   <a:rPr lang="en-GB" sz="3200" dirty="0" smtClean="0"/>
-                  <a:t>In latent variable problems, especially in incomplete data problems, maximum likelihood estimation is analytically not possible</a:t>
+                  <a:t>In latent variable problems, (e.g. incomplete data problems), maximum likelihood estimation is analytically not possible</a:t>
                 </a:r>
               </a:p>
               <a:p>
@@ -6501,15 +6561,19 @@
                 </a:r>
                 <a:r>
                   <a:rPr lang="en-GB" sz="3200" dirty="0" smtClean="0"/>
-                  <a:t>enables convergence </a:t>
+                  <a:t>convergences </a:t>
                 </a:r>
                 <a:r>
                   <a:rPr lang="en-GB" sz="3200" dirty="0"/>
                   <a:t>to </a:t>
                 </a:r>
                 <a:r>
+                  <a:rPr lang="en-GB" sz="3200" smtClean="0"/>
+                  <a:t>a possibly local </a:t>
+                </a:r>
+                <a:r>
                   <a:rPr lang="en-GB" sz="3200" dirty="0" smtClean="0"/>
-                  <a:t>optimum, which could be a local optimum depending </a:t>
+                  <a:t>optimum, depending </a:t>
                 </a:r>
                 <a:r>
                   <a:rPr lang="en-GB" sz="3200" dirty="0"/>
@@ -6641,7 +6705,7 @@
                       <m:sSupPr>
                         <m:ctrlPr>
                           <a:rPr lang="de-DE" sz="3200" i="1">
-                            <a:latin typeface="Cambria Math"/>
+                            <a:latin typeface="Cambria Math" charset="0"/>
                             <a:ea typeface="Cambria Math"/>
                           </a:rPr>
                         </m:ctrlPr>
@@ -6731,7 +6795,7 @@
                         <m:dPr>
                           <m:ctrlPr>
                             <a:rPr lang="de-DE" sz="3200" b="0" i="1" smtClean="0">
-                              <a:latin typeface="Cambria Math"/>
+                              <a:latin typeface="Cambria Math" charset="0"/>
                             </a:rPr>
                           </m:ctrlPr>
                         </m:dPr>
@@ -6749,7 +6813,7 @@
                             <m:sSupPr>
                               <m:ctrlPr>
                                 <a:rPr lang="de-DE" sz="3200" i="1" smtClean="0">
-                                  <a:latin typeface="Cambria Math"/>
+                                  <a:latin typeface="Cambria Math" charset="0"/>
                                   <a:ea typeface="Cambria Math"/>
                                 </a:rPr>
                               </m:ctrlPr>
@@ -6800,7 +6864,7 @@
                         <m:sSubPr>
                           <m:ctrlPr>
                             <a:rPr lang="de-DE" sz="3200" b="0" i="1" smtClean="0">
-                              <a:latin typeface="Cambria Math"/>
+                              <a:latin typeface="Cambria Math" charset="0"/>
                               <a:ea typeface="Cambria Math"/>
                             </a:rPr>
                           </m:ctrlPr>
@@ -6819,7 +6883,7 @@
                             <m:sSubPr>
                               <m:ctrlPr>
                                 <a:rPr lang="de-DE" sz="3200" b="0" i="1" smtClean="0">
-                                  <a:latin typeface="Cambria Math"/>
+                                  <a:latin typeface="Cambria Math" charset="0"/>
                                   <a:ea typeface="Cambria Math"/>
                                 </a:rPr>
                               </m:ctrlPr>
@@ -6854,7 +6918,7 @@
                             <m:sSubPr>
                               <m:ctrlPr>
                                 <a:rPr lang="de-DE" sz="3200" b="0" i="1" smtClean="0">
-                                  <a:latin typeface="Cambria Math"/>
+                                  <a:latin typeface="Cambria Math" charset="0"/>
                                   <a:ea typeface="Cambria Math"/>
                                 </a:rPr>
                               </m:ctrlPr>
@@ -6889,7 +6953,7 @@
                             <m:sSupPr>
                               <m:ctrlPr>
                                 <a:rPr lang="de-DE" sz="3200" b="0" i="1" smtClean="0">
-                                  <a:latin typeface="Cambria Math"/>
+                                  <a:latin typeface="Cambria Math" charset="0"/>
                                   <a:ea typeface="Cambria Math"/>
                                 </a:rPr>
                               </m:ctrlPr>
@@ -6968,7 +7032,7 @@
                         <m:sSubPr>
                           <m:ctrlPr>
                             <a:rPr lang="de-DE" sz="3200" b="0" i="1" smtClean="0">
-                              <a:latin typeface="Cambria Math"/>
+                              <a:latin typeface="Cambria Math" charset="0"/>
                               <a:ea typeface="Cambria Math"/>
                             </a:rPr>
                           </m:ctrlPr>
@@ -7003,7 +7067,7 @@
                         <m:sSubPr>
                           <m:ctrlPr>
                             <a:rPr lang="de-DE" sz="3200" b="0" i="1" smtClean="0">
-                              <a:latin typeface="Cambria Math"/>
+                              <a:latin typeface="Cambria Math" charset="0"/>
                               <a:ea typeface="Cambria Math"/>
                             </a:rPr>
                           </m:ctrlPr>
@@ -7074,7 +7138,7 @@
                       <m:sSupPr>
                         <m:ctrlPr>
                           <a:rPr lang="de-DE" sz="3200" i="1">
-                            <a:latin typeface="Cambria Math"/>
+                            <a:latin typeface="Cambria Math" charset="0"/>
                             <a:ea typeface="Cambria Math"/>
                           </a:rPr>
                         </m:ctrlPr>
@@ -7143,7 +7207,7 @@
                             <a:solidFill>
                               <a:schemeClr val="tx1"/>
                             </a:solidFill>
-                            <a:latin typeface="Cambria Math"/>
+                            <a:latin typeface="Cambria Math" charset="0"/>
                           </a:rPr>
                         </m:ctrlPr>
                       </m:funcPr>
@@ -7155,7 +7219,7 @@
                                 <a:solidFill>
                                   <a:schemeClr val="tx1"/>
                                 </a:solidFill>
-                                <a:latin typeface="Cambria Math"/>
+                                <a:latin typeface="Cambria Math" charset="0"/>
                               </a:rPr>
                             </m:ctrlPr>
                           </m:sSupPr>
@@ -7219,7 +7283,7 @@
                                 <a:solidFill>
                                   <a:schemeClr val="tx1"/>
                                 </a:solidFill>
-                                <a:latin typeface="Cambria Math"/>
+                                <a:latin typeface="Cambria Math" charset="0"/>
                               </a:rPr>
                             </m:ctrlPr>
                           </m:funcPr>
@@ -7231,7 +7295,7 @@
                                     <a:solidFill>
                                       <a:schemeClr val="tx1"/>
                                     </a:solidFill>
-                                    <a:latin typeface="Cambria Math"/>
+                                    <a:latin typeface="Cambria Math" charset="0"/>
                                   </a:rPr>
                                 </m:ctrlPr>
                               </m:limLowPr>
@@ -7292,7 +7356,7 @@
                                     <a:solidFill>
                                       <a:schemeClr val="tx1"/>
                                     </a:solidFill>
-                                    <a:latin typeface="Cambria Math"/>
+                                    <a:latin typeface="Cambria Math" charset="0"/>
                                   </a:rPr>
                                 </m:ctrlPr>
                               </m:dPr>
@@ -7316,7 +7380,7 @@
                                         <a:solidFill>
                                           <a:schemeClr val="tx1"/>
                                         </a:solidFill>
-                                        <a:latin typeface="Cambria Math"/>
+                                        <a:latin typeface="Cambria Math" charset="0"/>
                                         <a:ea typeface="Cambria Math"/>
                                       </a:rPr>
                                     </m:ctrlPr>
@@ -7456,7 +7520,7 @@
                       <m:sSupPr>
                         <m:ctrlPr>
                           <a:rPr lang="de-DE" sz="3200" i="1">
-                            <a:latin typeface="Cambria Math"/>
+                            <a:latin typeface="Cambria Math" charset="0"/>
                           </a:rPr>
                         </m:ctrlPr>
                       </m:sSupPr>
@@ -7500,7 +7564,7 @@
                       <m:sSupPr>
                         <m:ctrlPr>
                           <a:rPr lang="de-DE" sz="3200" i="1">
-                            <a:latin typeface="Cambria Math"/>
+                            <a:latin typeface="Cambria Math" charset="0"/>
                             <a:ea typeface="Cambria Math"/>
                           </a:rPr>
                         </m:ctrlPr>
@@ -7568,7 +7632,7 @@
               <a:prstGeom prst="rect">
                 <a:avLst/>
               </a:prstGeom>
-              <a:blipFill rotWithShape="1">
+              <a:blipFill rotWithShape="0">
                 <a:blip r:embed="rId6"/>
                 <a:stretch>
                   <a:fillRect l="-1500" t="-647" b="-746"/>
@@ -7880,7 +7944,7 @@
                 <a:latin typeface="Arial" panose="020B0604020202020204" pitchFamily="34" charset="0"/>
                 <a:cs typeface="Arial" panose="020B0604020202020204" pitchFamily="34" charset="0"/>
               </a:rPr>
-              <a:t>Results</a:t>
+              <a:t>Discussion</a:t>
             </a:r>
             <a:endParaRPr lang="en-US" sz="2829" dirty="0">
               <a:solidFill>
@@ -8010,7 +8074,7 @@
         <p:spPr>
           <a:xfrm>
             <a:off x="32056237" y="22978405"/>
-            <a:ext cx="9467201" cy="5293757"/>
+            <a:ext cx="9467201" cy="4893647"/>
           </a:xfrm>
           <a:prstGeom prst="rect">
             <a:avLst/>
@@ -8122,26 +8186,22 @@
             </a:r>
             <a:r>
               <a:rPr lang="en-US" sz="2600" dirty="0"/>
-              <a:t>, J. N. (2016). A computational note on the application of the Supplemented EM algorithm to item response models. </a:t>
-            </a:r>
-            <a:r>
-              <a:rPr lang="en-US" sz="2600" dirty="0" err="1"/>
-              <a:t>arXiv</a:t>
-            </a:r>
-            <a:r>
-              <a:rPr lang="en-US" sz="2600" dirty="0"/>
-              <a:t> preprint arXiv:1605.00860</a:t>
-            </a:r>
-            <a:r>
-              <a:rPr lang="en-US" sz="2600" dirty="0" smtClean="0"/>
+              <a:t>, J. N. (2016). A computational note on the application of the Supplemented EM algorithm to item response </a:t>
+            </a:r>
+            <a:r>
+              <a:rPr lang="en-US" sz="2600"/>
+              <a:t>models</a:t>
+            </a:r>
+            <a:r>
+              <a:rPr lang="en-US" sz="2600" smtClean="0"/>
               <a:t>.</a:t>
             </a:r>
             <a:endParaRPr lang="en-US" sz="2600" dirty="0"/>
           </a:p>
         </p:txBody>
       </p:sp>
-      <mc:AlternateContent xmlns:mc="http://schemas.openxmlformats.org/markup-compatibility/2006" xmlns:a14="http://schemas.microsoft.com/office/drawing/2010/main">
-        <mc:Choice Requires="a14">
+      <mc:AlternateContent xmlns:mc="http://schemas.openxmlformats.org/markup-compatibility/2006">
+        <mc:Choice xmlns:a14="http://schemas.microsoft.com/office/drawing/2010/main" Requires="a14">
           <p:sp>
             <p:nvSpPr>
               <p:cNvPr id="5" name="Textfeld 4"/>
@@ -8151,7 +8211,7 @@
             <p:spPr>
               <a:xfrm>
                 <a:off x="21861189" y="6718175"/>
-                <a:ext cx="9306473" cy="5588389"/>
+                <a:ext cx="9306473" cy="5914504"/>
               </a:xfrm>
               <a:prstGeom prst="rect">
                 <a:avLst/>
@@ -8173,7 +8233,15 @@
                 </a:pPr>
                 <a:r>
                   <a:rPr lang="en-US" sz="3200" dirty="0" smtClean="0"/>
-                  <a:t>Data simulation by random draw from bivariate normal distribution</a:t>
+                  <a:t>Data simulation by random </a:t>
+                </a:r>
+                <a:r>
+                  <a:rPr lang="en-US" sz="3200" dirty="0" smtClean="0"/>
+                  <a:t>sampling from </a:t>
+                </a:r>
+                <a:r>
+                  <a:rPr lang="en-US" sz="3200" dirty="0" smtClean="0"/>
+                  <a:t>bivariate normal distribution</a:t>
                 </a:r>
                 <a:r>
                   <a:rPr lang="de-DE" sz="3200" dirty="0" smtClean="0"/>
@@ -8216,7 +8284,7 @@
                         <m:dPr>
                           <m:ctrlPr>
                             <a:rPr lang="de-DE" sz="3200" b="0" i="1" smtClean="0">
-                              <a:latin typeface="Cambria Math"/>
+                              <a:latin typeface="Cambria Math" charset="0"/>
                               <a:ea typeface="Cambria Math" charset="0"/>
                             </a:rPr>
                           </m:ctrlPr>
@@ -8227,7 +8295,7 @@
                               <m:type m:val="noBar"/>
                               <m:ctrlPr>
                                 <a:rPr lang="de-DE" sz="3200" b="0" i="1" smtClean="0">
-                                  <a:latin typeface="Cambria Math"/>
+                                  <a:latin typeface="Cambria Math" charset="0"/>
                                   <a:ea typeface="Cambria Math" charset="0"/>
                                 </a:rPr>
                               </m:ctrlPr>
@@ -8287,7 +8355,7 @@
                         <m:dPr>
                           <m:ctrlPr>
                             <a:rPr lang="mr-IN" sz="3200" b="0" i="1" smtClean="0">
-                              <a:latin typeface="Cambria Math"/>
+                              <a:latin typeface="Cambria Math" charset="0"/>
                               <a:ea typeface="Cambria Math" charset="0"/>
                               <a:cs typeface="Cambria Math" charset="0"/>
                             </a:rPr>
@@ -8298,7 +8366,7 @@
                             <m:dPr>
                               <m:ctrlPr>
                                 <a:rPr lang="mr-IN" sz="3200" b="0" i="1" smtClean="0">
-                                  <a:latin typeface="Cambria Math"/>
+                                  <a:latin typeface="Cambria Math" charset="0"/>
                                   <a:ea typeface="Cambria Math" charset="0"/>
                                 </a:rPr>
                               </m:ctrlPr>
@@ -8309,7 +8377,7 @@
                                   <m:type m:val="noBar"/>
                                   <m:ctrlPr>
                                     <a:rPr lang="mr-IN" sz="3200" b="0" i="1" smtClean="0">
-                                      <a:latin typeface="Cambria Math"/>
+                                      <a:latin typeface="Cambria Math" charset="0"/>
                                       <a:ea typeface="Cambria Math" charset="0"/>
                                     </a:rPr>
                                   </m:ctrlPr>
@@ -8326,10 +8394,10 @@
                                 <m:den>
                                   <m:r>
                                     <a:rPr lang="de-DE" sz="3200" b="0" i="1" smtClean="0">
-                                      <a:latin typeface="Cambria Math"/>
+                                      <a:latin typeface="Cambria Math" charset="0"/>
                                       <a:ea typeface="Cambria Math" charset="0"/>
                                     </a:rPr>
-                                    <m:t>4</m:t>
+                                    <m:t>1.5</m:t>
                                   </m:r>
                                 </m:den>
                               </m:f>
@@ -8346,7 +8414,7 @@
                             <m:dPr>
                               <m:ctrlPr>
                                 <a:rPr lang="de-DE" sz="3200" b="0" i="1" smtClean="0">
-                                  <a:latin typeface="Cambria Math"/>
+                                  <a:latin typeface="Cambria Math" charset="0"/>
                                   <a:ea typeface="Cambria Math" charset="0"/>
                                 </a:rPr>
                               </m:ctrlPr>
@@ -8357,7 +8425,7 @@
                                   <m:type m:val="noBar"/>
                                   <m:ctrlPr>
                                     <a:rPr lang="de-DE" sz="3200" b="0" i="1" smtClean="0">
-                                      <a:latin typeface="Cambria Math"/>
+                                      <a:latin typeface="Cambria Math" charset="0"/>
                                       <a:ea typeface="Cambria Math" charset="0"/>
                                     </a:rPr>
                                   </m:ctrlPr>
@@ -8365,19 +8433,19 @@
                                 <m:num>
                                   <m:r>
                                     <a:rPr lang="de-DE" sz="3200" b="0" i="1" smtClean="0">
-                                      <a:latin typeface="Cambria Math"/>
+                                      <a:latin typeface="Cambria Math" charset="0"/>
                                       <a:ea typeface="Cambria Math" charset="0"/>
                                     </a:rPr>
-                                    <m:t>4</m:t>
+                                    <m:t>2</m:t>
                                   </m:r>
                                 </m:num>
                                 <m:den>
                                   <m:r>
                                     <a:rPr lang="de-DE" sz="3200" b="0" i="1" smtClean="0">
-                                      <a:latin typeface="Cambria Math"/>
+                                      <a:latin typeface="Cambria Math" charset="0"/>
                                       <a:ea typeface="Cambria Math" charset="0"/>
                                     </a:rPr>
-                                    <m:t>3 </m:t>
+                                    <m:t>1.8</m:t>
                                   </m:r>
                                 </m:den>
                               </m:f>
@@ -8393,7 +8461,7 @@
                                   <m:type m:val="noBar"/>
                                   <m:ctrlPr>
                                     <a:rPr lang="de-DE" sz="3200" b="0" i="1" smtClean="0">
-                                      <a:latin typeface="Cambria Math"/>
+                                      <a:latin typeface="Cambria Math" charset="0"/>
                                       <a:ea typeface="Cambria Math" charset="0"/>
                                     </a:rPr>
                                   </m:ctrlPr>
@@ -8401,19 +8469,19 @@
                                 <m:num>
                                   <m:r>
                                     <a:rPr lang="de-DE" sz="3200" b="0" i="1" smtClean="0">
-                                      <a:latin typeface="Cambria Math"/>
+                                      <a:latin typeface="Cambria Math" charset="0"/>
                                       <a:ea typeface="Cambria Math" charset="0"/>
                                     </a:rPr>
-                                    <m:t>3</m:t>
+                                    <m:t>1.8</m:t>
                                   </m:r>
                                 </m:num>
                                 <m:den>
                                   <m:r>
                                     <a:rPr lang="de-DE" sz="3200" b="0" i="1" smtClean="0">
-                                      <a:latin typeface="Cambria Math"/>
+                                      <a:latin typeface="Cambria Math" charset="0"/>
                                       <a:ea typeface="Cambria Math" charset="0"/>
                                     </a:rPr>
-                                    <m:t>5</m:t>
+                                    <m:t>2.8</m:t>
                                   </m:r>
                                 </m:den>
                               </m:f>
@@ -8495,7 +8563,14 @@
                         <a:latin typeface="Cambria Math"/>
                         <a:ea typeface="Cambria Math"/>
                       </a:rPr>
-                      <m:t>=0.4</m:t>
+                      <m:t>=0.</m:t>
+                    </m:r>
+                    <m:r>
+                      <a:rPr lang="de-DE" sz="3200" b="0" i="1" smtClean="0">
+                        <a:latin typeface="Cambria Math" charset="0"/>
+                        <a:ea typeface="Cambria Math"/>
+                      </a:rPr>
+                      <m:t>3</m:t>
                     </m:r>
                   </m:oMath>
                 </a14:m>
@@ -8535,7 +8610,7 @@
                       <m:dPr>
                         <m:ctrlPr>
                           <a:rPr lang="de-DE" sz="3200" i="1" smtClean="0">
-                            <a:latin typeface="Cambria Math"/>
+                            <a:latin typeface="Cambria Math" charset="0"/>
                             <a:ea typeface="Cambria Math"/>
                           </a:rPr>
                         </m:ctrlPr>
@@ -8545,7 +8620,7 @@
                           <m:sSubPr>
                             <m:ctrlPr>
                               <a:rPr lang="de-DE" sz="3200" i="1">
-                                <a:latin typeface="Cambria Math"/>
+                                <a:latin typeface="Cambria Math" charset="0"/>
                                 <a:ea typeface="Cambria Math"/>
                               </a:rPr>
                             </m:ctrlPr>
@@ -8580,7 +8655,7 @@
                           <m:sSubSupPr>
                             <m:ctrlPr>
                               <a:rPr lang="de-DE" sz="3200" i="1">
-                                <a:latin typeface="Cambria Math"/>
+                                <a:latin typeface="Cambria Math" charset="0"/>
                                 <a:ea typeface="Cambria Math"/>
                               </a:rPr>
                             </m:ctrlPr>
@@ -8624,7 +8699,7 @@
                           <m:sSubPr>
                             <m:ctrlPr>
                               <a:rPr lang="de-DE" sz="3200" i="1">
-                                <a:latin typeface="Cambria Math"/>
+                                <a:latin typeface="Cambria Math" charset="0"/>
                                 <a:ea typeface="Cambria Math"/>
                               </a:rPr>
                             </m:ctrlPr>
@@ -8659,7 +8734,7 @@
                           <m:sSubSupPr>
                             <m:ctrlPr>
                               <a:rPr lang="de-DE" sz="3200" i="1" smtClean="0">
-                                <a:latin typeface="Cambria Math"/>
+                                <a:latin typeface="Cambria Math" charset="0"/>
                                 <a:ea typeface="Cambria Math"/>
                               </a:rPr>
                             </m:ctrlPr>
@@ -8722,7 +8797,23 @@
                 </a:pPr>
                 <a:r>
                   <a:rPr lang="en-US" sz="3200" dirty="0" smtClean="0"/>
-                  <a:t>True variance-covariance matrix is compared with EM imputed matrix an bootstrapped matrix</a:t>
+                  <a:t>True variance-covariance </a:t>
+                </a:r>
+                <a:r>
+                  <a:rPr lang="en-US" sz="3200" dirty="0" smtClean="0"/>
+                  <a:t>matrix (consistent MC estimation) </a:t>
+                </a:r>
+                <a:r>
+                  <a:rPr lang="en-US" sz="3200" dirty="0" smtClean="0"/>
+                  <a:t>is compared with </a:t>
+                </a:r>
+                <a:r>
+                  <a:rPr lang="en-US" sz="3200" dirty="0" smtClean="0"/>
+                  <a:t>biased EM matrix and bootstrapping </a:t>
+                </a:r>
+                <a:r>
+                  <a:rPr lang="en-US" sz="3200" dirty="0" smtClean="0"/>
+                  <a:t>matrix</a:t>
                 </a:r>
               </a:p>
               <a:p>
@@ -8742,7 +8833,7 @@
             </p:txBody>
           </p:sp>
         </mc:Choice>
-        <mc:Fallback xmlns="">
+        <mc:Fallback>
           <p:sp>
             <p:nvSpPr>
               <p:cNvPr id="5" name="Textfeld 4"/>
@@ -8754,15 +8845,15 @@
             <p:spPr>
               <a:xfrm>
                 <a:off x="21861189" y="6718175"/>
-                <a:ext cx="9306473" cy="5588389"/>
+                <a:ext cx="9306473" cy="5914504"/>
               </a:xfrm>
               <a:prstGeom prst="rect">
                 <a:avLst/>
               </a:prstGeom>
-              <a:blipFill rotWithShape="1">
-                <a:blip r:embed="rId8"/>
+              <a:blipFill rotWithShape="0">
+                <a:blip r:embed="rId7"/>
                 <a:stretch>
-                  <a:fillRect l="-1441" t="-1418"/>
+                  <a:fillRect l="-1506" t="-1340"/>
                 </a:stretch>
               </a:blipFill>
             </p:spPr>
@@ -8924,7 +9015,7 @@
                 <a:latin typeface="Arial" panose="020B0604020202020204" pitchFamily="34" charset="0"/>
                 <a:cs typeface="Arial" panose="020B0604020202020204" pitchFamily="34" charset="0"/>
               </a:rPr>
-              <a:t>7. Discussion</a:t>
+              <a:t>7. Conclusion</a:t>
             </a:r>
             <a:endParaRPr lang="en-US" sz="2829" dirty="0">
               <a:solidFill>
@@ -8967,7 +9058,15 @@
             </a:pPr>
             <a:r>
               <a:rPr lang="en-GB" sz="3200" dirty="0" smtClean="0"/>
-              <a:t>In theory: SEM as an easy and convenient tool to obtain variance-covariance estimates for ML parameters in missing data problems</a:t>
+              <a:t>In theory: SEM as an easy and convenient </a:t>
+            </a:r>
+            <a:r>
+              <a:rPr lang="en-GB" sz="3200" dirty="0" smtClean="0"/>
+              <a:t>method to </a:t>
+            </a:r>
+            <a:r>
+              <a:rPr lang="en-GB" sz="3200" dirty="0" smtClean="0"/>
+              <a:t>obtain variance-covariance estimates for ML parameters in missing data problems</a:t>
             </a:r>
           </a:p>
           <a:p>
@@ -8980,8 +9079,25 @@
             </a:pPr>
             <a:r>
               <a:rPr lang="en-GB" sz="3200" dirty="0" smtClean="0"/>
-              <a:t>In practice: Difficulties implementing a numerically stable solution</a:t>
-            </a:r>
+              <a:t>In practice: </a:t>
+            </a:r>
+            <a:r>
+              <a:rPr lang="en-GB" sz="3200" dirty="0" smtClean="0"/>
+              <a:t>Implementing </a:t>
+            </a:r>
+            <a:r>
+              <a:rPr lang="en-GB" sz="3200" dirty="0" smtClean="0"/>
+              <a:t>a </a:t>
+            </a:r>
+            <a:r>
+              <a:rPr lang="en-GB" sz="3200" dirty="0" smtClean="0"/>
+              <a:t>stable solution may </a:t>
+            </a:r>
+            <a:r>
+              <a:rPr lang="en-GB" sz="3200" smtClean="0"/>
+              <a:t>be difficult, depending on the model</a:t>
+            </a:r>
+            <a:endParaRPr lang="en-GB" sz="3200" dirty="0" smtClean="0"/>
           </a:p>
           <a:p>
             <a:pPr marL="285750" indent="-285750">
@@ -9142,7 +9258,7 @@
           <p:nvPr/>
         </p:nvPicPr>
         <p:blipFill>
-          <a:blip r:embed="rId9">
+          <a:blip r:embed="rId8">
             <a:extLst>
               <a:ext uri="{28A0092B-C50C-407E-A947-70E740481C1C}">
                 <a14:useLocalDpi xmlns:a14="http://schemas.microsoft.com/office/drawing/2010/main" val="0"/>
@@ -9174,7 +9290,7 @@
           <p:nvPr/>
         </p:nvPicPr>
         <p:blipFill>
-          <a:blip r:embed="rId10">
+          <a:blip r:embed="rId9">
             <a:extLst>
               <a:ext uri="{28A0092B-C50C-407E-A947-70E740481C1C}">
                 <a14:useLocalDpi xmlns:a14="http://schemas.microsoft.com/office/drawing/2010/main" val="0"/>
@@ -9188,7 +9304,7 @@
         <p:spPr>
           <a:xfrm>
             <a:off x="22444822" y="14406133"/>
-            <a:ext cx="8538599" cy="5977019"/>
+            <a:ext cx="8538598" cy="5977019"/>
           </a:xfrm>
           <a:prstGeom prst="rect">
             <a:avLst/>
